--- a/DOC/Fachgespraech.pptx
+++ b/DOC/Fachgespraech.pptx
@@ -5,18 +5,20 @@
     <p:sldMasterId id="2147483648" r:id="rId5"/>
   </p:sldMasterIdLst>
   <p:notesMasterIdLst>
-    <p:notesMasterId r:id="rId12"/>
+    <p:notesMasterId r:id="rId14"/>
   </p:notesMasterIdLst>
   <p:handoutMasterIdLst>
-    <p:handoutMasterId r:id="rId13"/>
+    <p:handoutMasterId r:id="rId15"/>
   </p:handoutMasterIdLst>
   <p:sldIdLst>
     <p:sldId id="329" r:id="rId6"/>
     <p:sldId id="347" r:id="rId7"/>
-    <p:sldId id="356" r:id="rId8"/>
-    <p:sldId id="365" r:id="rId9"/>
-    <p:sldId id="366" r:id="rId10"/>
-    <p:sldId id="348" r:id="rId11"/>
+    <p:sldId id="259" r:id="rId8"/>
+    <p:sldId id="261" r:id="rId9"/>
+    <p:sldId id="356" r:id="rId10"/>
+    <p:sldId id="365" r:id="rId11"/>
+    <p:sldId id="366" r:id="rId12"/>
+    <p:sldId id="348" r:id="rId13"/>
   </p:sldIdLst>
   <p:sldSz cx="9144000" cy="6858000" type="screen4x3"/>
   <p:notesSz cx="7099300" cy="10234613"/>
@@ -786,7 +788,7 @@
       </p:grpSpPr>
       <p:sp>
         <p:nvSpPr>
-          <p:cNvPr id="2" name="Slide Image Placeholder 1"/>
+          <p:cNvPr id="2" name="Folienbildplatzhalter 1"/>
           <p:cNvSpPr>
             <a:spLocks noGrp="1" noRot="1" noChangeAspect="1"/>
           </p:cNvSpPr>
@@ -798,7 +800,7 @@
       </p:sp>
       <p:sp>
         <p:nvSpPr>
-          <p:cNvPr id="3" name="Notes Placeholder 2"/>
+          <p:cNvPr id="3" name="Notizenplatzhalter 2"/>
           <p:cNvSpPr>
             <a:spLocks noGrp="1"/>
           </p:cNvSpPr>
@@ -813,7 +815,55 @@
           <a:p>
             <a:r>
               <a:rPr lang="de-DE" dirty="0"/>
-              <a:t>REFACTORING nicht im BILD</a:t>
+              <a:t>GESIS ist ein eingetragener Verein.</a:t>
+            </a:r>
+          </a:p>
+          <a:p>
+            <a:r>
+              <a:rPr lang="de-DE" dirty="0"/>
+              <a:t> </a:t>
+            </a:r>
+          </a:p>
+          <a:p>
+            <a:r>
+              <a:rPr lang="de-DE" dirty="0"/>
+              <a:t>Wir haben den Satzungszweck der Förderung der sozialwissenschaftlichen Forschung.</a:t>
+            </a:r>
+          </a:p>
+          <a:p>
+            <a:r>
+              <a:rPr lang="de-DE" dirty="0"/>
+              <a:t> </a:t>
+            </a:r>
+          </a:p>
+          <a:p>
+            <a:r>
+              <a:rPr lang="de-DE" dirty="0"/>
+              <a:t>Unser Ziel ist grundlegende, überregional und international bedeutsame forschungsbasierte Dienstleistungen für die Sozialwissenschaften zu erbringen. </a:t>
+            </a:r>
+          </a:p>
+          <a:p>
+            <a:r>
+              <a:rPr lang="de-DE" dirty="0"/>
+              <a:t> </a:t>
+            </a:r>
+          </a:p>
+          <a:p>
+            <a:r>
+              <a:rPr lang="de-DE" dirty="0"/>
+              <a:t>Wir haben zwei Standorte: Mannheim und Köln. Am Standort Köln arbeiten rund 300 Kolleginnen und Kollegen.</a:t>
+            </a:r>
+          </a:p>
+          <a:p>
+            <a:r>
+              <a:rPr lang="de-DE" dirty="0"/>
+              <a:t> </a:t>
+            </a:r>
+          </a:p>
+          <a:p>
+            <a:r>
+              <a:rPr lang="de-DE" dirty="0"/>
+              <a:t>Unter anderem richtet GESIS Schulungen, Seminare und Konferenzen aus. An Spitzentagen mit bis zu 250 Teilnehmern.</a:t>
             </a:r>
           </a:p>
           <a:p>
@@ -823,12 +873,12 @@
       </p:sp>
       <p:sp>
         <p:nvSpPr>
-          <p:cNvPr id="4" name="Date Placeholder 3"/>
-          <p:cNvSpPr>
-            <a:spLocks noGrp="1"/>
-          </p:cNvSpPr>
-          <p:nvPr>
-            <p:ph type="dt" idx="1"/>
+          <p:cNvPr id="4" name="Foliennummernplatzhalter 3"/>
+          <p:cNvSpPr>
+            <a:spLocks noGrp="1"/>
+          </p:cNvSpPr>
+          <p:nvPr>
+            <p:ph type="sldNum" sz="quarter" idx="10"/>
           </p:nvPr>
         </p:nvSpPr>
         <p:spPr/>
@@ -836,38 +886,18 @@
           <a:bodyPr/>
           <a:lstStyle/>
           <a:p>
-            <a:endParaRPr lang="de-DE" dirty="0"/>
-          </a:p>
-        </p:txBody>
-      </p:sp>
-      <p:sp>
-        <p:nvSpPr>
-          <p:cNvPr id="5" name="Slide Number Placeholder 4"/>
-          <p:cNvSpPr>
-            <a:spLocks noGrp="1"/>
-          </p:cNvSpPr>
-          <p:nvPr>
-            <p:ph type="sldNum" sz="quarter" idx="5"/>
-          </p:nvPr>
-        </p:nvSpPr>
-        <p:spPr/>
-        <p:txBody>
-          <a:bodyPr/>
-          <a:lstStyle/>
-          <a:p>
-            <a:fld id="{BF63E930-8F88-4EE0-A623-E2193C3967E3}" type="slidenum">
+            <a:fld id="{1928C91E-B408-4609-AD83-03ADF00550DE}" type="slidenum">
               <a:rPr lang="de-DE" smtClean="0"/>
-              <a:pPr/>
               <a:t>3</a:t>
             </a:fld>
-            <a:endParaRPr lang="de-DE" dirty="0"/>
+            <a:endParaRPr lang="de-DE"/>
           </a:p>
         </p:txBody>
       </p:sp>
     </p:spTree>
     <p:extLst>
       <p:ext uri="{BB962C8B-B14F-4D97-AF65-F5344CB8AC3E}">
-        <p14:creationId xmlns:p14="http://schemas.microsoft.com/office/powerpoint/2010/main" val="1087693115"/>
+        <p14:creationId xmlns:p14="http://schemas.microsoft.com/office/powerpoint/2010/main" val="2003502434"/>
       </p:ext>
     </p:extLst>
   </p:cSld>
@@ -896,7 +926,7 @@
       </p:grpSpPr>
       <p:sp>
         <p:nvSpPr>
-          <p:cNvPr id="2" name="Slide Image Placeholder 1"/>
+          <p:cNvPr id="2" name="Folienbildplatzhalter 1"/>
           <p:cNvSpPr>
             <a:spLocks noGrp="1" noRot="1" noChangeAspect="1"/>
           </p:cNvSpPr>
@@ -908,7 +938,7 @@
       </p:sp>
       <p:sp>
         <p:nvSpPr>
-          <p:cNvPr id="3" name="Notes Placeholder 2"/>
+          <p:cNvPr id="3" name="Notizenplatzhalter 2"/>
           <p:cNvSpPr>
             <a:spLocks noGrp="1"/>
           </p:cNvSpPr>
@@ -921,18 +951,131 @@
           <a:bodyPr/>
           <a:lstStyle/>
           <a:p>
+            <a:r>
+              <a:rPr lang="de-DE" dirty="0"/>
+              <a:t>Um das zu erreichen, sollten bisher ungenutzte Features unserer WLAN-Appliance, der sog. IAC-BOX, aktiviert werden.</a:t>
+            </a:r>
+          </a:p>
+          <a:p>
+            <a:r>
+              <a:rPr lang="de-DE" dirty="0"/>
+              <a:t> </a:t>
+            </a:r>
+          </a:p>
+          <a:p>
+            <a:r>
+              <a:rPr lang="de-DE" dirty="0"/>
+              <a:t>Was genau ist die IAC-BOX? Die </a:t>
+            </a:r>
+            <a:r>
+              <a:rPr lang="de-DE" baseline="0" dirty="0"/>
+              <a:t>IAC-BOX implementiert ein Ticketsystem wie es auch z.B. Hotels verwenden. Die IAC-BOX wird auch an Hotels verkauft.</a:t>
+            </a:r>
             <a:endParaRPr lang="de-DE" dirty="0"/>
           </a:p>
-        </p:txBody>
-      </p:sp>
-      <p:sp>
-        <p:nvSpPr>
-          <p:cNvPr id="4" name="Date Placeholder 3"/>
-          <p:cNvSpPr>
-            <a:spLocks noGrp="1"/>
-          </p:cNvSpPr>
-          <p:nvPr>
-            <p:ph type="dt" idx="1"/>
+          <a:p>
+            <a:endParaRPr lang="de-DE" dirty="0"/>
+          </a:p>
+          <a:p>
+            <a:r>
+              <a:rPr lang="de-DE" dirty="0"/>
+              <a:t>Sie hat die Aufgabe, den Zugang zum GESIS-Gästenetz zu verwalten.</a:t>
+            </a:r>
+          </a:p>
+          <a:p>
+            <a:endParaRPr lang="de-DE" dirty="0"/>
+          </a:p>
+          <a:p>
+            <a:r>
+              <a:rPr lang="de-DE" dirty="0"/>
+              <a:t>Dazu ist die IAC-BOX mit dem WLAN-Controller gekoppelt.</a:t>
+            </a:r>
+          </a:p>
+          <a:p>
+            <a:r>
+              <a:rPr lang="de-DE" dirty="0"/>
+              <a:t> </a:t>
+            </a:r>
+          </a:p>
+          <a:p>
+            <a:r>
+              <a:rPr lang="de-DE" dirty="0"/>
+              <a:t>Nur mit einem gültigen Ticket gestattet</a:t>
+            </a:r>
+            <a:r>
+              <a:rPr lang="de-DE" baseline="0" dirty="0"/>
+              <a:t> </a:t>
+            </a:r>
+            <a:r>
+              <a:rPr lang="de-DE" dirty="0"/>
+              <a:t>die IAC-BOX einem Gästegerät den Zugang zum Gästenetz.</a:t>
+            </a:r>
+          </a:p>
+          <a:p>
+            <a:r>
+              <a:rPr lang="de-DE" dirty="0"/>
+              <a:t> </a:t>
+            </a:r>
+          </a:p>
+          <a:p>
+            <a:r>
+              <a:rPr lang="de-DE" dirty="0"/>
+              <a:t>Diese</a:t>
+            </a:r>
+            <a:r>
+              <a:rPr lang="de-DE" baseline="0" dirty="0"/>
+              <a:t> </a:t>
+            </a:r>
+            <a:r>
+              <a:rPr lang="de-DE" dirty="0"/>
+              <a:t>Tickets wurden bisher</a:t>
+            </a:r>
+            <a:r>
+              <a:rPr lang="de-DE" baseline="0" dirty="0"/>
+              <a:t> </a:t>
+            </a:r>
+            <a:r>
+              <a:rPr lang="de-DE" dirty="0"/>
+              <a:t>von der IT erstellt.</a:t>
+            </a:r>
+          </a:p>
+          <a:p>
+            <a:r>
+              <a:rPr lang="de-DE" dirty="0"/>
+              <a:t> </a:t>
+            </a:r>
+          </a:p>
+          <a:p>
+            <a:r>
+              <a:rPr lang="de-DE" dirty="0"/>
+              <a:t>Um die IT von dieser Aufgabe zu befreien, sollte ich 5 bislang ungenutzte Module der IAC-BOX urbar machen.</a:t>
+            </a:r>
+          </a:p>
+          <a:p>
+            <a:endParaRPr lang="de-DE" dirty="0"/>
+          </a:p>
+          <a:p>
+            <a:r>
+              <a:rPr lang="de-DE" dirty="0"/>
+              <a:t> </a:t>
+            </a:r>
+          </a:p>
+          <a:p>
+            <a:r>
+              <a:rPr lang="de-DE" dirty="0"/>
+              <a:t>Ich werde im Folgenden diese Module genauer beschreiben.</a:t>
+            </a:r>
+          </a:p>
+        </p:txBody>
+      </p:sp>
+      <p:sp>
+        <p:nvSpPr>
+          <p:cNvPr id="4" name="Foliennummernplatzhalter 3"/>
+          <p:cNvSpPr>
+            <a:spLocks noGrp="1"/>
+          </p:cNvSpPr>
+          <p:nvPr>
+            <p:ph type="sldNum" sz="quarter" idx="10"/>
           </p:nvPr>
         </p:nvSpPr>
         <p:spPr/>
@@ -940,7 +1083,97 @@
           <a:bodyPr/>
           <a:lstStyle/>
           <a:p>
+            <a:fld id="{1928C91E-B408-4609-AD83-03ADF00550DE}" type="slidenum">
+              <a:rPr lang="de-DE" smtClean="0"/>
+              <a:t>4</a:t>
+            </a:fld>
             <a:endParaRPr lang="de-DE"/>
+          </a:p>
+        </p:txBody>
+      </p:sp>
+    </p:spTree>
+    <p:extLst>
+      <p:ext uri="{BB962C8B-B14F-4D97-AF65-F5344CB8AC3E}">
+        <p14:creationId xmlns:p14="http://schemas.microsoft.com/office/powerpoint/2010/main" val="2252166543"/>
+      </p:ext>
+    </p:extLst>
+  </p:cSld>
+  <p:clrMapOvr>
+    <a:masterClrMapping/>
+  </p:clrMapOvr>
+</p:notes>
+</file>
+
+<file path=ppt/notesSlides/notesSlide4.xml><?xml version="1.0" encoding="utf-8"?>
+<p:notes xmlns:a="http://schemas.openxmlformats.org/drawingml/2006/main" xmlns:r="http://schemas.openxmlformats.org/officeDocument/2006/relationships" xmlns:p="http://schemas.openxmlformats.org/presentationml/2006/main">
+  <p:cSld>
+    <p:spTree>
+      <p:nvGrpSpPr>
+        <p:cNvPr id="1" name=""/>
+        <p:cNvGrpSpPr/>
+        <p:nvPr/>
+      </p:nvGrpSpPr>
+      <p:grpSpPr>
+        <a:xfrm>
+          <a:off x="0" y="0"/>
+          <a:ext cx="0" cy="0"/>
+          <a:chOff x="0" y="0"/>
+          <a:chExt cx="0" cy="0"/>
+        </a:xfrm>
+      </p:grpSpPr>
+      <p:sp>
+        <p:nvSpPr>
+          <p:cNvPr id="2" name="Slide Image Placeholder 1"/>
+          <p:cNvSpPr>
+            <a:spLocks noGrp="1" noRot="1" noChangeAspect="1"/>
+          </p:cNvSpPr>
+          <p:nvPr>
+            <p:ph type="sldImg"/>
+          </p:nvPr>
+        </p:nvSpPr>
+        <p:spPr/>
+      </p:sp>
+      <p:sp>
+        <p:nvSpPr>
+          <p:cNvPr id="3" name="Notes Placeholder 2"/>
+          <p:cNvSpPr>
+            <a:spLocks noGrp="1"/>
+          </p:cNvSpPr>
+          <p:nvPr>
+            <p:ph type="body" idx="1"/>
+          </p:nvPr>
+        </p:nvSpPr>
+        <p:spPr/>
+        <p:txBody>
+          <a:bodyPr/>
+          <a:lstStyle/>
+          <a:p>
+            <a:r>
+              <a:rPr lang="de-DE" dirty="0"/>
+              <a:t>REFACTORING nicht im BILD</a:t>
+            </a:r>
+          </a:p>
+          <a:p>
+            <a:endParaRPr lang="de-DE" dirty="0"/>
+          </a:p>
+        </p:txBody>
+      </p:sp>
+      <p:sp>
+        <p:nvSpPr>
+          <p:cNvPr id="4" name="Date Placeholder 3"/>
+          <p:cNvSpPr>
+            <a:spLocks noGrp="1"/>
+          </p:cNvSpPr>
+          <p:nvPr>
+            <p:ph type="dt" idx="1"/>
+          </p:nvPr>
+        </p:nvSpPr>
+        <p:spPr/>
+        <p:txBody>
+          <a:bodyPr/>
+          <a:lstStyle/>
+          <a:p>
+            <a:endParaRPr lang="de-DE" dirty="0"/>
           </a:p>
         </p:txBody>
       </p:sp>
@@ -962,7 +1195,111 @@
             <a:fld id="{BF63E930-8F88-4EE0-A623-E2193C3967E3}" type="slidenum">
               <a:rPr lang="de-DE" smtClean="0"/>
               <a:pPr/>
-              <a:t>4</a:t>
+              <a:t>5</a:t>
+            </a:fld>
+            <a:endParaRPr lang="de-DE" dirty="0"/>
+          </a:p>
+        </p:txBody>
+      </p:sp>
+    </p:spTree>
+    <p:extLst>
+      <p:ext uri="{BB962C8B-B14F-4D97-AF65-F5344CB8AC3E}">
+        <p14:creationId xmlns:p14="http://schemas.microsoft.com/office/powerpoint/2010/main" val="1087693115"/>
+      </p:ext>
+    </p:extLst>
+  </p:cSld>
+  <p:clrMapOvr>
+    <a:masterClrMapping/>
+  </p:clrMapOvr>
+</p:notes>
+</file>
+
+<file path=ppt/notesSlides/notesSlide5.xml><?xml version="1.0" encoding="utf-8"?>
+<p:notes xmlns:a="http://schemas.openxmlformats.org/drawingml/2006/main" xmlns:r="http://schemas.openxmlformats.org/officeDocument/2006/relationships" xmlns:p="http://schemas.openxmlformats.org/presentationml/2006/main">
+  <p:cSld>
+    <p:spTree>
+      <p:nvGrpSpPr>
+        <p:cNvPr id="1" name=""/>
+        <p:cNvGrpSpPr/>
+        <p:nvPr/>
+      </p:nvGrpSpPr>
+      <p:grpSpPr>
+        <a:xfrm>
+          <a:off x="0" y="0"/>
+          <a:ext cx="0" cy="0"/>
+          <a:chOff x="0" y="0"/>
+          <a:chExt cx="0" cy="0"/>
+        </a:xfrm>
+      </p:grpSpPr>
+      <p:sp>
+        <p:nvSpPr>
+          <p:cNvPr id="2" name="Slide Image Placeholder 1"/>
+          <p:cNvSpPr>
+            <a:spLocks noGrp="1" noRot="1" noChangeAspect="1"/>
+          </p:cNvSpPr>
+          <p:nvPr>
+            <p:ph type="sldImg"/>
+          </p:nvPr>
+        </p:nvSpPr>
+        <p:spPr/>
+      </p:sp>
+      <p:sp>
+        <p:nvSpPr>
+          <p:cNvPr id="3" name="Notes Placeholder 2"/>
+          <p:cNvSpPr>
+            <a:spLocks noGrp="1"/>
+          </p:cNvSpPr>
+          <p:nvPr>
+            <p:ph type="body" idx="1"/>
+          </p:nvPr>
+        </p:nvSpPr>
+        <p:spPr/>
+        <p:txBody>
+          <a:bodyPr/>
+          <a:lstStyle/>
+          <a:p>
+            <a:endParaRPr lang="de-DE" dirty="0"/>
+          </a:p>
+        </p:txBody>
+      </p:sp>
+      <p:sp>
+        <p:nvSpPr>
+          <p:cNvPr id="4" name="Date Placeholder 3"/>
+          <p:cNvSpPr>
+            <a:spLocks noGrp="1"/>
+          </p:cNvSpPr>
+          <p:nvPr>
+            <p:ph type="dt" idx="1"/>
+          </p:nvPr>
+        </p:nvSpPr>
+        <p:spPr/>
+        <p:txBody>
+          <a:bodyPr/>
+          <a:lstStyle/>
+          <a:p>
+            <a:endParaRPr lang="de-DE"/>
+          </a:p>
+        </p:txBody>
+      </p:sp>
+      <p:sp>
+        <p:nvSpPr>
+          <p:cNvPr id="5" name="Slide Number Placeholder 4"/>
+          <p:cNvSpPr>
+            <a:spLocks noGrp="1"/>
+          </p:cNvSpPr>
+          <p:nvPr>
+            <p:ph type="sldNum" sz="quarter" idx="5"/>
+          </p:nvPr>
+        </p:nvSpPr>
+        <p:spPr/>
+        <p:txBody>
+          <a:bodyPr/>
+          <a:lstStyle/>
+          <a:p>
+            <a:fld id="{BF63E930-8F88-4EE0-A623-E2193C3967E3}" type="slidenum">
+              <a:rPr lang="de-DE" smtClean="0"/>
+              <a:pPr/>
+              <a:t>6</a:t>
             </a:fld>
             <a:endParaRPr lang="de-DE"/>
           </a:p>
@@ -3619,6 +3956,591 @@
           <a:chExt cx="0" cy="0"/>
         </a:xfrm>
       </p:grpSpPr>
+      <p:sp>
+        <p:nvSpPr>
+          <p:cNvPr id="2" name="Titel 1"/>
+          <p:cNvSpPr>
+            <a:spLocks noGrp="1"/>
+          </p:cNvSpPr>
+          <p:nvPr>
+            <p:ph type="title"/>
+          </p:nvPr>
+        </p:nvSpPr>
+        <p:spPr/>
+        <p:txBody>
+          <a:bodyPr>
+            <a:normAutofit fontScale="90000"/>
+          </a:bodyPr>
+          <a:lstStyle/>
+          <a:p>
+            <a:r>
+              <a:rPr lang="de-DE" dirty="0"/>
+              <a:t>Das Institut</a:t>
+            </a:r>
+          </a:p>
+        </p:txBody>
+      </p:sp>
+      <p:sp>
+        <p:nvSpPr>
+          <p:cNvPr id="6" name="Rechteck 5"/>
+          <p:cNvSpPr/>
+          <p:nvPr/>
+        </p:nvSpPr>
+        <p:spPr>
+          <a:xfrm>
+            <a:off x="323528" y="6237312"/>
+            <a:ext cx="1440160" cy="620688"/>
+          </a:xfrm>
+          <a:prstGeom prst="rect">
+            <a:avLst/>
+          </a:prstGeom>
+          <a:ln>
+            <a:noFill/>
+          </a:ln>
+        </p:spPr>
+        <p:style>
+          <a:lnRef idx="2">
+            <a:schemeClr val="dk1"/>
+          </a:lnRef>
+          <a:fillRef idx="1">
+            <a:schemeClr val="lt1"/>
+          </a:fillRef>
+          <a:effectRef idx="0">
+            <a:schemeClr val="dk1"/>
+          </a:effectRef>
+          <a:fontRef idx="minor">
+            <a:schemeClr val="dk1"/>
+          </a:fontRef>
+        </p:style>
+        <p:txBody>
+          <a:bodyPr rtlCol="0" anchor="ctr"/>
+          <a:lstStyle/>
+          <a:p>
+            <a:pPr algn="ctr"/>
+            <a:endParaRPr lang="de-DE"/>
+          </a:p>
+        </p:txBody>
+      </p:sp>
+      <p:sp>
+        <p:nvSpPr>
+          <p:cNvPr id="7" name="Foliennummernplatzhalter 6"/>
+          <p:cNvSpPr>
+            <a:spLocks noGrp="1"/>
+          </p:cNvSpPr>
+          <p:nvPr>
+            <p:ph type="sldNum" sz="quarter" idx="12"/>
+          </p:nvPr>
+        </p:nvSpPr>
+        <p:spPr/>
+        <p:txBody>
+          <a:bodyPr/>
+          <a:lstStyle/>
+          <a:p>
+            <a:fld id="{AC76F9B2-121F-446C-A37F-B7F54BF3DCAC}" type="slidenum">
+              <a:rPr lang="de-DE" smtClean="0"/>
+              <a:t>3</a:t>
+            </a:fld>
+            <a:endParaRPr lang="de-DE" dirty="0"/>
+          </a:p>
+        </p:txBody>
+      </p:sp>
+      <p:pic>
+        <p:nvPicPr>
+          <p:cNvPr id="3" name="Picture 2">
+            <a:extLst>
+              <a:ext uri="{FF2B5EF4-FFF2-40B4-BE49-F238E27FC236}">
+                <a16:creationId xmlns:a16="http://schemas.microsoft.com/office/drawing/2014/main" id="{59164D2C-E2DF-EA48-8243-D028C4461300}"/>
+              </a:ext>
+            </a:extLst>
+          </p:cNvPr>
+          <p:cNvPicPr>
+            <a:picLocks noChangeAspect="1"/>
+          </p:cNvPicPr>
+          <p:nvPr/>
+        </p:nvPicPr>
+        <p:blipFill>
+          <a:blip r:embed="rId3"/>
+          <a:stretch>
+            <a:fillRect/>
+          </a:stretch>
+        </p:blipFill>
+        <p:spPr>
+          <a:xfrm>
+            <a:off x="1034412" y="1412197"/>
+            <a:ext cx="7075176" cy="5009917"/>
+          </a:xfrm>
+          <a:prstGeom prst="rect">
+            <a:avLst/>
+          </a:prstGeom>
+        </p:spPr>
+      </p:pic>
+    </p:spTree>
+    <p:extLst>
+      <p:ext uri="{BB962C8B-B14F-4D97-AF65-F5344CB8AC3E}">
+        <p14:creationId xmlns:p14="http://schemas.microsoft.com/office/powerpoint/2010/main" val="1457638166"/>
+      </p:ext>
+    </p:extLst>
+  </p:cSld>
+  <p:clrMapOvr>
+    <a:masterClrMapping/>
+  </p:clrMapOvr>
+</p:sld>
+</file>
+
+<file path=ppt/slides/slide4.xml><?xml version="1.0" encoding="utf-8"?>
+<p:sld xmlns:a="http://schemas.openxmlformats.org/drawingml/2006/main" xmlns:r="http://schemas.openxmlformats.org/officeDocument/2006/relationships" xmlns:p="http://schemas.openxmlformats.org/presentationml/2006/main">
+  <p:cSld>
+    <p:spTree>
+      <p:nvGrpSpPr>
+        <p:cNvPr id="1" name=""/>
+        <p:cNvGrpSpPr/>
+        <p:nvPr/>
+      </p:nvGrpSpPr>
+      <p:grpSpPr>
+        <a:xfrm>
+          <a:off x="0" y="0"/>
+          <a:ext cx="0" cy="0"/>
+          <a:chOff x="0" y="0"/>
+          <a:chExt cx="0" cy="0"/>
+        </a:xfrm>
+      </p:grpSpPr>
+      <p:sp>
+        <p:nvSpPr>
+          <p:cNvPr id="2" name="Titel 1"/>
+          <p:cNvSpPr>
+            <a:spLocks noGrp="1"/>
+          </p:cNvSpPr>
+          <p:nvPr>
+            <p:ph type="title"/>
+          </p:nvPr>
+        </p:nvSpPr>
+        <p:spPr/>
+        <p:txBody>
+          <a:bodyPr/>
+          <a:lstStyle/>
+          <a:p>
+            <a:r>
+              <a:rPr lang="de-DE" dirty="0"/>
+              <a:t>Altes Erfassungssystem</a:t>
+            </a:r>
+          </a:p>
+        </p:txBody>
+      </p:sp>
+      <p:sp>
+        <p:nvSpPr>
+          <p:cNvPr id="4" name="Foliennummernplatzhalter 3"/>
+          <p:cNvSpPr>
+            <a:spLocks noGrp="1"/>
+          </p:cNvSpPr>
+          <p:nvPr>
+            <p:ph type="sldNum" sz="quarter" idx="12"/>
+          </p:nvPr>
+        </p:nvSpPr>
+        <p:spPr/>
+        <p:txBody>
+          <a:bodyPr/>
+          <a:lstStyle/>
+          <a:p>
+            <a:fld id="{AC76F9B2-121F-446C-A37F-B7F54BF3DCAC}" type="slidenum">
+              <a:rPr lang="de-DE" smtClean="0"/>
+              <a:t>4</a:t>
+            </a:fld>
+            <a:endParaRPr lang="de-DE"/>
+          </a:p>
+        </p:txBody>
+      </p:sp>
+      <p:pic>
+        <p:nvPicPr>
+          <p:cNvPr id="2050" name="Picture 2" descr="C:\Users\kubelkts\Downloads\13_05_osa_icons_png\osa_users_blue_green.png"/>
+          <p:cNvPicPr>
+            <a:picLocks noChangeAspect="1" noChangeArrowheads="1"/>
+          </p:cNvPicPr>
+          <p:nvPr/>
+        </p:nvPicPr>
+        <p:blipFill>
+          <a:blip r:embed="rId3">
+            <a:extLst>
+              <a:ext uri="{28A0092B-C50C-407E-A947-70E740481C1C}">
+                <a14:useLocalDpi xmlns:a14="http://schemas.microsoft.com/office/drawing/2010/main" val="0"/>
+              </a:ext>
+            </a:extLst>
+          </a:blip>
+          <a:srcRect/>
+          <a:stretch>
+            <a:fillRect/>
+          </a:stretch>
+        </p:blipFill>
+        <p:spPr bwMode="auto">
+          <a:xfrm>
+            <a:off x="1109663" y="3713013"/>
+            <a:ext cx="1300163" cy="1300163"/>
+          </a:xfrm>
+          <a:prstGeom prst="rect">
+            <a:avLst/>
+          </a:prstGeom>
+          <a:noFill/>
+          <a:extLst>
+            <a:ext uri="{909E8E84-426E-40DD-AFC4-6F175D3DCCD1}">
+              <a14:hiddenFill xmlns:a14="http://schemas.microsoft.com/office/drawing/2010/main">
+                <a:solidFill>
+                  <a:srgbClr val="FFFFFF"/>
+                </a:solidFill>
+              </a14:hiddenFill>
+            </a:ext>
+          </a:extLst>
+        </p:spPr>
+      </p:pic>
+      <p:pic>
+        <p:nvPicPr>
+          <p:cNvPr id="2051" name="Picture 3" descr="C:\Users\kubelkts\Downloads\13_05_osa_icons_png\osa_cloud.png"/>
+          <p:cNvPicPr>
+            <a:picLocks noChangeAspect="1" noChangeArrowheads="1"/>
+          </p:cNvPicPr>
+          <p:nvPr/>
+        </p:nvPicPr>
+        <p:blipFill>
+          <a:blip r:embed="rId4">
+            <a:extLst>
+              <a:ext uri="{28A0092B-C50C-407E-A947-70E740481C1C}">
+                <a14:useLocalDpi xmlns:a14="http://schemas.microsoft.com/office/drawing/2010/main" val="0"/>
+              </a:ext>
+            </a:extLst>
+          </a:blip>
+          <a:srcRect/>
+          <a:stretch>
+            <a:fillRect/>
+          </a:stretch>
+        </p:blipFill>
+        <p:spPr bwMode="auto">
+          <a:xfrm>
+            <a:off x="6732240" y="3713013"/>
+            <a:ext cx="1300162" cy="1300162"/>
+          </a:xfrm>
+          <a:prstGeom prst="rect">
+            <a:avLst/>
+          </a:prstGeom>
+          <a:noFill/>
+          <a:extLst>
+            <a:ext uri="{909E8E84-426E-40DD-AFC4-6F175D3DCCD1}">
+              <a14:hiddenFill xmlns:a14="http://schemas.microsoft.com/office/drawing/2010/main">
+                <a:solidFill>
+                  <a:srgbClr val="FFFFFF"/>
+                </a:solidFill>
+              </a14:hiddenFill>
+            </a:ext>
+          </a:extLst>
+        </p:spPr>
+      </p:pic>
+      <p:pic>
+        <p:nvPicPr>
+          <p:cNvPr id="2052" name="Picture 4" descr="C:\Users\kubelkts\Downloads\13_05_osa_icons_png\osa_server_proxy.png"/>
+          <p:cNvPicPr>
+            <a:picLocks noChangeAspect="1" noChangeArrowheads="1"/>
+          </p:cNvPicPr>
+          <p:nvPr/>
+        </p:nvPicPr>
+        <p:blipFill>
+          <a:blip r:embed="rId5">
+            <a:extLst>
+              <a:ext uri="{28A0092B-C50C-407E-A947-70E740481C1C}">
+                <a14:useLocalDpi xmlns:a14="http://schemas.microsoft.com/office/drawing/2010/main" val="0"/>
+              </a:ext>
+            </a:extLst>
+          </a:blip>
+          <a:srcRect/>
+          <a:stretch>
+            <a:fillRect/>
+          </a:stretch>
+        </p:blipFill>
+        <p:spPr bwMode="auto">
+          <a:xfrm>
+            <a:off x="3923506" y="3641005"/>
+            <a:ext cx="1300163" cy="1300163"/>
+          </a:xfrm>
+          <a:prstGeom prst="rect">
+            <a:avLst/>
+          </a:prstGeom>
+          <a:noFill/>
+          <a:extLst>
+            <a:ext uri="{909E8E84-426E-40DD-AFC4-6F175D3DCCD1}">
+              <a14:hiddenFill xmlns:a14="http://schemas.microsoft.com/office/drawing/2010/main">
+                <a:solidFill>
+                  <a:srgbClr val="FFFFFF"/>
+                </a:solidFill>
+              </a14:hiddenFill>
+            </a:ext>
+          </a:extLst>
+        </p:spPr>
+      </p:pic>
+      <p:cxnSp>
+        <p:nvCxnSpPr>
+          <p:cNvPr id="6" name="Gerade Verbindung mit Pfeil 5"/>
+          <p:cNvCxnSpPr/>
+          <p:nvPr/>
+        </p:nvCxnSpPr>
+        <p:spPr>
+          <a:xfrm>
+            <a:off x="2699792" y="4363094"/>
+            <a:ext cx="936000" cy="0"/>
+          </a:xfrm>
+          <a:prstGeom prst="straightConnector1">
+            <a:avLst/>
+          </a:prstGeom>
+          <a:ln w="38100">
+            <a:solidFill>
+              <a:schemeClr val="tx1"/>
+            </a:solidFill>
+            <a:headEnd type="arrow"/>
+            <a:tailEnd type="arrow"/>
+          </a:ln>
+        </p:spPr>
+        <p:style>
+          <a:lnRef idx="1">
+            <a:schemeClr val="dk1"/>
+          </a:lnRef>
+          <a:fillRef idx="0">
+            <a:schemeClr val="dk1"/>
+          </a:fillRef>
+          <a:effectRef idx="0">
+            <a:schemeClr val="dk1"/>
+          </a:effectRef>
+          <a:fontRef idx="minor">
+            <a:schemeClr val="tx1"/>
+          </a:fontRef>
+        </p:style>
+      </p:cxnSp>
+      <p:cxnSp>
+        <p:nvCxnSpPr>
+          <p:cNvPr id="13" name="Gerade Verbindung mit Pfeil 12"/>
+          <p:cNvCxnSpPr/>
+          <p:nvPr/>
+        </p:nvCxnSpPr>
+        <p:spPr>
+          <a:xfrm>
+            <a:off x="5580112" y="4363094"/>
+            <a:ext cx="936000" cy="0"/>
+          </a:xfrm>
+          <a:prstGeom prst="straightConnector1">
+            <a:avLst/>
+          </a:prstGeom>
+          <a:ln w="38100">
+            <a:solidFill>
+              <a:schemeClr val="tx1"/>
+            </a:solidFill>
+            <a:headEnd type="arrow"/>
+            <a:tailEnd type="arrow"/>
+          </a:ln>
+        </p:spPr>
+        <p:style>
+          <a:lnRef idx="1">
+            <a:schemeClr val="dk1"/>
+          </a:lnRef>
+          <a:fillRef idx="0">
+            <a:schemeClr val="dk1"/>
+          </a:fillRef>
+          <a:effectRef idx="0">
+            <a:schemeClr val="dk1"/>
+          </a:effectRef>
+          <a:fontRef idx="minor">
+            <a:schemeClr val="tx1"/>
+          </a:fontRef>
+        </p:style>
+      </p:cxnSp>
+      <p:cxnSp>
+        <p:nvCxnSpPr>
+          <p:cNvPr id="14" name="Gerade Verbindung mit Pfeil 13"/>
+          <p:cNvCxnSpPr/>
+          <p:nvPr/>
+        </p:nvCxnSpPr>
+        <p:spPr>
+          <a:xfrm>
+            <a:off x="4572000" y="2636912"/>
+            <a:ext cx="0" cy="864096"/>
+          </a:xfrm>
+          <a:prstGeom prst="straightConnector1">
+            <a:avLst/>
+          </a:prstGeom>
+          <a:ln w="38100">
+            <a:solidFill>
+              <a:schemeClr val="tx1"/>
+            </a:solidFill>
+            <a:headEnd type="arrow"/>
+            <a:tailEnd type="arrow"/>
+          </a:ln>
+        </p:spPr>
+        <p:style>
+          <a:lnRef idx="1">
+            <a:schemeClr val="dk1"/>
+          </a:lnRef>
+          <a:fillRef idx="0">
+            <a:schemeClr val="dk1"/>
+          </a:fillRef>
+          <a:effectRef idx="0">
+            <a:schemeClr val="dk1"/>
+          </a:effectRef>
+          <a:fontRef idx="minor">
+            <a:schemeClr val="tx1"/>
+          </a:fontRef>
+        </p:style>
+      </p:cxnSp>
+      <p:sp>
+        <p:nvSpPr>
+          <p:cNvPr id="11" name="Textfeld 10"/>
+          <p:cNvSpPr txBox="1"/>
+          <p:nvPr/>
+        </p:nvSpPr>
+        <p:spPr>
+          <a:xfrm>
+            <a:off x="3878447" y="5164444"/>
+            <a:ext cx="1781834" cy="369332"/>
+          </a:xfrm>
+          <a:prstGeom prst="rect">
+            <a:avLst/>
+          </a:prstGeom>
+          <a:noFill/>
+        </p:spPr>
+        <p:txBody>
+          <a:bodyPr wrap="none" rtlCol="0">
+            <a:spAutoFit/>
+          </a:bodyPr>
+          <a:lstStyle/>
+          <a:p>
+            <a:r>
+              <a:rPr lang="de-DE" dirty="0"/>
+              <a:t>WLAN-Controller</a:t>
+            </a:r>
+          </a:p>
+        </p:txBody>
+      </p:sp>
+      <p:sp>
+        <p:nvSpPr>
+          <p:cNvPr id="17" name="Textfeld 16"/>
+          <p:cNvSpPr txBox="1"/>
+          <p:nvPr/>
+        </p:nvSpPr>
+        <p:spPr>
+          <a:xfrm>
+            <a:off x="6909789" y="5164444"/>
+            <a:ext cx="945067" cy="369332"/>
+          </a:xfrm>
+          <a:prstGeom prst="rect">
+            <a:avLst/>
+          </a:prstGeom>
+          <a:noFill/>
+        </p:spPr>
+        <p:txBody>
+          <a:bodyPr wrap="none" rtlCol="0">
+            <a:spAutoFit/>
+          </a:bodyPr>
+          <a:lstStyle/>
+          <a:p>
+            <a:pPr algn="ctr"/>
+            <a:r>
+              <a:rPr lang="de-DE" dirty="0"/>
+              <a:t>Internet</a:t>
+            </a:r>
+          </a:p>
+        </p:txBody>
+      </p:sp>
+      <p:sp>
+        <p:nvSpPr>
+          <p:cNvPr id="18" name="Textfeld 17"/>
+          <p:cNvSpPr txBox="1"/>
+          <p:nvPr/>
+        </p:nvSpPr>
+        <p:spPr>
+          <a:xfrm>
+            <a:off x="917958" y="5164444"/>
+            <a:ext cx="1491868" cy="369332"/>
+          </a:xfrm>
+          <a:prstGeom prst="rect">
+            <a:avLst/>
+          </a:prstGeom>
+          <a:noFill/>
+        </p:spPr>
+        <p:txBody>
+          <a:bodyPr wrap="square" rtlCol="0">
+            <a:spAutoFit/>
+          </a:bodyPr>
+          <a:lstStyle/>
+          <a:p>
+            <a:pPr algn="ctr"/>
+            <a:r>
+              <a:rPr lang="de-DE" dirty="0"/>
+              <a:t>Gäste</a:t>
+            </a:r>
+          </a:p>
+        </p:txBody>
+      </p:sp>
+      <p:pic>
+        <p:nvPicPr>
+          <p:cNvPr id="12" name="Graphic 11">
+            <a:extLst>
+              <a:ext uri="{FF2B5EF4-FFF2-40B4-BE49-F238E27FC236}">
+                <a16:creationId xmlns:a16="http://schemas.microsoft.com/office/drawing/2014/main" id="{8501DE74-5A9D-7444-92DB-F9210AC77D48}"/>
+              </a:ext>
+            </a:extLst>
+          </p:cNvPr>
+          <p:cNvPicPr>
+            <a:picLocks noChangeAspect="1"/>
+          </p:cNvPicPr>
+          <p:nvPr/>
+        </p:nvPicPr>
+        <p:blipFill>
+          <a:blip r:embed="rId6">
+            <a:extLst>
+              <a:ext uri="{28A0092B-C50C-407E-A947-70E740481C1C}">
+                <a14:useLocalDpi xmlns:a14="http://schemas.microsoft.com/office/drawing/2010/main" val="0"/>
+              </a:ext>
+              <a:ext uri="{96DAC541-7B7A-43D3-8B79-37D633B846F1}">
+                <asvg:svgBlip xmlns:asvg="http://schemas.microsoft.com/office/drawing/2016/SVG/main" r:embed="rId7"/>
+              </a:ext>
+            </a:extLst>
+          </a:blip>
+          <a:stretch>
+            <a:fillRect/>
+          </a:stretch>
+        </p:blipFill>
+        <p:spPr>
+          <a:xfrm>
+            <a:off x="4030987" y="1545935"/>
+            <a:ext cx="1082025" cy="1082025"/>
+          </a:xfrm>
+          <a:prstGeom prst="rect">
+            <a:avLst/>
+          </a:prstGeom>
+        </p:spPr>
+      </p:pic>
+    </p:spTree>
+    <p:extLst>
+      <p:ext uri="{BB962C8B-B14F-4D97-AF65-F5344CB8AC3E}">
+        <p14:creationId xmlns:p14="http://schemas.microsoft.com/office/powerpoint/2010/main" val="2296489676"/>
+      </p:ext>
+    </p:extLst>
+  </p:cSld>
+  <p:clrMapOvr>
+    <a:masterClrMapping/>
+  </p:clrMapOvr>
+</p:sld>
+</file>
+
+<file path=ppt/slides/slide5.xml><?xml version="1.0" encoding="utf-8"?>
+<p:sld xmlns:a="http://schemas.openxmlformats.org/drawingml/2006/main" xmlns:r="http://schemas.openxmlformats.org/officeDocument/2006/relationships" xmlns:p="http://schemas.openxmlformats.org/presentationml/2006/main">
+  <p:cSld>
+    <p:spTree>
+      <p:nvGrpSpPr>
+        <p:cNvPr id="1" name=""/>
+        <p:cNvGrpSpPr/>
+        <p:nvPr/>
+      </p:nvGrpSpPr>
+      <p:grpSpPr>
+        <a:xfrm>
+          <a:off x="0" y="0"/>
+          <a:ext cx="0" cy="0"/>
+          <a:chOff x="0" y="0"/>
+          <a:chExt cx="0" cy="0"/>
+        </a:xfrm>
+      </p:grpSpPr>
       <p:pic>
         <p:nvPicPr>
           <p:cNvPr id="7" name="Content Placeholder 6">
@@ -3708,7 +4630,7 @@
           <a:p>
             <a:fld id="{506DEF79-D5F3-42ED-9335-D73AD216BB54}" type="slidenum">
               <a:rPr lang="de-DE" smtClean="0"/>
-              <a:t>3</a:t>
+              <a:t>5</a:t>
             </a:fld>
             <a:r>
               <a:rPr lang="de-DE" dirty="0"/>
@@ -4040,7 +4962,7 @@
 </p:sld>
 </file>
 
-<file path=ppt/slides/slide4.xml><?xml version="1.0" encoding="utf-8"?>
+<file path=ppt/slides/slide6.xml><?xml version="1.0" encoding="utf-8"?>
 <p:sld xmlns:a="http://schemas.openxmlformats.org/drawingml/2006/main" xmlns:r="http://schemas.openxmlformats.org/officeDocument/2006/relationships" xmlns:p="http://schemas.openxmlformats.org/presentationml/2006/main">
   <p:cSld>
     <p:spTree>
@@ -4173,7 +5095,7 @@
             <a:fld id="{506DEF79-D5F3-42ED-9335-D73AD216BB54}" type="slidenum">
               <a:rPr lang="de-DE" smtClean="0"/>
               <a:pPr/>
-              <a:t>4</a:t>
+              <a:t>6</a:t>
             </a:fld>
             <a:r>
               <a:rPr lang="de-DE"/>
@@ -4195,7 +5117,7 @@
 </p:sld>
 </file>
 
-<file path=ppt/slides/slide5.xml><?xml version="1.0" encoding="utf-8"?>
+<file path=ppt/slides/slide7.xml><?xml version="1.0" encoding="utf-8"?>
 <p:sld xmlns:a="http://schemas.openxmlformats.org/drawingml/2006/main" xmlns:r="http://schemas.openxmlformats.org/officeDocument/2006/relationships" xmlns:p="http://schemas.openxmlformats.org/presentationml/2006/main">
   <p:cSld>
     <p:spTree>
@@ -4328,7 +5250,7 @@
             <a:fld id="{506DEF79-D5F3-42ED-9335-D73AD216BB54}" type="slidenum">
               <a:rPr lang="de-DE" smtClean="0"/>
               <a:pPr/>
-              <a:t>5</a:t>
+              <a:t>7</a:t>
             </a:fld>
             <a:r>
               <a:rPr lang="de-DE"/>
@@ -4350,7 +5272,7 @@
 </p:sld>
 </file>
 
-<file path=ppt/slides/slide6.xml><?xml version="1.0" encoding="utf-8"?>
+<file path=ppt/slides/slide8.xml><?xml version="1.0" encoding="utf-8"?>
 <p:sld xmlns:a="http://schemas.openxmlformats.org/drawingml/2006/main" xmlns:r="http://schemas.openxmlformats.org/officeDocument/2006/relationships" xmlns:p="http://schemas.openxmlformats.org/presentationml/2006/main">
   <p:cSld>
     <p:spTree>

--- a/DOC/Fachgespraech.pptx
+++ b/DOC/Fachgespraech.pptx
@@ -4149,139 +4149,18 @@
           </a:p>
         </p:txBody>
       </p:sp>
-      <p:pic>
-        <p:nvPicPr>
-          <p:cNvPr id="2050" name="Picture 2" descr="C:\Users\kubelkts\Downloads\13_05_osa_icons_png\osa_users_blue_green.png"/>
-          <p:cNvPicPr>
-            <a:picLocks noChangeAspect="1" noChangeArrowheads="1"/>
-          </p:cNvPicPr>
-          <p:nvPr/>
-        </p:nvPicPr>
-        <p:blipFill>
-          <a:blip r:embed="rId3">
-            <a:extLst>
-              <a:ext uri="{28A0092B-C50C-407E-A947-70E740481C1C}">
-                <a14:useLocalDpi xmlns:a14="http://schemas.microsoft.com/office/drawing/2010/main" val="0"/>
-              </a:ext>
-            </a:extLst>
-          </a:blip>
-          <a:srcRect/>
-          <a:stretch>
-            <a:fillRect/>
-          </a:stretch>
-        </p:blipFill>
-        <p:spPr bwMode="auto">
-          <a:xfrm>
-            <a:off x="1109663" y="3713013"/>
-            <a:ext cx="1300163" cy="1300163"/>
-          </a:xfrm>
-          <a:prstGeom prst="rect">
-            <a:avLst/>
-          </a:prstGeom>
-          <a:noFill/>
-          <a:extLst>
-            <a:ext uri="{909E8E84-426E-40DD-AFC4-6F175D3DCCD1}">
-              <a14:hiddenFill xmlns:a14="http://schemas.microsoft.com/office/drawing/2010/main">
-                <a:solidFill>
-                  <a:srgbClr val="FFFFFF"/>
-                </a:solidFill>
-              </a14:hiddenFill>
-            </a:ext>
-          </a:extLst>
-        </p:spPr>
-      </p:pic>
-      <p:pic>
-        <p:nvPicPr>
-          <p:cNvPr id="2051" name="Picture 3" descr="C:\Users\kubelkts\Downloads\13_05_osa_icons_png\osa_cloud.png"/>
-          <p:cNvPicPr>
-            <a:picLocks noChangeAspect="1" noChangeArrowheads="1"/>
-          </p:cNvPicPr>
-          <p:nvPr/>
-        </p:nvPicPr>
-        <p:blipFill>
-          <a:blip r:embed="rId4">
-            <a:extLst>
-              <a:ext uri="{28A0092B-C50C-407E-A947-70E740481C1C}">
-                <a14:useLocalDpi xmlns:a14="http://schemas.microsoft.com/office/drawing/2010/main" val="0"/>
-              </a:ext>
-            </a:extLst>
-          </a:blip>
-          <a:srcRect/>
-          <a:stretch>
-            <a:fillRect/>
-          </a:stretch>
-        </p:blipFill>
-        <p:spPr bwMode="auto">
-          <a:xfrm>
-            <a:off x="6732240" y="3713013"/>
-            <a:ext cx="1300162" cy="1300162"/>
-          </a:xfrm>
-          <a:prstGeom prst="rect">
-            <a:avLst/>
-          </a:prstGeom>
-          <a:noFill/>
-          <a:extLst>
-            <a:ext uri="{909E8E84-426E-40DD-AFC4-6F175D3DCCD1}">
-              <a14:hiddenFill xmlns:a14="http://schemas.microsoft.com/office/drawing/2010/main">
-                <a:solidFill>
-                  <a:srgbClr val="FFFFFF"/>
-                </a:solidFill>
-              </a14:hiddenFill>
-            </a:ext>
-          </a:extLst>
-        </p:spPr>
-      </p:pic>
-      <p:pic>
-        <p:nvPicPr>
-          <p:cNvPr id="2052" name="Picture 4" descr="C:\Users\kubelkts\Downloads\13_05_osa_icons_png\osa_server_proxy.png"/>
-          <p:cNvPicPr>
-            <a:picLocks noChangeAspect="1" noChangeArrowheads="1"/>
-          </p:cNvPicPr>
-          <p:nvPr/>
-        </p:nvPicPr>
-        <p:blipFill>
-          <a:blip r:embed="rId5">
-            <a:extLst>
-              <a:ext uri="{28A0092B-C50C-407E-A947-70E740481C1C}">
-                <a14:useLocalDpi xmlns:a14="http://schemas.microsoft.com/office/drawing/2010/main" val="0"/>
-              </a:ext>
-            </a:extLst>
-          </a:blip>
-          <a:srcRect/>
-          <a:stretch>
-            <a:fillRect/>
-          </a:stretch>
-        </p:blipFill>
-        <p:spPr bwMode="auto">
-          <a:xfrm>
-            <a:off x="3923506" y="3641005"/>
-            <a:ext cx="1300163" cy="1300163"/>
-          </a:xfrm>
-          <a:prstGeom prst="rect">
-            <a:avLst/>
-          </a:prstGeom>
-          <a:noFill/>
-          <a:extLst>
-            <a:ext uri="{909E8E84-426E-40DD-AFC4-6F175D3DCCD1}">
-              <a14:hiddenFill xmlns:a14="http://schemas.microsoft.com/office/drawing/2010/main">
-                <a:solidFill>
-                  <a:srgbClr val="FFFFFF"/>
-                </a:solidFill>
-              </a14:hiddenFill>
-            </a:ext>
-          </a:extLst>
-        </p:spPr>
-      </p:pic>
       <p:cxnSp>
         <p:nvCxnSpPr>
           <p:cNvPr id="6" name="Gerade Verbindung mit Pfeil 5"/>
-          <p:cNvCxnSpPr/>
+          <p:cNvCxnSpPr>
+            <a:cxnSpLocks/>
+          </p:cNvCxnSpPr>
           <p:nvPr/>
         </p:nvCxnSpPr>
         <p:spPr>
-          <a:xfrm>
-            <a:off x="2699792" y="4363094"/>
-            <a:ext cx="936000" cy="0"/>
+          <a:xfrm flipV="1">
+            <a:off x="6924015" y="3817500"/>
+            <a:ext cx="563987" cy="1483708"/>
           </a:xfrm>
           <a:prstGeom prst="straightConnector1">
             <a:avLst/>
@@ -4312,13 +4191,15 @@
       <p:cxnSp>
         <p:nvCxnSpPr>
           <p:cNvPr id="13" name="Gerade Verbindung mit Pfeil 12"/>
-          <p:cNvCxnSpPr/>
+          <p:cNvCxnSpPr>
+            <a:cxnSpLocks/>
+          </p:cNvCxnSpPr>
           <p:nvPr/>
         </p:nvCxnSpPr>
         <p:spPr>
           <a:xfrm>
-            <a:off x="5580112" y="4363094"/>
-            <a:ext cx="936000" cy="0"/>
+            <a:off x="5148064" y="2853282"/>
+            <a:ext cx="1080120" cy="359694"/>
           </a:xfrm>
           <a:prstGeom prst="straightConnector1">
             <a:avLst/>
@@ -4349,13 +4230,15 @@
       <p:cxnSp>
         <p:nvCxnSpPr>
           <p:cNvPr id="14" name="Gerade Verbindung mit Pfeil 13"/>
-          <p:cNvCxnSpPr/>
+          <p:cNvCxnSpPr>
+            <a:cxnSpLocks/>
+          </p:cNvCxnSpPr>
           <p:nvPr/>
         </p:nvCxnSpPr>
         <p:spPr>
           <a:xfrm>
-            <a:off x="4572000" y="2636912"/>
-            <a:ext cx="0" cy="864096"/>
+            <a:off x="2416781" y="2106332"/>
+            <a:ext cx="1476112" cy="504056"/>
           </a:xfrm>
           <a:prstGeom prst="straightConnector1">
             <a:avLst/>
@@ -4391,8 +4274,8 @@
         </p:nvSpPr>
         <p:spPr>
           <a:xfrm>
-            <a:off x="3878447" y="5164444"/>
-            <a:ext cx="1781834" cy="369332"/>
+            <a:off x="4052978" y="3433567"/>
+            <a:ext cx="955454" cy="369332"/>
           </a:xfrm>
           <a:prstGeom prst="rect">
             <a:avLst/>
@@ -4407,7 +4290,7 @@
           <a:p>
             <a:r>
               <a:rPr lang="de-DE" dirty="0"/>
-              <a:t>WLAN-Controller</a:t>
+              <a:t>Browser</a:t>
             </a:r>
           </a:p>
         </p:txBody>
@@ -4420,8 +4303,8 @@
         </p:nvSpPr>
         <p:spPr>
           <a:xfrm>
-            <a:off x="6909789" y="5164444"/>
-            <a:ext cx="945067" cy="369332"/>
+            <a:off x="6343331" y="3659977"/>
+            <a:ext cx="938014" cy="369332"/>
           </a:xfrm>
           <a:prstGeom prst="rect">
             <a:avLst/>
@@ -4437,7 +4320,7 @@
             <a:pPr algn="ctr"/>
             <a:r>
               <a:rPr lang="de-DE" dirty="0"/>
-              <a:t>Internet</a:t>
+              <a:t>Intranet</a:t>
             </a:r>
           </a:p>
         </p:txBody>
@@ -4450,7 +4333,7 @@
         </p:nvSpPr>
         <p:spPr>
           <a:xfrm>
-            <a:off x="917958" y="5164444"/>
+            <a:off x="5532352" y="5717250"/>
             <a:ext cx="1491868" cy="369332"/>
           </a:xfrm>
           <a:prstGeom prst="rect">
@@ -4467,7 +4350,7 @@
             <a:pPr algn="ctr"/>
             <a:r>
               <a:rPr lang="de-DE" dirty="0"/>
-              <a:t>Gäste</a:t>
+              <a:t>QES</a:t>
             </a:r>
           </a:p>
         </p:txBody>
@@ -4487,13 +4370,13 @@
           <p:nvPr/>
         </p:nvPicPr>
         <p:blipFill>
-          <a:blip r:embed="rId6">
+          <a:blip r:embed="rId3">
             <a:extLst>
               <a:ext uri="{28A0092B-C50C-407E-A947-70E740481C1C}">
                 <a14:useLocalDpi xmlns:a14="http://schemas.microsoft.com/office/drawing/2010/main" val="0"/>
               </a:ext>
               <a:ext uri="{96DAC541-7B7A-43D3-8B79-37D633B846F1}">
-                <asvg:svgBlip xmlns:asvg="http://schemas.microsoft.com/office/drawing/2016/SVG/main" r:embed="rId7"/>
+                <asvg:svgBlip xmlns:asvg="http://schemas.microsoft.com/office/drawing/2016/SVG/main" r:embed="rId4"/>
               </a:ext>
             </a:extLst>
           </a:blip>
@@ -4503,8 +4386,398 @@
         </p:blipFill>
         <p:spPr>
           <a:xfrm>
-            <a:off x="4030987" y="1545935"/>
+            <a:off x="1354959" y="1463752"/>
             <a:ext cx="1082025" cy="1082025"/>
+          </a:xfrm>
+          <a:prstGeom prst="rect">
+            <a:avLst/>
+          </a:prstGeom>
+        </p:spPr>
+      </p:pic>
+      <p:pic>
+        <p:nvPicPr>
+          <p:cNvPr id="5" name="Graphic 4">
+            <a:extLst>
+              <a:ext uri="{FF2B5EF4-FFF2-40B4-BE49-F238E27FC236}">
+                <a16:creationId xmlns:a16="http://schemas.microsoft.com/office/drawing/2014/main" id="{A715925D-668B-4D41-8FBA-53E2E17BDADB}"/>
+              </a:ext>
+            </a:extLst>
+          </p:cNvPr>
+          <p:cNvPicPr>
+            <a:picLocks noChangeAspect="1"/>
+          </p:cNvPicPr>
+          <p:nvPr/>
+        </p:nvPicPr>
+        <p:blipFill>
+          <a:blip r:embed="rId5">
+            <a:extLst>
+              <a:ext uri="{28A0092B-C50C-407E-A947-70E740481C1C}">
+                <a14:useLocalDpi xmlns:a14="http://schemas.microsoft.com/office/drawing/2010/main" val="0"/>
+              </a:ext>
+              <a:ext uri="{96DAC541-7B7A-43D3-8B79-37D633B846F1}">
+                <asvg:svgBlip xmlns:asvg="http://schemas.microsoft.com/office/drawing/2016/SVG/main" r:embed="rId6"/>
+              </a:ext>
+            </a:extLst>
+          </a:blip>
+          <a:stretch>
+            <a:fillRect/>
+          </a:stretch>
+        </p:blipFill>
+        <p:spPr>
+          <a:xfrm>
+            <a:off x="3810304" y="2132881"/>
+            <a:ext cx="1440803" cy="1440803"/>
+          </a:xfrm>
+          <a:prstGeom prst="rect">
+            <a:avLst/>
+          </a:prstGeom>
+        </p:spPr>
+      </p:pic>
+      <p:cxnSp>
+        <p:nvCxnSpPr>
+          <p:cNvPr id="21" name="Gerade Verbindung mit Pfeil 12">
+            <a:extLst>
+              <a:ext uri="{FF2B5EF4-FFF2-40B4-BE49-F238E27FC236}">
+                <a16:creationId xmlns:a16="http://schemas.microsoft.com/office/drawing/2014/main" id="{A9A9FDCD-CE15-6446-8723-6730AF2FDD59}"/>
+              </a:ext>
+            </a:extLst>
+          </p:cNvPr>
+          <p:cNvCxnSpPr>
+            <a:cxnSpLocks/>
+          </p:cNvCxnSpPr>
+          <p:nvPr/>
+        </p:nvCxnSpPr>
+        <p:spPr>
+          <a:xfrm>
+            <a:off x="4211960" y="4927655"/>
+            <a:ext cx="1080120" cy="359694"/>
+          </a:xfrm>
+          <a:prstGeom prst="straightConnector1">
+            <a:avLst/>
+          </a:prstGeom>
+          <a:ln w="38100">
+            <a:solidFill>
+              <a:schemeClr val="tx1"/>
+            </a:solidFill>
+            <a:headEnd type="arrow"/>
+            <a:tailEnd type="arrow"/>
+          </a:ln>
+        </p:spPr>
+        <p:style>
+          <a:lnRef idx="1">
+            <a:schemeClr val="dk1"/>
+          </a:lnRef>
+          <a:fillRef idx="0">
+            <a:schemeClr val="dk1"/>
+          </a:fillRef>
+          <a:effectRef idx="0">
+            <a:schemeClr val="dk1"/>
+          </a:effectRef>
+          <a:fontRef idx="minor">
+            <a:schemeClr val="tx1"/>
+          </a:fontRef>
+        </p:style>
+      </p:cxnSp>
+      <p:sp>
+        <p:nvSpPr>
+          <p:cNvPr id="22" name="Textfeld 10">
+            <a:extLst>
+              <a:ext uri="{FF2B5EF4-FFF2-40B4-BE49-F238E27FC236}">
+                <a16:creationId xmlns:a16="http://schemas.microsoft.com/office/drawing/2014/main" id="{E63A6598-469D-A441-8B46-4332B9D10959}"/>
+              </a:ext>
+            </a:extLst>
+          </p:cNvPr>
+          <p:cNvSpPr txBox="1"/>
+          <p:nvPr/>
+        </p:nvSpPr>
+        <p:spPr>
+          <a:xfrm>
+            <a:off x="2916394" y="5351936"/>
+            <a:ext cx="1390509" cy="369332"/>
+          </a:xfrm>
+          <a:prstGeom prst="rect">
+            <a:avLst/>
+          </a:prstGeom>
+          <a:noFill/>
+        </p:spPr>
+        <p:txBody>
+          <a:bodyPr wrap="none" rtlCol="0">
+            <a:spAutoFit/>
+          </a:bodyPr>
+          <a:lstStyle/>
+          <a:p>
+            <a:r>
+              <a:rPr lang="de-DE" dirty="0"/>
+              <a:t>Laravel-ORM</a:t>
+            </a:r>
+          </a:p>
+        </p:txBody>
+      </p:sp>
+      <p:cxnSp>
+        <p:nvCxnSpPr>
+          <p:cNvPr id="23" name="Gerade Verbindung mit Pfeil 12">
+            <a:extLst>
+              <a:ext uri="{FF2B5EF4-FFF2-40B4-BE49-F238E27FC236}">
+                <a16:creationId xmlns:a16="http://schemas.microsoft.com/office/drawing/2014/main" id="{66448FA6-7AE0-DE4C-A657-5CD98EB06E4D}"/>
+              </a:ext>
+            </a:extLst>
+          </p:cNvPr>
+          <p:cNvCxnSpPr>
+            <a:cxnSpLocks/>
+          </p:cNvCxnSpPr>
+          <p:nvPr/>
+        </p:nvCxnSpPr>
+        <p:spPr>
+          <a:xfrm>
+            <a:off x="1994678" y="4207575"/>
+            <a:ext cx="1080120" cy="359694"/>
+          </a:xfrm>
+          <a:prstGeom prst="straightConnector1">
+            <a:avLst/>
+          </a:prstGeom>
+          <a:ln w="38100">
+            <a:solidFill>
+              <a:schemeClr val="tx1"/>
+            </a:solidFill>
+            <a:headEnd type="arrow"/>
+            <a:tailEnd type="arrow"/>
+          </a:ln>
+        </p:spPr>
+        <p:style>
+          <a:lnRef idx="1">
+            <a:schemeClr val="dk1"/>
+          </a:lnRef>
+          <a:fillRef idx="0">
+            <a:schemeClr val="dk1"/>
+          </a:fillRef>
+          <a:effectRef idx="0">
+            <a:schemeClr val="dk1"/>
+          </a:effectRef>
+          <a:fontRef idx="minor">
+            <a:schemeClr val="tx1"/>
+          </a:fontRef>
+        </p:style>
+      </p:cxnSp>
+      <p:sp>
+        <p:nvSpPr>
+          <p:cNvPr id="24" name="Textfeld 10">
+            <a:extLst>
+              <a:ext uri="{FF2B5EF4-FFF2-40B4-BE49-F238E27FC236}">
+                <a16:creationId xmlns:a16="http://schemas.microsoft.com/office/drawing/2014/main" id="{21B6944C-3A14-4940-B297-BF3CBE7FC2DF}"/>
+              </a:ext>
+            </a:extLst>
+          </p:cNvPr>
+          <p:cNvSpPr txBox="1"/>
+          <p:nvPr/>
+        </p:nvSpPr>
+        <p:spPr>
+          <a:xfrm>
+            <a:off x="899592" y="4787860"/>
+            <a:ext cx="1205971" cy="369332"/>
+          </a:xfrm>
+          <a:prstGeom prst="rect">
+            <a:avLst/>
+          </a:prstGeom>
+          <a:noFill/>
+        </p:spPr>
+        <p:txBody>
+          <a:bodyPr wrap="none" rtlCol="0">
+            <a:spAutoFit/>
+          </a:bodyPr>
+          <a:lstStyle/>
+          <a:p>
+            <a:r>
+              <a:rPr lang="de-DE" dirty="0"/>
+              <a:t>Datenbank</a:t>
+            </a:r>
+          </a:p>
+        </p:txBody>
+      </p:sp>
+      <p:pic>
+        <p:nvPicPr>
+          <p:cNvPr id="19" name="Graphic 18">
+            <a:extLst>
+              <a:ext uri="{FF2B5EF4-FFF2-40B4-BE49-F238E27FC236}">
+                <a16:creationId xmlns:a16="http://schemas.microsoft.com/office/drawing/2014/main" id="{6E9AF135-A710-E243-85CB-49DBE38EC6C9}"/>
+              </a:ext>
+            </a:extLst>
+          </p:cNvPr>
+          <p:cNvPicPr>
+            <a:picLocks noChangeAspect="1"/>
+          </p:cNvPicPr>
+          <p:nvPr/>
+        </p:nvPicPr>
+        <p:blipFill>
+          <a:blip r:embed="rId7">
+            <a:extLst>
+              <a:ext uri="{28A0092B-C50C-407E-A947-70E740481C1C}">
+                <a14:useLocalDpi xmlns:a14="http://schemas.microsoft.com/office/drawing/2010/main" val="0"/>
+              </a:ext>
+              <a:ext uri="{96DAC541-7B7A-43D3-8B79-37D633B846F1}">
+                <asvg:svgBlip xmlns:asvg="http://schemas.microsoft.com/office/drawing/2016/SVG/main" r:embed="rId8"/>
+              </a:ext>
+            </a:extLst>
+          </a:blip>
+          <a:stretch>
+            <a:fillRect/>
+          </a:stretch>
+        </p:blipFill>
+        <p:spPr>
+          <a:xfrm>
+            <a:off x="750235" y="3500947"/>
+            <a:ext cx="1256811" cy="1256811"/>
+          </a:xfrm>
+          <a:prstGeom prst="rect">
+            <a:avLst/>
+          </a:prstGeom>
+        </p:spPr>
+      </p:pic>
+      <p:pic>
+        <p:nvPicPr>
+          <p:cNvPr id="25" name="Graphic 24">
+            <a:extLst>
+              <a:ext uri="{FF2B5EF4-FFF2-40B4-BE49-F238E27FC236}">
+                <a16:creationId xmlns:a16="http://schemas.microsoft.com/office/drawing/2014/main" id="{EC8249C3-DDAE-B943-9426-7F3CC54784AB}"/>
+              </a:ext>
+            </a:extLst>
+          </p:cNvPr>
+          <p:cNvPicPr>
+            <a:picLocks noChangeAspect="1"/>
+          </p:cNvPicPr>
+          <p:nvPr/>
+        </p:nvPicPr>
+        <p:blipFill>
+          <a:blip r:embed="rId9">
+            <a:extLst>
+              <a:ext uri="{28A0092B-C50C-407E-A947-70E740481C1C}">
+                <a14:useLocalDpi xmlns:a14="http://schemas.microsoft.com/office/drawing/2010/main" val="0"/>
+              </a:ext>
+              <a:ext uri="{96DAC541-7B7A-43D3-8B79-37D633B846F1}">
+                <asvg:svgBlip xmlns:asvg="http://schemas.microsoft.com/office/drawing/2016/SVG/main" r:embed="rId10"/>
+              </a:ext>
+            </a:extLst>
+          </a:blip>
+          <a:stretch>
+            <a:fillRect/>
+          </a:stretch>
+        </p:blipFill>
+        <p:spPr>
+          <a:xfrm>
+            <a:off x="3025089" y="4251130"/>
+            <a:ext cx="1256810" cy="1256810"/>
+          </a:xfrm>
+          <a:prstGeom prst="rect">
+            <a:avLst/>
+          </a:prstGeom>
+        </p:spPr>
+      </p:pic>
+      <p:pic>
+        <p:nvPicPr>
+          <p:cNvPr id="27" name="Graphic 26">
+            <a:extLst>
+              <a:ext uri="{FF2B5EF4-FFF2-40B4-BE49-F238E27FC236}">
+                <a16:creationId xmlns:a16="http://schemas.microsoft.com/office/drawing/2014/main" id="{D8B57DB2-9DA1-A942-A764-674314EF6BA8}"/>
+              </a:ext>
+            </a:extLst>
+          </p:cNvPr>
+          <p:cNvPicPr>
+            <a:picLocks noChangeAspect="1"/>
+          </p:cNvPicPr>
+          <p:nvPr/>
+        </p:nvPicPr>
+        <p:blipFill>
+          <a:blip r:embed="rId11">
+            <a:extLst>
+              <a:ext uri="{28A0092B-C50C-407E-A947-70E740481C1C}">
+                <a14:useLocalDpi xmlns:a14="http://schemas.microsoft.com/office/drawing/2010/main" val="0"/>
+              </a:ext>
+              <a:ext uri="{96DAC541-7B7A-43D3-8B79-37D633B846F1}">
+                <asvg:svgBlip xmlns:asvg="http://schemas.microsoft.com/office/drawing/2016/SVG/main" r:embed="rId12"/>
+              </a:ext>
+            </a:extLst>
+          </a:blip>
+          <a:stretch>
+            <a:fillRect/>
+          </a:stretch>
+        </p:blipFill>
+        <p:spPr>
+          <a:xfrm>
+            <a:off x="6179195" y="2501099"/>
+            <a:ext cx="1483707" cy="1483707"/>
+          </a:xfrm>
+          <a:prstGeom prst="rect">
+            <a:avLst/>
+          </a:prstGeom>
+        </p:spPr>
+      </p:pic>
+      <p:sp>
+        <p:nvSpPr>
+          <p:cNvPr id="31" name="Textfeld 10">
+            <a:extLst>
+              <a:ext uri="{FF2B5EF4-FFF2-40B4-BE49-F238E27FC236}">
+                <a16:creationId xmlns:a16="http://schemas.microsoft.com/office/drawing/2014/main" id="{40BCF9EC-95F1-D043-921C-6FBF18F6823F}"/>
+              </a:ext>
+            </a:extLst>
+          </p:cNvPr>
+          <p:cNvSpPr txBox="1"/>
+          <p:nvPr/>
+        </p:nvSpPr>
+        <p:spPr>
+          <a:xfrm>
+            <a:off x="1378640" y="2425722"/>
+            <a:ext cx="1027461" cy="369332"/>
+          </a:xfrm>
+          <a:prstGeom prst="rect">
+            <a:avLst/>
+          </a:prstGeom>
+          <a:noFill/>
+        </p:spPr>
+        <p:txBody>
+          <a:bodyPr wrap="none" rtlCol="0">
+            <a:spAutoFit/>
+          </a:bodyPr>
+          <a:lstStyle/>
+          <a:p>
+            <a:r>
+              <a:rPr lang="de-DE" dirty="0"/>
+              <a:t>Benutzer</a:t>
+            </a:r>
+          </a:p>
+        </p:txBody>
+      </p:sp>
+      <p:pic>
+        <p:nvPicPr>
+          <p:cNvPr id="29" name="Graphic 28">
+            <a:extLst>
+              <a:ext uri="{FF2B5EF4-FFF2-40B4-BE49-F238E27FC236}">
+                <a16:creationId xmlns:a16="http://schemas.microsoft.com/office/drawing/2014/main" id="{FBB22B3A-9237-004B-A8DD-C1F225CEF939}"/>
+              </a:ext>
+            </a:extLst>
+          </p:cNvPr>
+          <p:cNvPicPr>
+            <a:picLocks noChangeAspect="1"/>
+          </p:cNvPicPr>
+          <p:nvPr/>
+        </p:nvPicPr>
+        <p:blipFill>
+          <a:blip r:embed="rId13">
+            <a:extLst>
+              <a:ext uri="{28A0092B-C50C-407E-A947-70E740481C1C}">
+                <a14:useLocalDpi xmlns:a14="http://schemas.microsoft.com/office/drawing/2010/main" val="0"/>
+              </a:ext>
+              <a:ext uri="{96DAC541-7B7A-43D3-8B79-37D633B846F1}">
+                <asvg:svgBlip xmlns:asvg="http://schemas.microsoft.com/office/drawing/2016/SVG/main" r:embed="rId14"/>
+              </a:ext>
+            </a:extLst>
+          </a:blip>
+          <a:stretch>
+            <a:fillRect/>
+          </a:stretch>
+        </p:blipFill>
+        <p:spPr>
+          <a:xfrm>
+            <a:off x="5668994" y="4645752"/>
+            <a:ext cx="1197231" cy="1197231"/>
           </a:xfrm>
           <a:prstGeom prst="rect">
             <a:avLst/>
@@ -6356,19 +6629,6 @@
 </file>
 
 <file path=customXml/item1.xml><?xml version="1.0" encoding="utf-8"?>
-<p:properties xmlns:p="http://schemas.microsoft.com/office/2006/metadata/properties" xmlns:xsi="http://www.w3.org/2001/XMLSchema-instance" xmlns:pc="http://schemas.microsoft.com/office/infopath/2007/PartnerControls">
-  <documentManagement>
-    <Gremium_x0020_intern xmlns="8ec5f598-09a5-4f4d-8ba3-f8504e05b148" xsi:nil="true"/>
-    <_dlc_DocId xmlns="8ec5f598-09a5-4f4d-8ba3-f8504e05b148">GESISDOC-552-21</_dlc_DocId>
-    <_dlc_DocIdUrl xmlns="8ec5f598-09a5-4f4d-8ba3-f8504e05b148">
-      <Url>http://intranet.gesis.intra/pr/Vorlagen/_layouts/15/DocIdRedir.aspx?ID=GESISDOC-552-21</Url>
-      <Description>GESISDOC-552-21</Description>
-    </_dlc_DocIdUrl>
-  </documentManagement>
-</p:properties>
-</file>
-
-<file path=customXml/item2.xml><?xml version="1.0" encoding="utf-8"?>
 <?mso-contentType ?>
 <spe:Receivers xmlns:spe="http://schemas.microsoft.com/sharepoint/events">
   <Receiver>
@@ -6418,7 +6678,29 @@
 </spe:Receivers>
 </file>
 
+<file path=customXml/item2.xml><?xml version="1.0" encoding="utf-8"?>
+<p:properties xmlns:p="http://schemas.microsoft.com/office/2006/metadata/properties" xmlns:xsi="http://www.w3.org/2001/XMLSchema-instance" xmlns:pc="http://schemas.microsoft.com/office/infopath/2007/PartnerControls">
+  <documentManagement>
+    <Gremium_x0020_intern xmlns="8ec5f598-09a5-4f4d-8ba3-f8504e05b148" xsi:nil="true"/>
+    <_dlc_DocId xmlns="8ec5f598-09a5-4f4d-8ba3-f8504e05b148">GESISDOC-552-21</_dlc_DocId>
+    <_dlc_DocIdUrl xmlns="8ec5f598-09a5-4f4d-8ba3-f8504e05b148">
+      <Url>http://intranet.gesis.intra/pr/Vorlagen/_layouts/15/DocIdRedir.aspx?ID=GESISDOC-552-21</Url>
+      <Description>GESISDOC-552-21</Description>
+    </_dlc_DocIdUrl>
+  </documentManagement>
+</p:properties>
+</file>
+
 <file path=customXml/item3.xml><?xml version="1.0" encoding="utf-8"?>
+<?mso-contentType ?>
+<FormTemplates xmlns="http://schemas.microsoft.com/sharepoint/v3/contenttype/forms">
+  <Display>DocumentLibraryForm</Display>
+  <Edit>DocumentLibraryForm</Edit>
+  <New>DocumentLibraryForm</New>
+</FormTemplates>
+</file>
+
+<file path=customXml/item4.xml><?xml version="1.0" encoding="utf-8"?>
 <ct:contentTypeSchema xmlns:ct="http://schemas.microsoft.com/office/2006/metadata/contentType" xmlns:ma="http://schemas.microsoft.com/office/2006/metadata/properties/metaAttributes" ct:_="" ma:_="" ma:contentTypeName="Dokument" ma:contentTypeID="0x010100204F40B82AE1344C92AA2539F9DA2FDA" ma:contentTypeVersion="16" ma:contentTypeDescription="Ein neues Dokument erstellen." ma:contentTypeScope="" ma:versionID="104d8f1f86d5ac4fb0bbf732d0fe5cb2">
   <xsd:schema xmlns:xsd="http://www.w3.org/2001/XMLSchema" xmlns:xs="http://www.w3.org/2001/XMLSchema" xmlns:p="http://schemas.microsoft.com/office/2006/metadata/properties" xmlns:ns2="8ec5f598-09a5-4f4d-8ba3-f8504e05b148" targetNamespace="http://schemas.microsoft.com/office/2006/metadata/properties" ma:root="true" ma:fieldsID="6746b2ef738051857e6d4e1367825187" ns2:_="">
     <xsd:import namespace="8ec5f598-09a5-4f4d-8ba3-f8504e05b148"/>
@@ -6572,16 +6854,15 @@
 </ct:contentTypeSchema>
 </file>
 
-<file path=customXml/item4.xml><?xml version="1.0" encoding="utf-8"?>
-<?mso-contentType ?>
-<FormTemplates xmlns="http://schemas.microsoft.com/sharepoint/v3/contenttype/forms">
-  <Display>DocumentLibraryForm</Display>
-  <Edit>DocumentLibraryForm</Edit>
-  <New>DocumentLibraryForm</New>
-</FormTemplates>
+<file path=customXml/itemProps1.xml><?xml version="1.0" encoding="utf-8"?>
+<ds:datastoreItem xmlns:ds="http://schemas.openxmlformats.org/officeDocument/2006/customXml" ds:itemID="{226F3FF9-422F-45E0-A6AB-77F6EE6152F9}">
+  <ds:schemaRefs>
+    <ds:schemaRef ds:uri="http://schemas.microsoft.com/sharepoint/events"/>
+  </ds:schemaRefs>
+</ds:datastoreItem>
 </file>
 
-<file path=customXml/itemProps1.xml><?xml version="1.0" encoding="utf-8"?>
+<file path=customXml/itemProps2.xml><?xml version="1.0" encoding="utf-8"?>
 <ds:datastoreItem xmlns:ds="http://schemas.openxmlformats.org/officeDocument/2006/customXml" ds:itemID="{86D38C2E-02CC-42D3-9E17-44C09712BF5F}">
   <ds:schemaRefs>
     <ds:schemaRef ds:uri="http://purl.org/dc/dcmitype/"/>
@@ -6597,15 +6878,15 @@
 </ds:datastoreItem>
 </file>
 
-<file path=customXml/itemProps2.xml><?xml version="1.0" encoding="utf-8"?>
-<ds:datastoreItem xmlns:ds="http://schemas.openxmlformats.org/officeDocument/2006/customXml" ds:itemID="{226F3FF9-422F-45E0-A6AB-77F6EE6152F9}">
+<file path=customXml/itemProps3.xml><?xml version="1.0" encoding="utf-8"?>
+<ds:datastoreItem xmlns:ds="http://schemas.openxmlformats.org/officeDocument/2006/customXml" ds:itemID="{B662B3C9-84D1-44B4-980A-A658A0349369}">
   <ds:schemaRefs>
-    <ds:schemaRef ds:uri="http://schemas.microsoft.com/sharepoint/events"/>
+    <ds:schemaRef ds:uri="http://schemas.microsoft.com/sharepoint/v3/contenttype/forms"/>
   </ds:schemaRefs>
 </ds:datastoreItem>
 </file>
 
-<file path=customXml/itemProps3.xml><?xml version="1.0" encoding="utf-8"?>
+<file path=customXml/itemProps4.xml><?xml version="1.0" encoding="utf-8"?>
 <ds:datastoreItem xmlns:ds="http://schemas.openxmlformats.org/officeDocument/2006/customXml" ds:itemID="{730C16CC-765D-45A1-A48A-7EE955B6CBC3}">
   <ds:schemaRefs>
     <ds:schemaRef ds:uri="http://schemas.microsoft.com/office/2006/metadata/contentType"/>
@@ -6621,12 +6902,4 @@
     <ds:schemaRef ds:uri="http://schemas.microsoft.com/internal/obd"/>
   </ds:schemaRefs>
 </ds:datastoreItem>
-</file>
-
-<file path=customXml/itemProps4.xml><?xml version="1.0" encoding="utf-8"?>
-<ds:datastoreItem xmlns:ds="http://schemas.openxmlformats.org/officeDocument/2006/customXml" ds:itemID="{B662B3C9-84D1-44B4-980A-A658A0349369}">
-  <ds:schemaRefs>
-    <ds:schemaRef ds:uri="http://schemas.microsoft.com/sharepoint/v3/contenttype/forms"/>
-  </ds:schemaRefs>
-</ds:datastoreItem>
 </file>
--- a/DOC/Fachgespraech.pptx
+++ b/DOC/Fachgespraech.pptx
@@ -4154,13 +4154,15 @@
           <p:cNvPr id="6" name="Gerade Verbindung mit Pfeil 5"/>
           <p:cNvCxnSpPr>
             <a:cxnSpLocks/>
+            <a:stCxn id="29" idx="0"/>
+            <a:endCxn id="17" idx="2"/>
           </p:cNvCxnSpPr>
           <p:nvPr/>
         </p:nvCxnSpPr>
         <p:spPr>
           <a:xfrm flipV="1">
-            <a:off x="6924015" y="3817500"/>
-            <a:ext cx="563987" cy="1483708"/>
+            <a:off x="7224886" y="3136703"/>
+            <a:ext cx="9672" cy="1010473"/>
           </a:xfrm>
           <a:prstGeom prst="straightConnector1">
             <a:avLst/>
@@ -4193,13 +4195,15 @@
           <p:cNvPr id="13" name="Gerade Verbindung mit Pfeil 12"/>
           <p:cNvCxnSpPr>
             <a:cxnSpLocks/>
+            <a:stCxn id="5" idx="3"/>
+            <a:endCxn id="27" idx="1"/>
           </p:cNvCxnSpPr>
           <p:nvPr/>
         </p:nvCxnSpPr>
         <p:spPr>
-          <a:xfrm>
-            <a:off x="5148064" y="2853282"/>
-            <a:ext cx="1080120" cy="359694"/>
+          <a:xfrm flipV="1">
+            <a:off x="4938768" y="2320451"/>
+            <a:ext cx="1553936" cy="14817"/>
           </a:xfrm>
           <a:prstGeom prst="straightConnector1">
             <a:avLst/>
@@ -4232,13 +4236,15 @@
           <p:cNvPr id="14" name="Gerade Verbindung mit Pfeil 13"/>
           <p:cNvCxnSpPr>
             <a:cxnSpLocks/>
+            <a:stCxn id="12" idx="3"/>
+            <a:endCxn id="5" idx="1"/>
           </p:cNvCxnSpPr>
           <p:nvPr/>
         </p:nvCxnSpPr>
         <p:spPr>
           <a:xfrm>
-            <a:off x="2416781" y="2106332"/>
-            <a:ext cx="1476112" cy="504056"/>
+            <a:off x="1916746" y="2311332"/>
+            <a:ext cx="1581219" cy="23936"/>
           </a:xfrm>
           <a:prstGeom prst="straightConnector1">
             <a:avLst/>
@@ -4266,173 +4272,95 @@
           </a:fontRef>
         </p:style>
       </p:cxnSp>
-      <p:sp>
-        <p:nvSpPr>
-          <p:cNvPr id="11" name="Textfeld 10"/>
-          <p:cNvSpPr txBox="1"/>
-          <p:nvPr/>
-        </p:nvSpPr>
-        <p:spPr>
-          <a:xfrm>
-            <a:off x="4052978" y="3433567"/>
-            <a:ext cx="955454" cy="369332"/>
-          </a:xfrm>
-          <a:prstGeom prst="rect">
-            <a:avLst/>
-          </a:prstGeom>
-          <a:noFill/>
-        </p:spPr>
-        <p:txBody>
-          <a:bodyPr wrap="none" rtlCol="0">
-            <a:spAutoFit/>
-          </a:bodyPr>
-          <a:lstStyle/>
-          <a:p>
-            <a:r>
-              <a:rPr lang="de-DE" dirty="0"/>
-              <a:t>Browser</a:t>
-            </a:r>
-          </a:p>
-        </p:txBody>
-      </p:sp>
-      <p:sp>
-        <p:nvSpPr>
-          <p:cNvPr id="17" name="Textfeld 16"/>
-          <p:cNvSpPr txBox="1"/>
-          <p:nvPr/>
-        </p:nvSpPr>
-        <p:spPr>
-          <a:xfrm>
-            <a:off x="6343331" y="3659977"/>
-            <a:ext cx="938014" cy="369332"/>
-          </a:xfrm>
-          <a:prstGeom prst="rect">
-            <a:avLst/>
-          </a:prstGeom>
-          <a:noFill/>
-        </p:spPr>
-        <p:txBody>
-          <a:bodyPr wrap="none" rtlCol="0">
-            <a:spAutoFit/>
-          </a:bodyPr>
-          <a:lstStyle/>
-          <a:p>
-            <a:pPr algn="ctr"/>
-            <a:r>
-              <a:rPr lang="de-DE" dirty="0"/>
-              <a:t>Intranet</a:t>
-            </a:r>
-          </a:p>
-        </p:txBody>
-      </p:sp>
-      <p:sp>
-        <p:nvSpPr>
-          <p:cNvPr id="18" name="Textfeld 17"/>
-          <p:cNvSpPr txBox="1"/>
-          <p:nvPr/>
-        </p:nvSpPr>
-        <p:spPr>
-          <a:xfrm>
-            <a:off x="5532352" y="5717250"/>
-            <a:ext cx="1491868" cy="369332"/>
-          </a:xfrm>
-          <a:prstGeom prst="rect">
-            <a:avLst/>
-          </a:prstGeom>
-          <a:noFill/>
-        </p:spPr>
-        <p:txBody>
-          <a:bodyPr wrap="square" rtlCol="0">
-            <a:spAutoFit/>
-          </a:bodyPr>
-          <a:lstStyle/>
-          <a:p>
-            <a:pPr algn="ctr"/>
-            <a:r>
-              <a:rPr lang="de-DE" dirty="0"/>
-              <a:t>QES</a:t>
-            </a:r>
-          </a:p>
-        </p:txBody>
-      </p:sp>
-      <p:pic>
-        <p:nvPicPr>
-          <p:cNvPr id="12" name="Graphic 11">
+      <p:grpSp>
+        <p:nvGrpSpPr>
+          <p:cNvPr id="40" name="Group 39">
             <a:extLst>
               <a:ext uri="{FF2B5EF4-FFF2-40B4-BE49-F238E27FC236}">
-                <a16:creationId xmlns:a16="http://schemas.microsoft.com/office/drawing/2014/main" id="{8501DE74-5A9D-7444-92DB-F9210AC77D48}"/>
+                <a16:creationId xmlns:a16="http://schemas.microsoft.com/office/drawing/2014/main" id="{4C3B3433-24DB-8C46-AEAF-055D75614C2D}"/>
               </a:ext>
             </a:extLst>
           </p:cNvPr>
-          <p:cNvPicPr>
-            <a:picLocks noChangeAspect="1"/>
-          </p:cNvPicPr>
+          <p:cNvGrpSpPr/>
           <p:nvPr/>
-        </p:nvPicPr>
-        <p:blipFill>
-          <a:blip r:embed="rId3">
-            <a:extLst>
-              <a:ext uri="{28A0092B-C50C-407E-A947-70E740481C1C}">
-                <a14:useLocalDpi xmlns:a14="http://schemas.microsoft.com/office/drawing/2010/main" val="0"/>
-              </a:ext>
-              <a:ext uri="{96DAC541-7B7A-43D3-8B79-37D633B846F1}">
-                <asvg:svgBlip xmlns:asvg="http://schemas.microsoft.com/office/drawing/2016/SVG/main" r:embed="rId4"/>
-              </a:ext>
-            </a:extLst>
-          </a:blip>
-          <a:stretch>
-            <a:fillRect/>
-          </a:stretch>
-        </p:blipFill>
-        <p:spPr>
+        </p:nvGrpSpPr>
+        <p:grpSpPr>
           <a:xfrm>
-            <a:off x="1354959" y="1463752"/>
-            <a:ext cx="1082025" cy="1082025"/>
+            <a:off x="3497965" y="1614866"/>
+            <a:ext cx="1440803" cy="1564471"/>
+            <a:chOff x="3491558" y="1886467"/>
+            <a:chExt cx="1440803" cy="1564471"/>
           </a:xfrm>
-          <a:prstGeom prst="rect">
-            <a:avLst/>
-          </a:prstGeom>
-        </p:spPr>
-      </p:pic>
-      <p:pic>
-        <p:nvPicPr>
-          <p:cNvPr id="5" name="Graphic 4">
-            <a:extLst>
-              <a:ext uri="{FF2B5EF4-FFF2-40B4-BE49-F238E27FC236}">
-                <a16:creationId xmlns:a16="http://schemas.microsoft.com/office/drawing/2014/main" id="{A715925D-668B-4D41-8FBA-53E2E17BDADB}"/>
-              </a:ext>
-            </a:extLst>
-          </p:cNvPr>
-          <p:cNvPicPr>
-            <a:picLocks noChangeAspect="1"/>
-          </p:cNvPicPr>
-          <p:nvPr/>
-        </p:nvPicPr>
-        <p:blipFill>
-          <a:blip r:embed="rId5">
-            <a:extLst>
-              <a:ext uri="{28A0092B-C50C-407E-A947-70E740481C1C}">
-                <a14:useLocalDpi xmlns:a14="http://schemas.microsoft.com/office/drawing/2010/main" val="0"/>
-              </a:ext>
-              <a:ext uri="{96DAC541-7B7A-43D3-8B79-37D633B846F1}">
-                <asvg:svgBlip xmlns:asvg="http://schemas.microsoft.com/office/drawing/2016/SVG/main" r:embed="rId6"/>
-              </a:ext>
-            </a:extLst>
-          </a:blip>
-          <a:stretch>
-            <a:fillRect/>
-          </a:stretch>
-        </p:blipFill>
-        <p:spPr>
-          <a:xfrm>
-            <a:off x="3810304" y="2132881"/>
-            <a:ext cx="1440803" cy="1440803"/>
-          </a:xfrm>
-          <a:prstGeom prst="rect">
-            <a:avLst/>
-          </a:prstGeom>
-        </p:spPr>
-      </p:pic>
+        </p:grpSpPr>
+        <p:sp>
+          <p:nvSpPr>
+            <p:cNvPr id="11" name="Textfeld 10"/>
+            <p:cNvSpPr txBox="1"/>
+            <p:nvPr/>
+          </p:nvSpPr>
+          <p:spPr>
+            <a:xfrm>
+              <a:off x="3734233" y="3081606"/>
+              <a:ext cx="955454" cy="369332"/>
+            </a:xfrm>
+            <a:prstGeom prst="rect">
+              <a:avLst/>
+            </a:prstGeom>
+            <a:noFill/>
+          </p:spPr>
+          <p:txBody>
+            <a:bodyPr wrap="none" rtlCol="0">
+              <a:spAutoFit/>
+            </a:bodyPr>
+            <a:lstStyle/>
+            <a:p>
+              <a:r>
+                <a:rPr lang="de-DE" dirty="0"/>
+                <a:t>Browser</a:t>
+              </a:r>
+            </a:p>
+          </p:txBody>
+        </p:sp>
+        <p:pic>
+          <p:nvPicPr>
+            <p:cNvPr id="5" name="Graphic 4">
+              <a:extLst>
+                <a:ext uri="{FF2B5EF4-FFF2-40B4-BE49-F238E27FC236}">
+                  <a16:creationId xmlns:a16="http://schemas.microsoft.com/office/drawing/2014/main" id="{A715925D-668B-4D41-8FBA-53E2E17BDADB}"/>
+                </a:ext>
+              </a:extLst>
+            </p:cNvPr>
+            <p:cNvPicPr>
+              <a:picLocks noChangeAspect="1"/>
+            </p:cNvPicPr>
+            <p:nvPr/>
+          </p:nvPicPr>
+          <p:blipFill>
+            <a:blip r:embed="rId3">
+              <a:extLst>
+                <a:ext uri="{28A0092B-C50C-407E-A947-70E740481C1C}">
+                  <a14:useLocalDpi xmlns:a14="http://schemas.microsoft.com/office/drawing/2010/main" val="0"/>
+                </a:ext>
+                <a:ext uri="{96DAC541-7B7A-43D3-8B79-37D633B846F1}">
+                  <asvg:svgBlip xmlns:asvg="http://schemas.microsoft.com/office/drawing/2016/SVG/main" r:embed="rId4"/>
+                </a:ext>
+              </a:extLst>
+            </a:blip>
+            <a:stretch>
+              <a:fillRect/>
+            </a:stretch>
+          </p:blipFill>
+          <p:spPr>
+            <a:xfrm>
+              <a:off x="3491558" y="1886467"/>
+              <a:ext cx="1440803" cy="1440803"/>
+            </a:xfrm>
+            <a:prstGeom prst="rect">
+              <a:avLst/>
+            </a:prstGeom>
+          </p:spPr>
+        </p:pic>
+      </p:grpSp>
       <p:cxnSp>
         <p:nvCxnSpPr>
           <p:cNvPr id="21" name="Gerade Verbindung mit Pfeil 12">
@@ -4444,13 +4372,15 @@
           </p:cNvPr>
           <p:cNvCxnSpPr>
             <a:cxnSpLocks/>
+            <a:stCxn id="25" idx="3"/>
+            <a:endCxn id="29" idx="1"/>
           </p:cNvCxnSpPr>
           <p:nvPr/>
         </p:nvCxnSpPr>
         <p:spPr>
-          <a:xfrm>
-            <a:off x="4211960" y="4927655"/>
-            <a:ext cx="1080120" cy="359694"/>
+          <a:xfrm flipV="1">
+            <a:off x="4895354" y="4745792"/>
+            <a:ext cx="1730916" cy="17796"/>
           </a:xfrm>
           <a:prstGeom prst="straightConnector1">
             <a:avLst/>
@@ -4478,41 +4408,6 @@
           </a:fontRef>
         </p:style>
       </p:cxnSp>
-      <p:sp>
-        <p:nvSpPr>
-          <p:cNvPr id="22" name="Textfeld 10">
-            <a:extLst>
-              <a:ext uri="{FF2B5EF4-FFF2-40B4-BE49-F238E27FC236}">
-                <a16:creationId xmlns:a16="http://schemas.microsoft.com/office/drawing/2014/main" id="{E63A6598-469D-A441-8B46-4332B9D10959}"/>
-              </a:ext>
-            </a:extLst>
-          </p:cNvPr>
-          <p:cNvSpPr txBox="1"/>
-          <p:nvPr/>
-        </p:nvSpPr>
-        <p:spPr>
-          <a:xfrm>
-            <a:off x="2916394" y="5351936"/>
-            <a:ext cx="1390509" cy="369332"/>
-          </a:xfrm>
-          <a:prstGeom prst="rect">
-            <a:avLst/>
-          </a:prstGeom>
-          <a:noFill/>
-        </p:spPr>
-        <p:txBody>
-          <a:bodyPr wrap="none" rtlCol="0">
-            <a:spAutoFit/>
-          </a:bodyPr>
-          <a:lstStyle/>
-          <a:p>
-            <a:r>
-              <a:rPr lang="de-DE" dirty="0"/>
-              <a:t>Laravel-ORM</a:t>
-            </a:r>
-          </a:p>
-        </p:txBody>
-      </p:sp>
       <p:cxnSp>
         <p:nvCxnSpPr>
           <p:cNvPr id="23" name="Gerade Verbindung mit Pfeil 12">
@@ -4524,13 +4419,15 @@
           </p:cNvPr>
           <p:cNvCxnSpPr>
             <a:cxnSpLocks/>
+            <a:stCxn id="19" idx="3"/>
+            <a:endCxn id="25" idx="1"/>
           </p:cNvCxnSpPr>
           <p:nvPr/>
         </p:nvCxnSpPr>
         <p:spPr>
-          <a:xfrm>
-            <a:off x="1994678" y="4207575"/>
-            <a:ext cx="1080120" cy="359694"/>
+          <a:xfrm flipV="1">
+            <a:off x="1937284" y="4763588"/>
+            <a:ext cx="1701260" cy="1"/>
           </a:xfrm>
           <a:prstGeom prst="straightConnector1">
             <a:avLst/>
@@ -4558,232 +4455,471 @@
           </a:fontRef>
         </p:style>
       </p:cxnSp>
-      <p:sp>
-        <p:nvSpPr>
-          <p:cNvPr id="24" name="Textfeld 10">
+      <p:grpSp>
+        <p:nvGrpSpPr>
+          <p:cNvPr id="52" name="Group 51">
             <a:extLst>
               <a:ext uri="{FF2B5EF4-FFF2-40B4-BE49-F238E27FC236}">
-                <a16:creationId xmlns:a16="http://schemas.microsoft.com/office/drawing/2014/main" id="{21B6944C-3A14-4940-B297-BF3CBE7FC2DF}"/>
+                <a16:creationId xmlns:a16="http://schemas.microsoft.com/office/drawing/2014/main" id="{7AB13358-1417-BB4A-86A4-17A08ACF4E3B}"/>
               </a:ext>
             </a:extLst>
           </p:cNvPr>
-          <p:cNvSpPr txBox="1"/>
+          <p:cNvGrpSpPr/>
           <p:nvPr/>
-        </p:nvSpPr>
-        <p:spPr>
+        </p:nvGrpSpPr>
+        <p:grpSpPr>
           <a:xfrm>
-            <a:off x="899592" y="4787860"/>
-            <a:ext cx="1205971" cy="369332"/>
+            <a:off x="680473" y="4135183"/>
+            <a:ext cx="1256811" cy="1340533"/>
+            <a:chOff x="750235" y="3500947"/>
+            <a:chExt cx="1256811" cy="1340533"/>
           </a:xfrm>
-          <a:prstGeom prst="rect">
-            <a:avLst/>
-          </a:prstGeom>
-          <a:noFill/>
-        </p:spPr>
-        <p:txBody>
-          <a:bodyPr wrap="none" rtlCol="0">
-            <a:spAutoFit/>
-          </a:bodyPr>
-          <a:lstStyle/>
-          <a:p>
-            <a:r>
-              <a:rPr lang="de-DE" dirty="0"/>
-              <a:t>Datenbank</a:t>
-            </a:r>
-          </a:p>
-        </p:txBody>
-      </p:sp>
-      <p:pic>
-        <p:nvPicPr>
-          <p:cNvPr id="19" name="Graphic 18">
+        </p:grpSpPr>
+        <p:sp>
+          <p:nvSpPr>
+            <p:cNvPr id="24" name="Textfeld 10">
+              <a:extLst>
+                <a:ext uri="{FF2B5EF4-FFF2-40B4-BE49-F238E27FC236}">
+                  <a16:creationId xmlns:a16="http://schemas.microsoft.com/office/drawing/2014/main" id="{21B6944C-3A14-4940-B297-BF3CBE7FC2DF}"/>
+                </a:ext>
+              </a:extLst>
+            </p:cNvPr>
+            <p:cNvSpPr txBox="1"/>
+            <p:nvPr/>
+          </p:nvSpPr>
+          <p:spPr>
+            <a:xfrm>
+              <a:off x="781181" y="4472148"/>
+              <a:ext cx="1205971" cy="369332"/>
+            </a:xfrm>
+            <a:prstGeom prst="rect">
+              <a:avLst/>
+            </a:prstGeom>
+            <a:noFill/>
+          </p:spPr>
+          <p:txBody>
+            <a:bodyPr wrap="none" rtlCol="0">
+              <a:spAutoFit/>
+            </a:bodyPr>
+            <a:lstStyle/>
+            <a:p>
+              <a:r>
+                <a:rPr lang="de-DE" dirty="0"/>
+                <a:t>Datenbank</a:t>
+              </a:r>
+            </a:p>
+          </p:txBody>
+        </p:sp>
+        <p:pic>
+          <p:nvPicPr>
+            <p:cNvPr id="19" name="Graphic 18">
+              <a:extLst>
+                <a:ext uri="{FF2B5EF4-FFF2-40B4-BE49-F238E27FC236}">
+                  <a16:creationId xmlns:a16="http://schemas.microsoft.com/office/drawing/2014/main" id="{6E9AF135-A710-E243-85CB-49DBE38EC6C9}"/>
+                </a:ext>
+              </a:extLst>
+            </p:cNvPr>
+            <p:cNvPicPr>
+              <a:picLocks noChangeAspect="1"/>
+            </p:cNvPicPr>
+            <p:nvPr/>
+          </p:nvPicPr>
+          <p:blipFill>
+            <a:blip r:embed="rId5">
+              <a:extLst>
+                <a:ext uri="{28A0092B-C50C-407E-A947-70E740481C1C}">
+                  <a14:useLocalDpi xmlns:a14="http://schemas.microsoft.com/office/drawing/2010/main" val="0"/>
+                </a:ext>
+                <a:ext uri="{96DAC541-7B7A-43D3-8B79-37D633B846F1}">
+                  <asvg:svgBlip xmlns:asvg="http://schemas.microsoft.com/office/drawing/2016/SVG/main" r:embed="rId6"/>
+                </a:ext>
+              </a:extLst>
+            </a:blip>
+            <a:stretch>
+              <a:fillRect/>
+            </a:stretch>
+          </p:blipFill>
+          <p:spPr>
+            <a:xfrm>
+              <a:off x="750235" y="3500947"/>
+              <a:ext cx="1256811" cy="1256811"/>
+            </a:xfrm>
+            <a:prstGeom prst="rect">
+              <a:avLst/>
+            </a:prstGeom>
+          </p:spPr>
+        </p:pic>
+      </p:grpSp>
+      <p:grpSp>
+        <p:nvGrpSpPr>
+          <p:cNvPr id="49" name="Group 48">
             <a:extLst>
               <a:ext uri="{FF2B5EF4-FFF2-40B4-BE49-F238E27FC236}">
-                <a16:creationId xmlns:a16="http://schemas.microsoft.com/office/drawing/2014/main" id="{6E9AF135-A710-E243-85CB-49DBE38EC6C9}"/>
+                <a16:creationId xmlns:a16="http://schemas.microsoft.com/office/drawing/2014/main" id="{EDE08DF3-5A87-7B43-BB3A-5CFD33BF8EBD}"/>
               </a:ext>
             </a:extLst>
           </p:cNvPr>
-          <p:cNvPicPr>
-            <a:picLocks noChangeAspect="1"/>
-          </p:cNvPicPr>
+          <p:cNvGrpSpPr/>
           <p:nvPr/>
-        </p:nvPicPr>
-        <p:blipFill>
-          <a:blip r:embed="rId7">
-            <a:extLst>
-              <a:ext uri="{28A0092B-C50C-407E-A947-70E740481C1C}">
-                <a14:useLocalDpi xmlns:a14="http://schemas.microsoft.com/office/drawing/2010/main" val="0"/>
-              </a:ext>
-              <a:ext uri="{96DAC541-7B7A-43D3-8B79-37D633B846F1}">
-                <asvg:svgBlip xmlns:asvg="http://schemas.microsoft.com/office/drawing/2016/SVG/main" r:embed="rId8"/>
-              </a:ext>
-            </a:extLst>
-          </a:blip>
-          <a:stretch>
-            <a:fillRect/>
-          </a:stretch>
-        </p:blipFill>
-        <p:spPr>
+        </p:nvGrpSpPr>
+        <p:grpSpPr>
           <a:xfrm>
-            <a:off x="750235" y="3500947"/>
-            <a:ext cx="1256811" cy="1256811"/>
+            <a:off x="3571694" y="4135183"/>
+            <a:ext cx="1390509" cy="1451356"/>
+            <a:chOff x="3611456" y="4147176"/>
+            <a:chExt cx="1390509" cy="1451356"/>
           </a:xfrm>
-          <a:prstGeom prst="rect">
-            <a:avLst/>
-          </a:prstGeom>
-        </p:spPr>
-      </p:pic>
-      <p:pic>
-        <p:nvPicPr>
-          <p:cNvPr id="25" name="Graphic 24">
+        </p:grpSpPr>
+        <p:sp>
+          <p:nvSpPr>
+            <p:cNvPr id="22" name="Textfeld 10">
+              <a:extLst>
+                <a:ext uri="{FF2B5EF4-FFF2-40B4-BE49-F238E27FC236}">
+                  <a16:creationId xmlns:a16="http://schemas.microsoft.com/office/drawing/2014/main" id="{E63A6598-469D-A441-8B46-4332B9D10959}"/>
+                </a:ext>
+              </a:extLst>
+            </p:cNvPr>
+            <p:cNvSpPr txBox="1"/>
+            <p:nvPr/>
+          </p:nvSpPr>
+          <p:spPr>
+            <a:xfrm>
+              <a:off x="3611456" y="5229200"/>
+              <a:ext cx="1390509" cy="369332"/>
+            </a:xfrm>
+            <a:prstGeom prst="rect">
+              <a:avLst/>
+            </a:prstGeom>
+            <a:noFill/>
+          </p:spPr>
+          <p:txBody>
+            <a:bodyPr wrap="none" rtlCol="0">
+              <a:spAutoFit/>
+            </a:bodyPr>
+            <a:lstStyle/>
+            <a:p>
+              <a:r>
+                <a:rPr lang="de-DE" dirty="0"/>
+                <a:t>Laravel-ORM</a:t>
+              </a:r>
+            </a:p>
+          </p:txBody>
+        </p:sp>
+        <p:pic>
+          <p:nvPicPr>
+            <p:cNvPr id="25" name="Graphic 24">
+              <a:extLst>
+                <a:ext uri="{FF2B5EF4-FFF2-40B4-BE49-F238E27FC236}">
+                  <a16:creationId xmlns:a16="http://schemas.microsoft.com/office/drawing/2014/main" id="{EC8249C3-DDAE-B943-9426-7F3CC54784AB}"/>
+                </a:ext>
+              </a:extLst>
+            </p:cNvPr>
+            <p:cNvPicPr>
+              <a:picLocks noChangeAspect="1"/>
+            </p:cNvPicPr>
+            <p:nvPr/>
+          </p:nvPicPr>
+          <p:blipFill>
+            <a:blip r:embed="rId7">
+              <a:extLst>
+                <a:ext uri="{28A0092B-C50C-407E-A947-70E740481C1C}">
+                  <a14:useLocalDpi xmlns:a14="http://schemas.microsoft.com/office/drawing/2010/main" val="0"/>
+                </a:ext>
+                <a:ext uri="{96DAC541-7B7A-43D3-8B79-37D633B846F1}">
+                  <asvg:svgBlip xmlns:asvg="http://schemas.microsoft.com/office/drawing/2016/SVG/main" r:embed="rId8"/>
+                </a:ext>
+              </a:extLst>
+            </a:blip>
+            <a:stretch>
+              <a:fillRect/>
+            </a:stretch>
+          </p:blipFill>
+          <p:spPr>
+            <a:xfrm>
+              <a:off x="3678306" y="4147176"/>
+              <a:ext cx="1256810" cy="1256810"/>
+            </a:xfrm>
+            <a:prstGeom prst="rect">
+              <a:avLst/>
+            </a:prstGeom>
+          </p:spPr>
+        </p:pic>
+      </p:grpSp>
+      <p:grpSp>
+        <p:nvGrpSpPr>
+          <p:cNvPr id="41" name="Group 40">
             <a:extLst>
               <a:ext uri="{FF2B5EF4-FFF2-40B4-BE49-F238E27FC236}">
-                <a16:creationId xmlns:a16="http://schemas.microsoft.com/office/drawing/2014/main" id="{EC8249C3-DDAE-B943-9426-7F3CC54784AB}"/>
+                <a16:creationId xmlns:a16="http://schemas.microsoft.com/office/drawing/2014/main" id="{150CD71F-51E0-2F4A-B685-C6A66A30ADF4}"/>
               </a:ext>
             </a:extLst>
           </p:cNvPr>
-          <p:cNvPicPr>
-            <a:picLocks noChangeAspect="1"/>
-          </p:cNvPicPr>
+          <p:cNvGrpSpPr/>
           <p:nvPr/>
-        </p:nvPicPr>
-        <p:blipFill>
-          <a:blip r:embed="rId9">
-            <a:extLst>
-              <a:ext uri="{28A0092B-C50C-407E-A947-70E740481C1C}">
-                <a14:useLocalDpi xmlns:a14="http://schemas.microsoft.com/office/drawing/2010/main" val="0"/>
-              </a:ext>
-              <a:ext uri="{96DAC541-7B7A-43D3-8B79-37D633B846F1}">
-                <asvg:svgBlip xmlns:asvg="http://schemas.microsoft.com/office/drawing/2016/SVG/main" r:embed="rId10"/>
-              </a:ext>
-            </a:extLst>
-          </a:blip>
-          <a:stretch>
-            <a:fillRect/>
-          </a:stretch>
-        </p:blipFill>
-        <p:spPr>
+        </p:nvGrpSpPr>
+        <p:grpSpPr>
           <a:xfrm>
-            <a:off x="3025089" y="4251130"/>
-            <a:ext cx="1256810" cy="1256810"/>
+            <a:off x="6492704" y="1578597"/>
+            <a:ext cx="1483707" cy="1558106"/>
+            <a:chOff x="6124371" y="2489136"/>
+            <a:chExt cx="1483707" cy="1558106"/>
           </a:xfrm>
-          <a:prstGeom prst="rect">
-            <a:avLst/>
-          </a:prstGeom>
-        </p:spPr>
-      </p:pic>
-      <p:pic>
-        <p:nvPicPr>
-          <p:cNvPr id="27" name="Graphic 26">
+        </p:grpSpPr>
+        <p:sp>
+          <p:nvSpPr>
+            <p:cNvPr id="17" name="Textfeld 16"/>
+            <p:cNvSpPr txBox="1"/>
+            <p:nvPr/>
+          </p:nvSpPr>
+          <p:spPr>
+            <a:xfrm>
+              <a:off x="6397218" y="3677910"/>
+              <a:ext cx="938014" cy="369332"/>
+            </a:xfrm>
+            <a:prstGeom prst="rect">
+              <a:avLst/>
+            </a:prstGeom>
+            <a:noFill/>
+          </p:spPr>
+          <p:txBody>
+            <a:bodyPr wrap="none" rtlCol="0">
+              <a:spAutoFit/>
+            </a:bodyPr>
+            <a:lstStyle/>
+            <a:p>
+              <a:pPr algn="ctr"/>
+              <a:r>
+                <a:rPr lang="de-DE" dirty="0"/>
+                <a:t>Intranet</a:t>
+              </a:r>
+            </a:p>
+          </p:txBody>
+        </p:sp>
+        <p:pic>
+          <p:nvPicPr>
+            <p:cNvPr id="27" name="Graphic 26">
+              <a:extLst>
+                <a:ext uri="{FF2B5EF4-FFF2-40B4-BE49-F238E27FC236}">
+                  <a16:creationId xmlns:a16="http://schemas.microsoft.com/office/drawing/2014/main" id="{D8B57DB2-9DA1-A942-A764-674314EF6BA8}"/>
+                </a:ext>
+              </a:extLst>
+            </p:cNvPr>
+            <p:cNvPicPr>
+              <a:picLocks noChangeAspect="1"/>
+            </p:cNvPicPr>
+            <p:nvPr/>
+          </p:nvPicPr>
+          <p:blipFill>
+            <a:blip r:embed="rId9">
+              <a:extLst>
+                <a:ext uri="{28A0092B-C50C-407E-A947-70E740481C1C}">
+                  <a14:useLocalDpi xmlns:a14="http://schemas.microsoft.com/office/drawing/2010/main" val="0"/>
+                </a:ext>
+                <a:ext uri="{96DAC541-7B7A-43D3-8B79-37D633B846F1}">
+                  <asvg:svgBlip xmlns:asvg="http://schemas.microsoft.com/office/drawing/2016/SVG/main" r:embed="rId10"/>
+                </a:ext>
+              </a:extLst>
+            </a:blip>
+            <a:stretch>
+              <a:fillRect/>
+            </a:stretch>
+          </p:blipFill>
+          <p:spPr>
+            <a:xfrm>
+              <a:off x="6124371" y="2489136"/>
+              <a:ext cx="1483707" cy="1483707"/>
+            </a:xfrm>
+            <a:prstGeom prst="rect">
+              <a:avLst/>
+            </a:prstGeom>
+          </p:spPr>
+        </p:pic>
+      </p:grpSp>
+      <p:grpSp>
+        <p:nvGrpSpPr>
+          <p:cNvPr id="37" name="Group 36">
             <a:extLst>
               <a:ext uri="{FF2B5EF4-FFF2-40B4-BE49-F238E27FC236}">
-                <a16:creationId xmlns:a16="http://schemas.microsoft.com/office/drawing/2014/main" id="{D8B57DB2-9DA1-A942-A764-674314EF6BA8}"/>
+                <a16:creationId xmlns:a16="http://schemas.microsoft.com/office/drawing/2014/main" id="{2A30FFCB-0FD3-814A-94C5-ED8B5DCEFB24}"/>
               </a:ext>
             </a:extLst>
           </p:cNvPr>
-          <p:cNvPicPr>
-            <a:picLocks noChangeAspect="1"/>
-          </p:cNvPicPr>
+          <p:cNvGrpSpPr/>
           <p:nvPr/>
-        </p:nvPicPr>
-        <p:blipFill>
-          <a:blip r:embed="rId11">
-            <a:extLst>
-              <a:ext uri="{28A0092B-C50C-407E-A947-70E740481C1C}">
-                <a14:useLocalDpi xmlns:a14="http://schemas.microsoft.com/office/drawing/2010/main" val="0"/>
-              </a:ext>
-              <a:ext uri="{96DAC541-7B7A-43D3-8B79-37D633B846F1}">
-                <asvg:svgBlip xmlns:asvg="http://schemas.microsoft.com/office/drawing/2016/SVG/main" r:embed="rId12"/>
-              </a:ext>
-            </a:extLst>
-          </a:blip>
-          <a:stretch>
-            <a:fillRect/>
-          </a:stretch>
-        </p:blipFill>
-        <p:spPr>
+        </p:nvGrpSpPr>
+        <p:grpSpPr>
           <a:xfrm>
-            <a:off x="6179195" y="2501099"/>
-            <a:ext cx="1483707" cy="1483707"/>
+            <a:off x="834721" y="1770319"/>
+            <a:ext cx="1082025" cy="1320294"/>
+            <a:chOff x="837627" y="1471241"/>
+            <a:chExt cx="1082025" cy="1320294"/>
           </a:xfrm>
-          <a:prstGeom prst="rect">
-            <a:avLst/>
-          </a:prstGeom>
-        </p:spPr>
-      </p:pic>
-      <p:sp>
-        <p:nvSpPr>
-          <p:cNvPr id="31" name="Textfeld 10">
+        </p:grpSpPr>
+        <p:pic>
+          <p:nvPicPr>
+            <p:cNvPr id="12" name="Graphic 11">
+              <a:extLst>
+                <a:ext uri="{FF2B5EF4-FFF2-40B4-BE49-F238E27FC236}">
+                  <a16:creationId xmlns:a16="http://schemas.microsoft.com/office/drawing/2014/main" id="{8501DE74-5A9D-7444-92DB-F9210AC77D48}"/>
+                </a:ext>
+              </a:extLst>
+            </p:cNvPr>
+            <p:cNvPicPr>
+              <a:picLocks noChangeAspect="1"/>
+            </p:cNvPicPr>
+            <p:nvPr/>
+          </p:nvPicPr>
+          <p:blipFill>
+            <a:blip r:embed="rId11">
+              <a:extLst>
+                <a:ext uri="{28A0092B-C50C-407E-A947-70E740481C1C}">
+                  <a14:useLocalDpi xmlns:a14="http://schemas.microsoft.com/office/drawing/2010/main" val="0"/>
+                </a:ext>
+                <a:ext uri="{96DAC541-7B7A-43D3-8B79-37D633B846F1}">
+                  <asvg:svgBlip xmlns:asvg="http://schemas.microsoft.com/office/drawing/2016/SVG/main" r:embed="rId12"/>
+                </a:ext>
+              </a:extLst>
+            </a:blip>
+            <a:stretch>
+              <a:fillRect/>
+            </a:stretch>
+          </p:blipFill>
+          <p:spPr>
+            <a:xfrm>
+              <a:off x="837627" y="1471241"/>
+              <a:ext cx="1082025" cy="1082025"/>
+            </a:xfrm>
+            <a:prstGeom prst="rect">
+              <a:avLst/>
+            </a:prstGeom>
+          </p:spPr>
+        </p:pic>
+        <p:sp>
+          <p:nvSpPr>
+            <p:cNvPr id="31" name="Textfeld 10">
+              <a:extLst>
+                <a:ext uri="{FF2B5EF4-FFF2-40B4-BE49-F238E27FC236}">
+                  <a16:creationId xmlns:a16="http://schemas.microsoft.com/office/drawing/2014/main" id="{40BCF9EC-95F1-D043-921C-6FBF18F6823F}"/>
+                </a:ext>
+              </a:extLst>
+            </p:cNvPr>
+            <p:cNvSpPr txBox="1"/>
+            <p:nvPr/>
+          </p:nvSpPr>
+          <p:spPr>
+            <a:xfrm>
+              <a:off x="864908" y="2422203"/>
+              <a:ext cx="1027461" cy="369332"/>
+            </a:xfrm>
+            <a:prstGeom prst="rect">
+              <a:avLst/>
+            </a:prstGeom>
+            <a:noFill/>
+          </p:spPr>
+          <p:txBody>
+            <a:bodyPr wrap="none" rtlCol="0">
+              <a:spAutoFit/>
+            </a:bodyPr>
+            <a:lstStyle/>
+            <a:p>
+              <a:r>
+                <a:rPr lang="de-DE" dirty="0"/>
+                <a:t>Benutzer</a:t>
+              </a:r>
+            </a:p>
+          </p:txBody>
+        </p:sp>
+      </p:grpSp>
+      <p:grpSp>
+        <p:nvGrpSpPr>
+          <p:cNvPr id="43" name="Group 42">
             <a:extLst>
               <a:ext uri="{FF2B5EF4-FFF2-40B4-BE49-F238E27FC236}">
-                <a16:creationId xmlns:a16="http://schemas.microsoft.com/office/drawing/2014/main" id="{40BCF9EC-95F1-D043-921C-6FBF18F6823F}"/>
+                <a16:creationId xmlns:a16="http://schemas.microsoft.com/office/drawing/2014/main" id="{894837FE-DC2F-E941-9344-FE3D740CA51D}"/>
               </a:ext>
             </a:extLst>
           </p:cNvPr>
-          <p:cNvSpPr txBox="1"/>
+          <p:cNvGrpSpPr/>
           <p:nvPr/>
-        </p:nvSpPr>
-        <p:spPr>
+        </p:nvGrpSpPr>
+        <p:grpSpPr>
           <a:xfrm>
-            <a:off x="1378640" y="2425722"/>
-            <a:ext cx="1027461" cy="369332"/>
+            <a:off x="6478951" y="4147176"/>
+            <a:ext cx="1491868" cy="1444326"/>
+            <a:chOff x="5521675" y="4645752"/>
+            <a:chExt cx="1491868" cy="1444326"/>
           </a:xfrm>
-          <a:prstGeom prst="rect">
-            <a:avLst/>
-          </a:prstGeom>
-          <a:noFill/>
-        </p:spPr>
-        <p:txBody>
-          <a:bodyPr wrap="none" rtlCol="0">
-            <a:spAutoFit/>
-          </a:bodyPr>
-          <a:lstStyle/>
-          <a:p>
-            <a:r>
-              <a:rPr lang="de-DE" dirty="0"/>
-              <a:t>Benutzer</a:t>
-            </a:r>
-          </a:p>
-        </p:txBody>
-      </p:sp>
-      <p:pic>
-        <p:nvPicPr>
-          <p:cNvPr id="29" name="Graphic 28">
-            <a:extLst>
-              <a:ext uri="{FF2B5EF4-FFF2-40B4-BE49-F238E27FC236}">
-                <a16:creationId xmlns:a16="http://schemas.microsoft.com/office/drawing/2014/main" id="{FBB22B3A-9237-004B-A8DD-C1F225CEF939}"/>
-              </a:ext>
-            </a:extLst>
-          </p:cNvPr>
-          <p:cNvPicPr>
-            <a:picLocks noChangeAspect="1"/>
-          </p:cNvPicPr>
-          <p:nvPr/>
-        </p:nvPicPr>
-        <p:blipFill>
-          <a:blip r:embed="rId13">
-            <a:extLst>
-              <a:ext uri="{28A0092B-C50C-407E-A947-70E740481C1C}">
-                <a14:useLocalDpi xmlns:a14="http://schemas.microsoft.com/office/drawing/2010/main" val="0"/>
-              </a:ext>
-              <a:ext uri="{96DAC541-7B7A-43D3-8B79-37D633B846F1}">
-                <asvg:svgBlip xmlns:asvg="http://schemas.microsoft.com/office/drawing/2016/SVG/main" r:embed="rId14"/>
-              </a:ext>
-            </a:extLst>
-          </a:blip>
-          <a:stretch>
-            <a:fillRect/>
-          </a:stretch>
-        </p:blipFill>
-        <p:spPr>
-          <a:xfrm>
-            <a:off x="5668994" y="4645752"/>
-            <a:ext cx="1197231" cy="1197231"/>
-          </a:xfrm>
-          <a:prstGeom prst="rect">
-            <a:avLst/>
-          </a:prstGeom>
-        </p:spPr>
-      </p:pic>
+        </p:grpSpPr>
+        <p:sp>
+          <p:nvSpPr>
+            <p:cNvPr id="18" name="Textfeld 17"/>
+            <p:cNvSpPr txBox="1"/>
+            <p:nvPr/>
+          </p:nvSpPr>
+          <p:spPr>
+            <a:xfrm>
+              <a:off x="5521675" y="5720746"/>
+              <a:ext cx="1491868" cy="369332"/>
+            </a:xfrm>
+            <a:prstGeom prst="rect">
+              <a:avLst/>
+            </a:prstGeom>
+            <a:noFill/>
+          </p:spPr>
+          <p:txBody>
+            <a:bodyPr wrap="square" rtlCol="0">
+              <a:spAutoFit/>
+            </a:bodyPr>
+            <a:lstStyle/>
+            <a:p>
+              <a:pPr algn="ctr"/>
+              <a:r>
+                <a:rPr lang="de-DE" dirty="0"/>
+                <a:t>QES</a:t>
+              </a:r>
+            </a:p>
+          </p:txBody>
+        </p:sp>
+        <p:pic>
+          <p:nvPicPr>
+            <p:cNvPr id="29" name="Graphic 28">
+              <a:extLst>
+                <a:ext uri="{FF2B5EF4-FFF2-40B4-BE49-F238E27FC236}">
+                  <a16:creationId xmlns:a16="http://schemas.microsoft.com/office/drawing/2014/main" id="{FBB22B3A-9237-004B-A8DD-C1F225CEF939}"/>
+                </a:ext>
+              </a:extLst>
+            </p:cNvPr>
+            <p:cNvPicPr>
+              <a:picLocks noChangeAspect="1"/>
+            </p:cNvPicPr>
+            <p:nvPr/>
+          </p:nvPicPr>
+          <p:blipFill>
+            <a:blip r:embed="rId13">
+              <a:extLst>
+                <a:ext uri="{28A0092B-C50C-407E-A947-70E740481C1C}">
+                  <a14:useLocalDpi xmlns:a14="http://schemas.microsoft.com/office/drawing/2010/main" val="0"/>
+                </a:ext>
+                <a:ext uri="{96DAC541-7B7A-43D3-8B79-37D633B846F1}">
+                  <asvg:svgBlip xmlns:asvg="http://schemas.microsoft.com/office/drawing/2016/SVG/main" r:embed="rId14"/>
+                </a:ext>
+              </a:extLst>
+            </a:blip>
+            <a:stretch>
+              <a:fillRect/>
+            </a:stretch>
+          </p:blipFill>
+          <p:spPr>
+            <a:xfrm>
+              <a:off x="5668994" y="4645752"/>
+              <a:ext cx="1197231" cy="1197231"/>
+            </a:xfrm>
+            <a:prstGeom prst="rect">
+              <a:avLst/>
+            </a:prstGeom>
+          </p:spPr>
+        </p:pic>
+      </p:grpSp>
     </p:spTree>
     <p:extLst>
       <p:ext uri="{BB962C8B-B14F-4D97-AF65-F5344CB8AC3E}">
@@ -6629,6 +6765,19 @@
 </file>
 
 <file path=customXml/item1.xml><?xml version="1.0" encoding="utf-8"?>
+<p:properties xmlns:p="http://schemas.microsoft.com/office/2006/metadata/properties" xmlns:xsi="http://www.w3.org/2001/XMLSchema-instance" xmlns:pc="http://schemas.microsoft.com/office/infopath/2007/PartnerControls">
+  <documentManagement>
+    <Gremium_x0020_intern xmlns="8ec5f598-09a5-4f4d-8ba3-f8504e05b148" xsi:nil="true"/>
+    <_dlc_DocId xmlns="8ec5f598-09a5-4f4d-8ba3-f8504e05b148">GESISDOC-552-21</_dlc_DocId>
+    <_dlc_DocIdUrl xmlns="8ec5f598-09a5-4f4d-8ba3-f8504e05b148">
+      <Url>http://intranet.gesis.intra/pr/Vorlagen/_layouts/15/DocIdRedir.aspx?ID=GESISDOC-552-21</Url>
+      <Description>GESISDOC-552-21</Description>
+    </_dlc_DocIdUrl>
+  </documentManagement>
+</p:properties>
+</file>
+
+<file path=customXml/item2.xml><?xml version="1.0" encoding="utf-8"?>
 <?mso-contentType ?>
 <spe:Receivers xmlns:spe="http://schemas.microsoft.com/sharepoint/events">
   <Receiver>
@@ -6678,29 +6827,7 @@
 </spe:Receivers>
 </file>
 
-<file path=customXml/item2.xml><?xml version="1.0" encoding="utf-8"?>
-<p:properties xmlns:p="http://schemas.microsoft.com/office/2006/metadata/properties" xmlns:xsi="http://www.w3.org/2001/XMLSchema-instance" xmlns:pc="http://schemas.microsoft.com/office/infopath/2007/PartnerControls">
-  <documentManagement>
-    <Gremium_x0020_intern xmlns="8ec5f598-09a5-4f4d-8ba3-f8504e05b148" xsi:nil="true"/>
-    <_dlc_DocId xmlns="8ec5f598-09a5-4f4d-8ba3-f8504e05b148">GESISDOC-552-21</_dlc_DocId>
-    <_dlc_DocIdUrl xmlns="8ec5f598-09a5-4f4d-8ba3-f8504e05b148">
-      <Url>http://intranet.gesis.intra/pr/Vorlagen/_layouts/15/DocIdRedir.aspx?ID=GESISDOC-552-21</Url>
-      <Description>GESISDOC-552-21</Description>
-    </_dlc_DocIdUrl>
-  </documentManagement>
-</p:properties>
-</file>
-
 <file path=customXml/item3.xml><?xml version="1.0" encoding="utf-8"?>
-<?mso-contentType ?>
-<FormTemplates xmlns="http://schemas.microsoft.com/sharepoint/v3/contenttype/forms">
-  <Display>DocumentLibraryForm</Display>
-  <Edit>DocumentLibraryForm</Edit>
-  <New>DocumentLibraryForm</New>
-</FormTemplates>
-</file>
-
-<file path=customXml/item4.xml><?xml version="1.0" encoding="utf-8"?>
 <ct:contentTypeSchema xmlns:ct="http://schemas.microsoft.com/office/2006/metadata/contentType" xmlns:ma="http://schemas.microsoft.com/office/2006/metadata/properties/metaAttributes" ct:_="" ma:_="" ma:contentTypeName="Dokument" ma:contentTypeID="0x010100204F40B82AE1344C92AA2539F9DA2FDA" ma:contentTypeVersion="16" ma:contentTypeDescription="Ein neues Dokument erstellen." ma:contentTypeScope="" ma:versionID="104d8f1f86d5ac4fb0bbf732d0fe5cb2">
   <xsd:schema xmlns:xsd="http://www.w3.org/2001/XMLSchema" xmlns:xs="http://www.w3.org/2001/XMLSchema" xmlns:p="http://schemas.microsoft.com/office/2006/metadata/properties" xmlns:ns2="8ec5f598-09a5-4f4d-8ba3-f8504e05b148" targetNamespace="http://schemas.microsoft.com/office/2006/metadata/properties" ma:root="true" ma:fieldsID="6746b2ef738051857e6d4e1367825187" ns2:_="">
     <xsd:import namespace="8ec5f598-09a5-4f4d-8ba3-f8504e05b148"/>
@@ -6854,15 +6981,16 @@
 </ct:contentTypeSchema>
 </file>
 
-<file path=customXml/itemProps1.xml><?xml version="1.0" encoding="utf-8"?>
-<ds:datastoreItem xmlns:ds="http://schemas.openxmlformats.org/officeDocument/2006/customXml" ds:itemID="{226F3FF9-422F-45E0-A6AB-77F6EE6152F9}">
-  <ds:schemaRefs>
-    <ds:schemaRef ds:uri="http://schemas.microsoft.com/sharepoint/events"/>
-  </ds:schemaRefs>
-</ds:datastoreItem>
+<file path=customXml/item4.xml><?xml version="1.0" encoding="utf-8"?>
+<?mso-contentType ?>
+<FormTemplates xmlns="http://schemas.microsoft.com/sharepoint/v3/contenttype/forms">
+  <Display>DocumentLibraryForm</Display>
+  <Edit>DocumentLibraryForm</Edit>
+  <New>DocumentLibraryForm</New>
+</FormTemplates>
 </file>
 
-<file path=customXml/itemProps2.xml><?xml version="1.0" encoding="utf-8"?>
+<file path=customXml/itemProps1.xml><?xml version="1.0" encoding="utf-8"?>
 <ds:datastoreItem xmlns:ds="http://schemas.openxmlformats.org/officeDocument/2006/customXml" ds:itemID="{86D38C2E-02CC-42D3-9E17-44C09712BF5F}">
   <ds:schemaRefs>
     <ds:schemaRef ds:uri="http://purl.org/dc/dcmitype/"/>
@@ -6878,15 +7006,15 @@
 </ds:datastoreItem>
 </file>
 
-<file path=customXml/itemProps3.xml><?xml version="1.0" encoding="utf-8"?>
-<ds:datastoreItem xmlns:ds="http://schemas.openxmlformats.org/officeDocument/2006/customXml" ds:itemID="{B662B3C9-84D1-44B4-980A-A658A0349369}">
+<file path=customXml/itemProps2.xml><?xml version="1.0" encoding="utf-8"?>
+<ds:datastoreItem xmlns:ds="http://schemas.openxmlformats.org/officeDocument/2006/customXml" ds:itemID="{226F3FF9-422F-45E0-A6AB-77F6EE6152F9}">
   <ds:schemaRefs>
-    <ds:schemaRef ds:uri="http://schemas.microsoft.com/sharepoint/v3/contenttype/forms"/>
+    <ds:schemaRef ds:uri="http://schemas.microsoft.com/sharepoint/events"/>
   </ds:schemaRefs>
 </ds:datastoreItem>
 </file>
 
-<file path=customXml/itemProps4.xml><?xml version="1.0" encoding="utf-8"?>
+<file path=customXml/itemProps3.xml><?xml version="1.0" encoding="utf-8"?>
 <ds:datastoreItem xmlns:ds="http://schemas.openxmlformats.org/officeDocument/2006/customXml" ds:itemID="{730C16CC-765D-45A1-A48A-7EE955B6CBC3}">
   <ds:schemaRefs>
     <ds:schemaRef ds:uri="http://schemas.microsoft.com/office/2006/metadata/contentType"/>
@@ -6902,4 +7030,12 @@
     <ds:schemaRef ds:uri="http://schemas.microsoft.com/internal/obd"/>
   </ds:schemaRefs>
 </ds:datastoreItem>
+</file>
+
+<file path=customXml/itemProps4.xml><?xml version="1.0" encoding="utf-8"?>
+<ds:datastoreItem xmlns:ds="http://schemas.openxmlformats.org/officeDocument/2006/customXml" ds:itemID="{B662B3C9-84D1-44B4-980A-A658A0349369}">
+  <ds:schemaRefs>
+    <ds:schemaRef ds:uri="http://schemas.microsoft.com/sharepoint/v3/contenttype/forms"/>
+  </ds:schemaRefs>
+</ds:datastoreItem>
 </file>
--- a/DOC/Fachgespraech.pptx
+++ b/DOC/Fachgespraech.pptx
@@ -3974,8 +3974,12 @@
           <a:lstStyle/>
           <a:p>
             <a:r>
-              <a:rPr lang="de-DE" dirty="0"/>
-              <a:t>Das Institut</a:t>
+              <a:rPr lang="de-DE"/>
+              <a:t>Projektumfeld - Das </a:t>
+            </a:r>
+            <a:r>
+              <a:rPr lang="de-DE" dirty="0"/>
+              <a:t>Institut</a:t>
             </a:r>
           </a:p>
         </p:txBody>
@@ -4121,7 +4125,7 @@
           <a:p>
             <a:r>
               <a:rPr lang="de-DE" dirty="0"/>
-              <a:t>Altes Erfassungssystem</a:t>
+              <a:t>Projektbasis QES</a:t>
             </a:r>
           </a:p>
         </p:txBody>

--- a/DOC/Fachgespraech.pptx
+++ b/DOC/Fachgespraech.pptx
@@ -5,20 +5,23 @@
     <p:sldMasterId id="2147483648" r:id="rId5"/>
   </p:sldMasterIdLst>
   <p:notesMasterIdLst>
-    <p:notesMasterId r:id="rId14"/>
+    <p:notesMasterId r:id="rId17"/>
   </p:notesMasterIdLst>
   <p:handoutMasterIdLst>
-    <p:handoutMasterId r:id="rId15"/>
+    <p:handoutMasterId r:id="rId18"/>
   </p:handoutMasterIdLst>
   <p:sldIdLst>
     <p:sldId id="329" r:id="rId6"/>
     <p:sldId id="347" r:id="rId7"/>
     <p:sldId id="259" r:id="rId8"/>
     <p:sldId id="261" r:id="rId9"/>
-    <p:sldId id="356" r:id="rId10"/>
-    <p:sldId id="365" r:id="rId11"/>
-    <p:sldId id="366" r:id="rId12"/>
-    <p:sldId id="348" r:id="rId13"/>
+    <p:sldId id="369" r:id="rId10"/>
+    <p:sldId id="367" r:id="rId11"/>
+    <p:sldId id="368" r:id="rId12"/>
+    <p:sldId id="356" r:id="rId13"/>
+    <p:sldId id="365" r:id="rId14"/>
+    <p:sldId id="366" r:id="rId15"/>
+    <p:sldId id="348" r:id="rId16"/>
   </p:sldIdLst>
   <p:sldSz cx="9144000" cy="6858000" type="screen4x3"/>
   <p:notesSz cx="7099300" cy="10234613"/>
@@ -142,6 +145,2680 @@
   <p:cmAuthor id="1" name="Heuser, Holger" initials="hr" lastIdx="4" clrIdx="1"/>
   <p:cmAuthor id="2" name="Akdeniz, Esra" initials="akdeniea" lastIdx="15" clrIdx="2"/>
 </p:cmAuthorLst>
+</file>
+
+<file path=ppt/charts/chart1.xml><?xml version="1.0" encoding="utf-8"?>
+<c:chartSpace xmlns:c="http://schemas.openxmlformats.org/drawingml/2006/chart" xmlns:a="http://schemas.openxmlformats.org/drawingml/2006/main" xmlns:r="http://schemas.openxmlformats.org/officeDocument/2006/relationships" xmlns:c16r2="http://schemas.microsoft.com/office/drawing/2015/06/chart">
+  <c:date1904 val="0"/>
+  <c:lang val="en-GB"/>
+  <c:roundedCorners val="0"/>
+  <mc:AlternateContent xmlns:mc="http://schemas.openxmlformats.org/markup-compatibility/2006">
+    <mc:Choice xmlns:c14="http://schemas.microsoft.com/office/drawing/2007/8/2/chart" Requires="c14">
+      <c14:style val="102"/>
+    </mc:Choice>
+    <mc:Fallback>
+      <c:style val="2"/>
+    </mc:Fallback>
+  </mc:AlternateContent>
+  <c:chart>
+    <c:title>
+      <c:tx>
+        <c:rich>
+          <a:bodyPr rot="0" spcFirstLastPara="1" vertOverflow="ellipsis" vert="horz" wrap="square" anchor="ctr" anchorCtr="1"/>
+          <a:lstStyle/>
+          <a:p>
+            <a:pPr>
+              <a:defRPr sz="1400" b="0" i="0" u="none" strike="noStrike" kern="1200" spc="0" baseline="0">
+                <a:solidFill>
+                  <a:schemeClr val="tx1">
+                    <a:lumMod val="65000"/>
+                    <a:lumOff val="35000"/>
+                  </a:schemeClr>
+                </a:solidFill>
+                <a:latin typeface="+mn-lt"/>
+                <a:ea typeface="+mn-ea"/>
+                <a:cs typeface="+mn-cs"/>
+              </a:defRPr>
+            </a:pPr>
+            <a:r>
+              <a:rPr lang="en-GB"/>
+              <a:t>Zeitliche</a:t>
+            </a:r>
+            <a:r>
+              <a:rPr lang="en-GB" baseline="0"/>
+              <a:t> Analyse</a:t>
+            </a:r>
+            <a:endParaRPr lang="en-GB"/>
+          </a:p>
+        </c:rich>
+      </c:tx>
+      <c:overlay val="0"/>
+      <c:spPr>
+        <a:noFill/>
+        <a:ln>
+          <a:noFill/>
+        </a:ln>
+        <a:effectLst/>
+      </c:spPr>
+      <c:txPr>
+        <a:bodyPr rot="0" spcFirstLastPara="1" vertOverflow="ellipsis" vert="horz" wrap="square" anchor="ctr" anchorCtr="1"/>
+        <a:lstStyle/>
+        <a:p>
+          <a:pPr>
+            <a:defRPr sz="1400" b="0" i="0" u="none" strike="noStrike" kern="1200" spc="0" baseline="0">
+              <a:solidFill>
+                <a:schemeClr val="tx1">
+                  <a:lumMod val="65000"/>
+                  <a:lumOff val="35000"/>
+                </a:schemeClr>
+              </a:solidFill>
+              <a:latin typeface="+mn-lt"/>
+              <a:ea typeface="+mn-ea"/>
+              <a:cs typeface="+mn-cs"/>
+            </a:defRPr>
+          </a:pPr>
+          <a:endParaRPr lang="de-DE"/>
+        </a:p>
+      </c:txPr>
+    </c:title>
+    <c:autoTitleDeleted val="0"/>
+    <c:plotArea>
+      <c:layout/>
+      <c:barChart>
+        <c:barDir val="col"/>
+        <c:grouping val="clustered"/>
+        <c:varyColors val="0"/>
+        <c:ser>
+          <c:idx val="0"/>
+          <c:order val="0"/>
+          <c:tx>
+            <c:strRef>
+              <c:f>Sheet1!$D$1</c:f>
+              <c:strCache>
+                <c:ptCount val="1"/>
+                <c:pt idx="0">
+                  <c:v>Soll in Stunden</c:v>
+                </c:pt>
+              </c:strCache>
+            </c:strRef>
+          </c:tx>
+          <c:spPr>
+            <a:solidFill>
+              <a:schemeClr val="tx2"/>
+            </a:solidFill>
+            <a:ln>
+              <a:noFill/>
+            </a:ln>
+            <a:effectLst/>
+          </c:spPr>
+          <c:invertIfNegative val="0"/>
+          <c:cat>
+            <c:strRef>
+              <c:f>Sheet1!$A$2:$C$29</c:f>
+              <c:strCache>
+                <c:ptCount val="28"/>
+                <c:pt idx="0">
+                  <c:v>AP PI1</c:v>
+                </c:pt>
+                <c:pt idx="1">
+                  <c:v>AP PI2</c:v>
+                </c:pt>
+                <c:pt idx="2">
+                  <c:v>AP P1</c:v>
+                </c:pt>
+                <c:pt idx="3">
+                  <c:v>AP P2</c:v>
+                </c:pt>
+                <c:pt idx="4">
+                  <c:v>AP P3</c:v>
+                </c:pt>
+                <c:pt idx="5">
+                  <c:v>AP P4</c:v>
+                </c:pt>
+                <c:pt idx="6">
+                  <c:v>AP P5</c:v>
+                </c:pt>
+                <c:pt idx="7">
+                  <c:v>AP P6</c:v>
+                </c:pt>
+                <c:pt idx="8">
+                  <c:v>AP A1</c:v>
+                </c:pt>
+                <c:pt idx="10">
+                  <c:v>AP E1</c:v>
+                </c:pt>
+                <c:pt idx="11">
+                  <c:v>AP E2</c:v>
+                </c:pt>
+                <c:pt idx="12">
+                  <c:v>AP E3</c:v>
+                </c:pt>
+                <c:pt idx="13">
+                  <c:v>AP E4</c:v>
+                </c:pt>
+                <c:pt idx="14">
+                  <c:v>AP E5</c:v>
+                </c:pt>
+                <c:pt idx="15">
+                  <c:v>AP E6</c:v>
+                </c:pt>
+                <c:pt idx="16">
+                  <c:v>AP I1</c:v>
+                </c:pt>
+                <c:pt idx="17">
+                  <c:v>AP I2</c:v>
+                </c:pt>
+                <c:pt idx="18">
+                  <c:v>AP I3</c:v>
+                </c:pt>
+                <c:pt idx="19">
+                  <c:v>AP I4</c:v>
+                </c:pt>
+                <c:pt idx="20">
+                  <c:v>AP I5</c:v>
+                </c:pt>
+                <c:pt idx="21">
+                  <c:v>AP I6</c:v>
+                </c:pt>
+                <c:pt idx="22">
+                  <c:v>AP I7</c:v>
+                </c:pt>
+                <c:pt idx="23">
+                  <c:v>AP T1</c:v>
+                </c:pt>
+                <c:pt idx="24">
+                  <c:v>AP T2</c:v>
+                </c:pt>
+                <c:pt idx="25">
+                  <c:v>AP T3</c:v>
+                </c:pt>
+              </c:strCache>
+              <c:extLst/>
+            </c:strRef>
+          </c:cat>
+          <c:val>
+            <c:numRef>
+              <c:f>Sheet1!$D$2:$D$29</c:f>
+              <c:numCache>
+                <c:formatCode>General</c:formatCode>
+                <c:ptCount val="28"/>
+                <c:pt idx="0">
+                  <c:v>0.5</c:v>
+                </c:pt>
+                <c:pt idx="1">
+                  <c:v>0.5</c:v>
+                </c:pt>
+                <c:pt idx="2">
+                  <c:v>1.5</c:v>
+                </c:pt>
+                <c:pt idx="3">
+                  <c:v>0.5</c:v>
+                </c:pt>
+                <c:pt idx="4">
+                  <c:v>2</c:v>
+                </c:pt>
+                <c:pt idx="5">
+                  <c:v>2</c:v>
+                </c:pt>
+                <c:pt idx="6">
+                  <c:v>3</c:v>
+                </c:pt>
+                <c:pt idx="7">
+                  <c:v>2</c:v>
+                </c:pt>
+                <c:pt idx="8">
+                  <c:v>2</c:v>
+                </c:pt>
+                <c:pt idx="10">
+                  <c:v>2</c:v>
+                </c:pt>
+                <c:pt idx="11">
+                  <c:v>1</c:v>
+                </c:pt>
+                <c:pt idx="12">
+                  <c:v>4</c:v>
+                </c:pt>
+                <c:pt idx="13">
+                  <c:v>4</c:v>
+                </c:pt>
+                <c:pt idx="14">
+                  <c:v>1</c:v>
+                </c:pt>
+                <c:pt idx="15">
+                  <c:v>1</c:v>
+                </c:pt>
+                <c:pt idx="16">
+                  <c:v>1</c:v>
+                </c:pt>
+                <c:pt idx="17">
+                  <c:v>2</c:v>
+                </c:pt>
+                <c:pt idx="18">
+                  <c:v>1</c:v>
+                </c:pt>
+                <c:pt idx="19">
+                  <c:v>3</c:v>
+                </c:pt>
+                <c:pt idx="20">
+                  <c:v>3</c:v>
+                </c:pt>
+                <c:pt idx="21">
+                  <c:v>5</c:v>
+                </c:pt>
+                <c:pt idx="22">
+                  <c:v>4</c:v>
+                </c:pt>
+                <c:pt idx="23">
+                  <c:v>2</c:v>
+                </c:pt>
+                <c:pt idx="24">
+                  <c:v>2</c:v>
+                </c:pt>
+                <c:pt idx="25">
+                  <c:v>2</c:v>
+                </c:pt>
+                <c:pt idx="26">
+                  <c:v>2</c:v>
+                </c:pt>
+                <c:pt idx="27">
+                  <c:v>2</c:v>
+                </c:pt>
+              </c:numCache>
+            </c:numRef>
+          </c:val>
+          <c:extLst>
+            <c:ext xmlns:c16="http://schemas.microsoft.com/office/drawing/2014/chart" uri="{C3380CC4-5D6E-409C-BE32-E72D297353CC}">
+              <c16:uniqueId val="{00000000-3E11-194A-BEEE-09E2D19FECA4}"/>
+            </c:ext>
+          </c:extLst>
+        </c:ser>
+        <c:ser>
+          <c:idx val="1"/>
+          <c:order val="1"/>
+          <c:tx>
+            <c:strRef>
+              <c:f>Sheet1!$E$1</c:f>
+              <c:strCache>
+                <c:ptCount val="1"/>
+                <c:pt idx="0">
+                  <c:v>Ist in Stunden</c:v>
+                </c:pt>
+              </c:strCache>
+            </c:strRef>
+          </c:tx>
+          <c:spPr>
+            <a:solidFill>
+              <a:schemeClr val="accent3"/>
+            </a:solidFill>
+            <a:ln>
+              <a:noFill/>
+            </a:ln>
+            <a:effectLst/>
+          </c:spPr>
+          <c:invertIfNegative val="0"/>
+          <c:dPt>
+            <c:idx val="2"/>
+            <c:invertIfNegative val="0"/>
+            <c:bubble3D val="0"/>
+            <c:spPr>
+              <a:solidFill>
+                <a:schemeClr val="accent1"/>
+              </a:solidFill>
+              <a:ln>
+                <a:noFill/>
+              </a:ln>
+              <a:effectLst/>
+            </c:spPr>
+            <c:extLst>
+              <c:ext xmlns:c16="http://schemas.microsoft.com/office/drawing/2014/chart" uri="{C3380CC4-5D6E-409C-BE32-E72D297353CC}">
+                <c16:uniqueId val="{00000002-3E11-194A-BEEE-09E2D19FECA4}"/>
+              </c:ext>
+            </c:extLst>
+          </c:dPt>
+          <c:dPt>
+            <c:idx val="3"/>
+            <c:invertIfNegative val="0"/>
+            <c:bubble3D val="0"/>
+            <c:spPr>
+              <a:solidFill>
+                <a:schemeClr val="accent1"/>
+              </a:solidFill>
+              <a:ln>
+                <a:noFill/>
+              </a:ln>
+              <a:effectLst/>
+            </c:spPr>
+            <c:extLst>
+              <c:ext xmlns:c16="http://schemas.microsoft.com/office/drawing/2014/chart" uri="{C3380CC4-5D6E-409C-BE32-E72D297353CC}">
+                <c16:uniqueId val="{00000004-3E11-194A-BEEE-09E2D19FECA4}"/>
+              </c:ext>
+            </c:extLst>
+          </c:dPt>
+          <c:dPt>
+            <c:idx val="6"/>
+            <c:invertIfNegative val="0"/>
+            <c:bubble3D val="0"/>
+            <c:spPr>
+              <a:solidFill>
+                <a:schemeClr val="accent1"/>
+              </a:solidFill>
+              <a:ln>
+                <a:noFill/>
+              </a:ln>
+              <a:effectLst/>
+            </c:spPr>
+            <c:extLst>
+              <c:ext xmlns:c16="http://schemas.microsoft.com/office/drawing/2014/chart" uri="{C3380CC4-5D6E-409C-BE32-E72D297353CC}">
+                <c16:uniqueId val="{00000006-3E11-194A-BEEE-09E2D19FECA4}"/>
+              </c:ext>
+            </c:extLst>
+          </c:dPt>
+          <c:dPt>
+            <c:idx val="19"/>
+            <c:invertIfNegative val="0"/>
+            <c:bubble3D val="0"/>
+            <c:spPr>
+              <a:solidFill>
+                <a:schemeClr val="accent1"/>
+              </a:solidFill>
+              <a:ln>
+                <a:noFill/>
+              </a:ln>
+              <a:effectLst/>
+            </c:spPr>
+            <c:extLst>
+              <c:ext xmlns:c16="http://schemas.microsoft.com/office/drawing/2014/chart" uri="{C3380CC4-5D6E-409C-BE32-E72D297353CC}">
+                <c16:uniqueId val="{00000008-3E11-194A-BEEE-09E2D19FECA4}"/>
+              </c:ext>
+            </c:extLst>
+          </c:dPt>
+          <c:dPt>
+            <c:idx val="21"/>
+            <c:invertIfNegative val="0"/>
+            <c:bubble3D val="0"/>
+            <c:spPr>
+              <a:solidFill>
+                <a:schemeClr val="accent1"/>
+              </a:solidFill>
+              <a:ln>
+                <a:noFill/>
+              </a:ln>
+              <a:effectLst/>
+            </c:spPr>
+            <c:extLst>
+              <c:ext xmlns:c16="http://schemas.microsoft.com/office/drawing/2014/chart" uri="{C3380CC4-5D6E-409C-BE32-E72D297353CC}">
+                <c16:uniqueId val="{0000000A-3E11-194A-BEEE-09E2D19FECA4}"/>
+              </c:ext>
+            </c:extLst>
+          </c:dPt>
+          <c:cat>
+            <c:strRef>
+              <c:f>Sheet1!$A$2:$C$29</c:f>
+              <c:strCache>
+                <c:ptCount val="28"/>
+                <c:pt idx="0">
+                  <c:v>AP PI1</c:v>
+                </c:pt>
+                <c:pt idx="1">
+                  <c:v>AP PI2</c:v>
+                </c:pt>
+                <c:pt idx="2">
+                  <c:v>AP P1</c:v>
+                </c:pt>
+                <c:pt idx="3">
+                  <c:v>AP P2</c:v>
+                </c:pt>
+                <c:pt idx="4">
+                  <c:v>AP P3</c:v>
+                </c:pt>
+                <c:pt idx="5">
+                  <c:v>AP P4</c:v>
+                </c:pt>
+                <c:pt idx="6">
+                  <c:v>AP P5</c:v>
+                </c:pt>
+                <c:pt idx="7">
+                  <c:v>AP P6</c:v>
+                </c:pt>
+                <c:pt idx="8">
+                  <c:v>AP A1</c:v>
+                </c:pt>
+                <c:pt idx="10">
+                  <c:v>AP E1</c:v>
+                </c:pt>
+                <c:pt idx="11">
+                  <c:v>AP E2</c:v>
+                </c:pt>
+                <c:pt idx="12">
+                  <c:v>AP E3</c:v>
+                </c:pt>
+                <c:pt idx="13">
+                  <c:v>AP E4</c:v>
+                </c:pt>
+                <c:pt idx="14">
+                  <c:v>AP E5</c:v>
+                </c:pt>
+                <c:pt idx="15">
+                  <c:v>AP E6</c:v>
+                </c:pt>
+                <c:pt idx="16">
+                  <c:v>AP I1</c:v>
+                </c:pt>
+                <c:pt idx="17">
+                  <c:v>AP I2</c:v>
+                </c:pt>
+                <c:pt idx="18">
+                  <c:v>AP I3</c:v>
+                </c:pt>
+                <c:pt idx="19">
+                  <c:v>AP I4</c:v>
+                </c:pt>
+                <c:pt idx="20">
+                  <c:v>AP I5</c:v>
+                </c:pt>
+                <c:pt idx="21">
+                  <c:v>AP I6</c:v>
+                </c:pt>
+                <c:pt idx="22">
+                  <c:v>AP I7</c:v>
+                </c:pt>
+                <c:pt idx="23">
+                  <c:v>AP T1</c:v>
+                </c:pt>
+                <c:pt idx="24">
+                  <c:v>AP T2</c:v>
+                </c:pt>
+                <c:pt idx="25">
+                  <c:v>AP T3</c:v>
+                </c:pt>
+              </c:strCache>
+              <c:extLst/>
+            </c:strRef>
+          </c:cat>
+          <c:val>
+            <c:numRef>
+              <c:f>Sheet1!$E$2:$E$29</c:f>
+              <c:numCache>
+                <c:formatCode>General</c:formatCode>
+                <c:ptCount val="28"/>
+                <c:pt idx="0">
+                  <c:v>0.5</c:v>
+                </c:pt>
+                <c:pt idx="1">
+                  <c:v>0.5</c:v>
+                </c:pt>
+                <c:pt idx="2">
+                  <c:v>1</c:v>
+                </c:pt>
+                <c:pt idx="3">
+                  <c:v>1</c:v>
+                </c:pt>
+                <c:pt idx="4">
+                  <c:v>2</c:v>
+                </c:pt>
+                <c:pt idx="5">
+                  <c:v>2</c:v>
+                </c:pt>
+                <c:pt idx="6">
+                  <c:v>4</c:v>
+                </c:pt>
+                <c:pt idx="7">
+                  <c:v>2</c:v>
+                </c:pt>
+                <c:pt idx="8">
+                  <c:v>2</c:v>
+                </c:pt>
+                <c:pt idx="10">
+                  <c:v>2</c:v>
+                </c:pt>
+                <c:pt idx="11">
+                  <c:v>1</c:v>
+                </c:pt>
+                <c:pt idx="12">
+                  <c:v>4</c:v>
+                </c:pt>
+                <c:pt idx="13">
+                  <c:v>4</c:v>
+                </c:pt>
+                <c:pt idx="14">
+                  <c:v>1</c:v>
+                </c:pt>
+                <c:pt idx="15">
+                  <c:v>1</c:v>
+                </c:pt>
+                <c:pt idx="16">
+                  <c:v>1</c:v>
+                </c:pt>
+                <c:pt idx="17">
+                  <c:v>2</c:v>
+                </c:pt>
+                <c:pt idx="18">
+                  <c:v>1</c:v>
+                </c:pt>
+                <c:pt idx="19">
+                  <c:v>4</c:v>
+                </c:pt>
+                <c:pt idx="20">
+                  <c:v>3</c:v>
+                </c:pt>
+                <c:pt idx="21">
+                  <c:v>4</c:v>
+                </c:pt>
+                <c:pt idx="22">
+                  <c:v>4</c:v>
+                </c:pt>
+                <c:pt idx="23">
+                  <c:v>2</c:v>
+                </c:pt>
+                <c:pt idx="24">
+                  <c:v>2</c:v>
+                </c:pt>
+                <c:pt idx="25">
+                  <c:v>2</c:v>
+                </c:pt>
+                <c:pt idx="26">
+                  <c:v>2</c:v>
+                </c:pt>
+                <c:pt idx="27">
+                  <c:v>2</c:v>
+                </c:pt>
+              </c:numCache>
+            </c:numRef>
+          </c:val>
+          <c:extLst>
+            <c:ext xmlns:c16="http://schemas.microsoft.com/office/drawing/2014/chart" uri="{C3380CC4-5D6E-409C-BE32-E72D297353CC}">
+              <c16:uniqueId val="{0000000B-3E11-194A-BEEE-09E2D19FECA4}"/>
+            </c:ext>
+          </c:extLst>
+        </c:ser>
+        <c:dLbls>
+          <c:showLegendKey val="0"/>
+          <c:showVal val="0"/>
+          <c:showCatName val="0"/>
+          <c:showSerName val="0"/>
+          <c:showPercent val="0"/>
+          <c:showBubbleSize val="0"/>
+        </c:dLbls>
+        <c:gapWidth val="219"/>
+        <c:overlap val="-27"/>
+        <c:axId val="999500432"/>
+        <c:axId val="999502064"/>
+      </c:barChart>
+      <c:catAx>
+        <c:axId val="999500432"/>
+        <c:scaling>
+          <c:orientation val="minMax"/>
+        </c:scaling>
+        <c:delete val="0"/>
+        <c:axPos val="b"/>
+        <c:majorGridlines>
+          <c:spPr>
+            <a:ln w="9525" cap="flat" cmpd="sng" algn="ctr">
+              <a:solidFill>
+                <a:schemeClr val="tx1">
+                  <a:lumMod val="15000"/>
+                  <a:lumOff val="85000"/>
+                </a:schemeClr>
+              </a:solidFill>
+              <a:round/>
+            </a:ln>
+            <a:effectLst/>
+          </c:spPr>
+        </c:majorGridlines>
+        <c:numFmt formatCode="#,##0.00" sourceLinked="0"/>
+        <c:majorTickMark val="none"/>
+        <c:minorTickMark val="none"/>
+        <c:tickLblPos val="low"/>
+        <c:spPr>
+          <a:noFill/>
+          <a:ln w="9525" cap="flat" cmpd="sng" algn="ctr">
+            <a:solidFill>
+              <a:schemeClr val="tx1">
+                <a:lumMod val="15000"/>
+                <a:lumOff val="85000"/>
+              </a:schemeClr>
+            </a:solidFill>
+            <a:round/>
+          </a:ln>
+          <a:effectLst/>
+        </c:spPr>
+        <c:txPr>
+          <a:bodyPr rot="-60000000" spcFirstLastPara="1" vertOverflow="ellipsis" vert="horz" wrap="square" anchor="ctr" anchorCtr="1"/>
+          <a:lstStyle/>
+          <a:p>
+            <a:pPr>
+              <a:defRPr sz="1400" b="0" i="0" u="none" strike="noStrike" kern="1200" spc="0" baseline="0">
+                <a:solidFill>
+                  <a:schemeClr val="tx1">
+                    <a:lumMod val="65000"/>
+                    <a:lumOff val="35000"/>
+                  </a:schemeClr>
+                </a:solidFill>
+                <a:latin typeface="+mn-lt"/>
+                <a:ea typeface="+mn-ea"/>
+                <a:cs typeface="+mn-cs"/>
+              </a:defRPr>
+            </a:pPr>
+            <a:endParaRPr lang="de-DE"/>
+          </a:p>
+        </c:txPr>
+        <c:crossAx val="999502064"/>
+        <c:crosses val="autoZero"/>
+        <c:auto val="1"/>
+        <c:lblAlgn val="ctr"/>
+        <c:lblOffset val="10"/>
+        <c:tickMarkSkip val="2"/>
+        <c:noMultiLvlLbl val="0"/>
+      </c:catAx>
+      <c:valAx>
+        <c:axId val="999502064"/>
+        <c:scaling>
+          <c:orientation val="minMax"/>
+        </c:scaling>
+        <c:delete val="0"/>
+        <c:axPos val="l"/>
+        <c:majorGridlines>
+          <c:spPr>
+            <a:ln w="12700" cap="flat" cmpd="sng" algn="ctr">
+              <a:solidFill>
+                <a:schemeClr val="tx1">
+                  <a:lumMod val="15000"/>
+                  <a:lumOff val="85000"/>
+                </a:schemeClr>
+              </a:solidFill>
+              <a:round/>
+            </a:ln>
+            <a:effectLst/>
+          </c:spPr>
+        </c:majorGridlines>
+        <c:numFmt formatCode="General" sourceLinked="1"/>
+        <c:majorTickMark val="none"/>
+        <c:minorTickMark val="none"/>
+        <c:tickLblPos val="nextTo"/>
+        <c:spPr>
+          <a:noFill/>
+          <a:ln>
+            <a:noFill/>
+          </a:ln>
+          <a:effectLst/>
+        </c:spPr>
+        <c:txPr>
+          <a:bodyPr rot="-60000000" spcFirstLastPara="1" vertOverflow="ellipsis" vert="horz" wrap="square" anchor="ctr" anchorCtr="1"/>
+          <a:lstStyle/>
+          <a:p>
+            <a:pPr>
+              <a:defRPr sz="900" b="0" i="0" u="none" strike="noStrike" kern="1200" baseline="0">
+                <a:solidFill>
+                  <a:schemeClr val="tx1">
+                    <a:lumMod val="65000"/>
+                    <a:lumOff val="35000"/>
+                  </a:schemeClr>
+                </a:solidFill>
+                <a:latin typeface="+mn-lt"/>
+                <a:ea typeface="+mn-ea"/>
+                <a:cs typeface="+mn-cs"/>
+              </a:defRPr>
+            </a:pPr>
+            <a:endParaRPr lang="de-DE"/>
+          </a:p>
+        </c:txPr>
+        <c:crossAx val="999500432"/>
+        <c:crosses val="autoZero"/>
+        <c:crossBetween val="between"/>
+      </c:valAx>
+      <c:spPr>
+        <a:noFill/>
+        <a:ln>
+          <a:noFill/>
+        </a:ln>
+        <a:effectLst/>
+      </c:spPr>
+    </c:plotArea>
+    <c:legend>
+      <c:legendPos val="b"/>
+      <c:overlay val="0"/>
+      <c:spPr>
+        <a:noFill/>
+        <a:ln>
+          <a:noFill/>
+        </a:ln>
+        <a:effectLst/>
+      </c:spPr>
+      <c:txPr>
+        <a:bodyPr rot="0" spcFirstLastPara="1" vertOverflow="ellipsis" vert="horz" wrap="square" anchor="ctr" anchorCtr="1"/>
+        <a:lstStyle/>
+        <a:p>
+          <a:pPr>
+            <a:defRPr sz="900" b="0" i="0" u="none" strike="noStrike" kern="1200" baseline="0">
+              <a:solidFill>
+                <a:schemeClr val="tx1">
+                  <a:lumMod val="65000"/>
+                  <a:lumOff val="35000"/>
+                </a:schemeClr>
+              </a:solidFill>
+              <a:latin typeface="+mn-lt"/>
+              <a:ea typeface="+mn-ea"/>
+              <a:cs typeface="+mn-cs"/>
+            </a:defRPr>
+          </a:pPr>
+          <a:endParaRPr lang="de-DE"/>
+        </a:p>
+      </c:txPr>
+    </c:legend>
+    <c:plotVisOnly val="1"/>
+    <c:dispBlanksAs val="gap"/>
+    <c:showDLblsOverMax val="0"/>
+  </c:chart>
+  <c:spPr>
+    <a:noFill/>
+    <a:ln>
+      <a:noFill/>
+    </a:ln>
+    <a:effectLst/>
+  </c:spPr>
+  <c:txPr>
+    <a:bodyPr/>
+    <a:lstStyle/>
+    <a:p>
+      <a:pPr>
+        <a:defRPr/>
+      </a:pPr>
+      <a:endParaRPr lang="de-DE"/>
+    </a:p>
+  </c:txPr>
+  <c:externalData r:id="rId3">
+    <c:autoUpdate val="0"/>
+  </c:externalData>
+</c:chartSpace>
+</file>
+
+<file path=ppt/charts/chart2.xml><?xml version="1.0" encoding="utf-8"?>
+<c:chartSpace xmlns:c="http://schemas.openxmlformats.org/drawingml/2006/chart" xmlns:a="http://schemas.openxmlformats.org/drawingml/2006/main" xmlns:r="http://schemas.openxmlformats.org/officeDocument/2006/relationships" xmlns:c16r2="http://schemas.microsoft.com/office/drawing/2015/06/chart">
+  <c:date1904 val="0"/>
+  <c:lang val="en-GB"/>
+  <c:roundedCorners val="0"/>
+  <mc:AlternateContent xmlns:mc="http://schemas.openxmlformats.org/markup-compatibility/2006">
+    <mc:Choice xmlns:c14="http://schemas.microsoft.com/office/drawing/2007/8/2/chart" Requires="c14">
+      <c14:style val="102"/>
+    </mc:Choice>
+    <mc:Fallback>
+      <c:style val="2"/>
+    </mc:Fallback>
+  </mc:AlternateContent>
+  <c:chart>
+    <c:title>
+      <c:tx>
+        <c:rich>
+          <a:bodyPr rot="0" spcFirstLastPara="1" vertOverflow="ellipsis" vert="horz" wrap="square" anchor="ctr" anchorCtr="1"/>
+          <a:lstStyle/>
+          <a:p>
+            <a:pPr>
+              <a:defRPr sz="1400" b="0" i="0" u="none" strike="noStrike" kern="1200" spc="0" baseline="0">
+                <a:solidFill>
+                  <a:schemeClr val="tx1">
+                    <a:lumMod val="65000"/>
+                    <a:lumOff val="35000"/>
+                  </a:schemeClr>
+                </a:solidFill>
+                <a:latin typeface="+mn-lt"/>
+                <a:ea typeface="+mn-ea"/>
+                <a:cs typeface="+mn-cs"/>
+              </a:defRPr>
+            </a:pPr>
+            <a:r>
+              <a:rPr lang="en-GB"/>
+              <a:t>Zeitliche</a:t>
+            </a:r>
+            <a:r>
+              <a:rPr lang="en-GB" baseline="0"/>
+              <a:t> Analyse</a:t>
+            </a:r>
+            <a:endParaRPr lang="en-GB"/>
+          </a:p>
+        </c:rich>
+      </c:tx>
+      <c:overlay val="0"/>
+      <c:spPr>
+        <a:noFill/>
+        <a:ln>
+          <a:noFill/>
+        </a:ln>
+        <a:effectLst/>
+      </c:spPr>
+      <c:txPr>
+        <a:bodyPr rot="0" spcFirstLastPara="1" vertOverflow="ellipsis" vert="horz" wrap="square" anchor="ctr" anchorCtr="1"/>
+        <a:lstStyle/>
+        <a:p>
+          <a:pPr>
+            <a:defRPr sz="1400" b="0" i="0" u="none" strike="noStrike" kern="1200" spc="0" baseline="0">
+              <a:solidFill>
+                <a:schemeClr val="tx1">
+                  <a:lumMod val="65000"/>
+                  <a:lumOff val="35000"/>
+                </a:schemeClr>
+              </a:solidFill>
+              <a:latin typeface="+mn-lt"/>
+              <a:ea typeface="+mn-ea"/>
+              <a:cs typeface="+mn-cs"/>
+            </a:defRPr>
+          </a:pPr>
+          <a:endParaRPr lang="de-DE"/>
+        </a:p>
+      </c:txPr>
+    </c:title>
+    <c:autoTitleDeleted val="0"/>
+    <c:plotArea>
+      <c:layout/>
+      <c:barChart>
+        <c:barDir val="col"/>
+        <c:grouping val="clustered"/>
+        <c:varyColors val="0"/>
+        <c:ser>
+          <c:idx val="0"/>
+          <c:order val="0"/>
+          <c:tx>
+            <c:strRef>
+              <c:f>Sheet1!$D$1</c:f>
+              <c:strCache>
+                <c:ptCount val="1"/>
+                <c:pt idx="0">
+                  <c:v>Soll in Stunden</c:v>
+                </c:pt>
+              </c:strCache>
+            </c:strRef>
+          </c:tx>
+          <c:spPr>
+            <a:solidFill>
+              <a:schemeClr val="tx2"/>
+            </a:solidFill>
+            <a:ln>
+              <a:noFill/>
+            </a:ln>
+            <a:effectLst/>
+          </c:spPr>
+          <c:invertIfNegative val="0"/>
+          <c:cat>
+            <c:strRef>
+              <c:extLst>
+                <c:ext xmlns:c15="http://schemas.microsoft.com/office/drawing/2012/chart" uri="{02D57815-91ED-43cb-92C2-25804820EDAC}">
+                  <c15:fullRef>
+                    <c15:sqref>Sheet1!$A$2:$C$29</c15:sqref>
+                  </c15:fullRef>
+                  <c15:levelRef>
+                    <c15:sqref>Sheet1!$C$2:$C$29</c15:sqref>
+                  </c15:levelRef>
+                </c:ext>
+              </c:extLst>
+              <c:f>Sheet1!$C$2:$C$29</c:f>
+              <c:strCache>
+                <c:ptCount val="28"/>
+                <c:pt idx="0">
+                  <c:v>AP PI1</c:v>
+                </c:pt>
+                <c:pt idx="1">
+                  <c:v>AP PI2</c:v>
+                </c:pt>
+                <c:pt idx="2">
+                  <c:v>AP P1</c:v>
+                </c:pt>
+                <c:pt idx="3">
+                  <c:v>AP P2</c:v>
+                </c:pt>
+                <c:pt idx="4">
+                  <c:v>AP P3</c:v>
+                </c:pt>
+                <c:pt idx="5">
+                  <c:v>AP P4</c:v>
+                </c:pt>
+                <c:pt idx="6">
+                  <c:v>AP P5</c:v>
+                </c:pt>
+                <c:pt idx="7">
+                  <c:v>AP P6</c:v>
+                </c:pt>
+                <c:pt idx="8">
+                  <c:v>AP A1</c:v>
+                </c:pt>
+                <c:pt idx="10">
+                  <c:v>AP E1</c:v>
+                </c:pt>
+                <c:pt idx="11">
+                  <c:v>AP E2</c:v>
+                </c:pt>
+                <c:pt idx="12">
+                  <c:v>AP E3</c:v>
+                </c:pt>
+                <c:pt idx="13">
+                  <c:v>AP E4</c:v>
+                </c:pt>
+                <c:pt idx="14">
+                  <c:v>AP E5</c:v>
+                </c:pt>
+                <c:pt idx="15">
+                  <c:v>AP E6</c:v>
+                </c:pt>
+                <c:pt idx="16">
+                  <c:v>AP I1</c:v>
+                </c:pt>
+                <c:pt idx="17">
+                  <c:v>AP I2</c:v>
+                </c:pt>
+                <c:pt idx="18">
+                  <c:v>AP I3</c:v>
+                </c:pt>
+                <c:pt idx="19">
+                  <c:v>AP I4</c:v>
+                </c:pt>
+                <c:pt idx="20">
+                  <c:v>AP I5</c:v>
+                </c:pt>
+                <c:pt idx="21">
+                  <c:v>AP I6</c:v>
+                </c:pt>
+                <c:pt idx="22">
+                  <c:v>AP I7</c:v>
+                </c:pt>
+                <c:pt idx="23">
+                  <c:v>AP T1</c:v>
+                </c:pt>
+                <c:pt idx="24">
+                  <c:v>AP T2</c:v>
+                </c:pt>
+                <c:pt idx="25">
+                  <c:v>AP T3</c:v>
+                </c:pt>
+              </c:strCache>
+            </c:strRef>
+          </c:cat>
+          <c:val>
+            <c:numRef>
+              <c:f>Sheet1!$D$2:$D$29</c:f>
+              <c:numCache>
+                <c:formatCode>General</c:formatCode>
+                <c:ptCount val="28"/>
+                <c:pt idx="0">
+                  <c:v>0.5</c:v>
+                </c:pt>
+                <c:pt idx="1">
+                  <c:v>0.5</c:v>
+                </c:pt>
+                <c:pt idx="2">
+                  <c:v>1.5</c:v>
+                </c:pt>
+                <c:pt idx="3">
+                  <c:v>0.5</c:v>
+                </c:pt>
+                <c:pt idx="4">
+                  <c:v>2</c:v>
+                </c:pt>
+                <c:pt idx="5">
+                  <c:v>2</c:v>
+                </c:pt>
+                <c:pt idx="6">
+                  <c:v>3</c:v>
+                </c:pt>
+                <c:pt idx="7">
+                  <c:v>2</c:v>
+                </c:pt>
+                <c:pt idx="8">
+                  <c:v>2</c:v>
+                </c:pt>
+                <c:pt idx="10">
+                  <c:v>2</c:v>
+                </c:pt>
+                <c:pt idx="11">
+                  <c:v>1</c:v>
+                </c:pt>
+                <c:pt idx="12">
+                  <c:v>4</c:v>
+                </c:pt>
+                <c:pt idx="13">
+                  <c:v>4</c:v>
+                </c:pt>
+                <c:pt idx="14">
+                  <c:v>1</c:v>
+                </c:pt>
+                <c:pt idx="15">
+                  <c:v>1</c:v>
+                </c:pt>
+                <c:pt idx="16">
+                  <c:v>1</c:v>
+                </c:pt>
+                <c:pt idx="17">
+                  <c:v>2</c:v>
+                </c:pt>
+                <c:pt idx="18">
+                  <c:v>1</c:v>
+                </c:pt>
+                <c:pt idx="19">
+                  <c:v>3</c:v>
+                </c:pt>
+                <c:pt idx="20">
+                  <c:v>3</c:v>
+                </c:pt>
+                <c:pt idx="21">
+                  <c:v>5</c:v>
+                </c:pt>
+                <c:pt idx="22">
+                  <c:v>4</c:v>
+                </c:pt>
+                <c:pt idx="23">
+                  <c:v>2</c:v>
+                </c:pt>
+                <c:pt idx="24">
+                  <c:v>2</c:v>
+                </c:pt>
+                <c:pt idx="25">
+                  <c:v>2</c:v>
+                </c:pt>
+                <c:pt idx="26">
+                  <c:v>2</c:v>
+                </c:pt>
+                <c:pt idx="27">
+                  <c:v>2</c:v>
+                </c:pt>
+              </c:numCache>
+            </c:numRef>
+          </c:val>
+          <c:extLst>
+            <c:ext xmlns:c16="http://schemas.microsoft.com/office/drawing/2014/chart" uri="{C3380CC4-5D6E-409C-BE32-E72D297353CC}">
+              <c16:uniqueId val="{00000000-3070-EB4B-90FB-032232CC9879}"/>
+            </c:ext>
+          </c:extLst>
+        </c:ser>
+        <c:ser>
+          <c:idx val="1"/>
+          <c:order val="1"/>
+          <c:tx>
+            <c:strRef>
+              <c:f>Sheet1!$E$1</c:f>
+              <c:strCache>
+                <c:ptCount val="1"/>
+                <c:pt idx="0">
+                  <c:v>Ist in Stunden</c:v>
+                </c:pt>
+              </c:strCache>
+            </c:strRef>
+          </c:tx>
+          <c:spPr>
+            <a:solidFill>
+              <a:schemeClr val="accent3"/>
+            </a:solidFill>
+            <a:ln>
+              <a:noFill/>
+            </a:ln>
+            <a:effectLst/>
+          </c:spPr>
+          <c:invertIfNegative val="0"/>
+          <c:dPt>
+            <c:idx val="2"/>
+            <c:invertIfNegative val="0"/>
+            <c:bubble3D val="0"/>
+            <c:spPr>
+              <a:solidFill>
+                <a:schemeClr val="accent1"/>
+              </a:solidFill>
+              <a:ln>
+                <a:noFill/>
+              </a:ln>
+              <a:effectLst/>
+            </c:spPr>
+            <c:extLst>
+              <c:ext xmlns:c16="http://schemas.microsoft.com/office/drawing/2014/chart" uri="{C3380CC4-5D6E-409C-BE32-E72D297353CC}">
+                <c16:uniqueId val="{00000002-3070-EB4B-90FB-032232CC9879}"/>
+              </c:ext>
+            </c:extLst>
+          </c:dPt>
+          <c:dPt>
+            <c:idx val="3"/>
+            <c:invertIfNegative val="0"/>
+            <c:bubble3D val="0"/>
+            <c:spPr>
+              <a:solidFill>
+                <a:schemeClr val="accent1"/>
+              </a:solidFill>
+              <a:ln>
+                <a:noFill/>
+              </a:ln>
+              <a:effectLst/>
+            </c:spPr>
+            <c:extLst>
+              <c:ext xmlns:c16="http://schemas.microsoft.com/office/drawing/2014/chart" uri="{C3380CC4-5D6E-409C-BE32-E72D297353CC}">
+                <c16:uniqueId val="{00000003-3070-EB4B-90FB-032232CC9879}"/>
+              </c:ext>
+            </c:extLst>
+          </c:dPt>
+          <c:dPt>
+            <c:idx val="6"/>
+            <c:invertIfNegative val="0"/>
+            <c:bubble3D val="0"/>
+            <c:spPr>
+              <a:solidFill>
+                <a:schemeClr val="accent1"/>
+              </a:solidFill>
+              <a:ln>
+                <a:noFill/>
+              </a:ln>
+              <a:effectLst/>
+            </c:spPr>
+            <c:extLst>
+              <c:ext xmlns:c16="http://schemas.microsoft.com/office/drawing/2014/chart" uri="{C3380CC4-5D6E-409C-BE32-E72D297353CC}">
+                <c16:uniqueId val="{00000004-3070-EB4B-90FB-032232CC9879}"/>
+              </c:ext>
+            </c:extLst>
+          </c:dPt>
+          <c:dPt>
+            <c:idx val="19"/>
+            <c:invertIfNegative val="0"/>
+            <c:bubble3D val="0"/>
+            <c:spPr>
+              <a:solidFill>
+                <a:schemeClr val="accent1"/>
+              </a:solidFill>
+              <a:ln>
+                <a:noFill/>
+              </a:ln>
+              <a:effectLst/>
+            </c:spPr>
+            <c:extLst>
+              <c:ext xmlns:c16="http://schemas.microsoft.com/office/drawing/2014/chart" uri="{C3380CC4-5D6E-409C-BE32-E72D297353CC}">
+                <c16:uniqueId val="{00000005-3070-EB4B-90FB-032232CC9879}"/>
+              </c:ext>
+            </c:extLst>
+          </c:dPt>
+          <c:dPt>
+            <c:idx val="21"/>
+            <c:invertIfNegative val="0"/>
+            <c:bubble3D val="0"/>
+            <c:spPr>
+              <a:solidFill>
+                <a:schemeClr val="accent1"/>
+              </a:solidFill>
+              <a:ln>
+                <a:noFill/>
+              </a:ln>
+              <a:effectLst/>
+            </c:spPr>
+            <c:extLst>
+              <c:ext xmlns:c16="http://schemas.microsoft.com/office/drawing/2014/chart" uri="{C3380CC4-5D6E-409C-BE32-E72D297353CC}">
+                <c16:uniqueId val="{00000006-3070-EB4B-90FB-032232CC9879}"/>
+              </c:ext>
+            </c:extLst>
+          </c:dPt>
+          <c:cat>
+            <c:strRef>
+              <c:extLst>
+                <c:ext xmlns:c15="http://schemas.microsoft.com/office/drawing/2012/chart" uri="{02D57815-91ED-43cb-92C2-25804820EDAC}">
+                  <c15:fullRef>
+                    <c15:sqref>Sheet1!$A$2:$C$29</c15:sqref>
+                  </c15:fullRef>
+                  <c15:levelRef>
+                    <c15:sqref>Sheet1!$C$2:$C$29</c15:sqref>
+                  </c15:levelRef>
+                </c:ext>
+              </c:extLst>
+              <c:f>Sheet1!$C$2:$C$29</c:f>
+              <c:strCache>
+                <c:ptCount val="28"/>
+                <c:pt idx="0">
+                  <c:v>AP PI1</c:v>
+                </c:pt>
+                <c:pt idx="1">
+                  <c:v>AP PI2</c:v>
+                </c:pt>
+                <c:pt idx="2">
+                  <c:v>AP P1</c:v>
+                </c:pt>
+                <c:pt idx="3">
+                  <c:v>AP P2</c:v>
+                </c:pt>
+                <c:pt idx="4">
+                  <c:v>AP P3</c:v>
+                </c:pt>
+                <c:pt idx="5">
+                  <c:v>AP P4</c:v>
+                </c:pt>
+                <c:pt idx="6">
+                  <c:v>AP P5</c:v>
+                </c:pt>
+                <c:pt idx="7">
+                  <c:v>AP P6</c:v>
+                </c:pt>
+                <c:pt idx="8">
+                  <c:v>AP A1</c:v>
+                </c:pt>
+                <c:pt idx="10">
+                  <c:v>AP E1</c:v>
+                </c:pt>
+                <c:pt idx="11">
+                  <c:v>AP E2</c:v>
+                </c:pt>
+                <c:pt idx="12">
+                  <c:v>AP E3</c:v>
+                </c:pt>
+                <c:pt idx="13">
+                  <c:v>AP E4</c:v>
+                </c:pt>
+                <c:pt idx="14">
+                  <c:v>AP E5</c:v>
+                </c:pt>
+                <c:pt idx="15">
+                  <c:v>AP E6</c:v>
+                </c:pt>
+                <c:pt idx="16">
+                  <c:v>AP I1</c:v>
+                </c:pt>
+                <c:pt idx="17">
+                  <c:v>AP I2</c:v>
+                </c:pt>
+                <c:pt idx="18">
+                  <c:v>AP I3</c:v>
+                </c:pt>
+                <c:pt idx="19">
+                  <c:v>AP I4</c:v>
+                </c:pt>
+                <c:pt idx="20">
+                  <c:v>AP I5</c:v>
+                </c:pt>
+                <c:pt idx="21">
+                  <c:v>AP I6</c:v>
+                </c:pt>
+                <c:pt idx="22">
+                  <c:v>AP I7</c:v>
+                </c:pt>
+                <c:pt idx="23">
+                  <c:v>AP T1</c:v>
+                </c:pt>
+                <c:pt idx="24">
+                  <c:v>AP T2</c:v>
+                </c:pt>
+                <c:pt idx="25">
+                  <c:v>AP T3</c:v>
+                </c:pt>
+              </c:strCache>
+            </c:strRef>
+          </c:cat>
+          <c:val>
+            <c:numRef>
+              <c:f>Sheet1!$E$2:$E$29</c:f>
+              <c:numCache>
+                <c:formatCode>General</c:formatCode>
+                <c:ptCount val="28"/>
+                <c:pt idx="0">
+                  <c:v>0.5</c:v>
+                </c:pt>
+                <c:pt idx="1">
+                  <c:v>0.5</c:v>
+                </c:pt>
+                <c:pt idx="2">
+                  <c:v>1</c:v>
+                </c:pt>
+                <c:pt idx="3">
+                  <c:v>1</c:v>
+                </c:pt>
+                <c:pt idx="4">
+                  <c:v>2</c:v>
+                </c:pt>
+                <c:pt idx="5">
+                  <c:v>2</c:v>
+                </c:pt>
+                <c:pt idx="6">
+                  <c:v>4</c:v>
+                </c:pt>
+                <c:pt idx="7">
+                  <c:v>2</c:v>
+                </c:pt>
+                <c:pt idx="8">
+                  <c:v>2</c:v>
+                </c:pt>
+                <c:pt idx="10">
+                  <c:v>2</c:v>
+                </c:pt>
+                <c:pt idx="11">
+                  <c:v>1</c:v>
+                </c:pt>
+                <c:pt idx="12">
+                  <c:v>4</c:v>
+                </c:pt>
+                <c:pt idx="13">
+                  <c:v>4</c:v>
+                </c:pt>
+                <c:pt idx="14">
+                  <c:v>1</c:v>
+                </c:pt>
+                <c:pt idx="15">
+                  <c:v>1</c:v>
+                </c:pt>
+                <c:pt idx="16">
+                  <c:v>1</c:v>
+                </c:pt>
+                <c:pt idx="17">
+                  <c:v>2</c:v>
+                </c:pt>
+                <c:pt idx="18">
+                  <c:v>1</c:v>
+                </c:pt>
+                <c:pt idx="19">
+                  <c:v>4</c:v>
+                </c:pt>
+                <c:pt idx="20">
+                  <c:v>3</c:v>
+                </c:pt>
+                <c:pt idx="21">
+                  <c:v>4</c:v>
+                </c:pt>
+                <c:pt idx="22">
+                  <c:v>4</c:v>
+                </c:pt>
+                <c:pt idx="23">
+                  <c:v>2</c:v>
+                </c:pt>
+                <c:pt idx="24">
+                  <c:v>2</c:v>
+                </c:pt>
+                <c:pt idx="25">
+                  <c:v>2</c:v>
+                </c:pt>
+                <c:pt idx="26">
+                  <c:v>2</c:v>
+                </c:pt>
+                <c:pt idx="27">
+                  <c:v>2</c:v>
+                </c:pt>
+              </c:numCache>
+            </c:numRef>
+          </c:val>
+          <c:extLst>
+            <c:ext xmlns:c16="http://schemas.microsoft.com/office/drawing/2014/chart" uri="{C3380CC4-5D6E-409C-BE32-E72D297353CC}">
+              <c16:uniqueId val="{00000001-3070-EB4B-90FB-032232CC9879}"/>
+            </c:ext>
+          </c:extLst>
+        </c:ser>
+        <c:dLbls>
+          <c:showLegendKey val="0"/>
+          <c:showVal val="0"/>
+          <c:showCatName val="0"/>
+          <c:showSerName val="0"/>
+          <c:showPercent val="0"/>
+          <c:showBubbleSize val="0"/>
+        </c:dLbls>
+        <c:gapWidth val="219"/>
+        <c:overlap val="-27"/>
+        <c:axId val="999500432"/>
+        <c:axId val="999502064"/>
+      </c:barChart>
+      <c:catAx>
+        <c:axId val="999500432"/>
+        <c:scaling>
+          <c:orientation val="minMax"/>
+        </c:scaling>
+        <c:delete val="0"/>
+        <c:axPos val="b"/>
+        <c:majorGridlines>
+          <c:spPr>
+            <a:ln w="9525" cap="flat" cmpd="sng" algn="ctr">
+              <a:solidFill>
+                <a:schemeClr val="tx1">
+                  <a:lumMod val="15000"/>
+                  <a:lumOff val="85000"/>
+                </a:schemeClr>
+              </a:solidFill>
+              <a:round/>
+            </a:ln>
+            <a:effectLst/>
+          </c:spPr>
+        </c:majorGridlines>
+        <c:numFmt formatCode="#,##0.00" sourceLinked="0"/>
+        <c:majorTickMark val="none"/>
+        <c:minorTickMark val="none"/>
+        <c:tickLblPos val="low"/>
+        <c:spPr>
+          <a:noFill/>
+          <a:ln w="9525" cap="flat" cmpd="sng" algn="ctr">
+            <a:solidFill>
+              <a:schemeClr val="tx1">
+                <a:lumMod val="15000"/>
+                <a:lumOff val="85000"/>
+              </a:schemeClr>
+            </a:solidFill>
+            <a:round/>
+          </a:ln>
+          <a:effectLst/>
+        </c:spPr>
+        <c:txPr>
+          <a:bodyPr rot="-60000000" spcFirstLastPara="1" vertOverflow="ellipsis" vert="horz" wrap="square" anchor="ctr" anchorCtr="1"/>
+          <a:lstStyle/>
+          <a:p>
+            <a:pPr>
+              <a:defRPr sz="1400" b="0" i="0" u="none" strike="noStrike" kern="1200" spc="0" baseline="0">
+                <a:solidFill>
+                  <a:schemeClr val="tx1">
+                    <a:lumMod val="65000"/>
+                    <a:lumOff val="35000"/>
+                  </a:schemeClr>
+                </a:solidFill>
+                <a:latin typeface="+mn-lt"/>
+                <a:ea typeface="+mn-ea"/>
+                <a:cs typeface="+mn-cs"/>
+              </a:defRPr>
+            </a:pPr>
+            <a:endParaRPr lang="de-DE"/>
+          </a:p>
+        </c:txPr>
+        <c:crossAx val="999502064"/>
+        <c:crosses val="autoZero"/>
+        <c:auto val="1"/>
+        <c:lblAlgn val="ctr"/>
+        <c:lblOffset val="10"/>
+        <c:tickMarkSkip val="2"/>
+        <c:noMultiLvlLbl val="0"/>
+      </c:catAx>
+      <c:valAx>
+        <c:axId val="999502064"/>
+        <c:scaling>
+          <c:orientation val="minMax"/>
+        </c:scaling>
+        <c:delete val="0"/>
+        <c:axPos val="l"/>
+        <c:majorGridlines>
+          <c:spPr>
+            <a:ln w="12700" cap="flat" cmpd="sng" algn="ctr">
+              <a:solidFill>
+                <a:schemeClr val="tx1">
+                  <a:lumMod val="15000"/>
+                  <a:lumOff val="85000"/>
+                </a:schemeClr>
+              </a:solidFill>
+              <a:round/>
+            </a:ln>
+            <a:effectLst/>
+          </c:spPr>
+        </c:majorGridlines>
+        <c:numFmt formatCode="General" sourceLinked="1"/>
+        <c:majorTickMark val="none"/>
+        <c:minorTickMark val="none"/>
+        <c:tickLblPos val="nextTo"/>
+        <c:spPr>
+          <a:noFill/>
+          <a:ln>
+            <a:noFill/>
+          </a:ln>
+          <a:effectLst/>
+        </c:spPr>
+        <c:txPr>
+          <a:bodyPr rot="-60000000" spcFirstLastPara="1" vertOverflow="ellipsis" vert="horz" wrap="square" anchor="ctr" anchorCtr="1"/>
+          <a:lstStyle/>
+          <a:p>
+            <a:pPr>
+              <a:defRPr sz="900" b="0" i="0" u="none" strike="noStrike" kern="1200" baseline="0">
+                <a:solidFill>
+                  <a:schemeClr val="tx1">
+                    <a:lumMod val="65000"/>
+                    <a:lumOff val="35000"/>
+                  </a:schemeClr>
+                </a:solidFill>
+                <a:latin typeface="+mn-lt"/>
+                <a:ea typeface="+mn-ea"/>
+                <a:cs typeface="+mn-cs"/>
+              </a:defRPr>
+            </a:pPr>
+            <a:endParaRPr lang="de-DE"/>
+          </a:p>
+        </c:txPr>
+        <c:crossAx val="999500432"/>
+        <c:crosses val="autoZero"/>
+        <c:crossBetween val="between"/>
+      </c:valAx>
+      <c:spPr>
+        <a:noFill/>
+        <a:ln>
+          <a:noFill/>
+        </a:ln>
+        <a:effectLst/>
+      </c:spPr>
+    </c:plotArea>
+    <c:legend>
+      <c:legendPos val="b"/>
+      <c:overlay val="0"/>
+      <c:spPr>
+        <a:noFill/>
+        <a:ln>
+          <a:noFill/>
+        </a:ln>
+        <a:effectLst/>
+      </c:spPr>
+      <c:txPr>
+        <a:bodyPr rot="0" spcFirstLastPara="1" vertOverflow="ellipsis" vert="horz" wrap="square" anchor="ctr" anchorCtr="1"/>
+        <a:lstStyle/>
+        <a:p>
+          <a:pPr>
+            <a:defRPr sz="900" b="0" i="0" u="none" strike="noStrike" kern="1200" baseline="0">
+              <a:solidFill>
+                <a:schemeClr val="tx1">
+                  <a:lumMod val="65000"/>
+                  <a:lumOff val="35000"/>
+                </a:schemeClr>
+              </a:solidFill>
+              <a:latin typeface="+mn-lt"/>
+              <a:ea typeface="+mn-ea"/>
+              <a:cs typeface="+mn-cs"/>
+            </a:defRPr>
+          </a:pPr>
+          <a:endParaRPr lang="de-DE"/>
+        </a:p>
+      </c:txPr>
+    </c:legend>
+    <c:plotVisOnly val="1"/>
+    <c:dispBlanksAs val="gap"/>
+    <c:showDLblsOverMax val="0"/>
+  </c:chart>
+  <c:spPr>
+    <a:noFill/>
+    <a:ln>
+      <a:noFill/>
+    </a:ln>
+    <a:effectLst/>
+  </c:spPr>
+  <c:txPr>
+    <a:bodyPr/>
+    <a:lstStyle/>
+    <a:p>
+      <a:pPr>
+        <a:defRPr/>
+      </a:pPr>
+      <a:endParaRPr lang="de-DE"/>
+    </a:p>
+  </c:txPr>
+  <c:externalData r:id="rId3">
+    <c:autoUpdate val="0"/>
+  </c:externalData>
+</c:chartSpace>
+</file>
+
+<file path=ppt/charts/colors1.xml><?xml version="1.0" encoding="utf-8"?>
+<cs:colorStyle xmlns:cs="http://schemas.microsoft.com/office/drawing/2012/chartStyle" xmlns:a="http://schemas.openxmlformats.org/drawingml/2006/main" meth="cycle" id="10">
+  <a:schemeClr val="accent1"/>
+  <a:schemeClr val="accent2"/>
+  <a:schemeClr val="accent3"/>
+  <a:schemeClr val="accent4"/>
+  <a:schemeClr val="accent5"/>
+  <a:schemeClr val="accent6"/>
+  <cs:variation/>
+  <cs:variation>
+    <a:lumMod val="60000"/>
+  </cs:variation>
+  <cs:variation>
+    <a:lumMod val="80000"/>
+    <a:lumOff val="20000"/>
+  </cs:variation>
+  <cs:variation>
+    <a:lumMod val="80000"/>
+  </cs:variation>
+  <cs:variation>
+    <a:lumMod val="60000"/>
+    <a:lumOff val="40000"/>
+  </cs:variation>
+  <cs:variation>
+    <a:lumMod val="50000"/>
+  </cs:variation>
+  <cs:variation>
+    <a:lumMod val="70000"/>
+    <a:lumOff val="30000"/>
+  </cs:variation>
+  <cs:variation>
+    <a:lumMod val="70000"/>
+  </cs:variation>
+  <cs:variation>
+    <a:lumMod val="50000"/>
+    <a:lumOff val="50000"/>
+  </cs:variation>
+</cs:colorStyle>
+</file>
+
+<file path=ppt/charts/colors2.xml><?xml version="1.0" encoding="utf-8"?>
+<cs:colorStyle xmlns:cs="http://schemas.microsoft.com/office/drawing/2012/chartStyle" xmlns:a="http://schemas.openxmlformats.org/drawingml/2006/main" meth="cycle" id="10">
+  <a:schemeClr val="accent1"/>
+  <a:schemeClr val="accent2"/>
+  <a:schemeClr val="accent3"/>
+  <a:schemeClr val="accent4"/>
+  <a:schemeClr val="accent5"/>
+  <a:schemeClr val="accent6"/>
+  <cs:variation/>
+  <cs:variation>
+    <a:lumMod val="60000"/>
+  </cs:variation>
+  <cs:variation>
+    <a:lumMod val="80000"/>
+    <a:lumOff val="20000"/>
+  </cs:variation>
+  <cs:variation>
+    <a:lumMod val="80000"/>
+  </cs:variation>
+  <cs:variation>
+    <a:lumMod val="60000"/>
+    <a:lumOff val="40000"/>
+  </cs:variation>
+  <cs:variation>
+    <a:lumMod val="50000"/>
+  </cs:variation>
+  <cs:variation>
+    <a:lumMod val="70000"/>
+    <a:lumOff val="30000"/>
+  </cs:variation>
+  <cs:variation>
+    <a:lumMod val="70000"/>
+  </cs:variation>
+  <cs:variation>
+    <a:lumMod val="50000"/>
+    <a:lumOff val="50000"/>
+  </cs:variation>
+</cs:colorStyle>
+</file>
+
+<file path=ppt/charts/style1.xml><?xml version="1.0" encoding="utf-8"?>
+<cs:chartStyle xmlns:cs="http://schemas.microsoft.com/office/drawing/2012/chartStyle" xmlns:a="http://schemas.openxmlformats.org/drawingml/2006/main" id="201">
+  <cs:axisTitle>
+    <cs:lnRef idx="0"/>
+    <cs:fillRef idx="0"/>
+    <cs:effectRef idx="0"/>
+    <cs:fontRef idx="minor">
+      <a:schemeClr val="tx1">
+        <a:lumMod val="65000"/>
+        <a:lumOff val="35000"/>
+      </a:schemeClr>
+    </cs:fontRef>
+    <cs:defRPr sz="1000" kern="1200"/>
+  </cs:axisTitle>
+  <cs:categoryAxis>
+    <cs:lnRef idx="0"/>
+    <cs:fillRef idx="0"/>
+    <cs:effectRef idx="0"/>
+    <cs:fontRef idx="minor">
+      <a:schemeClr val="tx1">
+        <a:lumMod val="65000"/>
+        <a:lumOff val="35000"/>
+      </a:schemeClr>
+    </cs:fontRef>
+    <cs:spPr>
+      <a:ln w="9525" cap="flat" cmpd="sng" algn="ctr">
+        <a:solidFill>
+          <a:schemeClr val="tx1">
+            <a:lumMod val="15000"/>
+            <a:lumOff val="85000"/>
+          </a:schemeClr>
+        </a:solidFill>
+        <a:round/>
+      </a:ln>
+    </cs:spPr>
+    <cs:defRPr sz="900" kern="1200"/>
+  </cs:categoryAxis>
+  <cs:chartArea mods="allowNoFillOverride allowNoLineOverride">
+    <cs:lnRef idx="0"/>
+    <cs:fillRef idx="0"/>
+    <cs:effectRef idx="0"/>
+    <cs:fontRef idx="minor">
+      <a:schemeClr val="tx1"/>
+    </cs:fontRef>
+    <cs:spPr>
+      <a:solidFill>
+        <a:schemeClr val="bg1"/>
+      </a:solidFill>
+      <a:ln w="9525" cap="flat" cmpd="sng" algn="ctr">
+        <a:solidFill>
+          <a:schemeClr val="tx1">
+            <a:lumMod val="15000"/>
+            <a:lumOff val="85000"/>
+          </a:schemeClr>
+        </a:solidFill>
+        <a:round/>
+      </a:ln>
+    </cs:spPr>
+    <cs:defRPr sz="1000" kern="1200"/>
+  </cs:chartArea>
+  <cs:dataLabel>
+    <cs:lnRef idx="0"/>
+    <cs:fillRef idx="0"/>
+    <cs:effectRef idx="0"/>
+    <cs:fontRef idx="minor">
+      <a:schemeClr val="tx1">
+        <a:lumMod val="75000"/>
+        <a:lumOff val="25000"/>
+      </a:schemeClr>
+    </cs:fontRef>
+    <cs:defRPr sz="900" kern="1200"/>
+  </cs:dataLabel>
+  <cs:dataLabelCallout>
+    <cs:lnRef idx="0"/>
+    <cs:fillRef idx="0"/>
+    <cs:effectRef idx="0"/>
+    <cs:fontRef idx="minor">
+      <a:schemeClr val="dk1">
+        <a:lumMod val="65000"/>
+        <a:lumOff val="35000"/>
+      </a:schemeClr>
+    </cs:fontRef>
+    <cs:spPr>
+      <a:solidFill>
+        <a:schemeClr val="lt1"/>
+      </a:solidFill>
+      <a:ln>
+        <a:solidFill>
+          <a:schemeClr val="dk1">
+            <a:lumMod val="25000"/>
+            <a:lumOff val="75000"/>
+          </a:schemeClr>
+        </a:solidFill>
+      </a:ln>
+    </cs:spPr>
+    <cs:defRPr sz="900" kern="1200"/>
+    <cs:bodyPr rot="0" spcFirstLastPara="1" vertOverflow="clip" horzOverflow="clip" vert="horz" wrap="square" lIns="36576" tIns="18288" rIns="36576" bIns="18288" anchor="ctr" anchorCtr="1">
+      <a:spAutoFit/>
+    </cs:bodyPr>
+  </cs:dataLabelCallout>
+  <cs:dataPoint>
+    <cs:lnRef idx="0"/>
+    <cs:fillRef idx="1">
+      <cs:styleClr val="auto"/>
+    </cs:fillRef>
+    <cs:effectRef idx="0"/>
+    <cs:fontRef idx="minor">
+      <a:schemeClr val="tx1"/>
+    </cs:fontRef>
+  </cs:dataPoint>
+  <cs:dataPoint3D>
+    <cs:lnRef idx="0"/>
+    <cs:fillRef idx="1">
+      <cs:styleClr val="auto"/>
+    </cs:fillRef>
+    <cs:effectRef idx="0"/>
+    <cs:fontRef idx="minor">
+      <a:schemeClr val="tx1"/>
+    </cs:fontRef>
+  </cs:dataPoint3D>
+  <cs:dataPointLine>
+    <cs:lnRef idx="0">
+      <cs:styleClr val="auto"/>
+    </cs:lnRef>
+    <cs:fillRef idx="1"/>
+    <cs:effectRef idx="0"/>
+    <cs:fontRef idx="minor">
+      <a:schemeClr val="tx1"/>
+    </cs:fontRef>
+    <cs:spPr>
+      <a:ln w="28575" cap="rnd">
+        <a:solidFill>
+          <a:schemeClr val="phClr"/>
+        </a:solidFill>
+        <a:round/>
+      </a:ln>
+    </cs:spPr>
+  </cs:dataPointLine>
+  <cs:dataPointMarker>
+    <cs:lnRef idx="0">
+      <cs:styleClr val="auto"/>
+    </cs:lnRef>
+    <cs:fillRef idx="1">
+      <cs:styleClr val="auto"/>
+    </cs:fillRef>
+    <cs:effectRef idx="0"/>
+    <cs:fontRef idx="minor">
+      <a:schemeClr val="tx1"/>
+    </cs:fontRef>
+    <cs:spPr>
+      <a:ln w="9525">
+        <a:solidFill>
+          <a:schemeClr val="phClr"/>
+        </a:solidFill>
+      </a:ln>
+    </cs:spPr>
+  </cs:dataPointMarker>
+  <cs:dataPointMarkerLayout symbol="circle" size="5"/>
+  <cs:dataPointWireframe>
+    <cs:lnRef idx="0">
+      <cs:styleClr val="auto"/>
+    </cs:lnRef>
+    <cs:fillRef idx="1"/>
+    <cs:effectRef idx="0"/>
+    <cs:fontRef idx="minor">
+      <a:schemeClr val="tx1"/>
+    </cs:fontRef>
+    <cs:spPr>
+      <a:ln w="9525" cap="rnd">
+        <a:solidFill>
+          <a:schemeClr val="phClr"/>
+        </a:solidFill>
+        <a:round/>
+      </a:ln>
+    </cs:spPr>
+  </cs:dataPointWireframe>
+  <cs:dataTable>
+    <cs:lnRef idx="0"/>
+    <cs:fillRef idx="0"/>
+    <cs:effectRef idx="0"/>
+    <cs:fontRef idx="minor">
+      <a:schemeClr val="tx1">
+        <a:lumMod val="65000"/>
+        <a:lumOff val="35000"/>
+      </a:schemeClr>
+    </cs:fontRef>
+    <cs:spPr>
+      <a:noFill/>
+      <a:ln w="9525" cap="flat" cmpd="sng" algn="ctr">
+        <a:solidFill>
+          <a:schemeClr val="tx1">
+            <a:lumMod val="15000"/>
+            <a:lumOff val="85000"/>
+          </a:schemeClr>
+        </a:solidFill>
+        <a:round/>
+      </a:ln>
+    </cs:spPr>
+    <cs:defRPr sz="900" kern="1200"/>
+  </cs:dataTable>
+  <cs:downBar>
+    <cs:lnRef idx="0"/>
+    <cs:fillRef idx="0"/>
+    <cs:effectRef idx="0"/>
+    <cs:fontRef idx="minor">
+      <a:schemeClr val="dk1"/>
+    </cs:fontRef>
+    <cs:spPr>
+      <a:solidFill>
+        <a:schemeClr val="dk1">
+          <a:lumMod val="65000"/>
+          <a:lumOff val="35000"/>
+        </a:schemeClr>
+      </a:solidFill>
+      <a:ln w="9525">
+        <a:solidFill>
+          <a:schemeClr val="tx1">
+            <a:lumMod val="65000"/>
+            <a:lumOff val="35000"/>
+          </a:schemeClr>
+        </a:solidFill>
+      </a:ln>
+    </cs:spPr>
+  </cs:downBar>
+  <cs:dropLine>
+    <cs:lnRef idx="0"/>
+    <cs:fillRef idx="0"/>
+    <cs:effectRef idx="0"/>
+    <cs:fontRef idx="minor">
+      <a:schemeClr val="tx1"/>
+    </cs:fontRef>
+    <cs:spPr>
+      <a:ln w="9525" cap="flat" cmpd="sng" algn="ctr">
+        <a:solidFill>
+          <a:schemeClr val="tx1">
+            <a:lumMod val="35000"/>
+            <a:lumOff val="65000"/>
+          </a:schemeClr>
+        </a:solidFill>
+        <a:round/>
+      </a:ln>
+    </cs:spPr>
+  </cs:dropLine>
+  <cs:errorBar>
+    <cs:lnRef idx="0"/>
+    <cs:fillRef idx="0"/>
+    <cs:effectRef idx="0"/>
+    <cs:fontRef idx="minor">
+      <a:schemeClr val="tx1"/>
+    </cs:fontRef>
+    <cs:spPr>
+      <a:ln w="9525" cap="flat" cmpd="sng" algn="ctr">
+        <a:solidFill>
+          <a:schemeClr val="tx1">
+            <a:lumMod val="65000"/>
+            <a:lumOff val="35000"/>
+          </a:schemeClr>
+        </a:solidFill>
+        <a:round/>
+      </a:ln>
+    </cs:spPr>
+  </cs:errorBar>
+  <cs:floor>
+    <cs:lnRef idx="0"/>
+    <cs:fillRef idx="0"/>
+    <cs:effectRef idx="0"/>
+    <cs:fontRef idx="minor">
+      <a:schemeClr val="tx1"/>
+    </cs:fontRef>
+    <cs:spPr>
+      <a:noFill/>
+      <a:ln>
+        <a:noFill/>
+      </a:ln>
+    </cs:spPr>
+  </cs:floor>
+  <cs:gridlineMajor>
+    <cs:lnRef idx="0"/>
+    <cs:fillRef idx="0"/>
+    <cs:effectRef idx="0"/>
+    <cs:fontRef idx="minor">
+      <a:schemeClr val="tx1"/>
+    </cs:fontRef>
+    <cs:spPr>
+      <a:ln w="9525" cap="flat" cmpd="sng" algn="ctr">
+        <a:solidFill>
+          <a:schemeClr val="tx1">
+            <a:lumMod val="15000"/>
+            <a:lumOff val="85000"/>
+          </a:schemeClr>
+        </a:solidFill>
+        <a:round/>
+      </a:ln>
+    </cs:spPr>
+  </cs:gridlineMajor>
+  <cs:gridlineMinor>
+    <cs:lnRef idx="0"/>
+    <cs:fillRef idx="0"/>
+    <cs:effectRef idx="0"/>
+    <cs:fontRef idx="minor">
+      <a:schemeClr val="tx1"/>
+    </cs:fontRef>
+    <cs:spPr>
+      <a:ln w="9525" cap="flat" cmpd="sng" algn="ctr">
+        <a:solidFill>
+          <a:schemeClr val="tx1">
+            <a:lumMod val="5000"/>
+            <a:lumOff val="95000"/>
+          </a:schemeClr>
+        </a:solidFill>
+        <a:round/>
+      </a:ln>
+    </cs:spPr>
+  </cs:gridlineMinor>
+  <cs:hiLoLine>
+    <cs:lnRef idx="0"/>
+    <cs:fillRef idx="0"/>
+    <cs:effectRef idx="0"/>
+    <cs:fontRef idx="minor">
+      <a:schemeClr val="tx1"/>
+    </cs:fontRef>
+    <cs:spPr>
+      <a:ln w="9525" cap="flat" cmpd="sng" algn="ctr">
+        <a:solidFill>
+          <a:schemeClr val="tx1">
+            <a:lumMod val="75000"/>
+            <a:lumOff val="25000"/>
+          </a:schemeClr>
+        </a:solidFill>
+        <a:round/>
+      </a:ln>
+    </cs:spPr>
+  </cs:hiLoLine>
+  <cs:leaderLine>
+    <cs:lnRef idx="0"/>
+    <cs:fillRef idx="0"/>
+    <cs:effectRef idx="0"/>
+    <cs:fontRef idx="minor">
+      <a:schemeClr val="tx1"/>
+    </cs:fontRef>
+    <cs:spPr>
+      <a:ln w="9525" cap="flat" cmpd="sng" algn="ctr">
+        <a:solidFill>
+          <a:schemeClr val="tx1">
+            <a:lumMod val="35000"/>
+            <a:lumOff val="65000"/>
+          </a:schemeClr>
+        </a:solidFill>
+        <a:round/>
+      </a:ln>
+    </cs:spPr>
+  </cs:leaderLine>
+  <cs:legend>
+    <cs:lnRef idx="0"/>
+    <cs:fillRef idx="0"/>
+    <cs:effectRef idx="0"/>
+    <cs:fontRef idx="minor">
+      <a:schemeClr val="tx1">
+        <a:lumMod val="65000"/>
+        <a:lumOff val="35000"/>
+      </a:schemeClr>
+    </cs:fontRef>
+    <cs:defRPr sz="900" kern="1200"/>
+  </cs:legend>
+  <cs:plotArea mods="allowNoFillOverride allowNoLineOverride">
+    <cs:lnRef idx="0"/>
+    <cs:fillRef idx="0"/>
+    <cs:effectRef idx="0"/>
+    <cs:fontRef idx="minor">
+      <a:schemeClr val="tx1"/>
+    </cs:fontRef>
+  </cs:plotArea>
+  <cs:plotArea3D mods="allowNoFillOverride allowNoLineOverride">
+    <cs:lnRef idx="0"/>
+    <cs:fillRef idx="0"/>
+    <cs:effectRef idx="0"/>
+    <cs:fontRef idx="minor">
+      <a:schemeClr val="tx1"/>
+    </cs:fontRef>
+  </cs:plotArea3D>
+  <cs:seriesAxis>
+    <cs:lnRef idx="0"/>
+    <cs:fillRef idx="0"/>
+    <cs:effectRef idx="0"/>
+    <cs:fontRef idx="minor">
+      <a:schemeClr val="tx1">
+        <a:lumMod val="65000"/>
+        <a:lumOff val="35000"/>
+      </a:schemeClr>
+    </cs:fontRef>
+    <cs:defRPr sz="900" kern="1200"/>
+  </cs:seriesAxis>
+  <cs:seriesLine>
+    <cs:lnRef idx="0"/>
+    <cs:fillRef idx="0"/>
+    <cs:effectRef idx="0"/>
+    <cs:fontRef idx="minor">
+      <a:schemeClr val="tx1"/>
+    </cs:fontRef>
+    <cs:spPr>
+      <a:ln w="9525" cap="flat" cmpd="sng" algn="ctr">
+        <a:solidFill>
+          <a:schemeClr val="tx1">
+            <a:lumMod val="35000"/>
+            <a:lumOff val="65000"/>
+          </a:schemeClr>
+        </a:solidFill>
+        <a:round/>
+      </a:ln>
+    </cs:spPr>
+  </cs:seriesLine>
+  <cs:title>
+    <cs:lnRef idx="0"/>
+    <cs:fillRef idx="0"/>
+    <cs:effectRef idx="0"/>
+    <cs:fontRef idx="minor">
+      <a:schemeClr val="tx1">
+        <a:lumMod val="65000"/>
+        <a:lumOff val="35000"/>
+      </a:schemeClr>
+    </cs:fontRef>
+    <cs:defRPr sz="1400" b="0" kern="1200" spc="0" baseline="0"/>
+  </cs:title>
+  <cs:trendline>
+    <cs:lnRef idx="0">
+      <cs:styleClr val="auto"/>
+    </cs:lnRef>
+    <cs:fillRef idx="0"/>
+    <cs:effectRef idx="0"/>
+    <cs:fontRef idx="minor">
+      <a:schemeClr val="tx1"/>
+    </cs:fontRef>
+    <cs:spPr>
+      <a:ln w="19050" cap="rnd">
+        <a:solidFill>
+          <a:schemeClr val="phClr"/>
+        </a:solidFill>
+        <a:prstDash val="sysDot"/>
+      </a:ln>
+    </cs:spPr>
+  </cs:trendline>
+  <cs:trendlineLabel>
+    <cs:lnRef idx="0"/>
+    <cs:fillRef idx="0"/>
+    <cs:effectRef idx="0"/>
+    <cs:fontRef idx="minor">
+      <a:schemeClr val="tx1">
+        <a:lumMod val="65000"/>
+        <a:lumOff val="35000"/>
+      </a:schemeClr>
+    </cs:fontRef>
+    <cs:defRPr sz="900" kern="1200"/>
+  </cs:trendlineLabel>
+  <cs:upBar>
+    <cs:lnRef idx="0"/>
+    <cs:fillRef idx="0"/>
+    <cs:effectRef idx="0"/>
+    <cs:fontRef idx="minor">
+      <a:schemeClr val="dk1"/>
+    </cs:fontRef>
+    <cs:spPr>
+      <a:solidFill>
+        <a:schemeClr val="lt1"/>
+      </a:solidFill>
+      <a:ln w="9525">
+        <a:solidFill>
+          <a:schemeClr val="tx1">
+            <a:lumMod val="15000"/>
+            <a:lumOff val="85000"/>
+          </a:schemeClr>
+        </a:solidFill>
+      </a:ln>
+    </cs:spPr>
+  </cs:upBar>
+  <cs:valueAxis>
+    <cs:lnRef idx="0"/>
+    <cs:fillRef idx="0"/>
+    <cs:effectRef idx="0"/>
+    <cs:fontRef idx="minor">
+      <a:schemeClr val="tx1">
+        <a:lumMod val="65000"/>
+        <a:lumOff val="35000"/>
+      </a:schemeClr>
+    </cs:fontRef>
+    <cs:defRPr sz="900" kern="1200"/>
+  </cs:valueAxis>
+  <cs:wall>
+    <cs:lnRef idx="0"/>
+    <cs:fillRef idx="0"/>
+    <cs:effectRef idx="0"/>
+    <cs:fontRef idx="minor">
+      <a:schemeClr val="tx1"/>
+    </cs:fontRef>
+    <cs:spPr>
+      <a:noFill/>
+      <a:ln>
+        <a:noFill/>
+      </a:ln>
+    </cs:spPr>
+  </cs:wall>
+</cs:chartStyle>
+</file>
+
+<file path=ppt/charts/style2.xml><?xml version="1.0" encoding="utf-8"?>
+<cs:chartStyle xmlns:cs="http://schemas.microsoft.com/office/drawing/2012/chartStyle" xmlns:a="http://schemas.openxmlformats.org/drawingml/2006/main" id="201">
+  <cs:axisTitle>
+    <cs:lnRef idx="0"/>
+    <cs:fillRef idx="0"/>
+    <cs:effectRef idx="0"/>
+    <cs:fontRef idx="minor">
+      <a:schemeClr val="tx1">
+        <a:lumMod val="65000"/>
+        <a:lumOff val="35000"/>
+      </a:schemeClr>
+    </cs:fontRef>
+    <cs:defRPr sz="1000" kern="1200"/>
+  </cs:axisTitle>
+  <cs:categoryAxis>
+    <cs:lnRef idx="0"/>
+    <cs:fillRef idx="0"/>
+    <cs:effectRef idx="0"/>
+    <cs:fontRef idx="minor">
+      <a:schemeClr val="tx1">
+        <a:lumMod val="65000"/>
+        <a:lumOff val="35000"/>
+      </a:schemeClr>
+    </cs:fontRef>
+    <cs:spPr>
+      <a:ln w="9525" cap="flat" cmpd="sng" algn="ctr">
+        <a:solidFill>
+          <a:schemeClr val="tx1">
+            <a:lumMod val="15000"/>
+            <a:lumOff val="85000"/>
+          </a:schemeClr>
+        </a:solidFill>
+        <a:round/>
+      </a:ln>
+    </cs:spPr>
+    <cs:defRPr sz="900" kern="1200"/>
+  </cs:categoryAxis>
+  <cs:chartArea mods="allowNoFillOverride allowNoLineOverride">
+    <cs:lnRef idx="0"/>
+    <cs:fillRef idx="0"/>
+    <cs:effectRef idx="0"/>
+    <cs:fontRef idx="minor">
+      <a:schemeClr val="tx1"/>
+    </cs:fontRef>
+    <cs:spPr>
+      <a:solidFill>
+        <a:schemeClr val="bg1"/>
+      </a:solidFill>
+      <a:ln w="9525" cap="flat" cmpd="sng" algn="ctr">
+        <a:solidFill>
+          <a:schemeClr val="tx1">
+            <a:lumMod val="15000"/>
+            <a:lumOff val="85000"/>
+          </a:schemeClr>
+        </a:solidFill>
+        <a:round/>
+      </a:ln>
+    </cs:spPr>
+    <cs:defRPr sz="1000" kern="1200"/>
+  </cs:chartArea>
+  <cs:dataLabel>
+    <cs:lnRef idx="0"/>
+    <cs:fillRef idx="0"/>
+    <cs:effectRef idx="0"/>
+    <cs:fontRef idx="minor">
+      <a:schemeClr val="tx1">
+        <a:lumMod val="75000"/>
+        <a:lumOff val="25000"/>
+      </a:schemeClr>
+    </cs:fontRef>
+    <cs:defRPr sz="900" kern="1200"/>
+  </cs:dataLabel>
+  <cs:dataLabelCallout>
+    <cs:lnRef idx="0"/>
+    <cs:fillRef idx="0"/>
+    <cs:effectRef idx="0"/>
+    <cs:fontRef idx="minor">
+      <a:schemeClr val="dk1">
+        <a:lumMod val="65000"/>
+        <a:lumOff val="35000"/>
+      </a:schemeClr>
+    </cs:fontRef>
+    <cs:spPr>
+      <a:solidFill>
+        <a:schemeClr val="lt1"/>
+      </a:solidFill>
+      <a:ln>
+        <a:solidFill>
+          <a:schemeClr val="dk1">
+            <a:lumMod val="25000"/>
+            <a:lumOff val="75000"/>
+          </a:schemeClr>
+        </a:solidFill>
+      </a:ln>
+    </cs:spPr>
+    <cs:defRPr sz="900" kern="1200"/>
+    <cs:bodyPr rot="0" spcFirstLastPara="1" vertOverflow="clip" horzOverflow="clip" vert="horz" wrap="square" lIns="36576" tIns="18288" rIns="36576" bIns="18288" anchor="ctr" anchorCtr="1">
+      <a:spAutoFit/>
+    </cs:bodyPr>
+  </cs:dataLabelCallout>
+  <cs:dataPoint>
+    <cs:lnRef idx="0"/>
+    <cs:fillRef idx="1">
+      <cs:styleClr val="auto"/>
+    </cs:fillRef>
+    <cs:effectRef idx="0"/>
+    <cs:fontRef idx="minor">
+      <a:schemeClr val="tx1"/>
+    </cs:fontRef>
+  </cs:dataPoint>
+  <cs:dataPoint3D>
+    <cs:lnRef idx="0"/>
+    <cs:fillRef idx="1">
+      <cs:styleClr val="auto"/>
+    </cs:fillRef>
+    <cs:effectRef idx="0"/>
+    <cs:fontRef idx="minor">
+      <a:schemeClr val="tx1"/>
+    </cs:fontRef>
+  </cs:dataPoint3D>
+  <cs:dataPointLine>
+    <cs:lnRef idx="0">
+      <cs:styleClr val="auto"/>
+    </cs:lnRef>
+    <cs:fillRef idx="1"/>
+    <cs:effectRef idx="0"/>
+    <cs:fontRef idx="minor">
+      <a:schemeClr val="tx1"/>
+    </cs:fontRef>
+    <cs:spPr>
+      <a:ln w="28575" cap="rnd">
+        <a:solidFill>
+          <a:schemeClr val="phClr"/>
+        </a:solidFill>
+        <a:round/>
+      </a:ln>
+    </cs:spPr>
+  </cs:dataPointLine>
+  <cs:dataPointMarker>
+    <cs:lnRef idx="0">
+      <cs:styleClr val="auto"/>
+    </cs:lnRef>
+    <cs:fillRef idx="1">
+      <cs:styleClr val="auto"/>
+    </cs:fillRef>
+    <cs:effectRef idx="0"/>
+    <cs:fontRef idx="minor">
+      <a:schemeClr val="tx1"/>
+    </cs:fontRef>
+    <cs:spPr>
+      <a:ln w="9525">
+        <a:solidFill>
+          <a:schemeClr val="phClr"/>
+        </a:solidFill>
+      </a:ln>
+    </cs:spPr>
+  </cs:dataPointMarker>
+  <cs:dataPointMarkerLayout symbol="circle" size="5"/>
+  <cs:dataPointWireframe>
+    <cs:lnRef idx="0">
+      <cs:styleClr val="auto"/>
+    </cs:lnRef>
+    <cs:fillRef idx="1"/>
+    <cs:effectRef idx="0"/>
+    <cs:fontRef idx="minor">
+      <a:schemeClr val="tx1"/>
+    </cs:fontRef>
+    <cs:spPr>
+      <a:ln w="9525" cap="rnd">
+        <a:solidFill>
+          <a:schemeClr val="phClr"/>
+        </a:solidFill>
+        <a:round/>
+      </a:ln>
+    </cs:spPr>
+  </cs:dataPointWireframe>
+  <cs:dataTable>
+    <cs:lnRef idx="0"/>
+    <cs:fillRef idx="0"/>
+    <cs:effectRef idx="0"/>
+    <cs:fontRef idx="minor">
+      <a:schemeClr val="tx1">
+        <a:lumMod val="65000"/>
+        <a:lumOff val="35000"/>
+      </a:schemeClr>
+    </cs:fontRef>
+    <cs:spPr>
+      <a:noFill/>
+      <a:ln w="9525" cap="flat" cmpd="sng" algn="ctr">
+        <a:solidFill>
+          <a:schemeClr val="tx1">
+            <a:lumMod val="15000"/>
+            <a:lumOff val="85000"/>
+          </a:schemeClr>
+        </a:solidFill>
+        <a:round/>
+      </a:ln>
+    </cs:spPr>
+    <cs:defRPr sz="900" kern="1200"/>
+  </cs:dataTable>
+  <cs:downBar>
+    <cs:lnRef idx="0"/>
+    <cs:fillRef idx="0"/>
+    <cs:effectRef idx="0"/>
+    <cs:fontRef idx="minor">
+      <a:schemeClr val="dk1"/>
+    </cs:fontRef>
+    <cs:spPr>
+      <a:solidFill>
+        <a:schemeClr val="dk1">
+          <a:lumMod val="65000"/>
+          <a:lumOff val="35000"/>
+        </a:schemeClr>
+      </a:solidFill>
+      <a:ln w="9525">
+        <a:solidFill>
+          <a:schemeClr val="tx1">
+            <a:lumMod val="65000"/>
+            <a:lumOff val="35000"/>
+          </a:schemeClr>
+        </a:solidFill>
+      </a:ln>
+    </cs:spPr>
+  </cs:downBar>
+  <cs:dropLine>
+    <cs:lnRef idx="0"/>
+    <cs:fillRef idx="0"/>
+    <cs:effectRef idx="0"/>
+    <cs:fontRef idx="minor">
+      <a:schemeClr val="tx1"/>
+    </cs:fontRef>
+    <cs:spPr>
+      <a:ln w="9525" cap="flat" cmpd="sng" algn="ctr">
+        <a:solidFill>
+          <a:schemeClr val="tx1">
+            <a:lumMod val="35000"/>
+            <a:lumOff val="65000"/>
+          </a:schemeClr>
+        </a:solidFill>
+        <a:round/>
+      </a:ln>
+    </cs:spPr>
+  </cs:dropLine>
+  <cs:errorBar>
+    <cs:lnRef idx="0"/>
+    <cs:fillRef idx="0"/>
+    <cs:effectRef idx="0"/>
+    <cs:fontRef idx="minor">
+      <a:schemeClr val="tx1"/>
+    </cs:fontRef>
+    <cs:spPr>
+      <a:ln w="9525" cap="flat" cmpd="sng" algn="ctr">
+        <a:solidFill>
+          <a:schemeClr val="tx1">
+            <a:lumMod val="65000"/>
+            <a:lumOff val="35000"/>
+          </a:schemeClr>
+        </a:solidFill>
+        <a:round/>
+      </a:ln>
+    </cs:spPr>
+  </cs:errorBar>
+  <cs:floor>
+    <cs:lnRef idx="0"/>
+    <cs:fillRef idx="0"/>
+    <cs:effectRef idx="0"/>
+    <cs:fontRef idx="minor">
+      <a:schemeClr val="tx1"/>
+    </cs:fontRef>
+    <cs:spPr>
+      <a:noFill/>
+      <a:ln>
+        <a:noFill/>
+      </a:ln>
+    </cs:spPr>
+  </cs:floor>
+  <cs:gridlineMajor>
+    <cs:lnRef idx="0"/>
+    <cs:fillRef idx="0"/>
+    <cs:effectRef idx="0"/>
+    <cs:fontRef idx="minor">
+      <a:schemeClr val="tx1"/>
+    </cs:fontRef>
+    <cs:spPr>
+      <a:ln w="9525" cap="flat" cmpd="sng" algn="ctr">
+        <a:solidFill>
+          <a:schemeClr val="tx1">
+            <a:lumMod val="15000"/>
+            <a:lumOff val="85000"/>
+          </a:schemeClr>
+        </a:solidFill>
+        <a:round/>
+      </a:ln>
+    </cs:spPr>
+  </cs:gridlineMajor>
+  <cs:gridlineMinor>
+    <cs:lnRef idx="0"/>
+    <cs:fillRef idx="0"/>
+    <cs:effectRef idx="0"/>
+    <cs:fontRef idx="minor">
+      <a:schemeClr val="tx1"/>
+    </cs:fontRef>
+    <cs:spPr>
+      <a:ln w="9525" cap="flat" cmpd="sng" algn="ctr">
+        <a:solidFill>
+          <a:schemeClr val="tx1">
+            <a:lumMod val="5000"/>
+            <a:lumOff val="95000"/>
+          </a:schemeClr>
+        </a:solidFill>
+        <a:round/>
+      </a:ln>
+    </cs:spPr>
+  </cs:gridlineMinor>
+  <cs:hiLoLine>
+    <cs:lnRef idx="0"/>
+    <cs:fillRef idx="0"/>
+    <cs:effectRef idx="0"/>
+    <cs:fontRef idx="minor">
+      <a:schemeClr val="tx1"/>
+    </cs:fontRef>
+    <cs:spPr>
+      <a:ln w="9525" cap="flat" cmpd="sng" algn="ctr">
+        <a:solidFill>
+          <a:schemeClr val="tx1">
+            <a:lumMod val="75000"/>
+            <a:lumOff val="25000"/>
+          </a:schemeClr>
+        </a:solidFill>
+        <a:round/>
+      </a:ln>
+    </cs:spPr>
+  </cs:hiLoLine>
+  <cs:leaderLine>
+    <cs:lnRef idx="0"/>
+    <cs:fillRef idx="0"/>
+    <cs:effectRef idx="0"/>
+    <cs:fontRef idx="minor">
+      <a:schemeClr val="tx1"/>
+    </cs:fontRef>
+    <cs:spPr>
+      <a:ln w="9525" cap="flat" cmpd="sng" algn="ctr">
+        <a:solidFill>
+          <a:schemeClr val="tx1">
+            <a:lumMod val="35000"/>
+            <a:lumOff val="65000"/>
+          </a:schemeClr>
+        </a:solidFill>
+        <a:round/>
+      </a:ln>
+    </cs:spPr>
+  </cs:leaderLine>
+  <cs:legend>
+    <cs:lnRef idx="0"/>
+    <cs:fillRef idx="0"/>
+    <cs:effectRef idx="0"/>
+    <cs:fontRef idx="minor">
+      <a:schemeClr val="tx1">
+        <a:lumMod val="65000"/>
+        <a:lumOff val="35000"/>
+      </a:schemeClr>
+    </cs:fontRef>
+    <cs:defRPr sz="900" kern="1200"/>
+  </cs:legend>
+  <cs:plotArea mods="allowNoFillOverride allowNoLineOverride">
+    <cs:lnRef idx="0"/>
+    <cs:fillRef idx="0"/>
+    <cs:effectRef idx="0"/>
+    <cs:fontRef idx="minor">
+      <a:schemeClr val="tx1"/>
+    </cs:fontRef>
+  </cs:plotArea>
+  <cs:plotArea3D mods="allowNoFillOverride allowNoLineOverride">
+    <cs:lnRef idx="0"/>
+    <cs:fillRef idx="0"/>
+    <cs:effectRef idx="0"/>
+    <cs:fontRef idx="minor">
+      <a:schemeClr val="tx1"/>
+    </cs:fontRef>
+  </cs:plotArea3D>
+  <cs:seriesAxis>
+    <cs:lnRef idx="0"/>
+    <cs:fillRef idx="0"/>
+    <cs:effectRef idx="0"/>
+    <cs:fontRef idx="minor">
+      <a:schemeClr val="tx1">
+        <a:lumMod val="65000"/>
+        <a:lumOff val="35000"/>
+      </a:schemeClr>
+    </cs:fontRef>
+    <cs:defRPr sz="900" kern="1200"/>
+  </cs:seriesAxis>
+  <cs:seriesLine>
+    <cs:lnRef idx="0"/>
+    <cs:fillRef idx="0"/>
+    <cs:effectRef idx="0"/>
+    <cs:fontRef idx="minor">
+      <a:schemeClr val="tx1"/>
+    </cs:fontRef>
+    <cs:spPr>
+      <a:ln w="9525" cap="flat" cmpd="sng" algn="ctr">
+        <a:solidFill>
+          <a:schemeClr val="tx1">
+            <a:lumMod val="35000"/>
+            <a:lumOff val="65000"/>
+          </a:schemeClr>
+        </a:solidFill>
+        <a:round/>
+      </a:ln>
+    </cs:spPr>
+  </cs:seriesLine>
+  <cs:title>
+    <cs:lnRef idx="0"/>
+    <cs:fillRef idx="0"/>
+    <cs:effectRef idx="0"/>
+    <cs:fontRef idx="minor">
+      <a:schemeClr val="tx1">
+        <a:lumMod val="65000"/>
+        <a:lumOff val="35000"/>
+      </a:schemeClr>
+    </cs:fontRef>
+    <cs:defRPr sz="1400" b="0" kern="1200" spc="0" baseline="0"/>
+  </cs:title>
+  <cs:trendline>
+    <cs:lnRef idx="0">
+      <cs:styleClr val="auto"/>
+    </cs:lnRef>
+    <cs:fillRef idx="0"/>
+    <cs:effectRef idx="0"/>
+    <cs:fontRef idx="minor">
+      <a:schemeClr val="tx1"/>
+    </cs:fontRef>
+    <cs:spPr>
+      <a:ln w="19050" cap="rnd">
+        <a:solidFill>
+          <a:schemeClr val="phClr"/>
+        </a:solidFill>
+        <a:prstDash val="sysDot"/>
+      </a:ln>
+    </cs:spPr>
+  </cs:trendline>
+  <cs:trendlineLabel>
+    <cs:lnRef idx="0"/>
+    <cs:fillRef idx="0"/>
+    <cs:effectRef idx="0"/>
+    <cs:fontRef idx="minor">
+      <a:schemeClr val="tx1">
+        <a:lumMod val="65000"/>
+        <a:lumOff val="35000"/>
+      </a:schemeClr>
+    </cs:fontRef>
+    <cs:defRPr sz="900" kern="1200"/>
+  </cs:trendlineLabel>
+  <cs:upBar>
+    <cs:lnRef idx="0"/>
+    <cs:fillRef idx="0"/>
+    <cs:effectRef idx="0"/>
+    <cs:fontRef idx="minor">
+      <a:schemeClr val="dk1"/>
+    </cs:fontRef>
+    <cs:spPr>
+      <a:solidFill>
+        <a:schemeClr val="lt1"/>
+      </a:solidFill>
+      <a:ln w="9525">
+        <a:solidFill>
+          <a:schemeClr val="tx1">
+            <a:lumMod val="15000"/>
+            <a:lumOff val="85000"/>
+          </a:schemeClr>
+        </a:solidFill>
+      </a:ln>
+    </cs:spPr>
+  </cs:upBar>
+  <cs:valueAxis>
+    <cs:lnRef idx="0"/>
+    <cs:fillRef idx="0"/>
+    <cs:effectRef idx="0"/>
+    <cs:fontRef idx="minor">
+      <a:schemeClr val="tx1">
+        <a:lumMod val="65000"/>
+        <a:lumOff val="35000"/>
+      </a:schemeClr>
+    </cs:fontRef>
+    <cs:defRPr sz="900" kern="1200"/>
+  </cs:valueAxis>
+  <cs:wall>
+    <cs:lnRef idx="0"/>
+    <cs:fillRef idx="0"/>
+    <cs:effectRef idx="0"/>
+    <cs:fontRef idx="minor">
+      <a:schemeClr val="tx1"/>
+    </cs:fontRef>
+    <cs:spPr>
+      <a:noFill/>
+      <a:ln>
+        <a:noFill/>
+      </a:ln>
+    </cs:spPr>
+  </cs:wall>
+</cs:chartStyle>
 </file>
 
 <file path=ppt/handoutMasters/handoutMaster1.xml><?xml version="1.0" encoding="utf-8"?>
@@ -1148,12 +3825,6 @@
           <a:bodyPr/>
           <a:lstStyle/>
           <a:p>
-            <a:r>
-              <a:rPr lang="de-DE" dirty="0"/>
-              <a:t>REFACTORING nicht im BILD</a:t>
-            </a:r>
-          </a:p>
-          <a:p>
             <a:endParaRPr lang="de-DE" dirty="0"/>
           </a:p>
         </p:txBody>
@@ -1173,7 +3844,7 @@
           <a:bodyPr/>
           <a:lstStyle/>
           <a:p>
-            <a:endParaRPr lang="de-DE" dirty="0"/>
+            <a:endParaRPr lang="de-DE"/>
           </a:p>
         </p:txBody>
       </p:sp>
@@ -1195,16 +3866,16 @@
             <a:fld id="{BF63E930-8F88-4EE0-A623-E2193C3967E3}" type="slidenum">
               <a:rPr lang="de-DE" smtClean="0"/>
               <a:pPr/>
-              <a:t>5</a:t>
+              <a:t>7</a:t>
             </a:fld>
-            <a:endParaRPr lang="de-DE" dirty="0"/>
+            <a:endParaRPr lang="de-DE"/>
           </a:p>
         </p:txBody>
       </p:sp>
     </p:spTree>
     <p:extLst>
       <p:ext uri="{BB962C8B-B14F-4D97-AF65-F5344CB8AC3E}">
-        <p14:creationId xmlns:p14="http://schemas.microsoft.com/office/powerpoint/2010/main" val="1087693115"/>
+        <p14:creationId xmlns:p14="http://schemas.microsoft.com/office/powerpoint/2010/main" val="1961509123"/>
       </p:ext>
     </p:extLst>
   </p:cSld>
@@ -1258,6 +3929,12 @@
           <a:bodyPr/>
           <a:lstStyle/>
           <a:p>
+            <a:r>
+              <a:rPr lang="de-DE" dirty="0"/>
+              <a:t>REFACTORING nicht im BILD</a:t>
+            </a:r>
+          </a:p>
+          <a:p>
             <a:endParaRPr lang="de-DE" dirty="0"/>
           </a:p>
         </p:txBody>
@@ -1277,7 +3954,7 @@
           <a:bodyPr/>
           <a:lstStyle/>
           <a:p>
-            <a:endParaRPr lang="de-DE"/>
+            <a:endParaRPr lang="de-DE" dirty="0"/>
           </a:p>
         </p:txBody>
       </p:sp>
@@ -1299,7 +3976,111 @@
             <a:fld id="{BF63E930-8F88-4EE0-A623-E2193C3967E3}" type="slidenum">
               <a:rPr lang="de-DE" smtClean="0"/>
               <a:pPr/>
-              <a:t>6</a:t>
+              <a:t>8</a:t>
+            </a:fld>
+            <a:endParaRPr lang="de-DE" dirty="0"/>
+          </a:p>
+        </p:txBody>
+      </p:sp>
+    </p:spTree>
+    <p:extLst>
+      <p:ext uri="{BB962C8B-B14F-4D97-AF65-F5344CB8AC3E}">
+        <p14:creationId xmlns:p14="http://schemas.microsoft.com/office/powerpoint/2010/main" val="1087693115"/>
+      </p:ext>
+    </p:extLst>
+  </p:cSld>
+  <p:clrMapOvr>
+    <a:masterClrMapping/>
+  </p:clrMapOvr>
+</p:notes>
+</file>
+
+<file path=ppt/notesSlides/notesSlide6.xml><?xml version="1.0" encoding="utf-8"?>
+<p:notes xmlns:a="http://schemas.openxmlformats.org/drawingml/2006/main" xmlns:r="http://schemas.openxmlformats.org/officeDocument/2006/relationships" xmlns:p="http://schemas.openxmlformats.org/presentationml/2006/main">
+  <p:cSld>
+    <p:spTree>
+      <p:nvGrpSpPr>
+        <p:cNvPr id="1" name=""/>
+        <p:cNvGrpSpPr/>
+        <p:nvPr/>
+      </p:nvGrpSpPr>
+      <p:grpSpPr>
+        <a:xfrm>
+          <a:off x="0" y="0"/>
+          <a:ext cx="0" cy="0"/>
+          <a:chOff x="0" y="0"/>
+          <a:chExt cx="0" cy="0"/>
+        </a:xfrm>
+      </p:grpSpPr>
+      <p:sp>
+        <p:nvSpPr>
+          <p:cNvPr id="2" name="Slide Image Placeholder 1"/>
+          <p:cNvSpPr>
+            <a:spLocks noGrp="1" noRot="1" noChangeAspect="1"/>
+          </p:cNvSpPr>
+          <p:nvPr>
+            <p:ph type="sldImg"/>
+          </p:nvPr>
+        </p:nvSpPr>
+        <p:spPr/>
+      </p:sp>
+      <p:sp>
+        <p:nvSpPr>
+          <p:cNvPr id="3" name="Notes Placeholder 2"/>
+          <p:cNvSpPr>
+            <a:spLocks noGrp="1"/>
+          </p:cNvSpPr>
+          <p:nvPr>
+            <p:ph type="body" idx="1"/>
+          </p:nvPr>
+        </p:nvSpPr>
+        <p:spPr/>
+        <p:txBody>
+          <a:bodyPr/>
+          <a:lstStyle/>
+          <a:p>
+            <a:endParaRPr lang="de-DE" dirty="0"/>
+          </a:p>
+        </p:txBody>
+      </p:sp>
+      <p:sp>
+        <p:nvSpPr>
+          <p:cNvPr id="4" name="Date Placeholder 3"/>
+          <p:cNvSpPr>
+            <a:spLocks noGrp="1"/>
+          </p:cNvSpPr>
+          <p:nvPr>
+            <p:ph type="dt" idx="1"/>
+          </p:nvPr>
+        </p:nvSpPr>
+        <p:spPr/>
+        <p:txBody>
+          <a:bodyPr/>
+          <a:lstStyle/>
+          <a:p>
+            <a:endParaRPr lang="de-DE"/>
+          </a:p>
+        </p:txBody>
+      </p:sp>
+      <p:sp>
+        <p:nvSpPr>
+          <p:cNvPr id="5" name="Slide Number Placeholder 4"/>
+          <p:cNvSpPr>
+            <a:spLocks noGrp="1"/>
+          </p:cNvSpPr>
+          <p:nvPr>
+            <p:ph type="sldNum" sz="quarter" idx="5"/>
+          </p:nvPr>
+        </p:nvSpPr>
+        <p:spPr/>
+        <p:txBody>
+          <a:bodyPr/>
+          <a:lstStyle/>
+          <a:p>
+            <a:fld id="{BF63E930-8F88-4EE0-A623-E2193C3967E3}" type="slidenum">
+              <a:rPr lang="de-DE" smtClean="0"/>
+              <a:pPr/>
+              <a:t>9</a:t>
             </a:fld>
             <a:endParaRPr lang="de-DE"/>
           </a:p>
@@ -1867,7 +4648,7 @@
           <a:p>
             <a:r>
               <a:rPr lang="de-DE" dirty="0"/>
-              <a:t>Extreme Programming</a:t>
+              <a:t>Abschlussprojekt</a:t>
             </a:r>
           </a:p>
         </p:txBody>
@@ -1898,8 +4679,8 @@
               <a:t>‹#›</a:t>
             </a:fld>
             <a:r>
-              <a:rPr lang="de-DE"/>
-              <a:t> von 16</a:t>
+              <a:rPr lang="de-DE" dirty="0"/>
+              <a:t> von 9999</a:t>
             </a:r>
           </a:p>
         </p:txBody>
@@ -3247,7 +6028,7 @@
           <a:p>
             <a:r>
               <a:rPr lang="de-DE" dirty="0"/>
-              <a:t>Extreme Programming</a:t>
+              <a:t>Abschlussprojekt</a:t>
             </a:r>
           </a:p>
         </p:txBody>
@@ -3293,8 +6074,8 @@
               <a:t>‹#›</a:t>
             </a:fld>
             <a:r>
-              <a:rPr lang="de-DE"/>
-              <a:t> von 16</a:t>
+              <a:rPr lang="de-DE" dirty="0"/>
+              <a:t> von 999</a:t>
             </a:r>
           </a:p>
         </p:txBody>
@@ -3745,6 +6526,437 @@
 </p:sld>
 </file>
 
+<file path=ppt/slides/slide10.xml><?xml version="1.0" encoding="utf-8"?>
+<p:sld xmlns:a="http://schemas.openxmlformats.org/drawingml/2006/main" xmlns:r="http://schemas.openxmlformats.org/officeDocument/2006/relationships" xmlns:p="http://schemas.openxmlformats.org/presentationml/2006/main">
+  <p:cSld>
+    <p:spTree>
+      <p:nvGrpSpPr>
+        <p:cNvPr id="1" name=""/>
+        <p:cNvGrpSpPr/>
+        <p:nvPr/>
+      </p:nvGrpSpPr>
+      <p:grpSpPr>
+        <a:xfrm>
+          <a:off x="0" y="0"/>
+          <a:ext cx="0" cy="0"/>
+          <a:chOff x="0" y="0"/>
+          <a:chExt cx="0" cy="0"/>
+        </a:xfrm>
+      </p:grpSpPr>
+      <p:sp>
+        <p:nvSpPr>
+          <p:cNvPr id="2" name="Title 1">
+            <a:extLst>
+              <a:ext uri="{FF2B5EF4-FFF2-40B4-BE49-F238E27FC236}">
+                <a16:creationId xmlns:a16="http://schemas.microsoft.com/office/drawing/2014/main" id="{098424BE-FF49-F740-A7D4-E1D3EA8B5AE3}"/>
+              </a:ext>
+            </a:extLst>
+          </p:cNvPr>
+          <p:cNvSpPr>
+            <a:spLocks noGrp="1"/>
+          </p:cNvSpPr>
+          <p:nvPr>
+            <p:ph type="title"/>
+          </p:nvPr>
+        </p:nvSpPr>
+        <p:spPr/>
+        <p:txBody>
+          <a:bodyPr/>
+          <a:lstStyle/>
+          <a:p>
+            <a:r>
+              <a:rPr lang="de-DE" dirty="0"/>
+              <a:t>Testfall</a:t>
+            </a:r>
+          </a:p>
+        </p:txBody>
+      </p:sp>
+      <p:pic>
+        <p:nvPicPr>
+          <p:cNvPr id="7" name="Content Placeholder 6" descr="Test-Case Source code&#10;">
+            <a:extLst>
+              <a:ext uri="{FF2B5EF4-FFF2-40B4-BE49-F238E27FC236}">
+                <a16:creationId xmlns:a16="http://schemas.microsoft.com/office/drawing/2014/main" id="{B659A070-BC46-524C-B700-8835A1F80F7C}"/>
+              </a:ext>
+            </a:extLst>
+          </p:cNvPr>
+          <p:cNvPicPr>
+            <a:picLocks noGrp="1" noChangeAspect="1"/>
+          </p:cNvPicPr>
+          <p:nvPr>
+            <p:ph idx="1"/>
+          </p:nvPr>
+        </p:nvPicPr>
+        <p:blipFill>
+          <a:blip r:embed="rId2">
+            <a:extLst>
+              <a:ext uri="{28A0092B-C50C-407E-A947-70E740481C1C}">
+                <a14:useLocalDpi xmlns:a14="http://schemas.microsoft.com/office/drawing/2010/main" val="0"/>
+              </a:ext>
+            </a:extLst>
+          </a:blip>
+          <a:stretch>
+            <a:fillRect/>
+          </a:stretch>
+        </p:blipFill>
+        <p:spPr>
+          <a:xfrm>
+            <a:off x="1115616" y="1391742"/>
+            <a:ext cx="5900144" cy="4887604"/>
+          </a:xfrm>
+        </p:spPr>
+      </p:pic>
+      <p:sp>
+        <p:nvSpPr>
+          <p:cNvPr id="4" name="Footer Placeholder 3">
+            <a:extLst>
+              <a:ext uri="{FF2B5EF4-FFF2-40B4-BE49-F238E27FC236}">
+                <a16:creationId xmlns:a16="http://schemas.microsoft.com/office/drawing/2014/main" id="{066CEE00-AE9D-C64F-AD6F-C74565AA5BBF}"/>
+              </a:ext>
+            </a:extLst>
+          </p:cNvPr>
+          <p:cNvSpPr>
+            <a:spLocks noGrp="1"/>
+          </p:cNvSpPr>
+          <p:nvPr>
+            <p:ph type="ftr" sz="quarter" idx="11"/>
+          </p:nvPr>
+        </p:nvSpPr>
+        <p:spPr/>
+        <p:txBody>
+          <a:bodyPr/>
+          <a:lstStyle/>
+          <a:p>
+            <a:r>
+              <a:rPr lang="de-DE"/>
+              <a:t>Extreme Programming</a:t>
+            </a:r>
+            <a:endParaRPr lang="de-DE" dirty="0"/>
+          </a:p>
+        </p:txBody>
+      </p:sp>
+      <p:sp>
+        <p:nvSpPr>
+          <p:cNvPr id="5" name="Slide Number Placeholder 4">
+            <a:extLst>
+              <a:ext uri="{FF2B5EF4-FFF2-40B4-BE49-F238E27FC236}">
+                <a16:creationId xmlns:a16="http://schemas.microsoft.com/office/drawing/2014/main" id="{B98B3B2E-D20C-434A-8004-9C149E269B34}"/>
+              </a:ext>
+            </a:extLst>
+          </p:cNvPr>
+          <p:cNvSpPr>
+            <a:spLocks noGrp="1"/>
+          </p:cNvSpPr>
+          <p:nvPr>
+            <p:ph type="sldNum" sz="quarter" idx="12"/>
+          </p:nvPr>
+        </p:nvSpPr>
+        <p:spPr/>
+        <p:txBody>
+          <a:bodyPr/>
+          <a:lstStyle/>
+          <a:p>
+            <a:fld id="{506DEF79-D5F3-42ED-9335-D73AD216BB54}" type="slidenum">
+              <a:rPr lang="de-DE" smtClean="0"/>
+              <a:pPr/>
+              <a:t>10</a:t>
+            </a:fld>
+            <a:r>
+              <a:rPr lang="de-DE"/>
+              <a:t> von 16</a:t>
+            </a:r>
+          </a:p>
+        </p:txBody>
+      </p:sp>
+    </p:spTree>
+    <p:extLst>
+      <p:ext uri="{BB962C8B-B14F-4D97-AF65-F5344CB8AC3E}">
+        <p14:creationId xmlns:p14="http://schemas.microsoft.com/office/powerpoint/2010/main" val="127480081"/>
+      </p:ext>
+    </p:extLst>
+  </p:cSld>
+  <p:clrMapOvr>
+    <a:masterClrMapping/>
+  </p:clrMapOvr>
+</p:sld>
+</file>
+
+<file path=ppt/slides/slide11.xml><?xml version="1.0" encoding="utf-8"?>
+<p:sld xmlns:a="http://schemas.openxmlformats.org/drawingml/2006/main" xmlns:r="http://schemas.openxmlformats.org/officeDocument/2006/relationships" xmlns:p="http://schemas.openxmlformats.org/presentationml/2006/main">
+  <p:cSld>
+    <p:spTree>
+      <p:nvGrpSpPr>
+        <p:cNvPr id="1" name=""/>
+        <p:cNvGrpSpPr/>
+        <p:nvPr/>
+      </p:nvGrpSpPr>
+      <p:grpSpPr>
+        <a:xfrm>
+          <a:off x="0" y="0"/>
+          <a:ext cx="0" cy="0"/>
+          <a:chOff x="0" y="0"/>
+          <a:chExt cx="0" cy="0"/>
+        </a:xfrm>
+      </p:grpSpPr>
+      <p:sp>
+        <p:nvSpPr>
+          <p:cNvPr id="2" name="Title 1">
+            <a:extLst>
+              <a:ext uri="{FF2B5EF4-FFF2-40B4-BE49-F238E27FC236}">
+                <a16:creationId xmlns:a16="http://schemas.microsoft.com/office/drawing/2014/main" id="{1F9819EB-9E4B-F54C-8658-D06C4C3D76C6}"/>
+              </a:ext>
+            </a:extLst>
+          </p:cNvPr>
+          <p:cNvSpPr>
+            <a:spLocks noGrp="1"/>
+          </p:cNvSpPr>
+          <p:nvPr>
+            <p:ph type="title"/>
+          </p:nvPr>
+        </p:nvSpPr>
+        <p:spPr/>
+        <p:txBody>
+          <a:bodyPr/>
+          <a:lstStyle/>
+          <a:p>
+            <a:r>
+              <a:rPr lang="de-DE" dirty="0"/>
+              <a:t>Quellen</a:t>
+            </a:r>
+          </a:p>
+        </p:txBody>
+      </p:sp>
+      <p:sp>
+        <p:nvSpPr>
+          <p:cNvPr id="3" name="Content Placeholder 2">
+            <a:extLst>
+              <a:ext uri="{FF2B5EF4-FFF2-40B4-BE49-F238E27FC236}">
+                <a16:creationId xmlns:a16="http://schemas.microsoft.com/office/drawing/2014/main" id="{A64AB663-A05A-4643-BBD7-2049FDC140F7}"/>
+              </a:ext>
+            </a:extLst>
+          </p:cNvPr>
+          <p:cNvSpPr>
+            <a:spLocks noGrp="1"/>
+          </p:cNvSpPr>
+          <p:nvPr>
+            <p:ph idx="1"/>
+          </p:nvPr>
+        </p:nvSpPr>
+        <p:spPr/>
+        <p:txBody>
+          <a:bodyPr>
+            <a:normAutofit/>
+          </a:bodyPr>
+          <a:lstStyle/>
+          <a:p>
+            <a:r>
+              <a:rPr lang="de-DE" sz="1200" dirty="0">
+                <a:hlinkClick r:id="rId2"/>
+              </a:rPr>
+              <a:t>https://www.torsten-horn.de/techdocs/sw-dev-process.htm</a:t>
+            </a:r>
+            <a:endParaRPr lang="de-DE" sz="1200" dirty="0"/>
+          </a:p>
+          <a:p>
+            <a:r>
+              <a:rPr lang="de-DE" sz="1200" dirty="0">
+                <a:hlinkClick r:id="rId3"/>
+              </a:rPr>
+              <a:t>https://en.wikipedia.org/wiki/Extreme_programming</a:t>
+            </a:r>
+            <a:endParaRPr lang="de-DE" sz="1200" dirty="0"/>
+          </a:p>
+          <a:p>
+            <a:r>
+              <a:rPr lang="de-DE" sz="1200" dirty="0">
+                <a:hlinkClick r:id="rId4"/>
+              </a:rPr>
+              <a:t>https://www.cs.utah.edu/~lwilliam/Papers/ieeeSoftware.PDF</a:t>
+            </a:r>
+            <a:endParaRPr lang="de-DE" sz="1200" dirty="0"/>
+          </a:p>
+          <a:p>
+            <a:r>
+              <a:rPr lang="de-DE" sz="1200" dirty="0">
+                <a:hlinkClick r:id="rId5"/>
+              </a:rPr>
+              <a:t>https://www.st.cs.uni-saarland.de/edu/lehrer/xp.pdf</a:t>
+            </a:r>
+            <a:endParaRPr lang="de-DE" sz="1200" dirty="0"/>
+          </a:p>
+          <a:p>
+            <a:r>
+              <a:rPr lang="de-DE" sz="1200" dirty="0"/>
+              <a:t>Kent Beck - Extreme Programming Explained: Embrace Change</a:t>
+            </a:r>
+          </a:p>
+          <a:p>
+            <a:r>
+              <a:rPr lang="de-DE" sz="1200" dirty="0">
+                <a:hlinkClick r:id="rId6"/>
+              </a:rPr>
+              <a:t>https://www.vox.de/cms/die-hoehle-der-loewen-2016-der-ponyhuetchen-pitch-macht-judith-williams-fassungslos-4003566.html</a:t>
+            </a:r>
+            <a:endParaRPr lang="de-DE" sz="1200" dirty="0"/>
+          </a:p>
+          <a:p>
+            <a:r>
+              <a:rPr lang="de-DE" sz="1200" dirty="0">
+                <a:hlinkClick r:id="rId7"/>
+              </a:rPr>
+              <a:t>https://laracasts.com/series/code-katas-in-php/episodes/7</a:t>
+            </a:r>
+            <a:endParaRPr lang="de-DE" sz="1200" dirty="0"/>
+          </a:p>
+          <a:p>
+            <a:r>
+              <a:rPr lang="de-DE" sz="1200" dirty="0">
+                <a:hlinkClick r:id="rId8"/>
+              </a:rPr>
+              <a:t>https://upload.wikimedia.org/wikipedia/commons/8/84/Extreme_Programming.svg</a:t>
+            </a:r>
+            <a:endParaRPr lang="de-DE" sz="1200" dirty="0"/>
+          </a:p>
+          <a:p>
+            <a:r>
+              <a:rPr lang="de-DE" sz="1200" dirty="0">
+                <a:hlinkClick r:id="rId9"/>
+              </a:rPr>
+              <a:t>https://gfycat.com/HotOrangeCoypu</a:t>
+            </a:r>
+            <a:endParaRPr lang="de-DE" sz="1200" dirty="0"/>
+          </a:p>
+          <a:p>
+            <a:r>
+              <a:rPr lang="de-DE" sz="1200" dirty="0">
+                <a:hlinkClick r:id="rId10"/>
+              </a:rPr>
+              <a:t>https://en.wikipedia.org/wiki/File:Kent_Beck_no_Workshop_Mapping_XP.jpg</a:t>
+            </a:r>
+            <a:endParaRPr lang="de-DE" sz="1200" dirty="0"/>
+          </a:p>
+          <a:p>
+            <a:r>
+              <a:rPr lang="de-DE" sz="1200" dirty="0">
+                <a:hlinkClick r:id="rId11"/>
+              </a:rPr>
+              <a:t>https://www.altexsoft.com/blog/business/extreme-programming-values-principles-and-practices/</a:t>
+            </a:r>
+            <a:endParaRPr lang="de-DE" sz="1200" dirty="0"/>
+          </a:p>
+          <a:p>
+            <a:r>
+              <a:rPr lang="de-DE" sz="1200" dirty="0">
+                <a:hlinkClick r:id="rId12"/>
+              </a:rPr>
+              <a:t>https://www.youtube.com/watch?v=cGuTmOUdFbo</a:t>
+            </a:r>
+            <a:endParaRPr lang="de-DE" sz="1200" dirty="0"/>
+          </a:p>
+          <a:p>
+            <a:r>
+              <a:rPr lang="de-DE" sz="1200" dirty="0">
+                <a:hlinkClick r:id="rId13"/>
+              </a:rPr>
+              <a:t>https://en.wikipedia.org/wiki/Extreme_programming_practices</a:t>
+            </a:r>
+            <a:endParaRPr lang="de-DE" sz="1200" dirty="0"/>
+          </a:p>
+          <a:p>
+            <a:r>
+              <a:rPr lang="de-DE" sz="1200" dirty="0">
+                <a:hlinkClick r:id="rId14"/>
+              </a:rPr>
+              <a:t>http://www.selectbs.com/process-maturity/what-is-extreme-programming</a:t>
+            </a:r>
+            <a:endParaRPr lang="de-DE" sz="1200" dirty="0"/>
+          </a:p>
+          <a:p>
+            <a:endParaRPr lang="de-DE" sz="1200" dirty="0"/>
+          </a:p>
+          <a:p>
+            <a:pPr marL="0" indent="0">
+              <a:buNone/>
+            </a:pPr>
+            <a:endParaRPr lang="de-DE" sz="1200" dirty="0"/>
+          </a:p>
+          <a:p>
+            <a:endParaRPr lang="de-DE" sz="1200" dirty="0"/>
+          </a:p>
+          <a:p>
+            <a:endParaRPr lang="de-DE" b="1" dirty="0"/>
+          </a:p>
+          <a:p>
+            <a:endParaRPr lang="de-DE" b="1" dirty="0"/>
+          </a:p>
+        </p:txBody>
+      </p:sp>
+      <p:sp>
+        <p:nvSpPr>
+          <p:cNvPr id="4" name="Footer Placeholder 3">
+            <a:extLst>
+              <a:ext uri="{FF2B5EF4-FFF2-40B4-BE49-F238E27FC236}">
+                <a16:creationId xmlns:a16="http://schemas.microsoft.com/office/drawing/2014/main" id="{6E14F785-519C-CA4E-AAB0-EF40B8E648A3}"/>
+              </a:ext>
+            </a:extLst>
+          </p:cNvPr>
+          <p:cNvSpPr>
+            <a:spLocks noGrp="1"/>
+          </p:cNvSpPr>
+          <p:nvPr>
+            <p:ph type="ftr" sz="quarter" idx="11"/>
+          </p:nvPr>
+        </p:nvSpPr>
+        <p:spPr/>
+        <p:txBody>
+          <a:bodyPr/>
+          <a:lstStyle/>
+          <a:p>
+            <a:r>
+              <a:rPr lang="de-DE" dirty="0"/>
+              <a:t>Extreme Programming</a:t>
+            </a:r>
+          </a:p>
+        </p:txBody>
+      </p:sp>
+      <p:sp>
+        <p:nvSpPr>
+          <p:cNvPr id="5" name="Slide Number Placeholder 4">
+            <a:extLst>
+              <a:ext uri="{FF2B5EF4-FFF2-40B4-BE49-F238E27FC236}">
+                <a16:creationId xmlns:a16="http://schemas.microsoft.com/office/drawing/2014/main" id="{5BCA0103-F1DD-E040-8480-84B0386456B7}"/>
+              </a:ext>
+            </a:extLst>
+          </p:cNvPr>
+          <p:cNvSpPr>
+            <a:spLocks noGrp="1"/>
+          </p:cNvSpPr>
+          <p:nvPr>
+            <p:ph type="sldNum" sz="quarter" idx="12"/>
+          </p:nvPr>
+        </p:nvSpPr>
+        <p:spPr/>
+        <p:txBody>
+          <a:bodyPr/>
+          <a:lstStyle/>
+          <a:p>
+            <a:endParaRPr lang="de-DE" dirty="0"/>
+          </a:p>
+        </p:txBody>
+      </p:sp>
+    </p:spTree>
+    <p:extLst>
+      <p:ext uri="{BB962C8B-B14F-4D97-AF65-F5344CB8AC3E}">
+        <p14:creationId xmlns:p14="http://schemas.microsoft.com/office/powerpoint/2010/main" val="615240107"/>
+      </p:ext>
+    </p:extLst>
+  </p:cSld>
+  <p:clrMapOvr>
+    <a:masterClrMapping/>
+  </p:clrMapOvr>
+</p:sld>
+</file>
+
 <file path=ppt/slides/slide2.xml><?xml version="1.0" encoding="utf-8"?>
 <p:sld xmlns:a="http://schemas.openxmlformats.org/drawingml/2006/main" xmlns:r="http://schemas.openxmlformats.org/officeDocument/2006/relationships" xmlns:p="http://schemas.openxmlformats.org/presentationml/2006/main">
   <p:cSld>
@@ -3974,12 +7186,8 @@
           <a:lstStyle/>
           <a:p>
             <a:r>
-              <a:rPr lang="de-DE"/>
-              <a:t>Projektumfeld - Das </a:t>
-            </a:r>
-            <a:r>
-              <a:rPr lang="de-DE" dirty="0"/>
-              <a:t>Institut</a:t>
+              <a:rPr lang="de-DE" dirty="0"/>
+              <a:t>Projektumfeld - Das Institut</a:t>
             </a:r>
           </a:p>
         </p:txBody>
@@ -4954,6 +8162,627 @@
           <a:chExt cx="0" cy="0"/>
         </a:xfrm>
       </p:grpSpPr>
+      <p:sp>
+        <p:nvSpPr>
+          <p:cNvPr id="2" name="Title 1">
+            <a:extLst>
+              <a:ext uri="{FF2B5EF4-FFF2-40B4-BE49-F238E27FC236}">
+                <a16:creationId xmlns:a16="http://schemas.microsoft.com/office/drawing/2014/main" id="{F85166BA-11A7-2B42-83FE-5A6430BC21DE}"/>
+              </a:ext>
+            </a:extLst>
+          </p:cNvPr>
+          <p:cNvSpPr>
+            <a:spLocks noGrp="1"/>
+          </p:cNvSpPr>
+          <p:nvPr>
+            <p:ph type="title"/>
+          </p:nvPr>
+        </p:nvSpPr>
+        <p:spPr/>
+        <p:txBody>
+          <a:bodyPr/>
+          <a:lstStyle/>
+          <a:p>
+            <a:r>
+              <a:rPr lang="de-DE" dirty="0"/>
+              <a:t>Planung</a:t>
+            </a:r>
+          </a:p>
+        </p:txBody>
+      </p:sp>
+      <p:sp>
+        <p:nvSpPr>
+          <p:cNvPr id="4" name="Footer Placeholder 3">
+            <a:extLst>
+              <a:ext uri="{FF2B5EF4-FFF2-40B4-BE49-F238E27FC236}">
+                <a16:creationId xmlns:a16="http://schemas.microsoft.com/office/drawing/2014/main" id="{85CFE790-2C0C-CF40-ACA7-5F7EC412E0F9}"/>
+              </a:ext>
+            </a:extLst>
+          </p:cNvPr>
+          <p:cNvSpPr>
+            <a:spLocks noGrp="1"/>
+          </p:cNvSpPr>
+          <p:nvPr>
+            <p:ph type="ftr" sz="quarter" idx="11"/>
+          </p:nvPr>
+        </p:nvSpPr>
+        <p:spPr/>
+        <p:txBody>
+          <a:bodyPr/>
+          <a:lstStyle/>
+          <a:p>
+            <a:r>
+              <a:rPr lang="de-DE"/>
+              <a:t>Abschlussprojekt</a:t>
+            </a:r>
+            <a:endParaRPr lang="de-DE" dirty="0"/>
+          </a:p>
+        </p:txBody>
+      </p:sp>
+      <p:sp>
+        <p:nvSpPr>
+          <p:cNvPr id="5" name="Slide Number Placeholder 4">
+            <a:extLst>
+              <a:ext uri="{FF2B5EF4-FFF2-40B4-BE49-F238E27FC236}">
+                <a16:creationId xmlns:a16="http://schemas.microsoft.com/office/drawing/2014/main" id="{AD4961C3-BCDB-F347-A2C2-ACBEE5FBC7F5}"/>
+              </a:ext>
+            </a:extLst>
+          </p:cNvPr>
+          <p:cNvSpPr>
+            <a:spLocks noGrp="1"/>
+          </p:cNvSpPr>
+          <p:nvPr>
+            <p:ph type="sldNum" sz="quarter" idx="12"/>
+          </p:nvPr>
+        </p:nvSpPr>
+        <p:spPr/>
+        <p:txBody>
+          <a:bodyPr/>
+          <a:lstStyle/>
+          <a:p>
+            <a:fld id="{506DEF79-D5F3-42ED-9335-D73AD216BB54}" type="slidenum">
+              <a:rPr lang="de-DE" smtClean="0"/>
+              <a:pPr/>
+              <a:t>5</a:t>
+            </a:fld>
+            <a:r>
+              <a:rPr lang="de-DE"/>
+              <a:t> von 9999</a:t>
+            </a:r>
+            <a:endParaRPr lang="de-DE" dirty="0"/>
+          </a:p>
+        </p:txBody>
+      </p:sp>
+      <p:graphicFrame>
+        <p:nvGraphicFramePr>
+          <p:cNvPr id="6" name="Chart 5">
+            <a:extLst>
+              <a:ext uri="{FF2B5EF4-FFF2-40B4-BE49-F238E27FC236}">
+                <a16:creationId xmlns:a16="http://schemas.microsoft.com/office/drawing/2014/main" id="{89F9DA90-E660-A644-BA2D-9052DF87E993}"/>
+              </a:ext>
+            </a:extLst>
+          </p:cNvPr>
+          <p:cNvGraphicFramePr>
+            <a:graphicFrameLocks/>
+          </p:cNvGraphicFramePr>
+          <p:nvPr>
+            <p:extLst>
+              <p:ext uri="{D42A27DB-BD31-4B8C-83A1-F6EECF244321}">
+                <p14:modId xmlns:p14="http://schemas.microsoft.com/office/powerpoint/2010/main" val="2360348858"/>
+              </p:ext>
+            </p:extLst>
+          </p:nvPr>
+        </p:nvGraphicFramePr>
+        <p:xfrm>
+          <a:off x="-18256" y="1268760"/>
+          <a:ext cx="9180512" cy="4756406"/>
+        </p:xfrm>
+        <a:graphic>
+          <a:graphicData uri="http://schemas.openxmlformats.org/drawingml/2006/chart">
+            <c:chart xmlns:c="http://schemas.openxmlformats.org/drawingml/2006/chart" xmlns:r="http://schemas.openxmlformats.org/officeDocument/2006/relationships" r:id="rId2"/>
+          </a:graphicData>
+        </a:graphic>
+      </p:graphicFrame>
+    </p:spTree>
+    <p:extLst>
+      <p:ext uri="{BB962C8B-B14F-4D97-AF65-F5344CB8AC3E}">
+        <p14:creationId xmlns:p14="http://schemas.microsoft.com/office/powerpoint/2010/main" val="3428902840"/>
+      </p:ext>
+    </p:extLst>
+  </p:cSld>
+  <p:clrMapOvr>
+    <a:masterClrMapping/>
+  </p:clrMapOvr>
+</p:sld>
+</file>
+
+<file path=ppt/slides/slide6.xml><?xml version="1.0" encoding="utf-8"?>
+<p:sld xmlns:a="http://schemas.openxmlformats.org/drawingml/2006/main" xmlns:r="http://schemas.openxmlformats.org/officeDocument/2006/relationships" xmlns:p="http://schemas.openxmlformats.org/presentationml/2006/main">
+  <p:cSld>
+    <p:spTree>
+      <p:nvGrpSpPr>
+        <p:cNvPr id="1" name=""/>
+        <p:cNvGrpSpPr/>
+        <p:nvPr/>
+      </p:nvGrpSpPr>
+      <p:grpSpPr>
+        <a:xfrm>
+          <a:off x="0" y="0"/>
+          <a:ext cx="0" cy="0"/>
+          <a:chOff x="0" y="0"/>
+          <a:chExt cx="0" cy="0"/>
+        </a:xfrm>
+      </p:grpSpPr>
+      <p:sp>
+        <p:nvSpPr>
+          <p:cNvPr id="2" name="Title 1">
+            <a:extLst>
+              <a:ext uri="{FF2B5EF4-FFF2-40B4-BE49-F238E27FC236}">
+                <a16:creationId xmlns:a16="http://schemas.microsoft.com/office/drawing/2014/main" id="{F0883A90-50BC-774E-8D66-9C514EB617CE}"/>
+              </a:ext>
+            </a:extLst>
+          </p:cNvPr>
+          <p:cNvSpPr>
+            <a:spLocks noGrp="1"/>
+          </p:cNvSpPr>
+          <p:nvPr>
+            <p:ph type="title"/>
+          </p:nvPr>
+        </p:nvSpPr>
+        <p:spPr/>
+        <p:txBody>
+          <a:bodyPr/>
+          <a:lstStyle/>
+          <a:p>
+            <a:endParaRPr lang="de-DE"/>
+          </a:p>
+        </p:txBody>
+      </p:sp>
+      <p:sp>
+        <p:nvSpPr>
+          <p:cNvPr id="3" name="Content Placeholder 2">
+            <a:extLst>
+              <a:ext uri="{FF2B5EF4-FFF2-40B4-BE49-F238E27FC236}">
+                <a16:creationId xmlns:a16="http://schemas.microsoft.com/office/drawing/2014/main" id="{531B410E-3B45-FC45-BA36-BDE17B49E820}"/>
+              </a:ext>
+            </a:extLst>
+          </p:cNvPr>
+          <p:cNvSpPr>
+            <a:spLocks noGrp="1"/>
+          </p:cNvSpPr>
+          <p:nvPr>
+            <p:ph idx="1"/>
+          </p:nvPr>
+        </p:nvSpPr>
+        <p:spPr/>
+        <p:txBody>
+          <a:bodyPr>
+            <a:normAutofit fontScale="55000" lnSpcReduction="20000"/>
+          </a:bodyPr>
+          <a:lstStyle/>
+          <a:p>
+            <a:r>
+              <a:rPr lang="de-DE" dirty="0"/>
+              <a:t>Um Personal planen und </a:t>
+            </a:r>
+            <a:r>
+              <a:rPr lang="de-DE" dirty="0" err="1"/>
+              <a:t>führen</a:t>
+            </a:r>
+            <a:r>
+              <a:rPr lang="de-DE" dirty="0"/>
+              <a:t> zu </a:t>
+            </a:r>
+            <a:r>
+              <a:rPr lang="de-DE" dirty="0" err="1"/>
+              <a:t>können</a:t>
+            </a:r>
+            <a:r>
+              <a:rPr lang="de-DE" dirty="0"/>
+              <a:t>, ist es notwendig, die reale Auslastung und den </a:t>
+            </a:r>
+            <a:r>
+              <a:rPr lang="de-DE" dirty="0" err="1"/>
+              <a:t>tatsächliche</a:t>
+            </a:r>
+            <a:r>
+              <a:rPr lang="de-DE" dirty="0"/>
+              <a:t> Ressourcenverbrauch in jedem Projekt zu kennen. Eine </a:t>
+            </a:r>
+            <a:r>
+              <a:rPr lang="de-DE" dirty="0" err="1"/>
+              <a:t>Übersicht</a:t>
+            </a:r>
+            <a:r>
+              <a:rPr lang="de-DE" dirty="0"/>
+              <a:t> </a:t>
+            </a:r>
+            <a:r>
+              <a:rPr lang="de-DE" dirty="0" err="1"/>
+              <a:t>darüber</a:t>
+            </a:r>
+            <a:r>
+              <a:rPr lang="de-DE" dirty="0"/>
+              <a:t> ist die entscheidende Grundlage </a:t>
+            </a:r>
+            <a:r>
+              <a:rPr lang="de-DE" dirty="0" err="1"/>
+              <a:t>für</a:t>
+            </a:r>
+            <a:r>
+              <a:rPr lang="de-DE" dirty="0"/>
+              <a:t> die weitere Ressourcenplanung der gesamten Abteilung. Ziel des Projektes ist es, dem Abteilungsleiter und auch den Teamleitern die </a:t>
+            </a:r>
+            <a:r>
+              <a:rPr lang="de-DE" dirty="0" err="1"/>
+              <a:t>Möglichkeit</a:t>
+            </a:r>
+            <a:r>
+              <a:rPr lang="de-DE" dirty="0"/>
+              <a:t> zu geben, einen Zeitraum aus den bestehenden </a:t>
+            </a:r>
+            <a:r>
+              <a:rPr lang="de-DE" dirty="0" err="1"/>
+              <a:t>Datensätzen</a:t>
+            </a:r>
+            <a:r>
+              <a:rPr lang="de-DE" dirty="0"/>
+              <a:t> </a:t>
+            </a:r>
+            <a:r>
+              <a:rPr lang="de-DE" dirty="0" err="1"/>
+              <a:t>auszuwählen</a:t>
+            </a:r>
+            <a:r>
+              <a:rPr lang="de-DE" dirty="0"/>
+              <a:t> und so Abweichungen von der Soll- Planung zu erkennen. </a:t>
+            </a:r>
+          </a:p>
+          <a:p>
+            <a:r>
+              <a:rPr lang="de-DE" dirty="0"/>
+              <a:t>Im Detail soll im QES </a:t>
+            </a:r>
+            <a:r>
+              <a:rPr lang="de-DE" dirty="0" err="1"/>
+              <a:t>für</a:t>
+            </a:r>
+            <a:r>
+              <a:rPr lang="de-DE" dirty="0"/>
+              <a:t> die Teamleiter und den Abteilungsleiter ein neuer </a:t>
+            </a:r>
+            <a:r>
+              <a:rPr lang="de-DE" dirty="0" err="1"/>
+              <a:t>Menüpunkt</a:t>
+            </a:r>
+            <a:r>
+              <a:rPr lang="de-DE" dirty="0"/>
+              <a:t> </a:t>
+            </a:r>
+            <a:r>
+              <a:rPr lang="de-DE" dirty="0" err="1"/>
+              <a:t>ergänzt</a:t>
+            </a:r>
+            <a:r>
+              <a:rPr lang="de-DE" dirty="0"/>
+              <a:t> werden. Der </a:t>
+            </a:r>
+            <a:r>
+              <a:rPr lang="de-DE" dirty="0" err="1"/>
+              <a:t>Menüpunkt</a:t>
+            </a:r>
+            <a:r>
+              <a:rPr lang="de-DE" dirty="0"/>
+              <a:t> Export soll auf eine Seite </a:t>
+            </a:r>
+            <a:r>
+              <a:rPr lang="de-DE" dirty="0" err="1"/>
+              <a:t>führen</a:t>
+            </a:r>
+            <a:r>
+              <a:rPr lang="de-DE" dirty="0"/>
+              <a:t>, auf der der Export definiert und angefordert wird. Der Ablauf ist wie folgt geplant: Der Abteilungsleiter oder die Teamleiter </a:t>
+            </a:r>
+            <a:r>
+              <a:rPr lang="de-DE" dirty="0" err="1"/>
+              <a:t>wählen</a:t>
+            </a:r>
+            <a:r>
+              <a:rPr lang="de-DE" dirty="0"/>
+              <a:t> einen Zeitraum, anhand dieser Auswahl wird eine Datei erstellt. Dabei erhalten Teamleiter und Abteilungsleiter </a:t>
+            </a:r>
+            <a:r>
+              <a:rPr lang="de-DE" dirty="0" err="1"/>
+              <a:t>gemäß</a:t>
+            </a:r>
+            <a:r>
+              <a:rPr lang="de-DE" dirty="0"/>
+              <a:t> ihrer Rolle unterschiedliche Ergebnisse. Die Ergebnis-Dateien stellen den Ressourcenverbrauch pro Mitarbeiter und Projekt dar. Je Mitarbeiter wird je Projekt eine eigene Zeile mit dem Soll- und dem Ist-Wert angelegt. Autorisierte Nutzer </a:t>
+            </a:r>
+            <a:r>
+              <a:rPr lang="de-DE" dirty="0" err="1"/>
+              <a:t>können</a:t>
+            </a:r>
+            <a:r>
+              <a:rPr lang="de-DE" dirty="0"/>
+              <a:t> dann auf die Export- Dateien </a:t>
+            </a:r>
+            <a:r>
+              <a:rPr lang="de-DE" dirty="0" err="1"/>
+              <a:t>für</a:t>
+            </a:r>
+            <a:r>
+              <a:rPr lang="de-DE" dirty="0"/>
+              <a:t> eine bestimmte, vorab festgelegte Zeit zugreifen. Verarbeitung, Konvertierung und Export der Daten auf dem Server </a:t>
+            </a:r>
+            <a:r>
+              <a:rPr lang="de-DE" dirty="0" err="1"/>
+              <a:t>müssen</a:t>
+            </a:r>
+            <a:r>
+              <a:rPr lang="de-DE" dirty="0"/>
+              <a:t> konzipiert, implementiert und getestet werden. Leitbild </a:t>
+            </a:r>
+            <a:r>
+              <a:rPr lang="de-DE" dirty="0" err="1"/>
+              <a:t>für</a:t>
+            </a:r>
+            <a:r>
+              <a:rPr lang="de-DE" dirty="0"/>
+              <a:t> Entwurf und Umsetzung ist das Model View Controller Konzept. </a:t>
+            </a:r>
+          </a:p>
+          <a:p>
+            <a:endParaRPr lang="de-DE" dirty="0"/>
+          </a:p>
+        </p:txBody>
+      </p:sp>
+      <p:sp>
+        <p:nvSpPr>
+          <p:cNvPr id="4" name="Footer Placeholder 3">
+            <a:extLst>
+              <a:ext uri="{FF2B5EF4-FFF2-40B4-BE49-F238E27FC236}">
+                <a16:creationId xmlns:a16="http://schemas.microsoft.com/office/drawing/2014/main" id="{A4B691B9-B5C6-4B42-AAA8-5653D87A45EB}"/>
+              </a:ext>
+            </a:extLst>
+          </p:cNvPr>
+          <p:cNvSpPr>
+            <a:spLocks noGrp="1"/>
+          </p:cNvSpPr>
+          <p:nvPr>
+            <p:ph type="ftr" sz="quarter" idx="11"/>
+          </p:nvPr>
+        </p:nvSpPr>
+        <p:spPr/>
+        <p:txBody>
+          <a:bodyPr/>
+          <a:lstStyle/>
+          <a:p>
+            <a:r>
+              <a:rPr lang="de-DE"/>
+              <a:t>Extreme Programming</a:t>
+            </a:r>
+            <a:endParaRPr lang="de-DE" dirty="0"/>
+          </a:p>
+        </p:txBody>
+      </p:sp>
+      <p:sp>
+        <p:nvSpPr>
+          <p:cNvPr id="5" name="Slide Number Placeholder 4">
+            <a:extLst>
+              <a:ext uri="{FF2B5EF4-FFF2-40B4-BE49-F238E27FC236}">
+                <a16:creationId xmlns:a16="http://schemas.microsoft.com/office/drawing/2014/main" id="{B791FAC1-B0DD-544E-A06F-5FBEDEA6ED51}"/>
+              </a:ext>
+            </a:extLst>
+          </p:cNvPr>
+          <p:cNvSpPr>
+            <a:spLocks noGrp="1"/>
+          </p:cNvSpPr>
+          <p:nvPr>
+            <p:ph type="sldNum" sz="quarter" idx="12"/>
+          </p:nvPr>
+        </p:nvSpPr>
+        <p:spPr/>
+        <p:txBody>
+          <a:bodyPr/>
+          <a:lstStyle/>
+          <a:p>
+            <a:fld id="{506DEF79-D5F3-42ED-9335-D73AD216BB54}" type="slidenum">
+              <a:rPr lang="de-DE" smtClean="0"/>
+              <a:pPr/>
+              <a:t>6</a:t>
+            </a:fld>
+            <a:r>
+              <a:rPr lang="de-DE"/>
+              <a:t> von 16</a:t>
+            </a:r>
+          </a:p>
+        </p:txBody>
+      </p:sp>
+    </p:spTree>
+    <p:extLst>
+      <p:ext uri="{BB962C8B-B14F-4D97-AF65-F5344CB8AC3E}">
+        <p14:creationId xmlns:p14="http://schemas.microsoft.com/office/powerpoint/2010/main" val="1632948161"/>
+      </p:ext>
+    </p:extLst>
+  </p:cSld>
+  <p:clrMapOvr>
+    <a:masterClrMapping/>
+  </p:clrMapOvr>
+</p:sld>
+</file>
+
+<file path=ppt/slides/slide7.xml><?xml version="1.0" encoding="utf-8"?>
+<p:sld xmlns:a="http://schemas.openxmlformats.org/drawingml/2006/main" xmlns:r="http://schemas.openxmlformats.org/officeDocument/2006/relationships" xmlns:p="http://schemas.openxmlformats.org/presentationml/2006/main">
+  <p:cSld>
+    <p:spTree>
+      <p:nvGrpSpPr>
+        <p:cNvPr id="1" name=""/>
+        <p:cNvGrpSpPr/>
+        <p:nvPr/>
+      </p:nvGrpSpPr>
+      <p:grpSpPr>
+        <a:xfrm>
+          <a:off x="0" y="0"/>
+          <a:ext cx="0" cy="0"/>
+          <a:chOff x="0" y="0"/>
+          <a:chExt cx="0" cy="0"/>
+        </a:xfrm>
+      </p:grpSpPr>
+      <p:sp>
+        <p:nvSpPr>
+          <p:cNvPr id="2" name="Title 1">
+            <a:extLst>
+              <a:ext uri="{FF2B5EF4-FFF2-40B4-BE49-F238E27FC236}">
+                <a16:creationId xmlns:a16="http://schemas.microsoft.com/office/drawing/2014/main" id="{8D9281C1-921D-B14D-B84A-D158A6357E08}"/>
+              </a:ext>
+            </a:extLst>
+          </p:cNvPr>
+          <p:cNvSpPr>
+            <a:spLocks noGrp="1"/>
+          </p:cNvSpPr>
+          <p:nvPr>
+            <p:ph type="title"/>
+          </p:nvPr>
+        </p:nvSpPr>
+        <p:spPr/>
+        <p:txBody>
+          <a:bodyPr/>
+          <a:lstStyle/>
+          <a:p>
+            <a:r>
+              <a:rPr lang="de-DE" dirty="0"/>
+              <a:t>Planung</a:t>
+            </a:r>
+          </a:p>
+        </p:txBody>
+      </p:sp>
+      <p:sp>
+        <p:nvSpPr>
+          <p:cNvPr id="4" name="Footer Placeholder 3">
+            <a:extLst>
+              <a:ext uri="{FF2B5EF4-FFF2-40B4-BE49-F238E27FC236}">
+                <a16:creationId xmlns:a16="http://schemas.microsoft.com/office/drawing/2014/main" id="{AC5AAC84-01D1-C749-A7CC-88E3F39B3F29}"/>
+              </a:ext>
+            </a:extLst>
+          </p:cNvPr>
+          <p:cNvSpPr>
+            <a:spLocks noGrp="1"/>
+          </p:cNvSpPr>
+          <p:nvPr>
+            <p:ph type="ftr" sz="quarter" idx="11"/>
+          </p:nvPr>
+        </p:nvSpPr>
+        <p:spPr/>
+        <p:txBody>
+          <a:bodyPr/>
+          <a:lstStyle/>
+          <a:p>
+            <a:r>
+              <a:rPr lang="de-DE" dirty="0"/>
+              <a:t>Extreme </a:t>
+            </a:r>
+            <a:r>
+              <a:rPr lang="de-DE" dirty="0" err="1"/>
+              <a:t>Programming</a:t>
+            </a:r>
+            <a:endParaRPr lang="de-DE" dirty="0"/>
+          </a:p>
+        </p:txBody>
+      </p:sp>
+      <p:sp>
+        <p:nvSpPr>
+          <p:cNvPr id="5" name="Slide Number Placeholder 4">
+            <a:extLst>
+              <a:ext uri="{FF2B5EF4-FFF2-40B4-BE49-F238E27FC236}">
+                <a16:creationId xmlns:a16="http://schemas.microsoft.com/office/drawing/2014/main" id="{47C43499-6914-8D4B-AD69-A5BF8B4A18EB}"/>
+              </a:ext>
+            </a:extLst>
+          </p:cNvPr>
+          <p:cNvSpPr>
+            <a:spLocks noGrp="1"/>
+          </p:cNvSpPr>
+          <p:nvPr>
+            <p:ph type="sldNum" sz="quarter" idx="12"/>
+          </p:nvPr>
+        </p:nvSpPr>
+        <p:spPr/>
+        <p:txBody>
+          <a:bodyPr/>
+          <a:lstStyle/>
+          <a:p>
+            <a:fld id="{506DEF79-D5F3-42ED-9335-D73AD216BB54}" type="slidenum">
+              <a:rPr lang="de-DE" smtClean="0"/>
+              <a:pPr/>
+              <a:t>7</a:t>
+            </a:fld>
+            <a:r>
+              <a:rPr lang="de-DE"/>
+              <a:t> von 16</a:t>
+            </a:r>
+          </a:p>
+        </p:txBody>
+      </p:sp>
+      <p:graphicFrame>
+        <p:nvGraphicFramePr>
+          <p:cNvPr id="148" name="Chart 147">
+            <a:extLst>
+              <a:ext uri="{FF2B5EF4-FFF2-40B4-BE49-F238E27FC236}">
+                <a16:creationId xmlns:a16="http://schemas.microsoft.com/office/drawing/2014/main" id="{6B9F1F13-8DB6-A145-8A91-F6D78C5405FB}"/>
+              </a:ext>
+            </a:extLst>
+          </p:cNvPr>
+          <p:cNvGraphicFramePr>
+            <a:graphicFrameLocks/>
+          </p:cNvGraphicFramePr>
+          <p:nvPr>
+            <p:extLst>
+              <p:ext uri="{D42A27DB-BD31-4B8C-83A1-F6EECF244321}">
+                <p14:modId xmlns:p14="http://schemas.microsoft.com/office/powerpoint/2010/main" val="1949214060"/>
+              </p:ext>
+            </p:extLst>
+          </p:nvPr>
+        </p:nvGraphicFramePr>
+        <p:xfrm>
+          <a:off x="-50469" y="1268760"/>
+          <a:ext cx="9180512" cy="4756406"/>
+        </p:xfrm>
+        <a:graphic>
+          <a:graphicData uri="http://schemas.openxmlformats.org/drawingml/2006/chart">
+            <c:chart xmlns:c="http://schemas.openxmlformats.org/drawingml/2006/chart" xmlns:r="http://schemas.openxmlformats.org/officeDocument/2006/relationships" r:id="rId3"/>
+          </a:graphicData>
+        </a:graphic>
+      </p:graphicFrame>
+    </p:spTree>
+    <p:extLst>
+      <p:ext uri="{BB962C8B-B14F-4D97-AF65-F5344CB8AC3E}">
+        <p14:creationId xmlns:p14="http://schemas.microsoft.com/office/powerpoint/2010/main" val="861694670"/>
+      </p:ext>
+    </p:extLst>
+  </p:cSld>
+  <p:clrMapOvr>
+    <a:masterClrMapping/>
+  </p:clrMapOvr>
+</p:sld>
+</file>
+
+<file path=ppt/slides/slide8.xml><?xml version="1.0" encoding="utf-8"?>
+<p:sld xmlns:a="http://schemas.openxmlformats.org/drawingml/2006/main" xmlns:r="http://schemas.openxmlformats.org/officeDocument/2006/relationships" xmlns:p="http://schemas.openxmlformats.org/presentationml/2006/main">
+  <p:cSld>
+    <p:spTree>
+      <p:nvGrpSpPr>
+        <p:cNvPr id="1" name=""/>
+        <p:cNvGrpSpPr/>
+        <p:nvPr/>
+      </p:nvGrpSpPr>
+      <p:grpSpPr>
+        <a:xfrm>
+          <a:off x="0" y="0"/>
+          <a:ext cx="0" cy="0"/>
+          <a:chOff x="0" y="0"/>
+          <a:chExt cx="0" cy="0"/>
+        </a:xfrm>
+      </p:grpSpPr>
       <p:pic>
         <p:nvPicPr>
           <p:cNvPr id="7" name="Content Placeholder 6">
@@ -5043,7 +8872,7 @@
           <a:p>
             <a:fld id="{506DEF79-D5F3-42ED-9335-D73AD216BB54}" type="slidenum">
               <a:rPr lang="de-DE" smtClean="0"/>
-              <a:t>5</a:t>
+              <a:t>8</a:t>
             </a:fld>
             <a:r>
               <a:rPr lang="de-DE" dirty="0"/>
@@ -5375,7 +9204,7 @@
 </p:sld>
 </file>
 
-<file path=ppt/slides/slide6.xml><?xml version="1.0" encoding="utf-8"?>
+<file path=ppt/slides/slide9.xml><?xml version="1.0" encoding="utf-8"?>
 <p:sld xmlns:a="http://schemas.openxmlformats.org/drawingml/2006/main" xmlns:r="http://schemas.openxmlformats.org/officeDocument/2006/relationships" xmlns:p="http://schemas.openxmlformats.org/presentationml/2006/main">
   <p:cSld>
     <p:spTree>
@@ -5508,7 +9337,7 @@
             <a:fld id="{506DEF79-D5F3-42ED-9335-D73AD216BB54}" type="slidenum">
               <a:rPr lang="de-DE" smtClean="0"/>
               <a:pPr/>
-              <a:t>6</a:t>
+              <a:t>9</a:t>
             </a:fld>
             <a:r>
               <a:rPr lang="de-DE"/>
@@ -5521,437 +9350,6 @@
     <p:extLst>
       <p:ext uri="{BB962C8B-B14F-4D97-AF65-F5344CB8AC3E}">
         <p14:creationId xmlns:p14="http://schemas.microsoft.com/office/powerpoint/2010/main" val="2621459993"/>
-      </p:ext>
-    </p:extLst>
-  </p:cSld>
-  <p:clrMapOvr>
-    <a:masterClrMapping/>
-  </p:clrMapOvr>
-</p:sld>
-</file>
-
-<file path=ppt/slides/slide7.xml><?xml version="1.0" encoding="utf-8"?>
-<p:sld xmlns:a="http://schemas.openxmlformats.org/drawingml/2006/main" xmlns:r="http://schemas.openxmlformats.org/officeDocument/2006/relationships" xmlns:p="http://schemas.openxmlformats.org/presentationml/2006/main">
-  <p:cSld>
-    <p:spTree>
-      <p:nvGrpSpPr>
-        <p:cNvPr id="1" name=""/>
-        <p:cNvGrpSpPr/>
-        <p:nvPr/>
-      </p:nvGrpSpPr>
-      <p:grpSpPr>
-        <a:xfrm>
-          <a:off x="0" y="0"/>
-          <a:ext cx="0" cy="0"/>
-          <a:chOff x="0" y="0"/>
-          <a:chExt cx="0" cy="0"/>
-        </a:xfrm>
-      </p:grpSpPr>
-      <p:sp>
-        <p:nvSpPr>
-          <p:cNvPr id="2" name="Title 1">
-            <a:extLst>
-              <a:ext uri="{FF2B5EF4-FFF2-40B4-BE49-F238E27FC236}">
-                <a16:creationId xmlns:a16="http://schemas.microsoft.com/office/drawing/2014/main" id="{098424BE-FF49-F740-A7D4-E1D3EA8B5AE3}"/>
-              </a:ext>
-            </a:extLst>
-          </p:cNvPr>
-          <p:cNvSpPr>
-            <a:spLocks noGrp="1"/>
-          </p:cNvSpPr>
-          <p:nvPr>
-            <p:ph type="title"/>
-          </p:nvPr>
-        </p:nvSpPr>
-        <p:spPr/>
-        <p:txBody>
-          <a:bodyPr/>
-          <a:lstStyle/>
-          <a:p>
-            <a:r>
-              <a:rPr lang="de-DE" dirty="0"/>
-              <a:t>Testfall</a:t>
-            </a:r>
-          </a:p>
-        </p:txBody>
-      </p:sp>
-      <p:pic>
-        <p:nvPicPr>
-          <p:cNvPr id="7" name="Content Placeholder 6" descr="Test-Case Source code&#10;">
-            <a:extLst>
-              <a:ext uri="{FF2B5EF4-FFF2-40B4-BE49-F238E27FC236}">
-                <a16:creationId xmlns:a16="http://schemas.microsoft.com/office/drawing/2014/main" id="{B659A070-BC46-524C-B700-8835A1F80F7C}"/>
-              </a:ext>
-            </a:extLst>
-          </p:cNvPr>
-          <p:cNvPicPr>
-            <a:picLocks noGrp="1" noChangeAspect="1"/>
-          </p:cNvPicPr>
-          <p:nvPr>
-            <p:ph idx="1"/>
-          </p:nvPr>
-        </p:nvPicPr>
-        <p:blipFill>
-          <a:blip r:embed="rId2">
-            <a:extLst>
-              <a:ext uri="{28A0092B-C50C-407E-A947-70E740481C1C}">
-                <a14:useLocalDpi xmlns:a14="http://schemas.microsoft.com/office/drawing/2010/main" val="0"/>
-              </a:ext>
-            </a:extLst>
-          </a:blip>
-          <a:stretch>
-            <a:fillRect/>
-          </a:stretch>
-        </p:blipFill>
-        <p:spPr>
-          <a:xfrm>
-            <a:off x="1115616" y="1391742"/>
-            <a:ext cx="5900144" cy="4887604"/>
-          </a:xfrm>
-        </p:spPr>
-      </p:pic>
-      <p:sp>
-        <p:nvSpPr>
-          <p:cNvPr id="4" name="Footer Placeholder 3">
-            <a:extLst>
-              <a:ext uri="{FF2B5EF4-FFF2-40B4-BE49-F238E27FC236}">
-                <a16:creationId xmlns:a16="http://schemas.microsoft.com/office/drawing/2014/main" id="{066CEE00-AE9D-C64F-AD6F-C74565AA5BBF}"/>
-              </a:ext>
-            </a:extLst>
-          </p:cNvPr>
-          <p:cNvSpPr>
-            <a:spLocks noGrp="1"/>
-          </p:cNvSpPr>
-          <p:nvPr>
-            <p:ph type="ftr" sz="quarter" idx="11"/>
-          </p:nvPr>
-        </p:nvSpPr>
-        <p:spPr/>
-        <p:txBody>
-          <a:bodyPr/>
-          <a:lstStyle/>
-          <a:p>
-            <a:r>
-              <a:rPr lang="de-DE"/>
-              <a:t>Extreme Programming</a:t>
-            </a:r>
-            <a:endParaRPr lang="de-DE" dirty="0"/>
-          </a:p>
-        </p:txBody>
-      </p:sp>
-      <p:sp>
-        <p:nvSpPr>
-          <p:cNvPr id="5" name="Slide Number Placeholder 4">
-            <a:extLst>
-              <a:ext uri="{FF2B5EF4-FFF2-40B4-BE49-F238E27FC236}">
-                <a16:creationId xmlns:a16="http://schemas.microsoft.com/office/drawing/2014/main" id="{B98B3B2E-D20C-434A-8004-9C149E269B34}"/>
-              </a:ext>
-            </a:extLst>
-          </p:cNvPr>
-          <p:cNvSpPr>
-            <a:spLocks noGrp="1"/>
-          </p:cNvSpPr>
-          <p:nvPr>
-            <p:ph type="sldNum" sz="quarter" idx="12"/>
-          </p:nvPr>
-        </p:nvSpPr>
-        <p:spPr/>
-        <p:txBody>
-          <a:bodyPr/>
-          <a:lstStyle/>
-          <a:p>
-            <a:fld id="{506DEF79-D5F3-42ED-9335-D73AD216BB54}" type="slidenum">
-              <a:rPr lang="de-DE" smtClean="0"/>
-              <a:pPr/>
-              <a:t>7</a:t>
-            </a:fld>
-            <a:r>
-              <a:rPr lang="de-DE"/>
-              <a:t> von 16</a:t>
-            </a:r>
-          </a:p>
-        </p:txBody>
-      </p:sp>
-    </p:spTree>
-    <p:extLst>
-      <p:ext uri="{BB962C8B-B14F-4D97-AF65-F5344CB8AC3E}">
-        <p14:creationId xmlns:p14="http://schemas.microsoft.com/office/powerpoint/2010/main" val="127480081"/>
-      </p:ext>
-    </p:extLst>
-  </p:cSld>
-  <p:clrMapOvr>
-    <a:masterClrMapping/>
-  </p:clrMapOvr>
-</p:sld>
-</file>
-
-<file path=ppt/slides/slide8.xml><?xml version="1.0" encoding="utf-8"?>
-<p:sld xmlns:a="http://schemas.openxmlformats.org/drawingml/2006/main" xmlns:r="http://schemas.openxmlformats.org/officeDocument/2006/relationships" xmlns:p="http://schemas.openxmlformats.org/presentationml/2006/main">
-  <p:cSld>
-    <p:spTree>
-      <p:nvGrpSpPr>
-        <p:cNvPr id="1" name=""/>
-        <p:cNvGrpSpPr/>
-        <p:nvPr/>
-      </p:nvGrpSpPr>
-      <p:grpSpPr>
-        <a:xfrm>
-          <a:off x="0" y="0"/>
-          <a:ext cx="0" cy="0"/>
-          <a:chOff x="0" y="0"/>
-          <a:chExt cx="0" cy="0"/>
-        </a:xfrm>
-      </p:grpSpPr>
-      <p:sp>
-        <p:nvSpPr>
-          <p:cNvPr id="2" name="Title 1">
-            <a:extLst>
-              <a:ext uri="{FF2B5EF4-FFF2-40B4-BE49-F238E27FC236}">
-                <a16:creationId xmlns:a16="http://schemas.microsoft.com/office/drawing/2014/main" id="{1F9819EB-9E4B-F54C-8658-D06C4C3D76C6}"/>
-              </a:ext>
-            </a:extLst>
-          </p:cNvPr>
-          <p:cNvSpPr>
-            <a:spLocks noGrp="1"/>
-          </p:cNvSpPr>
-          <p:nvPr>
-            <p:ph type="title"/>
-          </p:nvPr>
-        </p:nvSpPr>
-        <p:spPr/>
-        <p:txBody>
-          <a:bodyPr/>
-          <a:lstStyle/>
-          <a:p>
-            <a:r>
-              <a:rPr lang="de-DE" dirty="0"/>
-              <a:t>Quellen</a:t>
-            </a:r>
-          </a:p>
-        </p:txBody>
-      </p:sp>
-      <p:sp>
-        <p:nvSpPr>
-          <p:cNvPr id="3" name="Content Placeholder 2">
-            <a:extLst>
-              <a:ext uri="{FF2B5EF4-FFF2-40B4-BE49-F238E27FC236}">
-                <a16:creationId xmlns:a16="http://schemas.microsoft.com/office/drawing/2014/main" id="{A64AB663-A05A-4643-BBD7-2049FDC140F7}"/>
-              </a:ext>
-            </a:extLst>
-          </p:cNvPr>
-          <p:cNvSpPr>
-            <a:spLocks noGrp="1"/>
-          </p:cNvSpPr>
-          <p:nvPr>
-            <p:ph idx="1"/>
-          </p:nvPr>
-        </p:nvSpPr>
-        <p:spPr/>
-        <p:txBody>
-          <a:bodyPr>
-            <a:normAutofit/>
-          </a:bodyPr>
-          <a:lstStyle/>
-          <a:p>
-            <a:r>
-              <a:rPr lang="de-DE" sz="1200" dirty="0">
-                <a:hlinkClick r:id="rId2"/>
-              </a:rPr>
-              <a:t>https://www.torsten-horn.de/techdocs/sw-dev-process.htm</a:t>
-            </a:r>
-            <a:endParaRPr lang="de-DE" sz="1200" dirty="0"/>
-          </a:p>
-          <a:p>
-            <a:r>
-              <a:rPr lang="de-DE" sz="1200" dirty="0">
-                <a:hlinkClick r:id="rId3"/>
-              </a:rPr>
-              <a:t>https://en.wikipedia.org/wiki/Extreme_programming</a:t>
-            </a:r>
-            <a:endParaRPr lang="de-DE" sz="1200" dirty="0"/>
-          </a:p>
-          <a:p>
-            <a:r>
-              <a:rPr lang="de-DE" sz="1200" dirty="0">
-                <a:hlinkClick r:id="rId4"/>
-              </a:rPr>
-              <a:t>https://www.cs.utah.edu/~lwilliam/Papers/ieeeSoftware.PDF</a:t>
-            </a:r>
-            <a:endParaRPr lang="de-DE" sz="1200" dirty="0"/>
-          </a:p>
-          <a:p>
-            <a:r>
-              <a:rPr lang="de-DE" sz="1200" dirty="0">
-                <a:hlinkClick r:id="rId5"/>
-              </a:rPr>
-              <a:t>https://www.st.cs.uni-saarland.de/edu/lehrer/xp.pdf</a:t>
-            </a:r>
-            <a:endParaRPr lang="de-DE" sz="1200" dirty="0"/>
-          </a:p>
-          <a:p>
-            <a:r>
-              <a:rPr lang="de-DE" sz="1200" dirty="0"/>
-              <a:t>Kent Beck - Extreme Programming Explained: Embrace Change</a:t>
-            </a:r>
-          </a:p>
-          <a:p>
-            <a:r>
-              <a:rPr lang="de-DE" sz="1200" dirty="0">
-                <a:hlinkClick r:id="rId6"/>
-              </a:rPr>
-              <a:t>https://www.vox.de/cms/die-hoehle-der-loewen-2016-der-ponyhuetchen-pitch-macht-judith-williams-fassungslos-4003566.html</a:t>
-            </a:r>
-            <a:endParaRPr lang="de-DE" sz="1200" dirty="0"/>
-          </a:p>
-          <a:p>
-            <a:r>
-              <a:rPr lang="de-DE" sz="1200" dirty="0">
-                <a:hlinkClick r:id="rId7"/>
-              </a:rPr>
-              <a:t>https://laracasts.com/series/code-katas-in-php/episodes/7</a:t>
-            </a:r>
-            <a:endParaRPr lang="de-DE" sz="1200" dirty="0"/>
-          </a:p>
-          <a:p>
-            <a:r>
-              <a:rPr lang="de-DE" sz="1200" dirty="0">
-                <a:hlinkClick r:id="rId8"/>
-              </a:rPr>
-              <a:t>https://upload.wikimedia.org/wikipedia/commons/8/84/Extreme_Programming.svg</a:t>
-            </a:r>
-            <a:endParaRPr lang="de-DE" sz="1200" dirty="0"/>
-          </a:p>
-          <a:p>
-            <a:r>
-              <a:rPr lang="de-DE" sz="1200" dirty="0">
-                <a:hlinkClick r:id="rId9"/>
-              </a:rPr>
-              <a:t>https://gfycat.com/HotOrangeCoypu</a:t>
-            </a:r>
-            <a:endParaRPr lang="de-DE" sz="1200" dirty="0"/>
-          </a:p>
-          <a:p>
-            <a:r>
-              <a:rPr lang="de-DE" sz="1200" dirty="0">
-                <a:hlinkClick r:id="rId10"/>
-              </a:rPr>
-              <a:t>https://en.wikipedia.org/wiki/File:Kent_Beck_no_Workshop_Mapping_XP.jpg</a:t>
-            </a:r>
-            <a:endParaRPr lang="de-DE" sz="1200" dirty="0"/>
-          </a:p>
-          <a:p>
-            <a:r>
-              <a:rPr lang="de-DE" sz="1200" dirty="0">
-                <a:hlinkClick r:id="rId11"/>
-              </a:rPr>
-              <a:t>https://www.altexsoft.com/blog/business/extreme-programming-values-principles-and-practices/</a:t>
-            </a:r>
-            <a:endParaRPr lang="de-DE" sz="1200" dirty="0"/>
-          </a:p>
-          <a:p>
-            <a:r>
-              <a:rPr lang="de-DE" sz="1200" dirty="0">
-                <a:hlinkClick r:id="rId12"/>
-              </a:rPr>
-              <a:t>https://www.youtube.com/watch?v=cGuTmOUdFbo</a:t>
-            </a:r>
-            <a:endParaRPr lang="de-DE" sz="1200" dirty="0"/>
-          </a:p>
-          <a:p>
-            <a:r>
-              <a:rPr lang="de-DE" sz="1200" dirty="0">
-                <a:hlinkClick r:id="rId13"/>
-              </a:rPr>
-              <a:t>https://en.wikipedia.org/wiki/Extreme_programming_practices</a:t>
-            </a:r>
-            <a:endParaRPr lang="de-DE" sz="1200" dirty="0"/>
-          </a:p>
-          <a:p>
-            <a:r>
-              <a:rPr lang="de-DE" sz="1200" dirty="0">
-                <a:hlinkClick r:id="rId14"/>
-              </a:rPr>
-              <a:t>http://www.selectbs.com/process-maturity/what-is-extreme-programming</a:t>
-            </a:r>
-            <a:endParaRPr lang="de-DE" sz="1200" dirty="0"/>
-          </a:p>
-          <a:p>
-            <a:endParaRPr lang="de-DE" sz="1200" dirty="0"/>
-          </a:p>
-          <a:p>
-            <a:pPr marL="0" indent="0">
-              <a:buNone/>
-            </a:pPr>
-            <a:endParaRPr lang="de-DE" sz="1200" dirty="0"/>
-          </a:p>
-          <a:p>
-            <a:endParaRPr lang="de-DE" sz="1200" dirty="0"/>
-          </a:p>
-          <a:p>
-            <a:endParaRPr lang="de-DE" b="1" dirty="0"/>
-          </a:p>
-          <a:p>
-            <a:endParaRPr lang="de-DE" b="1" dirty="0"/>
-          </a:p>
-        </p:txBody>
-      </p:sp>
-      <p:sp>
-        <p:nvSpPr>
-          <p:cNvPr id="4" name="Footer Placeholder 3">
-            <a:extLst>
-              <a:ext uri="{FF2B5EF4-FFF2-40B4-BE49-F238E27FC236}">
-                <a16:creationId xmlns:a16="http://schemas.microsoft.com/office/drawing/2014/main" id="{6E14F785-519C-CA4E-AAB0-EF40B8E648A3}"/>
-              </a:ext>
-            </a:extLst>
-          </p:cNvPr>
-          <p:cNvSpPr>
-            <a:spLocks noGrp="1"/>
-          </p:cNvSpPr>
-          <p:nvPr>
-            <p:ph type="ftr" sz="quarter" idx="11"/>
-          </p:nvPr>
-        </p:nvSpPr>
-        <p:spPr/>
-        <p:txBody>
-          <a:bodyPr/>
-          <a:lstStyle/>
-          <a:p>
-            <a:r>
-              <a:rPr lang="de-DE" dirty="0"/>
-              <a:t>Extreme Programming</a:t>
-            </a:r>
-          </a:p>
-        </p:txBody>
-      </p:sp>
-      <p:sp>
-        <p:nvSpPr>
-          <p:cNvPr id="5" name="Slide Number Placeholder 4">
-            <a:extLst>
-              <a:ext uri="{FF2B5EF4-FFF2-40B4-BE49-F238E27FC236}">
-                <a16:creationId xmlns:a16="http://schemas.microsoft.com/office/drawing/2014/main" id="{5BCA0103-F1DD-E040-8480-84B0386456B7}"/>
-              </a:ext>
-            </a:extLst>
-          </p:cNvPr>
-          <p:cNvSpPr>
-            <a:spLocks noGrp="1"/>
-          </p:cNvSpPr>
-          <p:nvPr>
-            <p:ph type="sldNum" sz="quarter" idx="12"/>
-          </p:nvPr>
-        </p:nvSpPr>
-        <p:spPr/>
-        <p:txBody>
-          <a:bodyPr/>
-          <a:lstStyle/>
-          <a:p>
-            <a:endParaRPr lang="de-DE" dirty="0"/>
-          </a:p>
-        </p:txBody>
-      </p:sp>
-    </p:spTree>
-    <p:extLst>
-      <p:ext uri="{BB962C8B-B14F-4D97-AF65-F5344CB8AC3E}">
-        <p14:creationId xmlns:p14="http://schemas.microsoft.com/office/powerpoint/2010/main" val="615240107"/>
       </p:ext>
     </p:extLst>
   </p:cSld>

--- a/DOC/Fachgespraech.pptx
+++ b/DOC/Fachgespraech.pptx
@@ -5,10 +5,10 @@
     <p:sldMasterId id="2147483648" r:id="rId5"/>
   </p:sldMasterIdLst>
   <p:notesMasterIdLst>
-    <p:notesMasterId r:id="rId17"/>
+    <p:notesMasterId r:id="rId18"/>
   </p:notesMasterIdLst>
   <p:handoutMasterIdLst>
-    <p:handoutMasterId r:id="rId18"/>
+    <p:handoutMasterId r:id="rId19"/>
   </p:handoutMasterIdLst>
   <p:sldIdLst>
     <p:sldId id="329" r:id="rId6"/>
@@ -18,10 +18,11 @@
     <p:sldId id="369" r:id="rId10"/>
     <p:sldId id="367" r:id="rId11"/>
     <p:sldId id="368" r:id="rId12"/>
-    <p:sldId id="356" r:id="rId13"/>
-    <p:sldId id="365" r:id="rId14"/>
-    <p:sldId id="366" r:id="rId15"/>
-    <p:sldId id="348" r:id="rId16"/>
+    <p:sldId id="370" r:id="rId13"/>
+    <p:sldId id="356" r:id="rId14"/>
+    <p:sldId id="365" r:id="rId15"/>
+    <p:sldId id="366" r:id="rId16"/>
+    <p:sldId id="348" r:id="rId17"/>
   </p:sldIdLst>
   <p:sldSz cx="9144000" cy="6858000" type="screen4x3"/>
   <p:notesSz cx="7099300" cy="10234613"/>
@@ -3866,7 +3867,7 @@
             <a:fld id="{BF63E930-8F88-4EE0-A623-E2193C3967E3}" type="slidenum">
               <a:rPr lang="de-DE" smtClean="0"/>
               <a:pPr/>
-              <a:t>7</a:t>
+              <a:t>5</a:t>
             </a:fld>
             <a:endParaRPr lang="de-DE"/>
           </a:p>
@@ -3875,7 +3876,7 @@
     </p:spTree>
     <p:extLst>
       <p:ext uri="{BB962C8B-B14F-4D97-AF65-F5344CB8AC3E}">
-        <p14:creationId xmlns:p14="http://schemas.microsoft.com/office/powerpoint/2010/main" val="1961509123"/>
+        <p14:creationId xmlns:p14="http://schemas.microsoft.com/office/powerpoint/2010/main" val="2774700447"/>
       </p:ext>
     </p:extLst>
   </p:cSld>
@@ -3929,12 +3930,6 @@
           <a:bodyPr/>
           <a:lstStyle/>
           <a:p>
-            <a:r>
-              <a:rPr lang="de-DE" dirty="0"/>
-              <a:t>REFACTORING nicht im BILD</a:t>
-            </a:r>
-          </a:p>
-          <a:p>
             <a:endParaRPr lang="de-DE" dirty="0"/>
           </a:p>
         </p:txBody>
@@ -3954,7 +3949,7 @@
           <a:bodyPr/>
           <a:lstStyle/>
           <a:p>
-            <a:endParaRPr lang="de-DE" dirty="0"/>
+            <a:endParaRPr lang="de-DE"/>
           </a:p>
         </p:txBody>
       </p:sp>
@@ -3976,16 +3971,16 @@
             <a:fld id="{BF63E930-8F88-4EE0-A623-E2193C3967E3}" type="slidenum">
               <a:rPr lang="de-DE" smtClean="0"/>
               <a:pPr/>
-              <a:t>8</a:t>
+              <a:t>7</a:t>
             </a:fld>
-            <a:endParaRPr lang="de-DE" dirty="0"/>
+            <a:endParaRPr lang="de-DE"/>
           </a:p>
         </p:txBody>
       </p:sp>
     </p:spTree>
     <p:extLst>
       <p:ext uri="{BB962C8B-B14F-4D97-AF65-F5344CB8AC3E}">
-        <p14:creationId xmlns:p14="http://schemas.microsoft.com/office/powerpoint/2010/main" val="1087693115"/>
+        <p14:creationId xmlns:p14="http://schemas.microsoft.com/office/powerpoint/2010/main" val="1961509123"/>
       </p:ext>
     </p:extLst>
   </p:cSld>
@@ -4039,6 +4034,12 @@
           <a:bodyPr/>
           <a:lstStyle/>
           <a:p>
+            <a:r>
+              <a:rPr lang="de-DE" dirty="0"/>
+              <a:t>REFACTORING nicht im BILD</a:t>
+            </a:r>
+          </a:p>
+          <a:p>
             <a:endParaRPr lang="de-DE" dirty="0"/>
           </a:p>
         </p:txBody>
@@ -4058,7 +4059,7 @@
           <a:bodyPr/>
           <a:lstStyle/>
           <a:p>
-            <a:endParaRPr lang="de-DE"/>
+            <a:endParaRPr lang="de-DE" dirty="0"/>
           </a:p>
         </p:txBody>
       </p:sp>
@@ -4081,6 +4082,110 @@
               <a:rPr lang="de-DE" smtClean="0"/>
               <a:pPr/>
               <a:t>9</a:t>
+            </a:fld>
+            <a:endParaRPr lang="de-DE" dirty="0"/>
+          </a:p>
+        </p:txBody>
+      </p:sp>
+    </p:spTree>
+    <p:extLst>
+      <p:ext uri="{BB962C8B-B14F-4D97-AF65-F5344CB8AC3E}">
+        <p14:creationId xmlns:p14="http://schemas.microsoft.com/office/powerpoint/2010/main" val="1087693115"/>
+      </p:ext>
+    </p:extLst>
+  </p:cSld>
+  <p:clrMapOvr>
+    <a:masterClrMapping/>
+  </p:clrMapOvr>
+</p:notes>
+</file>
+
+<file path=ppt/notesSlides/notesSlide7.xml><?xml version="1.0" encoding="utf-8"?>
+<p:notes xmlns:a="http://schemas.openxmlformats.org/drawingml/2006/main" xmlns:r="http://schemas.openxmlformats.org/officeDocument/2006/relationships" xmlns:p="http://schemas.openxmlformats.org/presentationml/2006/main">
+  <p:cSld>
+    <p:spTree>
+      <p:nvGrpSpPr>
+        <p:cNvPr id="1" name=""/>
+        <p:cNvGrpSpPr/>
+        <p:nvPr/>
+      </p:nvGrpSpPr>
+      <p:grpSpPr>
+        <a:xfrm>
+          <a:off x="0" y="0"/>
+          <a:ext cx="0" cy="0"/>
+          <a:chOff x="0" y="0"/>
+          <a:chExt cx="0" cy="0"/>
+        </a:xfrm>
+      </p:grpSpPr>
+      <p:sp>
+        <p:nvSpPr>
+          <p:cNvPr id="2" name="Slide Image Placeholder 1"/>
+          <p:cNvSpPr>
+            <a:spLocks noGrp="1" noRot="1" noChangeAspect="1"/>
+          </p:cNvSpPr>
+          <p:nvPr>
+            <p:ph type="sldImg"/>
+          </p:nvPr>
+        </p:nvSpPr>
+        <p:spPr/>
+      </p:sp>
+      <p:sp>
+        <p:nvSpPr>
+          <p:cNvPr id="3" name="Notes Placeholder 2"/>
+          <p:cNvSpPr>
+            <a:spLocks noGrp="1"/>
+          </p:cNvSpPr>
+          <p:nvPr>
+            <p:ph type="body" idx="1"/>
+          </p:nvPr>
+        </p:nvSpPr>
+        <p:spPr/>
+        <p:txBody>
+          <a:bodyPr/>
+          <a:lstStyle/>
+          <a:p>
+            <a:endParaRPr lang="de-DE" dirty="0"/>
+          </a:p>
+        </p:txBody>
+      </p:sp>
+      <p:sp>
+        <p:nvSpPr>
+          <p:cNvPr id="4" name="Date Placeholder 3"/>
+          <p:cNvSpPr>
+            <a:spLocks noGrp="1"/>
+          </p:cNvSpPr>
+          <p:nvPr>
+            <p:ph type="dt" idx="1"/>
+          </p:nvPr>
+        </p:nvSpPr>
+        <p:spPr/>
+        <p:txBody>
+          <a:bodyPr/>
+          <a:lstStyle/>
+          <a:p>
+            <a:endParaRPr lang="de-DE"/>
+          </a:p>
+        </p:txBody>
+      </p:sp>
+      <p:sp>
+        <p:nvSpPr>
+          <p:cNvPr id="5" name="Slide Number Placeholder 4"/>
+          <p:cNvSpPr>
+            <a:spLocks noGrp="1"/>
+          </p:cNvSpPr>
+          <p:nvPr>
+            <p:ph type="sldNum" sz="quarter" idx="5"/>
+          </p:nvPr>
+        </p:nvSpPr>
+        <p:spPr/>
+        <p:txBody>
+          <a:bodyPr/>
+          <a:lstStyle/>
+          <a:p>
+            <a:fld id="{BF63E930-8F88-4EE0-A623-E2193C3967E3}" type="slidenum">
+              <a:rPr lang="de-DE" smtClean="0"/>
+              <a:pPr/>
+              <a:t>10</a:t>
             </a:fld>
             <a:endParaRPr lang="de-DE"/>
           </a:p>
@@ -6548,6 +6653,161 @@
           <p:cNvPr id="2" name="Title 1">
             <a:extLst>
               <a:ext uri="{FF2B5EF4-FFF2-40B4-BE49-F238E27FC236}">
+                <a16:creationId xmlns:a16="http://schemas.microsoft.com/office/drawing/2014/main" id="{C1F94D26-A670-F34C-8B7D-2DC1C8F0B81C}"/>
+              </a:ext>
+            </a:extLst>
+          </p:cNvPr>
+          <p:cNvSpPr>
+            <a:spLocks noGrp="1"/>
+          </p:cNvSpPr>
+          <p:nvPr>
+            <p:ph type="title"/>
+          </p:nvPr>
+        </p:nvSpPr>
+        <p:spPr/>
+        <p:txBody>
+          <a:bodyPr/>
+          <a:lstStyle/>
+          <a:p>
+            <a:r>
+              <a:rPr lang="de-DE" dirty="0"/>
+              <a:t>Testverzeichnis</a:t>
+            </a:r>
+          </a:p>
+        </p:txBody>
+      </p:sp>
+      <p:pic>
+        <p:nvPicPr>
+          <p:cNvPr id="7" name="Content Placeholder 6" descr="A screenshot of a computer screen&#10;&#10;Description automatically generated">
+            <a:extLst>
+              <a:ext uri="{FF2B5EF4-FFF2-40B4-BE49-F238E27FC236}">
+                <a16:creationId xmlns:a16="http://schemas.microsoft.com/office/drawing/2014/main" id="{711C6A53-6F06-E944-89F4-E1E765BEA4A8}"/>
+              </a:ext>
+            </a:extLst>
+          </p:cNvPr>
+          <p:cNvPicPr>
+            <a:picLocks noGrp="1" noChangeAspect="1"/>
+          </p:cNvPicPr>
+          <p:nvPr>
+            <p:ph idx="1"/>
+          </p:nvPr>
+        </p:nvPicPr>
+        <p:blipFill>
+          <a:blip r:embed="rId3">
+            <a:extLst>
+              <a:ext uri="{28A0092B-C50C-407E-A947-70E740481C1C}">
+                <a14:useLocalDpi xmlns:a14="http://schemas.microsoft.com/office/drawing/2010/main" val="0"/>
+              </a:ext>
+            </a:extLst>
+          </a:blip>
+          <a:stretch>
+            <a:fillRect/>
+          </a:stretch>
+        </p:blipFill>
+        <p:spPr>
+          <a:xfrm>
+            <a:off x="684213" y="1619250"/>
+            <a:ext cx="4432300" cy="4330700"/>
+          </a:xfrm>
+        </p:spPr>
+      </p:pic>
+      <p:sp>
+        <p:nvSpPr>
+          <p:cNvPr id="4" name="Footer Placeholder 3">
+            <a:extLst>
+              <a:ext uri="{FF2B5EF4-FFF2-40B4-BE49-F238E27FC236}">
+                <a16:creationId xmlns:a16="http://schemas.microsoft.com/office/drawing/2014/main" id="{1019E0D5-835D-2844-86C3-E11FB376F4CA}"/>
+              </a:ext>
+            </a:extLst>
+          </p:cNvPr>
+          <p:cNvSpPr>
+            <a:spLocks noGrp="1"/>
+          </p:cNvSpPr>
+          <p:nvPr>
+            <p:ph type="ftr" sz="quarter" idx="11"/>
+          </p:nvPr>
+        </p:nvSpPr>
+        <p:spPr/>
+        <p:txBody>
+          <a:bodyPr/>
+          <a:lstStyle/>
+          <a:p>
+            <a:r>
+              <a:rPr lang="de-DE"/>
+              <a:t>Extreme Programming</a:t>
+            </a:r>
+            <a:endParaRPr lang="de-DE" dirty="0"/>
+          </a:p>
+        </p:txBody>
+      </p:sp>
+      <p:sp>
+        <p:nvSpPr>
+          <p:cNvPr id="5" name="Slide Number Placeholder 4">
+            <a:extLst>
+              <a:ext uri="{FF2B5EF4-FFF2-40B4-BE49-F238E27FC236}">
+                <a16:creationId xmlns:a16="http://schemas.microsoft.com/office/drawing/2014/main" id="{F72071CF-7F98-9F46-ADA4-E896D2518C1D}"/>
+              </a:ext>
+            </a:extLst>
+          </p:cNvPr>
+          <p:cNvSpPr>
+            <a:spLocks noGrp="1"/>
+          </p:cNvSpPr>
+          <p:nvPr>
+            <p:ph type="sldNum" sz="quarter" idx="12"/>
+          </p:nvPr>
+        </p:nvSpPr>
+        <p:spPr/>
+        <p:txBody>
+          <a:bodyPr/>
+          <a:lstStyle/>
+          <a:p>
+            <a:fld id="{506DEF79-D5F3-42ED-9335-D73AD216BB54}" type="slidenum">
+              <a:rPr lang="de-DE" smtClean="0"/>
+              <a:pPr/>
+              <a:t>10</a:t>
+            </a:fld>
+            <a:r>
+              <a:rPr lang="de-DE"/>
+              <a:t> von 16</a:t>
+            </a:r>
+          </a:p>
+        </p:txBody>
+      </p:sp>
+    </p:spTree>
+    <p:extLst>
+      <p:ext uri="{BB962C8B-B14F-4D97-AF65-F5344CB8AC3E}">
+        <p14:creationId xmlns:p14="http://schemas.microsoft.com/office/powerpoint/2010/main" val="2621459993"/>
+      </p:ext>
+    </p:extLst>
+  </p:cSld>
+  <p:clrMapOvr>
+    <a:masterClrMapping/>
+  </p:clrMapOvr>
+</p:sld>
+</file>
+
+<file path=ppt/slides/slide11.xml><?xml version="1.0" encoding="utf-8"?>
+<p:sld xmlns:a="http://schemas.openxmlformats.org/drawingml/2006/main" xmlns:r="http://schemas.openxmlformats.org/officeDocument/2006/relationships" xmlns:p="http://schemas.openxmlformats.org/presentationml/2006/main">
+  <p:cSld>
+    <p:spTree>
+      <p:nvGrpSpPr>
+        <p:cNvPr id="1" name=""/>
+        <p:cNvGrpSpPr/>
+        <p:nvPr/>
+      </p:nvGrpSpPr>
+      <p:grpSpPr>
+        <a:xfrm>
+          <a:off x="0" y="0"/>
+          <a:ext cx="0" cy="0"/>
+          <a:chOff x="0" y="0"/>
+          <a:chExt cx="0" cy="0"/>
+        </a:xfrm>
+      </p:grpSpPr>
+      <p:sp>
+        <p:nvSpPr>
+          <p:cNvPr id="2" name="Title 1">
+            <a:extLst>
+              <a:ext uri="{FF2B5EF4-FFF2-40B4-BE49-F238E27FC236}">
                 <a16:creationId xmlns:a16="http://schemas.microsoft.com/office/drawing/2014/main" id="{098424BE-FF49-F740-A7D4-E1D3EA8B5AE3}"/>
               </a:ext>
             </a:extLst>
@@ -6659,7 +6919,7 @@
             <a:fld id="{506DEF79-D5F3-42ED-9335-D73AD216BB54}" type="slidenum">
               <a:rPr lang="de-DE" smtClean="0"/>
               <a:pPr/>
-              <a:t>10</a:t>
+              <a:t>11</a:t>
             </a:fld>
             <a:r>
               <a:rPr lang="de-DE"/>
@@ -6681,7 +6941,7 @@
 </p:sld>
 </file>
 
-<file path=ppt/slides/slide11.xml><?xml version="1.0" encoding="utf-8"?>
+<file path=ppt/slides/slide12.xml><?xml version="1.0" encoding="utf-8"?>
 <p:sld xmlns:a="http://schemas.openxmlformats.org/drawingml/2006/main" xmlns:r="http://schemas.openxmlformats.org/officeDocument/2006/relationships" xmlns:p="http://schemas.openxmlformats.org/presentationml/2006/main">
   <p:cSld>
     <p:spTree>
@@ -8279,7 +8539,7 @@
         </p:xfrm>
         <a:graphic>
           <a:graphicData uri="http://schemas.openxmlformats.org/drawingml/2006/chart">
-            <c:chart xmlns:c="http://schemas.openxmlformats.org/drawingml/2006/chart" xmlns:r="http://schemas.openxmlformats.org/officeDocument/2006/relationships" r:id="rId2"/>
+            <c:chart xmlns:c="http://schemas.openxmlformats.org/drawingml/2006/chart" xmlns:r="http://schemas.openxmlformats.org/officeDocument/2006/relationships" r:id="rId3"/>
           </a:graphicData>
         </a:graphic>
       </p:graphicFrame>
@@ -8767,6 +9027,958 @@
 </file>
 
 <file path=ppt/slides/slide8.xml><?xml version="1.0" encoding="utf-8"?>
+<p:sld xmlns:a="http://schemas.openxmlformats.org/drawingml/2006/main" xmlns:r="http://schemas.openxmlformats.org/officeDocument/2006/relationships" xmlns:p="http://schemas.openxmlformats.org/presentationml/2006/main">
+  <p:cSld>
+    <p:spTree>
+      <p:nvGrpSpPr>
+        <p:cNvPr id="1" name=""/>
+        <p:cNvGrpSpPr/>
+        <p:nvPr/>
+      </p:nvGrpSpPr>
+      <p:grpSpPr>
+        <a:xfrm>
+          <a:off x="0" y="0"/>
+          <a:ext cx="0" cy="0"/>
+          <a:chOff x="0" y="0"/>
+          <a:chExt cx="0" cy="0"/>
+        </a:xfrm>
+      </p:grpSpPr>
+      <p:sp>
+        <p:nvSpPr>
+          <p:cNvPr id="2" name="Title 1">
+            <a:extLst>
+              <a:ext uri="{FF2B5EF4-FFF2-40B4-BE49-F238E27FC236}">
+                <a16:creationId xmlns:a16="http://schemas.microsoft.com/office/drawing/2014/main" id="{8628F8DD-4A97-B140-AB00-C9BF4033B13F}"/>
+              </a:ext>
+            </a:extLst>
+          </p:cNvPr>
+          <p:cNvSpPr>
+            <a:spLocks noGrp="1"/>
+          </p:cNvSpPr>
+          <p:nvPr>
+            <p:ph type="title"/>
+          </p:nvPr>
+        </p:nvSpPr>
+        <p:spPr/>
+        <p:txBody>
+          <a:bodyPr/>
+          <a:lstStyle/>
+          <a:p>
+            <a:endParaRPr lang="de-DE"/>
+          </a:p>
+        </p:txBody>
+      </p:sp>
+      <p:graphicFrame>
+        <p:nvGraphicFramePr>
+          <p:cNvPr id="6" name="Content Placeholder 5">
+            <a:extLst>
+              <a:ext uri="{FF2B5EF4-FFF2-40B4-BE49-F238E27FC236}">
+                <a16:creationId xmlns:a16="http://schemas.microsoft.com/office/drawing/2014/main" id="{E4E09496-9191-1E4D-B9AF-D667D8EA29D7}"/>
+              </a:ext>
+            </a:extLst>
+          </p:cNvPr>
+          <p:cNvGraphicFramePr>
+            <a:graphicFrameLocks noGrp="1"/>
+          </p:cNvGraphicFramePr>
+          <p:nvPr>
+            <p:ph idx="1"/>
+            <p:extLst>
+              <p:ext uri="{D42A27DB-BD31-4B8C-83A1-F6EECF244321}">
+                <p14:modId xmlns:p14="http://schemas.microsoft.com/office/powerpoint/2010/main" val="761892726"/>
+              </p:ext>
+            </p:extLst>
+          </p:nvPr>
+        </p:nvGraphicFramePr>
+        <p:xfrm>
+          <a:off x="684213" y="2708920"/>
+          <a:ext cx="6336704" cy="914400"/>
+        </p:xfrm>
+        <a:graphic>
+          <a:graphicData uri="http://schemas.openxmlformats.org/drawingml/2006/table">
+            <a:tbl>
+              <a:tblPr firstRow="1" firstCol="1" bandRow="1">
+                <a:tableStyleId>{5C22544A-7EE6-4342-B048-85BDC9FD1C3A}</a:tableStyleId>
+              </a:tblPr>
+              <a:tblGrid>
+                <a:gridCol w="1583518">
+                  <a:extLst>
+                    <a:ext uri="{9D8B030D-6E8A-4147-A177-3AD203B41FA5}">
+                      <a16:colId xmlns:a16="http://schemas.microsoft.com/office/drawing/2014/main" val="2834143088"/>
+                    </a:ext>
+                  </a:extLst>
+                </a:gridCol>
+                <a:gridCol w="1491338">
+                  <a:extLst>
+                    <a:ext uri="{9D8B030D-6E8A-4147-A177-3AD203B41FA5}">
+                      <a16:colId xmlns:a16="http://schemas.microsoft.com/office/drawing/2014/main" val="2355471842"/>
+                    </a:ext>
+                  </a:extLst>
+                </a:gridCol>
+                <a:gridCol w="1399816">
+                  <a:extLst>
+                    <a:ext uri="{9D8B030D-6E8A-4147-A177-3AD203B41FA5}">
+                      <a16:colId xmlns:a16="http://schemas.microsoft.com/office/drawing/2014/main" val="1616046141"/>
+                    </a:ext>
+                  </a:extLst>
+                </a:gridCol>
+                <a:gridCol w="750607">
+                  <a:extLst>
+                    <a:ext uri="{9D8B030D-6E8A-4147-A177-3AD203B41FA5}">
+                      <a16:colId xmlns:a16="http://schemas.microsoft.com/office/drawing/2014/main" val="3871983214"/>
+                    </a:ext>
+                  </a:extLst>
+                </a:gridCol>
+                <a:gridCol w="1111425">
+                  <a:extLst>
+                    <a:ext uri="{9D8B030D-6E8A-4147-A177-3AD203B41FA5}">
+                      <a16:colId xmlns:a16="http://schemas.microsoft.com/office/drawing/2014/main" val="208658036"/>
+                    </a:ext>
+                  </a:extLst>
+                </a:gridCol>
+              </a:tblGrid>
+              <a:tr h="63114">
+                <a:tc>
+                  <a:txBody>
+                    <a:bodyPr/>
+                    <a:lstStyle/>
+                    <a:p>
+                      <a:pPr>
+                        <a:spcAft>
+                          <a:spcPts val="0"/>
+                        </a:spcAft>
+                      </a:pPr>
+                      <a:r>
+                        <a:rPr lang="de-DE" sz="1200">
+                          <a:effectLst/>
+                        </a:rPr>
+                        <a:t>Name</a:t>
+                      </a:r>
+                      <a:endParaRPr lang="de-DE" sz="1200">
+                        <a:effectLst/>
+                        <a:latin typeface="Calibri" panose="020F0502020204030204" pitchFamily="34" charset="0"/>
+                        <a:ea typeface="Calibri" panose="020F0502020204030204" pitchFamily="34" charset="0"/>
+                        <a:cs typeface="Times New Roman" panose="02020603050405020304" pitchFamily="18" charset="0"/>
+                      </a:endParaRPr>
+                    </a:p>
+                  </a:txBody>
+                  <a:tcPr marL="68580" marR="68580" marT="0" marB="0"/>
+                </a:tc>
+                <a:tc>
+                  <a:txBody>
+                    <a:bodyPr/>
+                    <a:lstStyle/>
+                    <a:p>
+                      <a:pPr>
+                        <a:spcAft>
+                          <a:spcPts val="0"/>
+                        </a:spcAft>
+                      </a:pPr>
+                      <a:r>
+                        <a:rPr lang="de-DE" sz="1200">
+                          <a:effectLst/>
+                        </a:rPr>
+                        <a:t>Beschreibung</a:t>
+                      </a:r>
+                      <a:endParaRPr lang="de-DE" sz="1200">
+                        <a:effectLst/>
+                        <a:latin typeface="Calibri" panose="020F0502020204030204" pitchFamily="34" charset="0"/>
+                        <a:ea typeface="Calibri" panose="020F0502020204030204" pitchFamily="34" charset="0"/>
+                        <a:cs typeface="Times New Roman" panose="02020603050405020304" pitchFamily="18" charset="0"/>
+                      </a:endParaRPr>
+                    </a:p>
+                  </a:txBody>
+                  <a:tcPr marL="68580" marR="68580" marT="0" marB="0"/>
+                </a:tc>
+                <a:tc>
+                  <a:txBody>
+                    <a:bodyPr/>
+                    <a:lstStyle/>
+                    <a:p>
+                      <a:pPr>
+                        <a:spcAft>
+                          <a:spcPts val="0"/>
+                        </a:spcAft>
+                      </a:pPr>
+                      <a:r>
+                        <a:rPr lang="de-DE" sz="1200">
+                          <a:effectLst/>
+                        </a:rPr>
+                        <a:t>Kosten pro Stunde</a:t>
+                      </a:r>
+                      <a:endParaRPr lang="de-DE" sz="1200">
+                        <a:effectLst/>
+                        <a:latin typeface="Calibri" panose="020F0502020204030204" pitchFamily="34" charset="0"/>
+                        <a:ea typeface="Calibri" panose="020F0502020204030204" pitchFamily="34" charset="0"/>
+                        <a:cs typeface="Times New Roman" panose="02020603050405020304" pitchFamily="18" charset="0"/>
+                      </a:endParaRPr>
+                    </a:p>
+                  </a:txBody>
+                  <a:tcPr marL="68580" marR="68580" marT="0" marB="0"/>
+                </a:tc>
+                <a:tc>
+                  <a:txBody>
+                    <a:bodyPr/>
+                    <a:lstStyle/>
+                    <a:p>
+                      <a:pPr>
+                        <a:spcAft>
+                          <a:spcPts val="0"/>
+                        </a:spcAft>
+                      </a:pPr>
+                      <a:r>
+                        <a:rPr lang="de-DE" sz="1200">
+                          <a:effectLst/>
+                        </a:rPr>
+                        <a:t>Stunden</a:t>
+                      </a:r>
+                      <a:endParaRPr lang="de-DE" sz="1200">
+                        <a:effectLst/>
+                        <a:latin typeface="Calibri" panose="020F0502020204030204" pitchFamily="34" charset="0"/>
+                        <a:ea typeface="Calibri" panose="020F0502020204030204" pitchFamily="34" charset="0"/>
+                        <a:cs typeface="Times New Roman" panose="02020603050405020304" pitchFamily="18" charset="0"/>
+                      </a:endParaRPr>
+                    </a:p>
+                  </a:txBody>
+                  <a:tcPr marL="68580" marR="68580" marT="0" marB="0"/>
+                </a:tc>
+                <a:tc>
+                  <a:txBody>
+                    <a:bodyPr/>
+                    <a:lstStyle/>
+                    <a:p>
+                      <a:pPr>
+                        <a:spcAft>
+                          <a:spcPts val="0"/>
+                        </a:spcAft>
+                      </a:pPr>
+                      <a:r>
+                        <a:rPr lang="de-DE" sz="1200">
+                          <a:effectLst/>
+                        </a:rPr>
+                        <a:t>Gesamtkosten</a:t>
+                      </a:r>
+                      <a:endParaRPr lang="de-DE" sz="1200">
+                        <a:effectLst/>
+                        <a:latin typeface="Calibri" panose="020F0502020204030204" pitchFamily="34" charset="0"/>
+                        <a:ea typeface="Calibri" panose="020F0502020204030204" pitchFamily="34" charset="0"/>
+                        <a:cs typeface="Times New Roman" panose="02020603050405020304" pitchFamily="18" charset="0"/>
+                      </a:endParaRPr>
+                    </a:p>
+                  </a:txBody>
+                  <a:tcPr marL="68580" marR="68580" marT="0" marB="0"/>
+                </a:tc>
+                <a:extLst>
+                  <a:ext uri="{0D108BD9-81ED-4DB2-BD59-A6C34878D82A}">
+                    <a16:rowId xmlns:a16="http://schemas.microsoft.com/office/drawing/2014/main" val="909591448"/>
+                  </a:ext>
+                </a:extLst>
+              </a:tr>
+              <a:tr h="147703">
+                <a:tc>
+                  <a:txBody>
+                    <a:bodyPr/>
+                    <a:lstStyle/>
+                    <a:p>
+                      <a:pPr>
+                        <a:spcAft>
+                          <a:spcPts val="0"/>
+                        </a:spcAft>
+                      </a:pPr>
+                      <a:r>
+                        <a:rPr lang="de-DE" sz="1200">
+                          <a:effectLst/>
+                        </a:rPr>
+                        <a:t>Johannes Meyerhoff</a:t>
+                      </a:r>
+                      <a:endParaRPr lang="de-DE" sz="1200">
+                        <a:effectLst/>
+                        <a:latin typeface="Calibri" panose="020F0502020204030204" pitchFamily="34" charset="0"/>
+                        <a:ea typeface="Calibri" panose="020F0502020204030204" pitchFamily="34" charset="0"/>
+                        <a:cs typeface="Times New Roman" panose="02020603050405020304" pitchFamily="18" charset="0"/>
+                      </a:endParaRPr>
+                    </a:p>
+                  </a:txBody>
+                  <a:tcPr marL="68580" marR="68580" marT="0" marB="0"/>
+                </a:tc>
+                <a:tc>
+                  <a:txBody>
+                    <a:bodyPr/>
+                    <a:lstStyle/>
+                    <a:p>
+                      <a:pPr>
+                        <a:spcAft>
+                          <a:spcPts val="0"/>
+                        </a:spcAft>
+                      </a:pPr>
+                      <a:r>
+                        <a:rPr lang="de-DE" sz="1200">
+                          <a:effectLst/>
+                        </a:rPr>
+                        <a:t>Projektleiter</a:t>
+                      </a:r>
+                    </a:p>
+                    <a:p>
+                      <a:pPr>
+                        <a:spcAft>
+                          <a:spcPts val="0"/>
+                        </a:spcAft>
+                      </a:pPr>
+                      <a:r>
+                        <a:rPr lang="de-DE" sz="1200">
+                          <a:effectLst/>
+                        </a:rPr>
+                        <a:t>Entwickler</a:t>
+                      </a:r>
+                      <a:endParaRPr lang="de-DE" sz="1200">
+                        <a:effectLst/>
+                        <a:latin typeface="Calibri" panose="020F0502020204030204" pitchFamily="34" charset="0"/>
+                        <a:ea typeface="Calibri" panose="020F0502020204030204" pitchFamily="34" charset="0"/>
+                        <a:cs typeface="Times New Roman" panose="02020603050405020304" pitchFamily="18" charset="0"/>
+                      </a:endParaRPr>
+                    </a:p>
+                  </a:txBody>
+                  <a:tcPr marL="68580" marR="68580" marT="0" marB="0"/>
+                </a:tc>
+                <a:tc>
+                  <a:txBody>
+                    <a:bodyPr/>
+                    <a:lstStyle/>
+                    <a:p>
+                      <a:pPr>
+                        <a:spcAft>
+                          <a:spcPts val="0"/>
+                        </a:spcAft>
+                      </a:pPr>
+                      <a:r>
+                        <a:rPr lang="de-DE" sz="1200">
+                          <a:effectLst/>
+                        </a:rPr>
+                        <a:t>60€</a:t>
+                      </a:r>
+                      <a:endParaRPr lang="de-DE" sz="1200">
+                        <a:effectLst/>
+                        <a:latin typeface="Calibri" panose="020F0502020204030204" pitchFamily="34" charset="0"/>
+                        <a:ea typeface="Calibri" panose="020F0502020204030204" pitchFamily="34" charset="0"/>
+                        <a:cs typeface="Times New Roman" panose="02020603050405020304" pitchFamily="18" charset="0"/>
+                      </a:endParaRPr>
+                    </a:p>
+                  </a:txBody>
+                  <a:tcPr marL="68580" marR="68580" marT="0" marB="0"/>
+                </a:tc>
+                <a:tc>
+                  <a:txBody>
+                    <a:bodyPr/>
+                    <a:lstStyle/>
+                    <a:p>
+                      <a:pPr>
+                        <a:spcAft>
+                          <a:spcPts val="0"/>
+                        </a:spcAft>
+                      </a:pPr>
+                      <a:r>
+                        <a:rPr lang="de-DE" sz="1200">
+                          <a:effectLst/>
+                        </a:rPr>
+                        <a:t>68</a:t>
+                      </a:r>
+                      <a:endParaRPr lang="de-DE" sz="1200">
+                        <a:effectLst/>
+                        <a:latin typeface="Calibri" panose="020F0502020204030204" pitchFamily="34" charset="0"/>
+                        <a:ea typeface="Calibri" panose="020F0502020204030204" pitchFamily="34" charset="0"/>
+                        <a:cs typeface="Times New Roman" panose="02020603050405020304" pitchFamily="18" charset="0"/>
+                      </a:endParaRPr>
+                    </a:p>
+                  </a:txBody>
+                  <a:tcPr marL="68580" marR="68580" marT="0" marB="0"/>
+                </a:tc>
+                <a:tc>
+                  <a:txBody>
+                    <a:bodyPr/>
+                    <a:lstStyle/>
+                    <a:p>
+                      <a:pPr>
+                        <a:spcAft>
+                          <a:spcPts val="0"/>
+                        </a:spcAft>
+                      </a:pPr>
+                      <a:r>
+                        <a:rPr lang="de-DE" sz="1200">
+                          <a:effectLst/>
+                        </a:rPr>
+                        <a:t>4080€</a:t>
+                      </a:r>
+                      <a:endParaRPr lang="de-DE" sz="1200">
+                        <a:effectLst/>
+                        <a:latin typeface="Calibri" panose="020F0502020204030204" pitchFamily="34" charset="0"/>
+                        <a:ea typeface="Calibri" panose="020F0502020204030204" pitchFamily="34" charset="0"/>
+                        <a:cs typeface="Times New Roman" panose="02020603050405020304" pitchFamily="18" charset="0"/>
+                      </a:endParaRPr>
+                    </a:p>
+                  </a:txBody>
+                  <a:tcPr marL="68580" marR="68580" marT="0" marB="0"/>
+                </a:tc>
+                <a:extLst>
+                  <a:ext uri="{0D108BD9-81ED-4DB2-BD59-A6C34878D82A}">
+                    <a16:rowId xmlns:a16="http://schemas.microsoft.com/office/drawing/2014/main" val="2377855701"/>
+                  </a:ext>
+                </a:extLst>
+              </a:tr>
+              <a:tr h="140252">
+                <a:tc>
+                  <a:txBody>
+                    <a:bodyPr/>
+                    <a:lstStyle/>
+                    <a:p>
+                      <a:pPr>
+                        <a:spcAft>
+                          <a:spcPts val="0"/>
+                        </a:spcAft>
+                      </a:pPr>
+                      <a:r>
+                        <a:rPr lang="de-DE" sz="1200">
+                          <a:effectLst/>
+                        </a:rPr>
+                        <a:t>Sascha Schüller</a:t>
+                      </a:r>
+                      <a:endParaRPr lang="de-DE" sz="1200">
+                        <a:effectLst/>
+                        <a:latin typeface="Calibri" panose="020F0502020204030204" pitchFamily="34" charset="0"/>
+                        <a:ea typeface="Calibri" panose="020F0502020204030204" pitchFamily="34" charset="0"/>
+                        <a:cs typeface="Times New Roman" panose="02020603050405020304" pitchFamily="18" charset="0"/>
+                      </a:endParaRPr>
+                    </a:p>
+                  </a:txBody>
+                  <a:tcPr marL="68580" marR="68580" marT="0" marB="0"/>
+                </a:tc>
+                <a:tc>
+                  <a:txBody>
+                    <a:bodyPr/>
+                    <a:lstStyle/>
+                    <a:p>
+                      <a:pPr>
+                        <a:spcAft>
+                          <a:spcPts val="0"/>
+                        </a:spcAft>
+                      </a:pPr>
+                      <a:r>
+                        <a:rPr lang="de-DE" sz="1200">
+                          <a:effectLst/>
+                        </a:rPr>
+                        <a:t>Ansprechpartner</a:t>
+                      </a:r>
+                      <a:endParaRPr lang="de-DE" sz="1200">
+                        <a:effectLst/>
+                        <a:latin typeface="Calibri" panose="020F0502020204030204" pitchFamily="34" charset="0"/>
+                        <a:ea typeface="Calibri" panose="020F0502020204030204" pitchFamily="34" charset="0"/>
+                        <a:cs typeface="Times New Roman" panose="02020603050405020304" pitchFamily="18" charset="0"/>
+                      </a:endParaRPr>
+                    </a:p>
+                  </a:txBody>
+                  <a:tcPr marL="68580" marR="68580" marT="0" marB="0"/>
+                </a:tc>
+                <a:tc>
+                  <a:txBody>
+                    <a:bodyPr/>
+                    <a:lstStyle/>
+                    <a:p>
+                      <a:pPr>
+                        <a:spcAft>
+                          <a:spcPts val="0"/>
+                        </a:spcAft>
+                      </a:pPr>
+                      <a:r>
+                        <a:rPr lang="de-DE" sz="1200">
+                          <a:effectLst/>
+                        </a:rPr>
+                        <a:t>60€</a:t>
+                      </a:r>
+                      <a:endParaRPr lang="de-DE" sz="1200">
+                        <a:effectLst/>
+                        <a:latin typeface="Calibri" panose="020F0502020204030204" pitchFamily="34" charset="0"/>
+                        <a:ea typeface="Calibri" panose="020F0502020204030204" pitchFamily="34" charset="0"/>
+                        <a:cs typeface="Times New Roman" panose="02020603050405020304" pitchFamily="18" charset="0"/>
+                      </a:endParaRPr>
+                    </a:p>
+                  </a:txBody>
+                  <a:tcPr marL="68580" marR="68580" marT="0" marB="0"/>
+                </a:tc>
+                <a:tc>
+                  <a:txBody>
+                    <a:bodyPr/>
+                    <a:lstStyle/>
+                    <a:p>
+                      <a:pPr>
+                        <a:spcAft>
+                          <a:spcPts val="0"/>
+                        </a:spcAft>
+                      </a:pPr>
+                      <a:r>
+                        <a:rPr lang="de-DE" sz="1200">
+                          <a:effectLst/>
+                        </a:rPr>
+                        <a:t>4</a:t>
+                      </a:r>
+                      <a:endParaRPr lang="de-DE" sz="1200">
+                        <a:effectLst/>
+                        <a:latin typeface="Calibri" panose="020F0502020204030204" pitchFamily="34" charset="0"/>
+                        <a:ea typeface="Calibri" panose="020F0502020204030204" pitchFamily="34" charset="0"/>
+                        <a:cs typeface="Times New Roman" panose="02020603050405020304" pitchFamily="18" charset="0"/>
+                      </a:endParaRPr>
+                    </a:p>
+                  </a:txBody>
+                  <a:tcPr marL="68580" marR="68580" marT="0" marB="0"/>
+                </a:tc>
+                <a:tc>
+                  <a:txBody>
+                    <a:bodyPr/>
+                    <a:lstStyle/>
+                    <a:p>
+                      <a:pPr>
+                        <a:spcAft>
+                          <a:spcPts val="0"/>
+                        </a:spcAft>
+                      </a:pPr>
+                      <a:r>
+                        <a:rPr lang="de-DE" sz="1200">
+                          <a:effectLst/>
+                        </a:rPr>
+                        <a:t>240€</a:t>
+                      </a:r>
+                      <a:endParaRPr lang="de-DE" sz="1200">
+                        <a:effectLst/>
+                        <a:latin typeface="Calibri" panose="020F0502020204030204" pitchFamily="34" charset="0"/>
+                        <a:ea typeface="Calibri" panose="020F0502020204030204" pitchFamily="34" charset="0"/>
+                        <a:cs typeface="Times New Roman" panose="02020603050405020304" pitchFamily="18" charset="0"/>
+                      </a:endParaRPr>
+                    </a:p>
+                  </a:txBody>
+                  <a:tcPr marL="68580" marR="68580" marT="0" marB="0"/>
+                </a:tc>
+                <a:extLst>
+                  <a:ext uri="{0D108BD9-81ED-4DB2-BD59-A6C34878D82A}">
+                    <a16:rowId xmlns:a16="http://schemas.microsoft.com/office/drawing/2014/main" val="2849914619"/>
+                  </a:ext>
+                </a:extLst>
+              </a:tr>
+              <a:tr h="63114">
+                <a:tc>
+                  <a:txBody>
+                    <a:bodyPr/>
+                    <a:lstStyle/>
+                    <a:p>
+                      <a:pPr>
+                        <a:spcAft>
+                          <a:spcPts val="0"/>
+                        </a:spcAft>
+                      </a:pPr>
+                      <a:r>
+                        <a:rPr lang="de-DE" sz="1200">
+                          <a:effectLst/>
+                        </a:rPr>
+                        <a:t>Summe</a:t>
+                      </a:r>
+                      <a:endParaRPr lang="de-DE" sz="1200">
+                        <a:effectLst/>
+                        <a:latin typeface="Calibri" panose="020F0502020204030204" pitchFamily="34" charset="0"/>
+                        <a:ea typeface="Calibri" panose="020F0502020204030204" pitchFamily="34" charset="0"/>
+                        <a:cs typeface="Times New Roman" panose="02020603050405020304" pitchFamily="18" charset="0"/>
+                      </a:endParaRPr>
+                    </a:p>
+                  </a:txBody>
+                  <a:tcPr marL="68580" marR="68580" marT="0" marB="0"/>
+                </a:tc>
+                <a:tc>
+                  <a:txBody>
+                    <a:bodyPr/>
+                    <a:lstStyle/>
+                    <a:p>
+                      <a:pPr>
+                        <a:spcAft>
+                          <a:spcPts val="0"/>
+                        </a:spcAft>
+                      </a:pPr>
+                      <a:r>
+                        <a:rPr lang="de-DE" sz="1200">
+                          <a:effectLst/>
+                        </a:rPr>
+                        <a:t> </a:t>
+                      </a:r>
+                      <a:endParaRPr lang="de-DE" sz="1200">
+                        <a:effectLst/>
+                        <a:latin typeface="Calibri" panose="020F0502020204030204" pitchFamily="34" charset="0"/>
+                        <a:ea typeface="Calibri" panose="020F0502020204030204" pitchFamily="34" charset="0"/>
+                        <a:cs typeface="Times New Roman" panose="02020603050405020304" pitchFamily="18" charset="0"/>
+                      </a:endParaRPr>
+                    </a:p>
+                  </a:txBody>
+                  <a:tcPr marL="68580" marR="68580" marT="0" marB="0"/>
+                </a:tc>
+                <a:tc>
+                  <a:txBody>
+                    <a:bodyPr/>
+                    <a:lstStyle/>
+                    <a:p>
+                      <a:pPr>
+                        <a:spcAft>
+                          <a:spcPts val="0"/>
+                        </a:spcAft>
+                      </a:pPr>
+                      <a:r>
+                        <a:rPr lang="de-DE" sz="1200">
+                          <a:effectLst/>
+                        </a:rPr>
+                        <a:t> </a:t>
+                      </a:r>
+                      <a:endParaRPr lang="de-DE" sz="1200">
+                        <a:effectLst/>
+                        <a:latin typeface="Calibri" panose="020F0502020204030204" pitchFamily="34" charset="0"/>
+                        <a:ea typeface="Calibri" panose="020F0502020204030204" pitchFamily="34" charset="0"/>
+                        <a:cs typeface="Times New Roman" panose="02020603050405020304" pitchFamily="18" charset="0"/>
+                      </a:endParaRPr>
+                    </a:p>
+                  </a:txBody>
+                  <a:tcPr marL="68580" marR="68580" marT="0" marB="0"/>
+                </a:tc>
+                <a:tc>
+                  <a:txBody>
+                    <a:bodyPr/>
+                    <a:lstStyle/>
+                    <a:p>
+                      <a:pPr>
+                        <a:spcAft>
+                          <a:spcPts val="0"/>
+                        </a:spcAft>
+                      </a:pPr>
+                      <a:r>
+                        <a:rPr lang="de-DE" sz="1200">
+                          <a:effectLst/>
+                        </a:rPr>
+                        <a:t>72</a:t>
+                      </a:r>
+                      <a:endParaRPr lang="de-DE" sz="1200">
+                        <a:effectLst/>
+                        <a:latin typeface="Calibri" panose="020F0502020204030204" pitchFamily="34" charset="0"/>
+                        <a:ea typeface="Calibri" panose="020F0502020204030204" pitchFamily="34" charset="0"/>
+                        <a:cs typeface="Times New Roman" panose="02020603050405020304" pitchFamily="18" charset="0"/>
+                      </a:endParaRPr>
+                    </a:p>
+                  </a:txBody>
+                  <a:tcPr marL="68580" marR="68580" marT="0" marB="0"/>
+                </a:tc>
+                <a:tc>
+                  <a:txBody>
+                    <a:bodyPr/>
+                    <a:lstStyle/>
+                    <a:p>
+                      <a:pPr>
+                        <a:spcAft>
+                          <a:spcPts val="0"/>
+                        </a:spcAft>
+                      </a:pPr>
+                      <a:r>
+                        <a:rPr lang="de-DE" sz="1200" dirty="0">
+                          <a:effectLst/>
+                        </a:rPr>
+                        <a:t>4320€</a:t>
+                      </a:r>
+                      <a:endParaRPr lang="de-DE" sz="1200" dirty="0">
+                        <a:effectLst/>
+                        <a:latin typeface="Calibri" panose="020F0502020204030204" pitchFamily="34" charset="0"/>
+                        <a:ea typeface="Calibri" panose="020F0502020204030204" pitchFamily="34" charset="0"/>
+                        <a:cs typeface="Times New Roman" panose="02020603050405020304" pitchFamily="18" charset="0"/>
+                      </a:endParaRPr>
+                    </a:p>
+                  </a:txBody>
+                  <a:tcPr marL="68580" marR="68580" marT="0" marB="0"/>
+                </a:tc>
+                <a:extLst>
+                  <a:ext uri="{0D108BD9-81ED-4DB2-BD59-A6C34878D82A}">
+                    <a16:rowId xmlns:a16="http://schemas.microsoft.com/office/drawing/2014/main" val="3880994699"/>
+                  </a:ext>
+                </a:extLst>
+              </a:tr>
+            </a:tbl>
+          </a:graphicData>
+        </a:graphic>
+      </p:graphicFrame>
+      <p:sp>
+        <p:nvSpPr>
+          <p:cNvPr id="4" name="Footer Placeholder 3">
+            <a:extLst>
+              <a:ext uri="{FF2B5EF4-FFF2-40B4-BE49-F238E27FC236}">
+                <a16:creationId xmlns:a16="http://schemas.microsoft.com/office/drawing/2014/main" id="{66555ACB-3153-5B4D-ACC8-96DF40B42975}"/>
+              </a:ext>
+            </a:extLst>
+          </p:cNvPr>
+          <p:cNvSpPr>
+            <a:spLocks noGrp="1"/>
+          </p:cNvSpPr>
+          <p:nvPr>
+            <p:ph type="ftr" sz="quarter" idx="11"/>
+          </p:nvPr>
+        </p:nvSpPr>
+        <p:spPr/>
+        <p:txBody>
+          <a:bodyPr/>
+          <a:lstStyle/>
+          <a:p>
+            <a:r>
+              <a:rPr lang="de-DE"/>
+              <a:t>Abschlussprojekt</a:t>
+            </a:r>
+            <a:endParaRPr lang="de-DE" dirty="0"/>
+          </a:p>
+        </p:txBody>
+      </p:sp>
+      <p:sp>
+        <p:nvSpPr>
+          <p:cNvPr id="5" name="Slide Number Placeholder 4">
+            <a:extLst>
+              <a:ext uri="{FF2B5EF4-FFF2-40B4-BE49-F238E27FC236}">
+                <a16:creationId xmlns:a16="http://schemas.microsoft.com/office/drawing/2014/main" id="{E6EA0AEF-BFD3-7040-934E-76EC786D3143}"/>
+              </a:ext>
+            </a:extLst>
+          </p:cNvPr>
+          <p:cNvSpPr>
+            <a:spLocks noGrp="1"/>
+          </p:cNvSpPr>
+          <p:nvPr>
+            <p:ph type="sldNum" sz="quarter" idx="12"/>
+          </p:nvPr>
+        </p:nvSpPr>
+        <p:spPr/>
+        <p:txBody>
+          <a:bodyPr/>
+          <a:lstStyle/>
+          <a:p>
+            <a:fld id="{506DEF79-D5F3-42ED-9335-D73AD216BB54}" type="slidenum">
+              <a:rPr lang="de-DE" smtClean="0"/>
+              <a:pPr/>
+              <a:t>8</a:t>
+            </a:fld>
+            <a:r>
+              <a:rPr lang="de-DE"/>
+              <a:t> von 9999</a:t>
+            </a:r>
+            <a:endParaRPr lang="de-DE" dirty="0"/>
+          </a:p>
+        </p:txBody>
+      </p:sp>
+      <p:sp>
+        <p:nvSpPr>
+          <p:cNvPr id="7" name="Rectangle 1">
+            <a:extLst>
+              <a:ext uri="{FF2B5EF4-FFF2-40B4-BE49-F238E27FC236}">
+                <a16:creationId xmlns:a16="http://schemas.microsoft.com/office/drawing/2014/main" id="{1084838B-9A7D-FB4D-8ED6-98696C299AFB}"/>
+              </a:ext>
+            </a:extLst>
+          </p:cNvPr>
+          <p:cNvSpPr>
+            <a:spLocks noChangeArrowheads="1"/>
+          </p:cNvSpPr>
+          <p:nvPr/>
+        </p:nvSpPr>
+        <p:spPr bwMode="auto">
+          <a:xfrm>
+            <a:off x="611560" y="1735994"/>
+            <a:ext cx="8207896" cy="830997"/>
+          </a:xfrm>
+          <a:prstGeom prst="rect">
+            <a:avLst/>
+          </a:prstGeom>
+          <a:noFill/>
+          <a:ln>
+            <a:noFill/>
+          </a:ln>
+          <a:effectLst/>
+          <a:extLst>
+            <a:ext uri="{909E8E84-426E-40DD-AFC4-6F175D3DCCD1}">
+              <a14:hiddenFill xmlns:a14="http://schemas.microsoft.com/office/drawing/2010/main">
+                <a:solidFill>
+                  <a:schemeClr val="accent1"/>
+                </a:solidFill>
+              </a14:hiddenFill>
+            </a:ext>
+            <a:ext uri="{91240B29-F687-4F45-9708-019B960494DF}">
+              <a14:hiddenLine xmlns:a14="http://schemas.microsoft.com/office/drawing/2010/main" w="9525">
+                <a:solidFill>
+                  <a:schemeClr val="tx1"/>
+                </a:solidFill>
+                <a:miter lim="800000"/>
+                <a:headEnd/>
+                <a:tailEnd/>
+              </a14:hiddenLine>
+            </a:ext>
+            <a:ext uri="{AF507438-7753-43E0-B8FC-AC1667EBCBE1}">
+              <a14:hiddenEffects xmlns:a14="http://schemas.microsoft.com/office/drawing/2010/main">
+                <a:effectLst>
+                  <a:outerShdw dist="35921" dir="2700000" algn="ctr" rotWithShape="0">
+                    <a:schemeClr val="bg2"/>
+                  </a:outerShdw>
+                </a:effectLst>
+              </a14:hiddenEffects>
+            </a:ext>
+          </a:extLst>
+        </p:spPr>
+        <p:txBody>
+          <a:bodyPr vert="horz" wrap="square" lIns="91440" tIns="45720" rIns="91440" bIns="45720" numCol="1" anchor="ctr" anchorCtr="0" compatLnSpc="1">
+            <a:prstTxWarp prst="textNoShape">
+              <a:avLst/>
+            </a:prstTxWarp>
+            <a:spAutoFit/>
+          </a:bodyPr>
+          <a:lstStyle/>
+          <a:p>
+            <a:pPr marL="0" marR="0" lvl="0" indent="0" algn="just" defTabSz="914400" rtl="0" eaLnBrk="0" fontAlgn="base" latinLnBrk="0" hangingPunct="0">
+              <a:lnSpc>
+                <a:spcPct val="100000"/>
+              </a:lnSpc>
+              <a:spcBef>
+                <a:spcPct val="0"/>
+              </a:spcBef>
+              <a:spcAft>
+                <a:spcPct val="0"/>
+              </a:spcAft>
+              <a:buClrTx/>
+              <a:buSzTx/>
+              <a:buFontTx/>
+              <a:buNone/>
+              <a:tabLst/>
+            </a:pPr>
+            <a:r>
+              <a:rPr kumimoji="0" lang="de-DE" altLang="de-DE" sz="1200" b="0" i="0" u="none" strike="noStrike" cap="none" normalizeH="0" baseline="0" dirty="0">
+                <a:ln>
+                  <a:noFill/>
+                </a:ln>
+                <a:solidFill>
+                  <a:schemeClr val="tx1"/>
+                </a:solidFill>
+                <a:effectLst/>
+                <a:latin typeface="Calibri" panose="020F0502020204030204" pitchFamily="34" charset="0"/>
+                <a:ea typeface="Calibri" panose="020F0502020204030204" pitchFamily="34" charset="0"/>
+                <a:cs typeface="Times New Roman" panose="02020603050405020304" pitchFamily="18" charset="0"/>
+              </a:rPr>
+              <a:t>Kosten des Projekts setzen sich aus den Personalkosten und den Kosten für Sachmittel zusammen. Die genutzten Sachmittel sind jedoch bereits in den Personalkosten enthalten. Der interne Verrechnungssatz für einen Entwickler beträgt bei GESIS 60€. Die Kostenaufstellung kann Tabelle 3 entnommen werden.</a:t>
+            </a:r>
+            <a:endParaRPr kumimoji="0" lang="de-DE" altLang="de-DE" sz="600" b="0" i="0" u="none" strike="noStrike" cap="none" normalizeH="0" baseline="0" dirty="0">
+              <a:ln>
+                <a:noFill/>
+              </a:ln>
+              <a:solidFill>
+                <a:schemeClr val="tx1"/>
+              </a:solidFill>
+              <a:effectLst/>
+            </a:endParaRPr>
+          </a:p>
+          <a:p>
+            <a:pPr marL="0" marR="0" lvl="0" indent="0" algn="just" defTabSz="914400" rtl="0" eaLnBrk="0" fontAlgn="base" latinLnBrk="0" hangingPunct="0">
+              <a:lnSpc>
+                <a:spcPct val="100000"/>
+              </a:lnSpc>
+              <a:spcBef>
+                <a:spcPct val="0"/>
+              </a:spcBef>
+              <a:spcAft>
+                <a:spcPct val="0"/>
+              </a:spcAft>
+              <a:buClrTx/>
+              <a:buSzTx/>
+              <a:buFontTx/>
+              <a:buNone/>
+              <a:tabLst/>
+            </a:pPr>
+            <a:r>
+              <a:rPr kumimoji="0" lang="de-DE" altLang="de-DE" sz="1200" b="0" i="0" u="none" strike="noStrike" cap="none" normalizeH="0" baseline="0" dirty="0">
+                <a:ln>
+                  <a:noFill/>
+                </a:ln>
+                <a:solidFill>
+                  <a:srgbClr val="FFFFFF"/>
+                </a:solidFill>
+                <a:effectLst/>
+                <a:latin typeface="Calibri" panose="020F0502020204030204" pitchFamily="34" charset="0"/>
+                <a:ea typeface="Calibri" panose="020F0502020204030204" pitchFamily="34" charset="0"/>
+                <a:cs typeface="Times New Roman" panose="02020603050405020304" pitchFamily="18" charset="0"/>
+              </a:rPr>
+              <a:t>Tabelle </a:t>
+            </a:r>
+            <a:r>
+              <a:rPr kumimoji="0" lang="de-DE" altLang="de-DE" sz="1200" b="0" i="0" u="none" strike="noStrike" cap="none" normalizeH="0" baseline="0" dirty="0">
+                <a:ln>
+                  <a:noFill/>
+                </a:ln>
+                <a:solidFill>
+                  <a:schemeClr val="tx1"/>
+                </a:solidFill>
+                <a:effectLst/>
+                <a:latin typeface="Calibri" panose="020F0502020204030204" pitchFamily="34" charset="0"/>
+                <a:ea typeface="Calibri" panose="020F0502020204030204" pitchFamily="34" charset="0"/>
+                <a:cs typeface="Times New Roman" panose="02020603050405020304" pitchFamily="18" charset="0"/>
+              </a:rPr>
+              <a:t>3: Kostenaufstellung</a:t>
+            </a:r>
+            <a:endParaRPr kumimoji="0" lang="de-DE" altLang="de-DE" sz="1800" b="0" i="0" u="none" strike="noStrike" cap="none" normalizeH="0" baseline="0" dirty="0">
+              <a:ln>
+                <a:noFill/>
+              </a:ln>
+              <a:solidFill>
+                <a:schemeClr val="tx1"/>
+              </a:solidFill>
+              <a:effectLst/>
+              <a:latin typeface="Arial" panose="020B0604020202020204" pitchFamily="34" charset="0"/>
+            </a:endParaRPr>
+          </a:p>
+        </p:txBody>
+      </p:sp>
+      <p:sp>
+        <p:nvSpPr>
+          <p:cNvPr id="8" name="TextBox 7">
+            <a:extLst>
+              <a:ext uri="{FF2B5EF4-FFF2-40B4-BE49-F238E27FC236}">
+                <a16:creationId xmlns:a16="http://schemas.microsoft.com/office/drawing/2014/main" id="{80CCEA86-B114-E946-B2FA-045E07254673}"/>
+              </a:ext>
+            </a:extLst>
+          </p:cNvPr>
+          <p:cNvSpPr txBox="1"/>
+          <p:nvPr/>
+        </p:nvSpPr>
+        <p:spPr>
+          <a:xfrm>
+            <a:off x="1095469" y="4526733"/>
+            <a:ext cx="3194529" cy="369332"/>
+          </a:xfrm>
+          <a:prstGeom prst="rect">
+            <a:avLst/>
+          </a:prstGeom>
+          <a:noFill/>
+        </p:spPr>
+        <p:txBody>
+          <a:bodyPr wrap="none" rtlCol="0">
+            <a:spAutoFit/>
+          </a:bodyPr>
+          <a:lstStyle/>
+          <a:p>
+            <a:r>
+              <a:rPr lang="de-DE"/>
+              <a:t>AMORTISATIONSBERECHNUNG?</a:t>
+            </a:r>
+          </a:p>
+        </p:txBody>
+      </p:sp>
+    </p:spTree>
+    <p:extLst>
+      <p:ext uri="{BB962C8B-B14F-4D97-AF65-F5344CB8AC3E}">
+        <p14:creationId xmlns:p14="http://schemas.microsoft.com/office/powerpoint/2010/main" val="291288188"/>
+      </p:ext>
+    </p:extLst>
+  </p:cSld>
+  <p:clrMapOvr>
+    <a:masterClrMapping/>
+  </p:clrMapOvr>
+</p:sld>
+</file>
+
+<file path=ppt/slides/slide9.xml><?xml version="1.0" encoding="utf-8"?>
 <p:sld xmlns:a="http://schemas.openxmlformats.org/drawingml/2006/main" xmlns:r="http://schemas.openxmlformats.org/officeDocument/2006/relationships" xmlns:p="http://schemas.openxmlformats.org/presentationml/2006/main">
   <p:cSld>
     <p:spTree>
@@ -8872,7 +10084,7 @@
           <a:p>
             <a:fld id="{506DEF79-D5F3-42ED-9335-D73AD216BB54}" type="slidenum">
               <a:rPr lang="de-DE" smtClean="0"/>
-              <a:t>8</a:t>
+              <a:t>9</a:t>
             </a:fld>
             <a:r>
               <a:rPr lang="de-DE" dirty="0"/>
@@ -9201,161 +10413,6 @@
       <p:bldP spid="13" grpId="0"/>
     </p:bldLst>
   </p:timing>
-</p:sld>
-</file>
-
-<file path=ppt/slides/slide9.xml><?xml version="1.0" encoding="utf-8"?>
-<p:sld xmlns:a="http://schemas.openxmlformats.org/drawingml/2006/main" xmlns:r="http://schemas.openxmlformats.org/officeDocument/2006/relationships" xmlns:p="http://schemas.openxmlformats.org/presentationml/2006/main">
-  <p:cSld>
-    <p:spTree>
-      <p:nvGrpSpPr>
-        <p:cNvPr id="1" name=""/>
-        <p:cNvGrpSpPr/>
-        <p:nvPr/>
-      </p:nvGrpSpPr>
-      <p:grpSpPr>
-        <a:xfrm>
-          <a:off x="0" y="0"/>
-          <a:ext cx="0" cy="0"/>
-          <a:chOff x="0" y="0"/>
-          <a:chExt cx="0" cy="0"/>
-        </a:xfrm>
-      </p:grpSpPr>
-      <p:sp>
-        <p:nvSpPr>
-          <p:cNvPr id="2" name="Title 1">
-            <a:extLst>
-              <a:ext uri="{FF2B5EF4-FFF2-40B4-BE49-F238E27FC236}">
-                <a16:creationId xmlns:a16="http://schemas.microsoft.com/office/drawing/2014/main" id="{C1F94D26-A670-F34C-8B7D-2DC1C8F0B81C}"/>
-              </a:ext>
-            </a:extLst>
-          </p:cNvPr>
-          <p:cNvSpPr>
-            <a:spLocks noGrp="1"/>
-          </p:cNvSpPr>
-          <p:nvPr>
-            <p:ph type="title"/>
-          </p:nvPr>
-        </p:nvSpPr>
-        <p:spPr/>
-        <p:txBody>
-          <a:bodyPr/>
-          <a:lstStyle/>
-          <a:p>
-            <a:r>
-              <a:rPr lang="de-DE" dirty="0"/>
-              <a:t>Testverzeichnis</a:t>
-            </a:r>
-          </a:p>
-        </p:txBody>
-      </p:sp>
-      <p:pic>
-        <p:nvPicPr>
-          <p:cNvPr id="7" name="Content Placeholder 6" descr="A screenshot of a computer screen&#10;&#10;Description automatically generated">
-            <a:extLst>
-              <a:ext uri="{FF2B5EF4-FFF2-40B4-BE49-F238E27FC236}">
-                <a16:creationId xmlns:a16="http://schemas.microsoft.com/office/drawing/2014/main" id="{711C6A53-6F06-E944-89F4-E1E765BEA4A8}"/>
-              </a:ext>
-            </a:extLst>
-          </p:cNvPr>
-          <p:cNvPicPr>
-            <a:picLocks noGrp="1" noChangeAspect="1"/>
-          </p:cNvPicPr>
-          <p:nvPr>
-            <p:ph idx="1"/>
-          </p:nvPr>
-        </p:nvPicPr>
-        <p:blipFill>
-          <a:blip r:embed="rId3">
-            <a:extLst>
-              <a:ext uri="{28A0092B-C50C-407E-A947-70E740481C1C}">
-                <a14:useLocalDpi xmlns:a14="http://schemas.microsoft.com/office/drawing/2010/main" val="0"/>
-              </a:ext>
-            </a:extLst>
-          </a:blip>
-          <a:stretch>
-            <a:fillRect/>
-          </a:stretch>
-        </p:blipFill>
-        <p:spPr>
-          <a:xfrm>
-            <a:off x="684213" y="1619250"/>
-            <a:ext cx="4432300" cy="4330700"/>
-          </a:xfrm>
-        </p:spPr>
-      </p:pic>
-      <p:sp>
-        <p:nvSpPr>
-          <p:cNvPr id="4" name="Footer Placeholder 3">
-            <a:extLst>
-              <a:ext uri="{FF2B5EF4-FFF2-40B4-BE49-F238E27FC236}">
-                <a16:creationId xmlns:a16="http://schemas.microsoft.com/office/drawing/2014/main" id="{1019E0D5-835D-2844-86C3-E11FB376F4CA}"/>
-              </a:ext>
-            </a:extLst>
-          </p:cNvPr>
-          <p:cNvSpPr>
-            <a:spLocks noGrp="1"/>
-          </p:cNvSpPr>
-          <p:nvPr>
-            <p:ph type="ftr" sz="quarter" idx="11"/>
-          </p:nvPr>
-        </p:nvSpPr>
-        <p:spPr/>
-        <p:txBody>
-          <a:bodyPr/>
-          <a:lstStyle/>
-          <a:p>
-            <a:r>
-              <a:rPr lang="de-DE"/>
-              <a:t>Extreme Programming</a:t>
-            </a:r>
-            <a:endParaRPr lang="de-DE" dirty="0"/>
-          </a:p>
-        </p:txBody>
-      </p:sp>
-      <p:sp>
-        <p:nvSpPr>
-          <p:cNvPr id="5" name="Slide Number Placeholder 4">
-            <a:extLst>
-              <a:ext uri="{FF2B5EF4-FFF2-40B4-BE49-F238E27FC236}">
-                <a16:creationId xmlns:a16="http://schemas.microsoft.com/office/drawing/2014/main" id="{F72071CF-7F98-9F46-ADA4-E896D2518C1D}"/>
-              </a:ext>
-            </a:extLst>
-          </p:cNvPr>
-          <p:cNvSpPr>
-            <a:spLocks noGrp="1"/>
-          </p:cNvSpPr>
-          <p:nvPr>
-            <p:ph type="sldNum" sz="quarter" idx="12"/>
-          </p:nvPr>
-        </p:nvSpPr>
-        <p:spPr/>
-        <p:txBody>
-          <a:bodyPr/>
-          <a:lstStyle/>
-          <a:p>
-            <a:fld id="{506DEF79-D5F3-42ED-9335-D73AD216BB54}" type="slidenum">
-              <a:rPr lang="de-DE" smtClean="0"/>
-              <a:pPr/>
-              <a:t>9</a:t>
-            </a:fld>
-            <a:r>
-              <a:rPr lang="de-DE"/>
-              <a:t> von 16</a:t>
-            </a:r>
-          </a:p>
-        </p:txBody>
-      </p:sp>
-    </p:spTree>
-    <p:extLst>
-      <p:ext uri="{BB962C8B-B14F-4D97-AF65-F5344CB8AC3E}">
-        <p14:creationId xmlns:p14="http://schemas.microsoft.com/office/powerpoint/2010/main" val="2621459993"/>
-      </p:ext>
-    </p:extLst>
-  </p:cSld>
-  <p:clrMapOvr>
-    <a:masterClrMapping/>
-  </p:clrMapOvr>
 </p:sld>
 </file>
 

--- a/DOC/Fachgespraech.pptx
+++ b/DOC/Fachgespraech.pptx
@@ -5,10 +5,10 @@
     <p:sldMasterId id="2147483648" r:id="rId5"/>
   </p:sldMasterIdLst>
   <p:notesMasterIdLst>
-    <p:notesMasterId r:id="rId18"/>
+    <p:notesMasterId r:id="rId24"/>
   </p:notesMasterIdLst>
   <p:handoutMasterIdLst>
-    <p:handoutMasterId r:id="rId19"/>
+    <p:handoutMasterId r:id="rId25"/>
   </p:handoutMasterIdLst>
   <p:sldIdLst>
     <p:sldId id="329" r:id="rId6"/>
@@ -16,13 +16,19 @@
     <p:sldId id="259" r:id="rId8"/>
     <p:sldId id="261" r:id="rId9"/>
     <p:sldId id="369" r:id="rId10"/>
-    <p:sldId id="367" r:id="rId11"/>
-    <p:sldId id="368" r:id="rId12"/>
+    <p:sldId id="356" r:id="rId11"/>
+    <p:sldId id="367" r:id="rId12"/>
     <p:sldId id="370" r:id="rId13"/>
-    <p:sldId id="356" r:id="rId14"/>
-    <p:sldId id="365" r:id="rId15"/>
-    <p:sldId id="366" r:id="rId16"/>
-    <p:sldId id="348" r:id="rId17"/>
+    <p:sldId id="372" r:id="rId14"/>
+    <p:sldId id="373" r:id="rId15"/>
+    <p:sldId id="375" r:id="rId16"/>
+    <p:sldId id="374" r:id="rId17"/>
+    <p:sldId id="365" r:id="rId18"/>
+    <p:sldId id="366" r:id="rId19"/>
+    <p:sldId id="376" r:id="rId20"/>
+    <p:sldId id="378" r:id="rId21"/>
+    <p:sldId id="377" r:id="rId22"/>
+    <p:sldId id="348" r:id="rId23"/>
   </p:sldIdLst>
   <p:sldSz cx="9144000" cy="6858000" type="screen4x3"/>
   <p:notesSz cx="7099300" cy="10234613"/>
@@ -933,809 +939,6 @@
 </c:chartSpace>
 </file>
 
-<file path=ppt/charts/chart2.xml><?xml version="1.0" encoding="utf-8"?>
-<c:chartSpace xmlns:c="http://schemas.openxmlformats.org/drawingml/2006/chart" xmlns:a="http://schemas.openxmlformats.org/drawingml/2006/main" xmlns:r="http://schemas.openxmlformats.org/officeDocument/2006/relationships" xmlns:c16r2="http://schemas.microsoft.com/office/drawing/2015/06/chart">
-  <c:date1904 val="0"/>
-  <c:lang val="en-GB"/>
-  <c:roundedCorners val="0"/>
-  <mc:AlternateContent xmlns:mc="http://schemas.openxmlformats.org/markup-compatibility/2006">
-    <mc:Choice xmlns:c14="http://schemas.microsoft.com/office/drawing/2007/8/2/chart" Requires="c14">
-      <c14:style val="102"/>
-    </mc:Choice>
-    <mc:Fallback>
-      <c:style val="2"/>
-    </mc:Fallback>
-  </mc:AlternateContent>
-  <c:chart>
-    <c:title>
-      <c:tx>
-        <c:rich>
-          <a:bodyPr rot="0" spcFirstLastPara="1" vertOverflow="ellipsis" vert="horz" wrap="square" anchor="ctr" anchorCtr="1"/>
-          <a:lstStyle/>
-          <a:p>
-            <a:pPr>
-              <a:defRPr sz="1400" b="0" i="0" u="none" strike="noStrike" kern="1200" spc="0" baseline="0">
-                <a:solidFill>
-                  <a:schemeClr val="tx1">
-                    <a:lumMod val="65000"/>
-                    <a:lumOff val="35000"/>
-                  </a:schemeClr>
-                </a:solidFill>
-                <a:latin typeface="+mn-lt"/>
-                <a:ea typeface="+mn-ea"/>
-                <a:cs typeface="+mn-cs"/>
-              </a:defRPr>
-            </a:pPr>
-            <a:r>
-              <a:rPr lang="en-GB"/>
-              <a:t>Zeitliche</a:t>
-            </a:r>
-            <a:r>
-              <a:rPr lang="en-GB" baseline="0"/>
-              <a:t> Analyse</a:t>
-            </a:r>
-            <a:endParaRPr lang="en-GB"/>
-          </a:p>
-        </c:rich>
-      </c:tx>
-      <c:overlay val="0"/>
-      <c:spPr>
-        <a:noFill/>
-        <a:ln>
-          <a:noFill/>
-        </a:ln>
-        <a:effectLst/>
-      </c:spPr>
-      <c:txPr>
-        <a:bodyPr rot="0" spcFirstLastPara="1" vertOverflow="ellipsis" vert="horz" wrap="square" anchor="ctr" anchorCtr="1"/>
-        <a:lstStyle/>
-        <a:p>
-          <a:pPr>
-            <a:defRPr sz="1400" b="0" i="0" u="none" strike="noStrike" kern="1200" spc="0" baseline="0">
-              <a:solidFill>
-                <a:schemeClr val="tx1">
-                  <a:lumMod val="65000"/>
-                  <a:lumOff val="35000"/>
-                </a:schemeClr>
-              </a:solidFill>
-              <a:latin typeface="+mn-lt"/>
-              <a:ea typeface="+mn-ea"/>
-              <a:cs typeface="+mn-cs"/>
-            </a:defRPr>
-          </a:pPr>
-          <a:endParaRPr lang="de-DE"/>
-        </a:p>
-      </c:txPr>
-    </c:title>
-    <c:autoTitleDeleted val="0"/>
-    <c:plotArea>
-      <c:layout/>
-      <c:barChart>
-        <c:barDir val="col"/>
-        <c:grouping val="clustered"/>
-        <c:varyColors val="0"/>
-        <c:ser>
-          <c:idx val="0"/>
-          <c:order val="0"/>
-          <c:tx>
-            <c:strRef>
-              <c:f>Sheet1!$D$1</c:f>
-              <c:strCache>
-                <c:ptCount val="1"/>
-                <c:pt idx="0">
-                  <c:v>Soll in Stunden</c:v>
-                </c:pt>
-              </c:strCache>
-            </c:strRef>
-          </c:tx>
-          <c:spPr>
-            <a:solidFill>
-              <a:schemeClr val="tx2"/>
-            </a:solidFill>
-            <a:ln>
-              <a:noFill/>
-            </a:ln>
-            <a:effectLst/>
-          </c:spPr>
-          <c:invertIfNegative val="0"/>
-          <c:cat>
-            <c:strRef>
-              <c:extLst>
-                <c:ext xmlns:c15="http://schemas.microsoft.com/office/drawing/2012/chart" uri="{02D57815-91ED-43cb-92C2-25804820EDAC}">
-                  <c15:fullRef>
-                    <c15:sqref>Sheet1!$A$2:$C$29</c15:sqref>
-                  </c15:fullRef>
-                  <c15:levelRef>
-                    <c15:sqref>Sheet1!$C$2:$C$29</c15:sqref>
-                  </c15:levelRef>
-                </c:ext>
-              </c:extLst>
-              <c:f>Sheet1!$C$2:$C$29</c:f>
-              <c:strCache>
-                <c:ptCount val="28"/>
-                <c:pt idx="0">
-                  <c:v>AP PI1</c:v>
-                </c:pt>
-                <c:pt idx="1">
-                  <c:v>AP PI2</c:v>
-                </c:pt>
-                <c:pt idx="2">
-                  <c:v>AP P1</c:v>
-                </c:pt>
-                <c:pt idx="3">
-                  <c:v>AP P2</c:v>
-                </c:pt>
-                <c:pt idx="4">
-                  <c:v>AP P3</c:v>
-                </c:pt>
-                <c:pt idx="5">
-                  <c:v>AP P4</c:v>
-                </c:pt>
-                <c:pt idx="6">
-                  <c:v>AP P5</c:v>
-                </c:pt>
-                <c:pt idx="7">
-                  <c:v>AP P6</c:v>
-                </c:pt>
-                <c:pt idx="8">
-                  <c:v>AP A1</c:v>
-                </c:pt>
-                <c:pt idx="10">
-                  <c:v>AP E1</c:v>
-                </c:pt>
-                <c:pt idx="11">
-                  <c:v>AP E2</c:v>
-                </c:pt>
-                <c:pt idx="12">
-                  <c:v>AP E3</c:v>
-                </c:pt>
-                <c:pt idx="13">
-                  <c:v>AP E4</c:v>
-                </c:pt>
-                <c:pt idx="14">
-                  <c:v>AP E5</c:v>
-                </c:pt>
-                <c:pt idx="15">
-                  <c:v>AP E6</c:v>
-                </c:pt>
-                <c:pt idx="16">
-                  <c:v>AP I1</c:v>
-                </c:pt>
-                <c:pt idx="17">
-                  <c:v>AP I2</c:v>
-                </c:pt>
-                <c:pt idx="18">
-                  <c:v>AP I3</c:v>
-                </c:pt>
-                <c:pt idx="19">
-                  <c:v>AP I4</c:v>
-                </c:pt>
-                <c:pt idx="20">
-                  <c:v>AP I5</c:v>
-                </c:pt>
-                <c:pt idx="21">
-                  <c:v>AP I6</c:v>
-                </c:pt>
-                <c:pt idx="22">
-                  <c:v>AP I7</c:v>
-                </c:pt>
-                <c:pt idx="23">
-                  <c:v>AP T1</c:v>
-                </c:pt>
-                <c:pt idx="24">
-                  <c:v>AP T2</c:v>
-                </c:pt>
-                <c:pt idx="25">
-                  <c:v>AP T3</c:v>
-                </c:pt>
-              </c:strCache>
-            </c:strRef>
-          </c:cat>
-          <c:val>
-            <c:numRef>
-              <c:f>Sheet1!$D$2:$D$29</c:f>
-              <c:numCache>
-                <c:formatCode>General</c:formatCode>
-                <c:ptCount val="28"/>
-                <c:pt idx="0">
-                  <c:v>0.5</c:v>
-                </c:pt>
-                <c:pt idx="1">
-                  <c:v>0.5</c:v>
-                </c:pt>
-                <c:pt idx="2">
-                  <c:v>1.5</c:v>
-                </c:pt>
-                <c:pt idx="3">
-                  <c:v>0.5</c:v>
-                </c:pt>
-                <c:pt idx="4">
-                  <c:v>2</c:v>
-                </c:pt>
-                <c:pt idx="5">
-                  <c:v>2</c:v>
-                </c:pt>
-                <c:pt idx="6">
-                  <c:v>3</c:v>
-                </c:pt>
-                <c:pt idx="7">
-                  <c:v>2</c:v>
-                </c:pt>
-                <c:pt idx="8">
-                  <c:v>2</c:v>
-                </c:pt>
-                <c:pt idx="10">
-                  <c:v>2</c:v>
-                </c:pt>
-                <c:pt idx="11">
-                  <c:v>1</c:v>
-                </c:pt>
-                <c:pt idx="12">
-                  <c:v>4</c:v>
-                </c:pt>
-                <c:pt idx="13">
-                  <c:v>4</c:v>
-                </c:pt>
-                <c:pt idx="14">
-                  <c:v>1</c:v>
-                </c:pt>
-                <c:pt idx="15">
-                  <c:v>1</c:v>
-                </c:pt>
-                <c:pt idx="16">
-                  <c:v>1</c:v>
-                </c:pt>
-                <c:pt idx="17">
-                  <c:v>2</c:v>
-                </c:pt>
-                <c:pt idx="18">
-                  <c:v>1</c:v>
-                </c:pt>
-                <c:pt idx="19">
-                  <c:v>3</c:v>
-                </c:pt>
-                <c:pt idx="20">
-                  <c:v>3</c:v>
-                </c:pt>
-                <c:pt idx="21">
-                  <c:v>5</c:v>
-                </c:pt>
-                <c:pt idx="22">
-                  <c:v>4</c:v>
-                </c:pt>
-                <c:pt idx="23">
-                  <c:v>2</c:v>
-                </c:pt>
-                <c:pt idx="24">
-                  <c:v>2</c:v>
-                </c:pt>
-                <c:pt idx="25">
-                  <c:v>2</c:v>
-                </c:pt>
-                <c:pt idx="26">
-                  <c:v>2</c:v>
-                </c:pt>
-                <c:pt idx="27">
-                  <c:v>2</c:v>
-                </c:pt>
-              </c:numCache>
-            </c:numRef>
-          </c:val>
-          <c:extLst>
-            <c:ext xmlns:c16="http://schemas.microsoft.com/office/drawing/2014/chart" uri="{C3380CC4-5D6E-409C-BE32-E72D297353CC}">
-              <c16:uniqueId val="{00000000-3070-EB4B-90FB-032232CC9879}"/>
-            </c:ext>
-          </c:extLst>
-        </c:ser>
-        <c:ser>
-          <c:idx val="1"/>
-          <c:order val="1"/>
-          <c:tx>
-            <c:strRef>
-              <c:f>Sheet1!$E$1</c:f>
-              <c:strCache>
-                <c:ptCount val="1"/>
-                <c:pt idx="0">
-                  <c:v>Ist in Stunden</c:v>
-                </c:pt>
-              </c:strCache>
-            </c:strRef>
-          </c:tx>
-          <c:spPr>
-            <a:solidFill>
-              <a:schemeClr val="accent3"/>
-            </a:solidFill>
-            <a:ln>
-              <a:noFill/>
-            </a:ln>
-            <a:effectLst/>
-          </c:spPr>
-          <c:invertIfNegative val="0"/>
-          <c:dPt>
-            <c:idx val="2"/>
-            <c:invertIfNegative val="0"/>
-            <c:bubble3D val="0"/>
-            <c:spPr>
-              <a:solidFill>
-                <a:schemeClr val="accent1"/>
-              </a:solidFill>
-              <a:ln>
-                <a:noFill/>
-              </a:ln>
-              <a:effectLst/>
-            </c:spPr>
-            <c:extLst>
-              <c:ext xmlns:c16="http://schemas.microsoft.com/office/drawing/2014/chart" uri="{C3380CC4-5D6E-409C-BE32-E72D297353CC}">
-                <c16:uniqueId val="{00000002-3070-EB4B-90FB-032232CC9879}"/>
-              </c:ext>
-            </c:extLst>
-          </c:dPt>
-          <c:dPt>
-            <c:idx val="3"/>
-            <c:invertIfNegative val="0"/>
-            <c:bubble3D val="0"/>
-            <c:spPr>
-              <a:solidFill>
-                <a:schemeClr val="accent1"/>
-              </a:solidFill>
-              <a:ln>
-                <a:noFill/>
-              </a:ln>
-              <a:effectLst/>
-            </c:spPr>
-            <c:extLst>
-              <c:ext xmlns:c16="http://schemas.microsoft.com/office/drawing/2014/chart" uri="{C3380CC4-5D6E-409C-BE32-E72D297353CC}">
-                <c16:uniqueId val="{00000003-3070-EB4B-90FB-032232CC9879}"/>
-              </c:ext>
-            </c:extLst>
-          </c:dPt>
-          <c:dPt>
-            <c:idx val="6"/>
-            <c:invertIfNegative val="0"/>
-            <c:bubble3D val="0"/>
-            <c:spPr>
-              <a:solidFill>
-                <a:schemeClr val="accent1"/>
-              </a:solidFill>
-              <a:ln>
-                <a:noFill/>
-              </a:ln>
-              <a:effectLst/>
-            </c:spPr>
-            <c:extLst>
-              <c:ext xmlns:c16="http://schemas.microsoft.com/office/drawing/2014/chart" uri="{C3380CC4-5D6E-409C-BE32-E72D297353CC}">
-                <c16:uniqueId val="{00000004-3070-EB4B-90FB-032232CC9879}"/>
-              </c:ext>
-            </c:extLst>
-          </c:dPt>
-          <c:dPt>
-            <c:idx val="19"/>
-            <c:invertIfNegative val="0"/>
-            <c:bubble3D val="0"/>
-            <c:spPr>
-              <a:solidFill>
-                <a:schemeClr val="accent1"/>
-              </a:solidFill>
-              <a:ln>
-                <a:noFill/>
-              </a:ln>
-              <a:effectLst/>
-            </c:spPr>
-            <c:extLst>
-              <c:ext xmlns:c16="http://schemas.microsoft.com/office/drawing/2014/chart" uri="{C3380CC4-5D6E-409C-BE32-E72D297353CC}">
-                <c16:uniqueId val="{00000005-3070-EB4B-90FB-032232CC9879}"/>
-              </c:ext>
-            </c:extLst>
-          </c:dPt>
-          <c:dPt>
-            <c:idx val="21"/>
-            <c:invertIfNegative val="0"/>
-            <c:bubble3D val="0"/>
-            <c:spPr>
-              <a:solidFill>
-                <a:schemeClr val="accent1"/>
-              </a:solidFill>
-              <a:ln>
-                <a:noFill/>
-              </a:ln>
-              <a:effectLst/>
-            </c:spPr>
-            <c:extLst>
-              <c:ext xmlns:c16="http://schemas.microsoft.com/office/drawing/2014/chart" uri="{C3380CC4-5D6E-409C-BE32-E72D297353CC}">
-                <c16:uniqueId val="{00000006-3070-EB4B-90FB-032232CC9879}"/>
-              </c:ext>
-            </c:extLst>
-          </c:dPt>
-          <c:cat>
-            <c:strRef>
-              <c:extLst>
-                <c:ext xmlns:c15="http://schemas.microsoft.com/office/drawing/2012/chart" uri="{02D57815-91ED-43cb-92C2-25804820EDAC}">
-                  <c15:fullRef>
-                    <c15:sqref>Sheet1!$A$2:$C$29</c15:sqref>
-                  </c15:fullRef>
-                  <c15:levelRef>
-                    <c15:sqref>Sheet1!$C$2:$C$29</c15:sqref>
-                  </c15:levelRef>
-                </c:ext>
-              </c:extLst>
-              <c:f>Sheet1!$C$2:$C$29</c:f>
-              <c:strCache>
-                <c:ptCount val="28"/>
-                <c:pt idx="0">
-                  <c:v>AP PI1</c:v>
-                </c:pt>
-                <c:pt idx="1">
-                  <c:v>AP PI2</c:v>
-                </c:pt>
-                <c:pt idx="2">
-                  <c:v>AP P1</c:v>
-                </c:pt>
-                <c:pt idx="3">
-                  <c:v>AP P2</c:v>
-                </c:pt>
-                <c:pt idx="4">
-                  <c:v>AP P3</c:v>
-                </c:pt>
-                <c:pt idx="5">
-                  <c:v>AP P4</c:v>
-                </c:pt>
-                <c:pt idx="6">
-                  <c:v>AP P5</c:v>
-                </c:pt>
-                <c:pt idx="7">
-                  <c:v>AP P6</c:v>
-                </c:pt>
-                <c:pt idx="8">
-                  <c:v>AP A1</c:v>
-                </c:pt>
-                <c:pt idx="10">
-                  <c:v>AP E1</c:v>
-                </c:pt>
-                <c:pt idx="11">
-                  <c:v>AP E2</c:v>
-                </c:pt>
-                <c:pt idx="12">
-                  <c:v>AP E3</c:v>
-                </c:pt>
-                <c:pt idx="13">
-                  <c:v>AP E4</c:v>
-                </c:pt>
-                <c:pt idx="14">
-                  <c:v>AP E5</c:v>
-                </c:pt>
-                <c:pt idx="15">
-                  <c:v>AP E6</c:v>
-                </c:pt>
-                <c:pt idx="16">
-                  <c:v>AP I1</c:v>
-                </c:pt>
-                <c:pt idx="17">
-                  <c:v>AP I2</c:v>
-                </c:pt>
-                <c:pt idx="18">
-                  <c:v>AP I3</c:v>
-                </c:pt>
-                <c:pt idx="19">
-                  <c:v>AP I4</c:v>
-                </c:pt>
-                <c:pt idx="20">
-                  <c:v>AP I5</c:v>
-                </c:pt>
-                <c:pt idx="21">
-                  <c:v>AP I6</c:v>
-                </c:pt>
-                <c:pt idx="22">
-                  <c:v>AP I7</c:v>
-                </c:pt>
-                <c:pt idx="23">
-                  <c:v>AP T1</c:v>
-                </c:pt>
-                <c:pt idx="24">
-                  <c:v>AP T2</c:v>
-                </c:pt>
-                <c:pt idx="25">
-                  <c:v>AP T3</c:v>
-                </c:pt>
-              </c:strCache>
-            </c:strRef>
-          </c:cat>
-          <c:val>
-            <c:numRef>
-              <c:f>Sheet1!$E$2:$E$29</c:f>
-              <c:numCache>
-                <c:formatCode>General</c:formatCode>
-                <c:ptCount val="28"/>
-                <c:pt idx="0">
-                  <c:v>0.5</c:v>
-                </c:pt>
-                <c:pt idx="1">
-                  <c:v>0.5</c:v>
-                </c:pt>
-                <c:pt idx="2">
-                  <c:v>1</c:v>
-                </c:pt>
-                <c:pt idx="3">
-                  <c:v>1</c:v>
-                </c:pt>
-                <c:pt idx="4">
-                  <c:v>2</c:v>
-                </c:pt>
-                <c:pt idx="5">
-                  <c:v>2</c:v>
-                </c:pt>
-                <c:pt idx="6">
-                  <c:v>4</c:v>
-                </c:pt>
-                <c:pt idx="7">
-                  <c:v>2</c:v>
-                </c:pt>
-                <c:pt idx="8">
-                  <c:v>2</c:v>
-                </c:pt>
-                <c:pt idx="10">
-                  <c:v>2</c:v>
-                </c:pt>
-                <c:pt idx="11">
-                  <c:v>1</c:v>
-                </c:pt>
-                <c:pt idx="12">
-                  <c:v>4</c:v>
-                </c:pt>
-                <c:pt idx="13">
-                  <c:v>4</c:v>
-                </c:pt>
-                <c:pt idx="14">
-                  <c:v>1</c:v>
-                </c:pt>
-                <c:pt idx="15">
-                  <c:v>1</c:v>
-                </c:pt>
-                <c:pt idx="16">
-                  <c:v>1</c:v>
-                </c:pt>
-                <c:pt idx="17">
-                  <c:v>2</c:v>
-                </c:pt>
-                <c:pt idx="18">
-                  <c:v>1</c:v>
-                </c:pt>
-                <c:pt idx="19">
-                  <c:v>4</c:v>
-                </c:pt>
-                <c:pt idx="20">
-                  <c:v>3</c:v>
-                </c:pt>
-                <c:pt idx="21">
-                  <c:v>4</c:v>
-                </c:pt>
-                <c:pt idx="22">
-                  <c:v>4</c:v>
-                </c:pt>
-                <c:pt idx="23">
-                  <c:v>2</c:v>
-                </c:pt>
-                <c:pt idx="24">
-                  <c:v>2</c:v>
-                </c:pt>
-                <c:pt idx="25">
-                  <c:v>2</c:v>
-                </c:pt>
-                <c:pt idx="26">
-                  <c:v>2</c:v>
-                </c:pt>
-                <c:pt idx="27">
-                  <c:v>2</c:v>
-                </c:pt>
-              </c:numCache>
-            </c:numRef>
-          </c:val>
-          <c:extLst>
-            <c:ext xmlns:c16="http://schemas.microsoft.com/office/drawing/2014/chart" uri="{C3380CC4-5D6E-409C-BE32-E72D297353CC}">
-              <c16:uniqueId val="{00000001-3070-EB4B-90FB-032232CC9879}"/>
-            </c:ext>
-          </c:extLst>
-        </c:ser>
-        <c:dLbls>
-          <c:showLegendKey val="0"/>
-          <c:showVal val="0"/>
-          <c:showCatName val="0"/>
-          <c:showSerName val="0"/>
-          <c:showPercent val="0"/>
-          <c:showBubbleSize val="0"/>
-        </c:dLbls>
-        <c:gapWidth val="219"/>
-        <c:overlap val="-27"/>
-        <c:axId val="999500432"/>
-        <c:axId val="999502064"/>
-      </c:barChart>
-      <c:catAx>
-        <c:axId val="999500432"/>
-        <c:scaling>
-          <c:orientation val="minMax"/>
-        </c:scaling>
-        <c:delete val="0"/>
-        <c:axPos val="b"/>
-        <c:majorGridlines>
-          <c:spPr>
-            <a:ln w="9525" cap="flat" cmpd="sng" algn="ctr">
-              <a:solidFill>
-                <a:schemeClr val="tx1">
-                  <a:lumMod val="15000"/>
-                  <a:lumOff val="85000"/>
-                </a:schemeClr>
-              </a:solidFill>
-              <a:round/>
-            </a:ln>
-            <a:effectLst/>
-          </c:spPr>
-        </c:majorGridlines>
-        <c:numFmt formatCode="#,##0.00" sourceLinked="0"/>
-        <c:majorTickMark val="none"/>
-        <c:minorTickMark val="none"/>
-        <c:tickLblPos val="low"/>
-        <c:spPr>
-          <a:noFill/>
-          <a:ln w="9525" cap="flat" cmpd="sng" algn="ctr">
-            <a:solidFill>
-              <a:schemeClr val="tx1">
-                <a:lumMod val="15000"/>
-                <a:lumOff val="85000"/>
-              </a:schemeClr>
-            </a:solidFill>
-            <a:round/>
-          </a:ln>
-          <a:effectLst/>
-        </c:spPr>
-        <c:txPr>
-          <a:bodyPr rot="-60000000" spcFirstLastPara="1" vertOverflow="ellipsis" vert="horz" wrap="square" anchor="ctr" anchorCtr="1"/>
-          <a:lstStyle/>
-          <a:p>
-            <a:pPr>
-              <a:defRPr sz="1400" b="0" i="0" u="none" strike="noStrike" kern="1200" spc="0" baseline="0">
-                <a:solidFill>
-                  <a:schemeClr val="tx1">
-                    <a:lumMod val="65000"/>
-                    <a:lumOff val="35000"/>
-                  </a:schemeClr>
-                </a:solidFill>
-                <a:latin typeface="+mn-lt"/>
-                <a:ea typeface="+mn-ea"/>
-                <a:cs typeface="+mn-cs"/>
-              </a:defRPr>
-            </a:pPr>
-            <a:endParaRPr lang="de-DE"/>
-          </a:p>
-        </c:txPr>
-        <c:crossAx val="999502064"/>
-        <c:crosses val="autoZero"/>
-        <c:auto val="1"/>
-        <c:lblAlgn val="ctr"/>
-        <c:lblOffset val="10"/>
-        <c:tickMarkSkip val="2"/>
-        <c:noMultiLvlLbl val="0"/>
-      </c:catAx>
-      <c:valAx>
-        <c:axId val="999502064"/>
-        <c:scaling>
-          <c:orientation val="minMax"/>
-        </c:scaling>
-        <c:delete val="0"/>
-        <c:axPos val="l"/>
-        <c:majorGridlines>
-          <c:spPr>
-            <a:ln w="12700" cap="flat" cmpd="sng" algn="ctr">
-              <a:solidFill>
-                <a:schemeClr val="tx1">
-                  <a:lumMod val="15000"/>
-                  <a:lumOff val="85000"/>
-                </a:schemeClr>
-              </a:solidFill>
-              <a:round/>
-            </a:ln>
-            <a:effectLst/>
-          </c:spPr>
-        </c:majorGridlines>
-        <c:numFmt formatCode="General" sourceLinked="1"/>
-        <c:majorTickMark val="none"/>
-        <c:minorTickMark val="none"/>
-        <c:tickLblPos val="nextTo"/>
-        <c:spPr>
-          <a:noFill/>
-          <a:ln>
-            <a:noFill/>
-          </a:ln>
-          <a:effectLst/>
-        </c:spPr>
-        <c:txPr>
-          <a:bodyPr rot="-60000000" spcFirstLastPara="1" vertOverflow="ellipsis" vert="horz" wrap="square" anchor="ctr" anchorCtr="1"/>
-          <a:lstStyle/>
-          <a:p>
-            <a:pPr>
-              <a:defRPr sz="900" b="0" i="0" u="none" strike="noStrike" kern="1200" baseline="0">
-                <a:solidFill>
-                  <a:schemeClr val="tx1">
-                    <a:lumMod val="65000"/>
-                    <a:lumOff val="35000"/>
-                  </a:schemeClr>
-                </a:solidFill>
-                <a:latin typeface="+mn-lt"/>
-                <a:ea typeface="+mn-ea"/>
-                <a:cs typeface="+mn-cs"/>
-              </a:defRPr>
-            </a:pPr>
-            <a:endParaRPr lang="de-DE"/>
-          </a:p>
-        </c:txPr>
-        <c:crossAx val="999500432"/>
-        <c:crosses val="autoZero"/>
-        <c:crossBetween val="between"/>
-      </c:valAx>
-      <c:spPr>
-        <a:noFill/>
-        <a:ln>
-          <a:noFill/>
-        </a:ln>
-        <a:effectLst/>
-      </c:spPr>
-    </c:plotArea>
-    <c:legend>
-      <c:legendPos val="b"/>
-      <c:overlay val="0"/>
-      <c:spPr>
-        <a:noFill/>
-        <a:ln>
-          <a:noFill/>
-        </a:ln>
-        <a:effectLst/>
-      </c:spPr>
-      <c:txPr>
-        <a:bodyPr rot="0" spcFirstLastPara="1" vertOverflow="ellipsis" vert="horz" wrap="square" anchor="ctr" anchorCtr="1"/>
-        <a:lstStyle/>
-        <a:p>
-          <a:pPr>
-            <a:defRPr sz="900" b="0" i="0" u="none" strike="noStrike" kern="1200" baseline="0">
-              <a:solidFill>
-                <a:schemeClr val="tx1">
-                  <a:lumMod val="65000"/>
-                  <a:lumOff val="35000"/>
-                </a:schemeClr>
-              </a:solidFill>
-              <a:latin typeface="+mn-lt"/>
-              <a:ea typeface="+mn-ea"/>
-              <a:cs typeface="+mn-cs"/>
-            </a:defRPr>
-          </a:pPr>
-          <a:endParaRPr lang="de-DE"/>
-        </a:p>
-      </c:txPr>
-    </c:legend>
-    <c:plotVisOnly val="1"/>
-    <c:dispBlanksAs val="gap"/>
-    <c:showDLblsOverMax val="0"/>
-  </c:chart>
-  <c:spPr>
-    <a:noFill/>
-    <a:ln>
-      <a:noFill/>
-    </a:ln>
-    <a:effectLst/>
-  </c:spPr>
-  <c:txPr>
-    <a:bodyPr/>
-    <a:lstStyle/>
-    <a:p>
-      <a:pPr>
-        <a:defRPr/>
-      </a:pPr>
-      <a:endParaRPr lang="de-DE"/>
-    </a:p>
-  </c:txPr>
-  <c:externalData r:id="rId3">
-    <c:autoUpdate val="0"/>
-  </c:externalData>
-</c:chartSpace>
-</file>
-
 <file path=ppt/charts/colors1.xml><?xml version="1.0" encoding="utf-8"?>
 <cs:colorStyle xmlns:cs="http://schemas.microsoft.com/office/drawing/2012/chartStyle" xmlns:a="http://schemas.openxmlformats.org/drawingml/2006/main" meth="cycle" id="10">
   <a:schemeClr val="accent1"/>
@@ -1776,550 +979,7 @@
 </cs:colorStyle>
 </file>
 
-<file path=ppt/charts/colors2.xml><?xml version="1.0" encoding="utf-8"?>
-<cs:colorStyle xmlns:cs="http://schemas.microsoft.com/office/drawing/2012/chartStyle" xmlns:a="http://schemas.openxmlformats.org/drawingml/2006/main" meth="cycle" id="10">
-  <a:schemeClr val="accent1"/>
-  <a:schemeClr val="accent2"/>
-  <a:schemeClr val="accent3"/>
-  <a:schemeClr val="accent4"/>
-  <a:schemeClr val="accent5"/>
-  <a:schemeClr val="accent6"/>
-  <cs:variation/>
-  <cs:variation>
-    <a:lumMod val="60000"/>
-  </cs:variation>
-  <cs:variation>
-    <a:lumMod val="80000"/>
-    <a:lumOff val="20000"/>
-  </cs:variation>
-  <cs:variation>
-    <a:lumMod val="80000"/>
-  </cs:variation>
-  <cs:variation>
-    <a:lumMod val="60000"/>
-    <a:lumOff val="40000"/>
-  </cs:variation>
-  <cs:variation>
-    <a:lumMod val="50000"/>
-  </cs:variation>
-  <cs:variation>
-    <a:lumMod val="70000"/>
-    <a:lumOff val="30000"/>
-  </cs:variation>
-  <cs:variation>
-    <a:lumMod val="70000"/>
-  </cs:variation>
-  <cs:variation>
-    <a:lumMod val="50000"/>
-    <a:lumOff val="50000"/>
-  </cs:variation>
-</cs:colorStyle>
-</file>
-
 <file path=ppt/charts/style1.xml><?xml version="1.0" encoding="utf-8"?>
-<cs:chartStyle xmlns:cs="http://schemas.microsoft.com/office/drawing/2012/chartStyle" xmlns:a="http://schemas.openxmlformats.org/drawingml/2006/main" id="201">
-  <cs:axisTitle>
-    <cs:lnRef idx="0"/>
-    <cs:fillRef idx="0"/>
-    <cs:effectRef idx="0"/>
-    <cs:fontRef idx="minor">
-      <a:schemeClr val="tx1">
-        <a:lumMod val="65000"/>
-        <a:lumOff val="35000"/>
-      </a:schemeClr>
-    </cs:fontRef>
-    <cs:defRPr sz="1000" kern="1200"/>
-  </cs:axisTitle>
-  <cs:categoryAxis>
-    <cs:lnRef idx="0"/>
-    <cs:fillRef idx="0"/>
-    <cs:effectRef idx="0"/>
-    <cs:fontRef idx="minor">
-      <a:schemeClr val="tx1">
-        <a:lumMod val="65000"/>
-        <a:lumOff val="35000"/>
-      </a:schemeClr>
-    </cs:fontRef>
-    <cs:spPr>
-      <a:ln w="9525" cap="flat" cmpd="sng" algn="ctr">
-        <a:solidFill>
-          <a:schemeClr val="tx1">
-            <a:lumMod val="15000"/>
-            <a:lumOff val="85000"/>
-          </a:schemeClr>
-        </a:solidFill>
-        <a:round/>
-      </a:ln>
-    </cs:spPr>
-    <cs:defRPr sz="900" kern="1200"/>
-  </cs:categoryAxis>
-  <cs:chartArea mods="allowNoFillOverride allowNoLineOverride">
-    <cs:lnRef idx="0"/>
-    <cs:fillRef idx="0"/>
-    <cs:effectRef idx="0"/>
-    <cs:fontRef idx="minor">
-      <a:schemeClr val="tx1"/>
-    </cs:fontRef>
-    <cs:spPr>
-      <a:solidFill>
-        <a:schemeClr val="bg1"/>
-      </a:solidFill>
-      <a:ln w="9525" cap="flat" cmpd="sng" algn="ctr">
-        <a:solidFill>
-          <a:schemeClr val="tx1">
-            <a:lumMod val="15000"/>
-            <a:lumOff val="85000"/>
-          </a:schemeClr>
-        </a:solidFill>
-        <a:round/>
-      </a:ln>
-    </cs:spPr>
-    <cs:defRPr sz="1000" kern="1200"/>
-  </cs:chartArea>
-  <cs:dataLabel>
-    <cs:lnRef idx="0"/>
-    <cs:fillRef idx="0"/>
-    <cs:effectRef idx="0"/>
-    <cs:fontRef idx="minor">
-      <a:schemeClr val="tx1">
-        <a:lumMod val="75000"/>
-        <a:lumOff val="25000"/>
-      </a:schemeClr>
-    </cs:fontRef>
-    <cs:defRPr sz="900" kern="1200"/>
-  </cs:dataLabel>
-  <cs:dataLabelCallout>
-    <cs:lnRef idx="0"/>
-    <cs:fillRef idx="0"/>
-    <cs:effectRef idx="0"/>
-    <cs:fontRef idx="minor">
-      <a:schemeClr val="dk1">
-        <a:lumMod val="65000"/>
-        <a:lumOff val="35000"/>
-      </a:schemeClr>
-    </cs:fontRef>
-    <cs:spPr>
-      <a:solidFill>
-        <a:schemeClr val="lt1"/>
-      </a:solidFill>
-      <a:ln>
-        <a:solidFill>
-          <a:schemeClr val="dk1">
-            <a:lumMod val="25000"/>
-            <a:lumOff val="75000"/>
-          </a:schemeClr>
-        </a:solidFill>
-      </a:ln>
-    </cs:spPr>
-    <cs:defRPr sz="900" kern="1200"/>
-    <cs:bodyPr rot="0" spcFirstLastPara="1" vertOverflow="clip" horzOverflow="clip" vert="horz" wrap="square" lIns="36576" tIns="18288" rIns="36576" bIns="18288" anchor="ctr" anchorCtr="1">
-      <a:spAutoFit/>
-    </cs:bodyPr>
-  </cs:dataLabelCallout>
-  <cs:dataPoint>
-    <cs:lnRef idx="0"/>
-    <cs:fillRef idx="1">
-      <cs:styleClr val="auto"/>
-    </cs:fillRef>
-    <cs:effectRef idx="0"/>
-    <cs:fontRef idx="minor">
-      <a:schemeClr val="tx1"/>
-    </cs:fontRef>
-  </cs:dataPoint>
-  <cs:dataPoint3D>
-    <cs:lnRef idx="0"/>
-    <cs:fillRef idx="1">
-      <cs:styleClr val="auto"/>
-    </cs:fillRef>
-    <cs:effectRef idx="0"/>
-    <cs:fontRef idx="minor">
-      <a:schemeClr val="tx1"/>
-    </cs:fontRef>
-  </cs:dataPoint3D>
-  <cs:dataPointLine>
-    <cs:lnRef idx="0">
-      <cs:styleClr val="auto"/>
-    </cs:lnRef>
-    <cs:fillRef idx="1"/>
-    <cs:effectRef idx="0"/>
-    <cs:fontRef idx="minor">
-      <a:schemeClr val="tx1"/>
-    </cs:fontRef>
-    <cs:spPr>
-      <a:ln w="28575" cap="rnd">
-        <a:solidFill>
-          <a:schemeClr val="phClr"/>
-        </a:solidFill>
-        <a:round/>
-      </a:ln>
-    </cs:spPr>
-  </cs:dataPointLine>
-  <cs:dataPointMarker>
-    <cs:lnRef idx="0">
-      <cs:styleClr val="auto"/>
-    </cs:lnRef>
-    <cs:fillRef idx="1">
-      <cs:styleClr val="auto"/>
-    </cs:fillRef>
-    <cs:effectRef idx="0"/>
-    <cs:fontRef idx="minor">
-      <a:schemeClr val="tx1"/>
-    </cs:fontRef>
-    <cs:spPr>
-      <a:ln w="9525">
-        <a:solidFill>
-          <a:schemeClr val="phClr"/>
-        </a:solidFill>
-      </a:ln>
-    </cs:spPr>
-  </cs:dataPointMarker>
-  <cs:dataPointMarkerLayout symbol="circle" size="5"/>
-  <cs:dataPointWireframe>
-    <cs:lnRef idx="0">
-      <cs:styleClr val="auto"/>
-    </cs:lnRef>
-    <cs:fillRef idx="1"/>
-    <cs:effectRef idx="0"/>
-    <cs:fontRef idx="minor">
-      <a:schemeClr val="tx1"/>
-    </cs:fontRef>
-    <cs:spPr>
-      <a:ln w="9525" cap="rnd">
-        <a:solidFill>
-          <a:schemeClr val="phClr"/>
-        </a:solidFill>
-        <a:round/>
-      </a:ln>
-    </cs:spPr>
-  </cs:dataPointWireframe>
-  <cs:dataTable>
-    <cs:lnRef idx="0"/>
-    <cs:fillRef idx="0"/>
-    <cs:effectRef idx="0"/>
-    <cs:fontRef idx="minor">
-      <a:schemeClr val="tx1">
-        <a:lumMod val="65000"/>
-        <a:lumOff val="35000"/>
-      </a:schemeClr>
-    </cs:fontRef>
-    <cs:spPr>
-      <a:noFill/>
-      <a:ln w="9525" cap="flat" cmpd="sng" algn="ctr">
-        <a:solidFill>
-          <a:schemeClr val="tx1">
-            <a:lumMod val="15000"/>
-            <a:lumOff val="85000"/>
-          </a:schemeClr>
-        </a:solidFill>
-        <a:round/>
-      </a:ln>
-    </cs:spPr>
-    <cs:defRPr sz="900" kern="1200"/>
-  </cs:dataTable>
-  <cs:downBar>
-    <cs:lnRef idx="0"/>
-    <cs:fillRef idx="0"/>
-    <cs:effectRef idx="0"/>
-    <cs:fontRef idx="minor">
-      <a:schemeClr val="dk1"/>
-    </cs:fontRef>
-    <cs:spPr>
-      <a:solidFill>
-        <a:schemeClr val="dk1">
-          <a:lumMod val="65000"/>
-          <a:lumOff val="35000"/>
-        </a:schemeClr>
-      </a:solidFill>
-      <a:ln w="9525">
-        <a:solidFill>
-          <a:schemeClr val="tx1">
-            <a:lumMod val="65000"/>
-            <a:lumOff val="35000"/>
-          </a:schemeClr>
-        </a:solidFill>
-      </a:ln>
-    </cs:spPr>
-  </cs:downBar>
-  <cs:dropLine>
-    <cs:lnRef idx="0"/>
-    <cs:fillRef idx="0"/>
-    <cs:effectRef idx="0"/>
-    <cs:fontRef idx="minor">
-      <a:schemeClr val="tx1"/>
-    </cs:fontRef>
-    <cs:spPr>
-      <a:ln w="9525" cap="flat" cmpd="sng" algn="ctr">
-        <a:solidFill>
-          <a:schemeClr val="tx1">
-            <a:lumMod val="35000"/>
-            <a:lumOff val="65000"/>
-          </a:schemeClr>
-        </a:solidFill>
-        <a:round/>
-      </a:ln>
-    </cs:spPr>
-  </cs:dropLine>
-  <cs:errorBar>
-    <cs:lnRef idx="0"/>
-    <cs:fillRef idx="0"/>
-    <cs:effectRef idx="0"/>
-    <cs:fontRef idx="minor">
-      <a:schemeClr val="tx1"/>
-    </cs:fontRef>
-    <cs:spPr>
-      <a:ln w="9525" cap="flat" cmpd="sng" algn="ctr">
-        <a:solidFill>
-          <a:schemeClr val="tx1">
-            <a:lumMod val="65000"/>
-            <a:lumOff val="35000"/>
-          </a:schemeClr>
-        </a:solidFill>
-        <a:round/>
-      </a:ln>
-    </cs:spPr>
-  </cs:errorBar>
-  <cs:floor>
-    <cs:lnRef idx="0"/>
-    <cs:fillRef idx="0"/>
-    <cs:effectRef idx="0"/>
-    <cs:fontRef idx="minor">
-      <a:schemeClr val="tx1"/>
-    </cs:fontRef>
-    <cs:spPr>
-      <a:noFill/>
-      <a:ln>
-        <a:noFill/>
-      </a:ln>
-    </cs:spPr>
-  </cs:floor>
-  <cs:gridlineMajor>
-    <cs:lnRef idx="0"/>
-    <cs:fillRef idx="0"/>
-    <cs:effectRef idx="0"/>
-    <cs:fontRef idx="minor">
-      <a:schemeClr val="tx1"/>
-    </cs:fontRef>
-    <cs:spPr>
-      <a:ln w="9525" cap="flat" cmpd="sng" algn="ctr">
-        <a:solidFill>
-          <a:schemeClr val="tx1">
-            <a:lumMod val="15000"/>
-            <a:lumOff val="85000"/>
-          </a:schemeClr>
-        </a:solidFill>
-        <a:round/>
-      </a:ln>
-    </cs:spPr>
-  </cs:gridlineMajor>
-  <cs:gridlineMinor>
-    <cs:lnRef idx="0"/>
-    <cs:fillRef idx="0"/>
-    <cs:effectRef idx="0"/>
-    <cs:fontRef idx="minor">
-      <a:schemeClr val="tx1"/>
-    </cs:fontRef>
-    <cs:spPr>
-      <a:ln w="9525" cap="flat" cmpd="sng" algn="ctr">
-        <a:solidFill>
-          <a:schemeClr val="tx1">
-            <a:lumMod val="5000"/>
-            <a:lumOff val="95000"/>
-          </a:schemeClr>
-        </a:solidFill>
-        <a:round/>
-      </a:ln>
-    </cs:spPr>
-  </cs:gridlineMinor>
-  <cs:hiLoLine>
-    <cs:lnRef idx="0"/>
-    <cs:fillRef idx="0"/>
-    <cs:effectRef idx="0"/>
-    <cs:fontRef idx="minor">
-      <a:schemeClr val="tx1"/>
-    </cs:fontRef>
-    <cs:spPr>
-      <a:ln w="9525" cap="flat" cmpd="sng" algn="ctr">
-        <a:solidFill>
-          <a:schemeClr val="tx1">
-            <a:lumMod val="75000"/>
-            <a:lumOff val="25000"/>
-          </a:schemeClr>
-        </a:solidFill>
-        <a:round/>
-      </a:ln>
-    </cs:spPr>
-  </cs:hiLoLine>
-  <cs:leaderLine>
-    <cs:lnRef idx="0"/>
-    <cs:fillRef idx="0"/>
-    <cs:effectRef idx="0"/>
-    <cs:fontRef idx="minor">
-      <a:schemeClr val="tx1"/>
-    </cs:fontRef>
-    <cs:spPr>
-      <a:ln w="9525" cap="flat" cmpd="sng" algn="ctr">
-        <a:solidFill>
-          <a:schemeClr val="tx1">
-            <a:lumMod val="35000"/>
-            <a:lumOff val="65000"/>
-          </a:schemeClr>
-        </a:solidFill>
-        <a:round/>
-      </a:ln>
-    </cs:spPr>
-  </cs:leaderLine>
-  <cs:legend>
-    <cs:lnRef idx="0"/>
-    <cs:fillRef idx="0"/>
-    <cs:effectRef idx="0"/>
-    <cs:fontRef idx="minor">
-      <a:schemeClr val="tx1">
-        <a:lumMod val="65000"/>
-        <a:lumOff val="35000"/>
-      </a:schemeClr>
-    </cs:fontRef>
-    <cs:defRPr sz="900" kern="1200"/>
-  </cs:legend>
-  <cs:plotArea mods="allowNoFillOverride allowNoLineOverride">
-    <cs:lnRef idx="0"/>
-    <cs:fillRef idx="0"/>
-    <cs:effectRef idx="0"/>
-    <cs:fontRef idx="minor">
-      <a:schemeClr val="tx1"/>
-    </cs:fontRef>
-  </cs:plotArea>
-  <cs:plotArea3D mods="allowNoFillOverride allowNoLineOverride">
-    <cs:lnRef idx="0"/>
-    <cs:fillRef idx="0"/>
-    <cs:effectRef idx="0"/>
-    <cs:fontRef idx="minor">
-      <a:schemeClr val="tx1"/>
-    </cs:fontRef>
-  </cs:plotArea3D>
-  <cs:seriesAxis>
-    <cs:lnRef idx="0"/>
-    <cs:fillRef idx="0"/>
-    <cs:effectRef idx="0"/>
-    <cs:fontRef idx="minor">
-      <a:schemeClr val="tx1">
-        <a:lumMod val="65000"/>
-        <a:lumOff val="35000"/>
-      </a:schemeClr>
-    </cs:fontRef>
-    <cs:defRPr sz="900" kern="1200"/>
-  </cs:seriesAxis>
-  <cs:seriesLine>
-    <cs:lnRef idx="0"/>
-    <cs:fillRef idx="0"/>
-    <cs:effectRef idx="0"/>
-    <cs:fontRef idx="minor">
-      <a:schemeClr val="tx1"/>
-    </cs:fontRef>
-    <cs:spPr>
-      <a:ln w="9525" cap="flat" cmpd="sng" algn="ctr">
-        <a:solidFill>
-          <a:schemeClr val="tx1">
-            <a:lumMod val="35000"/>
-            <a:lumOff val="65000"/>
-          </a:schemeClr>
-        </a:solidFill>
-        <a:round/>
-      </a:ln>
-    </cs:spPr>
-  </cs:seriesLine>
-  <cs:title>
-    <cs:lnRef idx="0"/>
-    <cs:fillRef idx="0"/>
-    <cs:effectRef idx="0"/>
-    <cs:fontRef idx="minor">
-      <a:schemeClr val="tx1">
-        <a:lumMod val="65000"/>
-        <a:lumOff val="35000"/>
-      </a:schemeClr>
-    </cs:fontRef>
-    <cs:defRPr sz="1400" b="0" kern="1200" spc="0" baseline="0"/>
-  </cs:title>
-  <cs:trendline>
-    <cs:lnRef idx="0">
-      <cs:styleClr val="auto"/>
-    </cs:lnRef>
-    <cs:fillRef idx="0"/>
-    <cs:effectRef idx="0"/>
-    <cs:fontRef idx="minor">
-      <a:schemeClr val="tx1"/>
-    </cs:fontRef>
-    <cs:spPr>
-      <a:ln w="19050" cap="rnd">
-        <a:solidFill>
-          <a:schemeClr val="phClr"/>
-        </a:solidFill>
-        <a:prstDash val="sysDot"/>
-      </a:ln>
-    </cs:spPr>
-  </cs:trendline>
-  <cs:trendlineLabel>
-    <cs:lnRef idx="0"/>
-    <cs:fillRef idx="0"/>
-    <cs:effectRef idx="0"/>
-    <cs:fontRef idx="minor">
-      <a:schemeClr val="tx1">
-        <a:lumMod val="65000"/>
-        <a:lumOff val="35000"/>
-      </a:schemeClr>
-    </cs:fontRef>
-    <cs:defRPr sz="900" kern="1200"/>
-  </cs:trendlineLabel>
-  <cs:upBar>
-    <cs:lnRef idx="0"/>
-    <cs:fillRef idx="0"/>
-    <cs:effectRef idx="0"/>
-    <cs:fontRef idx="minor">
-      <a:schemeClr val="dk1"/>
-    </cs:fontRef>
-    <cs:spPr>
-      <a:solidFill>
-        <a:schemeClr val="lt1"/>
-      </a:solidFill>
-      <a:ln w="9525">
-        <a:solidFill>
-          <a:schemeClr val="tx1">
-            <a:lumMod val="15000"/>
-            <a:lumOff val="85000"/>
-          </a:schemeClr>
-        </a:solidFill>
-      </a:ln>
-    </cs:spPr>
-  </cs:upBar>
-  <cs:valueAxis>
-    <cs:lnRef idx="0"/>
-    <cs:fillRef idx="0"/>
-    <cs:effectRef idx="0"/>
-    <cs:fontRef idx="minor">
-      <a:schemeClr val="tx1">
-        <a:lumMod val="65000"/>
-        <a:lumOff val="35000"/>
-      </a:schemeClr>
-    </cs:fontRef>
-    <cs:defRPr sz="900" kern="1200"/>
-  </cs:valueAxis>
-  <cs:wall>
-    <cs:lnRef idx="0"/>
-    <cs:fillRef idx="0"/>
-    <cs:effectRef idx="0"/>
-    <cs:fontRef idx="minor">
-      <a:schemeClr val="tx1"/>
-    </cs:fontRef>
-    <cs:spPr>
-      <a:noFill/>
-      <a:ln>
-        <a:noFill/>
-      </a:ln>
-    </cs:spPr>
-  </cs:wall>
-</cs:chartStyle>
-</file>
-
-<file path=ppt/charts/style2.xml><?xml version="1.0" encoding="utf-8"?>
 <cs:chartStyle xmlns:cs="http://schemas.microsoft.com/office/drawing/2012/chartStyle" xmlns:a="http://schemas.openxmlformats.org/drawingml/2006/main" id="201">
   <cs:axisTitle>
     <cs:lnRef idx="0"/>
@@ -3930,6 +2590,12 @@
           <a:bodyPr/>
           <a:lstStyle/>
           <a:p>
+            <a:r>
+              <a:rPr lang="de-DE" dirty="0"/>
+              <a:t>REFACTORING nicht im BILD</a:t>
+            </a:r>
+          </a:p>
+          <a:p>
             <a:endParaRPr lang="de-DE" dirty="0"/>
           </a:p>
         </p:txBody>
@@ -3949,7 +2615,7 @@
           <a:bodyPr/>
           <a:lstStyle/>
           <a:p>
-            <a:endParaRPr lang="de-DE"/>
+            <a:endParaRPr lang="de-DE" dirty="0"/>
           </a:p>
         </p:txBody>
       </p:sp>
@@ -3971,16 +2637,16 @@
             <a:fld id="{BF63E930-8F88-4EE0-A623-E2193C3967E3}" type="slidenum">
               <a:rPr lang="de-DE" smtClean="0"/>
               <a:pPr/>
-              <a:t>7</a:t>
+              <a:t>6</a:t>
             </a:fld>
-            <a:endParaRPr lang="de-DE"/>
+            <a:endParaRPr lang="de-DE" dirty="0"/>
           </a:p>
         </p:txBody>
       </p:sp>
     </p:spTree>
     <p:extLst>
       <p:ext uri="{BB962C8B-B14F-4D97-AF65-F5344CB8AC3E}">
-        <p14:creationId xmlns:p14="http://schemas.microsoft.com/office/powerpoint/2010/main" val="1961509123"/>
+        <p14:creationId xmlns:p14="http://schemas.microsoft.com/office/powerpoint/2010/main" val="1087693115"/>
       </p:ext>
     </p:extLst>
   </p:cSld>
@@ -3991,6 +2657,400 @@
 </file>
 
 <file path=ppt/notesSlides/notesSlide6.xml><?xml version="1.0" encoding="utf-8"?>
+<p:notes xmlns:a="http://schemas.openxmlformats.org/drawingml/2006/main" xmlns:r="http://schemas.openxmlformats.org/officeDocument/2006/relationships" xmlns:p="http://schemas.openxmlformats.org/presentationml/2006/main">
+  <p:cSld>
+    <p:spTree>
+      <p:nvGrpSpPr>
+        <p:cNvPr id="1" name=""/>
+        <p:cNvGrpSpPr/>
+        <p:nvPr/>
+      </p:nvGrpSpPr>
+      <p:grpSpPr>
+        <a:xfrm>
+          <a:off x="0" y="0"/>
+          <a:ext cx="0" cy="0"/>
+          <a:chOff x="0" y="0"/>
+          <a:chExt cx="0" cy="0"/>
+        </a:xfrm>
+      </p:grpSpPr>
+      <p:sp>
+        <p:nvSpPr>
+          <p:cNvPr id="2" name="Folienbildplatzhalter 1"/>
+          <p:cNvSpPr>
+            <a:spLocks noGrp="1" noRot="1" noChangeAspect="1"/>
+          </p:cNvSpPr>
+          <p:nvPr>
+            <p:ph type="sldImg"/>
+          </p:nvPr>
+        </p:nvSpPr>
+        <p:spPr/>
+      </p:sp>
+      <p:sp>
+        <p:nvSpPr>
+          <p:cNvPr id="3" name="Notizenplatzhalter 2"/>
+          <p:cNvSpPr>
+            <a:spLocks noGrp="1"/>
+          </p:cNvSpPr>
+          <p:nvPr>
+            <p:ph type="body" idx="1"/>
+          </p:nvPr>
+        </p:nvSpPr>
+        <p:spPr/>
+        <p:txBody>
+          <a:bodyPr/>
+          <a:lstStyle/>
+          <a:p>
+            <a:r>
+              <a:rPr lang="de-DE" dirty="0"/>
+              <a:t>Um das zu erreichen, sollten bisher ungenutzte Features unserer WLAN-Appliance, der sog. IAC-BOX, aktiviert werden.</a:t>
+            </a:r>
+          </a:p>
+          <a:p>
+            <a:r>
+              <a:rPr lang="de-DE" dirty="0"/>
+              <a:t> </a:t>
+            </a:r>
+          </a:p>
+          <a:p>
+            <a:r>
+              <a:rPr lang="de-DE" dirty="0"/>
+              <a:t>Was genau ist die IAC-BOX? Die </a:t>
+            </a:r>
+            <a:r>
+              <a:rPr lang="de-DE" baseline="0" dirty="0"/>
+              <a:t>IAC-BOX implementiert ein Ticketsystem wie es auch z.B. Hotels verwenden. Die IAC-BOX wird auch an Hotels verkauft.</a:t>
+            </a:r>
+            <a:endParaRPr lang="de-DE" dirty="0"/>
+          </a:p>
+          <a:p>
+            <a:endParaRPr lang="de-DE" dirty="0"/>
+          </a:p>
+          <a:p>
+            <a:r>
+              <a:rPr lang="de-DE" dirty="0"/>
+              <a:t>Sie hat die Aufgabe, den Zugang zum GESIS-Gästenetz zu verwalten.</a:t>
+            </a:r>
+          </a:p>
+          <a:p>
+            <a:endParaRPr lang="de-DE" dirty="0"/>
+          </a:p>
+          <a:p>
+            <a:r>
+              <a:rPr lang="de-DE" dirty="0"/>
+              <a:t>Dazu ist die IAC-BOX mit dem WLAN-Controller gekoppelt.</a:t>
+            </a:r>
+          </a:p>
+          <a:p>
+            <a:r>
+              <a:rPr lang="de-DE" dirty="0"/>
+              <a:t> </a:t>
+            </a:r>
+          </a:p>
+          <a:p>
+            <a:r>
+              <a:rPr lang="de-DE" dirty="0"/>
+              <a:t>Nur mit einem gültigen Ticket gestattet</a:t>
+            </a:r>
+            <a:r>
+              <a:rPr lang="de-DE" baseline="0" dirty="0"/>
+              <a:t> </a:t>
+            </a:r>
+            <a:r>
+              <a:rPr lang="de-DE" dirty="0"/>
+              <a:t>die IAC-BOX einem Gästegerät den Zugang zum Gästenetz.</a:t>
+            </a:r>
+          </a:p>
+          <a:p>
+            <a:r>
+              <a:rPr lang="de-DE" dirty="0"/>
+              <a:t> </a:t>
+            </a:r>
+          </a:p>
+          <a:p>
+            <a:r>
+              <a:rPr lang="de-DE" dirty="0"/>
+              <a:t>Diese</a:t>
+            </a:r>
+            <a:r>
+              <a:rPr lang="de-DE" baseline="0" dirty="0"/>
+              <a:t> </a:t>
+            </a:r>
+            <a:r>
+              <a:rPr lang="de-DE" dirty="0"/>
+              <a:t>Tickets wurden bisher</a:t>
+            </a:r>
+            <a:r>
+              <a:rPr lang="de-DE" baseline="0" dirty="0"/>
+              <a:t> </a:t>
+            </a:r>
+            <a:r>
+              <a:rPr lang="de-DE" dirty="0"/>
+              <a:t>von der IT erstellt.</a:t>
+            </a:r>
+          </a:p>
+          <a:p>
+            <a:r>
+              <a:rPr lang="de-DE" dirty="0"/>
+              <a:t> </a:t>
+            </a:r>
+          </a:p>
+          <a:p>
+            <a:r>
+              <a:rPr lang="de-DE" dirty="0"/>
+              <a:t>Um die IT von dieser Aufgabe zu befreien, sollte ich 5 bislang ungenutzte Module der IAC-BOX urbar machen.</a:t>
+            </a:r>
+          </a:p>
+          <a:p>
+            <a:endParaRPr lang="de-DE" dirty="0"/>
+          </a:p>
+          <a:p>
+            <a:r>
+              <a:rPr lang="de-DE" dirty="0"/>
+              <a:t> </a:t>
+            </a:r>
+          </a:p>
+          <a:p>
+            <a:r>
+              <a:rPr lang="de-DE" dirty="0"/>
+              <a:t>Ich werde im Folgenden diese Module genauer beschreiben.</a:t>
+            </a:r>
+          </a:p>
+        </p:txBody>
+      </p:sp>
+      <p:sp>
+        <p:nvSpPr>
+          <p:cNvPr id="4" name="Foliennummernplatzhalter 3"/>
+          <p:cNvSpPr>
+            <a:spLocks noGrp="1"/>
+          </p:cNvSpPr>
+          <p:nvPr>
+            <p:ph type="sldNum" sz="quarter" idx="10"/>
+          </p:nvPr>
+        </p:nvSpPr>
+        <p:spPr/>
+        <p:txBody>
+          <a:bodyPr/>
+          <a:lstStyle/>
+          <a:p>
+            <a:fld id="{1928C91E-B408-4609-AD83-03ADF00550DE}" type="slidenum">
+              <a:rPr lang="de-DE" smtClean="0"/>
+              <a:t>9</a:t>
+            </a:fld>
+            <a:endParaRPr lang="de-DE"/>
+          </a:p>
+        </p:txBody>
+      </p:sp>
+    </p:spTree>
+    <p:extLst>
+      <p:ext uri="{BB962C8B-B14F-4D97-AF65-F5344CB8AC3E}">
+        <p14:creationId xmlns:p14="http://schemas.microsoft.com/office/powerpoint/2010/main" val="4259533064"/>
+      </p:ext>
+    </p:extLst>
+  </p:cSld>
+  <p:clrMapOvr>
+    <a:masterClrMapping/>
+  </p:clrMapOvr>
+</p:notes>
+</file>
+
+<file path=ppt/notesSlides/notesSlide7.xml><?xml version="1.0" encoding="utf-8"?>
+<p:notes xmlns:a="http://schemas.openxmlformats.org/drawingml/2006/main" xmlns:r="http://schemas.openxmlformats.org/officeDocument/2006/relationships" xmlns:p="http://schemas.openxmlformats.org/presentationml/2006/main">
+  <p:cSld>
+    <p:spTree>
+      <p:nvGrpSpPr>
+        <p:cNvPr id="1" name=""/>
+        <p:cNvGrpSpPr/>
+        <p:nvPr/>
+      </p:nvGrpSpPr>
+      <p:grpSpPr>
+        <a:xfrm>
+          <a:off x="0" y="0"/>
+          <a:ext cx="0" cy="0"/>
+          <a:chOff x="0" y="0"/>
+          <a:chExt cx="0" cy="0"/>
+        </a:xfrm>
+      </p:grpSpPr>
+      <p:sp>
+        <p:nvSpPr>
+          <p:cNvPr id="2" name="Folienbildplatzhalter 1"/>
+          <p:cNvSpPr>
+            <a:spLocks noGrp="1" noRot="1" noChangeAspect="1"/>
+          </p:cNvSpPr>
+          <p:nvPr>
+            <p:ph type="sldImg"/>
+          </p:nvPr>
+        </p:nvSpPr>
+        <p:spPr/>
+      </p:sp>
+      <p:sp>
+        <p:nvSpPr>
+          <p:cNvPr id="3" name="Notizenplatzhalter 2"/>
+          <p:cNvSpPr>
+            <a:spLocks noGrp="1"/>
+          </p:cNvSpPr>
+          <p:nvPr>
+            <p:ph type="body" idx="1"/>
+          </p:nvPr>
+        </p:nvSpPr>
+        <p:spPr/>
+        <p:txBody>
+          <a:bodyPr/>
+          <a:lstStyle/>
+          <a:p>
+            <a:r>
+              <a:rPr lang="de-DE" dirty="0"/>
+              <a:t>Um das zu erreichen, sollten bisher ungenutzte Features unserer WLAN-Appliance, der sog. IAC-BOX, aktiviert werden.</a:t>
+            </a:r>
+          </a:p>
+          <a:p>
+            <a:r>
+              <a:rPr lang="de-DE" dirty="0"/>
+              <a:t> </a:t>
+            </a:r>
+          </a:p>
+          <a:p>
+            <a:r>
+              <a:rPr lang="de-DE" dirty="0"/>
+              <a:t>Was genau ist die IAC-BOX? Die </a:t>
+            </a:r>
+            <a:r>
+              <a:rPr lang="de-DE" baseline="0" dirty="0"/>
+              <a:t>IAC-BOX implementiert ein Ticketsystem wie es auch z.B. Hotels verwenden. Die IAC-BOX wird auch an Hotels verkauft.</a:t>
+            </a:r>
+            <a:endParaRPr lang="de-DE" dirty="0"/>
+          </a:p>
+          <a:p>
+            <a:endParaRPr lang="de-DE" dirty="0"/>
+          </a:p>
+          <a:p>
+            <a:r>
+              <a:rPr lang="de-DE" dirty="0"/>
+              <a:t>Sie hat die Aufgabe, den Zugang zum GESIS-Gästenetz zu verwalten.</a:t>
+            </a:r>
+          </a:p>
+          <a:p>
+            <a:endParaRPr lang="de-DE" dirty="0"/>
+          </a:p>
+          <a:p>
+            <a:r>
+              <a:rPr lang="de-DE" dirty="0"/>
+              <a:t>Dazu ist die IAC-BOX mit dem WLAN-Controller gekoppelt.</a:t>
+            </a:r>
+          </a:p>
+          <a:p>
+            <a:r>
+              <a:rPr lang="de-DE" dirty="0"/>
+              <a:t> </a:t>
+            </a:r>
+          </a:p>
+          <a:p>
+            <a:r>
+              <a:rPr lang="de-DE" dirty="0"/>
+              <a:t>Nur mit einem gültigen Ticket gestattet</a:t>
+            </a:r>
+            <a:r>
+              <a:rPr lang="de-DE" baseline="0" dirty="0"/>
+              <a:t> </a:t>
+            </a:r>
+            <a:r>
+              <a:rPr lang="de-DE" dirty="0"/>
+              <a:t>die IAC-BOX einem Gästegerät den Zugang zum Gästenetz.</a:t>
+            </a:r>
+          </a:p>
+          <a:p>
+            <a:r>
+              <a:rPr lang="de-DE" dirty="0"/>
+              <a:t> </a:t>
+            </a:r>
+          </a:p>
+          <a:p>
+            <a:r>
+              <a:rPr lang="de-DE" dirty="0"/>
+              <a:t>Diese</a:t>
+            </a:r>
+            <a:r>
+              <a:rPr lang="de-DE" baseline="0" dirty="0"/>
+              <a:t> </a:t>
+            </a:r>
+            <a:r>
+              <a:rPr lang="de-DE" dirty="0"/>
+              <a:t>Tickets wurden bisher</a:t>
+            </a:r>
+            <a:r>
+              <a:rPr lang="de-DE" baseline="0" dirty="0"/>
+              <a:t> </a:t>
+            </a:r>
+            <a:r>
+              <a:rPr lang="de-DE" dirty="0"/>
+              <a:t>von der IT erstellt.</a:t>
+            </a:r>
+          </a:p>
+          <a:p>
+            <a:r>
+              <a:rPr lang="de-DE" dirty="0"/>
+              <a:t> </a:t>
+            </a:r>
+          </a:p>
+          <a:p>
+            <a:r>
+              <a:rPr lang="de-DE" dirty="0"/>
+              <a:t>Um die IT von dieser Aufgabe zu befreien, sollte ich 5 bislang ungenutzte Module der IAC-BOX urbar machen.</a:t>
+            </a:r>
+          </a:p>
+          <a:p>
+            <a:endParaRPr lang="de-DE" dirty="0"/>
+          </a:p>
+          <a:p>
+            <a:r>
+              <a:rPr lang="de-DE" dirty="0"/>
+              <a:t> </a:t>
+            </a:r>
+          </a:p>
+          <a:p>
+            <a:r>
+              <a:rPr lang="de-DE" dirty="0"/>
+              <a:t>Ich werde im Folgenden diese Module genauer beschreiben.</a:t>
+            </a:r>
+          </a:p>
+        </p:txBody>
+      </p:sp>
+      <p:sp>
+        <p:nvSpPr>
+          <p:cNvPr id="4" name="Foliennummernplatzhalter 3"/>
+          <p:cNvSpPr>
+            <a:spLocks noGrp="1"/>
+          </p:cNvSpPr>
+          <p:nvPr>
+            <p:ph type="sldNum" sz="quarter" idx="10"/>
+          </p:nvPr>
+        </p:nvSpPr>
+        <p:spPr/>
+        <p:txBody>
+          <a:bodyPr/>
+          <a:lstStyle/>
+          <a:p>
+            <a:fld id="{1928C91E-B408-4609-AD83-03ADF00550DE}" type="slidenum">
+              <a:rPr lang="de-DE" smtClean="0"/>
+              <a:t>10</a:t>
+            </a:fld>
+            <a:endParaRPr lang="de-DE"/>
+          </a:p>
+        </p:txBody>
+      </p:sp>
+    </p:spTree>
+    <p:extLst>
+      <p:ext uri="{BB962C8B-B14F-4D97-AF65-F5344CB8AC3E}">
+        <p14:creationId xmlns:p14="http://schemas.microsoft.com/office/powerpoint/2010/main" val="2088475689"/>
+      </p:ext>
+    </p:extLst>
+  </p:cSld>
+  <p:clrMapOvr>
+    <a:masterClrMapping/>
+  </p:clrMapOvr>
+</p:notes>
+</file>
+
+<file path=ppt/notesSlides/notesSlide8.xml><?xml version="1.0" encoding="utf-8"?>
 <p:notes xmlns:a="http://schemas.openxmlformats.org/drawingml/2006/main" xmlns:r="http://schemas.openxmlformats.org/officeDocument/2006/relationships" xmlns:p="http://schemas.openxmlformats.org/presentationml/2006/main">
   <p:cSld>
     <p:spTree>
@@ -4034,12 +3094,6 @@
           <a:bodyPr/>
           <a:lstStyle/>
           <a:p>
-            <a:r>
-              <a:rPr lang="de-DE" dirty="0"/>
-              <a:t>REFACTORING nicht im BILD</a:t>
-            </a:r>
-          </a:p>
-          <a:p>
             <a:endParaRPr lang="de-DE" dirty="0"/>
           </a:p>
         </p:txBody>
@@ -4059,7 +3113,7 @@
           <a:bodyPr/>
           <a:lstStyle/>
           <a:p>
-            <a:endParaRPr lang="de-DE" dirty="0"/>
+            <a:endParaRPr lang="de-DE"/>
           </a:p>
         </p:txBody>
       </p:sp>
@@ -4081,16 +3135,16 @@
             <a:fld id="{BF63E930-8F88-4EE0-A623-E2193C3967E3}" type="slidenum">
               <a:rPr lang="de-DE" smtClean="0"/>
               <a:pPr/>
-              <a:t>9</a:t>
+              <a:t>13</a:t>
             </a:fld>
-            <a:endParaRPr lang="de-DE" dirty="0"/>
+            <a:endParaRPr lang="de-DE"/>
           </a:p>
         </p:txBody>
       </p:sp>
     </p:spTree>
     <p:extLst>
       <p:ext uri="{BB962C8B-B14F-4D97-AF65-F5344CB8AC3E}">
-        <p14:creationId xmlns:p14="http://schemas.microsoft.com/office/powerpoint/2010/main" val="1087693115"/>
+        <p14:creationId xmlns:p14="http://schemas.microsoft.com/office/powerpoint/2010/main" val="1284332552"/>
       </p:ext>
     </p:extLst>
   </p:cSld>
@@ -4100,7 +3154,7 @@
 </p:notes>
 </file>
 
-<file path=ppt/notesSlides/notesSlide7.xml><?xml version="1.0" encoding="utf-8"?>
+<file path=ppt/notesSlides/notesSlide9.xml><?xml version="1.0" encoding="utf-8"?>
 <p:notes xmlns:a="http://schemas.openxmlformats.org/drawingml/2006/main" xmlns:r="http://schemas.openxmlformats.org/officeDocument/2006/relationships" xmlns:p="http://schemas.openxmlformats.org/presentationml/2006/main">
   <p:cSld>
     <p:spTree>
@@ -4144,7 +3198,10 @@
           <a:bodyPr/>
           <a:lstStyle/>
           <a:p>
-            <a:endParaRPr lang="de-DE" dirty="0"/>
+            <a:r>
+              <a:rPr lang="de-DE"/>
+              <a:t>ENTWICKLERDOKUMENTATION HAT ZEITLICH NICHT GEPASST UND WURDE VOM KUNDEN IM ABNAHMEPROTOKOLL NICHT ERWÄHNT.</a:t>
+            </a:r>
           </a:p>
         </p:txBody>
       </p:sp>
@@ -4185,7 +3242,7 @@
             <a:fld id="{BF63E930-8F88-4EE0-A623-E2193C3967E3}" type="slidenum">
               <a:rPr lang="de-DE" smtClean="0"/>
               <a:pPr/>
-              <a:t>10</a:t>
+              <a:t>16</a:t>
             </a:fld>
             <a:endParaRPr lang="de-DE"/>
           </a:p>
@@ -4194,7 +3251,7 @@
     </p:spTree>
     <p:extLst>
       <p:ext uri="{BB962C8B-B14F-4D97-AF65-F5344CB8AC3E}">
-        <p14:creationId xmlns:p14="http://schemas.microsoft.com/office/powerpoint/2010/main" val="1284332552"/>
+        <p14:creationId xmlns:p14="http://schemas.microsoft.com/office/powerpoint/2010/main" val="2514259520"/>
       </p:ext>
     </p:extLst>
   </p:cSld>
@@ -6650,934 +5707,6 @@
       </p:grpSpPr>
       <p:sp>
         <p:nvSpPr>
-          <p:cNvPr id="2" name="Title 1">
-            <a:extLst>
-              <a:ext uri="{FF2B5EF4-FFF2-40B4-BE49-F238E27FC236}">
-                <a16:creationId xmlns:a16="http://schemas.microsoft.com/office/drawing/2014/main" id="{C1F94D26-A670-F34C-8B7D-2DC1C8F0B81C}"/>
-              </a:ext>
-            </a:extLst>
-          </p:cNvPr>
-          <p:cNvSpPr>
-            <a:spLocks noGrp="1"/>
-          </p:cNvSpPr>
-          <p:nvPr>
-            <p:ph type="title"/>
-          </p:nvPr>
-        </p:nvSpPr>
-        <p:spPr/>
-        <p:txBody>
-          <a:bodyPr/>
-          <a:lstStyle/>
-          <a:p>
-            <a:r>
-              <a:rPr lang="de-DE" dirty="0"/>
-              <a:t>Testverzeichnis</a:t>
-            </a:r>
-          </a:p>
-        </p:txBody>
-      </p:sp>
-      <p:pic>
-        <p:nvPicPr>
-          <p:cNvPr id="7" name="Content Placeholder 6" descr="A screenshot of a computer screen&#10;&#10;Description automatically generated">
-            <a:extLst>
-              <a:ext uri="{FF2B5EF4-FFF2-40B4-BE49-F238E27FC236}">
-                <a16:creationId xmlns:a16="http://schemas.microsoft.com/office/drawing/2014/main" id="{711C6A53-6F06-E944-89F4-E1E765BEA4A8}"/>
-              </a:ext>
-            </a:extLst>
-          </p:cNvPr>
-          <p:cNvPicPr>
-            <a:picLocks noGrp="1" noChangeAspect="1"/>
-          </p:cNvPicPr>
-          <p:nvPr>
-            <p:ph idx="1"/>
-          </p:nvPr>
-        </p:nvPicPr>
-        <p:blipFill>
-          <a:blip r:embed="rId3">
-            <a:extLst>
-              <a:ext uri="{28A0092B-C50C-407E-A947-70E740481C1C}">
-                <a14:useLocalDpi xmlns:a14="http://schemas.microsoft.com/office/drawing/2010/main" val="0"/>
-              </a:ext>
-            </a:extLst>
-          </a:blip>
-          <a:stretch>
-            <a:fillRect/>
-          </a:stretch>
-        </p:blipFill>
-        <p:spPr>
-          <a:xfrm>
-            <a:off x="684213" y="1619250"/>
-            <a:ext cx="4432300" cy="4330700"/>
-          </a:xfrm>
-        </p:spPr>
-      </p:pic>
-      <p:sp>
-        <p:nvSpPr>
-          <p:cNvPr id="4" name="Footer Placeholder 3">
-            <a:extLst>
-              <a:ext uri="{FF2B5EF4-FFF2-40B4-BE49-F238E27FC236}">
-                <a16:creationId xmlns:a16="http://schemas.microsoft.com/office/drawing/2014/main" id="{1019E0D5-835D-2844-86C3-E11FB376F4CA}"/>
-              </a:ext>
-            </a:extLst>
-          </p:cNvPr>
-          <p:cNvSpPr>
-            <a:spLocks noGrp="1"/>
-          </p:cNvSpPr>
-          <p:nvPr>
-            <p:ph type="ftr" sz="quarter" idx="11"/>
-          </p:nvPr>
-        </p:nvSpPr>
-        <p:spPr/>
-        <p:txBody>
-          <a:bodyPr/>
-          <a:lstStyle/>
-          <a:p>
-            <a:r>
-              <a:rPr lang="de-DE"/>
-              <a:t>Extreme Programming</a:t>
-            </a:r>
-            <a:endParaRPr lang="de-DE" dirty="0"/>
-          </a:p>
-        </p:txBody>
-      </p:sp>
-      <p:sp>
-        <p:nvSpPr>
-          <p:cNvPr id="5" name="Slide Number Placeholder 4">
-            <a:extLst>
-              <a:ext uri="{FF2B5EF4-FFF2-40B4-BE49-F238E27FC236}">
-                <a16:creationId xmlns:a16="http://schemas.microsoft.com/office/drawing/2014/main" id="{F72071CF-7F98-9F46-ADA4-E896D2518C1D}"/>
-              </a:ext>
-            </a:extLst>
-          </p:cNvPr>
-          <p:cNvSpPr>
-            <a:spLocks noGrp="1"/>
-          </p:cNvSpPr>
-          <p:nvPr>
-            <p:ph type="sldNum" sz="quarter" idx="12"/>
-          </p:nvPr>
-        </p:nvSpPr>
-        <p:spPr/>
-        <p:txBody>
-          <a:bodyPr/>
-          <a:lstStyle/>
-          <a:p>
-            <a:fld id="{506DEF79-D5F3-42ED-9335-D73AD216BB54}" type="slidenum">
-              <a:rPr lang="de-DE" smtClean="0"/>
-              <a:pPr/>
-              <a:t>10</a:t>
-            </a:fld>
-            <a:r>
-              <a:rPr lang="de-DE"/>
-              <a:t> von 16</a:t>
-            </a:r>
-          </a:p>
-        </p:txBody>
-      </p:sp>
-    </p:spTree>
-    <p:extLst>
-      <p:ext uri="{BB962C8B-B14F-4D97-AF65-F5344CB8AC3E}">
-        <p14:creationId xmlns:p14="http://schemas.microsoft.com/office/powerpoint/2010/main" val="2621459993"/>
-      </p:ext>
-    </p:extLst>
-  </p:cSld>
-  <p:clrMapOvr>
-    <a:masterClrMapping/>
-  </p:clrMapOvr>
-</p:sld>
-</file>
-
-<file path=ppt/slides/slide11.xml><?xml version="1.0" encoding="utf-8"?>
-<p:sld xmlns:a="http://schemas.openxmlformats.org/drawingml/2006/main" xmlns:r="http://schemas.openxmlformats.org/officeDocument/2006/relationships" xmlns:p="http://schemas.openxmlformats.org/presentationml/2006/main">
-  <p:cSld>
-    <p:spTree>
-      <p:nvGrpSpPr>
-        <p:cNvPr id="1" name=""/>
-        <p:cNvGrpSpPr/>
-        <p:nvPr/>
-      </p:nvGrpSpPr>
-      <p:grpSpPr>
-        <a:xfrm>
-          <a:off x="0" y="0"/>
-          <a:ext cx="0" cy="0"/>
-          <a:chOff x="0" y="0"/>
-          <a:chExt cx="0" cy="0"/>
-        </a:xfrm>
-      </p:grpSpPr>
-      <p:sp>
-        <p:nvSpPr>
-          <p:cNvPr id="2" name="Title 1">
-            <a:extLst>
-              <a:ext uri="{FF2B5EF4-FFF2-40B4-BE49-F238E27FC236}">
-                <a16:creationId xmlns:a16="http://schemas.microsoft.com/office/drawing/2014/main" id="{098424BE-FF49-F740-A7D4-E1D3EA8B5AE3}"/>
-              </a:ext>
-            </a:extLst>
-          </p:cNvPr>
-          <p:cNvSpPr>
-            <a:spLocks noGrp="1"/>
-          </p:cNvSpPr>
-          <p:nvPr>
-            <p:ph type="title"/>
-          </p:nvPr>
-        </p:nvSpPr>
-        <p:spPr/>
-        <p:txBody>
-          <a:bodyPr/>
-          <a:lstStyle/>
-          <a:p>
-            <a:r>
-              <a:rPr lang="de-DE" dirty="0"/>
-              <a:t>Testfall</a:t>
-            </a:r>
-          </a:p>
-        </p:txBody>
-      </p:sp>
-      <p:pic>
-        <p:nvPicPr>
-          <p:cNvPr id="7" name="Content Placeholder 6" descr="Test-Case Source code&#10;">
-            <a:extLst>
-              <a:ext uri="{FF2B5EF4-FFF2-40B4-BE49-F238E27FC236}">
-                <a16:creationId xmlns:a16="http://schemas.microsoft.com/office/drawing/2014/main" id="{B659A070-BC46-524C-B700-8835A1F80F7C}"/>
-              </a:ext>
-            </a:extLst>
-          </p:cNvPr>
-          <p:cNvPicPr>
-            <a:picLocks noGrp="1" noChangeAspect="1"/>
-          </p:cNvPicPr>
-          <p:nvPr>
-            <p:ph idx="1"/>
-          </p:nvPr>
-        </p:nvPicPr>
-        <p:blipFill>
-          <a:blip r:embed="rId2">
-            <a:extLst>
-              <a:ext uri="{28A0092B-C50C-407E-A947-70E740481C1C}">
-                <a14:useLocalDpi xmlns:a14="http://schemas.microsoft.com/office/drawing/2010/main" val="0"/>
-              </a:ext>
-            </a:extLst>
-          </a:blip>
-          <a:stretch>
-            <a:fillRect/>
-          </a:stretch>
-        </p:blipFill>
-        <p:spPr>
-          <a:xfrm>
-            <a:off x="1115616" y="1391742"/>
-            <a:ext cx="5900144" cy="4887604"/>
-          </a:xfrm>
-        </p:spPr>
-      </p:pic>
-      <p:sp>
-        <p:nvSpPr>
-          <p:cNvPr id="4" name="Footer Placeholder 3">
-            <a:extLst>
-              <a:ext uri="{FF2B5EF4-FFF2-40B4-BE49-F238E27FC236}">
-                <a16:creationId xmlns:a16="http://schemas.microsoft.com/office/drawing/2014/main" id="{066CEE00-AE9D-C64F-AD6F-C74565AA5BBF}"/>
-              </a:ext>
-            </a:extLst>
-          </p:cNvPr>
-          <p:cNvSpPr>
-            <a:spLocks noGrp="1"/>
-          </p:cNvSpPr>
-          <p:nvPr>
-            <p:ph type="ftr" sz="quarter" idx="11"/>
-          </p:nvPr>
-        </p:nvSpPr>
-        <p:spPr/>
-        <p:txBody>
-          <a:bodyPr/>
-          <a:lstStyle/>
-          <a:p>
-            <a:r>
-              <a:rPr lang="de-DE"/>
-              <a:t>Extreme Programming</a:t>
-            </a:r>
-            <a:endParaRPr lang="de-DE" dirty="0"/>
-          </a:p>
-        </p:txBody>
-      </p:sp>
-      <p:sp>
-        <p:nvSpPr>
-          <p:cNvPr id="5" name="Slide Number Placeholder 4">
-            <a:extLst>
-              <a:ext uri="{FF2B5EF4-FFF2-40B4-BE49-F238E27FC236}">
-                <a16:creationId xmlns:a16="http://schemas.microsoft.com/office/drawing/2014/main" id="{B98B3B2E-D20C-434A-8004-9C149E269B34}"/>
-              </a:ext>
-            </a:extLst>
-          </p:cNvPr>
-          <p:cNvSpPr>
-            <a:spLocks noGrp="1"/>
-          </p:cNvSpPr>
-          <p:nvPr>
-            <p:ph type="sldNum" sz="quarter" idx="12"/>
-          </p:nvPr>
-        </p:nvSpPr>
-        <p:spPr/>
-        <p:txBody>
-          <a:bodyPr/>
-          <a:lstStyle/>
-          <a:p>
-            <a:fld id="{506DEF79-D5F3-42ED-9335-D73AD216BB54}" type="slidenum">
-              <a:rPr lang="de-DE" smtClean="0"/>
-              <a:pPr/>
-              <a:t>11</a:t>
-            </a:fld>
-            <a:r>
-              <a:rPr lang="de-DE"/>
-              <a:t> von 16</a:t>
-            </a:r>
-          </a:p>
-        </p:txBody>
-      </p:sp>
-    </p:spTree>
-    <p:extLst>
-      <p:ext uri="{BB962C8B-B14F-4D97-AF65-F5344CB8AC3E}">
-        <p14:creationId xmlns:p14="http://schemas.microsoft.com/office/powerpoint/2010/main" val="127480081"/>
-      </p:ext>
-    </p:extLst>
-  </p:cSld>
-  <p:clrMapOvr>
-    <a:masterClrMapping/>
-  </p:clrMapOvr>
-</p:sld>
-</file>
-
-<file path=ppt/slides/slide12.xml><?xml version="1.0" encoding="utf-8"?>
-<p:sld xmlns:a="http://schemas.openxmlformats.org/drawingml/2006/main" xmlns:r="http://schemas.openxmlformats.org/officeDocument/2006/relationships" xmlns:p="http://schemas.openxmlformats.org/presentationml/2006/main">
-  <p:cSld>
-    <p:spTree>
-      <p:nvGrpSpPr>
-        <p:cNvPr id="1" name=""/>
-        <p:cNvGrpSpPr/>
-        <p:nvPr/>
-      </p:nvGrpSpPr>
-      <p:grpSpPr>
-        <a:xfrm>
-          <a:off x="0" y="0"/>
-          <a:ext cx="0" cy="0"/>
-          <a:chOff x="0" y="0"/>
-          <a:chExt cx="0" cy="0"/>
-        </a:xfrm>
-      </p:grpSpPr>
-      <p:sp>
-        <p:nvSpPr>
-          <p:cNvPr id="2" name="Title 1">
-            <a:extLst>
-              <a:ext uri="{FF2B5EF4-FFF2-40B4-BE49-F238E27FC236}">
-                <a16:creationId xmlns:a16="http://schemas.microsoft.com/office/drawing/2014/main" id="{1F9819EB-9E4B-F54C-8658-D06C4C3D76C6}"/>
-              </a:ext>
-            </a:extLst>
-          </p:cNvPr>
-          <p:cNvSpPr>
-            <a:spLocks noGrp="1"/>
-          </p:cNvSpPr>
-          <p:nvPr>
-            <p:ph type="title"/>
-          </p:nvPr>
-        </p:nvSpPr>
-        <p:spPr/>
-        <p:txBody>
-          <a:bodyPr/>
-          <a:lstStyle/>
-          <a:p>
-            <a:r>
-              <a:rPr lang="de-DE" dirty="0"/>
-              <a:t>Quellen</a:t>
-            </a:r>
-          </a:p>
-        </p:txBody>
-      </p:sp>
-      <p:sp>
-        <p:nvSpPr>
-          <p:cNvPr id="3" name="Content Placeholder 2">
-            <a:extLst>
-              <a:ext uri="{FF2B5EF4-FFF2-40B4-BE49-F238E27FC236}">
-                <a16:creationId xmlns:a16="http://schemas.microsoft.com/office/drawing/2014/main" id="{A64AB663-A05A-4643-BBD7-2049FDC140F7}"/>
-              </a:ext>
-            </a:extLst>
-          </p:cNvPr>
-          <p:cNvSpPr>
-            <a:spLocks noGrp="1"/>
-          </p:cNvSpPr>
-          <p:nvPr>
-            <p:ph idx="1"/>
-          </p:nvPr>
-        </p:nvSpPr>
-        <p:spPr/>
-        <p:txBody>
-          <a:bodyPr>
-            <a:normAutofit/>
-          </a:bodyPr>
-          <a:lstStyle/>
-          <a:p>
-            <a:r>
-              <a:rPr lang="de-DE" sz="1200" dirty="0">
-                <a:hlinkClick r:id="rId2"/>
-              </a:rPr>
-              <a:t>https://www.torsten-horn.de/techdocs/sw-dev-process.htm</a:t>
-            </a:r>
-            <a:endParaRPr lang="de-DE" sz="1200" dirty="0"/>
-          </a:p>
-          <a:p>
-            <a:r>
-              <a:rPr lang="de-DE" sz="1200" dirty="0">
-                <a:hlinkClick r:id="rId3"/>
-              </a:rPr>
-              <a:t>https://en.wikipedia.org/wiki/Extreme_programming</a:t>
-            </a:r>
-            <a:endParaRPr lang="de-DE" sz="1200" dirty="0"/>
-          </a:p>
-          <a:p>
-            <a:r>
-              <a:rPr lang="de-DE" sz="1200" dirty="0">
-                <a:hlinkClick r:id="rId4"/>
-              </a:rPr>
-              <a:t>https://www.cs.utah.edu/~lwilliam/Papers/ieeeSoftware.PDF</a:t>
-            </a:r>
-            <a:endParaRPr lang="de-DE" sz="1200" dirty="0"/>
-          </a:p>
-          <a:p>
-            <a:r>
-              <a:rPr lang="de-DE" sz="1200" dirty="0">
-                <a:hlinkClick r:id="rId5"/>
-              </a:rPr>
-              <a:t>https://www.st.cs.uni-saarland.de/edu/lehrer/xp.pdf</a:t>
-            </a:r>
-            <a:endParaRPr lang="de-DE" sz="1200" dirty="0"/>
-          </a:p>
-          <a:p>
-            <a:r>
-              <a:rPr lang="de-DE" sz="1200" dirty="0"/>
-              <a:t>Kent Beck - Extreme Programming Explained: Embrace Change</a:t>
-            </a:r>
-          </a:p>
-          <a:p>
-            <a:r>
-              <a:rPr lang="de-DE" sz="1200" dirty="0">
-                <a:hlinkClick r:id="rId6"/>
-              </a:rPr>
-              <a:t>https://www.vox.de/cms/die-hoehle-der-loewen-2016-der-ponyhuetchen-pitch-macht-judith-williams-fassungslos-4003566.html</a:t>
-            </a:r>
-            <a:endParaRPr lang="de-DE" sz="1200" dirty="0"/>
-          </a:p>
-          <a:p>
-            <a:r>
-              <a:rPr lang="de-DE" sz="1200" dirty="0">
-                <a:hlinkClick r:id="rId7"/>
-              </a:rPr>
-              <a:t>https://laracasts.com/series/code-katas-in-php/episodes/7</a:t>
-            </a:r>
-            <a:endParaRPr lang="de-DE" sz="1200" dirty="0"/>
-          </a:p>
-          <a:p>
-            <a:r>
-              <a:rPr lang="de-DE" sz="1200" dirty="0">
-                <a:hlinkClick r:id="rId8"/>
-              </a:rPr>
-              <a:t>https://upload.wikimedia.org/wikipedia/commons/8/84/Extreme_Programming.svg</a:t>
-            </a:r>
-            <a:endParaRPr lang="de-DE" sz="1200" dirty="0"/>
-          </a:p>
-          <a:p>
-            <a:r>
-              <a:rPr lang="de-DE" sz="1200" dirty="0">
-                <a:hlinkClick r:id="rId9"/>
-              </a:rPr>
-              <a:t>https://gfycat.com/HotOrangeCoypu</a:t>
-            </a:r>
-            <a:endParaRPr lang="de-DE" sz="1200" dirty="0"/>
-          </a:p>
-          <a:p>
-            <a:r>
-              <a:rPr lang="de-DE" sz="1200" dirty="0">
-                <a:hlinkClick r:id="rId10"/>
-              </a:rPr>
-              <a:t>https://en.wikipedia.org/wiki/File:Kent_Beck_no_Workshop_Mapping_XP.jpg</a:t>
-            </a:r>
-            <a:endParaRPr lang="de-DE" sz="1200" dirty="0"/>
-          </a:p>
-          <a:p>
-            <a:r>
-              <a:rPr lang="de-DE" sz="1200" dirty="0">
-                <a:hlinkClick r:id="rId11"/>
-              </a:rPr>
-              <a:t>https://www.altexsoft.com/blog/business/extreme-programming-values-principles-and-practices/</a:t>
-            </a:r>
-            <a:endParaRPr lang="de-DE" sz="1200" dirty="0"/>
-          </a:p>
-          <a:p>
-            <a:r>
-              <a:rPr lang="de-DE" sz="1200" dirty="0">
-                <a:hlinkClick r:id="rId12"/>
-              </a:rPr>
-              <a:t>https://www.youtube.com/watch?v=cGuTmOUdFbo</a:t>
-            </a:r>
-            <a:endParaRPr lang="de-DE" sz="1200" dirty="0"/>
-          </a:p>
-          <a:p>
-            <a:r>
-              <a:rPr lang="de-DE" sz="1200" dirty="0">
-                <a:hlinkClick r:id="rId13"/>
-              </a:rPr>
-              <a:t>https://en.wikipedia.org/wiki/Extreme_programming_practices</a:t>
-            </a:r>
-            <a:endParaRPr lang="de-DE" sz="1200" dirty="0"/>
-          </a:p>
-          <a:p>
-            <a:r>
-              <a:rPr lang="de-DE" sz="1200" dirty="0">
-                <a:hlinkClick r:id="rId14"/>
-              </a:rPr>
-              <a:t>http://www.selectbs.com/process-maturity/what-is-extreme-programming</a:t>
-            </a:r>
-            <a:endParaRPr lang="de-DE" sz="1200" dirty="0"/>
-          </a:p>
-          <a:p>
-            <a:endParaRPr lang="de-DE" sz="1200" dirty="0"/>
-          </a:p>
-          <a:p>
-            <a:pPr marL="0" indent="0">
-              <a:buNone/>
-            </a:pPr>
-            <a:endParaRPr lang="de-DE" sz="1200" dirty="0"/>
-          </a:p>
-          <a:p>
-            <a:endParaRPr lang="de-DE" sz="1200" dirty="0"/>
-          </a:p>
-          <a:p>
-            <a:endParaRPr lang="de-DE" b="1" dirty="0"/>
-          </a:p>
-          <a:p>
-            <a:endParaRPr lang="de-DE" b="1" dirty="0"/>
-          </a:p>
-        </p:txBody>
-      </p:sp>
-      <p:sp>
-        <p:nvSpPr>
-          <p:cNvPr id="4" name="Footer Placeholder 3">
-            <a:extLst>
-              <a:ext uri="{FF2B5EF4-FFF2-40B4-BE49-F238E27FC236}">
-                <a16:creationId xmlns:a16="http://schemas.microsoft.com/office/drawing/2014/main" id="{6E14F785-519C-CA4E-AAB0-EF40B8E648A3}"/>
-              </a:ext>
-            </a:extLst>
-          </p:cNvPr>
-          <p:cNvSpPr>
-            <a:spLocks noGrp="1"/>
-          </p:cNvSpPr>
-          <p:nvPr>
-            <p:ph type="ftr" sz="quarter" idx="11"/>
-          </p:nvPr>
-        </p:nvSpPr>
-        <p:spPr/>
-        <p:txBody>
-          <a:bodyPr/>
-          <a:lstStyle/>
-          <a:p>
-            <a:r>
-              <a:rPr lang="de-DE" dirty="0"/>
-              <a:t>Extreme Programming</a:t>
-            </a:r>
-          </a:p>
-        </p:txBody>
-      </p:sp>
-      <p:sp>
-        <p:nvSpPr>
-          <p:cNvPr id="5" name="Slide Number Placeholder 4">
-            <a:extLst>
-              <a:ext uri="{FF2B5EF4-FFF2-40B4-BE49-F238E27FC236}">
-                <a16:creationId xmlns:a16="http://schemas.microsoft.com/office/drawing/2014/main" id="{5BCA0103-F1DD-E040-8480-84B0386456B7}"/>
-              </a:ext>
-            </a:extLst>
-          </p:cNvPr>
-          <p:cNvSpPr>
-            <a:spLocks noGrp="1"/>
-          </p:cNvSpPr>
-          <p:nvPr>
-            <p:ph type="sldNum" sz="quarter" idx="12"/>
-          </p:nvPr>
-        </p:nvSpPr>
-        <p:spPr/>
-        <p:txBody>
-          <a:bodyPr/>
-          <a:lstStyle/>
-          <a:p>
-            <a:endParaRPr lang="de-DE" dirty="0"/>
-          </a:p>
-        </p:txBody>
-      </p:sp>
-    </p:spTree>
-    <p:extLst>
-      <p:ext uri="{BB962C8B-B14F-4D97-AF65-F5344CB8AC3E}">
-        <p14:creationId xmlns:p14="http://schemas.microsoft.com/office/powerpoint/2010/main" val="615240107"/>
-      </p:ext>
-    </p:extLst>
-  </p:cSld>
-  <p:clrMapOvr>
-    <a:masterClrMapping/>
-  </p:clrMapOvr>
-</p:sld>
-</file>
-
-<file path=ppt/slides/slide2.xml><?xml version="1.0" encoding="utf-8"?>
-<p:sld xmlns:a="http://schemas.openxmlformats.org/drawingml/2006/main" xmlns:r="http://schemas.openxmlformats.org/officeDocument/2006/relationships" xmlns:p="http://schemas.openxmlformats.org/presentationml/2006/main">
-  <p:cSld>
-    <p:spTree>
-      <p:nvGrpSpPr>
-        <p:cNvPr id="1" name=""/>
-        <p:cNvGrpSpPr/>
-        <p:nvPr/>
-      </p:nvGrpSpPr>
-      <p:grpSpPr>
-        <a:xfrm>
-          <a:off x="0" y="0"/>
-          <a:ext cx="0" cy="0"/>
-          <a:chOff x="0" y="0"/>
-          <a:chExt cx="0" cy="0"/>
-        </a:xfrm>
-      </p:grpSpPr>
-      <p:sp>
-        <p:nvSpPr>
-          <p:cNvPr id="2" name="Title 1">
-            <a:extLst>
-              <a:ext uri="{FF2B5EF4-FFF2-40B4-BE49-F238E27FC236}">
-                <a16:creationId xmlns:a16="http://schemas.microsoft.com/office/drawing/2014/main" id="{F39A06CE-1991-C14C-8322-A489B36D6290}"/>
-              </a:ext>
-            </a:extLst>
-          </p:cNvPr>
-          <p:cNvSpPr>
-            <a:spLocks noGrp="1"/>
-          </p:cNvSpPr>
-          <p:nvPr>
-            <p:ph type="title"/>
-          </p:nvPr>
-        </p:nvSpPr>
-        <p:spPr/>
-        <p:txBody>
-          <a:bodyPr/>
-          <a:lstStyle/>
-          <a:p>
-            <a:r>
-              <a:rPr lang="de-DE" dirty="0"/>
-              <a:t>Agenda</a:t>
-            </a:r>
-          </a:p>
-        </p:txBody>
-      </p:sp>
-      <p:sp>
-        <p:nvSpPr>
-          <p:cNvPr id="3" name="Content Placeholder 2">
-            <a:extLst>
-              <a:ext uri="{FF2B5EF4-FFF2-40B4-BE49-F238E27FC236}">
-                <a16:creationId xmlns:a16="http://schemas.microsoft.com/office/drawing/2014/main" id="{9F0998FD-4570-294F-A998-33A0D82CBCD9}"/>
-              </a:ext>
-            </a:extLst>
-          </p:cNvPr>
-          <p:cNvSpPr>
-            <a:spLocks noGrp="1"/>
-          </p:cNvSpPr>
-          <p:nvPr>
-            <p:ph idx="1"/>
-          </p:nvPr>
-        </p:nvSpPr>
-        <p:spPr/>
-        <p:txBody>
-          <a:bodyPr/>
-          <a:lstStyle/>
-          <a:p>
-            <a:r>
-              <a:rPr lang="de-DE" dirty="0"/>
-              <a:t>Projektumfeld</a:t>
-            </a:r>
-          </a:p>
-          <a:p>
-            <a:r>
-              <a:rPr lang="de-DE" dirty="0"/>
-              <a:t>Projektbasis QES</a:t>
-            </a:r>
-          </a:p>
-          <a:p>
-            <a:r>
-              <a:rPr lang="de-DE" dirty="0"/>
-              <a:t>Planung</a:t>
-            </a:r>
-          </a:p>
-          <a:p>
-            <a:r>
-              <a:rPr lang="de-DE" dirty="0"/>
-              <a:t>Durchführung</a:t>
-            </a:r>
-          </a:p>
-          <a:p>
-            <a:r>
-              <a:rPr lang="de-DE" dirty="0"/>
-              <a:t>Qualitätssicherung</a:t>
-            </a:r>
-          </a:p>
-          <a:p>
-            <a:r>
-              <a:rPr lang="de-DE" dirty="0"/>
-              <a:t>Abnahme</a:t>
-            </a:r>
-          </a:p>
-          <a:p>
-            <a:r>
-              <a:rPr lang="de-DE" dirty="0"/>
-              <a:t>Fazit</a:t>
-            </a:r>
-          </a:p>
-          <a:p>
-            <a:r>
-              <a:rPr lang="de-DE" dirty="0"/>
-              <a:t>Ausblick</a:t>
-            </a:r>
-          </a:p>
-          <a:p>
-            <a:pPr marL="0" indent="0">
-              <a:buNone/>
-            </a:pPr>
-            <a:endParaRPr lang="de-DE" dirty="0"/>
-          </a:p>
-        </p:txBody>
-      </p:sp>
-      <p:sp>
-        <p:nvSpPr>
-          <p:cNvPr id="4" name="Footer Placeholder 3">
-            <a:extLst>
-              <a:ext uri="{FF2B5EF4-FFF2-40B4-BE49-F238E27FC236}">
-                <a16:creationId xmlns:a16="http://schemas.microsoft.com/office/drawing/2014/main" id="{E60A9312-8259-7049-AC8A-2207947A4FA2}"/>
-              </a:ext>
-            </a:extLst>
-          </p:cNvPr>
-          <p:cNvSpPr>
-            <a:spLocks noGrp="1"/>
-          </p:cNvSpPr>
-          <p:nvPr>
-            <p:ph type="ftr" sz="quarter" idx="11"/>
-          </p:nvPr>
-        </p:nvSpPr>
-        <p:spPr/>
-        <p:txBody>
-          <a:bodyPr/>
-          <a:lstStyle/>
-          <a:p>
-            <a:r>
-              <a:rPr lang="de-DE" dirty="0"/>
-              <a:t>Extreme Programming</a:t>
-            </a:r>
-          </a:p>
-        </p:txBody>
-      </p:sp>
-      <p:sp>
-        <p:nvSpPr>
-          <p:cNvPr id="5" name="Slide Number Placeholder 4">
-            <a:extLst>
-              <a:ext uri="{FF2B5EF4-FFF2-40B4-BE49-F238E27FC236}">
-                <a16:creationId xmlns:a16="http://schemas.microsoft.com/office/drawing/2014/main" id="{0BB0BD8B-109A-5C4A-8BD0-6F530B8711D4}"/>
-              </a:ext>
-            </a:extLst>
-          </p:cNvPr>
-          <p:cNvSpPr>
-            <a:spLocks noGrp="1"/>
-          </p:cNvSpPr>
-          <p:nvPr>
-            <p:ph type="sldNum" sz="quarter" idx="12"/>
-          </p:nvPr>
-        </p:nvSpPr>
-        <p:spPr/>
-        <p:txBody>
-          <a:bodyPr/>
-          <a:lstStyle/>
-          <a:p>
-            <a:fld id="{506DEF79-D5F3-42ED-9335-D73AD216BB54}" type="slidenum">
-              <a:rPr lang="de-DE" smtClean="0"/>
-              <a:t>2</a:t>
-            </a:fld>
-            <a:r>
-              <a:rPr lang="de-DE" dirty="0"/>
-              <a:t> von 16</a:t>
-            </a:r>
-          </a:p>
-        </p:txBody>
-      </p:sp>
-    </p:spTree>
-    <p:extLst>
-      <p:ext uri="{BB962C8B-B14F-4D97-AF65-F5344CB8AC3E}">
-        <p14:creationId xmlns:p14="http://schemas.microsoft.com/office/powerpoint/2010/main" val="3562765367"/>
-      </p:ext>
-    </p:extLst>
-  </p:cSld>
-  <p:clrMapOvr>
-    <a:masterClrMapping/>
-  </p:clrMapOvr>
-</p:sld>
-</file>
-
-<file path=ppt/slides/slide3.xml><?xml version="1.0" encoding="utf-8"?>
-<p:sld xmlns:a="http://schemas.openxmlformats.org/drawingml/2006/main" xmlns:r="http://schemas.openxmlformats.org/officeDocument/2006/relationships" xmlns:p="http://schemas.openxmlformats.org/presentationml/2006/main">
-  <p:cSld>
-    <p:spTree>
-      <p:nvGrpSpPr>
-        <p:cNvPr id="1" name=""/>
-        <p:cNvGrpSpPr/>
-        <p:nvPr/>
-      </p:nvGrpSpPr>
-      <p:grpSpPr>
-        <a:xfrm>
-          <a:off x="0" y="0"/>
-          <a:ext cx="0" cy="0"/>
-          <a:chOff x="0" y="0"/>
-          <a:chExt cx="0" cy="0"/>
-        </a:xfrm>
-      </p:grpSpPr>
-      <p:sp>
-        <p:nvSpPr>
-          <p:cNvPr id="2" name="Titel 1"/>
-          <p:cNvSpPr>
-            <a:spLocks noGrp="1"/>
-          </p:cNvSpPr>
-          <p:nvPr>
-            <p:ph type="title"/>
-          </p:nvPr>
-        </p:nvSpPr>
-        <p:spPr/>
-        <p:txBody>
-          <a:bodyPr>
-            <a:normAutofit fontScale="90000"/>
-          </a:bodyPr>
-          <a:lstStyle/>
-          <a:p>
-            <a:r>
-              <a:rPr lang="de-DE" dirty="0"/>
-              <a:t>Projektumfeld - Das Institut</a:t>
-            </a:r>
-          </a:p>
-        </p:txBody>
-      </p:sp>
-      <p:sp>
-        <p:nvSpPr>
-          <p:cNvPr id="6" name="Rechteck 5"/>
-          <p:cNvSpPr/>
-          <p:nvPr/>
-        </p:nvSpPr>
-        <p:spPr>
-          <a:xfrm>
-            <a:off x="323528" y="6237312"/>
-            <a:ext cx="1440160" cy="620688"/>
-          </a:xfrm>
-          <a:prstGeom prst="rect">
-            <a:avLst/>
-          </a:prstGeom>
-          <a:ln>
-            <a:noFill/>
-          </a:ln>
-        </p:spPr>
-        <p:style>
-          <a:lnRef idx="2">
-            <a:schemeClr val="dk1"/>
-          </a:lnRef>
-          <a:fillRef idx="1">
-            <a:schemeClr val="lt1"/>
-          </a:fillRef>
-          <a:effectRef idx="0">
-            <a:schemeClr val="dk1"/>
-          </a:effectRef>
-          <a:fontRef idx="minor">
-            <a:schemeClr val="dk1"/>
-          </a:fontRef>
-        </p:style>
-        <p:txBody>
-          <a:bodyPr rtlCol="0" anchor="ctr"/>
-          <a:lstStyle/>
-          <a:p>
-            <a:pPr algn="ctr"/>
-            <a:endParaRPr lang="de-DE"/>
-          </a:p>
-        </p:txBody>
-      </p:sp>
-      <p:sp>
-        <p:nvSpPr>
-          <p:cNvPr id="7" name="Foliennummernplatzhalter 6"/>
-          <p:cNvSpPr>
-            <a:spLocks noGrp="1"/>
-          </p:cNvSpPr>
-          <p:nvPr>
-            <p:ph type="sldNum" sz="quarter" idx="12"/>
-          </p:nvPr>
-        </p:nvSpPr>
-        <p:spPr/>
-        <p:txBody>
-          <a:bodyPr/>
-          <a:lstStyle/>
-          <a:p>
-            <a:fld id="{AC76F9B2-121F-446C-A37F-B7F54BF3DCAC}" type="slidenum">
-              <a:rPr lang="de-DE" smtClean="0"/>
-              <a:t>3</a:t>
-            </a:fld>
-            <a:endParaRPr lang="de-DE" dirty="0"/>
-          </a:p>
-        </p:txBody>
-      </p:sp>
-      <p:pic>
-        <p:nvPicPr>
-          <p:cNvPr id="3" name="Picture 2">
-            <a:extLst>
-              <a:ext uri="{FF2B5EF4-FFF2-40B4-BE49-F238E27FC236}">
-                <a16:creationId xmlns:a16="http://schemas.microsoft.com/office/drawing/2014/main" id="{59164D2C-E2DF-EA48-8243-D028C4461300}"/>
-              </a:ext>
-            </a:extLst>
-          </p:cNvPr>
-          <p:cNvPicPr>
-            <a:picLocks noChangeAspect="1"/>
-          </p:cNvPicPr>
-          <p:nvPr/>
-        </p:nvPicPr>
-        <p:blipFill>
-          <a:blip r:embed="rId3"/>
-          <a:stretch>
-            <a:fillRect/>
-          </a:stretch>
-        </p:blipFill>
-        <p:spPr>
-          <a:xfrm>
-            <a:off x="1034412" y="1412197"/>
-            <a:ext cx="7075176" cy="5009917"/>
-          </a:xfrm>
-          <a:prstGeom prst="rect">
-            <a:avLst/>
-          </a:prstGeom>
-        </p:spPr>
-      </p:pic>
-    </p:spTree>
-    <p:extLst>
-      <p:ext uri="{BB962C8B-B14F-4D97-AF65-F5344CB8AC3E}">
-        <p14:creationId xmlns:p14="http://schemas.microsoft.com/office/powerpoint/2010/main" val="1457638166"/>
-      </p:ext>
-    </p:extLst>
-  </p:cSld>
-  <p:clrMapOvr>
-    <a:masterClrMapping/>
-  </p:clrMapOvr>
-</p:sld>
-</file>
-
-<file path=ppt/slides/slide4.xml><?xml version="1.0" encoding="utf-8"?>
-<p:sld xmlns:a="http://schemas.openxmlformats.org/drawingml/2006/main" xmlns:r="http://schemas.openxmlformats.org/officeDocument/2006/relationships" xmlns:p="http://schemas.openxmlformats.org/presentationml/2006/main">
-  <p:cSld>
-    <p:spTree>
-      <p:nvGrpSpPr>
-        <p:cNvPr id="1" name=""/>
-        <p:cNvGrpSpPr/>
-        <p:nvPr/>
-      </p:nvGrpSpPr>
-      <p:grpSpPr>
-        <a:xfrm>
-          <a:off x="0" y="0"/>
-          <a:ext cx="0" cy="0"/>
-          <a:chOff x="0" y="0"/>
-          <a:chExt cx="0" cy="0"/>
-        </a:xfrm>
-      </p:grpSpPr>
-      <p:sp>
-        <p:nvSpPr>
           <p:cNvPr id="2" name="Titel 1"/>
           <p:cNvSpPr>
             <a:spLocks noGrp="1"/>
@@ -7593,7 +5722,7 @@
           <a:p>
             <a:r>
               <a:rPr lang="de-DE" dirty="0"/>
-              <a:t>Projektbasis QES</a:t>
+              <a:t>Durchführung Zielsetzung</a:t>
             </a:r>
           </a:p>
         </p:txBody>
@@ -7615,7 +5744,7 @@
           <a:p>
             <a:fld id="{AC76F9B2-121F-446C-A37F-B7F54BF3DCAC}" type="slidenum">
               <a:rPr lang="de-DE" smtClean="0"/>
-              <a:t>4</a:t>
+              <a:t>10</a:t>
             </a:fld>
             <a:endParaRPr lang="de-DE"/>
           </a:p>
@@ -7946,6 +6075,3627 @@
             <a:chOff x="750235" y="3500947"/>
             <a:chExt cx="1256811" cy="1340533"/>
           </a:xfrm>
+          <a:solidFill>
+            <a:schemeClr val="tx2"/>
+          </a:solidFill>
+        </p:grpSpPr>
+        <p:sp>
+          <p:nvSpPr>
+            <p:cNvPr id="24" name="Textfeld 10">
+              <a:extLst>
+                <a:ext uri="{FF2B5EF4-FFF2-40B4-BE49-F238E27FC236}">
+                  <a16:creationId xmlns:a16="http://schemas.microsoft.com/office/drawing/2014/main" id="{21B6944C-3A14-4940-B297-BF3CBE7FC2DF}"/>
+                </a:ext>
+              </a:extLst>
+            </p:cNvPr>
+            <p:cNvSpPr txBox="1"/>
+            <p:nvPr/>
+          </p:nvSpPr>
+          <p:spPr>
+            <a:xfrm>
+              <a:off x="781181" y="4472148"/>
+              <a:ext cx="1205971" cy="369332"/>
+            </a:xfrm>
+            <a:prstGeom prst="rect">
+              <a:avLst/>
+            </a:prstGeom>
+            <a:grpFill/>
+          </p:spPr>
+          <p:txBody>
+            <a:bodyPr wrap="none" rtlCol="0">
+              <a:spAutoFit/>
+            </a:bodyPr>
+            <a:lstStyle/>
+            <a:p>
+              <a:r>
+                <a:rPr lang="de-DE" dirty="0"/>
+                <a:t>Datenbank</a:t>
+              </a:r>
+            </a:p>
+          </p:txBody>
+        </p:sp>
+        <p:pic>
+          <p:nvPicPr>
+            <p:cNvPr id="19" name="Graphic 18">
+              <a:extLst>
+                <a:ext uri="{FF2B5EF4-FFF2-40B4-BE49-F238E27FC236}">
+                  <a16:creationId xmlns:a16="http://schemas.microsoft.com/office/drawing/2014/main" id="{6E9AF135-A710-E243-85CB-49DBE38EC6C9}"/>
+                </a:ext>
+              </a:extLst>
+            </p:cNvPr>
+            <p:cNvPicPr>
+              <a:picLocks noChangeAspect="1"/>
+            </p:cNvPicPr>
+            <p:nvPr/>
+          </p:nvPicPr>
+          <p:blipFill>
+            <a:blip r:embed="rId5">
+              <a:extLst>
+                <a:ext uri="{28A0092B-C50C-407E-A947-70E740481C1C}">
+                  <a14:useLocalDpi xmlns:a14="http://schemas.microsoft.com/office/drawing/2010/main" val="0"/>
+                </a:ext>
+                <a:ext uri="{96DAC541-7B7A-43D3-8B79-37D633B846F1}">
+                  <asvg:svgBlip xmlns:asvg="http://schemas.microsoft.com/office/drawing/2016/SVG/main" r:embed="rId6"/>
+                </a:ext>
+              </a:extLst>
+            </a:blip>
+            <a:stretch>
+              <a:fillRect/>
+            </a:stretch>
+          </p:blipFill>
+          <p:spPr>
+            <a:xfrm>
+              <a:off x="750235" y="3500947"/>
+              <a:ext cx="1256811" cy="1256811"/>
+            </a:xfrm>
+            <a:prstGeom prst="rect">
+              <a:avLst/>
+            </a:prstGeom>
+          </p:spPr>
+        </p:pic>
+      </p:grpSp>
+      <p:grpSp>
+        <p:nvGrpSpPr>
+          <p:cNvPr id="49" name="Group 48">
+            <a:extLst>
+              <a:ext uri="{FF2B5EF4-FFF2-40B4-BE49-F238E27FC236}">
+                <a16:creationId xmlns:a16="http://schemas.microsoft.com/office/drawing/2014/main" id="{EDE08DF3-5A87-7B43-BB3A-5CFD33BF8EBD}"/>
+              </a:ext>
+            </a:extLst>
+          </p:cNvPr>
+          <p:cNvGrpSpPr/>
+          <p:nvPr/>
+        </p:nvGrpSpPr>
+        <p:grpSpPr>
+          <a:xfrm>
+            <a:off x="3571694" y="4135183"/>
+            <a:ext cx="1390509" cy="1451356"/>
+            <a:chOff x="3611456" y="4147176"/>
+            <a:chExt cx="1390509" cy="1451356"/>
+          </a:xfrm>
+        </p:grpSpPr>
+        <p:sp>
+          <p:nvSpPr>
+            <p:cNvPr id="22" name="Textfeld 10">
+              <a:extLst>
+                <a:ext uri="{FF2B5EF4-FFF2-40B4-BE49-F238E27FC236}">
+                  <a16:creationId xmlns:a16="http://schemas.microsoft.com/office/drawing/2014/main" id="{E63A6598-469D-A441-8B46-4332B9D10959}"/>
+                </a:ext>
+              </a:extLst>
+            </p:cNvPr>
+            <p:cNvSpPr txBox="1"/>
+            <p:nvPr/>
+          </p:nvSpPr>
+          <p:spPr>
+            <a:xfrm>
+              <a:off x="3611456" y="5229200"/>
+              <a:ext cx="1390509" cy="369332"/>
+            </a:xfrm>
+            <a:prstGeom prst="rect">
+              <a:avLst/>
+            </a:prstGeom>
+            <a:noFill/>
+          </p:spPr>
+          <p:txBody>
+            <a:bodyPr wrap="none" rtlCol="0">
+              <a:spAutoFit/>
+            </a:bodyPr>
+            <a:lstStyle/>
+            <a:p>
+              <a:r>
+                <a:rPr lang="de-DE" dirty="0"/>
+                <a:t>Laravel-ORM</a:t>
+              </a:r>
+            </a:p>
+          </p:txBody>
+        </p:sp>
+        <p:pic>
+          <p:nvPicPr>
+            <p:cNvPr id="25" name="Graphic 24">
+              <a:extLst>
+                <a:ext uri="{FF2B5EF4-FFF2-40B4-BE49-F238E27FC236}">
+                  <a16:creationId xmlns:a16="http://schemas.microsoft.com/office/drawing/2014/main" id="{EC8249C3-DDAE-B943-9426-7F3CC54784AB}"/>
+                </a:ext>
+              </a:extLst>
+            </p:cNvPr>
+            <p:cNvPicPr>
+              <a:picLocks noChangeAspect="1"/>
+            </p:cNvPicPr>
+            <p:nvPr/>
+          </p:nvPicPr>
+          <p:blipFill>
+            <a:blip r:embed="rId7">
+              <a:extLst>
+                <a:ext uri="{28A0092B-C50C-407E-A947-70E740481C1C}">
+                  <a14:useLocalDpi xmlns:a14="http://schemas.microsoft.com/office/drawing/2010/main" val="0"/>
+                </a:ext>
+                <a:ext uri="{96DAC541-7B7A-43D3-8B79-37D633B846F1}">
+                  <asvg:svgBlip xmlns:asvg="http://schemas.microsoft.com/office/drawing/2016/SVG/main" r:embed="rId8"/>
+                </a:ext>
+              </a:extLst>
+            </a:blip>
+            <a:stretch>
+              <a:fillRect/>
+            </a:stretch>
+          </p:blipFill>
+          <p:spPr>
+            <a:xfrm>
+              <a:off x="3678306" y="4147176"/>
+              <a:ext cx="1256810" cy="1256810"/>
+            </a:xfrm>
+            <a:prstGeom prst="rect">
+              <a:avLst/>
+            </a:prstGeom>
+          </p:spPr>
+        </p:pic>
+      </p:grpSp>
+      <p:grpSp>
+        <p:nvGrpSpPr>
+          <p:cNvPr id="41" name="Group 40">
+            <a:extLst>
+              <a:ext uri="{FF2B5EF4-FFF2-40B4-BE49-F238E27FC236}">
+                <a16:creationId xmlns:a16="http://schemas.microsoft.com/office/drawing/2014/main" id="{150CD71F-51E0-2F4A-B685-C6A66A30ADF4}"/>
+              </a:ext>
+            </a:extLst>
+          </p:cNvPr>
+          <p:cNvGrpSpPr/>
+          <p:nvPr/>
+        </p:nvGrpSpPr>
+        <p:grpSpPr>
+          <a:xfrm>
+            <a:off x="6492704" y="1578597"/>
+            <a:ext cx="1483707" cy="1558106"/>
+            <a:chOff x="6124371" y="2489136"/>
+            <a:chExt cx="1483707" cy="1558106"/>
+          </a:xfrm>
+        </p:grpSpPr>
+        <p:sp>
+          <p:nvSpPr>
+            <p:cNvPr id="17" name="Textfeld 16"/>
+            <p:cNvSpPr txBox="1"/>
+            <p:nvPr/>
+          </p:nvSpPr>
+          <p:spPr>
+            <a:xfrm>
+              <a:off x="6397218" y="3677910"/>
+              <a:ext cx="938014" cy="369332"/>
+            </a:xfrm>
+            <a:prstGeom prst="rect">
+              <a:avLst/>
+            </a:prstGeom>
+            <a:noFill/>
+          </p:spPr>
+          <p:txBody>
+            <a:bodyPr wrap="none" rtlCol="0">
+              <a:spAutoFit/>
+            </a:bodyPr>
+            <a:lstStyle/>
+            <a:p>
+              <a:pPr algn="ctr"/>
+              <a:r>
+                <a:rPr lang="de-DE" dirty="0"/>
+                <a:t>Intranet</a:t>
+              </a:r>
+            </a:p>
+          </p:txBody>
+        </p:sp>
+        <p:pic>
+          <p:nvPicPr>
+            <p:cNvPr id="27" name="Graphic 26">
+              <a:extLst>
+                <a:ext uri="{FF2B5EF4-FFF2-40B4-BE49-F238E27FC236}">
+                  <a16:creationId xmlns:a16="http://schemas.microsoft.com/office/drawing/2014/main" id="{D8B57DB2-9DA1-A942-A764-674314EF6BA8}"/>
+                </a:ext>
+              </a:extLst>
+            </p:cNvPr>
+            <p:cNvPicPr>
+              <a:picLocks noChangeAspect="1"/>
+            </p:cNvPicPr>
+            <p:nvPr/>
+          </p:nvPicPr>
+          <p:blipFill>
+            <a:blip r:embed="rId9">
+              <a:extLst>
+                <a:ext uri="{28A0092B-C50C-407E-A947-70E740481C1C}">
+                  <a14:useLocalDpi xmlns:a14="http://schemas.microsoft.com/office/drawing/2010/main" val="0"/>
+                </a:ext>
+                <a:ext uri="{96DAC541-7B7A-43D3-8B79-37D633B846F1}">
+                  <asvg:svgBlip xmlns:asvg="http://schemas.microsoft.com/office/drawing/2016/SVG/main" r:embed="rId10"/>
+                </a:ext>
+              </a:extLst>
+            </a:blip>
+            <a:stretch>
+              <a:fillRect/>
+            </a:stretch>
+          </p:blipFill>
+          <p:spPr>
+            <a:xfrm>
+              <a:off x="6124371" y="2489136"/>
+              <a:ext cx="1483707" cy="1483707"/>
+            </a:xfrm>
+            <a:prstGeom prst="rect">
+              <a:avLst/>
+            </a:prstGeom>
+          </p:spPr>
+        </p:pic>
+      </p:grpSp>
+      <p:grpSp>
+        <p:nvGrpSpPr>
+          <p:cNvPr id="37" name="Group 36">
+            <a:extLst>
+              <a:ext uri="{FF2B5EF4-FFF2-40B4-BE49-F238E27FC236}">
+                <a16:creationId xmlns:a16="http://schemas.microsoft.com/office/drawing/2014/main" id="{2A30FFCB-0FD3-814A-94C5-ED8B5DCEFB24}"/>
+              </a:ext>
+            </a:extLst>
+          </p:cNvPr>
+          <p:cNvGrpSpPr/>
+          <p:nvPr/>
+        </p:nvGrpSpPr>
+        <p:grpSpPr>
+          <a:xfrm>
+            <a:off x="834721" y="1770319"/>
+            <a:ext cx="1082025" cy="1320294"/>
+            <a:chOff x="837627" y="1471241"/>
+            <a:chExt cx="1082025" cy="1320294"/>
+          </a:xfrm>
+          <a:solidFill>
+            <a:schemeClr val="tx2"/>
+          </a:solidFill>
+        </p:grpSpPr>
+        <p:pic>
+          <p:nvPicPr>
+            <p:cNvPr id="12" name="Graphic 11">
+              <a:extLst>
+                <a:ext uri="{FF2B5EF4-FFF2-40B4-BE49-F238E27FC236}">
+                  <a16:creationId xmlns:a16="http://schemas.microsoft.com/office/drawing/2014/main" id="{8501DE74-5A9D-7444-92DB-F9210AC77D48}"/>
+                </a:ext>
+              </a:extLst>
+            </p:cNvPr>
+            <p:cNvPicPr>
+              <a:picLocks noChangeAspect="1"/>
+            </p:cNvPicPr>
+            <p:nvPr/>
+          </p:nvPicPr>
+          <p:blipFill>
+            <a:blip r:embed="rId11">
+              <a:extLst>
+                <a:ext uri="{28A0092B-C50C-407E-A947-70E740481C1C}">
+                  <a14:useLocalDpi xmlns:a14="http://schemas.microsoft.com/office/drawing/2010/main" val="0"/>
+                </a:ext>
+                <a:ext uri="{96DAC541-7B7A-43D3-8B79-37D633B846F1}">
+                  <asvg:svgBlip xmlns:asvg="http://schemas.microsoft.com/office/drawing/2016/SVG/main" r:embed="rId12"/>
+                </a:ext>
+              </a:extLst>
+            </a:blip>
+            <a:stretch>
+              <a:fillRect/>
+            </a:stretch>
+          </p:blipFill>
+          <p:spPr>
+            <a:xfrm>
+              <a:off x="837627" y="1471241"/>
+              <a:ext cx="1082025" cy="1082025"/>
+            </a:xfrm>
+            <a:prstGeom prst="rect">
+              <a:avLst/>
+            </a:prstGeom>
+          </p:spPr>
+        </p:pic>
+        <p:sp>
+          <p:nvSpPr>
+            <p:cNvPr id="31" name="Textfeld 10">
+              <a:extLst>
+                <a:ext uri="{FF2B5EF4-FFF2-40B4-BE49-F238E27FC236}">
+                  <a16:creationId xmlns:a16="http://schemas.microsoft.com/office/drawing/2014/main" id="{40BCF9EC-95F1-D043-921C-6FBF18F6823F}"/>
+                </a:ext>
+              </a:extLst>
+            </p:cNvPr>
+            <p:cNvSpPr txBox="1"/>
+            <p:nvPr/>
+          </p:nvSpPr>
+          <p:spPr>
+            <a:xfrm>
+              <a:off x="864908" y="2422203"/>
+              <a:ext cx="1027461" cy="369332"/>
+            </a:xfrm>
+            <a:prstGeom prst="rect">
+              <a:avLst/>
+            </a:prstGeom>
+            <a:grpFill/>
+          </p:spPr>
+          <p:txBody>
+            <a:bodyPr wrap="none" rtlCol="0">
+              <a:spAutoFit/>
+            </a:bodyPr>
+            <a:lstStyle/>
+            <a:p>
+              <a:r>
+                <a:rPr lang="de-DE" dirty="0"/>
+                <a:t>Benutzer</a:t>
+              </a:r>
+            </a:p>
+          </p:txBody>
+        </p:sp>
+      </p:grpSp>
+      <p:grpSp>
+        <p:nvGrpSpPr>
+          <p:cNvPr id="43" name="Group 42">
+            <a:extLst>
+              <a:ext uri="{FF2B5EF4-FFF2-40B4-BE49-F238E27FC236}">
+                <a16:creationId xmlns:a16="http://schemas.microsoft.com/office/drawing/2014/main" id="{894837FE-DC2F-E941-9344-FE3D740CA51D}"/>
+              </a:ext>
+            </a:extLst>
+          </p:cNvPr>
+          <p:cNvGrpSpPr/>
+          <p:nvPr/>
+        </p:nvGrpSpPr>
+        <p:grpSpPr>
+          <a:xfrm>
+            <a:off x="6478951" y="4147176"/>
+            <a:ext cx="1491868" cy="1444326"/>
+            <a:chOff x="5521675" y="4645752"/>
+            <a:chExt cx="1491868" cy="1444326"/>
+          </a:xfrm>
+          <a:solidFill>
+            <a:schemeClr val="tx2"/>
+          </a:solidFill>
+        </p:grpSpPr>
+        <p:sp>
+          <p:nvSpPr>
+            <p:cNvPr id="18" name="Textfeld 17"/>
+            <p:cNvSpPr txBox="1"/>
+            <p:nvPr/>
+          </p:nvSpPr>
+          <p:spPr>
+            <a:xfrm>
+              <a:off x="5521675" y="5720746"/>
+              <a:ext cx="1491868" cy="369332"/>
+            </a:xfrm>
+            <a:prstGeom prst="rect">
+              <a:avLst/>
+            </a:prstGeom>
+            <a:grpFill/>
+          </p:spPr>
+          <p:txBody>
+            <a:bodyPr wrap="square" rtlCol="0">
+              <a:spAutoFit/>
+            </a:bodyPr>
+            <a:lstStyle/>
+            <a:p>
+              <a:pPr algn="ctr"/>
+              <a:r>
+                <a:rPr lang="de-DE" dirty="0"/>
+                <a:t>QES</a:t>
+              </a:r>
+            </a:p>
+          </p:txBody>
+        </p:sp>
+        <p:pic>
+          <p:nvPicPr>
+            <p:cNvPr id="29" name="Graphic 28">
+              <a:extLst>
+                <a:ext uri="{FF2B5EF4-FFF2-40B4-BE49-F238E27FC236}">
+                  <a16:creationId xmlns:a16="http://schemas.microsoft.com/office/drawing/2014/main" id="{FBB22B3A-9237-004B-A8DD-C1F225CEF939}"/>
+                </a:ext>
+              </a:extLst>
+            </p:cNvPr>
+            <p:cNvPicPr>
+              <a:picLocks noChangeAspect="1"/>
+            </p:cNvPicPr>
+            <p:nvPr/>
+          </p:nvPicPr>
+          <p:blipFill>
+            <a:blip r:embed="rId13">
+              <a:extLst>
+                <a:ext uri="{28A0092B-C50C-407E-A947-70E740481C1C}">
+                  <a14:useLocalDpi xmlns:a14="http://schemas.microsoft.com/office/drawing/2010/main" val="0"/>
+                </a:ext>
+                <a:ext uri="{96DAC541-7B7A-43D3-8B79-37D633B846F1}">
+                  <asvg:svgBlip xmlns:asvg="http://schemas.microsoft.com/office/drawing/2016/SVG/main" r:embed="rId14"/>
+                </a:ext>
+              </a:extLst>
+            </a:blip>
+            <a:stretch>
+              <a:fillRect/>
+            </a:stretch>
+          </p:blipFill>
+          <p:spPr>
+            <a:xfrm>
+              <a:off x="5668994" y="4645752"/>
+              <a:ext cx="1197231" cy="1197231"/>
+            </a:xfrm>
+            <a:prstGeom prst="rect">
+              <a:avLst/>
+            </a:prstGeom>
+          </p:spPr>
+        </p:pic>
+      </p:grpSp>
+      <p:sp>
+        <p:nvSpPr>
+          <p:cNvPr id="3" name="TextBox 2">
+            <a:extLst>
+              <a:ext uri="{FF2B5EF4-FFF2-40B4-BE49-F238E27FC236}">
+                <a16:creationId xmlns:a16="http://schemas.microsoft.com/office/drawing/2014/main" id="{1A860E65-7888-C04F-83C6-90BA2CA8EEAB}"/>
+              </a:ext>
+            </a:extLst>
+          </p:cNvPr>
+          <p:cNvSpPr txBox="1"/>
+          <p:nvPr/>
+        </p:nvSpPr>
+        <p:spPr>
+          <a:xfrm>
+            <a:off x="776773" y="3543992"/>
+            <a:ext cx="1590948" cy="461665"/>
+          </a:xfrm>
+          <a:prstGeom prst="rect">
+            <a:avLst/>
+          </a:prstGeom>
+          <a:noFill/>
+        </p:spPr>
+        <p:txBody>
+          <a:bodyPr wrap="none" rtlCol="0">
+            <a:spAutoFit/>
+          </a:bodyPr>
+          <a:lstStyle/>
+          <a:p>
+            <a:r>
+              <a:rPr lang="de-DE" sz="2400" dirty="0">
+                <a:solidFill>
+                  <a:schemeClr val="tx2"/>
+                </a:solidFill>
+              </a:rPr>
+              <a:t>QES-Export</a:t>
+            </a:r>
+          </a:p>
+        </p:txBody>
+      </p:sp>
+      <p:cxnSp>
+        <p:nvCxnSpPr>
+          <p:cNvPr id="28" name="Gerade Verbindung mit Pfeil 13">
+            <a:extLst>
+              <a:ext uri="{FF2B5EF4-FFF2-40B4-BE49-F238E27FC236}">
+                <a16:creationId xmlns:a16="http://schemas.microsoft.com/office/drawing/2014/main" id="{726C5868-76DB-084A-BC65-E11711915A5C}"/>
+              </a:ext>
+            </a:extLst>
+          </p:cNvPr>
+          <p:cNvCxnSpPr>
+            <a:cxnSpLocks/>
+            <a:stCxn id="31" idx="2"/>
+            <a:endCxn id="3" idx="0"/>
+          </p:cNvCxnSpPr>
+          <p:nvPr/>
+        </p:nvCxnSpPr>
+        <p:spPr>
+          <a:xfrm>
+            <a:off x="1375733" y="3090613"/>
+            <a:ext cx="196514" cy="453379"/>
+          </a:xfrm>
+          <a:prstGeom prst="straightConnector1">
+            <a:avLst/>
+          </a:prstGeom>
+          <a:ln w="38100">
+            <a:solidFill>
+              <a:schemeClr val="accent3"/>
+            </a:solidFill>
+            <a:headEnd type="arrow"/>
+            <a:tailEnd type="arrow"/>
+          </a:ln>
+        </p:spPr>
+        <p:style>
+          <a:lnRef idx="1">
+            <a:schemeClr val="dk1"/>
+          </a:lnRef>
+          <a:fillRef idx="0">
+            <a:schemeClr val="dk1"/>
+          </a:fillRef>
+          <a:effectRef idx="0">
+            <a:schemeClr val="dk1"/>
+          </a:effectRef>
+          <a:fontRef idx="minor">
+            <a:schemeClr val="tx1"/>
+          </a:fontRef>
+        </p:style>
+      </p:cxnSp>
+      <p:cxnSp>
+        <p:nvCxnSpPr>
+          <p:cNvPr id="30" name="Gerade Verbindung mit Pfeil 13">
+            <a:extLst>
+              <a:ext uri="{FF2B5EF4-FFF2-40B4-BE49-F238E27FC236}">
+                <a16:creationId xmlns:a16="http://schemas.microsoft.com/office/drawing/2014/main" id="{FB33BDF0-49E4-7C4A-B1AA-C3409CD3141F}"/>
+              </a:ext>
+            </a:extLst>
+          </p:cNvPr>
+          <p:cNvCxnSpPr>
+            <a:cxnSpLocks/>
+            <a:stCxn id="3" idx="2"/>
+          </p:cNvCxnSpPr>
+          <p:nvPr/>
+        </p:nvCxnSpPr>
+        <p:spPr>
+          <a:xfrm flipH="1">
+            <a:off x="1375733" y="4005657"/>
+            <a:ext cx="196514" cy="430076"/>
+          </a:xfrm>
+          <a:prstGeom prst="straightConnector1">
+            <a:avLst/>
+          </a:prstGeom>
+          <a:ln w="38100">
+            <a:solidFill>
+              <a:schemeClr val="accent3"/>
+            </a:solidFill>
+            <a:headEnd type="arrow"/>
+            <a:tailEnd type="arrow"/>
+          </a:ln>
+        </p:spPr>
+        <p:style>
+          <a:lnRef idx="1">
+            <a:schemeClr val="dk1"/>
+          </a:lnRef>
+          <a:fillRef idx="0">
+            <a:schemeClr val="dk1"/>
+          </a:fillRef>
+          <a:effectRef idx="0">
+            <a:schemeClr val="dk1"/>
+          </a:effectRef>
+          <a:fontRef idx="minor">
+            <a:schemeClr val="tx1"/>
+          </a:fontRef>
+        </p:style>
+      </p:cxnSp>
+      <p:pic>
+        <p:nvPicPr>
+          <p:cNvPr id="48" name="Graphic 47">
+            <a:extLst>
+              <a:ext uri="{FF2B5EF4-FFF2-40B4-BE49-F238E27FC236}">
+                <a16:creationId xmlns:a16="http://schemas.microsoft.com/office/drawing/2014/main" id="{96311ADB-4BAC-CE4E-9336-EE72BB3C591E}"/>
+              </a:ext>
+            </a:extLst>
+          </p:cNvPr>
+          <p:cNvPicPr>
+            <a:picLocks noChangeAspect="1"/>
+          </p:cNvPicPr>
+          <p:nvPr/>
+        </p:nvPicPr>
+        <p:blipFill>
+          <a:blip r:embed="rId15">
+            <a:extLst>
+              <a:ext uri="{28A0092B-C50C-407E-A947-70E740481C1C}">
+                <a14:useLocalDpi xmlns:a14="http://schemas.microsoft.com/office/drawing/2010/main" val="0"/>
+              </a:ext>
+              <a:ext uri="{96DAC541-7B7A-43D3-8B79-37D633B846F1}">
+                <asvg:svgBlip xmlns:asvg="http://schemas.microsoft.com/office/drawing/2016/SVG/main" r:embed="rId16"/>
+              </a:ext>
+            </a:extLst>
+          </a:blip>
+          <a:stretch>
+            <a:fillRect/>
+          </a:stretch>
+        </p:blipFill>
+        <p:spPr>
+          <a:xfrm>
+            <a:off x="1667621" y="2419672"/>
+            <a:ext cx="1490709" cy="1490709"/>
+          </a:xfrm>
+          <a:prstGeom prst="rect">
+            <a:avLst/>
+          </a:prstGeom>
+        </p:spPr>
+      </p:pic>
+    </p:spTree>
+    <p:extLst>
+      <p:ext uri="{BB962C8B-B14F-4D97-AF65-F5344CB8AC3E}">
+        <p14:creationId xmlns:p14="http://schemas.microsoft.com/office/powerpoint/2010/main" val="3026278331"/>
+      </p:ext>
+    </p:extLst>
+  </p:cSld>
+  <p:clrMapOvr>
+    <a:masterClrMapping/>
+  </p:clrMapOvr>
+</p:sld>
+</file>
+
+<file path=ppt/slides/slide11.xml><?xml version="1.0" encoding="utf-8"?>
+<p:sld xmlns:a="http://schemas.openxmlformats.org/drawingml/2006/main" xmlns:r="http://schemas.openxmlformats.org/officeDocument/2006/relationships" xmlns:p="http://schemas.openxmlformats.org/presentationml/2006/main">
+  <p:cSld>
+    <p:spTree>
+      <p:nvGrpSpPr>
+        <p:cNvPr id="1" name=""/>
+        <p:cNvGrpSpPr/>
+        <p:nvPr/>
+      </p:nvGrpSpPr>
+      <p:grpSpPr>
+        <a:xfrm>
+          <a:off x="0" y="0"/>
+          <a:ext cx="0" cy="0"/>
+          <a:chOff x="0" y="0"/>
+          <a:chExt cx="0" cy="0"/>
+        </a:xfrm>
+      </p:grpSpPr>
+      <p:sp>
+        <p:nvSpPr>
+          <p:cNvPr id="2" name="Title 1">
+            <a:extLst>
+              <a:ext uri="{FF2B5EF4-FFF2-40B4-BE49-F238E27FC236}">
+                <a16:creationId xmlns:a16="http://schemas.microsoft.com/office/drawing/2014/main" id="{4E48DA46-F9CB-2844-9C04-1A54431F1B5E}"/>
+              </a:ext>
+            </a:extLst>
+          </p:cNvPr>
+          <p:cNvSpPr>
+            <a:spLocks noGrp="1"/>
+          </p:cNvSpPr>
+          <p:nvPr>
+            <p:ph type="title"/>
+          </p:nvPr>
+        </p:nvSpPr>
+        <p:spPr/>
+        <p:txBody>
+          <a:bodyPr/>
+          <a:lstStyle/>
+          <a:p>
+            <a:r>
+              <a:rPr lang="de-DE" dirty="0"/>
+              <a:t>Durchführung Architektur</a:t>
+            </a:r>
+          </a:p>
+        </p:txBody>
+      </p:sp>
+      <p:sp>
+        <p:nvSpPr>
+          <p:cNvPr id="3" name="Content Placeholder 2">
+            <a:extLst>
+              <a:ext uri="{FF2B5EF4-FFF2-40B4-BE49-F238E27FC236}">
+                <a16:creationId xmlns:a16="http://schemas.microsoft.com/office/drawing/2014/main" id="{7C9FBDF0-F5E8-DA44-86B4-64248B0180E4}"/>
+              </a:ext>
+            </a:extLst>
+          </p:cNvPr>
+          <p:cNvSpPr>
+            <a:spLocks noGrp="1"/>
+          </p:cNvSpPr>
+          <p:nvPr>
+            <p:ph idx="1"/>
+          </p:nvPr>
+        </p:nvSpPr>
+        <p:spPr/>
+        <p:txBody>
+          <a:bodyPr/>
+          <a:lstStyle/>
+          <a:p>
+            <a:r>
+              <a:rPr lang="de-DE" dirty="0"/>
+              <a:t>MVC</a:t>
+            </a:r>
+          </a:p>
+          <a:p>
+            <a:r>
+              <a:rPr lang="de-DE" dirty="0"/>
+              <a:t>Laravel-Excel Konvertierungslösung</a:t>
+            </a:r>
+          </a:p>
+          <a:p>
+            <a:r>
+              <a:rPr lang="de-DE" dirty="0"/>
+              <a:t>Mapping implementieren</a:t>
+            </a:r>
+          </a:p>
+          <a:p>
+            <a:r>
+              <a:rPr lang="de-DE" dirty="0"/>
+              <a:t>Zeitraums-Auswahl Planen</a:t>
+            </a:r>
+          </a:p>
+          <a:p>
+            <a:r>
+              <a:rPr lang="de-DE" dirty="0"/>
+              <a:t>Download ermöglichen</a:t>
+            </a:r>
+          </a:p>
+        </p:txBody>
+      </p:sp>
+      <p:sp>
+        <p:nvSpPr>
+          <p:cNvPr id="4" name="Footer Placeholder 3">
+            <a:extLst>
+              <a:ext uri="{FF2B5EF4-FFF2-40B4-BE49-F238E27FC236}">
+                <a16:creationId xmlns:a16="http://schemas.microsoft.com/office/drawing/2014/main" id="{AF2A243B-B7DB-6B40-87A9-1EEB34E80B8F}"/>
+              </a:ext>
+            </a:extLst>
+          </p:cNvPr>
+          <p:cNvSpPr>
+            <a:spLocks noGrp="1"/>
+          </p:cNvSpPr>
+          <p:nvPr>
+            <p:ph type="ftr" sz="quarter" idx="11"/>
+          </p:nvPr>
+        </p:nvSpPr>
+        <p:spPr/>
+        <p:txBody>
+          <a:bodyPr/>
+          <a:lstStyle/>
+          <a:p>
+            <a:r>
+              <a:rPr lang="de-DE"/>
+              <a:t>Abschlussprojekt</a:t>
+            </a:r>
+            <a:endParaRPr lang="de-DE" dirty="0"/>
+          </a:p>
+        </p:txBody>
+      </p:sp>
+      <p:sp>
+        <p:nvSpPr>
+          <p:cNvPr id="5" name="Slide Number Placeholder 4">
+            <a:extLst>
+              <a:ext uri="{FF2B5EF4-FFF2-40B4-BE49-F238E27FC236}">
+                <a16:creationId xmlns:a16="http://schemas.microsoft.com/office/drawing/2014/main" id="{4C9D883D-0864-C44C-A663-B142D890517D}"/>
+              </a:ext>
+            </a:extLst>
+          </p:cNvPr>
+          <p:cNvSpPr>
+            <a:spLocks noGrp="1"/>
+          </p:cNvSpPr>
+          <p:nvPr>
+            <p:ph type="sldNum" sz="quarter" idx="12"/>
+          </p:nvPr>
+        </p:nvSpPr>
+        <p:spPr/>
+        <p:txBody>
+          <a:bodyPr/>
+          <a:lstStyle/>
+          <a:p>
+            <a:fld id="{506DEF79-D5F3-42ED-9335-D73AD216BB54}" type="slidenum">
+              <a:rPr lang="de-DE" smtClean="0"/>
+              <a:pPr/>
+              <a:t>11</a:t>
+            </a:fld>
+            <a:r>
+              <a:rPr lang="de-DE"/>
+              <a:t> von 9999</a:t>
+            </a:r>
+            <a:endParaRPr lang="de-DE" dirty="0"/>
+          </a:p>
+        </p:txBody>
+      </p:sp>
+      <p:pic>
+        <p:nvPicPr>
+          <p:cNvPr id="6" name="Graphic 5">
+            <a:extLst>
+              <a:ext uri="{FF2B5EF4-FFF2-40B4-BE49-F238E27FC236}">
+                <a16:creationId xmlns:a16="http://schemas.microsoft.com/office/drawing/2014/main" id="{8E13BECA-91CC-2243-9148-1FF458FE7457}"/>
+              </a:ext>
+            </a:extLst>
+          </p:cNvPr>
+          <p:cNvPicPr>
+            <a:picLocks noChangeAspect="1"/>
+          </p:cNvPicPr>
+          <p:nvPr/>
+        </p:nvPicPr>
+        <p:blipFill>
+          <a:blip r:embed="rId2">
+            <a:extLst>
+              <a:ext uri="{28A0092B-C50C-407E-A947-70E740481C1C}">
+                <a14:useLocalDpi xmlns:a14="http://schemas.microsoft.com/office/drawing/2010/main" val="0"/>
+              </a:ext>
+              <a:ext uri="{96DAC541-7B7A-43D3-8B79-37D633B846F1}">
+                <asvg:svgBlip xmlns:asvg="http://schemas.microsoft.com/office/drawing/2016/SVG/main" r:embed="rId3"/>
+              </a:ext>
+            </a:extLst>
+          </a:blip>
+          <a:stretch>
+            <a:fillRect/>
+          </a:stretch>
+        </p:blipFill>
+        <p:spPr>
+          <a:xfrm>
+            <a:off x="6368380" y="3067050"/>
+            <a:ext cx="723900" cy="723900"/>
+          </a:xfrm>
+          <a:prstGeom prst="rect">
+            <a:avLst/>
+          </a:prstGeom>
+        </p:spPr>
+      </p:pic>
+      <p:pic>
+        <p:nvPicPr>
+          <p:cNvPr id="7" name="Graphic 6">
+            <a:extLst>
+              <a:ext uri="{FF2B5EF4-FFF2-40B4-BE49-F238E27FC236}">
+                <a16:creationId xmlns:a16="http://schemas.microsoft.com/office/drawing/2014/main" id="{ABB0C5F3-3889-AC49-8844-3AF0B5051617}"/>
+              </a:ext>
+            </a:extLst>
+          </p:cNvPr>
+          <p:cNvPicPr>
+            <a:picLocks noChangeAspect="1"/>
+          </p:cNvPicPr>
+          <p:nvPr/>
+        </p:nvPicPr>
+        <p:blipFill>
+          <a:blip r:embed="rId4">
+            <a:extLst>
+              <a:ext uri="{28A0092B-C50C-407E-A947-70E740481C1C}">
+                <a14:useLocalDpi xmlns:a14="http://schemas.microsoft.com/office/drawing/2010/main" val="0"/>
+              </a:ext>
+              <a:ext uri="{96DAC541-7B7A-43D3-8B79-37D633B846F1}">
+                <asvg:svgBlip xmlns:asvg="http://schemas.microsoft.com/office/drawing/2016/SVG/main" r:embed="rId5"/>
+              </a:ext>
+            </a:extLst>
+          </a:blip>
+          <a:stretch>
+            <a:fillRect/>
+          </a:stretch>
+        </p:blipFill>
+        <p:spPr>
+          <a:xfrm>
+            <a:off x="6368380" y="2547459"/>
+            <a:ext cx="723900" cy="723900"/>
+          </a:xfrm>
+          <a:prstGeom prst="rect">
+            <a:avLst/>
+          </a:prstGeom>
+        </p:spPr>
+      </p:pic>
+      <p:pic>
+        <p:nvPicPr>
+          <p:cNvPr id="8" name="Graphic 7">
+            <a:extLst>
+              <a:ext uri="{FF2B5EF4-FFF2-40B4-BE49-F238E27FC236}">
+                <a16:creationId xmlns:a16="http://schemas.microsoft.com/office/drawing/2014/main" id="{9F279C34-BC1E-0442-89A1-6C1905E4542B}"/>
+              </a:ext>
+            </a:extLst>
+          </p:cNvPr>
+          <p:cNvPicPr>
+            <a:picLocks noChangeAspect="1"/>
+          </p:cNvPicPr>
+          <p:nvPr/>
+        </p:nvPicPr>
+        <p:blipFill>
+          <a:blip r:embed="rId6">
+            <a:extLst>
+              <a:ext uri="{28A0092B-C50C-407E-A947-70E740481C1C}">
+                <a14:useLocalDpi xmlns:a14="http://schemas.microsoft.com/office/drawing/2010/main" val="0"/>
+              </a:ext>
+              <a:ext uri="{96DAC541-7B7A-43D3-8B79-37D633B846F1}">
+                <asvg:svgBlip xmlns:asvg="http://schemas.microsoft.com/office/drawing/2016/SVG/main" r:embed="rId7"/>
+              </a:ext>
+            </a:extLst>
+          </a:blip>
+          <a:stretch>
+            <a:fillRect/>
+          </a:stretch>
+        </p:blipFill>
+        <p:spPr>
+          <a:xfrm>
+            <a:off x="6368380" y="2027868"/>
+            <a:ext cx="723900" cy="723900"/>
+          </a:xfrm>
+          <a:prstGeom prst="rect">
+            <a:avLst/>
+          </a:prstGeom>
+        </p:spPr>
+      </p:pic>
+      <p:pic>
+        <p:nvPicPr>
+          <p:cNvPr id="9" name="Content Placeholder 9">
+            <a:extLst>
+              <a:ext uri="{FF2B5EF4-FFF2-40B4-BE49-F238E27FC236}">
+                <a16:creationId xmlns:a16="http://schemas.microsoft.com/office/drawing/2014/main" id="{00D33FEA-4954-F342-9340-50F26026EE5D}"/>
+              </a:ext>
+            </a:extLst>
+          </p:cNvPr>
+          <p:cNvPicPr>
+            <a:picLocks noChangeAspect="1"/>
+          </p:cNvPicPr>
+          <p:nvPr/>
+        </p:nvPicPr>
+        <p:blipFill>
+          <a:blip r:embed="rId8">
+            <a:extLst>
+              <a:ext uri="{28A0092B-C50C-407E-A947-70E740481C1C}">
+                <a14:useLocalDpi xmlns:a14="http://schemas.microsoft.com/office/drawing/2010/main" val="0"/>
+              </a:ext>
+              <a:ext uri="{96DAC541-7B7A-43D3-8B79-37D633B846F1}">
+                <asvg:svgBlip xmlns:asvg="http://schemas.microsoft.com/office/drawing/2016/SVG/main" r:embed="rId9"/>
+              </a:ext>
+            </a:extLst>
+          </a:blip>
+          <a:stretch>
+            <a:fillRect/>
+          </a:stretch>
+        </p:blipFill>
+        <p:spPr>
+          <a:xfrm>
+            <a:off x="6368380" y="1452084"/>
+            <a:ext cx="723900" cy="723900"/>
+          </a:xfrm>
+          <a:prstGeom prst="rect">
+            <a:avLst/>
+          </a:prstGeom>
+        </p:spPr>
+      </p:pic>
+      <p:pic>
+        <p:nvPicPr>
+          <p:cNvPr id="10" name="Picture 9">
+            <a:extLst>
+              <a:ext uri="{FF2B5EF4-FFF2-40B4-BE49-F238E27FC236}">
+                <a16:creationId xmlns:a16="http://schemas.microsoft.com/office/drawing/2014/main" id="{33B4051B-B7EE-3B4F-BE5B-DF2D93C16D35}"/>
+              </a:ext>
+            </a:extLst>
+          </p:cNvPr>
+          <p:cNvPicPr/>
+          <p:nvPr/>
+        </p:nvPicPr>
+        <p:blipFill rotWithShape="1">
+          <a:blip r:embed="rId10" cstate="hqprint">
+            <a:extLst>
+              <a:ext uri="{28A0092B-C50C-407E-A947-70E740481C1C}">
+                <a14:useLocalDpi xmlns:a14="http://schemas.microsoft.com/office/drawing/2010/main"/>
+              </a:ext>
+            </a:extLst>
+          </a:blip>
+          <a:srcRect/>
+          <a:stretch/>
+        </p:blipFill>
+        <p:spPr bwMode="auto">
+          <a:xfrm>
+            <a:off x="1219648" y="4106232"/>
+            <a:ext cx="6704059" cy="2092887"/>
+          </a:xfrm>
+          <a:prstGeom prst="rect">
+            <a:avLst/>
+          </a:prstGeom>
+          <a:ln>
+            <a:noFill/>
+          </a:ln>
+          <a:extLst>
+            <a:ext uri="{53640926-AAD7-44D8-BBD7-CCE9431645EC}">
+              <a14:shadowObscured xmlns:a14="http://schemas.microsoft.com/office/drawing/2010/main"/>
+            </a:ext>
+          </a:extLst>
+        </p:spPr>
+      </p:pic>
+    </p:spTree>
+    <p:extLst>
+      <p:ext uri="{BB962C8B-B14F-4D97-AF65-F5344CB8AC3E}">
+        <p14:creationId xmlns:p14="http://schemas.microsoft.com/office/powerpoint/2010/main" val="1174469583"/>
+      </p:ext>
+    </p:extLst>
+  </p:cSld>
+  <p:clrMapOvr>
+    <a:masterClrMapping/>
+  </p:clrMapOvr>
+</p:sld>
+</file>
+
+<file path=ppt/slides/slide12.xml><?xml version="1.0" encoding="utf-8"?>
+<p:sld xmlns:a="http://schemas.openxmlformats.org/drawingml/2006/main" xmlns:r="http://schemas.openxmlformats.org/officeDocument/2006/relationships" xmlns:p="http://schemas.openxmlformats.org/presentationml/2006/main">
+  <p:cSld>
+    <p:spTree>
+      <p:nvGrpSpPr>
+        <p:cNvPr id="1" name=""/>
+        <p:cNvGrpSpPr/>
+        <p:nvPr/>
+      </p:nvGrpSpPr>
+      <p:grpSpPr>
+        <a:xfrm>
+          <a:off x="0" y="0"/>
+          <a:ext cx="0" cy="0"/>
+          <a:chOff x="0" y="0"/>
+          <a:chExt cx="0" cy="0"/>
+        </a:xfrm>
+      </p:grpSpPr>
+      <p:sp>
+        <p:nvSpPr>
+          <p:cNvPr id="2" name="Title 1">
+            <a:extLst>
+              <a:ext uri="{FF2B5EF4-FFF2-40B4-BE49-F238E27FC236}">
+                <a16:creationId xmlns:a16="http://schemas.microsoft.com/office/drawing/2014/main" id="{885A7F19-698D-8847-BE00-3F7F1A6D0262}"/>
+              </a:ext>
+            </a:extLst>
+          </p:cNvPr>
+          <p:cNvSpPr>
+            <a:spLocks noGrp="1"/>
+          </p:cNvSpPr>
+          <p:nvPr>
+            <p:ph type="title"/>
+          </p:nvPr>
+        </p:nvSpPr>
+        <p:spPr/>
+        <p:txBody>
+          <a:bodyPr/>
+          <a:lstStyle/>
+          <a:p>
+            <a:r>
+              <a:rPr lang="de-DE" dirty="0"/>
+              <a:t>Durchführung Architektur</a:t>
+            </a:r>
+          </a:p>
+        </p:txBody>
+      </p:sp>
+      <p:pic>
+        <p:nvPicPr>
+          <p:cNvPr id="10" name="Content Placeholder 9">
+            <a:extLst>
+              <a:ext uri="{FF2B5EF4-FFF2-40B4-BE49-F238E27FC236}">
+                <a16:creationId xmlns:a16="http://schemas.microsoft.com/office/drawing/2014/main" id="{6D7C0E79-A972-8143-89D4-0EE1F90CA245}"/>
+              </a:ext>
+            </a:extLst>
+          </p:cNvPr>
+          <p:cNvPicPr>
+            <a:picLocks noGrp="1" noChangeAspect="1"/>
+          </p:cNvPicPr>
+          <p:nvPr>
+            <p:ph idx="1"/>
+          </p:nvPr>
+        </p:nvPicPr>
+        <p:blipFill>
+          <a:blip r:embed="rId2">
+            <a:extLst>
+              <a:ext uri="{28A0092B-C50C-407E-A947-70E740481C1C}">
+                <a14:useLocalDpi xmlns:a14="http://schemas.microsoft.com/office/drawing/2010/main" val="0"/>
+              </a:ext>
+              <a:ext uri="{96DAC541-7B7A-43D3-8B79-37D633B846F1}">
+                <asvg:svgBlip xmlns:asvg="http://schemas.microsoft.com/office/drawing/2016/SVG/main" r:embed="rId3"/>
+              </a:ext>
+            </a:extLst>
+          </a:blip>
+          <a:stretch>
+            <a:fillRect/>
+          </a:stretch>
+        </p:blipFill>
+        <p:spPr>
+          <a:xfrm>
+            <a:off x="1187624" y="2276872"/>
+            <a:ext cx="723900" cy="723900"/>
+          </a:xfrm>
+        </p:spPr>
+      </p:pic>
+      <p:sp>
+        <p:nvSpPr>
+          <p:cNvPr id="4" name="Footer Placeholder 3">
+            <a:extLst>
+              <a:ext uri="{FF2B5EF4-FFF2-40B4-BE49-F238E27FC236}">
+                <a16:creationId xmlns:a16="http://schemas.microsoft.com/office/drawing/2014/main" id="{2252BC02-DCDE-244A-BC57-2F4DD7031D2F}"/>
+              </a:ext>
+            </a:extLst>
+          </p:cNvPr>
+          <p:cNvSpPr>
+            <a:spLocks noGrp="1"/>
+          </p:cNvSpPr>
+          <p:nvPr>
+            <p:ph type="ftr" sz="quarter" idx="11"/>
+          </p:nvPr>
+        </p:nvSpPr>
+        <p:spPr/>
+        <p:txBody>
+          <a:bodyPr/>
+          <a:lstStyle/>
+          <a:p>
+            <a:r>
+              <a:rPr lang="de-DE"/>
+              <a:t>Abschlussprojekt</a:t>
+            </a:r>
+            <a:endParaRPr lang="de-DE" dirty="0"/>
+          </a:p>
+        </p:txBody>
+      </p:sp>
+      <p:sp>
+        <p:nvSpPr>
+          <p:cNvPr id="5" name="Slide Number Placeholder 4">
+            <a:extLst>
+              <a:ext uri="{FF2B5EF4-FFF2-40B4-BE49-F238E27FC236}">
+                <a16:creationId xmlns:a16="http://schemas.microsoft.com/office/drawing/2014/main" id="{A33A2353-D845-5D4F-B187-FEA7DD96A316}"/>
+              </a:ext>
+            </a:extLst>
+          </p:cNvPr>
+          <p:cNvSpPr>
+            <a:spLocks noGrp="1"/>
+          </p:cNvSpPr>
+          <p:nvPr>
+            <p:ph type="sldNum" sz="quarter" idx="12"/>
+          </p:nvPr>
+        </p:nvSpPr>
+        <p:spPr/>
+        <p:txBody>
+          <a:bodyPr/>
+          <a:lstStyle/>
+          <a:p>
+            <a:fld id="{506DEF79-D5F3-42ED-9335-D73AD216BB54}" type="slidenum">
+              <a:rPr lang="de-DE" smtClean="0"/>
+              <a:pPr/>
+              <a:t>12</a:t>
+            </a:fld>
+            <a:r>
+              <a:rPr lang="de-DE"/>
+              <a:t> von 9999</a:t>
+            </a:r>
+            <a:endParaRPr lang="de-DE" dirty="0"/>
+          </a:p>
+        </p:txBody>
+      </p:sp>
+      <p:pic>
+        <p:nvPicPr>
+          <p:cNvPr id="12" name="Graphic 11">
+            <a:extLst>
+              <a:ext uri="{FF2B5EF4-FFF2-40B4-BE49-F238E27FC236}">
+                <a16:creationId xmlns:a16="http://schemas.microsoft.com/office/drawing/2014/main" id="{D2D3F40F-6723-104C-AC71-8A563BDC66F4}"/>
+              </a:ext>
+            </a:extLst>
+          </p:cNvPr>
+          <p:cNvPicPr>
+            <a:picLocks noChangeAspect="1"/>
+          </p:cNvPicPr>
+          <p:nvPr/>
+        </p:nvPicPr>
+        <p:blipFill>
+          <a:blip r:embed="rId4">
+            <a:extLst>
+              <a:ext uri="{28A0092B-C50C-407E-A947-70E740481C1C}">
+                <a14:useLocalDpi xmlns:a14="http://schemas.microsoft.com/office/drawing/2010/main" val="0"/>
+              </a:ext>
+              <a:ext uri="{96DAC541-7B7A-43D3-8B79-37D633B846F1}">
+                <asvg:svgBlip xmlns:asvg="http://schemas.microsoft.com/office/drawing/2016/SVG/main" r:embed="rId5"/>
+              </a:ext>
+            </a:extLst>
+          </a:blip>
+          <a:stretch>
+            <a:fillRect/>
+          </a:stretch>
+        </p:blipFill>
+        <p:spPr>
+          <a:xfrm>
+            <a:off x="2123728" y="2276872"/>
+            <a:ext cx="723900" cy="723900"/>
+          </a:xfrm>
+          <a:prstGeom prst="rect">
+            <a:avLst/>
+          </a:prstGeom>
+        </p:spPr>
+      </p:pic>
+      <p:pic>
+        <p:nvPicPr>
+          <p:cNvPr id="14" name="Graphic 13">
+            <a:extLst>
+              <a:ext uri="{FF2B5EF4-FFF2-40B4-BE49-F238E27FC236}">
+                <a16:creationId xmlns:a16="http://schemas.microsoft.com/office/drawing/2014/main" id="{8DA2BCC6-6487-C14E-95F3-755DFC0091F8}"/>
+              </a:ext>
+            </a:extLst>
+          </p:cNvPr>
+          <p:cNvPicPr>
+            <a:picLocks noChangeAspect="1"/>
+          </p:cNvPicPr>
+          <p:nvPr/>
+        </p:nvPicPr>
+        <p:blipFill>
+          <a:blip r:embed="rId6">
+            <a:extLst>
+              <a:ext uri="{28A0092B-C50C-407E-A947-70E740481C1C}">
+                <a14:useLocalDpi xmlns:a14="http://schemas.microsoft.com/office/drawing/2010/main" val="0"/>
+              </a:ext>
+              <a:ext uri="{96DAC541-7B7A-43D3-8B79-37D633B846F1}">
+                <asvg:svgBlip xmlns:asvg="http://schemas.microsoft.com/office/drawing/2016/SVG/main" r:embed="rId7"/>
+              </a:ext>
+            </a:extLst>
+          </a:blip>
+          <a:stretch>
+            <a:fillRect/>
+          </a:stretch>
+        </p:blipFill>
+        <p:spPr>
+          <a:xfrm>
+            <a:off x="3169467" y="2276872"/>
+            <a:ext cx="723900" cy="723900"/>
+          </a:xfrm>
+          <a:prstGeom prst="rect">
+            <a:avLst/>
+          </a:prstGeom>
+        </p:spPr>
+      </p:pic>
+      <p:pic>
+        <p:nvPicPr>
+          <p:cNvPr id="16" name="Graphic 15">
+            <a:extLst>
+              <a:ext uri="{FF2B5EF4-FFF2-40B4-BE49-F238E27FC236}">
+                <a16:creationId xmlns:a16="http://schemas.microsoft.com/office/drawing/2014/main" id="{E9154A77-2933-0C49-BABF-C2AC5649826F}"/>
+              </a:ext>
+            </a:extLst>
+          </p:cNvPr>
+          <p:cNvPicPr>
+            <a:picLocks noChangeAspect="1"/>
+          </p:cNvPicPr>
+          <p:nvPr/>
+        </p:nvPicPr>
+        <p:blipFill>
+          <a:blip r:embed="rId8">
+            <a:extLst>
+              <a:ext uri="{28A0092B-C50C-407E-A947-70E740481C1C}">
+                <a14:useLocalDpi xmlns:a14="http://schemas.microsoft.com/office/drawing/2010/main" val="0"/>
+              </a:ext>
+              <a:ext uri="{96DAC541-7B7A-43D3-8B79-37D633B846F1}">
+                <asvg:svgBlip xmlns:asvg="http://schemas.microsoft.com/office/drawing/2016/SVG/main" r:embed="rId9"/>
+              </a:ext>
+            </a:extLst>
+          </a:blip>
+          <a:stretch>
+            <a:fillRect/>
+          </a:stretch>
+        </p:blipFill>
+        <p:spPr>
+          <a:xfrm>
+            <a:off x="4139952" y="2276872"/>
+            <a:ext cx="723900" cy="723900"/>
+          </a:xfrm>
+          <a:prstGeom prst="rect">
+            <a:avLst/>
+          </a:prstGeom>
+        </p:spPr>
+      </p:pic>
+      <p:pic>
+        <p:nvPicPr>
+          <p:cNvPr id="18" name="Graphic 17">
+            <a:extLst>
+              <a:ext uri="{FF2B5EF4-FFF2-40B4-BE49-F238E27FC236}">
+                <a16:creationId xmlns:a16="http://schemas.microsoft.com/office/drawing/2014/main" id="{64EB345C-9224-1742-AC05-D42E3DA680E8}"/>
+              </a:ext>
+            </a:extLst>
+          </p:cNvPr>
+          <p:cNvPicPr>
+            <a:picLocks noChangeAspect="1"/>
+          </p:cNvPicPr>
+          <p:nvPr/>
+        </p:nvPicPr>
+        <p:blipFill>
+          <a:blip r:embed="rId10">
+            <a:extLst>
+              <a:ext uri="{28A0092B-C50C-407E-A947-70E740481C1C}">
+                <a14:useLocalDpi xmlns:a14="http://schemas.microsoft.com/office/drawing/2010/main" val="0"/>
+              </a:ext>
+              <a:ext uri="{96DAC541-7B7A-43D3-8B79-37D633B846F1}">
+                <asvg:svgBlip xmlns:asvg="http://schemas.microsoft.com/office/drawing/2016/SVG/main" r:embed="rId11"/>
+              </a:ext>
+            </a:extLst>
+          </a:blip>
+          <a:stretch>
+            <a:fillRect/>
+          </a:stretch>
+        </p:blipFill>
+        <p:spPr>
+          <a:xfrm>
+            <a:off x="4863852" y="2276872"/>
+            <a:ext cx="723900" cy="723900"/>
+          </a:xfrm>
+          <a:prstGeom prst="rect">
+            <a:avLst/>
+          </a:prstGeom>
+        </p:spPr>
+      </p:pic>
+      <p:pic>
+        <p:nvPicPr>
+          <p:cNvPr id="20" name="Graphic 19">
+            <a:extLst>
+              <a:ext uri="{FF2B5EF4-FFF2-40B4-BE49-F238E27FC236}">
+                <a16:creationId xmlns:a16="http://schemas.microsoft.com/office/drawing/2014/main" id="{779AB008-5DEC-9F4B-8C4A-4D6C84704FE9}"/>
+              </a:ext>
+            </a:extLst>
+          </p:cNvPr>
+          <p:cNvPicPr>
+            <a:picLocks noChangeAspect="1"/>
+          </p:cNvPicPr>
+          <p:nvPr/>
+        </p:nvPicPr>
+        <p:blipFill>
+          <a:blip r:embed="rId12">
+            <a:extLst>
+              <a:ext uri="{28A0092B-C50C-407E-A947-70E740481C1C}">
+                <a14:useLocalDpi xmlns:a14="http://schemas.microsoft.com/office/drawing/2010/main" val="0"/>
+              </a:ext>
+              <a:ext uri="{96DAC541-7B7A-43D3-8B79-37D633B846F1}">
+                <asvg:svgBlip xmlns:asvg="http://schemas.microsoft.com/office/drawing/2016/SVG/main" r:embed="rId13"/>
+              </a:ext>
+            </a:extLst>
+          </a:blip>
+          <a:stretch>
+            <a:fillRect/>
+          </a:stretch>
+        </p:blipFill>
+        <p:spPr>
+          <a:xfrm>
+            <a:off x="5657850" y="2276872"/>
+            <a:ext cx="723900" cy="723900"/>
+          </a:xfrm>
+          <a:prstGeom prst="rect">
+            <a:avLst/>
+          </a:prstGeom>
+        </p:spPr>
+      </p:pic>
+      <p:pic>
+        <p:nvPicPr>
+          <p:cNvPr id="22" name="Graphic 21">
+            <a:extLst>
+              <a:ext uri="{FF2B5EF4-FFF2-40B4-BE49-F238E27FC236}">
+                <a16:creationId xmlns:a16="http://schemas.microsoft.com/office/drawing/2014/main" id="{19716493-F9FD-E848-B9AE-B564380FD2EE}"/>
+              </a:ext>
+            </a:extLst>
+          </p:cNvPr>
+          <p:cNvPicPr>
+            <a:picLocks noChangeAspect="1"/>
+          </p:cNvPicPr>
+          <p:nvPr/>
+        </p:nvPicPr>
+        <p:blipFill>
+          <a:blip r:embed="rId14">
+            <a:extLst>
+              <a:ext uri="{28A0092B-C50C-407E-A947-70E740481C1C}">
+                <a14:useLocalDpi xmlns:a14="http://schemas.microsoft.com/office/drawing/2010/main" val="0"/>
+              </a:ext>
+              <a:ext uri="{96DAC541-7B7A-43D3-8B79-37D633B846F1}">
+                <asvg:svgBlip xmlns:asvg="http://schemas.microsoft.com/office/drawing/2016/SVG/main" r:embed="rId15"/>
+              </a:ext>
+            </a:extLst>
+          </a:blip>
+          <a:stretch>
+            <a:fillRect/>
+          </a:stretch>
+        </p:blipFill>
+        <p:spPr>
+          <a:xfrm>
+            <a:off x="6516216" y="2275028"/>
+            <a:ext cx="723900" cy="723900"/>
+          </a:xfrm>
+          <a:prstGeom prst="rect">
+            <a:avLst/>
+          </a:prstGeom>
+        </p:spPr>
+      </p:pic>
+      <p:pic>
+        <p:nvPicPr>
+          <p:cNvPr id="24" name="Graphic 23">
+            <a:extLst>
+              <a:ext uri="{FF2B5EF4-FFF2-40B4-BE49-F238E27FC236}">
+                <a16:creationId xmlns:a16="http://schemas.microsoft.com/office/drawing/2014/main" id="{84C81BF4-FA09-B349-B296-F72EF9978526}"/>
+              </a:ext>
+            </a:extLst>
+          </p:cNvPr>
+          <p:cNvPicPr>
+            <a:picLocks noChangeAspect="1"/>
+          </p:cNvPicPr>
+          <p:nvPr/>
+        </p:nvPicPr>
+        <p:blipFill>
+          <a:blip r:embed="rId16">
+            <a:extLst>
+              <a:ext uri="{28A0092B-C50C-407E-A947-70E740481C1C}">
+                <a14:useLocalDpi xmlns:a14="http://schemas.microsoft.com/office/drawing/2010/main" val="0"/>
+              </a:ext>
+              <a:ext uri="{96DAC541-7B7A-43D3-8B79-37D633B846F1}">
+                <asvg:svgBlip xmlns:asvg="http://schemas.microsoft.com/office/drawing/2016/SVG/main" r:embed="rId17"/>
+              </a:ext>
+            </a:extLst>
+          </a:blip>
+          <a:stretch>
+            <a:fillRect/>
+          </a:stretch>
+        </p:blipFill>
+        <p:spPr>
+          <a:xfrm>
+            <a:off x="4228157" y="3283707"/>
+            <a:ext cx="723900" cy="723900"/>
+          </a:xfrm>
+          <a:prstGeom prst="rect">
+            <a:avLst/>
+          </a:prstGeom>
+        </p:spPr>
+      </p:pic>
+      <p:pic>
+        <p:nvPicPr>
+          <p:cNvPr id="26" name="Graphic 25">
+            <a:extLst>
+              <a:ext uri="{FF2B5EF4-FFF2-40B4-BE49-F238E27FC236}">
+                <a16:creationId xmlns:a16="http://schemas.microsoft.com/office/drawing/2014/main" id="{A60C9A3D-7A05-AF43-825C-E8EF324D98AF}"/>
+              </a:ext>
+            </a:extLst>
+          </p:cNvPr>
+          <p:cNvPicPr>
+            <a:picLocks noChangeAspect="1"/>
+          </p:cNvPicPr>
+          <p:nvPr/>
+        </p:nvPicPr>
+        <p:blipFill>
+          <a:blip r:embed="rId18">
+            <a:extLst>
+              <a:ext uri="{28A0092B-C50C-407E-A947-70E740481C1C}">
+                <a14:useLocalDpi xmlns:a14="http://schemas.microsoft.com/office/drawing/2010/main" val="0"/>
+              </a:ext>
+              <a:ext uri="{96DAC541-7B7A-43D3-8B79-37D633B846F1}">
+                <asvg:svgBlip xmlns:asvg="http://schemas.microsoft.com/office/drawing/2016/SVG/main" r:embed="rId19"/>
+              </a:ext>
+            </a:extLst>
+          </a:blip>
+          <a:stretch>
+            <a:fillRect/>
+          </a:stretch>
+        </p:blipFill>
+        <p:spPr>
+          <a:xfrm>
+            <a:off x="5114925" y="3290497"/>
+            <a:ext cx="723900" cy="723900"/>
+          </a:xfrm>
+          <a:prstGeom prst="rect">
+            <a:avLst/>
+          </a:prstGeom>
+        </p:spPr>
+      </p:pic>
+      <p:pic>
+        <p:nvPicPr>
+          <p:cNvPr id="28" name="Graphic 27">
+            <a:extLst>
+              <a:ext uri="{FF2B5EF4-FFF2-40B4-BE49-F238E27FC236}">
+                <a16:creationId xmlns:a16="http://schemas.microsoft.com/office/drawing/2014/main" id="{2CCDA63A-530D-164A-9E68-421EC02DA3FE}"/>
+              </a:ext>
+            </a:extLst>
+          </p:cNvPr>
+          <p:cNvPicPr>
+            <a:picLocks noChangeAspect="1"/>
+          </p:cNvPicPr>
+          <p:nvPr/>
+        </p:nvPicPr>
+        <p:blipFill>
+          <a:blip r:embed="rId20">
+            <a:extLst>
+              <a:ext uri="{28A0092B-C50C-407E-A947-70E740481C1C}">
+                <a14:useLocalDpi xmlns:a14="http://schemas.microsoft.com/office/drawing/2010/main" val="0"/>
+              </a:ext>
+              <a:ext uri="{96DAC541-7B7A-43D3-8B79-37D633B846F1}">
+                <asvg:svgBlip xmlns:asvg="http://schemas.microsoft.com/office/drawing/2016/SVG/main" r:embed="rId21"/>
+              </a:ext>
+            </a:extLst>
+          </a:blip>
+          <a:stretch>
+            <a:fillRect/>
+          </a:stretch>
+        </p:blipFill>
+        <p:spPr>
+          <a:xfrm>
+            <a:off x="6019800" y="3283707"/>
+            <a:ext cx="723900" cy="723900"/>
+          </a:xfrm>
+          <a:prstGeom prst="rect">
+            <a:avLst/>
+          </a:prstGeom>
+        </p:spPr>
+      </p:pic>
+      <p:pic>
+        <p:nvPicPr>
+          <p:cNvPr id="30" name="Graphic 29">
+            <a:extLst>
+              <a:ext uri="{FF2B5EF4-FFF2-40B4-BE49-F238E27FC236}">
+                <a16:creationId xmlns:a16="http://schemas.microsoft.com/office/drawing/2014/main" id="{4908CC5A-C7D1-9745-8429-44C7C7F3C5BE}"/>
+              </a:ext>
+            </a:extLst>
+          </p:cNvPr>
+          <p:cNvPicPr>
+            <a:picLocks noChangeAspect="1"/>
+          </p:cNvPicPr>
+          <p:nvPr/>
+        </p:nvPicPr>
+        <p:blipFill>
+          <a:blip r:embed="rId22">
+            <a:extLst>
+              <a:ext uri="{28A0092B-C50C-407E-A947-70E740481C1C}">
+                <a14:useLocalDpi xmlns:a14="http://schemas.microsoft.com/office/drawing/2010/main" val="0"/>
+              </a:ext>
+              <a:ext uri="{96DAC541-7B7A-43D3-8B79-37D633B846F1}">
+                <asvg:svgBlip xmlns:asvg="http://schemas.microsoft.com/office/drawing/2016/SVG/main" r:embed="rId23"/>
+              </a:ext>
+            </a:extLst>
+          </a:blip>
+          <a:stretch>
+            <a:fillRect/>
+          </a:stretch>
+        </p:blipFill>
+        <p:spPr>
+          <a:xfrm>
+            <a:off x="3160367" y="3278743"/>
+            <a:ext cx="723900" cy="723900"/>
+          </a:xfrm>
+          <a:prstGeom prst="rect">
+            <a:avLst/>
+          </a:prstGeom>
+        </p:spPr>
+      </p:pic>
+      <p:pic>
+        <p:nvPicPr>
+          <p:cNvPr id="32" name="Graphic 31">
+            <a:extLst>
+              <a:ext uri="{FF2B5EF4-FFF2-40B4-BE49-F238E27FC236}">
+                <a16:creationId xmlns:a16="http://schemas.microsoft.com/office/drawing/2014/main" id="{F693BA6A-F4E7-5249-BEB2-E75B0A0841CE}"/>
+              </a:ext>
+            </a:extLst>
+          </p:cNvPr>
+          <p:cNvPicPr>
+            <a:picLocks noChangeAspect="1"/>
+          </p:cNvPicPr>
+          <p:nvPr/>
+        </p:nvPicPr>
+        <p:blipFill>
+          <a:blip r:embed="rId24">
+            <a:extLst>
+              <a:ext uri="{28A0092B-C50C-407E-A947-70E740481C1C}">
+                <a14:useLocalDpi xmlns:a14="http://schemas.microsoft.com/office/drawing/2010/main" val="0"/>
+              </a:ext>
+              <a:ext uri="{96DAC541-7B7A-43D3-8B79-37D633B846F1}">
+                <asvg:svgBlip xmlns:asvg="http://schemas.microsoft.com/office/drawing/2016/SVG/main" r:embed="rId25"/>
+              </a:ext>
+            </a:extLst>
+          </a:blip>
+          <a:stretch>
+            <a:fillRect/>
+          </a:stretch>
+        </p:blipFill>
+        <p:spPr>
+          <a:xfrm>
+            <a:off x="2246415" y="3277739"/>
+            <a:ext cx="723900" cy="723900"/>
+          </a:xfrm>
+          <a:prstGeom prst="rect">
+            <a:avLst/>
+          </a:prstGeom>
+        </p:spPr>
+      </p:pic>
+      <p:pic>
+        <p:nvPicPr>
+          <p:cNvPr id="34" name="Graphic 33">
+            <a:extLst>
+              <a:ext uri="{FF2B5EF4-FFF2-40B4-BE49-F238E27FC236}">
+                <a16:creationId xmlns:a16="http://schemas.microsoft.com/office/drawing/2014/main" id="{4F0ADDA6-D4AA-E44C-92FA-E9BA34FB90ED}"/>
+              </a:ext>
+            </a:extLst>
+          </p:cNvPr>
+          <p:cNvPicPr>
+            <a:picLocks noChangeAspect="1"/>
+          </p:cNvPicPr>
+          <p:nvPr/>
+        </p:nvPicPr>
+        <p:blipFill>
+          <a:blip r:embed="rId26">
+            <a:extLst>
+              <a:ext uri="{28A0092B-C50C-407E-A947-70E740481C1C}">
+                <a14:useLocalDpi xmlns:a14="http://schemas.microsoft.com/office/drawing/2010/main" val="0"/>
+              </a:ext>
+              <a:ext uri="{96DAC541-7B7A-43D3-8B79-37D633B846F1}">
+                <asvg:svgBlip xmlns:asvg="http://schemas.microsoft.com/office/drawing/2016/SVG/main" r:embed="rId27"/>
+              </a:ext>
+            </a:extLst>
+          </a:blip>
+          <a:stretch>
+            <a:fillRect/>
+          </a:stretch>
+        </p:blipFill>
+        <p:spPr>
+          <a:xfrm>
+            <a:off x="1381697" y="3290497"/>
+            <a:ext cx="723900" cy="723900"/>
+          </a:xfrm>
+          <a:prstGeom prst="rect">
+            <a:avLst/>
+          </a:prstGeom>
+        </p:spPr>
+      </p:pic>
+      <p:pic>
+        <p:nvPicPr>
+          <p:cNvPr id="36" name="Graphic 35">
+            <a:extLst>
+              <a:ext uri="{FF2B5EF4-FFF2-40B4-BE49-F238E27FC236}">
+                <a16:creationId xmlns:a16="http://schemas.microsoft.com/office/drawing/2014/main" id="{FDF50F4C-9D2A-CA42-BFD2-8B2686503386}"/>
+              </a:ext>
+            </a:extLst>
+          </p:cNvPr>
+          <p:cNvPicPr>
+            <a:picLocks noChangeAspect="1"/>
+          </p:cNvPicPr>
+          <p:nvPr/>
+        </p:nvPicPr>
+        <p:blipFill>
+          <a:blip r:embed="rId28">
+            <a:extLst>
+              <a:ext uri="{28A0092B-C50C-407E-A947-70E740481C1C}">
+                <a14:useLocalDpi xmlns:a14="http://schemas.microsoft.com/office/drawing/2010/main" val="0"/>
+              </a:ext>
+              <a:ext uri="{96DAC541-7B7A-43D3-8B79-37D633B846F1}">
+                <asvg:svgBlip xmlns:asvg="http://schemas.microsoft.com/office/drawing/2016/SVG/main" r:embed="rId29"/>
+              </a:ext>
+            </a:extLst>
+          </a:blip>
+          <a:stretch>
+            <a:fillRect/>
+          </a:stretch>
+        </p:blipFill>
+        <p:spPr>
+          <a:xfrm>
+            <a:off x="1259632" y="4175887"/>
+            <a:ext cx="723900" cy="723900"/>
+          </a:xfrm>
+          <a:prstGeom prst="rect">
+            <a:avLst/>
+          </a:prstGeom>
+        </p:spPr>
+      </p:pic>
+      <p:pic>
+        <p:nvPicPr>
+          <p:cNvPr id="38" name="Graphic 37">
+            <a:extLst>
+              <a:ext uri="{FF2B5EF4-FFF2-40B4-BE49-F238E27FC236}">
+                <a16:creationId xmlns:a16="http://schemas.microsoft.com/office/drawing/2014/main" id="{D93FB614-60D8-6E4D-A945-E34ED9218958}"/>
+              </a:ext>
+            </a:extLst>
+          </p:cNvPr>
+          <p:cNvPicPr>
+            <a:picLocks noChangeAspect="1"/>
+          </p:cNvPicPr>
+          <p:nvPr/>
+        </p:nvPicPr>
+        <p:blipFill>
+          <a:blip r:embed="rId30">
+            <a:extLst>
+              <a:ext uri="{28A0092B-C50C-407E-A947-70E740481C1C}">
+                <a14:useLocalDpi xmlns:a14="http://schemas.microsoft.com/office/drawing/2010/main" val="0"/>
+              </a:ext>
+              <a:ext uri="{96DAC541-7B7A-43D3-8B79-37D633B846F1}">
+                <asvg:svgBlip xmlns:asvg="http://schemas.microsoft.com/office/drawing/2016/SVG/main" r:embed="rId31"/>
+              </a:ext>
+            </a:extLst>
+          </a:blip>
+          <a:stretch>
+            <a:fillRect/>
+          </a:stretch>
+        </p:blipFill>
+        <p:spPr>
+          <a:xfrm>
+            <a:off x="2123728" y="4175887"/>
+            <a:ext cx="723900" cy="723900"/>
+          </a:xfrm>
+          <a:prstGeom prst="rect">
+            <a:avLst/>
+          </a:prstGeom>
+        </p:spPr>
+      </p:pic>
+      <p:pic>
+        <p:nvPicPr>
+          <p:cNvPr id="40" name="Graphic 39">
+            <a:extLst>
+              <a:ext uri="{FF2B5EF4-FFF2-40B4-BE49-F238E27FC236}">
+                <a16:creationId xmlns:a16="http://schemas.microsoft.com/office/drawing/2014/main" id="{6850787A-C2C8-3243-B7D6-3DC31E4FA286}"/>
+              </a:ext>
+            </a:extLst>
+          </p:cNvPr>
+          <p:cNvPicPr>
+            <a:picLocks noChangeAspect="1"/>
+          </p:cNvPicPr>
+          <p:nvPr/>
+        </p:nvPicPr>
+        <p:blipFill>
+          <a:blip r:embed="rId32">
+            <a:extLst>
+              <a:ext uri="{28A0092B-C50C-407E-A947-70E740481C1C}">
+                <a14:useLocalDpi xmlns:a14="http://schemas.microsoft.com/office/drawing/2010/main" val="0"/>
+              </a:ext>
+              <a:ext uri="{96DAC541-7B7A-43D3-8B79-37D633B846F1}">
+                <asvg:svgBlip xmlns:asvg="http://schemas.microsoft.com/office/drawing/2016/SVG/main" r:embed="rId33"/>
+              </a:ext>
+            </a:extLst>
+          </a:blip>
+          <a:stretch>
+            <a:fillRect/>
+          </a:stretch>
+        </p:blipFill>
+        <p:spPr>
+          <a:xfrm>
+            <a:off x="3124153" y="4175887"/>
+            <a:ext cx="723900" cy="723900"/>
+          </a:xfrm>
+          <a:prstGeom prst="rect">
+            <a:avLst/>
+          </a:prstGeom>
+        </p:spPr>
+      </p:pic>
+      <p:pic>
+        <p:nvPicPr>
+          <p:cNvPr id="42" name="Graphic 41">
+            <a:extLst>
+              <a:ext uri="{FF2B5EF4-FFF2-40B4-BE49-F238E27FC236}">
+                <a16:creationId xmlns:a16="http://schemas.microsoft.com/office/drawing/2014/main" id="{99A35DAE-BFA3-2747-99FA-F01755873D06}"/>
+              </a:ext>
+            </a:extLst>
+          </p:cNvPr>
+          <p:cNvPicPr>
+            <a:picLocks noChangeAspect="1"/>
+          </p:cNvPicPr>
+          <p:nvPr/>
+        </p:nvPicPr>
+        <p:blipFill>
+          <a:blip r:embed="rId34">
+            <a:extLst>
+              <a:ext uri="{28A0092B-C50C-407E-A947-70E740481C1C}">
+                <a14:useLocalDpi xmlns:a14="http://schemas.microsoft.com/office/drawing/2010/main" val="0"/>
+              </a:ext>
+              <a:ext uri="{96DAC541-7B7A-43D3-8B79-37D633B846F1}">
+                <asvg:svgBlip xmlns:asvg="http://schemas.microsoft.com/office/drawing/2016/SVG/main" r:embed="rId35"/>
+              </a:ext>
+            </a:extLst>
+          </a:blip>
+          <a:stretch>
+            <a:fillRect/>
+          </a:stretch>
+        </p:blipFill>
+        <p:spPr>
+          <a:xfrm>
+            <a:off x="4158012" y="4212485"/>
+            <a:ext cx="723900" cy="723900"/>
+          </a:xfrm>
+          <a:prstGeom prst="rect">
+            <a:avLst/>
+          </a:prstGeom>
+        </p:spPr>
+      </p:pic>
+      <p:pic>
+        <p:nvPicPr>
+          <p:cNvPr id="44" name="Graphic 43">
+            <a:extLst>
+              <a:ext uri="{FF2B5EF4-FFF2-40B4-BE49-F238E27FC236}">
+                <a16:creationId xmlns:a16="http://schemas.microsoft.com/office/drawing/2014/main" id="{EF37402B-E9DF-9840-B972-3386353790D9}"/>
+              </a:ext>
+            </a:extLst>
+          </p:cNvPr>
+          <p:cNvPicPr>
+            <a:picLocks noChangeAspect="1"/>
+          </p:cNvPicPr>
+          <p:nvPr/>
+        </p:nvPicPr>
+        <p:blipFill>
+          <a:blip r:embed="rId36">
+            <a:extLst>
+              <a:ext uri="{28A0092B-C50C-407E-A947-70E740481C1C}">
+                <a14:useLocalDpi xmlns:a14="http://schemas.microsoft.com/office/drawing/2010/main" val="0"/>
+              </a:ext>
+              <a:ext uri="{96DAC541-7B7A-43D3-8B79-37D633B846F1}">
+                <asvg:svgBlip xmlns:asvg="http://schemas.microsoft.com/office/drawing/2016/SVG/main" r:embed="rId37"/>
+              </a:ext>
+            </a:extLst>
+          </a:blip>
+          <a:stretch>
+            <a:fillRect/>
+          </a:stretch>
+        </p:blipFill>
+        <p:spPr>
+          <a:xfrm>
+            <a:off x="5133032" y="4212485"/>
+            <a:ext cx="723900" cy="723900"/>
+          </a:xfrm>
+          <a:prstGeom prst="rect">
+            <a:avLst/>
+          </a:prstGeom>
+        </p:spPr>
+      </p:pic>
+    </p:spTree>
+    <p:extLst>
+      <p:ext uri="{BB962C8B-B14F-4D97-AF65-F5344CB8AC3E}">
+        <p14:creationId xmlns:p14="http://schemas.microsoft.com/office/powerpoint/2010/main" val="3659359818"/>
+      </p:ext>
+    </p:extLst>
+  </p:cSld>
+  <p:clrMapOvr>
+    <a:masterClrMapping/>
+  </p:clrMapOvr>
+</p:sld>
+</file>
+
+<file path=ppt/slides/slide13.xml><?xml version="1.0" encoding="utf-8"?>
+<p:sld xmlns:a="http://schemas.openxmlformats.org/drawingml/2006/main" xmlns:r="http://schemas.openxmlformats.org/officeDocument/2006/relationships" xmlns:p="http://schemas.openxmlformats.org/presentationml/2006/main">
+  <p:cSld>
+    <p:spTree>
+      <p:nvGrpSpPr>
+        <p:cNvPr id="1" name=""/>
+        <p:cNvGrpSpPr/>
+        <p:nvPr/>
+      </p:nvGrpSpPr>
+      <p:grpSpPr>
+        <a:xfrm>
+          <a:off x="0" y="0"/>
+          <a:ext cx="0" cy="0"/>
+          <a:chOff x="0" y="0"/>
+          <a:chExt cx="0" cy="0"/>
+        </a:xfrm>
+      </p:grpSpPr>
+      <p:sp>
+        <p:nvSpPr>
+          <p:cNvPr id="2" name="Title 1">
+            <a:extLst>
+              <a:ext uri="{FF2B5EF4-FFF2-40B4-BE49-F238E27FC236}">
+                <a16:creationId xmlns:a16="http://schemas.microsoft.com/office/drawing/2014/main" id="{C1F94D26-A670-F34C-8B7D-2DC1C8F0B81C}"/>
+              </a:ext>
+            </a:extLst>
+          </p:cNvPr>
+          <p:cNvSpPr>
+            <a:spLocks noGrp="1"/>
+          </p:cNvSpPr>
+          <p:nvPr>
+            <p:ph type="title"/>
+          </p:nvPr>
+        </p:nvSpPr>
+        <p:spPr/>
+        <p:txBody>
+          <a:bodyPr/>
+          <a:lstStyle/>
+          <a:p>
+            <a:r>
+              <a:rPr lang="de-DE" dirty="0" err="1"/>
+              <a:t>Qualitätsicherung</a:t>
+            </a:r>
+            <a:r>
+              <a:rPr lang="de-DE" dirty="0"/>
+              <a:t> Testverzeichnis</a:t>
+            </a:r>
+          </a:p>
+        </p:txBody>
+      </p:sp>
+      <p:pic>
+        <p:nvPicPr>
+          <p:cNvPr id="7" name="Content Placeholder 6" descr="A screenshot of a computer screen&#10;&#10;Description automatically generated">
+            <a:extLst>
+              <a:ext uri="{FF2B5EF4-FFF2-40B4-BE49-F238E27FC236}">
+                <a16:creationId xmlns:a16="http://schemas.microsoft.com/office/drawing/2014/main" id="{711C6A53-6F06-E944-89F4-E1E765BEA4A8}"/>
+              </a:ext>
+            </a:extLst>
+          </p:cNvPr>
+          <p:cNvPicPr>
+            <a:picLocks noGrp="1" noChangeAspect="1"/>
+          </p:cNvPicPr>
+          <p:nvPr>
+            <p:ph idx="1"/>
+          </p:nvPr>
+        </p:nvPicPr>
+        <p:blipFill>
+          <a:blip r:embed="rId3">
+            <a:extLst>
+              <a:ext uri="{28A0092B-C50C-407E-A947-70E740481C1C}">
+                <a14:useLocalDpi xmlns:a14="http://schemas.microsoft.com/office/drawing/2010/main" val="0"/>
+              </a:ext>
+            </a:extLst>
+          </a:blip>
+          <a:stretch>
+            <a:fillRect/>
+          </a:stretch>
+        </p:blipFill>
+        <p:spPr>
+          <a:xfrm>
+            <a:off x="684213" y="1619250"/>
+            <a:ext cx="4432300" cy="4330700"/>
+          </a:xfrm>
+        </p:spPr>
+      </p:pic>
+      <p:sp>
+        <p:nvSpPr>
+          <p:cNvPr id="4" name="Footer Placeholder 3">
+            <a:extLst>
+              <a:ext uri="{FF2B5EF4-FFF2-40B4-BE49-F238E27FC236}">
+                <a16:creationId xmlns:a16="http://schemas.microsoft.com/office/drawing/2014/main" id="{1019E0D5-835D-2844-86C3-E11FB376F4CA}"/>
+              </a:ext>
+            </a:extLst>
+          </p:cNvPr>
+          <p:cNvSpPr>
+            <a:spLocks noGrp="1"/>
+          </p:cNvSpPr>
+          <p:nvPr>
+            <p:ph type="ftr" sz="quarter" idx="11"/>
+          </p:nvPr>
+        </p:nvSpPr>
+        <p:spPr/>
+        <p:txBody>
+          <a:bodyPr/>
+          <a:lstStyle/>
+          <a:p>
+            <a:r>
+              <a:rPr lang="de-DE"/>
+              <a:t>Extreme Programming</a:t>
+            </a:r>
+            <a:endParaRPr lang="de-DE" dirty="0"/>
+          </a:p>
+        </p:txBody>
+      </p:sp>
+      <p:sp>
+        <p:nvSpPr>
+          <p:cNvPr id="5" name="Slide Number Placeholder 4">
+            <a:extLst>
+              <a:ext uri="{FF2B5EF4-FFF2-40B4-BE49-F238E27FC236}">
+                <a16:creationId xmlns:a16="http://schemas.microsoft.com/office/drawing/2014/main" id="{F72071CF-7F98-9F46-ADA4-E896D2518C1D}"/>
+              </a:ext>
+            </a:extLst>
+          </p:cNvPr>
+          <p:cNvSpPr>
+            <a:spLocks noGrp="1"/>
+          </p:cNvSpPr>
+          <p:nvPr>
+            <p:ph type="sldNum" sz="quarter" idx="12"/>
+          </p:nvPr>
+        </p:nvSpPr>
+        <p:spPr/>
+        <p:txBody>
+          <a:bodyPr/>
+          <a:lstStyle/>
+          <a:p>
+            <a:fld id="{506DEF79-D5F3-42ED-9335-D73AD216BB54}" type="slidenum">
+              <a:rPr lang="de-DE" smtClean="0"/>
+              <a:pPr/>
+              <a:t>13</a:t>
+            </a:fld>
+            <a:r>
+              <a:rPr lang="de-DE"/>
+              <a:t> von 16</a:t>
+            </a:r>
+          </a:p>
+        </p:txBody>
+      </p:sp>
+    </p:spTree>
+    <p:extLst>
+      <p:ext uri="{BB962C8B-B14F-4D97-AF65-F5344CB8AC3E}">
+        <p14:creationId xmlns:p14="http://schemas.microsoft.com/office/powerpoint/2010/main" val="2621459993"/>
+      </p:ext>
+    </p:extLst>
+  </p:cSld>
+  <p:clrMapOvr>
+    <a:masterClrMapping/>
+  </p:clrMapOvr>
+</p:sld>
+</file>
+
+<file path=ppt/slides/slide14.xml><?xml version="1.0" encoding="utf-8"?>
+<p:sld xmlns:a="http://schemas.openxmlformats.org/drawingml/2006/main" xmlns:r="http://schemas.openxmlformats.org/officeDocument/2006/relationships" xmlns:p="http://schemas.openxmlformats.org/presentationml/2006/main">
+  <p:cSld>
+    <p:spTree>
+      <p:nvGrpSpPr>
+        <p:cNvPr id="1" name=""/>
+        <p:cNvGrpSpPr/>
+        <p:nvPr/>
+      </p:nvGrpSpPr>
+      <p:grpSpPr>
+        <a:xfrm>
+          <a:off x="0" y="0"/>
+          <a:ext cx="0" cy="0"/>
+          <a:chOff x="0" y="0"/>
+          <a:chExt cx="0" cy="0"/>
+        </a:xfrm>
+      </p:grpSpPr>
+      <p:sp>
+        <p:nvSpPr>
+          <p:cNvPr id="2" name="Title 1">
+            <a:extLst>
+              <a:ext uri="{FF2B5EF4-FFF2-40B4-BE49-F238E27FC236}">
+                <a16:creationId xmlns:a16="http://schemas.microsoft.com/office/drawing/2014/main" id="{098424BE-FF49-F740-A7D4-E1D3EA8B5AE3}"/>
+              </a:ext>
+            </a:extLst>
+          </p:cNvPr>
+          <p:cNvSpPr>
+            <a:spLocks noGrp="1"/>
+          </p:cNvSpPr>
+          <p:nvPr>
+            <p:ph type="title"/>
+          </p:nvPr>
+        </p:nvSpPr>
+        <p:spPr/>
+        <p:txBody>
+          <a:bodyPr/>
+          <a:lstStyle/>
+          <a:p>
+            <a:r>
+              <a:rPr lang="de-DE" dirty="0"/>
+              <a:t>Qualitätssicherung Testfall</a:t>
+            </a:r>
+          </a:p>
+        </p:txBody>
+      </p:sp>
+      <p:pic>
+        <p:nvPicPr>
+          <p:cNvPr id="7" name="Content Placeholder 6" descr="Test-Case Source code&#10;">
+            <a:extLst>
+              <a:ext uri="{FF2B5EF4-FFF2-40B4-BE49-F238E27FC236}">
+                <a16:creationId xmlns:a16="http://schemas.microsoft.com/office/drawing/2014/main" id="{B659A070-BC46-524C-B700-8835A1F80F7C}"/>
+              </a:ext>
+            </a:extLst>
+          </p:cNvPr>
+          <p:cNvPicPr>
+            <a:picLocks noGrp="1" noChangeAspect="1"/>
+          </p:cNvPicPr>
+          <p:nvPr>
+            <p:ph idx="1"/>
+          </p:nvPr>
+        </p:nvPicPr>
+        <p:blipFill>
+          <a:blip r:embed="rId2">
+            <a:extLst>
+              <a:ext uri="{28A0092B-C50C-407E-A947-70E740481C1C}">
+                <a14:useLocalDpi xmlns:a14="http://schemas.microsoft.com/office/drawing/2010/main" val="0"/>
+              </a:ext>
+            </a:extLst>
+          </a:blip>
+          <a:stretch>
+            <a:fillRect/>
+          </a:stretch>
+        </p:blipFill>
+        <p:spPr>
+          <a:xfrm>
+            <a:off x="1115616" y="1391742"/>
+            <a:ext cx="5900144" cy="4887604"/>
+          </a:xfrm>
+        </p:spPr>
+      </p:pic>
+      <p:sp>
+        <p:nvSpPr>
+          <p:cNvPr id="4" name="Footer Placeholder 3">
+            <a:extLst>
+              <a:ext uri="{FF2B5EF4-FFF2-40B4-BE49-F238E27FC236}">
+                <a16:creationId xmlns:a16="http://schemas.microsoft.com/office/drawing/2014/main" id="{066CEE00-AE9D-C64F-AD6F-C74565AA5BBF}"/>
+              </a:ext>
+            </a:extLst>
+          </p:cNvPr>
+          <p:cNvSpPr>
+            <a:spLocks noGrp="1"/>
+          </p:cNvSpPr>
+          <p:nvPr>
+            <p:ph type="ftr" sz="quarter" idx="11"/>
+          </p:nvPr>
+        </p:nvSpPr>
+        <p:spPr/>
+        <p:txBody>
+          <a:bodyPr/>
+          <a:lstStyle/>
+          <a:p>
+            <a:r>
+              <a:rPr lang="de-DE"/>
+              <a:t>Extreme Programming</a:t>
+            </a:r>
+            <a:endParaRPr lang="de-DE" dirty="0"/>
+          </a:p>
+        </p:txBody>
+      </p:sp>
+      <p:sp>
+        <p:nvSpPr>
+          <p:cNvPr id="5" name="Slide Number Placeholder 4">
+            <a:extLst>
+              <a:ext uri="{FF2B5EF4-FFF2-40B4-BE49-F238E27FC236}">
+                <a16:creationId xmlns:a16="http://schemas.microsoft.com/office/drawing/2014/main" id="{B98B3B2E-D20C-434A-8004-9C149E269B34}"/>
+              </a:ext>
+            </a:extLst>
+          </p:cNvPr>
+          <p:cNvSpPr>
+            <a:spLocks noGrp="1"/>
+          </p:cNvSpPr>
+          <p:nvPr>
+            <p:ph type="sldNum" sz="quarter" idx="12"/>
+          </p:nvPr>
+        </p:nvSpPr>
+        <p:spPr/>
+        <p:txBody>
+          <a:bodyPr/>
+          <a:lstStyle/>
+          <a:p>
+            <a:fld id="{506DEF79-D5F3-42ED-9335-D73AD216BB54}" type="slidenum">
+              <a:rPr lang="de-DE" smtClean="0"/>
+              <a:pPr/>
+              <a:t>14</a:t>
+            </a:fld>
+            <a:r>
+              <a:rPr lang="de-DE"/>
+              <a:t> von 16</a:t>
+            </a:r>
+          </a:p>
+        </p:txBody>
+      </p:sp>
+    </p:spTree>
+    <p:extLst>
+      <p:ext uri="{BB962C8B-B14F-4D97-AF65-F5344CB8AC3E}">
+        <p14:creationId xmlns:p14="http://schemas.microsoft.com/office/powerpoint/2010/main" val="127480081"/>
+      </p:ext>
+    </p:extLst>
+  </p:cSld>
+  <p:clrMapOvr>
+    <a:masterClrMapping/>
+  </p:clrMapOvr>
+</p:sld>
+</file>
+
+<file path=ppt/slides/slide15.xml><?xml version="1.0" encoding="utf-8"?>
+<p:sld xmlns:a="http://schemas.openxmlformats.org/drawingml/2006/main" xmlns:r="http://schemas.openxmlformats.org/officeDocument/2006/relationships" xmlns:p="http://schemas.openxmlformats.org/presentationml/2006/main">
+  <p:cSld>
+    <p:spTree>
+      <p:nvGrpSpPr>
+        <p:cNvPr id="1" name=""/>
+        <p:cNvGrpSpPr/>
+        <p:nvPr/>
+      </p:nvGrpSpPr>
+      <p:grpSpPr>
+        <a:xfrm>
+          <a:off x="0" y="0"/>
+          <a:ext cx="0" cy="0"/>
+          <a:chOff x="0" y="0"/>
+          <a:chExt cx="0" cy="0"/>
+        </a:xfrm>
+      </p:grpSpPr>
+      <p:sp>
+        <p:nvSpPr>
+          <p:cNvPr id="2" name="Title 1">
+            <a:extLst>
+              <a:ext uri="{FF2B5EF4-FFF2-40B4-BE49-F238E27FC236}">
+                <a16:creationId xmlns:a16="http://schemas.microsoft.com/office/drawing/2014/main" id="{4E08A0F3-7CDC-FE42-921F-3AFEF9AB6929}"/>
+              </a:ext>
+            </a:extLst>
+          </p:cNvPr>
+          <p:cNvSpPr>
+            <a:spLocks noGrp="1"/>
+          </p:cNvSpPr>
+          <p:nvPr>
+            <p:ph type="title"/>
+          </p:nvPr>
+        </p:nvSpPr>
+        <p:spPr/>
+        <p:txBody>
+          <a:bodyPr/>
+          <a:lstStyle/>
+          <a:p>
+            <a:r>
+              <a:rPr lang="de-DE" dirty="0"/>
+              <a:t>Qualitätssicherung Nutzertest</a:t>
+            </a:r>
+          </a:p>
+        </p:txBody>
+      </p:sp>
+      <p:sp>
+        <p:nvSpPr>
+          <p:cNvPr id="3" name="Content Placeholder 2">
+            <a:extLst>
+              <a:ext uri="{FF2B5EF4-FFF2-40B4-BE49-F238E27FC236}">
+                <a16:creationId xmlns:a16="http://schemas.microsoft.com/office/drawing/2014/main" id="{7DB153F8-0B7C-0547-9D6F-6DDAF714B8F8}"/>
+              </a:ext>
+            </a:extLst>
+          </p:cNvPr>
+          <p:cNvSpPr>
+            <a:spLocks noGrp="1"/>
+          </p:cNvSpPr>
+          <p:nvPr>
+            <p:ph idx="1"/>
+          </p:nvPr>
+        </p:nvSpPr>
+        <p:spPr/>
+        <p:txBody>
+          <a:bodyPr/>
+          <a:lstStyle/>
+          <a:p>
+            <a:r>
+              <a:rPr lang="de-DE" dirty="0"/>
+              <a:t>Download manuell sichten</a:t>
+            </a:r>
+          </a:p>
+          <a:p>
+            <a:r>
+              <a:rPr lang="de-DE" dirty="0"/>
+              <a:t>Mit View vergleichen</a:t>
+            </a:r>
+          </a:p>
+        </p:txBody>
+      </p:sp>
+      <p:sp>
+        <p:nvSpPr>
+          <p:cNvPr id="4" name="Footer Placeholder 3">
+            <a:extLst>
+              <a:ext uri="{FF2B5EF4-FFF2-40B4-BE49-F238E27FC236}">
+                <a16:creationId xmlns:a16="http://schemas.microsoft.com/office/drawing/2014/main" id="{F60245B0-D7AC-5C4F-B49C-47B3870ED4F8}"/>
+              </a:ext>
+            </a:extLst>
+          </p:cNvPr>
+          <p:cNvSpPr>
+            <a:spLocks noGrp="1"/>
+          </p:cNvSpPr>
+          <p:nvPr>
+            <p:ph type="ftr" sz="quarter" idx="11"/>
+          </p:nvPr>
+        </p:nvSpPr>
+        <p:spPr/>
+        <p:txBody>
+          <a:bodyPr/>
+          <a:lstStyle/>
+          <a:p>
+            <a:r>
+              <a:rPr lang="de-DE"/>
+              <a:t>Abschlussprojekt</a:t>
+            </a:r>
+            <a:endParaRPr lang="de-DE" dirty="0"/>
+          </a:p>
+        </p:txBody>
+      </p:sp>
+      <p:sp>
+        <p:nvSpPr>
+          <p:cNvPr id="5" name="Slide Number Placeholder 4">
+            <a:extLst>
+              <a:ext uri="{FF2B5EF4-FFF2-40B4-BE49-F238E27FC236}">
+                <a16:creationId xmlns:a16="http://schemas.microsoft.com/office/drawing/2014/main" id="{DE88F3EB-4435-C84C-8738-75B887A4BD4E}"/>
+              </a:ext>
+            </a:extLst>
+          </p:cNvPr>
+          <p:cNvSpPr>
+            <a:spLocks noGrp="1"/>
+          </p:cNvSpPr>
+          <p:nvPr>
+            <p:ph type="sldNum" sz="quarter" idx="12"/>
+          </p:nvPr>
+        </p:nvSpPr>
+        <p:spPr/>
+        <p:txBody>
+          <a:bodyPr/>
+          <a:lstStyle/>
+          <a:p>
+            <a:fld id="{506DEF79-D5F3-42ED-9335-D73AD216BB54}" type="slidenum">
+              <a:rPr lang="de-DE" smtClean="0"/>
+              <a:pPr/>
+              <a:t>15</a:t>
+            </a:fld>
+            <a:r>
+              <a:rPr lang="de-DE"/>
+              <a:t> von 9999</a:t>
+            </a:r>
+            <a:endParaRPr lang="de-DE" dirty="0"/>
+          </a:p>
+        </p:txBody>
+      </p:sp>
+    </p:spTree>
+    <p:extLst>
+      <p:ext uri="{BB962C8B-B14F-4D97-AF65-F5344CB8AC3E}">
+        <p14:creationId xmlns:p14="http://schemas.microsoft.com/office/powerpoint/2010/main" val="2572633518"/>
+      </p:ext>
+    </p:extLst>
+  </p:cSld>
+  <p:clrMapOvr>
+    <a:masterClrMapping/>
+  </p:clrMapOvr>
+</p:sld>
+</file>
+
+<file path=ppt/slides/slide16.xml><?xml version="1.0" encoding="utf-8"?>
+<p:sld xmlns:a="http://schemas.openxmlformats.org/drawingml/2006/main" xmlns:r="http://schemas.openxmlformats.org/officeDocument/2006/relationships" xmlns:p="http://schemas.openxmlformats.org/presentationml/2006/main">
+  <p:cSld>
+    <p:spTree>
+      <p:nvGrpSpPr>
+        <p:cNvPr id="1" name=""/>
+        <p:cNvGrpSpPr/>
+        <p:nvPr/>
+      </p:nvGrpSpPr>
+      <p:grpSpPr>
+        <a:xfrm>
+          <a:off x="0" y="0"/>
+          <a:ext cx="0" cy="0"/>
+          <a:chOff x="0" y="0"/>
+          <a:chExt cx="0" cy="0"/>
+        </a:xfrm>
+      </p:grpSpPr>
+      <p:sp>
+        <p:nvSpPr>
+          <p:cNvPr id="2" name="Title 1">
+            <a:extLst>
+              <a:ext uri="{FF2B5EF4-FFF2-40B4-BE49-F238E27FC236}">
+                <a16:creationId xmlns:a16="http://schemas.microsoft.com/office/drawing/2014/main" id="{806C346B-C7B5-D249-9000-3B72896F8ED3}"/>
+              </a:ext>
+            </a:extLst>
+          </p:cNvPr>
+          <p:cNvSpPr>
+            <a:spLocks noGrp="1"/>
+          </p:cNvSpPr>
+          <p:nvPr>
+            <p:ph type="title"/>
+          </p:nvPr>
+        </p:nvSpPr>
+        <p:spPr/>
+        <p:txBody>
+          <a:bodyPr/>
+          <a:lstStyle/>
+          <a:p>
+            <a:r>
+              <a:rPr lang="de-DE" dirty="0"/>
+              <a:t>Abnahme</a:t>
+            </a:r>
+          </a:p>
+        </p:txBody>
+      </p:sp>
+      <p:sp>
+        <p:nvSpPr>
+          <p:cNvPr id="3" name="Content Placeholder 2">
+            <a:extLst>
+              <a:ext uri="{FF2B5EF4-FFF2-40B4-BE49-F238E27FC236}">
+                <a16:creationId xmlns:a16="http://schemas.microsoft.com/office/drawing/2014/main" id="{D22D3EE6-E3AB-BF40-AFDA-CC20C54E0639}"/>
+              </a:ext>
+            </a:extLst>
+          </p:cNvPr>
+          <p:cNvSpPr>
+            <a:spLocks noGrp="1"/>
+          </p:cNvSpPr>
+          <p:nvPr>
+            <p:ph idx="1"/>
+          </p:nvPr>
+        </p:nvSpPr>
+        <p:spPr/>
+        <p:txBody>
+          <a:bodyPr/>
+          <a:lstStyle/>
+          <a:p>
+            <a:r>
+              <a:rPr lang="de-DE" dirty="0"/>
+              <a:t>Demonstration beim Kunden</a:t>
+            </a:r>
+          </a:p>
+          <a:p>
+            <a:r>
+              <a:rPr lang="de-DE" dirty="0"/>
+              <a:t>Übergabe der Dokumentation</a:t>
+            </a:r>
+          </a:p>
+        </p:txBody>
+      </p:sp>
+      <p:sp>
+        <p:nvSpPr>
+          <p:cNvPr id="4" name="Footer Placeholder 3">
+            <a:extLst>
+              <a:ext uri="{FF2B5EF4-FFF2-40B4-BE49-F238E27FC236}">
+                <a16:creationId xmlns:a16="http://schemas.microsoft.com/office/drawing/2014/main" id="{59D66C7A-2452-9546-A49B-53BB95C65EBC}"/>
+              </a:ext>
+            </a:extLst>
+          </p:cNvPr>
+          <p:cNvSpPr>
+            <a:spLocks noGrp="1"/>
+          </p:cNvSpPr>
+          <p:nvPr>
+            <p:ph type="ftr" sz="quarter" idx="11"/>
+          </p:nvPr>
+        </p:nvSpPr>
+        <p:spPr/>
+        <p:txBody>
+          <a:bodyPr/>
+          <a:lstStyle/>
+          <a:p>
+            <a:r>
+              <a:rPr lang="de-DE"/>
+              <a:t>Abschlussprojekt</a:t>
+            </a:r>
+            <a:endParaRPr lang="de-DE" dirty="0"/>
+          </a:p>
+        </p:txBody>
+      </p:sp>
+      <p:sp>
+        <p:nvSpPr>
+          <p:cNvPr id="5" name="Slide Number Placeholder 4">
+            <a:extLst>
+              <a:ext uri="{FF2B5EF4-FFF2-40B4-BE49-F238E27FC236}">
+                <a16:creationId xmlns:a16="http://schemas.microsoft.com/office/drawing/2014/main" id="{280E046C-E636-CA4F-94D0-7462E526A967}"/>
+              </a:ext>
+            </a:extLst>
+          </p:cNvPr>
+          <p:cNvSpPr>
+            <a:spLocks noGrp="1"/>
+          </p:cNvSpPr>
+          <p:nvPr>
+            <p:ph type="sldNum" sz="quarter" idx="12"/>
+          </p:nvPr>
+        </p:nvSpPr>
+        <p:spPr/>
+        <p:txBody>
+          <a:bodyPr/>
+          <a:lstStyle/>
+          <a:p>
+            <a:fld id="{506DEF79-D5F3-42ED-9335-D73AD216BB54}" type="slidenum">
+              <a:rPr lang="de-DE" smtClean="0"/>
+              <a:pPr/>
+              <a:t>16</a:t>
+            </a:fld>
+            <a:r>
+              <a:rPr lang="de-DE"/>
+              <a:t> von 9999</a:t>
+            </a:r>
+            <a:endParaRPr lang="de-DE" dirty="0"/>
+          </a:p>
+        </p:txBody>
+      </p:sp>
+    </p:spTree>
+    <p:extLst>
+      <p:ext uri="{BB962C8B-B14F-4D97-AF65-F5344CB8AC3E}">
+        <p14:creationId xmlns:p14="http://schemas.microsoft.com/office/powerpoint/2010/main" val="1896823284"/>
+      </p:ext>
+    </p:extLst>
+  </p:cSld>
+  <p:clrMapOvr>
+    <a:masterClrMapping/>
+  </p:clrMapOvr>
+</p:sld>
+</file>
+
+<file path=ppt/slides/slide17.xml><?xml version="1.0" encoding="utf-8"?>
+<p:sld xmlns:a="http://schemas.openxmlformats.org/drawingml/2006/main" xmlns:r="http://schemas.openxmlformats.org/officeDocument/2006/relationships" xmlns:p="http://schemas.openxmlformats.org/presentationml/2006/main">
+  <p:cSld>
+    <p:spTree>
+      <p:nvGrpSpPr>
+        <p:cNvPr id="1" name=""/>
+        <p:cNvGrpSpPr/>
+        <p:nvPr/>
+      </p:nvGrpSpPr>
+      <p:grpSpPr>
+        <a:xfrm>
+          <a:off x="0" y="0"/>
+          <a:ext cx="0" cy="0"/>
+          <a:chOff x="0" y="0"/>
+          <a:chExt cx="0" cy="0"/>
+        </a:xfrm>
+      </p:grpSpPr>
+      <p:sp>
+        <p:nvSpPr>
+          <p:cNvPr id="2" name="Title 1">
+            <a:extLst>
+              <a:ext uri="{FF2B5EF4-FFF2-40B4-BE49-F238E27FC236}">
+                <a16:creationId xmlns:a16="http://schemas.microsoft.com/office/drawing/2014/main" id="{4CDB51F7-9BB0-2841-96E1-564289C187B1}"/>
+              </a:ext>
+            </a:extLst>
+          </p:cNvPr>
+          <p:cNvSpPr>
+            <a:spLocks noGrp="1"/>
+          </p:cNvSpPr>
+          <p:nvPr>
+            <p:ph type="title"/>
+          </p:nvPr>
+        </p:nvSpPr>
+        <p:spPr/>
+        <p:txBody>
+          <a:bodyPr/>
+          <a:lstStyle/>
+          <a:p>
+            <a:r>
+              <a:rPr lang="de-DE" dirty="0"/>
+              <a:t>Fazit</a:t>
+            </a:r>
+          </a:p>
+        </p:txBody>
+      </p:sp>
+      <p:sp>
+        <p:nvSpPr>
+          <p:cNvPr id="3" name="Content Placeholder 2">
+            <a:extLst>
+              <a:ext uri="{FF2B5EF4-FFF2-40B4-BE49-F238E27FC236}">
+                <a16:creationId xmlns:a16="http://schemas.microsoft.com/office/drawing/2014/main" id="{CD04F88A-6294-8340-A8CF-90E0BB1E0995}"/>
+              </a:ext>
+            </a:extLst>
+          </p:cNvPr>
+          <p:cNvSpPr>
+            <a:spLocks noGrp="1"/>
+          </p:cNvSpPr>
+          <p:nvPr>
+            <p:ph idx="1"/>
+          </p:nvPr>
+        </p:nvSpPr>
+        <p:spPr/>
+        <p:txBody>
+          <a:bodyPr/>
+          <a:lstStyle/>
+          <a:p>
+            <a:r>
+              <a:rPr lang="de-DE" dirty="0"/>
+              <a:t>Projektmanagement XP</a:t>
+            </a:r>
+          </a:p>
+          <a:p>
+            <a:r>
+              <a:rPr lang="de-DE" dirty="0"/>
+              <a:t>Gut für variable Anforderungen</a:t>
+            </a:r>
+          </a:p>
+          <a:p>
+            <a:r>
+              <a:rPr lang="de-DE" dirty="0"/>
+              <a:t>Fixes Projekt erweitertes Wasserfallmodell</a:t>
+            </a:r>
+          </a:p>
+        </p:txBody>
+      </p:sp>
+      <p:sp>
+        <p:nvSpPr>
+          <p:cNvPr id="4" name="Footer Placeholder 3">
+            <a:extLst>
+              <a:ext uri="{FF2B5EF4-FFF2-40B4-BE49-F238E27FC236}">
+                <a16:creationId xmlns:a16="http://schemas.microsoft.com/office/drawing/2014/main" id="{2C10D386-5789-414E-9F79-7399DB8D2CDD}"/>
+              </a:ext>
+            </a:extLst>
+          </p:cNvPr>
+          <p:cNvSpPr>
+            <a:spLocks noGrp="1"/>
+          </p:cNvSpPr>
+          <p:nvPr>
+            <p:ph type="ftr" sz="quarter" idx="11"/>
+          </p:nvPr>
+        </p:nvSpPr>
+        <p:spPr/>
+        <p:txBody>
+          <a:bodyPr/>
+          <a:lstStyle/>
+          <a:p>
+            <a:r>
+              <a:rPr lang="de-DE"/>
+              <a:t>Abschlussprojekt</a:t>
+            </a:r>
+            <a:endParaRPr lang="de-DE" dirty="0"/>
+          </a:p>
+        </p:txBody>
+      </p:sp>
+      <p:sp>
+        <p:nvSpPr>
+          <p:cNvPr id="5" name="Slide Number Placeholder 4">
+            <a:extLst>
+              <a:ext uri="{FF2B5EF4-FFF2-40B4-BE49-F238E27FC236}">
+                <a16:creationId xmlns:a16="http://schemas.microsoft.com/office/drawing/2014/main" id="{6033051D-57A4-8446-A694-4DD5E5BCD9CE}"/>
+              </a:ext>
+            </a:extLst>
+          </p:cNvPr>
+          <p:cNvSpPr>
+            <a:spLocks noGrp="1"/>
+          </p:cNvSpPr>
+          <p:nvPr>
+            <p:ph type="sldNum" sz="quarter" idx="12"/>
+          </p:nvPr>
+        </p:nvSpPr>
+        <p:spPr/>
+        <p:txBody>
+          <a:bodyPr/>
+          <a:lstStyle/>
+          <a:p>
+            <a:fld id="{506DEF79-D5F3-42ED-9335-D73AD216BB54}" type="slidenum">
+              <a:rPr lang="de-DE" smtClean="0"/>
+              <a:pPr/>
+              <a:t>17</a:t>
+            </a:fld>
+            <a:r>
+              <a:rPr lang="de-DE"/>
+              <a:t> von 9999</a:t>
+            </a:r>
+            <a:endParaRPr lang="de-DE" dirty="0"/>
+          </a:p>
+        </p:txBody>
+      </p:sp>
+    </p:spTree>
+    <p:extLst>
+      <p:ext uri="{BB962C8B-B14F-4D97-AF65-F5344CB8AC3E}">
+        <p14:creationId xmlns:p14="http://schemas.microsoft.com/office/powerpoint/2010/main" val="1784502124"/>
+      </p:ext>
+    </p:extLst>
+  </p:cSld>
+  <p:clrMapOvr>
+    <a:masterClrMapping/>
+  </p:clrMapOvr>
+</p:sld>
+</file>
+
+<file path=ppt/slides/slide18.xml><?xml version="1.0" encoding="utf-8"?>
+<p:sld xmlns:a="http://schemas.openxmlformats.org/drawingml/2006/main" xmlns:r="http://schemas.openxmlformats.org/officeDocument/2006/relationships" xmlns:p="http://schemas.openxmlformats.org/presentationml/2006/main">
+  <p:cSld>
+    <p:spTree>
+      <p:nvGrpSpPr>
+        <p:cNvPr id="1" name=""/>
+        <p:cNvGrpSpPr/>
+        <p:nvPr/>
+      </p:nvGrpSpPr>
+      <p:grpSpPr>
+        <a:xfrm>
+          <a:off x="0" y="0"/>
+          <a:ext cx="0" cy="0"/>
+          <a:chOff x="0" y="0"/>
+          <a:chExt cx="0" cy="0"/>
+        </a:xfrm>
+      </p:grpSpPr>
+      <p:sp>
+        <p:nvSpPr>
+          <p:cNvPr id="2" name="Title 1">
+            <a:extLst>
+              <a:ext uri="{FF2B5EF4-FFF2-40B4-BE49-F238E27FC236}">
+                <a16:creationId xmlns:a16="http://schemas.microsoft.com/office/drawing/2014/main" id="{1F9819EB-9E4B-F54C-8658-D06C4C3D76C6}"/>
+              </a:ext>
+            </a:extLst>
+          </p:cNvPr>
+          <p:cNvSpPr>
+            <a:spLocks noGrp="1"/>
+          </p:cNvSpPr>
+          <p:nvPr>
+            <p:ph type="title"/>
+          </p:nvPr>
+        </p:nvSpPr>
+        <p:spPr/>
+        <p:txBody>
+          <a:bodyPr/>
+          <a:lstStyle/>
+          <a:p>
+            <a:r>
+              <a:rPr lang="de-DE" dirty="0"/>
+              <a:t>Quellen</a:t>
+            </a:r>
+          </a:p>
+        </p:txBody>
+      </p:sp>
+      <p:sp>
+        <p:nvSpPr>
+          <p:cNvPr id="3" name="Content Placeholder 2">
+            <a:extLst>
+              <a:ext uri="{FF2B5EF4-FFF2-40B4-BE49-F238E27FC236}">
+                <a16:creationId xmlns:a16="http://schemas.microsoft.com/office/drawing/2014/main" id="{A64AB663-A05A-4643-BBD7-2049FDC140F7}"/>
+              </a:ext>
+            </a:extLst>
+          </p:cNvPr>
+          <p:cNvSpPr>
+            <a:spLocks noGrp="1"/>
+          </p:cNvSpPr>
+          <p:nvPr>
+            <p:ph idx="1"/>
+          </p:nvPr>
+        </p:nvSpPr>
+        <p:spPr/>
+        <p:txBody>
+          <a:bodyPr>
+            <a:normAutofit/>
+          </a:bodyPr>
+          <a:lstStyle/>
+          <a:p>
+            <a:r>
+              <a:rPr lang="de-DE" sz="1200" dirty="0">
+                <a:hlinkClick r:id="rId2"/>
+              </a:rPr>
+              <a:t>https://www.torsten-horn.de/techdocs/sw-dev-process.htm</a:t>
+            </a:r>
+            <a:endParaRPr lang="de-DE" sz="1200" dirty="0"/>
+          </a:p>
+          <a:p>
+            <a:r>
+              <a:rPr lang="de-DE" sz="1200" dirty="0">
+                <a:hlinkClick r:id="rId3"/>
+              </a:rPr>
+              <a:t>https://en.wikipedia.org/wiki/Extreme_programming</a:t>
+            </a:r>
+            <a:endParaRPr lang="de-DE" sz="1200" dirty="0"/>
+          </a:p>
+          <a:p>
+            <a:r>
+              <a:rPr lang="de-DE" sz="1200" dirty="0">
+                <a:hlinkClick r:id="rId4"/>
+              </a:rPr>
+              <a:t>https://www.cs.utah.edu/~lwilliam/Papers/ieeeSoftware.PDF</a:t>
+            </a:r>
+            <a:endParaRPr lang="de-DE" sz="1200" dirty="0"/>
+          </a:p>
+          <a:p>
+            <a:r>
+              <a:rPr lang="de-DE" sz="1200" dirty="0">
+                <a:hlinkClick r:id="rId5"/>
+              </a:rPr>
+              <a:t>https://www.st.cs.uni-saarland.de/edu/lehrer/xp.pdf</a:t>
+            </a:r>
+            <a:endParaRPr lang="de-DE" sz="1200" dirty="0"/>
+          </a:p>
+          <a:p>
+            <a:r>
+              <a:rPr lang="de-DE" sz="1200" dirty="0"/>
+              <a:t>Kent Beck - Extreme Programming Explained: Embrace Change</a:t>
+            </a:r>
+          </a:p>
+          <a:p>
+            <a:r>
+              <a:rPr lang="de-DE" sz="1200" dirty="0">
+                <a:hlinkClick r:id="rId6"/>
+              </a:rPr>
+              <a:t>https://www.vox.de/cms/die-hoehle-der-loewen-2016-der-ponyhuetchen-pitch-macht-judith-williams-fassungslos-4003566.html</a:t>
+            </a:r>
+            <a:endParaRPr lang="de-DE" sz="1200" dirty="0"/>
+          </a:p>
+          <a:p>
+            <a:r>
+              <a:rPr lang="de-DE" sz="1200" dirty="0">
+                <a:hlinkClick r:id="rId7"/>
+              </a:rPr>
+              <a:t>https://laracasts.com/series/code-katas-in-php/episodes/7</a:t>
+            </a:r>
+            <a:endParaRPr lang="de-DE" sz="1200" dirty="0"/>
+          </a:p>
+          <a:p>
+            <a:r>
+              <a:rPr lang="de-DE" sz="1200" dirty="0">
+                <a:hlinkClick r:id="rId8"/>
+              </a:rPr>
+              <a:t>https://upload.wikimedia.org/wikipedia/commons/8/84/Extreme_Programming.svg</a:t>
+            </a:r>
+            <a:endParaRPr lang="de-DE" sz="1200" dirty="0"/>
+          </a:p>
+          <a:p>
+            <a:r>
+              <a:rPr lang="de-DE" sz="1200" dirty="0">
+                <a:hlinkClick r:id="rId9"/>
+              </a:rPr>
+              <a:t>https://gfycat.com/HotOrangeCoypu</a:t>
+            </a:r>
+            <a:endParaRPr lang="de-DE" sz="1200" dirty="0"/>
+          </a:p>
+          <a:p>
+            <a:r>
+              <a:rPr lang="de-DE" sz="1200" dirty="0">
+                <a:hlinkClick r:id="rId10"/>
+              </a:rPr>
+              <a:t>https://en.wikipedia.org/wiki/File:Kent_Beck_no_Workshop_Mapping_XP.jpg</a:t>
+            </a:r>
+            <a:endParaRPr lang="de-DE" sz="1200" dirty="0"/>
+          </a:p>
+          <a:p>
+            <a:r>
+              <a:rPr lang="de-DE" sz="1200" dirty="0">
+                <a:hlinkClick r:id="rId11"/>
+              </a:rPr>
+              <a:t>https://www.altexsoft.com/blog/business/extreme-programming-values-principles-and-practices/</a:t>
+            </a:r>
+            <a:endParaRPr lang="de-DE" sz="1200" dirty="0"/>
+          </a:p>
+          <a:p>
+            <a:r>
+              <a:rPr lang="de-DE" sz="1200" dirty="0">
+                <a:hlinkClick r:id="rId12"/>
+              </a:rPr>
+              <a:t>https://www.youtube.com/watch?v=cGuTmOUdFbo</a:t>
+            </a:r>
+            <a:endParaRPr lang="de-DE" sz="1200" dirty="0"/>
+          </a:p>
+          <a:p>
+            <a:r>
+              <a:rPr lang="de-DE" sz="1200" dirty="0">
+                <a:hlinkClick r:id="rId13"/>
+              </a:rPr>
+              <a:t>https://en.wikipedia.org/wiki/Extreme_programming_practices</a:t>
+            </a:r>
+            <a:endParaRPr lang="de-DE" sz="1200" dirty="0"/>
+          </a:p>
+          <a:p>
+            <a:r>
+              <a:rPr lang="de-DE" sz="1200" dirty="0">
+                <a:hlinkClick r:id="rId14"/>
+              </a:rPr>
+              <a:t>http://www.selectbs.com/process-maturity/what-is-extreme-programming</a:t>
+            </a:r>
+            <a:endParaRPr lang="de-DE" sz="1200" dirty="0"/>
+          </a:p>
+          <a:p>
+            <a:endParaRPr lang="de-DE" sz="1200" dirty="0"/>
+          </a:p>
+          <a:p>
+            <a:pPr marL="0" indent="0">
+              <a:buNone/>
+            </a:pPr>
+            <a:endParaRPr lang="de-DE" sz="1200" dirty="0"/>
+          </a:p>
+          <a:p>
+            <a:endParaRPr lang="de-DE" sz="1200" dirty="0"/>
+          </a:p>
+          <a:p>
+            <a:endParaRPr lang="de-DE" b="1" dirty="0"/>
+          </a:p>
+          <a:p>
+            <a:endParaRPr lang="de-DE" b="1" dirty="0"/>
+          </a:p>
+        </p:txBody>
+      </p:sp>
+      <p:sp>
+        <p:nvSpPr>
+          <p:cNvPr id="4" name="Footer Placeholder 3">
+            <a:extLst>
+              <a:ext uri="{FF2B5EF4-FFF2-40B4-BE49-F238E27FC236}">
+                <a16:creationId xmlns:a16="http://schemas.microsoft.com/office/drawing/2014/main" id="{6E14F785-519C-CA4E-AAB0-EF40B8E648A3}"/>
+              </a:ext>
+            </a:extLst>
+          </p:cNvPr>
+          <p:cNvSpPr>
+            <a:spLocks noGrp="1"/>
+          </p:cNvSpPr>
+          <p:nvPr>
+            <p:ph type="ftr" sz="quarter" idx="11"/>
+          </p:nvPr>
+        </p:nvSpPr>
+        <p:spPr/>
+        <p:txBody>
+          <a:bodyPr/>
+          <a:lstStyle/>
+          <a:p>
+            <a:r>
+              <a:rPr lang="de-DE" dirty="0"/>
+              <a:t>Extreme Programming</a:t>
+            </a:r>
+          </a:p>
+        </p:txBody>
+      </p:sp>
+      <p:sp>
+        <p:nvSpPr>
+          <p:cNvPr id="5" name="Slide Number Placeholder 4">
+            <a:extLst>
+              <a:ext uri="{FF2B5EF4-FFF2-40B4-BE49-F238E27FC236}">
+                <a16:creationId xmlns:a16="http://schemas.microsoft.com/office/drawing/2014/main" id="{5BCA0103-F1DD-E040-8480-84B0386456B7}"/>
+              </a:ext>
+            </a:extLst>
+          </p:cNvPr>
+          <p:cNvSpPr>
+            <a:spLocks noGrp="1"/>
+          </p:cNvSpPr>
+          <p:nvPr>
+            <p:ph type="sldNum" sz="quarter" idx="12"/>
+          </p:nvPr>
+        </p:nvSpPr>
+        <p:spPr/>
+        <p:txBody>
+          <a:bodyPr/>
+          <a:lstStyle/>
+          <a:p>
+            <a:endParaRPr lang="de-DE" dirty="0"/>
+          </a:p>
+        </p:txBody>
+      </p:sp>
+    </p:spTree>
+    <p:extLst>
+      <p:ext uri="{BB962C8B-B14F-4D97-AF65-F5344CB8AC3E}">
+        <p14:creationId xmlns:p14="http://schemas.microsoft.com/office/powerpoint/2010/main" val="615240107"/>
+      </p:ext>
+    </p:extLst>
+  </p:cSld>
+  <p:clrMapOvr>
+    <a:masterClrMapping/>
+  </p:clrMapOvr>
+</p:sld>
+</file>
+
+<file path=ppt/slides/slide2.xml><?xml version="1.0" encoding="utf-8"?>
+<p:sld xmlns:a="http://schemas.openxmlformats.org/drawingml/2006/main" xmlns:r="http://schemas.openxmlformats.org/officeDocument/2006/relationships" xmlns:p="http://schemas.openxmlformats.org/presentationml/2006/main">
+  <p:cSld>
+    <p:spTree>
+      <p:nvGrpSpPr>
+        <p:cNvPr id="1" name=""/>
+        <p:cNvGrpSpPr/>
+        <p:nvPr/>
+      </p:nvGrpSpPr>
+      <p:grpSpPr>
+        <a:xfrm>
+          <a:off x="0" y="0"/>
+          <a:ext cx="0" cy="0"/>
+          <a:chOff x="0" y="0"/>
+          <a:chExt cx="0" cy="0"/>
+        </a:xfrm>
+      </p:grpSpPr>
+      <p:sp>
+        <p:nvSpPr>
+          <p:cNvPr id="2" name="Title 1">
+            <a:extLst>
+              <a:ext uri="{FF2B5EF4-FFF2-40B4-BE49-F238E27FC236}">
+                <a16:creationId xmlns:a16="http://schemas.microsoft.com/office/drawing/2014/main" id="{F39A06CE-1991-C14C-8322-A489B36D6290}"/>
+              </a:ext>
+            </a:extLst>
+          </p:cNvPr>
+          <p:cNvSpPr>
+            <a:spLocks noGrp="1"/>
+          </p:cNvSpPr>
+          <p:nvPr>
+            <p:ph type="title"/>
+          </p:nvPr>
+        </p:nvSpPr>
+        <p:spPr/>
+        <p:txBody>
+          <a:bodyPr/>
+          <a:lstStyle/>
+          <a:p>
+            <a:r>
+              <a:rPr lang="de-DE" dirty="0"/>
+              <a:t>Agenda</a:t>
+            </a:r>
+          </a:p>
+        </p:txBody>
+      </p:sp>
+      <p:sp>
+        <p:nvSpPr>
+          <p:cNvPr id="3" name="Content Placeholder 2">
+            <a:extLst>
+              <a:ext uri="{FF2B5EF4-FFF2-40B4-BE49-F238E27FC236}">
+                <a16:creationId xmlns:a16="http://schemas.microsoft.com/office/drawing/2014/main" id="{9F0998FD-4570-294F-A998-33A0D82CBCD9}"/>
+              </a:ext>
+            </a:extLst>
+          </p:cNvPr>
+          <p:cNvSpPr>
+            <a:spLocks noGrp="1"/>
+          </p:cNvSpPr>
+          <p:nvPr>
+            <p:ph idx="1"/>
+          </p:nvPr>
+        </p:nvSpPr>
+        <p:spPr/>
+        <p:txBody>
+          <a:bodyPr/>
+          <a:lstStyle/>
+          <a:p>
+            <a:r>
+              <a:rPr lang="de-DE" dirty="0"/>
+              <a:t>Projektumfeld</a:t>
+            </a:r>
+          </a:p>
+          <a:p>
+            <a:r>
+              <a:rPr lang="de-DE" dirty="0"/>
+              <a:t>Projektbasis QES</a:t>
+            </a:r>
+          </a:p>
+          <a:p>
+            <a:r>
+              <a:rPr lang="de-DE" dirty="0"/>
+              <a:t>Planung</a:t>
+            </a:r>
+          </a:p>
+          <a:p>
+            <a:r>
+              <a:rPr lang="de-DE" dirty="0"/>
+              <a:t>Durchführung</a:t>
+            </a:r>
+          </a:p>
+          <a:p>
+            <a:r>
+              <a:rPr lang="de-DE" dirty="0"/>
+              <a:t>Qualitätssicherung</a:t>
+            </a:r>
+          </a:p>
+          <a:p>
+            <a:r>
+              <a:rPr lang="de-DE" dirty="0"/>
+              <a:t>Abnahme</a:t>
+            </a:r>
+          </a:p>
+          <a:p>
+            <a:r>
+              <a:rPr lang="de-DE" dirty="0"/>
+              <a:t>Fazit</a:t>
+            </a:r>
+          </a:p>
+          <a:p>
+            <a:r>
+              <a:rPr lang="de-DE" dirty="0"/>
+              <a:t>Ausblick</a:t>
+            </a:r>
+          </a:p>
+          <a:p>
+            <a:pPr marL="0" indent="0">
+              <a:buNone/>
+            </a:pPr>
+            <a:endParaRPr lang="de-DE" dirty="0"/>
+          </a:p>
+        </p:txBody>
+      </p:sp>
+      <p:sp>
+        <p:nvSpPr>
+          <p:cNvPr id="4" name="Footer Placeholder 3">
+            <a:extLst>
+              <a:ext uri="{FF2B5EF4-FFF2-40B4-BE49-F238E27FC236}">
+                <a16:creationId xmlns:a16="http://schemas.microsoft.com/office/drawing/2014/main" id="{E60A9312-8259-7049-AC8A-2207947A4FA2}"/>
+              </a:ext>
+            </a:extLst>
+          </p:cNvPr>
+          <p:cNvSpPr>
+            <a:spLocks noGrp="1"/>
+          </p:cNvSpPr>
+          <p:nvPr>
+            <p:ph type="ftr" sz="quarter" idx="11"/>
+          </p:nvPr>
+        </p:nvSpPr>
+        <p:spPr/>
+        <p:txBody>
+          <a:bodyPr/>
+          <a:lstStyle/>
+          <a:p>
+            <a:r>
+              <a:rPr lang="de-DE" dirty="0"/>
+              <a:t>Extreme Programming</a:t>
+            </a:r>
+          </a:p>
+        </p:txBody>
+      </p:sp>
+      <p:sp>
+        <p:nvSpPr>
+          <p:cNvPr id="5" name="Slide Number Placeholder 4">
+            <a:extLst>
+              <a:ext uri="{FF2B5EF4-FFF2-40B4-BE49-F238E27FC236}">
+                <a16:creationId xmlns:a16="http://schemas.microsoft.com/office/drawing/2014/main" id="{0BB0BD8B-109A-5C4A-8BD0-6F530B8711D4}"/>
+              </a:ext>
+            </a:extLst>
+          </p:cNvPr>
+          <p:cNvSpPr>
+            <a:spLocks noGrp="1"/>
+          </p:cNvSpPr>
+          <p:nvPr>
+            <p:ph type="sldNum" sz="quarter" idx="12"/>
+          </p:nvPr>
+        </p:nvSpPr>
+        <p:spPr/>
+        <p:txBody>
+          <a:bodyPr/>
+          <a:lstStyle/>
+          <a:p>
+            <a:fld id="{506DEF79-D5F3-42ED-9335-D73AD216BB54}" type="slidenum">
+              <a:rPr lang="de-DE" smtClean="0"/>
+              <a:t>2</a:t>
+            </a:fld>
+            <a:r>
+              <a:rPr lang="de-DE" dirty="0"/>
+              <a:t> von 16</a:t>
+            </a:r>
+          </a:p>
+        </p:txBody>
+      </p:sp>
+    </p:spTree>
+    <p:extLst>
+      <p:ext uri="{BB962C8B-B14F-4D97-AF65-F5344CB8AC3E}">
+        <p14:creationId xmlns:p14="http://schemas.microsoft.com/office/powerpoint/2010/main" val="3562765367"/>
+      </p:ext>
+    </p:extLst>
+  </p:cSld>
+  <p:clrMapOvr>
+    <a:masterClrMapping/>
+  </p:clrMapOvr>
+</p:sld>
+</file>
+
+<file path=ppt/slides/slide3.xml><?xml version="1.0" encoding="utf-8"?>
+<p:sld xmlns:a="http://schemas.openxmlformats.org/drawingml/2006/main" xmlns:r="http://schemas.openxmlformats.org/officeDocument/2006/relationships" xmlns:p="http://schemas.openxmlformats.org/presentationml/2006/main">
+  <p:cSld>
+    <p:spTree>
+      <p:nvGrpSpPr>
+        <p:cNvPr id="1" name=""/>
+        <p:cNvGrpSpPr/>
+        <p:nvPr/>
+      </p:nvGrpSpPr>
+      <p:grpSpPr>
+        <a:xfrm>
+          <a:off x="0" y="0"/>
+          <a:ext cx="0" cy="0"/>
+          <a:chOff x="0" y="0"/>
+          <a:chExt cx="0" cy="0"/>
+        </a:xfrm>
+      </p:grpSpPr>
+      <p:sp>
+        <p:nvSpPr>
+          <p:cNvPr id="2" name="Titel 1"/>
+          <p:cNvSpPr>
+            <a:spLocks noGrp="1"/>
+          </p:cNvSpPr>
+          <p:nvPr>
+            <p:ph type="title"/>
+          </p:nvPr>
+        </p:nvSpPr>
+        <p:spPr/>
+        <p:txBody>
+          <a:bodyPr>
+            <a:normAutofit fontScale="90000"/>
+          </a:bodyPr>
+          <a:lstStyle/>
+          <a:p>
+            <a:r>
+              <a:rPr lang="de-DE" dirty="0"/>
+              <a:t>Projektumfeld - Das Institut</a:t>
+            </a:r>
+          </a:p>
+        </p:txBody>
+      </p:sp>
+      <p:sp>
+        <p:nvSpPr>
+          <p:cNvPr id="6" name="Rechteck 5"/>
+          <p:cNvSpPr/>
+          <p:nvPr/>
+        </p:nvSpPr>
+        <p:spPr>
+          <a:xfrm>
+            <a:off x="323528" y="6237312"/>
+            <a:ext cx="1440160" cy="620688"/>
+          </a:xfrm>
+          <a:prstGeom prst="rect">
+            <a:avLst/>
+          </a:prstGeom>
+          <a:ln>
+            <a:noFill/>
+          </a:ln>
+        </p:spPr>
+        <p:style>
+          <a:lnRef idx="2">
+            <a:schemeClr val="dk1"/>
+          </a:lnRef>
+          <a:fillRef idx="1">
+            <a:schemeClr val="lt1"/>
+          </a:fillRef>
+          <a:effectRef idx="0">
+            <a:schemeClr val="dk1"/>
+          </a:effectRef>
+          <a:fontRef idx="minor">
+            <a:schemeClr val="dk1"/>
+          </a:fontRef>
+        </p:style>
+        <p:txBody>
+          <a:bodyPr rtlCol="0" anchor="ctr"/>
+          <a:lstStyle/>
+          <a:p>
+            <a:pPr algn="ctr"/>
+            <a:endParaRPr lang="de-DE"/>
+          </a:p>
+        </p:txBody>
+      </p:sp>
+      <p:sp>
+        <p:nvSpPr>
+          <p:cNvPr id="7" name="Foliennummernplatzhalter 6"/>
+          <p:cNvSpPr>
+            <a:spLocks noGrp="1"/>
+          </p:cNvSpPr>
+          <p:nvPr>
+            <p:ph type="sldNum" sz="quarter" idx="12"/>
+          </p:nvPr>
+        </p:nvSpPr>
+        <p:spPr/>
+        <p:txBody>
+          <a:bodyPr/>
+          <a:lstStyle/>
+          <a:p>
+            <a:fld id="{AC76F9B2-121F-446C-A37F-B7F54BF3DCAC}" type="slidenum">
+              <a:rPr lang="de-DE" smtClean="0"/>
+              <a:t>3</a:t>
+            </a:fld>
+            <a:endParaRPr lang="de-DE" dirty="0"/>
+          </a:p>
+        </p:txBody>
+      </p:sp>
+      <p:pic>
+        <p:nvPicPr>
+          <p:cNvPr id="3" name="Picture 2">
+            <a:extLst>
+              <a:ext uri="{FF2B5EF4-FFF2-40B4-BE49-F238E27FC236}">
+                <a16:creationId xmlns:a16="http://schemas.microsoft.com/office/drawing/2014/main" id="{59164D2C-E2DF-EA48-8243-D028C4461300}"/>
+              </a:ext>
+            </a:extLst>
+          </p:cNvPr>
+          <p:cNvPicPr>
+            <a:picLocks noChangeAspect="1"/>
+          </p:cNvPicPr>
+          <p:nvPr/>
+        </p:nvPicPr>
+        <p:blipFill>
+          <a:blip r:embed="rId3"/>
+          <a:stretch>
+            <a:fillRect/>
+          </a:stretch>
+        </p:blipFill>
+        <p:spPr>
+          <a:xfrm>
+            <a:off x="1034412" y="1412197"/>
+            <a:ext cx="7075176" cy="5009917"/>
+          </a:xfrm>
+          <a:prstGeom prst="rect">
+            <a:avLst/>
+          </a:prstGeom>
+        </p:spPr>
+      </p:pic>
+    </p:spTree>
+    <p:extLst>
+      <p:ext uri="{BB962C8B-B14F-4D97-AF65-F5344CB8AC3E}">
+        <p14:creationId xmlns:p14="http://schemas.microsoft.com/office/powerpoint/2010/main" val="1457638166"/>
+      </p:ext>
+    </p:extLst>
+  </p:cSld>
+  <p:clrMapOvr>
+    <a:masterClrMapping/>
+  </p:clrMapOvr>
+</p:sld>
+</file>
+
+<file path=ppt/slides/slide4.xml><?xml version="1.0" encoding="utf-8"?>
+<p:sld xmlns:a="http://schemas.openxmlformats.org/drawingml/2006/main" xmlns:r="http://schemas.openxmlformats.org/officeDocument/2006/relationships" xmlns:p="http://schemas.openxmlformats.org/presentationml/2006/main">
+  <p:cSld>
+    <p:spTree>
+      <p:nvGrpSpPr>
+        <p:cNvPr id="1" name=""/>
+        <p:cNvGrpSpPr/>
+        <p:nvPr/>
+      </p:nvGrpSpPr>
+      <p:grpSpPr>
+        <a:xfrm>
+          <a:off x="0" y="0"/>
+          <a:ext cx="0" cy="0"/>
+          <a:chOff x="0" y="0"/>
+          <a:chExt cx="0" cy="0"/>
+        </a:xfrm>
+      </p:grpSpPr>
+      <p:sp>
+        <p:nvSpPr>
+          <p:cNvPr id="2" name="Titel 1"/>
+          <p:cNvSpPr>
+            <a:spLocks noGrp="1"/>
+          </p:cNvSpPr>
+          <p:nvPr>
+            <p:ph type="title"/>
+          </p:nvPr>
+        </p:nvSpPr>
+        <p:spPr/>
+        <p:txBody>
+          <a:bodyPr/>
+          <a:lstStyle/>
+          <a:p>
+            <a:r>
+              <a:rPr lang="de-DE" dirty="0"/>
+              <a:t>Projektumfeld- QES (Basis)</a:t>
+            </a:r>
+          </a:p>
+        </p:txBody>
+      </p:sp>
+      <p:sp>
+        <p:nvSpPr>
+          <p:cNvPr id="4" name="Foliennummernplatzhalter 3"/>
+          <p:cNvSpPr>
+            <a:spLocks noGrp="1"/>
+          </p:cNvSpPr>
+          <p:nvPr>
+            <p:ph type="sldNum" sz="quarter" idx="12"/>
+          </p:nvPr>
+        </p:nvSpPr>
+        <p:spPr/>
+        <p:txBody>
+          <a:bodyPr/>
+          <a:lstStyle/>
+          <a:p>
+            <a:fld id="{AC76F9B2-121F-446C-A37F-B7F54BF3DCAC}" type="slidenum">
+              <a:rPr lang="de-DE" smtClean="0"/>
+              <a:t>4</a:t>
+            </a:fld>
+            <a:endParaRPr lang="de-DE"/>
+          </a:p>
+        </p:txBody>
+      </p:sp>
+      <p:cxnSp>
+        <p:nvCxnSpPr>
+          <p:cNvPr id="6" name="Gerade Verbindung mit Pfeil 5"/>
+          <p:cNvCxnSpPr>
+            <a:cxnSpLocks/>
+            <a:stCxn id="29" idx="0"/>
+            <a:endCxn id="17" idx="2"/>
+          </p:cNvCxnSpPr>
+          <p:nvPr/>
+        </p:nvCxnSpPr>
+        <p:spPr>
+          <a:xfrm flipV="1">
+            <a:off x="7224886" y="3136703"/>
+            <a:ext cx="9672" cy="1010473"/>
+          </a:xfrm>
+          <a:prstGeom prst="straightConnector1">
+            <a:avLst/>
+          </a:prstGeom>
+          <a:ln w="38100">
+            <a:solidFill>
+              <a:schemeClr val="tx1"/>
+            </a:solidFill>
+            <a:headEnd type="arrow"/>
+            <a:tailEnd type="arrow"/>
+          </a:ln>
+        </p:spPr>
+        <p:style>
+          <a:lnRef idx="1">
+            <a:schemeClr val="dk1"/>
+          </a:lnRef>
+          <a:fillRef idx="0">
+            <a:schemeClr val="dk1"/>
+          </a:fillRef>
+          <a:effectRef idx="0">
+            <a:schemeClr val="dk1"/>
+          </a:effectRef>
+          <a:fontRef idx="minor">
+            <a:schemeClr val="tx1"/>
+          </a:fontRef>
+        </p:style>
+      </p:cxnSp>
+      <p:cxnSp>
+        <p:nvCxnSpPr>
+          <p:cNvPr id="13" name="Gerade Verbindung mit Pfeil 12"/>
+          <p:cNvCxnSpPr>
+            <a:cxnSpLocks/>
+            <a:stCxn id="5" idx="3"/>
+            <a:endCxn id="27" idx="1"/>
+          </p:cNvCxnSpPr>
+          <p:nvPr/>
+        </p:nvCxnSpPr>
+        <p:spPr>
+          <a:xfrm flipV="1">
+            <a:off x="4938768" y="2320451"/>
+            <a:ext cx="1553936" cy="14817"/>
+          </a:xfrm>
+          <a:prstGeom prst="straightConnector1">
+            <a:avLst/>
+          </a:prstGeom>
+          <a:ln w="38100">
+            <a:solidFill>
+              <a:schemeClr val="tx1"/>
+            </a:solidFill>
+            <a:headEnd type="arrow"/>
+            <a:tailEnd type="arrow"/>
+          </a:ln>
+        </p:spPr>
+        <p:style>
+          <a:lnRef idx="1">
+            <a:schemeClr val="dk1"/>
+          </a:lnRef>
+          <a:fillRef idx="0">
+            <a:schemeClr val="dk1"/>
+          </a:fillRef>
+          <a:effectRef idx="0">
+            <a:schemeClr val="dk1"/>
+          </a:effectRef>
+          <a:fontRef idx="minor">
+            <a:schemeClr val="tx1"/>
+          </a:fontRef>
+        </p:style>
+      </p:cxnSp>
+      <p:cxnSp>
+        <p:nvCxnSpPr>
+          <p:cNvPr id="14" name="Gerade Verbindung mit Pfeil 13"/>
+          <p:cNvCxnSpPr>
+            <a:cxnSpLocks/>
+            <a:stCxn id="12" idx="3"/>
+            <a:endCxn id="5" idx="1"/>
+          </p:cNvCxnSpPr>
+          <p:nvPr/>
+        </p:nvCxnSpPr>
+        <p:spPr>
+          <a:xfrm>
+            <a:off x="1916746" y="2311332"/>
+            <a:ext cx="1581219" cy="23936"/>
+          </a:xfrm>
+          <a:prstGeom prst="straightConnector1">
+            <a:avLst/>
+          </a:prstGeom>
+          <a:ln w="38100">
+            <a:solidFill>
+              <a:schemeClr val="tx1"/>
+            </a:solidFill>
+            <a:headEnd type="arrow"/>
+            <a:tailEnd type="arrow"/>
+          </a:ln>
+        </p:spPr>
+        <p:style>
+          <a:lnRef idx="1">
+            <a:schemeClr val="dk1"/>
+          </a:lnRef>
+          <a:fillRef idx="0">
+            <a:schemeClr val="dk1"/>
+          </a:fillRef>
+          <a:effectRef idx="0">
+            <a:schemeClr val="dk1"/>
+          </a:effectRef>
+          <a:fontRef idx="minor">
+            <a:schemeClr val="tx1"/>
+          </a:fontRef>
+        </p:style>
+      </p:cxnSp>
+      <p:grpSp>
+        <p:nvGrpSpPr>
+          <p:cNvPr id="40" name="Group 39">
+            <a:extLst>
+              <a:ext uri="{FF2B5EF4-FFF2-40B4-BE49-F238E27FC236}">
+                <a16:creationId xmlns:a16="http://schemas.microsoft.com/office/drawing/2014/main" id="{4C3B3433-24DB-8C46-AEAF-055D75614C2D}"/>
+              </a:ext>
+            </a:extLst>
+          </p:cNvPr>
+          <p:cNvGrpSpPr/>
+          <p:nvPr/>
+        </p:nvGrpSpPr>
+        <p:grpSpPr>
+          <a:xfrm>
+            <a:off x="3497965" y="1614866"/>
+            <a:ext cx="1440803" cy="1564471"/>
+            <a:chOff x="3491558" y="1886467"/>
+            <a:chExt cx="1440803" cy="1564471"/>
+          </a:xfrm>
+        </p:grpSpPr>
+        <p:sp>
+          <p:nvSpPr>
+            <p:cNvPr id="11" name="Textfeld 10"/>
+            <p:cNvSpPr txBox="1"/>
+            <p:nvPr/>
+          </p:nvSpPr>
+          <p:spPr>
+            <a:xfrm>
+              <a:off x="3734233" y="3081606"/>
+              <a:ext cx="955454" cy="369332"/>
+            </a:xfrm>
+            <a:prstGeom prst="rect">
+              <a:avLst/>
+            </a:prstGeom>
+            <a:noFill/>
+          </p:spPr>
+          <p:txBody>
+            <a:bodyPr wrap="none" rtlCol="0">
+              <a:spAutoFit/>
+            </a:bodyPr>
+            <a:lstStyle/>
+            <a:p>
+              <a:r>
+                <a:rPr lang="de-DE" dirty="0"/>
+                <a:t>Browser</a:t>
+              </a:r>
+            </a:p>
+          </p:txBody>
+        </p:sp>
+        <p:pic>
+          <p:nvPicPr>
+            <p:cNvPr id="5" name="Graphic 4">
+              <a:extLst>
+                <a:ext uri="{FF2B5EF4-FFF2-40B4-BE49-F238E27FC236}">
+                  <a16:creationId xmlns:a16="http://schemas.microsoft.com/office/drawing/2014/main" id="{A715925D-668B-4D41-8FBA-53E2E17BDADB}"/>
+                </a:ext>
+              </a:extLst>
+            </p:cNvPr>
+            <p:cNvPicPr>
+              <a:picLocks noChangeAspect="1"/>
+            </p:cNvPicPr>
+            <p:nvPr/>
+          </p:nvPicPr>
+          <p:blipFill>
+            <a:blip r:embed="rId3">
+              <a:extLst>
+                <a:ext uri="{28A0092B-C50C-407E-A947-70E740481C1C}">
+                  <a14:useLocalDpi xmlns:a14="http://schemas.microsoft.com/office/drawing/2010/main" val="0"/>
+                </a:ext>
+                <a:ext uri="{96DAC541-7B7A-43D3-8B79-37D633B846F1}">
+                  <asvg:svgBlip xmlns:asvg="http://schemas.microsoft.com/office/drawing/2016/SVG/main" r:embed="rId4"/>
+                </a:ext>
+              </a:extLst>
+            </a:blip>
+            <a:stretch>
+              <a:fillRect/>
+            </a:stretch>
+          </p:blipFill>
+          <p:spPr>
+            <a:xfrm>
+              <a:off x="3491558" y="1886467"/>
+              <a:ext cx="1440803" cy="1440803"/>
+            </a:xfrm>
+            <a:prstGeom prst="rect">
+              <a:avLst/>
+            </a:prstGeom>
+          </p:spPr>
+        </p:pic>
+      </p:grpSp>
+      <p:cxnSp>
+        <p:nvCxnSpPr>
+          <p:cNvPr id="21" name="Gerade Verbindung mit Pfeil 12">
+            <a:extLst>
+              <a:ext uri="{FF2B5EF4-FFF2-40B4-BE49-F238E27FC236}">
+                <a16:creationId xmlns:a16="http://schemas.microsoft.com/office/drawing/2014/main" id="{A9A9FDCD-CE15-6446-8723-6730AF2FDD59}"/>
+              </a:ext>
+            </a:extLst>
+          </p:cNvPr>
+          <p:cNvCxnSpPr>
+            <a:cxnSpLocks/>
+            <a:stCxn id="25" idx="3"/>
+            <a:endCxn id="29" idx="1"/>
+          </p:cNvCxnSpPr>
+          <p:nvPr/>
+        </p:nvCxnSpPr>
+        <p:spPr>
+          <a:xfrm flipV="1">
+            <a:off x="4895354" y="4745792"/>
+            <a:ext cx="1730916" cy="17796"/>
+          </a:xfrm>
+          <a:prstGeom prst="straightConnector1">
+            <a:avLst/>
+          </a:prstGeom>
+          <a:ln w="38100">
+            <a:solidFill>
+              <a:schemeClr val="tx1"/>
+            </a:solidFill>
+            <a:headEnd type="arrow"/>
+            <a:tailEnd type="arrow"/>
+          </a:ln>
+        </p:spPr>
+        <p:style>
+          <a:lnRef idx="1">
+            <a:schemeClr val="dk1"/>
+          </a:lnRef>
+          <a:fillRef idx="0">
+            <a:schemeClr val="dk1"/>
+          </a:fillRef>
+          <a:effectRef idx="0">
+            <a:schemeClr val="dk1"/>
+          </a:effectRef>
+          <a:fontRef idx="minor">
+            <a:schemeClr val="tx1"/>
+          </a:fontRef>
+        </p:style>
+      </p:cxnSp>
+      <p:cxnSp>
+        <p:nvCxnSpPr>
+          <p:cNvPr id="23" name="Gerade Verbindung mit Pfeil 12">
+            <a:extLst>
+              <a:ext uri="{FF2B5EF4-FFF2-40B4-BE49-F238E27FC236}">
+                <a16:creationId xmlns:a16="http://schemas.microsoft.com/office/drawing/2014/main" id="{66448FA6-7AE0-DE4C-A657-5CD98EB06E4D}"/>
+              </a:ext>
+            </a:extLst>
+          </p:cNvPr>
+          <p:cNvCxnSpPr>
+            <a:cxnSpLocks/>
+            <a:stCxn id="19" idx="3"/>
+            <a:endCxn id="25" idx="1"/>
+          </p:cNvCxnSpPr>
+          <p:nvPr/>
+        </p:nvCxnSpPr>
+        <p:spPr>
+          <a:xfrm flipV="1">
+            <a:off x="1937284" y="4763588"/>
+            <a:ext cx="1701260" cy="1"/>
+          </a:xfrm>
+          <a:prstGeom prst="straightConnector1">
+            <a:avLst/>
+          </a:prstGeom>
+          <a:ln w="38100">
+            <a:solidFill>
+              <a:schemeClr val="tx1"/>
+            </a:solidFill>
+            <a:headEnd type="arrow"/>
+            <a:tailEnd type="arrow"/>
+          </a:ln>
+        </p:spPr>
+        <p:style>
+          <a:lnRef idx="1">
+            <a:schemeClr val="dk1"/>
+          </a:lnRef>
+          <a:fillRef idx="0">
+            <a:schemeClr val="dk1"/>
+          </a:fillRef>
+          <a:effectRef idx="0">
+            <a:schemeClr val="dk1"/>
+          </a:effectRef>
+          <a:fontRef idx="minor">
+            <a:schemeClr val="tx1"/>
+          </a:fontRef>
+        </p:style>
+      </p:cxnSp>
+      <p:grpSp>
+        <p:nvGrpSpPr>
+          <p:cNvPr id="52" name="Group 51">
+            <a:extLst>
+              <a:ext uri="{FF2B5EF4-FFF2-40B4-BE49-F238E27FC236}">
+                <a16:creationId xmlns:a16="http://schemas.microsoft.com/office/drawing/2014/main" id="{7AB13358-1417-BB4A-86A4-17A08ACF4E3B}"/>
+              </a:ext>
+            </a:extLst>
+          </p:cNvPr>
+          <p:cNvGrpSpPr/>
+          <p:nvPr/>
+        </p:nvGrpSpPr>
+        <p:grpSpPr>
+          <a:xfrm>
+            <a:off x="680473" y="4135183"/>
+            <a:ext cx="1256811" cy="1340533"/>
+            <a:chOff x="750235" y="3500947"/>
+            <a:chExt cx="1256811" cy="1340533"/>
+          </a:xfrm>
         </p:grpSpPr>
         <p:sp>
           <p:nvSpPr>
@@ -8573,12 +10323,110 @@
           <a:chExt cx="0" cy="0"/>
         </a:xfrm>
       </p:grpSpPr>
+      <p:pic>
+        <p:nvPicPr>
+          <p:cNvPr id="7" name="Content Placeholder 6">
+            <a:extLst>
+              <a:ext uri="{FF2B5EF4-FFF2-40B4-BE49-F238E27FC236}">
+                <a16:creationId xmlns:a16="http://schemas.microsoft.com/office/drawing/2014/main" id="{5386870C-8A52-D54C-A6F0-161A4F4EEEF6}"/>
+              </a:ext>
+            </a:extLst>
+          </p:cNvPr>
+          <p:cNvPicPr>
+            <a:picLocks noGrp="1" noChangeAspect="1"/>
+          </p:cNvPicPr>
+          <p:nvPr>
+            <p:ph idx="1"/>
+          </p:nvPr>
+        </p:nvPicPr>
+        <p:blipFill>
+          <a:blip r:embed="rId3">
+            <a:extLst>
+              <a:ext uri="{28A0092B-C50C-407E-A947-70E740481C1C}">
+                <a14:useLocalDpi xmlns:a14="http://schemas.microsoft.com/office/drawing/2010/main" val="0"/>
+              </a:ext>
+              <a:ext uri="{96DAC541-7B7A-43D3-8B79-37D633B846F1}">
+                <asvg:svgBlip xmlns:asvg="http://schemas.microsoft.com/office/drawing/2016/SVG/main" r:embed="rId4"/>
+              </a:ext>
+            </a:extLst>
+          </a:blip>
+          <a:stretch>
+            <a:fillRect/>
+          </a:stretch>
+        </p:blipFill>
+        <p:spPr>
+          <a:xfrm>
+            <a:off x="3479184" y="1148738"/>
+            <a:ext cx="6074063" cy="5566051"/>
+          </a:xfrm>
+        </p:spPr>
+      </p:pic>
       <p:sp>
         <p:nvSpPr>
-          <p:cNvPr id="2" name="Title 1">
+          <p:cNvPr id="4" name="Footer Placeholder 3">
             <a:extLst>
               <a:ext uri="{FF2B5EF4-FFF2-40B4-BE49-F238E27FC236}">
-                <a16:creationId xmlns:a16="http://schemas.microsoft.com/office/drawing/2014/main" id="{F0883A90-50BC-774E-8D66-9C514EB617CE}"/>
+                <a16:creationId xmlns:a16="http://schemas.microsoft.com/office/drawing/2014/main" id="{0B3A49D0-57B4-E54D-9B31-98018A822494}"/>
+              </a:ext>
+            </a:extLst>
+          </p:cNvPr>
+          <p:cNvSpPr>
+            <a:spLocks noGrp="1"/>
+          </p:cNvSpPr>
+          <p:nvPr>
+            <p:ph type="ftr" sz="quarter" idx="11"/>
+          </p:nvPr>
+        </p:nvSpPr>
+        <p:spPr/>
+        <p:txBody>
+          <a:bodyPr/>
+          <a:lstStyle/>
+          <a:p>
+            <a:r>
+              <a:rPr lang="de-DE" dirty="0"/>
+              <a:t>Extreme Programming</a:t>
+            </a:r>
+          </a:p>
+        </p:txBody>
+      </p:sp>
+      <p:sp>
+        <p:nvSpPr>
+          <p:cNvPr id="5" name="Slide Number Placeholder 4">
+            <a:extLst>
+              <a:ext uri="{FF2B5EF4-FFF2-40B4-BE49-F238E27FC236}">
+                <a16:creationId xmlns:a16="http://schemas.microsoft.com/office/drawing/2014/main" id="{83C8F89F-2601-D340-B0BC-04E66440B534}"/>
+              </a:ext>
+            </a:extLst>
+          </p:cNvPr>
+          <p:cNvSpPr>
+            <a:spLocks noGrp="1"/>
+          </p:cNvSpPr>
+          <p:nvPr>
+            <p:ph type="sldNum" sz="quarter" idx="12"/>
+          </p:nvPr>
+        </p:nvSpPr>
+        <p:spPr/>
+        <p:txBody>
+          <a:bodyPr/>
+          <a:lstStyle/>
+          <a:p>
+            <a:fld id="{506DEF79-D5F3-42ED-9335-D73AD216BB54}" type="slidenum">
+              <a:rPr lang="de-DE" smtClean="0"/>
+              <a:t>6</a:t>
+            </a:fld>
+            <a:r>
+              <a:rPr lang="de-DE" dirty="0"/>
+              <a:t> von 16</a:t>
+            </a:r>
+          </a:p>
+        </p:txBody>
+      </p:sp>
+      <p:sp>
+        <p:nvSpPr>
+          <p:cNvPr id="13" name="Title 12">
+            <a:extLst>
+              <a:ext uri="{FF2B5EF4-FFF2-40B4-BE49-F238E27FC236}">
+                <a16:creationId xmlns:a16="http://schemas.microsoft.com/office/drawing/2014/main" id="{2B451879-CAD2-2B40-8EDB-038DA8F33980}"/>
               </a:ext>
             </a:extLst>
           </p:cNvPr>
@@ -8594,267 +10442,159 @@
           <a:bodyPr/>
           <a:lstStyle/>
           <a:p>
-            <a:endParaRPr lang="de-DE"/>
+            <a:r>
+              <a:rPr lang="de-DE" dirty="0"/>
+              <a:t>Phasen</a:t>
+            </a:r>
           </a:p>
         </p:txBody>
       </p:sp>
       <p:sp>
         <p:nvSpPr>
-          <p:cNvPr id="3" name="Content Placeholder 2">
+          <p:cNvPr id="14" name="Rectangle 13">
             <a:extLst>
               <a:ext uri="{FF2B5EF4-FFF2-40B4-BE49-F238E27FC236}">
-                <a16:creationId xmlns:a16="http://schemas.microsoft.com/office/drawing/2014/main" id="{531B410E-3B45-FC45-BA36-BDE17B49E820}"/>
+                <a16:creationId xmlns:a16="http://schemas.microsoft.com/office/drawing/2014/main" id="{D581231B-B881-DF43-9651-34A5CEB83F55}"/>
               </a:ext>
             </a:extLst>
           </p:cNvPr>
-          <p:cNvSpPr>
-            <a:spLocks noGrp="1"/>
-          </p:cNvSpPr>
-          <p:nvPr>
-            <p:ph idx="1"/>
-          </p:nvPr>
+          <p:cNvSpPr/>
+          <p:nvPr/>
         </p:nvSpPr>
-        <p:spPr/>
+        <p:spPr>
+          <a:xfrm>
+            <a:off x="2509159" y="260648"/>
+            <a:ext cx="4824536" cy="647402"/>
+          </a:xfrm>
+          <a:prstGeom prst="rect">
+            <a:avLst/>
+          </a:prstGeom>
+          <a:ln>
+            <a:noFill/>
+          </a:ln>
+        </p:spPr>
+        <p:style>
+          <a:lnRef idx="2">
+            <a:schemeClr val="accent6"/>
+          </a:lnRef>
+          <a:fillRef idx="1">
+            <a:schemeClr val="lt1"/>
+          </a:fillRef>
+          <a:effectRef idx="0">
+            <a:schemeClr val="accent6"/>
+          </a:effectRef>
+          <a:fontRef idx="minor">
+            <a:schemeClr val="dk1"/>
+          </a:fontRef>
+        </p:style>
         <p:txBody>
-          <a:bodyPr>
-            <a:normAutofit fontScale="55000" lnSpcReduction="20000"/>
-          </a:bodyPr>
+          <a:bodyPr rtlCol="0" anchor="ctr"/>
           <a:lstStyle/>
           <a:p>
-            <a:r>
-              <a:rPr lang="de-DE" dirty="0"/>
-              <a:t>Um Personal planen und </a:t>
-            </a:r>
-            <a:r>
-              <a:rPr lang="de-DE" dirty="0" err="1"/>
-              <a:t>führen</a:t>
-            </a:r>
-            <a:r>
-              <a:rPr lang="de-DE" dirty="0"/>
-              <a:t> zu </a:t>
-            </a:r>
-            <a:r>
-              <a:rPr lang="de-DE" dirty="0" err="1"/>
-              <a:t>können</a:t>
-            </a:r>
-            <a:r>
-              <a:rPr lang="de-DE" dirty="0"/>
-              <a:t>, ist es notwendig, die reale Auslastung und den </a:t>
-            </a:r>
-            <a:r>
-              <a:rPr lang="de-DE" dirty="0" err="1"/>
-              <a:t>tatsächliche</a:t>
-            </a:r>
-            <a:r>
-              <a:rPr lang="de-DE" dirty="0"/>
-              <a:t> Ressourcenverbrauch in jedem Projekt zu kennen. Eine </a:t>
-            </a:r>
-            <a:r>
-              <a:rPr lang="de-DE" dirty="0" err="1"/>
-              <a:t>Übersicht</a:t>
-            </a:r>
-            <a:r>
-              <a:rPr lang="de-DE" dirty="0"/>
-              <a:t> </a:t>
-            </a:r>
-            <a:r>
-              <a:rPr lang="de-DE" dirty="0" err="1"/>
-              <a:t>darüber</a:t>
-            </a:r>
-            <a:r>
-              <a:rPr lang="de-DE" dirty="0"/>
-              <a:t> ist die entscheidende Grundlage </a:t>
-            </a:r>
-            <a:r>
-              <a:rPr lang="de-DE" dirty="0" err="1"/>
-              <a:t>für</a:t>
-            </a:r>
-            <a:r>
-              <a:rPr lang="de-DE" dirty="0"/>
-              <a:t> die weitere Ressourcenplanung der gesamten Abteilung. Ziel des Projektes ist es, dem Abteilungsleiter und auch den Teamleitern die </a:t>
-            </a:r>
-            <a:r>
-              <a:rPr lang="de-DE" dirty="0" err="1"/>
-              <a:t>Möglichkeit</a:t>
-            </a:r>
-            <a:r>
-              <a:rPr lang="de-DE" dirty="0"/>
-              <a:t> zu geben, einen Zeitraum aus den bestehenden </a:t>
-            </a:r>
-            <a:r>
-              <a:rPr lang="de-DE" dirty="0" err="1"/>
-              <a:t>Datensätzen</a:t>
-            </a:r>
-            <a:r>
-              <a:rPr lang="de-DE" dirty="0"/>
-              <a:t> </a:t>
-            </a:r>
-            <a:r>
-              <a:rPr lang="de-DE" dirty="0" err="1"/>
-              <a:t>auszuwählen</a:t>
-            </a:r>
-            <a:r>
-              <a:rPr lang="de-DE" dirty="0"/>
-              <a:t> und so Abweichungen von der Soll- Planung zu erkennen. </a:t>
-            </a:r>
-          </a:p>
-          <a:p>
-            <a:r>
-              <a:rPr lang="de-DE" dirty="0"/>
-              <a:t>Im Detail soll im QES </a:t>
-            </a:r>
-            <a:r>
-              <a:rPr lang="de-DE" dirty="0" err="1"/>
-              <a:t>für</a:t>
-            </a:r>
-            <a:r>
-              <a:rPr lang="de-DE" dirty="0"/>
-              <a:t> die Teamleiter und den Abteilungsleiter ein neuer </a:t>
-            </a:r>
-            <a:r>
-              <a:rPr lang="de-DE" dirty="0" err="1"/>
-              <a:t>Menüpunkt</a:t>
-            </a:r>
-            <a:r>
-              <a:rPr lang="de-DE" dirty="0"/>
-              <a:t> </a:t>
-            </a:r>
-            <a:r>
-              <a:rPr lang="de-DE" dirty="0" err="1"/>
-              <a:t>ergänzt</a:t>
-            </a:r>
-            <a:r>
-              <a:rPr lang="de-DE" dirty="0"/>
-              <a:t> werden. Der </a:t>
-            </a:r>
-            <a:r>
-              <a:rPr lang="de-DE" dirty="0" err="1"/>
-              <a:t>Menüpunkt</a:t>
-            </a:r>
-            <a:r>
-              <a:rPr lang="de-DE" dirty="0"/>
-              <a:t> Export soll auf eine Seite </a:t>
-            </a:r>
-            <a:r>
-              <a:rPr lang="de-DE" dirty="0" err="1"/>
-              <a:t>führen</a:t>
-            </a:r>
-            <a:r>
-              <a:rPr lang="de-DE" dirty="0"/>
-              <a:t>, auf der der Export definiert und angefordert wird. Der Ablauf ist wie folgt geplant: Der Abteilungsleiter oder die Teamleiter </a:t>
-            </a:r>
-            <a:r>
-              <a:rPr lang="de-DE" dirty="0" err="1"/>
-              <a:t>wählen</a:t>
-            </a:r>
-            <a:r>
-              <a:rPr lang="de-DE" dirty="0"/>
-              <a:t> einen Zeitraum, anhand dieser Auswahl wird eine Datei erstellt. Dabei erhalten Teamleiter und Abteilungsleiter </a:t>
-            </a:r>
-            <a:r>
-              <a:rPr lang="de-DE" dirty="0" err="1"/>
-              <a:t>gemäß</a:t>
-            </a:r>
-            <a:r>
-              <a:rPr lang="de-DE" dirty="0"/>
-              <a:t> ihrer Rolle unterschiedliche Ergebnisse. Die Ergebnis-Dateien stellen den Ressourcenverbrauch pro Mitarbeiter und Projekt dar. Je Mitarbeiter wird je Projekt eine eigene Zeile mit dem Soll- und dem Ist-Wert angelegt. Autorisierte Nutzer </a:t>
-            </a:r>
-            <a:r>
-              <a:rPr lang="de-DE" dirty="0" err="1"/>
-              <a:t>können</a:t>
-            </a:r>
-            <a:r>
-              <a:rPr lang="de-DE" dirty="0"/>
-              <a:t> dann auf die Export- Dateien </a:t>
-            </a:r>
-            <a:r>
-              <a:rPr lang="de-DE" dirty="0" err="1"/>
-              <a:t>für</a:t>
-            </a:r>
-            <a:r>
-              <a:rPr lang="de-DE" dirty="0"/>
-              <a:t> eine bestimmte, vorab festgelegte Zeit zugreifen. Verarbeitung, Konvertierung und Export der Daten auf dem Server </a:t>
-            </a:r>
-            <a:r>
-              <a:rPr lang="de-DE" dirty="0" err="1"/>
-              <a:t>müssen</a:t>
-            </a:r>
-            <a:r>
-              <a:rPr lang="de-DE" dirty="0"/>
-              <a:t> konzipiert, implementiert und getestet werden. Leitbild </a:t>
-            </a:r>
-            <a:r>
-              <a:rPr lang="de-DE" dirty="0" err="1"/>
-              <a:t>für</a:t>
-            </a:r>
-            <a:r>
-              <a:rPr lang="de-DE" dirty="0"/>
-              <a:t> Entwurf und Umsetzung ist das Model View Controller Konzept. </a:t>
-            </a:r>
-          </a:p>
-          <a:p>
+            <a:pPr algn="ctr"/>
             <a:endParaRPr lang="de-DE" dirty="0"/>
           </a:p>
         </p:txBody>
       </p:sp>
       <p:sp>
         <p:nvSpPr>
-          <p:cNvPr id="4" name="Footer Placeholder 3">
+          <p:cNvPr id="8" name="TextBox 7">
             <a:extLst>
               <a:ext uri="{FF2B5EF4-FFF2-40B4-BE49-F238E27FC236}">
-                <a16:creationId xmlns:a16="http://schemas.microsoft.com/office/drawing/2014/main" id="{A4B691B9-B5C6-4B42-AAA8-5653D87A45EB}"/>
+                <a16:creationId xmlns:a16="http://schemas.microsoft.com/office/drawing/2014/main" id="{7D7810B2-13C6-FF41-963A-29BEF9A20B1C}"/>
               </a:ext>
             </a:extLst>
           </p:cNvPr>
-          <p:cNvSpPr>
-            <a:spLocks noGrp="1"/>
-          </p:cNvSpPr>
-          <p:nvPr>
-            <p:ph type="ftr" sz="quarter" idx="11"/>
-          </p:nvPr>
+          <p:cNvSpPr txBox="1"/>
+          <p:nvPr/>
         </p:nvSpPr>
-        <p:spPr/>
+        <p:spPr>
+          <a:xfrm>
+            <a:off x="0" y="1162844"/>
+            <a:ext cx="3938963" cy="2585323"/>
+          </a:xfrm>
+          <a:prstGeom prst="rect">
+            <a:avLst/>
+          </a:prstGeom>
+          <a:noFill/>
+        </p:spPr>
         <p:txBody>
-          <a:bodyPr/>
+          <a:bodyPr wrap="none" rtlCol="0">
+            <a:spAutoFit/>
+          </a:bodyPr>
           <a:lstStyle/>
           <a:p>
             <a:r>
-              <a:rPr lang="de-DE"/>
-              <a:t>Extreme Programming</a:t>
+              <a:rPr lang="de-DE" dirty="0"/>
+              <a:t>Extreme </a:t>
+            </a:r>
+            <a:r>
+              <a:rPr lang="de-DE" dirty="0" err="1"/>
+              <a:t>Programming</a:t>
             </a:r>
             <a:endParaRPr lang="de-DE" dirty="0"/>
           </a:p>
-        </p:txBody>
-      </p:sp>
-      <p:sp>
-        <p:nvSpPr>
-          <p:cNvPr id="5" name="Slide Number Placeholder 4">
-            <a:extLst>
-              <a:ext uri="{FF2B5EF4-FFF2-40B4-BE49-F238E27FC236}">
-                <a16:creationId xmlns:a16="http://schemas.microsoft.com/office/drawing/2014/main" id="{B791FAC1-B0DD-544E-A06F-5FBEDEA6ED51}"/>
-              </a:ext>
-            </a:extLst>
-          </p:cNvPr>
-          <p:cNvSpPr>
-            <a:spLocks noGrp="1"/>
-          </p:cNvSpPr>
-          <p:nvPr>
-            <p:ph type="sldNum" sz="quarter" idx="12"/>
-          </p:nvPr>
-        </p:nvSpPr>
-        <p:spPr/>
-        <p:txBody>
-          <a:bodyPr/>
-          <a:lstStyle/>
-          <a:p>
-            <a:fld id="{506DEF79-D5F3-42ED-9335-D73AD216BB54}" type="slidenum">
-              <a:rPr lang="de-DE" smtClean="0"/>
-              <a:pPr/>
-              <a:t>6</a:t>
-            </a:fld>
-            <a:r>
-              <a:rPr lang="de-DE"/>
-              <a:t> von 16</a:t>
+          <a:p>
+            <a:r>
+              <a:rPr lang="de-DE" dirty="0"/>
+              <a:t>Angepasst</a:t>
+            </a:r>
+          </a:p>
+          <a:p>
+            <a:r>
+              <a:rPr lang="de-DE" dirty="0"/>
+              <a:t>Kleines Projekt</a:t>
+            </a:r>
+          </a:p>
+          <a:p>
+            <a:r>
+              <a:rPr lang="de-DE" dirty="0"/>
+              <a:t>	Kein Release Plan</a:t>
+            </a:r>
+          </a:p>
+          <a:p>
+            <a:r>
+              <a:rPr lang="de-DE" dirty="0"/>
+              <a:t>	Weniger </a:t>
+            </a:r>
+            <a:r>
+              <a:rPr lang="de-DE" dirty="0" err="1"/>
+              <a:t>Acceptance</a:t>
+            </a:r>
+            <a:r>
+              <a:rPr lang="de-DE" dirty="0"/>
+              <a:t> Tests</a:t>
+            </a:r>
+          </a:p>
+          <a:p>
+            <a:r>
+              <a:rPr lang="de-DE" dirty="0"/>
+              <a:t>	Keine Stand-</a:t>
+            </a:r>
+            <a:r>
+              <a:rPr lang="de-DE" dirty="0" err="1"/>
+              <a:t>Ups</a:t>
+            </a:r>
+            <a:endParaRPr lang="de-DE" dirty="0"/>
+          </a:p>
+          <a:p>
+            <a:r>
+              <a:rPr lang="de-DE" dirty="0"/>
+              <a:t>	Kein Pair </a:t>
+            </a:r>
+            <a:r>
+              <a:rPr lang="de-DE" dirty="0" err="1"/>
+              <a:t>Programming</a:t>
+            </a:r>
+            <a:endParaRPr lang="de-DE" dirty="0"/>
+          </a:p>
+          <a:p>
+            <a:endParaRPr lang="de-DE" dirty="0"/>
+          </a:p>
+          <a:p>
+            <a:r>
+              <a:rPr lang="de-DE" dirty="0"/>
+              <a:t>DARAUF KOMME ICH IM FAZIT ZURUECK</a:t>
             </a:r>
           </a:p>
         </p:txBody>
@@ -8862,13 +10602,174 @@
     </p:spTree>
     <p:extLst>
       <p:ext uri="{BB962C8B-B14F-4D97-AF65-F5344CB8AC3E}">
-        <p14:creationId xmlns:p14="http://schemas.microsoft.com/office/powerpoint/2010/main" val="1632948161"/>
+        <p14:creationId xmlns:p14="http://schemas.microsoft.com/office/powerpoint/2010/main" val="968830662"/>
       </p:ext>
     </p:extLst>
   </p:cSld>
   <p:clrMapOvr>
     <a:masterClrMapping/>
   </p:clrMapOvr>
+  <p:timing>
+    <p:tnLst>
+      <p:par>
+        <p:cTn id="1" dur="indefinite" restart="never" nodeType="tmRoot">
+          <p:childTnLst>
+            <p:seq concurrent="1" nextAc="seek">
+              <p:cTn id="2" dur="indefinite" nodeType="mainSeq">
+                <p:childTnLst>
+                  <p:par>
+                    <p:cTn id="3" fill="hold">
+                      <p:stCondLst>
+                        <p:cond delay="indefinite"/>
+                      </p:stCondLst>
+                      <p:childTnLst>
+                        <p:par>
+                          <p:cTn id="4" fill="hold">
+                            <p:stCondLst>
+                              <p:cond delay="0"/>
+                            </p:stCondLst>
+                            <p:childTnLst>
+                              <p:par>
+                                <p:cTn id="5" presetID="42" presetClass="path" presetSubtype="0" accel="50000" decel="50000" fill="hold" grpId="0" nodeType="clickEffect">
+                                  <p:stCondLst>
+                                    <p:cond delay="0"/>
+                                  </p:stCondLst>
+                                  <p:childTnLst>
+                                    <p:animMotion origin="layout" path="M 0 -4.44444E-6 L -0.27083 -0.00023 " pathEditMode="relative" rAng="0" ptsTypes="AA">
+                                      <p:cBhvr>
+                                        <p:cTn id="6" dur="2000" fill="hold"/>
+                                        <p:tgtEl>
+                                          <p:spTgt spid="13"/>
+                                        </p:tgtEl>
+                                        <p:attrNameLst>
+                                          <p:attrName>ppt_x</p:attrName>
+                                          <p:attrName>ppt_y</p:attrName>
+                                        </p:attrNameLst>
+                                      </p:cBhvr>
+                                      <p:rCtr x="-13542" y="-23"/>
+                                    </p:animMotion>
+                                  </p:childTnLst>
+                                </p:cTn>
+                              </p:par>
+                              <p:par>
+                                <p:cTn id="7" presetID="21" presetClass="entr" presetSubtype="1" fill="hold" nodeType="withEffect">
+                                  <p:stCondLst>
+                                    <p:cond delay="500"/>
+                                  </p:stCondLst>
+                                  <p:childTnLst>
+                                    <p:set>
+                                      <p:cBhvr>
+                                        <p:cTn id="8" dur="1" fill="hold">
+                                          <p:stCondLst>
+                                            <p:cond delay="0"/>
+                                          </p:stCondLst>
+                                        </p:cTn>
+                                        <p:tgtEl>
+                                          <p:spTgt spid="7"/>
+                                        </p:tgtEl>
+                                        <p:attrNameLst>
+                                          <p:attrName>style.visibility</p:attrName>
+                                        </p:attrNameLst>
+                                      </p:cBhvr>
+                                      <p:to>
+                                        <p:strVal val="visible"/>
+                                      </p:to>
+                                    </p:set>
+                                    <p:animEffect transition="in" filter="wheel(1)">
+                                      <p:cBhvr>
+                                        <p:cTn id="9" dur="3000"/>
+                                        <p:tgtEl>
+                                          <p:spTgt spid="7"/>
+                                        </p:tgtEl>
+                                      </p:cBhvr>
+                                    </p:animEffect>
+                                  </p:childTnLst>
+                                </p:cTn>
+                              </p:par>
+                            </p:childTnLst>
+                          </p:cTn>
+                        </p:par>
+                      </p:childTnLst>
+                    </p:cTn>
+                  </p:par>
+                  <p:par>
+                    <p:cTn id="10" fill="hold">
+                      <p:stCondLst>
+                        <p:cond delay="indefinite"/>
+                      </p:stCondLst>
+                      <p:childTnLst>
+                        <p:par>
+                          <p:cTn id="11" fill="hold">
+                            <p:stCondLst>
+                              <p:cond delay="0"/>
+                            </p:stCondLst>
+                            <p:childTnLst>
+                              <p:par>
+                                <p:cTn id="12" presetID="22" presetClass="exit" presetSubtype="8" fill="hold" nodeType="clickEffect">
+                                  <p:stCondLst>
+                                    <p:cond delay="0"/>
+                                  </p:stCondLst>
+                                  <p:childTnLst>
+                                    <p:animEffect transition="out" filter="wipe(left)">
+                                      <p:cBhvr>
+                                        <p:cTn id="13" dur="500"/>
+                                        <p:tgtEl>
+                                          <p:spTgt spid="7"/>
+                                        </p:tgtEl>
+                                      </p:cBhvr>
+                                    </p:animEffect>
+                                    <p:set>
+                                      <p:cBhvr>
+                                        <p:cTn id="14" dur="1" fill="hold">
+                                          <p:stCondLst>
+                                            <p:cond delay="499"/>
+                                          </p:stCondLst>
+                                        </p:cTn>
+                                        <p:tgtEl>
+                                          <p:spTgt spid="7"/>
+                                        </p:tgtEl>
+                                        <p:attrNameLst>
+                                          <p:attrName>style.visibility</p:attrName>
+                                        </p:attrNameLst>
+                                      </p:cBhvr>
+                                      <p:to>
+                                        <p:strVal val="hidden"/>
+                                      </p:to>
+                                    </p:set>
+                                  </p:childTnLst>
+                                </p:cTn>
+                              </p:par>
+                            </p:childTnLst>
+                          </p:cTn>
+                        </p:par>
+                      </p:childTnLst>
+                    </p:cTn>
+                  </p:par>
+                </p:childTnLst>
+              </p:cTn>
+              <p:prevCondLst>
+                <p:cond evt="onPrev" delay="0">
+                  <p:tgtEl>
+                    <p:sldTgt/>
+                  </p:tgtEl>
+                </p:cond>
+              </p:prevCondLst>
+              <p:nextCondLst>
+                <p:cond evt="onNext" delay="0">
+                  <p:tgtEl>
+                    <p:sldTgt/>
+                  </p:tgtEl>
+                </p:cond>
+              </p:nextCondLst>
+            </p:seq>
+          </p:childTnLst>
+        </p:cTn>
+      </p:par>
+    </p:tnLst>
+    <p:bldLst>
+      <p:bldP spid="13" grpId="0"/>
+    </p:bldLst>
+  </p:timing>
 </p:sld>
 </file>
 
@@ -8894,7 +10795,7 @@
           <p:cNvPr id="2" name="Title 1">
             <a:extLst>
               <a:ext uri="{FF2B5EF4-FFF2-40B4-BE49-F238E27FC236}">
-                <a16:creationId xmlns:a16="http://schemas.microsoft.com/office/drawing/2014/main" id="{8D9281C1-921D-B14D-B84A-D158A6357E08}"/>
+                <a16:creationId xmlns:a16="http://schemas.microsoft.com/office/drawing/2014/main" id="{F0883A90-50BC-774E-8D66-9C514EB617CE}"/>
               </a:ext>
             </a:extLst>
           </p:cNvPr>
@@ -8910,10 +10811,206 @@
           <a:bodyPr/>
           <a:lstStyle/>
           <a:p>
-            <a:r>
-              <a:rPr lang="de-DE" dirty="0"/>
-              <a:t>Planung</a:t>
-            </a:r>
+            <a:endParaRPr lang="de-DE"/>
+          </a:p>
+        </p:txBody>
+      </p:sp>
+      <p:sp>
+        <p:nvSpPr>
+          <p:cNvPr id="3" name="Content Placeholder 2">
+            <a:extLst>
+              <a:ext uri="{FF2B5EF4-FFF2-40B4-BE49-F238E27FC236}">
+                <a16:creationId xmlns:a16="http://schemas.microsoft.com/office/drawing/2014/main" id="{531B410E-3B45-FC45-BA36-BDE17B49E820}"/>
+              </a:ext>
+            </a:extLst>
+          </p:cNvPr>
+          <p:cNvSpPr>
+            <a:spLocks noGrp="1"/>
+          </p:cNvSpPr>
+          <p:nvPr>
+            <p:ph idx="1"/>
+          </p:nvPr>
+        </p:nvSpPr>
+        <p:spPr/>
+        <p:txBody>
+          <a:bodyPr>
+            <a:normAutofit fontScale="55000" lnSpcReduction="20000"/>
+          </a:bodyPr>
+          <a:lstStyle/>
+          <a:p>
+            <a:r>
+              <a:rPr lang="de-DE" dirty="0"/>
+              <a:t>Um Personal planen und </a:t>
+            </a:r>
+            <a:r>
+              <a:rPr lang="de-DE" dirty="0" err="1"/>
+              <a:t>führen</a:t>
+            </a:r>
+            <a:r>
+              <a:rPr lang="de-DE" dirty="0"/>
+              <a:t> zu </a:t>
+            </a:r>
+            <a:r>
+              <a:rPr lang="de-DE" dirty="0" err="1"/>
+              <a:t>können</a:t>
+            </a:r>
+            <a:r>
+              <a:rPr lang="de-DE" dirty="0"/>
+              <a:t>, ist es notwendig, die reale Auslastung und den </a:t>
+            </a:r>
+            <a:r>
+              <a:rPr lang="de-DE" dirty="0" err="1"/>
+              <a:t>tatsächliche</a:t>
+            </a:r>
+            <a:r>
+              <a:rPr lang="de-DE" dirty="0"/>
+              <a:t> Ressourcenverbrauch in jedem Projekt zu kennen. Eine </a:t>
+            </a:r>
+            <a:r>
+              <a:rPr lang="de-DE" dirty="0" err="1"/>
+              <a:t>Übersicht</a:t>
+            </a:r>
+            <a:r>
+              <a:rPr lang="de-DE" dirty="0"/>
+              <a:t> </a:t>
+            </a:r>
+            <a:r>
+              <a:rPr lang="de-DE" dirty="0" err="1"/>
+              <a:t>darüber</a:t>
+            </a:r>
+            <a:r>
+              <a:rPr lang="de-DE" dirty="0"/>
+              <a:t> ist die entscheidende Grundlage </a:t>
+            </a:r>
+            <a:r>
+              <a:rPr lang="de-DE" dirty="0" err="1"/>
+              <a:t>für</a:t>
+            </a:r>
+            <a:r>
+              <a:rPr lang="de-DE" dirty="0"/>
+              <a:t> die weitere Ressourcenplanung der gesamten Abteilung. Ziel des Projektes ist es, dem Abteilungsleiter und auch den Teamleitern die </a:t>
+            </a:r>
+            <a:r>
+              <a:rPr lang="de-DE" dirty="0" err="1"/>
+              <a:t>Möglichkeit</a:t>
+            </a:r>
+            <a:r>
+              <a:rPr lang="de-DE" dirty="0"/>
+              <a:t> zu geben, einen Zeitraum aus den bestehenden </a:t>
+            </a:r>
+            <a:r>
+              <a:rPr lang="de-DE" dirty="0" err="1"/>
+              <a:t>Datensätzen</a:t>
+            </a:r>
+            <a:r>
+              <a:rPr lang="de-DE" dirty="0"/>
+              <a:t> </a:t>
+            </a:r>
+            <a:r>
+              <a:rPr lang="de-DE" dirty="0" err="1"/>
+              <a:t>auszuwählen</a:t>
+            </a:r>
+            <a:r>
+              <a:rPr lang="de-DE" dirty="0"/>
+              <a:t> und so Abweichungen von der Soll- Planung zu erkennen. </a:t>
+            </a:r>
+          </a:p>
+          <a:p>
+            <a:r>
+              <a:rPr lang="de-DE" dirty="0"/>
+              <a:t>Im Detail soll im QES </a:t>
+            </a:r>
+            <a:r>
+              <a:rPr lang="de-DE" dirty="0" err="1"/>
+              <a:t>für</a:t>
+            </a:r>
+            <a:r>
+              <a:rPr lang="de-DE" dirty="0"/>
+              <a:t> die Teamleiter und den Abteilungsleiter ein neuer </a:t>
+            </a:r>
+            <a:r>
+              <a:rPr lang="de-DE" dirty="0" err="1"/>
+              <a:t>Menüpunkt</a:t>
+            </a:r>
+            <a:r>
+              <a:rPr lang="de-DE" dirty="0"/>
+              <a:t> </a:t>
+            </a:r>
+            <a:r>
+              <a:rPr lang="de-DE" dirty="0" err="1"/>
+              <a:t>ergänzt</a:t>
+            </a:r>
+            <a:r>
+              <a:rPr lang="de-DE" dirty="0"/>
+              <a:t> werden. Der </a:t>
+            </a:r>
+            <a:r>
+              <a:rPr lang="de-DE" dirty="0" err="1"/>
+              <a:t>Menüpunkt</a:t>
+            </a:r>
+            <a:r>
+              <a:rPr lang="de-DE" dirty="0"/>
+              <a:t> Export soll auf eine Seite </a:t>
+            </a:r>
+            <a:r>
+              <a:rPr lang="de-DE" dirty="0" err="1"/>
+              <a:t>führen</a:t>
+            </a:r>
+            <a:r>
+              <a:rPr lang="de-DE" dirty="0"/>
+              <a:t>, auf der der Export definiert und angefordert wird. Der Ablauf ist wie folgt geplant: Der Abteilungsleiter oder die Teamleiter </a:t>
+            </a:r>
+            <a:r>
+              <a:rPr lang="de-DE" dirty="0" err="1"/>
+              <a:t>wählen</a:t>
+            </a:r>
+            <a:r>
+              <a:rPr lang="de-DE" dirty="0"/>
+              <a:t> einen Zeitraum, anhand dieser Auswahl wird eine Datei erstellt. Dabei erhalten Teamleiter und Abteilungsleiter </a:t>
+            </a:r>
+            <a:r>
+              <a:rPr lang="de-DE" dirty="0" err="1"/>
+              <a:t>gemäß</a:t>
+            </a:r>
+            <a:r>
+              <a:rPr lang="de-DE" dirty="0"/>
+              <a:t> ihrer Rolle unterschiedliche Ergebnisse. Die Ergebnis-Dateien stellen den Ressourcenverbrauch pro Mitarbeiter und Projekt dar. Je Mitarbeiter wird je Projekt eine eigene Zeile mit dem Soll- und dem Ist-Wert angelegt. Autorisierte Nutzer </a:t>
+            </a:r>
+            <a:r>
+              <a:rPr lang="de-DE" dirty="0" err="1"/>
+              <a:t>können</a:t>
+            </a:r>
+            <a:r>
+              <a:rPr lang="de-DE" dirty="0"/>
+              <a:t> dann auf die Export- Dateien </a:t>
+            </a:r>
+            <a:r>
+              <a:rPr lang="de-DE" dirty="0" err="1"/>
+              <a:t>für</a:t>
+            </a:r>
+            <a:r>
+              <a:rPr lang="de-DE" dirty="0"/>
+              <a:t> eine bestimmte, vorab festgelegte Zeit zugreifen. Verarbeitung, Konvertierung und Export der Daten auf dem Server </a:t>
+            </a:r>
+            <a:r>
+              <a:rPr lang="de-DE" dirty="0" err="1"/>
+              <a:t>müssen</a:t>
+            </a:r>
+            <a:r>
+              <a:rPr lang="de-DE" dirty="0"/>
+              <a:t> konzipiert, implementiert und getestet werden. Leitbild </a:t>
+            </a:r>
+            <a:r>
+              <a:rPr lang="de-DE" dirty="0" err="1"/>
+              <a:t>für</a:t>
+            </a:r>
+            <a:r>
+              <a:rPr lang="de-DE" dirty="0"/>
+              <a:t> Entwurf und Umsetzung ist das Model View Controller Konzept. </a:t>
+            </a:r>
+          </a:p>
+          <a:p>
+            <a:endParaRPr lang="de-DE" dirty="0"/>
           </a:p>
         </p:txBody>
       </p:sp>
@@ -8922,7 +11019,7 @@
           <p:cNvPr id="4" name="Footer Placeholder 3">
             <a:extLst>
               <a:ext uri="{FF2B5EF4-FFF2-40B4-BE49-F238E27FC236}">
-                <a16:creationId xmlns:a16="http://schemas.microsoft.com/office/drawing/2014/main" id="{AC5AAC84-01D1-C749-A7CC-88E3F39B3F29}"/>
+                <a16:creationId xmlns:a16="http://schemas.microsoft.com/office/drawing/2014/main" id="{A4B691B9-B5C6-4B42-AAA8-5653D87A45EB}"/>
               </a:ext>
             </a:extLst>
           </p:cNvPr>
@@ -8939,12 +11036,8 @@
           <a:lstStyle/>
           <a:p>
             <a:r>
-              <a:rPr lang="de-DE" dirty="0"/>
-              <a:t>Extreme </a:t>
-            </a:r>
-            <a:r>
-              <a:rPr lang="de-DE" dirty="0" err="1"/>
-              <a:t>Programming</a:t>
+              <a:rPr lang="de-DE"/>
+              <a:t>Extreme Programming</a:t>
             </a:r>
             <a:endParaRPr lang="de-DE" dirty="0"/>
           </a:p>
@@ -8955,7 +11048,7 @@
           <p:cNvPr id="5" name="Slide Number Placeholder 4">
             <a:extLst>
               <a:ext uri="{FF2B5EF4-FFF2-40B4-BE49-F238E27FC236}">
-                <a16:creationId xmlns:a16="http://schemas.microsoft.com/office/drawing/2014/main" id="{47C43499-6914-8D4B-AD69-A5BF8B4A18EB}"/>
+                <a16:creationId xmlns:a16="http://schemas.microsoft.com/office/drawing/2014/main" id="{B791FAC1-B0DD-544E-A06F-5FBEDEA6ED51}"/>
               </a:ext>
             </a:extLst>
           </p:cNvPr>
@@ -8983,40 +11076,10 @@
           </a:p>
         </p:txBody>
       </p:sp>
-      <p:graphicFrame>
-        <p:nvGraphicFramePr>
-          <p:cNvPr id="148" name="Chart 147">
-            <a:extLst>
-              <a:ext uri="{FF2B5EF4-FFF2-40B4-BE49-F238E27FC236}">
-                <a16:creationId xmlns:a16="http://schemas.microsoft.com/office/drawing/2014/main" id="{6B9F1F13-8DB6-A145-8A91-F6D78C5405FB}"/>
-              </a:ext>
-            </a:extLst>
-          </p:cNvPr>
-          <p:cNvGraphicFramePr>
-            <a:graphicFrameLocks/>
-          </p:cNvGraphicFramePr>
-          <p:nvPr>
-            <p:extLst>
-              <p:ext uri="{D42A27DB-BD31-4B8C-83A1-F6EECF244321}">
-                <p14:modId xmlns:p14="http://schemas.microsoft.com/office/powerpoint/2010/main" val="1949214060"/>
-              </p:ext>
-            </p:extLst>
-          </p:nvPr>
-        </p:nvGraphicFramePr>
-        <p:xfrm>
-          <a:off x="-50469" y="1268760"/>
-          <a:ext cx="9180512" cy="4756406"/>
-        </p:xfrm>
-        <a:graphic>
-          <a:graphicData uri="http://schemas.openxmlformats.org/drawingml/2006/chart">
-            <c:chart xmlns:c="http://schemas.openxmlformats.org/drawingml/2006/chart" xmlns:r="http://schemas.openxmlformats.org/officeDocument/2006/relationships" r:id="rId3"/>
-          </a:graphicData>
-        </a:graphic>
-      </p:graphicFrame>
     </p:spTree>
     <p:extLst>
       <p:ext uri="{BB962C8B-B14F-4D97-AF65-F5344CB8AC3E}">
-        <p14:creationId xmlns:p14="http://schemas.microsoft.com/office/powerpoint/2010/main" val="861694670"/>
+        <p14:creationId xmlns:p14="http://schemas.microsoft.com/office/powerpoint/2010/main" val="1632948161"/>
       </p:ext>
     </p:extLst>
   </p:cSld>
@@ -9959,7 +12022,7 @@
           <a:lstStyle/>
           <a:p>
             <a:r>
-              <a:rPr lang="de-DE"/>
+              <a:rPr lang="de-DE" dirty="0"/>
               <a:t>AMORTISATIONSBERECHNUNG?</a:t>
             </a:r>
           </a:p>
@@ -9995,58 +12058,14 @@
           <a:chExt cx="0" cy="0"/>
         </a:xfrm>
       </p:grpSpPr>
-      <p:pic>
-        <p:nvPicPr>
-          <p:cNvPr id="7" name="Content Placeholder 6">
-            <a:extLst>
-              <a:ext uri="{FF2B5EF4-FFF2-40B4-BE49-F238E27FC236}">
-                <a16:creationId xmlns:a16="http://schemas.microsoft.com/office/drawing/2014/main" id="{5386870C-8A52-D54C-A6F0-161A4F4EEEF6}"/>
-              </a:ext>
-            </a:extLst>
-          </p:cNvPr>
-          <p:cNvPicPr>
-            <a:picLocks noGrp="1" noChangeAspect="1"/>
-          </p:cNvPicPr>
-          <p:nvPr>
-            <p:ph idx="1"/>
-          </p:nvPr>
-        </p:nvPicPr>
-        <p:blipFill>
-          <a:blip r:embed="rId3">
-            <a:extLst>
-              <a:ext uri="{28A0092B-C50C-407E-A947-70E740481C1C}">
-                <a14:useLocalDpi xmlns:a14="http://schemas.microsoft.com/office/drawing/2010/main" val="0"/>
-              </a:ext>
-              <a:ext uri="{96DAC541-7B7A-43D3-8B79-37D633B846F1}">
-                <asvg:svgBlip xmlns:asvg="http://schemas.microsoft.com/office/drawing/2016/SVG/main" r:embed="rId4"/>
-              </a:ext>
-            </a:extLst>
-          </a:blip>
-          <a:stretch>
-            <a:fillRect/>
-          </a:stretch>
-        </p:blipFill>
-        <p:spPr>
-          <a:xfrm>
-            <a:off x="1259632" y="27543"/>
-            <a:ext cx="7323590" cy="6711072"/>
-          </a:xfrm>
-        </p:spPr>
-      </p:pic>
       <p:sp>
         <p:nvSpPr>
-          <p:cNvPr id="4" name="Footer Placeholder 3">
-            <a:extLst>
-              <a:ext uri="{FF2B5EF4-FFF2-40B4-BE49-F238E27FC236}">
-                <a16:creationId xmlns:a16="http://schemas.microsoft.com/office/drawing/2014/main" id="{0B3A49D0-57B4-E54D-9B31-98018A822494}"/>
-              </a:ext>
-            </a:extLst>
-          </p:cNvPr>
+          <p:cNvPr id="2" name="Titel 1"/>
           <p:cNvSpPr>
             <a:spLocks noGrp="1"/>
           </p:cNvSpPr>
           <p:nvPr>
-            <p:ph type="ftr" sz="quarter" idx="11"/>
+            <p:ph type="title"/>
           </p:nvPr>
         </p:nvSpPr>
         <p:spPr/>
@@ -10056,20 +12075,14 @@
           <a:p>
             <a:r>
               <a:rPr lang="de-DE" dirty="0"/>
-              <a:t>Extreme Programming</a:t>
+              <a:t>Durchführung</a:t>
             </a:r>
           </a:p>
         </p:txBody>
       </p:sp>
       <p:sp>
         <p:nvSpPr>
-          <p:cNvPr id="5" name="Slide Number Placeholder 4">
-            <a:extLst>
-              <a:ext uri="{FF2B5EF4-FFF2-40B4-BE49-F238E27FC236}">
-                <a16:creationId xmlns:a16="http://schemas.microsoft.com/office/drawing/2014/main" id="{83C8F89F-2601-D340-B0BC-04E66440B534}"/>
-              </a:ext>
-            </a:extLst>
-          </p:cNvPr>
+          <p:cNvPr id="4" name="Foliennummernplatzhalter 3"/>
           <p:cNvSpPr>
             <a:spLocks noGrp="1"/>
           </p:cNvSpPr>
@@ -10082,337 +12095,795 @@
           <a:bodyPr/>
           <a:lstStyle/>
           <a:p>
-            <a:fld id="{506DEF79-D5F3-42ED-9335-D73AD216BB54}" type="slidenum">
+            <a:fld id="{AC76F9B2-121F-446C-A37F-B7F54BF3DCAC}" type="slidenum">
               <a:rPr lang="de-DE" smtClean="0"/>
               <a:t>9</a:t>
             </a:fld>
-            <a:r>
-              <a:rPr lang="de-DE" dirty="0"/>
-              <a:t> von 16</a:t>
-            </a:r>
+            <a:endParaRPr lang="de-DE"/>
           </a:p>
         </p:txBody>
       </p:sp>
-      <p:sp>
-        <p:nvSpPr>
-          <p:cNvPr id="13" name="Title 12">
-            <a:extLst>
-              <a:ext uri="{FF2B5EF4-FFF2-40B4-BE49-F238E27FC236}">
-                <a16:creationId xmlns:a16="http://schemas.microsoft.com/office/drawing/2014/main" id="{2B451879-CAD2-2B40-8EDB-038DA8F33980}"/>
-              </a:ext>
-            </a:extLst>
-          </p:cNvPr>
-          <p:cNvSpPr>
-            <a:spLocks noGrp="1"/>
-          </p:cNvSpPr>
-          <p:nvPr>
-            <p:ph type="title"/>
-          </p:nvPr>
-        </p:nvSpPr>
-        <p:spPr/>
-        <p:txBody>
-          <a:bodyPr/>
-          <a:lstStyle/>
-          <a:p>
-            <a:r>
-              <a:rPr lang="de-DE" dirty="0"/>
-              <a:t>Phasen</a:t>
-            </a:r>
-          </a:p>
-        </p:txBody>
-      </p:sp>
-      <p:sp>
-        <p:nvSpPr>
-          <p:cNvPr id="14" name="Rectangle 13">
-            <a:extLst>
-              <a:ext uri="{FF2B5EF4-FFF2-40B4-BE49-F238E27FC236}">
-                <a16:creationId xmlns:a16="http://schemas.microsoft.com/office/drawing/2014/main" id="{D581231B-B881-DF43-9651-34A5CEB83F55}"/>
-              </a:ext>
-            </a:extLst>
-          </p:cNvPr>
-          <p:cNvSpPr/>
+      <p:cxnSp>
+        <p:nvCxnSpPr>
+          <p:cNvPr id="6" name="Gerade Verbindung mit Pfeil 5"/>
+          <p:cNvCxnSpPr>
+            <a:cxnSpLocks/>
+            <a:stCxn id="29" idx="0"/>
+            <a:endCxn id="17" idx="2"/>
+          </p:cNvCxnSpPr>
           <p:nvPr/>
-        </p:nvSpPr>
+        </p:nvCxnSpPr>
         <p:spPr>
-          <a:xfrm>
-            <a:off x="2509159" y="260648"/>
-            <a:ext cx="4824536" cy="647402"/>
+          <a:xfrm flipV="1">
+            <a:off x="7224886" y="3136703"/>
+            <a:ext cx="9672" cy="1010473"/>
           </a:xfrm>
-          <a:prstGeom prst="rect">
+          <a:prstGeom prst="straightConnector1">
             <a:avLst/>
           </a:prstGeom>
-          <a:ln>
-            <a:noFill/>
+          <a:ln w="38100">
+            <a:solidFill>
+              <a:schemeClr val="tx1"/>
+            </a:solidFill>
+            <a:headEnd type="arrow"/>
+            <a:tailEnd type="arrow"/>
           </a:ln>
         </p:spPr>
         <p:style>
-          <a:lnRef idx="2">
-            <a:schemeClr val="accent6"/>
+          <a:lnRef idx="1">
+            <a:schemeClr val="dk1"/>
           </a:lnRef>
-          <a:fillRef idx="1">
-            <a:schemeClr val="lt1"/>
+          <a:fillRef idx="0">
+            <a:schemeClr val="dk1"/>
           </a:fillRef>
           <a:effectRef idx="0">
-            <a:schemeClr val="accent6"/>
+            <a:schemeClr val="dk1"/>
           </a:effectRef>
           <a:fontRef idx="minor">
-            <a:schemeClr val="dk1"/>
+            <a:schemeClr val="tx1"/>
           </a:fontRef>
         </p:style>
-        <p:txBody>
-          <a:bodyPr rtlCol="0" anchor="ctr"/>
-          <a:lstStyle/>
-          <a:p>
-            <a:pPr algn="ctr"/>
-            <a:endParaRPr lang="de-DE" dirty="0"/>
-          </a:p>
-        </p:txBody>
-      </p:sp>
-      <p:pic>
-        <p:nvPicPr>
-          <p:cNvPr id="30" name="Graphic 29">
-            <a:extLst>
-              <a:ext uri="{FF2B5EF4-FFF2-40B4-BE49-F238E27FC236}">
-                <a16:creationId xmlns:a16="http://schemas.microsoft.com/office/drawing/2014/main" id="{1F6AF902-A093-A448-80A7-4F0B9043F5AE}"/>
-              </a:ext>
-            </a:extLst>
-          </p:cNvPr>
-          <p:cNvPicPr>
-            <a:picLocks noChangeAspect="1"/>
-          </p:cNvPicPr>
+      </p:cxnSp>
+      <p:cxnSp>
+        <p:nvCxnSpPr>
+          <p:cNvPr id="13" name="Gerade Verbindung mit Pfeil 12"/>
+          <p:cNvCxnSpPr>
+            <a:cxnSpLocks/>
+            <a:stCxn id="5" idx="3"/>
+            <a:endCxn id="27" idx="1"/>
+          </p:cNvCxnSpPr>
           <p:nvPr/>
-        </p:nvPicPr>
-        <p:blipFill>
-          <a:blip r:embed="rId5">
-            <a:extLst>
-              <a:ext uri="{28A0092B-C50C-407E-A947-70E740481C1C}">
-                <a14:useLocalDpi xmlns:a14="http://schemas.microsoft.com/office/drawing/2010/main" val="0"/>
-              </a:ext>
-              <a:ext uri="{96DAC541-7B7A-43D3-8B79-37D633B846F1}">
-                <asvg:svgBlip xmlns:asvg="http://schemas.microsoft.com/office/drawing/2016/SVG/main" r:embed="rId6"/>
-              </a:ext>
-            </a:extLst>
-          </a:blip>
-          <a:stretch>
-            <a:fillRect/>
-          </a:stretch>
-        </p:blipFill>
+        </p:nvCxnSpPr>
+        <p:spPr>
+          <a:xfrm flipV="1">
+            <a:off x="4938768" y="2320451"/>
+            <a:ext cx="1553936" cy="14817"/>
+          </a:xfrm>
+          <a:prstGeom prst="straightConnector1">
+            <a:avLst/>
+          </a:prstGeom>
+          <a:ln w="38100">
+            <a:solidFill>
+              <a:schemeClr val="tx1"/>
+            </a:solidFill>
+            <a:headEnd type="arrow"/>
+            <a:tailEnd type="arrow"/>
+          </a:ln>
+        </p:spPr>
+        <p:style>
+          <a:lnRef idx="1">
+            <a:schemeClr val="dk1"/>
+          </a:lnRef>
+          <a:fillRef idx="0">
+            <a:schemeClr val="dk1"/>
+          </a:fillRef>
+          <a:effectRef idx="0">
+            <a:schemeClr val="dk1"/>
+          </a:effectRef>
+          <a:fontRef idx="minor">
+            <a:schemeClr val="tx1"/>
+          </a:fontRef>
+        </p:style>
+      </p:cxnSp>
+      <p:cxnSp>
+        <p:nvCxnSpPr>
+          <p:cNvPr id="14" name="Gerade Verbindung mit Pfeil 13"/>
+          <p:cNvCxnSpPr>
+            <a:cxnSpLocks/>
+            <a:stCxn id="12" idx="3"/>
+            <a:endCxn id="5" idx="1"/>
+          </p:cNvCxnSpPr>
+          <p:nvPr/>
+        </p:nvCxnSpPr>
         <p:spPr>
           <a:xfrm>
-            <a:off x="1259632" y="27543"/>
-            <a:ext cx="8042633" cy="6711072"/>
+            <a:off x="1916746" y="2311332"/>
+            <a:ext cx="1581219" cy="23936"/>
           </a:xfrm>
-          <a:prstGeom prst="rect">
+          <a:prstGeom prst="straightConnector1">
             <a:avLst/>
           </a:prstGeom>
+          <a:ln w="38100">
+            <a:solidFill>
+              <a:schemeClr val="tx1"/>
+            </a:solidFill>
+            <a:headEnd type="arrow"/>
+            <a:tailEnd type="arrow"/>
+          </a:ln>
         </p:spPr>
-      </p:pic>
+        <p:style>
+          <a:lnRef idx="1">
+            <a:schemeClr val="dk1"/>
+          </a:lnRef>
+          <a:fillRef idx="0">
+            <a:schemeClr val="dk1"/>
+          </a:fillRef>
+          <a:effectRef idx="0">
+            <a:schemeClr val="dk1"/>
+          </a:effectRef>
+          <a:fontRef idx="minor">
+            <a:schemeClr val="tx1"/>
+          </a:fontRef>
+        </p:style>
+      </p:cxnSp>
+      <p:grpSp>
+        <p:nvGrpSpPr>
+          <p:cNvPr id="40" name="Group 39">
+            <a:extLst>
+              <a:ext uri="{FF2B5EF4-FFF2-40B4-BE49-F238E27FC236}">
+                <a16:creationId xmlns:a16="http://schemas.microsoft.com/office/drawing/2014/main" id="{4C3B3433-24DB-8C46-AEAF-055D75614C2D}"/>
+              </a:ext>
+            </a:extLst>
+          </p:cNvPr>
+          <p:cNvGrpSpPr/>
+          <p:nvPr/>
+        </p:nvGrpSpPr>
+        <p:grpSpPr>
+          <a:xfrm>
+            <a:off x="3497965" y="1614866"/>
+            <a:ext cx="1440803" cy="1564471"/>
+            <a:chOff x="3491558" y="1886467"/>
+            <a:chExt cx="1440803" cy="1564471"/>
+          </a:xfrm>
+        </p:grpSpPr>
+        <p:sp>
+          <p:nvSpPr>
+            <p:cNvPr id="11" name="Textfeld 10"/>
+            <p:cNvSpPr txBox="1"/>
+            <p:nvPr/>
+          </p:nvSpPr>
+          <p:spPr>
+            <a:xfrm>
+              <a:off x="3734233" y="3081606"/>
+              <a:ext cx="955454" cy="369332"/>
+            </a:xfrm>
+            <a:prstGeom prst="rect">
+              <a:avLst/>
+            </a:prstGeom>
+            <a:noFill/>
+          </p:spPr>
+          <p:txBody>
+            <a:bodyPr wrap="none" rtlCol="0">
+              <a:spAutoFit/>
+            </a:bodyPr>
+            <a:lstStyle/>
+            <a:p>
+              <a:r>
+                <a:rPr lang="de-DE" dirty="0"/>
+                <a:t>Browser</a:t>
+              </a:r>
+            </a:p>
+          </p:txBody>
+        </p:sp>
+        <p:pic>
+          <p:nvPicPr>
+            <p:cNvPr id="5" name="Graphic 4">
+              <a:extLst>
+                <a:ext uri="{FF2B5EF4-FFF2-40B4-BE49-F238E27FC236}">
+                  <a16:creationId xmlns:a16="http://schemas.microsoft.com/office/drawing/2014/main" id="{A715925D-668B-4D41-8FBA-53E2E17BDADB}"/>
+                </a:ext>
+              </a:extLst>
+            </p:cNvPr>
+            <p:cNvPicPr>
+              <a:picLocks noChangeAspect="1"/>
+            </p:cNvPicPr>
+            <p:nvPr/>
+          </p:nvPicPr>
+          <p:blipFill>
+            <a:blip r:embed="rId3">
+              <a:extLst>
+                <a:ext uri="{28A0092B-C50C-407E-A947-70E740481C1C}">
+                  <a14:useLocalDpi xmlns:a14="http://schemas.microsoft.com/office/drawing/2010/main" val="0"/>
+                </a:ext>
+                <a:ext uri="{96DAC541-7B7A-43D3-8B79-37D633B846F1}">
+                  <asvg:svgBlip xmlns:asvg="http://schemas.microsoft.com/office/drawing/2016/SVG/main" r:embed="rId4"/>
+                </a:ext>
+              </a:extLst>
+            </a:blip>
+            <a:stretch>
+              <a:fillRect/>
+            </a:stretch>
+          </p:blipFill>
+          <p:spPr>
+            <a:xfrm>
+              <a:off x="3491558" y="1886467"/>
+              <a:ext cx="1440803" cy="1440803"/>
+            </a:xfrm>
+            <a:prstGeom prst="rect">
+              <a:avLst/>
+            </a:prstGeom>
+          </p:spPr>
+        </p:pic>
+      </p:grpSp>
+      <p:cxnSp>
+        <p:nvCxnSpPr>
+          <p:cNvPr id="21" name="Gerade Verbindung mit Pfeil 12">
+            <a:extLst>
+              <a:ext uri="{FF2B5EF4-FFF2-40B4-BE49-F238E27FC236}">
+                <a16:creationId xmlns:a16="http://schemas.microsoft.com/office/drawing/2014/main" id="{A9A9FDCD-CE15-6446-8723-6730AF2FDD59}"/>
+              </a:ext>
+            </a:extLst>
+          </p:cNvPr>
+          <p:cNvCxnSpPr>
+            <a:cxnSpLocks/>
+            <a:stCxn id="25" idx="3"/>
+            <a:endCxn id="29" idx="1"/>
+          </p:cNvCxnSpPr>
+          <p:nvPr/>
+        </p:nvCxnSpPr>
+        <p:spPr>
+          <a:xfrm flipV="1">
+            <a:off x="4895354" y="4745792"/>
+            <a:ext cx="1730916" cy="17796"/>
+          </a:xfrm>
+          <a:prstGeom prst="straightConnector1">
+            <a:avLst/>
+          </a:prstGeom>
+          <a:ln w="38100">
+            <a:solidFill>
+              <a:schemeClr val="tx1"/>
+            </a:solidFill>
+            <a:headEnd type="arrow"/>
+            <a:tailEnd type="arrow"/>
+          </a:ln>
+        </p:spPr>
+        <p:style>
+          <a:lnRef idx="1">
+            <a:schemeClr val="dk1"/>
+          </a:lnRef>
+          <a:fillRef idx="0">
+            <a:schemeClr val="dk1"/>
+          </a:fillRef>
+          <a:effectRef idx="0">
+            <a:schemeClr val="dk1"/>
+          </a:effectRef>
+          <a:fontRef idx="minor">
+            <a:schemeClr val="tx1"/>
+          </a:fontRef>
+        </p:style>
+      </p:cxnSp>
+      <p:cxnSp>
+        <p:nvCxnSpPr>
+          <p:cNvPr id="23" name="Gerade Verbindung mit Pfeil 12">
+            <a:extLst>
+              <a:ext uri="{FF2B5EF4-FFF2-40B4-BE49-F238E27FC236}">
+                <a16:creationId xmlns:a16="http://schemas.microsoft.com/office/drawing/2014/main" id="{66448FA6-7AE0-DE4C-A657-5CD98EB06E4D}"/>
+              </a:ext>
+            </a:extLst>
+          </p:cNvPr>
+          <p:cNvCxnSpPr>
+            <a:cxnSpLocks/>
+            <a:stCxn id="19" idx="3"/>
+            <a:endCxn id="25" idx="1"/>
+          </p:cNvCxnSpPr>
+          <p:nvPr/>
+        </p:nvCxnSpPr>
+        <p:spPr>
+          <a:xfrm flipV="1">
+            <a:off x="1937284" y="4763588"/>
+            <a:ext cx="1701260" cy="1"/>
+          </a:xfrm>
+          <a:prstGeom prst="straightConnector1">
+            <a:avLst/>
+          </a:prstGeom>
+          <a:ln w="38100">
+            <a:solidFill>
+              <a:schemeClr val="tx1"/>
+            </a:solidFill>
+            <a:headEnd type="arrow"/>
+            <a:tailEnd type="arrow"/>
+          </a:ln>
+        </p:spPr>
+        <p:style>
+          <a:lnRef idx="1">
+            <a:schemeClr val="dk1"/>
+          </a:lnRef>
+          <a:fillRef idx="0">
+            <a:schemeClr val="dk1"/>
+          </a:fillRef>
+          <a:effectRef idx="0">
+            <a:schemeClr val="dk1"/>
+          </a:effectRef>
+          <a:fontRef idx="minor">
+            <a:schemeClr val="tx1"/>
+          </a:fontRef>
+        </p:style>
+      </p:cxnSp>
+      <p:grpSp>
+        <p:nvGrpSpPr>
+          <p:cNvPr id="52" name="Group 51">
+            <a:extLst>
+              <a:ext uri="{FF2B5EF4-FFF2-40B4-BE49-F238E27FC236}">
+                <a16:creationId xmlns:a16="http://schemas.microsoft.com/office/drawing/2014/main" id="{7AB13358-1417-BB4A-86A4-17A08ACF4E3B}"/>
+              </a:ext>
+            </a:extLst>
+          </p:cNvPr>
+          <p:cNvGrpSpPr/>
+          <p:nvPr/>
+        </p:nvGrpSpPr>
+        <p:grpSpPr>
+          <a:xfrm>
+            <a:off x="680473" y="4135183"/>
+            <a:ext cx="1256811" cy="1340533"/>
+            <a:chOff x="750235" y="3500947"/>
+            <a:chExt cx="1256811" cy="1340533"/>
+          </a:xfrm>
+        </p:grpSpPr>
+        <p:sp>
+          <p:nvSpPr>
+            <p:cNvPr id="24" name="Textfeld 10">
+              <a:extLst>
+                <a:ext uri="{FF2B5EF4-FFF2-40B4-BE49-F238E27FC236}">
+                  <a16:creationId xmlns:a16="http://schemas.microsoft.com/office/drawing/2014/main" id="{21B6944C-3A14-4940-B297-BF3CBE7FC2DF}"/>
+                </a:ext>
+              </a:extLst>
+            </p:cNvPr>
+            <p:cNvSpPr txBox="1"/>
+            <p:nvPr/>
+          </p:nvSpPr>
+          <p:spPr>
+            <a:xfrm>
+              <a:off x="781181" y="4472148"/>
+              <a:ext cx="1205971" cy="369332"/>
+            </a:xfrm>
+            <a:prstGeom prst="rect">
+              <a:avLst/>
+            </a:prstGeom>
+            <a:noFill/>
+          </p:spPr>
+          <p:txBody>
+            <a:bodyPr wrap="none" rtlCol="0">
+              <a:spAutoFit/>
+            </a:bodyPr>
+            <a:lstStyle/>
+            <a:p>
+              <a:r>
+                <a:rPr lang="de-DE" dirty="0"/>
+                <a:t>Datenbank</a:t>
+              </a:r>
+            </a:p>
+          </p:txBody>
+        </p:sp>
+        <p:pic>
+          <p:nvPicPr>
+            <p:cNvPr id="19" name="Graphic 18">
+              <a:extLst>
+                <a:ext uri="{FF2B5EF4-FFF2-40B4-BE49-F238E27FC236}">
+                  <a16:creationId xmlns:a16="http://schemas.microsoft.com/office/drawing/2014/main" id="{6E9AF135-A710-E243-85CB-49DBE38EC6C9}"/>
+                </a:ext>
+              </a:extLst>
+            </p:cNvPr>
+            <p:cNvPicPr>
+              <a:picLocks noChangeAspect="1"/>
+            </p:cNvPicPr>
+            <p:nvPr/>
+          </p:nvPicPr>
+          <p:blipFill>
+            <a:blip r:embed="rId5">
+              <a:extLst>
+                <a:ext uri="{28A0092B-C50C-407E-A947-70E740481C1C}">
+                  <a14:useLocalDpi xmlns:a14="http://schemas.microsoft.com/office/drawing/2010/main" val="0"/>
+                </a:ext>
+                <a:ext uri="{96DAC541-7B7A-43D3-8B79-37D633B846F1}">
+                  <asvg:svgBlip xmlns:asvg="http://schemas.microsoft.com/office/drawing/2016/SVG/main" r:embed="rId6"/>
+                </a:ext>
+              </a:extLst>
+            </a:blip>
+            <a:stretch>
+              <a:fillRect/>
+            </a:stretch>
+          </p:blipFill>
+          <p:spPr>
+            <a:xfrm>
+              <a:off x="750235" y="3500947"/>
+              <a:ext cx="1256811" cy="1256811"/>
+            </a:xfrm>
+            <a:prstGeom prst="rect">
+              <a:avLst/>
+            </a:prstGeom>
+          </p:spPr>
+        </p:pic>
+      </p:grpSp>
+      <p:grpSp>
+        <p:nvGrpSpPr>
+          <p:cNvPr id="49" name="Group 48">
+            <a:extLst>
+              <a:ext uri="{FF2B5EF4-FFF2-40B4-BE49-F238E27FC236}">
+                <a16:creationId xmlns:a16="http://schemas.microsoft.com/office/drawing/2014/main" id="{EDE08DF3-5A87-7B43-BB3A-5CFD33BF8EBD}"/>
+              </a:ext>
+            </a:extLst>
+          </p:cNvPr>
+          <p:cNvGrpSpPr/>
+          <p:nvPr/>
+        </p:nvGrpSpPr>
+        <p:grpSpPr>
+          <a:xfrm>
+            <a:off x="3571694" y="4135183"/>
+            <a:ext cx="1390509" cy="1451356"/>
+            <a:chOff x="3611456" y="4147176"/>
+            <a:chExt cx="1390509" cy="1451356"/>
+          </a:xfrm>
+        </p:grpSpPr>
+        <p:sp>
+          <p:nvSpPr>
+            <p:cNvPr id="22" name="Textfeld 10">
+              <a:extLst>
+                <a:ext uri="{FF2B5EF4-FFF2-40B4-BE49-F238E27FC236}">
+                  <a16:creationId xmlns:a16="http://schemas.microsoft.com/office/drawing/2014/main" id="{E63A6598-469D-A441-8B46-4332B9D10959}"/>
+                </a:ext>
+              </a:extLst>
+            </p:cNvPr>
+            <p:cNvSpPr txBox="1"/>
+            <p:nvPr/>
+          </p:nvSpPr>
+          <p:spPr>
+            <a:xfrm>
+              <a:off x="3611456" y="5229200"/>
+              <a:ext cx="1390509" cy="369332"/>
+            </a:xfrm>
+            <a:prstGeom prst="rect">
+              <a:avLst/>
+            </a:prstGeom>
+            <a:noFill/>
+          </p:spPr>
+          <p:txBody>
+            <a:bodyPr wrap="none" rtlCol="0">
+              <a:spAutoFit/>
+            </a:bodyPr>
+            <a:lstStyle/>
+            <a:p>
+              <a:r>
+                <a:rPr lang="de-DE" dirty="0"/>
+                <a:t>Laravel-ORM</a:t>
+              </a:r>
+            </a:p>
+          </p:txBody>
+        </p:sp>
+        <p:pic>
+          <p:nvPicPr>
+            <p:cNvPr id="25" name="Graphic 24">
+              <a:extLst>
+                <a:ext uri="{FF2B5EF4-FFF2-40B4-BE49-F238E27FC236}">
+                  <a16:creationId xmlns:a16="http://schemas.microsoft.com/office/drawing/2014/main" id="{EC8249C3-DDAE-B943-9426-7F3CC54784AB}"/>
+                </a:ext>
+              </a:extLst>
+            </p:cNvPr>
+            <p:cNvPicPr>
+              <a:picLocks noChangeAspect="1"/>
+            </p:cNvPicPr>
+            <p:nvPr/>
+          </p:nvPicPr>
+          <p:blipFill>
+            <a:blip r:embed="rId7">
+              <a:extLst>
+                <a:ext uri="{28A0092B-C50C-407E-A947-70E740481C1C}">
+                  <a14:useLocalDpi xmlns:a14="http://schemas.microsoft.com/office/drawing/2010/main" val="0"/>
+                </a:ext>
+                <a:ext uri="{96DAC541-7B7A-43D3-8B79-37D633B846F1}">
+                  <asvg:svgBlip xmlns:asvg="http://schemas.microsoft.com/office/drawing/2016/SVG/main" r:embed="rId8"/>
+                </a:ext>
+              </a:extLst>
+            </a:blip>
+            <a:stretch>
+              <a:fillRect/>
+            </a:stretch>
+          </p:blipFill>
+          <p:spPr>
+            <a:xfrm>
+              <a:off x="3678306" y="4147176"/>
+              <a:ext cx="1256810" cy="1256810"/>
+            </a:xfrm>
+            <a:prstGeom prst="rect">
+              <a:avLst/>
+            </a:prstGeom>
+          </p:spPr>
+        </p:pic>
+      </p:grpSp>
+      <p:grpSp>
+        <p:nvGrpSpPr>
+          <p:cNvPr id="41" name="Group 40">
+            <a:extLst>
+              <a:ext uri="{FF2B5EF4-FFF2-40B4-BE49-F238E27FC236}">
+                <a16:creationId xmlns:a16="http://schemas.microsoft.com/office/drawing/2014/main" id="{150CD71F-51E0-2F4A-B685-C6A66A30ADF4}"/>
+              </a:ext>
+            </a:extLst>
+          </p:cNvPr>
+          <p:cNvGrpSpPr/>
+          <p:nvPr/>
+        </p:nvGrpSpPr>
+        <p:grpSpPr>
+          <a:xfrm>
+            <a:off x="6492704" y="1578597"/>
+            <a:ext cx="1483707" cy="1558106"/>
+            <a:chOff x="6124371" y="2489136"/>
+            <a:chExt cx="1483707" cy="1558106"/>
+          </a:xfrm>
+        </p:grpSpPr>
+        <p:sp>
+          <p:nvSpPr>
+            <p:cNvPr id="17" name="Textfeld 16"/>
+            <p:cNvSpPr txBox="1"/>
+            <p:nvPr/>
+          </p:nvSpPr>
+          <p:spPr>
+            <a:xfrm>
+              <a:off x="6397218" y="3677910"/>
+              <a:ext cx="938014" cy="369332"/>
+            </a:xfrm>
+            <a:prstGeom prst="rect">
+              <a:avLst/>
+            </a:prstGeom>
+            <a:noFill/>
+          </p:spPr>
+          <p:txBody>
+            <a:bodyPr wrap="none" rtlCol="0">
+              <a:spAutoFit/>
+            </a:bodyPr>
+            <a:lstStyle/>
+            <a:p>
+              <a:pPr algn="ctr"/>
+              <a:r>
+                <a:rPr lang="de-DE" dirty="0"/>
+                <a:t>Intranet</a:t>
+              </a:r>
+            </a:p>
+          </p:txBody>
+        </p:sp>
+        <p:pic>
+          <p:nvPicPr>
+            <p:cNvPr id="27" name="Graphic 26">
+              <a:extLst>
+                <a:ext uri="{FF2B5EF4-FFF2-40B4-BE49-F238E27FC236}">
+                  <a16:creationId xmlns:a16="http://schemas.microsoft.com/office/drawing/2014/main" id="{D8B57DB2-9DA1-A942-A764-674314EF6BA8}"/>
+                </a:ext>
+              </a:extLst>
+            </p:cNvPr>
+            <p:cNvPicPr>
+              <a:picLocks noChangeAspect="1"/>
+            </p:cNvPicPr>
+            <p:nvPr/>
+          </p:nvPicPr>
+          <p:blipFill>
+            <a:blip r:embed="rId9">
+              <a:extLst>
+                <a:ext uri="{28A0092B-C50C-407E-A947-70E740481C1C}">
+                  <a14:useLocalDpi xmlns:a14="http://schemas.microsoft.com/office/drawing/2010/main" val="0"/>
+                </a:ext>
+                <a:ext uri="{96DAC541-7B7A-43D3-8B79-37D633B846F1}">
+                  <asvg:svgBlip xmlns:asvg="http://schemas.microsoft.com/office/drawing/2016/SVG/main" r:embed="rId10"/>
+                </a:ext>
+              </a:extLst>
+            </a:blip>
+            <a:stretch>
+              <a:fillRect/>
+            </a:stretch>
+          </p:blipFill>
+          <p:spPr>
+            <a:xfrm>
+              <a:off x="6124371" y="2489136"/>
+              <a:ext cx="1483707" cy="1483707"/>
+            </a:xfrm>
+            <a:prstGeom prst="rect">
+              <a:avLst/>
+            </a:prstGeom>
+          </p:spPr>
+        </p:pic>
+      </p:grpSp>
+      <p:grpSp>
+        <p:nvGrpSpPr>
+          <p:cNvPr id="37" name="Group 36">
+            <a:extLst>
+              <a:ext uri="{FF2B5EF4-FFF2-40B4-BE49-F238E27FC236}">
+                <a16:creationId xmlns:a16="http://schemas.microsoft.com/office/drawing/2014/main" id="{2A30FFCB-0FD3-814A-94C5-ED8B5DCEFB24}"/>
+              </a:ext>
+            </a:extLst>
+          </p:cNvPr>
+          <p:cNvGrpSpPr/>
+          <p:nvPr/>
+        </p:nvGrpSpPr>
+        <p:grpSpPr>
+          <a:xfrm>
+            <a:off x="834721" y="1770319"/>
+            <a:ext cx="1082025" cy="1320294"/>
+            <a:chOff x="837627" y="1471241"/>
+            <a:chExt cx="1082025" cy="1320294"/>
+          </a:xfrm>
+        </p:grpSpPr>
+        <p:pic>
+          <p:nvPicPr>
+            <p:cNvPr id="12" name="Graphic 11">
+              <a:extLst>
+                <a:ext uri="{FF2B5EF4-FFF2-40B4-BE49-F238E27FC236}">
+                  <a16:creationId xmlns:a16="http://schemas.microsoft.com/office/drawing/2014/main" id="{8501DE74-5A9D-7444-92DB-F9210AC77D48}"/>
+                </a:ext>
+              </a:extLst>
+            </p:cNvPr>
+            <p:cNvPicPr>
+              <a:picLocks noChangeAspect="1"/>
+            </p:cNvPicPr>
+            <p:nvPr/>
+          </p:nvPicPr>
+          <p:blipFill>
+            <a:blip r:embed="rId11">
+              <a:extLst>
+                <a:ext uri="{28A0092B-C50C-407E-A947-70E740481C1C}">
+                  <a14:useLocalDpi xmlns:a14="http://schemas.microsoft.com/office/drawing/2010/main" val="0"/>
+                </a:ext>
+                <a:ext uri="{96DAC541-7B7A-43D3-8B79-37D633B846F1}">
+                  <asvg:svgBlip xmlns:asvg="http://schemas.microsoft.com/office/drawing/2016/SVG/main" r:embed="rId12"/>
+                </a:ext>
+              </a:extLst>
+            </a:blip>
+            <a:stretch>
+              <a:fillRect/>
+            </a:stretch>
+          </p:blipFill>
+          <p:spPr>
+            <a:xfrm>
+              <a:off x="837627" y="1471241"/>
+              <a:ext cx="1082025" cy="1082025"/>
+            </a:xfrm>
+            <a:prstGeom prst="rect">
+              <a:avLst/>
+            </a:prstGeom>
+          </p:spPr>
+        </p:pic>
+        <p:sp>
+          <p:nvSpPr>
+            <p:cNvPr id="31" name="Textfeld 10">
+              <a:extLst>
+                <a:ext uri="{FF2B5EF4-FFF2-40B4-BE49-F238E27FC236}">
+                  <a16:creationId xmlns:a16="http://schemas.microsoft.com/office/drawing/2014/main" id="{40BCF9EC-95F1-D043-921C-6FBF18F6823F}"/>
+                </a:ext>
+              </a:extLst>
+            </p:cNvPr>
+            <p:cNvSpPr txBox="1"/>
+            <p:nvPr/>
+          </p:nvSpPr>
+          <p:spPr>
+            <a:xfrm>
+              <a:off x="864908" y="2422203"/>
+              <a:ext cx="1027461" cy="369332"/>
+            </a:xfrm>
+            <a:prstGeom prst="rect">
+              <a:avLst/>
+            </a:prstGeom>
+            <a:noFill/>
+          </p:spPr>
+          <p:txBody>
+            <a:bodyPr wrap="none" rtlCol="0">
+              <a:spAutoFit/>
+            </a:bodyPr>
+            <a:lstStyle/>
+            <a:p>
+              <a:r>
+                <a:rPr lang="de-DE" dirty="0"/>
+                <a:t>Benutzer</a:t>
+              </a:r>
+            </a:p>
+          </p:txBody>
+        </p:sp>
+      </p:grpSp>
+      <p:grpSp>
+        <p:nvGrpSpPr>
+          <p:cNvPr id="43" name="Group 42">
+            <a:extLst>
+              <a:ext uri="{FF2B5EF4-FFF2-40B4-BE49-F238E27FC236}">
+                <a16:creationId xmlns:a16="http://schemas.microsoft.com/office/drawing/2014/main" id="{894837FE-DC2F-E941-9344-FE3D740CA51D}"/>
+              </a:ext>
+            </a:extLst>
+          </p:cNvPr>
+          <p:cNvGrpSpPr/>
+          <p:nvPr/>
+        </p:nvGrpSpPr>
+        <p:grpSpPr>
+          <a:xfrm>
+            <a:off x="6478951" y="4147176"/>
+            <a:ext cx="1491868" cy="1444326"/>
+            <a:chOff x="5521675" y="4645752"/>
+            <a:chExt cx="1491868" cy="1444326"/>
+          </a:xfrm>
+        </p:grpSpPr>
+        <p:sp>
+          <p:nvSpPr>
+            <p:cNvPr id="18" name="Textfeld 17"/>
+            <p:cNvSpPr txBox="1"/>
+            <p:nvPr/>
+          </p:nvSpPr>
+          <p:spPr>
+            <a:xfrm>
+              <a:off x="5521675" y="5720746"/>
+              <a:ext cx="1491868" cy="369332"/>
+            </a:xfrm>
+            <a:prstGeom prst="rect">
+              <a:avLst/>
+            </a:prstGeom>
+            <a:noFill/>
+          </p:spPr>
+          <p:txBody>
+            <a:bodyPr wrap="square" rtlCol="0">
+              <a:spAutoFit/>
+            </a:bodyPr>
+            <a:lstStyle/>
+            <a:p>
+              <a:pPr algn="ctr"/>
+              <a:r>
+                <a:rPr lang="de-DE" dirty="0"/>
+                <a:t>QES</a:t>
+              </a:r>
+            </a:p>
+          </p:txBody>
+        </p:sp>
+        <p:pic>
+          <p:nvPicPr>
+            <p:cNvPr id="29" name="Graphic 28">
+              <a:extLst>
+                <a:ext uri="{FF2B5EF4-FFF2-40B4-BE49-F238E27FC236}">
+                  <a16:creationId xmlns:a16="http://schemas.microsoft.com/office/drawing/2014/main" id="{FBB22B3A-9237-004B-A8DD-C1F225CEF939}"/>
+                </a:ext>
+              </a:extLst>
+            </p:cNvPr>
+            <p:cNvPicPr>
+              <a:picLocks noChangeAspect="1"/>
+            </p:cNvPicPr>
+            <p:nvPr/>
+          </p:nvPicPr>
+          <p:blipFill>
+            <a:blip r:embed="rId13">
+              <a:extLst>
+                <a:ext uri="{28A0092B-C50C-407E-A947-70E740481C1C}">
+                  <a14:useLocalDpi xmlns:a14="http://schemas.microsoft.com/office/drawing/2010/main" val="0"/>
+                </a:ext>
+                <a:ext uri="{96DAC541-7B7A-43D3-8B79-37D633B846F1}">
+                  <asvg:svgBlip xmlns:asvg="http://schemas.microsoft.com/office/drawing/2016/SVG/main" r:embed="rId14"/>
+                </a:ext>
+              </a:extLst>
+            </a:blip>
+            <a:stretch>
+              <a:fillRect/>
+            </a:stretch>
+          </p:blipFill>
+          <p:spPr>
+            <a:xfrm>
+              <a:off x="5668994" y="4645752"/>
+              <a:ext cx="1197231" cy="1197231"/>
+            </a:xfrm>
+            <a:prstGeom prst="rect">
+              <a:avLst/>
+            </a:prstGeom>
+          </p:spPr>
+        </p:pic>
+      </p:grpSp>
     </p:spTree>
     <p:extLst>
       <p:ext uri="{BB962C8B-B14F-4D97-AF65-F5344CB8AC3E}">
-        <p14:creationId xmlns:p14="http://schemas.microsoft.com/office/powerpoint/2010/main" val="968830662"/>
+        <p14:creationId xmlns:p14="http://schemas.microsoft.com/office/powerpoint/2010/main" val="2584096990"/>
       </p:ext>
     </p:extLst>
   </p:cSld>
   <p:clrMapOvr>
     <a:masterClrMapping/>
   </p:clrMapOvr>
-  <p:timing>
-    <p:tnLst>
-      <p:par>
-        <p:cTn id="1" dur="indefinite" restart="never" nodeType="tmRoot">
-          <p:childTnLst>
-            <p:seq concurrent="1" nextAc="seek">
-              <p:cTn id="2" dur="indefinite" nodeType="mainSeq">
-                <p:childTnLst>
-                  <p:par>
-                    <p:cTn id="3" fill="hold">
-                      <p:stCondLst>
-                        <p:cond delay="indefinite"/>
-                      </p:stCondLst>
-                      <p:childTnLst>
-                        <p:par>
-                          <p:cTn id="4" fill="hold">
-                            <p:stCondLst>
-                              <p:cond delay="0"/>
-                            </p:stCondLst>
-                            <p:childTnLst>
-                              <p:par>
-                                <p:cTn id="5" presetID="42" presetClass="path" presetSubtype="0" accel="50000" decel="50000" fill="hold" grpId="0" nodeType="clickEffect">
-                                  <p:stCondLst>
-                                    <p:cond delay="0"/>
-                                  </p:stCondLst>
-                                  <p:childTnLst>
-                                    <p:animMotion origin="layout" path="M 0 -4.44444E-6 L -0.27083 -0.00023 " pathEditMode="relative" rAng="0" ptsTypes="AA">
-                                      <p:cBhvr>
-                                        <p:cTn id="6" dur="2000" fill="hold"/>
-                                        <p:tgtEl>
-                                          <p:spTgt spid="13"/>
-                                        </p:tgtEl>
-                                        <p:attrNameLst>
-                                          <p:attrName>ppt_x</p:attrName>
-                                          <p:attrName>ppt_y</p:attrName>
-                                        </p:attrNameLst>
-                                      </p:cBhvr>
-                                      <p:rCtr x="-13542" y="-23"/>
-                                    </p:animMotion>
-                                  </p:childTnLst>
-                                </p:cTn>
-                              </p:par>
-                              <p:par>
-                                <p:cTn id="7" presetID="21" presetClass="entr" presetSubtype="1" fill="hold" nodeType="withEffect">
-                                  <p:stCondLst>
-                                    <p:cond delay="500"/>
-                                  </p:stCondLst>
-                                  <p:childTnLst>
-                                    <p:set>
-                                      <p:cBhvr>
-                                        <p:cTn id="8" dur="1" fill="hold">
-                                          <p:stCondLst>
-                                            <p:cond delay="0"/>
-                                          </p:stCondLst>
-                                        </p:cTn>
-                                        <p:tgtEl>
-                                          <p:spTgt spid="7"/>
-                                        </p:tgtEl>
-                                        <p:attrNameLst>
-                                          <p:attrName>style.visibility</p:attrName>
-                                        </p:attrNameLst>
-                                      </p:cBhvr>
-                                      <p:to>
-                                        <p:strVal val="visible"/>
-                                      </p:to>
-                                    </p:set>
-                                    <p:animEffect transition="in" filter="wheel(1)">
-                                      <p:cBhvr>
-                                        <p:cTn id="9" dur="3000"/>
-                                        <p:tgtEl>
-                                          <p:spTgt spid="7"/>
-                                        </p:tgtEl>
-                                      </p:cBhvr>
-                                    </p:animEffect>
-                                  </p:childTnLst>
-                                </p:cTn>
-                              </p:par>
-                            </p:childTnLst>
-                          </p:cTn>
-                        </p:par>
-                      </p:childTnLst>
-                    </p:cTn>
-                  </p:par>
-                  <p:par>
-                    <p:cTn id="10" fill="hold">
-                      <p:stCondLst>
-                        <p:cond delay="indefinite"/>
-                      </p:stCondLst>
-                      <p:childTnLst>
-                        <p:par>
-                          <p:cTn id="11" fill="hold">
-                            <p:stCondLst>
-                              <p:cond delay="0"/>
-                            </p:stCondLst>
-                            <p:childTnLst>
-                              <p:par>
-                                <p:cTn id="12" presetID="22" presetClass="exit" presetSubtype="8" fill="hold" nodeType="clickEffect">
-                                  <p:stCondLst>
-                                    <p:cond delay="0"/>
-                                  </p:stCondLst>
-                                  <p:childTnLst>
-                                    <p:animEffect transition="out" filter="wipe(left)">
-                                      <p:cBhvr>
-                                        <p:cTn id="13" dur="500"/>
-                                        <p:tgtEl>
-                                          <p:spTgt spid="7"/>
-                                        </p:tgtEl>
-                                      </p:cBhvr>
-                                    </p:animEffect>
-                                    <p:set>
-                                      <p:cBhvr>
-                                        <p:cTn id="14" dur="1" fill="hold">
-                                          <p:stCondLst>
-                                            <p:cond delay="499"/>
-                                          </p:stCondLst>
-                                        </p:cTn>
-                                        <p:tgtEl>
-                                          <p:spTgt spid="7"/>
-                                        </p:tgtEl>
-                                        <p:attrNameLst>
-                                          <p:attrName>style.visibility</p:attrName>
-                                        </p:attrNameLst>
-                                      </p:cBhvr>
-                                      <p:to>
-                                        <p:strVal val="hidden"/>
-                                      </p:to>
-                                    </p:set>
-                                  </p:childTnLst>
-                                </p:cTn>
-                              </p:par>
-                              <p:par>
-                                <p:cTn id="15" presetID="22" presetClass="entr" presetSubtype="8" fill="hold" nodeType="withEffect">
-                                  <p:stCondLst>
-                                    <p:cond delay="0"/>
-                                  </p:stCondLst>
-                                  <p:childTnLst>
-                                    <p:set>
-                                      <p:cBhvr>
-                                        <p:cTn id="16" dur="1" fill="hold">
-                                          <p:stCondLst>
-                                            <p:cond delay="0"/>
-                                          </p:stCondLst>
-                                        </p:cTn>
-                                        <p:tgtEl>
-                                          <p:spTgt spid="30"/>
-                                        </p:tgtEl>
-                                        <p:attrNameLst>
-                                          <p:attrName>style.visibility</p:attrName>
-                                        </p:attrNameLst>
-                                      </p:cBhvr>
-                                      <p:to>
-                                        <p:strVal val="visible"/>
-                                      </p:to>
-                                    </p:set>
-                                    <p:animEffect transition="in" filter="wipe(left)">
-                                      <p:cBhvr>
-                                        <p:cTn id="17" dur="520"/>
-                                        <p:tgtEl>
-                                          <p:spTgt spid="30"/>
-                                        </p:tgtEl>
-                                      </p:cBhvr>
-                                    </p:animEffect>
-                                  </p:childTnLst>
-                                </p:cTn>
-                              </p:par>
-                            </p:childTnLst>
-                          </p:cTn>
-                        </p:par>
-                      </p:childTnLst>
-                    </p:cTn>
-                  </p:par>
-                </p:childTnLst>
-              </p:cTn>
-              <p:prevCondLst>
-                <p:cond evt="onPrev" delay="0">
-                  <p:tgtEl>
-                    <p:sldTgt/>
-                  </p:tgtEl>
-                </p:cond>
-              </p:prevCondLst>
-              <p:nextCondLst>
-                <p:cond evt="onNext" delay="0">
-                  <p:tgtEl>
-                    <p:sldTgt/>
-                  </p:tgtEl>
-                </p:cond>
-              </p:nextCondLst>
-            </p:seq>
-          </p:childTnLst>
-        </p:cTn>
-      </p:par>
-    </p:tnLst>
-    <p:bldLst>
-      <p:bldP spid="13" grpId="0"/>
-    </p:bldLst>
-  </p:timing>
 </p:sld>
 </file>
 

--- a/DOC/Fachgespraech.pptx
+++ b/DOC/Fachgespraech.pptx
@@ -5,10 +5,10 @@
     <p:sldMasterId id="2147483648" r:id="rId5"/>
   </p:sldMasterIdLst>
   <p:notesMasterIdLst>
-    <p:notesMasterId r:id="rId29"/>
+    <p:notesMasterId r:id="rId30"/>
   </p:notesMasterIdLst>
   <p:handoutMasterIdLst>
-    <p:handoutMasterId r:id="rId30"/>
+    <p:handoutMasterId r:id="rId31"/>
   </p:handoutMasterIdLst>
   <p:sldIdLst>
     <p:sldId id="329" r:id="rId6"/>
@@ -18,22 +18,23 @@
     <p:sldId id="474" r:id="rId10"/>
     <p:sldId id="476" r:id="rId11"/>
     <p:sldId id="475" r:id="rId12"/>
-    <p:sldId id="259" r:id="rId13"/>
-    <p:sldId id="261" r:id="rId14"/>
-    <p:sldId id="369" r:id="rId15"/>
-    <p:sldId id="356" r:id="rId16"/>
-    <p:sldId id="367" r:id="rId17"/>
-    <p:sldId id="370" r:id="rId18"/>
-    <p:sldId id="372" r:id="rId19"/>
-    <p:sldId id="373" r:id="rId20"/>
-    <p:sldId id="375" r:id="rId21"/>
-    <p:sldId id="374" r:id="rId22"/>
-    <p:sldId id="365" r:id="rId23"/>
-    <p:sldId id="366" r:id="rId24"/>
-    <p:sldId id="376" r:id="rId25"/>
-    <p:sldId id="378" r:id="rId26"/>
-    <p:sldId id="377" r:id="rId27"/>
-    <p:sldId id="348" r:id="rId28"/>
+    <p:sldId id="477" r:id="rId13"/>
+    <p:sldId id="259" r:id="rId14"/>
+    <p:sldId id="261" r:id="rId15"/>
+    <p:sldId id="369" r:id="rId16"/>
+    <p:sldId id="356" r:id="rId17"/>
+    <p:sldId id="367" r:id="rId18"/>
+    <p:sldId id="370" r:id="rId19"/>
+    <p:sldId id="372" r:id="rId20"/>
+    <p:sldId id="373" r:id="rId21"/>
+    <p:sldId id="375" r:id="rId22"/>
+    <p:sldId id="374" r:id="rId23"/>
+    <p:sldId id="365" r:id="rId24"/>
+    <p:sldId id="366" r:id="rId25"/>
+    <p:sldId id="376" r:id="rId26"/>
+    <p:sldId id="378" r:id="rId27"/>
+    <p:sldId id="377" r:id="rId28"/>
+    <p:sldId id="348" r:id="rId29"/>
   </p:sldIdLst>
   <p:sldSz cx="9144000" cy="6858000" type="screen4x3"/>
   <p:notesSz cx="7099300" cy="10234613"/>
@@ -162,7 +163,7 @@
 <file path=ppt/charts/chart1.xml><?xml version="1.0" encoding="utf-8"?>
 <c:chartSpace xmlns:c="http://schemas.openxmlformats.org/drawingml/2006/chart" xmlns:a="http://schemas.openxmlformats.org/drawingml/2006/main" xmlns:r="http://schemas.openxmlformats.org/officeDocument/2006/relationships" xmlns:c16r2="http://schemas.microsoft.com/office/drawing/2015/06/chart">
   <c:date1904 val="0"/>
-  <c:lang val="en-GB"/>
+  <c:lang val="en-US"/>
   <c:roundedCorners val="0"/>
   <mc:AlternateContent xmlns:mc="http://schemas.openxmlformats.org/markup-compatibility/2006">
     <mc:Choice xmlns:c14="http://schemas.microsoft.com/office/drawing/2007/8/2/chart" Requires="c14">
@@ -2156,12 +2157,6 @@
           <a:bodyPr/>
           <a:lstStyle/>
           <a:p>
-            <a:r>
-              <a:rPr lang="de-DE" dirty="0"/>
-              <a:t>REFACTORING nicht im BILD</a:t>
-            </a:r>
-          </a:p>
-          <a:p>
             <a:endParaRPr lang="de-DE" dirty="0"/>
           </a:p>
         </p:txBody>
@@ -2181,7 +2176,7 @@
           <a:bodyPr/>
           <a:lstStyle/>
           <a:p>
-            <a:endParaRPr lang="de-DE" dirty="0"/>
+            <a:endParaRPr lang="de-DE"/>
           </a:p>
         </p:txBody>
       </p:sp>
@@ -2205,14 +2200,14 @@
               <a:pPr/>
               <a:t>11</a:t>
             </a:fld>
-            <a:endParaRPr lang="de-DE" dirty="0"/>
+            <a:endParaRPr lang="de-DE"/>
           </a:p>
         </p:txBody>
       </p:sp>
     </p:spTree>
     <p:extLst>
       <p:ext uri="{BB962C8B-B14F-4D97-AF65-F5344CB8AC3E}">
-        <p14:creationId xmlns:p14="http://schemas.microsoft.com/office/powerpoint/2010/main" val="1087693115"/>
+        <p14:creationId xmlns:p14="http://schemas.microsoft.com/office/powerpoint/2010/main" val="2774700447"/>
       </p:ext>
     </p:extLst>
   </p:cSld>
@@ -2241,7 +2236,7 @@
       </p:grpSpPr>
       <p:sp>
         <p:nvSpPr>
-          <p:cNvPr id="2" name="Folienbildplatzhalter 1"/>
+          <p:cNvPr id="2" name="Slide Image Placeholder 1"/>
           <p:cNvSpPr>
             <a:spLocks noGrp="1" noRot="1" noChangeAspect="1"/>
           </p:cNvSpPr>
@@ -2253,7 +2248,7 @@
       </p:sp>
       <p:sp>
         <p:nvSpPr>
-          <p:cNvPr id="3" name="Notizenplatzhalter 2"/>
+          <p:cNvPr id="3" name="Notes Placeholder 2"/>
           <p:cNvSpPr>
             <a:spLocks noGrp="1"/>
           </p:cNvSpPr>
@@ -2268,129 +2263,22 @@
           <a:p>
             <a:r>
               <a:rPr lang="de-DE" dirty="0"/>
-              <a:t>Um das zu erreichen, sollten bisher ungenutzte Features unserer WLAN-Appliance, der sog. IAC-BOX, aktiviert werden.</a:t>
-            </a:r>
-          </a:p>
-          <a:p>
-            <a:r>
-              <a:rPr lang="de-DE" dirty="0"/>
-              <a:t> </a:t>
-            </a:r>
-          </a:p>
-          <a:p>
-            <a:r>
-              <a:rPr lang="de-DE" dirty="0"/>
-              <a:t>Was genau ist die IAC-BOX? Die </a:t>
-            </a:r>
-            <a:r>
-              <a:rPr lang="de-DE" baseline="0" dirty="0"/>
-              <a:t>IAC-BOX implementiert ein Ticketsystem wie es auch z.B. Hotels verwenden. Die IAC-BOX wird auch an Hotels verkauft.</a:t>
-            </a:r>
+              <a:t>REFACTORING nicht im BILD</a:t>
+            </a:r>
+          </a:p>
+          <a:p>
             <a:endParaRPr lang="de-DE" dirty="0"/>
-          </a:p>
-          <a:p>
-            <a:endParaRPr lang="de-DE" dirty="0"/>
-          </a:p>
-          <a:p>
-            <a:r>
-              <a:rPr lang="de-DE" dirty="0"/>
-              <a:t>Sie hat die Aufgabe, den Zugang zum GESIS-Gästenetz zu verwalten.</a:t>
-            </a:r>
-          </a:p>
-          <a:p>
-            <a:endParaRPr lang="de-DE" dirty="0"/>
-          </a:p>
-          <a:p>
-            <a:r>
-              <a:rPr lang="de-DE" dirty="0"/>
-              <a:t>Dazu ist die IAC-BOX mit dem WLAN-Controller gekoppelt.</a:t>
-            </a:r>
-          </a:p>
-          <a:p>
-            <a:r>
-              <a:rPr lang="de-DE" dirty="0"/>
-              <a:t> </a:t>
-            </a:r>
-          </a:p>
-          <a:p>
-            <a:r>
-              <a:rPr lang="de-DE" dirty="0"/>
-              <a:t>Nur mit einem gültigen Ticket gestattet</a:t>
-            </a:r>
-            <a:r>
-              <a:rPr lang="de-DE" baseline="0" dirty="0"/>
-              <a:t> </a:t>
-            </a:r>
-            <a:r>
-              <a:rPr lang="de-DE" dirty="0"/>
-              <a:t>die IAC-BOX einem Gästegerät den Zugang zum Gästenetz.</a:t>
-            </a:r>
-          </a:p>
-          <a:p>
-            <a:r>
-              <a:rPr lang="de-DE" dirty="0"/>
-              <a:t> </a:t>
-            </a:r>
-          </a:p>
-          <a:p>
-            <a:r>
-              <a:rPr lang="de-DE" dirty="0"/>
-              <a:t>Diese</a:t>
-            </a:r>
-            <a:r>
-              <a:rPr lang="de-DE" baseline="0" dirty="0"/>
-              <a:t> </a:t>
-            </a:r>
-            <a:r>
-              <a:rPr lang="de-DE" dirty="0"/>
-              <a:t>Tickets wurden bisher</a:t>
-            </a:r>
-            <a:r>
-              <a:rPr lang="de-DE" baseline="0" dirty="0"/>
-              <a:t> </a:t>
-            </a:r>
-            <a:r>
-              <a:rPr lang="de-DE" dirty="0"/>
-              <a:t>von der IT erstellt.</a:t>
-            </a:r>
-          </a:p>
-          <a:p>
-            <a:r>
-              <a:rPr lang="de-DE" dirty="0"/>
-              <a:t> </a:t>
-            </a:r>
-          </a:p>
-          <a:p>
-            <a:r>
-              <a:rPr lang="de-DE" dirty="0"/>
-              <a:t>Um die IT von dieser Aufgabe zu befreien, sollte ich 5 bislang ungenutzte Module der IAC-BOX urbar machen.</a:t>
-            </a:r>
-          </a:p>
-          <a:p>
-            <a:endParaRPr lang="de-DE" dirty="0"/>
-          </a:p>
-          <a:p>
-            <a:r>
-              <a:rPr lang="de-DE" dirty="0"/>
-              <a:t> </a:t>
-            </a:r>
-          </a:p>
-          <a:p>
-            <a:r>
-              <a:rPr lang="de-DE" dirty="0"/>
-              <a:t>Ich werde im Folgenden diese Module genauer beschreiben.</a:t>
-            </a:r>
           </a:p>
         </p:txBody>
       </p:sp>
       <p:sp>
         <p:nvSpPr>
-          <p:cNvPr id="4" name="Foliennummernplatzhalter 3"/>
+          <p:cNvPr id="4" name="Date Placeholder 3"/>
           <p:cNvSpPr>
             <a:spLocks noGrp="1"/>
           </p:cNvSpPr>
           <p:nvPr>
-            <p:ph type="sldNum" sz="quarter" idx="10"/>
+            <p:ph type="dt" idx="1"/>
           </p:nvPr>
         </p:nvSpPr>
         <p:spPr/>
@@ -2398,18 +2286,38 @@
           <a:bodyPr/>
           <a:lstStyle/>
           <a:p>
-            <a:fld id="{1928C91E-B408-4609-AD83-03ADF00550DE}" type="slidenum">
+            <a:endParaRPr lang="de-DE" dirty="0"/>
+          </a:p>
+        </p:txBody>
+      </p:sp>
+      <p:sp>
+        <p:nvSpPr>
+          <p:cNvPr id="5" name="Slide Number Placeholder 4"/>
+          <p:cNvSpPr>
+            <a:spLocks noGrp="1"/>
+          </p:cNvSpPr>
+          <p:nvPr>
+            <p:ph type="sldNum" sz="quarter" idx="5"/>
+          </p:nvPr>
+        </p:nvSpPr>
+        <p:spPr/>
+        <p:txBody>
+          <a:bodyPr/>
+          <a:lstStyle/>
+          <a:p>
+            <a:fld id="{BF63E930-8F88-4EE0-A623-E2193C3967E3}" type="slidenum">
               <a:rPr lang="de-DE" smtClean="0"/>
-              <a:t>14</a:t>
+              <a:pPr/>
+              <a:t>12</a:t>
             </a:fld>
-            <a:endParaRPr lang="de-DE"/>
+            <a:endParaRPr lang="de-DE" dirty="0"/>
           </a:p>
         </p:txBody>
       </p:sp>
     </p:spTree>
     <p:extLst>
       <p:ext uri="{BB962C8B-B14F-4D97-AF65-F5344CB8AC3E}">
-        <p14:creationId xmlns:p14="http://schemas.microsoft.com/office/powerpoint/2010/main" val="4259533064"/>
+        <p14:creationId xmlns:p14="http://schemas.microsoft.com/office/powerpoint/2010/main" val="1087693115"/>
       </p:ext>
     </p:extLst>
   </p:cSld>
@@ -2606,7 +2514,7 @@
     </p:spTree>
     <p:extLst>
       <p:ext uri="{BB962C8B-B14F-4D97-AF65-F5344CB8AC3E}">
-        <p14:creationId xmlns:p14="http://schemas.microsoft.com/office/powerpoint/2010/main" val="2088475689"/>
+        <p14:creationId xmlns:p14="http://schemas.microsoft.com/office/powerpoint/2010/main" val="4259533064"/>
       </p:ext>
     </p:extLst>
   </p:cSld>
@@ -2635,7 +2543,7 @@
       </p:grpSpPr>
       <p:sp>
         <p:nvSpPr>
-          <p:cNvPr id="2" name="Slide Image Placeholder 1"/>
+          <p:cNvPr id="2" name="Folienbildplatzhalter 1"/>
           <p:cNvSpPr>
             <a:spLocks noGrp="1" noRot="1" noChangeAspect="1"/>
           </p:cNvSpPr>
@@ -2647,7 +2555,7 @@
       </p:sp>
       <p:sp>
         <p:nvSpPr>
-          <p:cNvPr id="3" name="Notes Placeholder 2"/>
+          <p:cNvPr id="3" name="Notizenplatzhalter 2"/>
           <p:cNvSpPr>
             <a:spLocks noGrp="1"/>
           </p:cNvSpPr>
@@ -2660,18 +2568,131 @@
           <a:bodyPr/>
           <a:lstStyle/>
           <a:p>
+            <a:r>
+              <a:rPr lang="de-DE" dirty="0"/>
+              <a:t>Um das zu erreichen, sollten bisher ungenutzte Features unserer WLAN-Appliance, der sog. IAC-BOX, aktiviert werden.</a:t>
+            </a:r>
+          </a:p>
+          <a:p>
+            <a:r>
+              <a:rPr lang="de-DE" dirty="0"/>
+              <a:t> </a:t>
+            </a:r>
+          </a:p>
+          <a:p>
+            <a:r>
+              <a:rPr lang="de-DE" dirty="0"/>
+              <a:t>Was genau ist die IAC-BOX? Die </a:t>
+            </a:r>
+            <a:r>
+              <a:rPr lang="de-DE" baseline="0" dirty="0"/>
+              <a:t>IAC-BOX implementiert ein Ticketsystem wie es auch z.B. Hotels verwenden. Die IAC-BOX wird auch an Hotels verkauft.</a:t>
+            </a:r>
             <a:endParaRPr lang="de-DE" dirty="0"/>
+          </a:p>
+          <a:p>
+            <a:endParaRPr lang="de-DE" dirty="0"/>
+          </a:p>
+          <a:p>
+            <a:r>
+              <a:rPr lang="de-DE" dirty="0"/>
+              <a:t>Sie hat die Aufgabe, den Zugang zum GESIS-Gästenetz zu verwalten.</a:t>
+            </a:r>
+          </a:p>
+          <a:p>
+            <a:endParaRPr lang="de-DE" dirty="0"/>
+          </a:p>
+          <a:p>
+            <a:r>
+              <a:rPr lang="de-DE" dirty="0"/>
+              <a:t>Dazu ist die IAC-BOX mit dem WLAN-Controller gekoppelt.</a:t>
+            </a:r>
+          </a:p>
+          <a:p>
+            <a:r>
+              <a:rPr lang="de-DE" dirty="0"/>
+              <a:t> </a:t>
+            </a:r>
+          </a:p>
+          <a:p>
+            <a:r>
+              <a:rPr lang="de-DE" dirty="0"/>
+              <a:t>Nur mit einem gültigen Ticket gestattet</a:t>
+            </a:r>
+            <a:r>
+              <a:rPr lang="de-DE" baseline="0" dirty="0"/>
+              <a:t> </a:t>
+            </a:r>
+            <a:r>
+              <a:rPr lang="de-DE" dirty="0"/>
+              <a:t>die IAC-BOX einem Gästegerät den Zugang zum Gästenetz.</a:t>
+            </a:r>
+          </a:p>
+          <a:p>
+            <a:r>
+              <a:rPr lang="de-DE" dirty="0"/>
+              <a:t> </a:t>
+            </a:r>
+          </a:p>
+          <a:p>
+            <a:r>
+              <a:rPr lang="de-DE" dirty="0"/>
+              <a:t>Diese</a:t>
+            </a:r>
+            <a:r>
+              <a:rPr lang="de-DE" baseline="0" dirty="0"/>
+              <a:t> </a:t>
+            </a:r>
+            <a:r>
+              <a:rPr lang="de-DE" dirty="0"/>
+              <a:t>Tickets wurden bisher</a:t>
+            </a:r>
+            <a:r>
+              <a:rPr lang="de-DE" baseline="0" dirty="0"/>
+              <a:t> </a:t>
+            </a:r>
+            <a:r>
+              <a:rPr lang="de-DE" dirty="0"/>
+              <a:t>von der IT erstellt.</a:t>
+            </a:r>
+          </a:p>
+          <a:p>
+            <a:r>
+              <a:rPr lang="de-DE" dirty="0"/>
+              <a:t> </a:t>
+            </a:r>
+          </a:p>
+          <a:p>
+            <a:r>
+              <a:rPr lang="de-DE" dirty="0"/>
+              <a:t>Um die IT von dieser Aufgabe zu befreien, sollte ich 5 bislang ungenutzte Module der IAC-BOX urbar machen.</a:t>
+            </a:r>
+          </a:p>
+          <a:p>
+            <a:endParaRPr lang="de-DE" dirty="0"/>
+          </a:p>
+          <a:p>
+            <a:r>
+              <a:rPr lang="de-DE" dirty="0"/>
+              <a:t> </a:t>
+            </a:r>
+          </a:p>
+          <a:p>
+            <a:r>
+              <a:rPr lang="de-DE" dirty="0"/>
+              <a:t>Ich werde im Folgenden diese Module genauer beschreiben.</a:t>
+            </a:r>
           </a:p>
         </p:txBody>
       </p:sp>
       <p:sp>
         <p:nvSpPr>
-          <p:cNvPr id="4" name="Date Placeholder 3"/>
+          <p:cNvPr id="4" name="Foliennummernplatzhalter 3"/>
           <p:cNvSpPr>
             <a:spLocks noGrp="1"/>
           </p:cNvSpPr>
           <p:nvPr>
-            <p:ph type="dt" idx="1"/>
+            <p:ph type="sldNum" sz="quarter" idx="10"/>
           </p:nvPr>
         </p:nvSpPr>
         <p:spPr/>
@@ -2679,29 +2700,9 @@
           <a:bodyPr/>
           <a:lstStyle/>
           <a:p>
-            <a:endParaRPr lang="de-DE"/>
-          </a:p>
-        </p:txBody>
-      </p:sp>
-      <p:sp>
-        <p:nvSpPr>
-          <p:cNvPr id="5" name="Slide Number Placeholder 4"/>
-          <p:cNvSpPr>
-            <a:spLocks noGrp="1"/>
-          </p:cNvSpPr>
-          <p:nvPr>
-            <p:ph type="sldNum" sz="quarter" idx="5"/>
-          </p:nvPr>
-        </p:nvSpPr>
-        <p:spPr/>
-        <p:txBody>
-          <a:bodyPr/>
-          <a:lstStyle/>
-          <a:p>
-            <a:fld id="{BF63E930-8F88-4EE0-A623-E2193C3967E3}" type="slidenum">
+            <a:fld id="{1928C91E-B408-4609-AD83-03ADF00550DE}" type="slidenum">
               <a:rPr lang="de-DE" smtClean="0"/>
-              <a:pPr/>
-              <a:t>18</a:t>
+              <a:t>16</a:t>
             </a:fld>
             <a:endParaRPr lang="de-DE"/>
           </a:p>
@@ -2710,7 +2711,7 @@
     </p:spTree>
     <p:extLst>
       <p:ext uri="{BB962C8B-B14F-4D97-AF65-F5344CB8AC3E}">
-        <p14:creationId xmlns:p14="http://schemas.microsoft.com/office/powerpoint/2010/main" val="1284332552"/>
+        <p14:creationId xmlns:p14="http://schemas.microsoft.com/office/powerpoint/2010/main" val="2088475689"/>
       </p:ext>
     </p:extLst>
   </p:cSld>
@@ -2764,10 +2765,7 @@
           <a:bodyPr/>
           <a:lstStyle/>
           <a:p>
-            <a:r>
-              <a:rPr lang="de-DE"/>
-              <a:t>ENTWICKLERDOKUMENTATION HAT ZEITLICH NICHT GEPASST UND WURDE VOM KUNDEN IM ABNAHMEPROTOKOLL NICHT ERWÄHNT.</a:t>
-            </a:r>
+            <a:endParaRPr lang="de-DE" dirty="0"/>
           </a:p>
         </p:txBody>
       </p:sp>
@@ -2808,7 +2806,114 @@
             <a:fld id="{BF63E930-8F88-4EE0-A623-E2193C3967E3}" type="slidenum">
               <a:rPr lang="de-DE" smtClean="0"/>
               <a:pPr/>
-              <a:t>21</a:t>
+              <a:t>19</a:t>
+            </a:fld>
+            <a:endParaRPr lang="de-DE"/>
+          </a:p>
+        </p:txBody>
+      </p:sp>
+    </p:spTree>
+    <p:extLst>
+      <p:ext uri="{BB962C8B-B14F-4D97-AF65-F5344CB8AC3E}">
+        <p14:creationId xmlns:p14="http://schemas.microsoft.com/office/powerpoint/2010/main" val="1284332552"/>
+      </p:ext>
+    </p:extLst>
+  </p:cSld>
+  <p:clrMapOvr>
+    <a:masterClrMapping/>
+  </p:clrMapOvr>
+</p:notes>
+</file>
+
+<file path=ppt/notesSlides/notesSlide15.xml><?xml version="1.0" encoding="utf-8"?>
+<p:notes xmlns:a="http://schemas.openxmlformats.org/drawingml/2006/main" xmlns:r="http://schemas.openxmlformats.org/officeDocument/2006/relationships" xmlns:p="http://schemas.openxmlformats.org/presentationml/2006/main">
+  <p:cSld>
+    <p:spTree>
+      <p:nvGrpSpPr>
+        <p:cNvPr id="1" name=""/>
+        <p:cNvGrpSpPr/>
+        <p:nvPr/>
+      </p:nvGrpSpPr>
+      <p:grpSpPr>
+        <a:xfrm>
+          <a:off x="0" y="0"/>
+          <a:ext cx="0" cy="0"/>
+          <a:chOff x="0" y="0"/>
+          <a:chExt cx="0" cy="0"/>
+        </a:xfrm>
+      </p:grpSpPr>
+      <p:sp>
+        <p:nvSpPr>
+          <p:cNvPr id="2" name="Slide Image Placeholder 1"/>
+          <p:cNvSpPr>
+            <a:spLocks noGrp="1" noRot="1" noChangeAspect="1"/>
+          </p:cNvSpPr>
+          <p:nvPr>
+            <p:ph type="sldImg"/>
+          </p:nvPr>
+        </p:nvSpPr>
+        <p:spPr/>
+      </p:sp>
+      <p:sp>
+        <p:nvSpPr>
+          <p:cNvPr id="3" name="Notes Placeholder 2"/>
+          <p:cNvSpPr>
+            <a:spLocks noGrp="1"/>
+          </p:cNvSpPr>
+          <p:nvPr>
+            <p:ph type="body" idx="1"/>
+          </p:nvPr>
+        </p:nvSpPr>
+        <p:spPr/>
+        <p:txBody>
+          <a:bodyPr/>
+          <a:lstStyle/>
+          <a:p>
+            <a:r>
+              <a:rPr lang="de-DE"/>
+              <a:t>ENTWICKLERDOKUMENTATION HAT ZEITLICH NICHT GEPASST UND WURDE VOM KUNDEN IM ABNAHMEPROTOKOLL NICHT ERWÄHNT.</a:t>
+            </a:r>
+          </a:p>
+        </p:txBody>
+      </p:sp>
+      <p:sp>
+        <p:nvSpPr>
+          <p:cNvPr id="4" name="Date Placeholder 3"/>
+          <p:cNvSpPr>
+            <a:spLocks noGrp="1"/>
+          </p:cNvSpPr>
+          <p:nvPr>
+            <p:ph type="dt" idx="1"/>
+          </p:nvPr>
+        </p:nvSpPr>
+        <p:spPr/>
+        <p:txBody>
+          <a:bodyPr/>
+          <a:lstStyle/>
+          <a:p>
+            <a:endParaRPr lang="de-DE"/>
+          </a:p>
+        </p:txBody>
+      </p:sp>
+      <p:sp>
+        <p:nvSpPr>
+          <p:cNvPr id="5" name="Slide Number Placeholder 4"/>
+          <p:cNvSpPr>
+            <a:spLocks noGrp="1"/>
+          </p:cNvSpPr>
+          <p:nvPr>
+            <p:ph type="sldNum" sz="quarter" idx="5"/>
+          </p:nvPr>
+        </p:nvSpPr>
+        <p:spPr/>
+        <p:txBody>
+          <a:bodyPr/>
+          <a:lstStyle/>
+          <a:p>
+            <a:fld id="{BF63E930-8F88-4EE0-A623-E2193C3967E3}" type="slidenum">
+              <a:rPr lang="de-DE" smtClean="0"/>
+              <a:pPr/>
+              <a:t>22</a:t>
             </a:fld>
             <a:endParaRPr lang="de-DE"/>
           </a:p>
@@ -3583,19 +3688,38 @@
       </p:grpSpPr>
       <p:sp>
         <p:nvSpPr>
-          <p:cNvPr id="2" name="Folienbildplatzhalter 1"/>
+          <p:cNvPr id="71682" name="Folienbildplatzhalter 1"/>
           <p:cNvSpPr>
-            <a:spLocks noGrp="1" noRot="1" noChangeAspect="1"/>
+            <a:spLocks noGrp="1" noRot="1" noChangeAspect="1" noTextEdit="1"/>
           </p:cNvSpPr>
           <p:nvPr>
             <p:ph type="sldImg"/>
           </p:nvPr>
         </p:nvSpPr>
-        <p:spPr/>
+        <p:spPr bwMode="auto">
+          <a:noFill/>
+          <a:ln>
+            <a:solidFill>
+              <a:srgbClr val="000000"/>
+            </a:solidFill>
+            <a:miter lim="800000"/>
+            <a:headEnd/>
+            <a:tailEnd/>
+          </a:ln>
+          <a:extLst>
+            <a:ext uri="{909E8E84-426E-40DD-AFC4-6F175D3DCCD1}">
+              <a14:hiddenFill xmlns:a14="http://schemas.microsoft.com/office/drawing/2010/main">
+                <a:solidFill>
+                  <a:srgbClr val="FFFFFF"/>
+                </a:solidFill>
+              </a14:hiddenFill>
+            </a:ext>
+          </a:extLst>
+        </p:spPr>
       </p:sp>
       <p:sp>
         <p:nvSpPr>
-          <p:cNvPr id="3" name="Notizenplatzhalter 2"/>
+          <p:cNvPr id="71683" name="Notizenplatzhalter 2"/>
           <p:cNvSpPr>
             <a:spLocks noGrp="1"/>
           </p:cNvSpPr>
@@ -3603,77 +3727,58 @@
             <p:ph type="body" idx="1"/>
           </p:nvPr>
         </p:nvSpPr>
-        <p:spPr/>
+        <p:spPr bwMode="auto">
+          <a:noFill/>
+          <a:extLst>
+            <a:ext uri="{909E8E84-426E-40DD-AFC4-6F175D3DCCD1}">
+              <a14:hiddenFill xmlns:a14="http://schemas.microsoft.com/office/drawing/2010/main">
+                <a:solidFill>
+                  <a:srgbClr val="FFFFFF"/>
+                </a:solidFill>
+              </a14:hiddenFill>
+            </a:ext>
+            <a:ext uri="{91240B29-F687-4F45-9708-019B960494DF}">
+              <a14:hiddenLine xmlns:a14="http://schemas.microsoft.com/office/drawing/2010/main" w="9525">
+                <a:solidFill>
+                  <a:srgbClr val="000000"/>
+                </a:solidFill>
+                <a:miter lim="800000"/>
+                <a:headEnd/>
+                <a:tailEnd/>
+              </a14:hiddenLine>
+            </a:ext>
+          </a:extLst>
+        </p:spPr>
         <p:txBody>
-          <a:bodyPr/>
+          <a:bodyPr wrap="square" numCol="1" anchor="t" anchorCtr="0" compatLnSpc="1">
+            <a:prstTxWarp prst="textNoShape">
+              <a:avLst/>
+            </a:prstTxWarp>
+          </a:bodyPr>
           <a:lstStyle/>
           <a:p>
             <a:r>
-              <a:rPr lang="de-DE" dirty="0"/>
-              <a:t>GESIS ist ein eingetragener Verein.</a:t>
-            </a:r>
-          </a:p>
-          <a:p>
-            <a:r>
-              <a:rPr lang="de-DE" dirty="0"/>
-              <a:t> </a:t>
-            </a:r>
-          </a:p>
-          <a:p>
-            <a:r>
-              <a:rPr lang="de-DE" dirty="0"/>
-              <a:t>Wir haben den Satzungszweck der Förderung der sozialwissenschaftlichen Forschung.</a:t>
-            </a:r>
-          </a:p>
-          <a:p>
-            <a:r>
-              <a:rPr lang="de-DE" dirty="0"/>
-              <a:t> </a:t>
-            </a:r>
-          </a:p>
-          <a:p>
-            <a:r>
-              <a:rPr lang="de-DE" dirty="0"/>
-              <a:t>Unser Ziel ist grundlegende, überregional und international bedeutsame forschungsbasierte Dienstleistungen für die Sozialwissenschaften zu erbringen. </a:t>
-            </a:r>
-          </a:p>
-          <a:p>
-            <a:r>
-              <a:rPr lang="de-DE" dirty="0"/>
-              <a:t> </a:t>
-            </a:r>
-          </a:p>
-          <a:p>
-            <a:r>
-              <a:rPr lang="de-DE" dirty="0"/>
-              <a:t>Wir haben zwei Standorte: Mannheim und Köln. Am Standort Köln arbeiten rund 300 Kolleginnen und Kollegen.</a:t>
-            </a:r>
-          </a:p>
-          <a:p>
-            <a:r>
-              <a:rPr lang="de-DE" dirty="0"/>
-              <a:t> </a:t>
-            </a:r>
-          </a:p>
-          <a:p>
-            <a:r>
-              <a:rPr lang="de-DE" dirty="0"/>
-              <a:t>Unter anderem richtet GESIS Schulungen, Seminare und Konferenzen aus. An Spitzentagen mit bis zu 250 Teilnehmern.</a:t>
-            </a:r>
-          </a:p>
-          <a:p>
-            <a:endParaRPr lang="de-DE" dirty="0"/>
+              <a:rPr lang="de-DE" altLang="de-DE" baseline="0" dirty="0" err="1"/>
+              <a:t>Gesis</a:t>
+            </a:r>
+            <a:r>
+              <a:rPr lang="de-DE" altLang="de-DE" baseline="0" dirty="0"/>
+              <a:t> Eingetragener Verein</a:t>
+            </a:r>
+          </a:p>
+          <a:p>
+            <a:endParaRPr lang="de-DE" altLang="de-DE" dirty="0"/>
           </a:p>
         </p:txBody>
       </p:sp>
       <p:sp>
         <p:nvSpPr>
-          <p:cNvPr id="4" name="Foliennummernplatzhalter 3"/>
+          <p:cNvPr id="5" name="Foliennummernplatzhalter 4"/>
           <p:cNvSpPr>
             <a:spLocks noGrp="1"/>
           </p:cNvSpPr>
           <p:nvPr>
-            <p:ph type="sldNum" sz="quarter" idx="10"/>
+            <p:ph type="sldNum" sz="quarter" idx="5"/>
           </p:nvPr>
         </p:nvSpPr>
         <p:spPr/>
@@ -3681,8 +3786,14 @@
           <a:bodyPr/>
           <a:lstStyle/>
           <a:p>
-            <a:fld id="{1928C91E-B408-4609-AD83-03ADF00550DE}" type="slidenum">
+            <a:pPr>
+              <a:defRPr/>
+            </a:pPr>
+            <a:fld id="{41850068-0579-4E26-98B5-C63652FAF565}" type="slidenum">
               <a:rPr lang="de-DE" smtClean="0"/>
+              <a:pPr>
+                <a:defRPr/>
+              </a:pPr>
               <a:t>8</a:t>
             </a:fld>
             <a:endParaRPr lang="de-DE"/>
@@ -3692,7 +3803,7 @@
     </p:spTree>
     <p:extLst>
       <p:ext uri="{BB962C8B-B14F-4D97-AF65-F5344CB8AC3E}">
-        <p14:creationId xmlns:p14="http://schemas.microsoft.com/office/powerpoint/2010/main" val="2003502434"/>
+        <p14:creationId xmlns:p14="http://schemas.microsoft.com/office/powerpoint/2010/main" val="1235131399"/>
       </p:ext>
     </p:extLst>
   </p:cSld>
@@ -3748,7 +3859,7 @@
           <a:p>
             <a:r>
               <a:rPr lang="de-DE" dirty="0"/>
-              <a:t>Um das zu erreichen, sollten bisher ungenutzte Features unserer WLAN-Appliance, der sog. IAC-BOX, aktiviert werden.</a:t>
+              <a:t>GESIS ist ein eingetragener Verein.</a:t>
             </a:r>
           </a:p>
           <a:p>
@@ -3760,30 +3871,7 @@
           <a:p>
             <a:r>
               <a:rPr lang="de-DE" dirty="0"/>
-              <a:t>Was genau ist die IAC-BOX? Die </a:t>
-            </a:r>
-            <a:r>
-              <a:rPr lang="de-DE" baseline="0" dirty="0"/>
-              <a:t>IAC-BOX implementiert ein Ticketsystem wie es auch z.B. Hotels verwenden. Die IAC-BOX wird auch an Hotels verkauft.</a:t>
-            </a:r>
-            <a:endParaRPr lang="de-DE" dirty="0"/>
-          </a:p>
-          <a:p>
-            <a:endParaRPr lang="de-DE" dirty="0"/>
-          </a:p>
-          <a:p>
-            <a:r>
-              <a:rPr lang="de-DE" dirty="0"/>
-              <a:t>Sie hat die Aufgabe, den Zugang zum GESIS-Gästenetz zu verwalten.</a:t>
-            </a:r>
-          </a:p>
-          <a:p>
-            <a:endParaRPr lang="de-DE" dirty="0"/>
-          </a:p>
-          <a:p>
-            <a:r>
-              <a:rPr lang="de-DE" dirty="0"/>
-              <a:t>Dazu ist die IAC-BOX mit dem WLAN-Controller gekoppelt.</a:t>
+              <a:t>Wir haben den Satzungszweck der Förderung der sozialwissenschaftlichen Forschung.</a:t>
             </a:r>
           </a:p>
           <a:p>
@@ -3795,15 +3883,7 @@
           <a:p>
             <a:r>
               <a:rPr lang="de-DE" dirty="0"/>
-              <a:t>Nur mit einem gültigen Ticket gestattet</a:t>
-            </a:r>
-            <a:r>
-              <a:rPr lang="de-DE" baseline="0" dirty="0"/>
-              <a:t> </a:t>
-            </a:r>
-            <a:r>
-              <a:rPr lang="de-DE" dirty="0"/>
-              <a:t>die IAC-BOX einem Gästegerät den Zugang zum Gästenetz.</a:t>
+              <a:t>Unser Ziel ist grundlegende, überregional und international bedeutsame forschungsbasierte Dienstleistungen für die Sozialwissenschaften zu erbringen. </a:t>
             </a:r>
           </a:p>
           <a:p>
@@ -3815,23 +3895,7 @@
           <a:p>
             <a:r>
               <a:rPr lang="de-DE" dirty="0"/>
-              <a:t>Diese</a:t>
-            </a:r>
-            <a:r>
-              <a:rPr lang="de-DE" baseline="0" dirty="0"/>
-              <a:t> </a:t>
-            </a:r>
-            <a:r>
-              <a:rPr lang="de-DE" dirty="0"/>
-              <a:t>Tickets wurden bisher</a:t>
-            </a:r>
-            <a:r>
-              <a:rPr lang="de-DE" baseline="0" dirty="0"/>
-              <a:t> </a:t>
-            </a:r>
-            <a:r>
-              <a:rPr lang="de-DE" dirty="0"/>
-              <a:t>von der IT erstellt.</a:t>
+              <a:t>Wir haben zwei Standorte: Mannheim und Köln. Am Standort Köln arbeiten rund 300 Kolleginnen und Kollegen.</a:t>
             </a:r>
           </a:p>
           <a:p>
@@ -3843,23 +3907,11 @@
           <a:p>
             <a:r>
               <a:rPr lang="de-DE" dirty="0"/>
-              <a:t>Um die IT von dieser Aufgabe zu befreien, sollte ich 5 bislang ungenutzte Module der IAC-BOX urbar machen.</a:t>
+              <a:t>Unter anderem richtet GESIS Schulungen, Seminare und Konferenzen aus. An Spitzentagen mit bis zu 250 Teilnehmern.</a:t>
             </a:r>
           </a:p>
           <a:p>
             <a:endParaRPr lang="de-DE" dirty="0"/>
-          </a:p>
-          <a:p>
-            <a:r>
-              <a:rPr lang="de-DE" dirty="0"/>
-              <a:t> </a:t>
-            </a:r>
-          </a:p>
-          <a:p>
-            <a:r>
-              <a:rPr lang="de-DE" dirty="0"/>
-              <a:t>Ich werde im Folgenden diese Module genauer beschreiben.</a:t>
-            </a:r>
           </a:p>
         </p:txBody>
       </p:sp>
@@ -3889,7 +3941,7 @@
     </p:spTree>
     <p:extLst>
       <p:ext uri="{BB962C8B-B14F-4D97-AF65-F5344CB8AC3E}">
-        <p14:creationId xmlns:p14="http://schemas.microsoft.com/office/powerpoint/2010/main" val="2252166543"/>
+        <p14:creationId xmlns:p14="http://schemas.microsoft.com/office/powerpoint/2010/main" val="2003502434"/>
       </p:ext>
     </p:extLst>
   </p:cSld>
@@ -3918,7 +3970,7 @@
       </p:grpSpPr>
       <p:sp>
         <p:nvSpPr>
-          <p:cNvPr id="2" name="Slide Image Placeholder 1"/>
+          <p:cNvPr id="2" name="Folienbildplatzhalter 1"/>
           <p:cNvSpPr>
             <a:spLocks noGrp="1" noRot="1" noChangeAspect="1"/>
           </p:cNvSpPr>
@@ -3930,7 +3982,7 @@
       </p:sp>
       <p:sp>
         <p:nvSpPr>
-          <p:cNvPr id="3" name="Notes Placeholder 2"/>
+          <p:cNvPr id="3" name="Notizenplatzhalter 2"/>
           <p:cNvSpPr>
             <a:spLocks noGrp="1"/>
           </p:cNvSpPr>
@@ -3943,18 +3995,131 @@
           <a:bodyPr/>
           <a:lstStyle/>
           <a:p>
+            <a:r>
+              <a:rPr lang="de-DE" dirty="0"/>
+              <a:t>Um das zu erreichen, sollten bisher ungenutzte Features unserer WLAN-Appliance, der sog. IAC-BOX, aktiviert werden.</a:t>
+            </a:r>
+          </a:p>
+          <a:p>
+            <a:r>
+              <a:rPr lang="de-DE" dirty="0"/>
+              <a:t> </a:t>
+            </a:r>
+          </a:p>
+          <a:p>
+            <a:r>
+              <a:rPr lang="de-DE" dirty="0"/>
+              <a:t>Was genau ist die IAC-BOX? Die </a:t>
+            </a:r>
+            <a:r>
+              <a:rPr lang="de-DE" baseline="0" dirty="0"/>
+              <a:t>IAC-BOX implementiert ein Ticketsystem wie es auch z.B. Hotels verwenden. Die IAC-BOX wird auch an Hotels verkauft.</a:t>
+            </a:r>
             <a:endParaRPr lang="de-DE" dirty="0"/>
+          </a:p>
+          <a:p>
+            <a:endParaRPr lang="de-DE" dirty="0"/>
+          </a:p>
+          <a:p>
+            <a:r>
+              <a:rPr lang="de-DE" dirty="0"/>
+              <a:t>Sie hat die Aufgabe, den Zugang zum GESIS-Gästenetz zu verwalten.</a:t>
+            </a:r>
+          </a:p>
+          <a:p>
+            <a:endParaRPr lang="de-DE" dirty="0"/>
+          </a:p>
+          <a:p>
+            <a:r>
+              <a:rPr lang="de-DE" dirty="0"/>
+              <a:t>Dazu ist die IAC-BOX mit dem WLAN-Controller gekoppelt.</a:t>
+            </a:r>
+          </a:p>
+          <a:p>
+            <a:r>
+              <a:rPr lang="de-DE" dirty="0"/>
+              <a:t> </a:t>
+            </a:r>
+          </a:p>
+          <a:p>
+            <a:r>
+              <a:rPr lang="de-DE" dirty="0"/>
+              <a:t>Nur mit einem gültigen Ticket gestattet</a:t>
+            </a:r>
+            <a:r>
+              <a:rPr lang="de-DE" baseline="0" dirty="0"/>
+              <a:t> </a:t>
+            </a:r>
+            <a:r>
+              <a:rPr lang="de-DE" dirty="0"/>
+              <a:t>die IAC-BOX einem Gästegerät den Zugang zum Gästenetz.</a:t>
+            </a:r>
+          </a:p>
+          <a:p>
+            <a:r>
+              <a:rPr lang="de-DE" dirty="0"/>
+              <a:t> </a:t>
+            </a:r>
+          </a:p>
+          <a:p>
+            <a:r>
+              <a:rPr lang="de-DE" dirty="0"/>
+              <a:t>Diese</a:t>
+            </a:r>
+            <a:r>
+              <a:rPr lang="de-DE" baseline="0" dirty="0"/>
+              <a:t> </a:t>
+            </a:r>
+            <a:r>
+              <a:rPr lang="de-DE" dirty="0"/>
+              <a:t>Tickets wurden bisher</a:t>
+            </a:r>
+            <a:r>
+              <a:rPr lang="de-DE" baseline="0" dirty="0"/>
+              <a:t> </a:t>
+            </a:r>
+            <a:r>
+              <a:rPr lang="de-DE" dirty="0"/>
+              <a:t>von der IT erstellt.</a:t>
+            </a:r>
+          </a:p>
+          <a:p>
+            <a:r>
+              <a:rPr lang="de-DE" dirty="0"/>
+              <a:t> </a:t>
+            </a:r>
+          </a:p>
+          <a:p>
+            <a:r>
+              <a:rPr lang="de-DE" dirty="0"/>
+              <a:t>Um die IT von dieser Aufgabe zu befreien, sollte ich 5 bislang ungenutzte Module der IAC-BOX urbar machen.</a:t>
+            </a:r>
+          </a:p>
+          <a:p>
+            <a:endParaRPr lang="de-DE" dirty="0"/>
+          </a:p>
+          <a:p>
+            <a:r>
+              <a:rPr lang="de-DE" dirty="0"/>
+              <a:t> </a:t>
+            </a:r>
+          </a:p>
+          <a:p>
+            <a:r>
+              <a:rPr lang="de-DE" dirty="0"/>
+              <a:t>Ich werde im Folgenden diese Module genauer beschreiben.</a:t>
+            </a:r>
           </a:p>
         </p:txBody>
       </p:sp>
       <p:sp>
         <p:nvSpPr>
-          <p:cNvPr id="4" name="Date Placeholder 3"/>
+          <p:cNvPr id="4" name="Foliennummernplatzhalter 3"/>
           <p:cNvSpPr>
             <a:spLocks noGrp="1"/>
           </p:cNvSpPr>
           <p:nvPr>
-            <p:ph type="dt" idx="1"/>
+            <p:ph type="sldNum" sz="quarter" idx="10"/>
           </p:nvPr>
         </p:nvSpPr>
         <p:spPr/>
@@ -3962,28 +4127,8 @@
           <a:bodyPr/>
           <a:lstStyle/>
           <a:p>
-            <a:endParaRPr lang="de-DE"/>
-          </a:p>
-        </p:txBody>
-      </p:sp>
-      <p:sp>
-        <p:nvSpPr>
-          <p:cNvPr id="5" name="Slide Number Placeholder 4"/>
-          <p:cNvSpPr>
-            <a:spLocks noGrp="1"/>
-          </p:cNvSpPr>
-          <p:nvPr>
-            <p:ph type="sldNum" sz="quarter" idx="5"/>
-          </p:nvPr>
-        </p:nvSpPr>
-        <p:spPr/>
-        <p:txBody>
-          <a:bodyPr/>
-          <a:lstStyle/>
-          <a:p>
-            <a:fld id="{BF63E930-8F88-4EE0-A623-E2193C3967E3}" type="slidenum">
+            <a:fld id="{1928C91E-B408-4609-AD83-03ADF00550DE}" type="slidenum">
               <a:rPr lang="de-DE" smtClean="0"/>
-              <a:pPr/>
               <a:t>10</a:t>
             </a:fld>
             <a:endParaRPr lang="de-DE"/>
@@ -3993,7 +4138,7 @@
     </p:spTree>
     <p:extLst>
       <p:ext uri="{BB962C8B-B14F-4D97-AF65-F5344CB8AC3E}">
-        <p14:creationId xmlns:p14="http://schemas.microsoft.com/office/powerpoint/2010/main" val="2774700447"/>
+        <p14:creationId xmlns:p14="http://schemas.microsoft.com/office/powerpoint/2010/main" val="2252166543"/>
       </p:ext>
     </p:extLst>
   </p:cSld>
@@ -6449,6 +6594,852 @@
       </p:grpSpPr>
       <p:sp>
         <p:nvSpPr>
+          <p:cNvPr id="2" name="Titel 1"/>
+          <p:cNvSpPr>
+            <a:spLocks noGrp="1"/>
+          </p:cNvSpPr>
+          <p:nvPr>
+            <p:ph type="title"/>
+          </p:nvPr>
+        </p:nvSpPr>
+        <p:spPr/>
+        <p:txBody>
+          <a:bodyPr/>
+          <a:lstStyle/>
+          <a:p>
+            <a:r>
+              <a:rPr lang="de-DE" dirty="0"/>
+              <a:t>Projektumfeld- QES (Basis)</a:t>
+            </a:r>
+          </a:p>
+        </p:txBody>
+      </p:sp>
+      <p:sp>
+        <p:nvSpPr>
+          <p:cNvPr id="4" name="Foliennummernplatzhalter 3"/>
+          <p:cNvSpPr>
+            <a:spLocks noGrp="1"/>
+          </p:cNvSpPr>
+          <p:nvPr>
+            <p:ph type="sldNum" sz="quarter" idx="12"/>
+          </p:nvPr>
+        </p:nvSpPr>
+        <p:spPr/>
+        <p:txBody>
+          <a:bodyPr/>
+          <a:lstStyle/>
+          <a:p>
+            <a:fld id="{AC76F9B2-121F-446C-A37F-B7F54BF3DCAC}" type="slidenum">
+              <a:rPr lang="de-DE" smtClean="0"/>
+              <a:t>10</a:t>
+            </a:fld>
+            <a:endParaRPr lang="de-DE"/>
+          </a:p>
+        </p:txBody>
+      </p:sp>
+      <p:cxnSp>
+        <p:nvCxnSpPr>
+          <p:cNvPr id="6" name="Gerade Verbindung mit Pfeil 5"/>
+          <p:cNvCxnSpPr>
+            <a:cxnSpLocks/>
+            <a:stCxn id="29" idx="0"/>
+            <a:endCxn id="17" idx="2"/>
+          </p:cNvCxnSpPr>
+          <p:nvPr/>
+        </p:nvCxnSpPr>
+        <p:spPr>
+          <a:xfrm flipV="1">
+            <a:off x="7224886" y="3136703"/>
+            <a:ext cx="9672" cy="1010473"/>
+          </a:xfrm>
+          <a:prstGeom prst="straightConnector1">
+            <a:avLst/>
+          </a:prstGeom>
+          <a:ln w="38100">
+            <a:solidFill>
+              <a:schemeClr val="tx1"/>
+            </a:solidFill>
+            <a:headEnd type="arrow"/>
+            <a:tailEnd type="arrow"/>
+          </a:ln>
+        </p:spPr>
+        <p:style>
+          <a:lnRef idx="1">
+            <a:schemeClr val="dk1"/>
+          </a:lnRef>
+          <a:fillRef idx="0">
+            <a:schemeClr val="dk1"/>
+          </a:fillRef>
+          <a:effectRef idx="0">
+            <a:schemeClr val="dk1"/>
+          </a:effectRef>
+          <a:fontRef idx="minor">
+            <a:schemeClr val="tx1"/>
+          </a:fontRef>
+        </p:style>
+      </p:cxnSp>
+      <p:cxnSp>
+        <p:nvCxnSpPr>
+          <p:cNvPr id="13" name="Gerade Verbindung mit Pfeil 12"/>
+          <p:cNvCxnSpPr>
+            <a:cxnSpLocks/>
+            <a:stCxn id="5" idx="3"/>
+            <a:endCxn id="27" idx="1"/>
+          </p:cNvCxnSpPr>
+          <p:nvPr/>
+        </p:nvCxnSpPr>
+        <p:spPr>
+          <a:xfrm flipV="1">
+            <a:off x="4938768" y="2320451"/>
+            <a:ext cx="1553936" cy="14817"/>
+          </a:xfrm>
+          <a:prstGeom prst="straightConnector1">
+            <a:avLst/>
+          </a:prstGeom>
+          <a:ln w="38100">
+            <a:solidFill>
+              <a:schemeClr val="tx1"/>
+            </a:solidFill>
+            <a:headEnd type="arrow"/>
+            <a:tailEnd type="arrow"/>
+          </a:ln>
+        </p:spPr>
+        <p:style>
+          <a:lnRef idx="1">
+            <a:schemeClr val="dk1"/>
+          </a:lnRef>
+          <a:fillRef idx="0">
+            <a:schemeClr val="dk1"/>
+          </a:fillRef>
+          <a:effectRef idx="0">
+            <a:schemeClr val="dk1"/>
+          </a:effectRef>
+          <a:fontRef idx="minor">
+            <a:schemeClr val="tx1"/>
+          </a:fontRef>
+        </p:style>
+      </p:cxnSp>
+      <p:cxnSp>
+        <p:nvCxnSpPr>
+          <p:cNvPr id="14" name="Gerade Verbindung mit Pfeil 13"/>
+          <p:cNvCxnSpPr>
+            <a:cxnSpLocks/>
+            <a:stCxn id="12" idx="3"/>
+            <a:endCxn id="5" idx="1"/>
+          </p:cNvCxnSpPr>
+          <p:nvPr/>
+        </p:nvCxnSpPr>
+        <p:spPr>
+          <a:xfrm>
+            <a:off x="1916746" y="2311332"/>
+            <a:ext cx="1581219" cy="23936"/>
+          </a:xfrm>
+          <a:prstGeom prst="straightConnector1">
+            <a:avLst/>
+          </a:prstGeom>
+          <a:ln w="38100">
+            <a:solidFill>
+              <a:schemeClr val="tx1"/>
+            </a:solidFill>
+            <a:headEnd type="arrow"/>
+            <a:tailEnd type="arrow"/>
+          </a:ln>
+        </p:spPr>
+        <p:style>
+          <a:lnRef idx="1">
+            <a:schemeClr val="dk1"/>
+          </a:lnRef>
+          <a:fillRef idx="0">
+            <a:schemeClr val="dk1"/>
+          </a:fillRef>
+          <a:effectRef idx="0">
+            <a:schemeClr val="dk1"/>
+          </a:effectRef>
+          <a:fontRef idx="minor">
+            <a:schemeClr val="tx1"/>
+          </a:fontRef>
+        </p:style>
+      </p:cxnSp>
+      <p:grpSp>
+        <p:nvGrpSpPr>
+          <p:cNvPr id="40" name="Group 39">
+            <a:extLst>
+              <a:ext uri="{FF2B5EF4-FFF2-40B4-BE49-F238E27FC236}">
+                <a16:creationId xmlns:a16="http://schemas.microsoft.com/office/drawing/2014/main" id="{4C3B3433-24DB-8C46-AEAF-055D75614C2D}"/>
+              </a:ext>
+            </a:extLst>
+          </p:cNvPr>
+          <p:cNvGrpSpPr/>
+          <p:nvPr/>
+        </p:nvGrpSpPr>
+        <p:grpSpPr>
+          <a:xfrm>
+            <a:off x="3497965" y="1614866"/>
+            <a:ext cx="1440803" cy="1564471"/>
+            <a:chOff x="3491558" y="1886467"/>
+            <a:chExt cx="1440803" cy="1564471"/>
+          </a:xfrm>
+        </p:grpSpPr>
+        <p:sp>
+          <p:nvSpPr>
+            <p:cNvPr id="11" name="Textfeld 10"/>
+            <p:cNvSpPr txBox="1"/>
+            <p:nvPr/>
+          </p:nvSpPr>
+          <p:spPr>
+            <a:xfrm>
+              <a:off x="3734233" y="3081606"/>
+              <a:ext cx="955454" cy="369332"/>
+            </a:xfrm>
+            <a:prstGeom prst="rect">
+              <a:avLst/>
+            </a:prstGeom>
+            <a:noFill/>
+          </p:spPr>
+          <p:txBody>
+            <a:bodyPr wrap="none" rtlCol="0">
+              <a:spAutoFit/>
+            </a:bodyPr>
+            <a:lstStyle/>
+            <a:p>
+              <a:r>
+                <a:rPr lang="de-DE" dirty="0"/>
+                <a:t>Browser</a:t>
+              </a:r>
+            </a:p>
+          </p:txBody>
+        </p:sp>
+        <p:pic>
+          <p:nvPicPr>
+            <p:cNvPr id="5" name="Graphic 4">
+              <a:extLst>
+                <a:ext uri="{FF2B5EF4-FFF2-40B4-BE49-F238E27FC236}">
+                  <a16:creationId xmlns:a16="http://schemas.microsoft.com/office/drawing/2014/main" id="{A715925D-668B-4D41-8FBA-53E2E17BDADB}"/>
+                </a:ext>
+              </a:extLst>
+            </p:cNvPr>
+            <p:cNvPicPr>
+              <a:picLocks noChangeAspect="1"/>
+            </p:cNvPicPr>
+            <p:nvPr/>
+          </p:nvPicPr>
+          <p:blipFill>
+            <a:blip r:embed="rId3">
+              <a:extLst>
+                <a:ext uri="{28A0092B-C50C-407E-A947-70E740481C1C}">
+                  <a14:useLocalDpi xmlns:a14="http://schemas.microsoft.com/office/drawing/2010/main" val="0"/>
+                </a:ext>
+                <a:ext uri="{96DAC541-7B7A-43D3-8B79-37D633B846F1}">
+                  <asvg:svgBlip xmlns:asvg="http://schemas.microsoft.com/office/drawing/2016/SVG/main" r:embed="rId4"/>
+                </a:ext>
+              </a:extLst>
+            </a:blip>
+            <a:stretch>
+              <a:fillRect/>
+            </a:stretch>
+          </p:blipFill>
+          <p:spPr>
+            <a:xfrm>
+              <a:off x="3491558" y="1886467"/>
+              <a:ext cx="1440803" cy="1440803"/>
+            </a:xfrm>
+            <a:prstGeom prst="rect">
+              <a:avLst/>
+            </a:prstGeom>
+          </p:spPr>
+        </p:pic>
+      </p:grpSp>
+      <p:cxnSp>
+        <p:nvCxnSpPr>
+          <p:cNvPr id="21" name="Gerade Verbindung mit Pfeil 12">
+            <a:extLst>
+              <a:ext uri="{FF2B5EF4-FFF2-40B4-BE49-F238E27FC236}">
+                <a16:creationId xmlns:a16="http://schemas.microsoft.com/office/drawing/2014/main" id="{A9A9FDCD-CE15-6446-8723-6730AF2FDD59}"/>
+              </a:ext>
+            </a:extLst>
+          </p:cNvPr>
+          <p:cNvCxnSpPr>
+            <a:cxnSpLocks/>
+            <a:stCxn id="25" idx="3"/>
+            <a:endCxn id="29" idx="1"/>
+          </p:cNvCxnSpPr>
+          <p:nvPr/>
+        </p:nvCxnSpPr>
+        <p:spPr>
+          <a:xfrm flipV="1">
+            <a:off x="4895354" y="4745792"/>
+            <a:ext cx="1730916" cy="17796"/>
+          </a:xfrm>
+          <a:prstGeom prst="straightConnector1">
+            <a:avLst/>
+          </a:prstGeom>
+          <a:ln w="38100">
+            <a:solidFill>
+              <a:schemeClr val="tx1"/>
+            </a:solidFill>
+            <a:headEnd type="arrow"/>
+            <a:tailEnd type="arrow"/>
+          </a:ln>
+        </p:spPr>
+        <p:style>
+          <a:lnRef idx="1">
+            <a:schemeClr val="dk1"/>
+          </a:lnRef>
+          <a:fillRef idx="0">
+            <a:schemeClr val="dk1"/>
+          </a:fillRef>
+          <a:effectRef idx="0">
+            <a:schemeClr val="dk1"/>
+          </a:effectRef>
+          <a:fontRef idx="minor">
+            <a:schemeClr val="tx1"/>
+          </a:fontRef>
+        </p:style>
+      </p:cxnSp>
+      <p:cxnSp>
+        <p:nvCxnSpPr>
+          <p:cNvPr id="23" name="Gerade Verbindung mit Pfeil 12">
+            <a:extLst>
+              <a:ext uri="{FF2B5EF4-FFF2-40B4-BE49-F238E27FC236}">
+                <a16:creationId xmlns:a16="http://schemas.microsoft.com/office/drawing/2014/main" id="{66448FA6-7AE0-DE4C-A657-5CD98EB06E4D}"/>
+              </a:ext>
+            </a:extLst>
+          </p:cNvPr>
+          <p:cNvCxnSpPr>
+            <a:cxnSpLocks/>
+            <a:stCxn id="19" idx="3"/>
+            <a:endCxn id="25" idx="1"/>
+          </p:cNvCxnSpPr>
+          <p:nvPr/>
+        </p:nvCxnSpPr>
+        <p:spPr>
+          <a:xfrm flipV="1">
+            <a:off x="1937284" y="4763588"/>
+            <a:ext cx="1701260" cy="1"/>
+          </a:xfrm>
+          <a:prstGeom prst="straightConnector1">
+            <a:avLst/>
+          </a:prstGeom>
+          <a:ln w="38100">
+            <a:solidFill>
+              <a:schemeClr val="tx1"/>
+            </a:solidFill>
+            <a:headEnd type="arrow"/>
+            <a:tailEnd type="arrow"/>
+          </a:ln>
+        </p:spPr>
+        <p:style>
+          <a:lnRef idx="1">
+            <a:schemeClr val="dk1"/>
+          </a:lnRef>
+          <a:fillRef idx="0">
+            <a:schemeClr val="dk1"/>
+          </a:fillRef>
+          <a:effectRef idx="0">
+            <a:schemeClr val="dk1"/>
+          </a:effectRef>
+          <a:fontRef idx="minor">
+            <a:schemeClr val="tx1"/>
+          </a:fontRef>
+        </p:style>
+      </p:cxnSp>
+      <p:grpSp>
+        <p:nvGrpSpPr>
+          <p:cNvPr id="52" name="Group 51">
+            <a:extLst>
+              <a:ext uri="{FF2B5EF4-FFF2-40B4-BE49-F238E27FC236}">
+                <a16:creationId xmlns:a16="http://schemas.microsoft.com/office/drawing/2014/main" id="{7AB13358-1417-BB4A-86A4-17A08ACF4E3B}"/>
+              </a:ext>
+            </a:extLst>
+          </p:cNvPr>
+          <p:cNvGrpSpPr/>
+          <p:nvPr/>
+        </p:nvGrpSpPr>
+        <p:grpSpPr>
+          <a:xfrm>
+            <a:off x="680473" y="4135183"/>
+            <a:ext cx="1256811" cy="1340533"/>
+            <a:chOff x="750235" y="3500947"/>
+            <a:chExt cx="1256811" cy="1340533"/>
+          </a:xfrm>
+        </p:grpSpPr>
+        <p:sp>
+          <p:nvSpPr>
+            <p:cNvPr id="24" name="Textfeld 10">
+              <a:extLst>
+                <a:ext uri="{FF2B5EF4-FFF2-40B4-BE49-F238E27FC236}">
+                  <a16:creationId xmlns:a16="http://schemas.microsoft.com/office/drawing/2014/main" id="{21B6944C-3A14-4940-B297-BF3CBE7FC2DF}"/>
+                </a:ext>
+              </a:extLst>
+            </p:cNvPr>
+            <p:cNvSpPr txBox="1"/>
+            <p:nvPr/>
+          </p:nvSpPr>
+          <p:spPr>
+            <a:xfrm>
+              <a:off x="781181" y="4472148"/>
+              <a:ext cx="1205971" cy="369332"/>
+            </a:xfrm>
+            <a:prstGeom prst="rect">
+              <a:avLst/>
+            </a:prstGeom>
+            <a:noFill/>
+          </p:spPr>
+          <p:txBody>
+            <a:bodyPr wrap="none" rtlCol="0">
+              <a:spAutoFit/>
+            </a:bodyPr>
+            <a:lstStyle/>
+            <a:p>
+              <a:r>
+                <a:rPr lang="de-DE" dirty="0"/>
+                <a:t>Datenbank</a:t>
+              </a:r>
+            </a:p>
+          </p:txBody>
+        </p:sp>
+        <p:pic>
+          <p:nvPicPr>
+            <p:cNvPr id="19" name="Graphic 18">
+              <a:extLst>
+                <a:ext uri="{FF2B5EF4-FFF2-40B4-BE49-F238E27FC236}">
+                  <a16:creationId xmlns:a16="http://schemas.microsoft.com/office/drawing/2014/main" id="{6E9AF135-A710-E243-85CB-49DBE38EC6C9}"/>
+                </a:ext>
+              </a:extLst>
+            </p:cNvPr>
+            <p:cNvPicPr>
+              <a:picLocks noChangeAspect="1"/>
+            </p:cNvPicPr>
+            <p:nvPr/>
+          </p:nvPicPr>
+          <p:blipFill>
+            <a:blip r:embed="rId5">
+              <a:extLst>
+                <a:ext uri="{28A0092B-C50C-407E-A947-70E740481C1C}">
+                  <a14:useLocalDpi xmlns:a14="http://schemas.microsoft.com/office/drawing/2010/main" val="0"/>
+                </a:ext>
+                <a:ext uri="{96DAC541-7B7A-43D3-8B79-37D633B846F1}">
+                  <asvg:svgBlip xmlns:asvg="http://schemas.microsoft.com/office/drawing/2016/SVG/main" r:embed="rId6"/>
+                </a:ext>
+              </a:extLst>
+            </a:blip>
+            <a:stretch>
+              <a:fillRect/>
+            </a:stretch>
+          </p:blipFill>
+          <p:spPr>
+            <a:xfrm>
+              <a:off x="750235" y="3500947"/>
+              <a:ext cx="1256811" cy="1256811"/>
+            </a:xfrm>
+            <a:prstGeom prst="rect">
+              <a:avLst/>
+            </a:prstGeom>
+          </p:spPr>
+        </p:pic>
+      </p:grpSp>
+      <p:grpSp>
+        <p:nvGrpSpPr>
+          <p:cNvPr id="49" name="Group 48">
+            <a:extLst>
+              <a:ext uri="{FF2B5EF4-FFF2-40B4-BE49-F238E27FC236}">
+                <a16:creationId xmlns:a16="http://schemas.microsoft.com/office/drawing/2014/main" id="{EDE08DF3-5A87-7B43-BB3A-5CFD33BF8EBD}"/>
+              </a:ext>
+            </a:extLst>
+          </p:cNvPr>
+          <p:cNvGrpSpPr/>
+          <p:nvPr/>
+        </p:nvGrpSpPr>
+        <p:grpSpPr>
+          <a:xfrm>
+            <a:off x="3571694" y="4135183"/>
+            <a:ext cx="1390509" cy="1451356"/>
+            <a:chOff x="3611456" y="4147176"/>
+            <a:chExt cx="1390509" cy="1451356"/>
+          </a:xfrm>
+        </p:grpSpPr>
+        <p:sp>
+          <p:nvSpPr>
+            <p:cNvPr id="22" name="Textfeld 10">
+              <a:extLst>
+                <a:ext uri="{FF2B5EF4-FFF2-40B4-BE49-F238E27FC236}">
+                  <a16:creationId xmlns:a16="http://schemas.microsoft.com/office/drawing/2014/main" id="{E63A6598-469D-A441-8B46-4332B9D10959}"/>
+                </a:ext>
+              </a:extLst>
+            </p:cNvPr>
+            <p:cNvSpPr txBox="1"/>
+            <p:nvPr/>
+          </p:nvSpPr>
+          <p:spPr>
+            <a:xfrm>
+              <a:off x="3611456" y="5229200"/>
+              <a:ext cx="1390509" cy="369332"/>
+            </a:xfrm>
+            <a:prstGeom prst="rect">
+              <a:avLst/>
+            </a:prstGeom>
+            <a:noFill/>
+          </p:spPr>
+          <p:txBody>
+            <a:bodyPr wrap="none" rtlCol="0">
+              <a:spAutoFit/>
+            </a:bodyPr>
+            <a:lstStyle/>
+            <a:p>
+              <a:r>
+                <a:rPr lang="de-DE" dirty="0"/>
+                <a:t>Laravel-ORM</a:t>
+              </a:r>
+            </a:p>
+          </p:txBody>
+        </p:sp>
+        <p:pic>
+          <p:nvPicPr>
+            <p:cNvPr id="25" name="Graphic 24">
+              <a:extLst>
+                <a:ext uri="{FF2B5EF4-FFF2-40B4-BE49-F238E27FC236}">
+                  <a16:creationId xmlns:a16="http://schemas.microsoft.com/office/drawing/2014/main" id="{EC8249C3-DDAE-B943-9426-7F3CC54784AB}"/>
+                </a:ext>
+              </a:extLst>
+            </p:cNvPr>
+            <p:cNvPicPr>
+              <a:picLocks noChangeAspect="1"/>
+            </p:cNvPicPr>
+            <p:nvPr/>
+          </p:nvPicPr>
+          <p:blipFill>
+            <a:blip r:embed="rId7">
+              <a:extLst>
+                <a:ext uri="{28A0092B-C50C-407E-A947-70E740481C1C}">
+                  <a14:useLocalDpi xmlns:a14="http://schemas.microsoft.com/office/drawing/2010/main" val="0"/>
+                </a:ext>
+                <a:ext uri="{96DAC541-7B7A-43D3-8B79-37D633B846F1}">
+                  <asvg:svgBlip xmlns:asvg="http://schemas.microsoft.com/office/drawing/2016/SVG/main" r:embed="rId8"/>
+                </a:ext>
+              </a:extLst>
+            </a:blip>
+            <a:stretch>
+              <a:fillRect/>
+            </a:stretch>
+          </p:blipFill>
+          <p:spPr>
+            <a:xfrm>
+              <a:off x="3678306" y="4147176"/>
+              <a:ext cx="1256810" cy="1256810"/>
+            </a:xfrm>
+            <a:prstGeom prst="rect">
+              <a:avLst/>
+            </a:prstGeom>
+          </p:spPr>
+        </p:pic>
+      </p:grpSp>
+      <p:grpSp>
+        <p:nvGrpSpPr>
+          <p:cNvPr id="41" name="Group 40">
+            <a:extLst>
+              <a:ext uri="{FF2B5EF4-FFF2-40B4-BE49-F238E27FC236}">
+                <a16:creationId xmlns:a16="http://schemas.microsoft.com/office/drawing/2014/main" id="{150CD71F-51E0-2F4A-B685-C6A66A30ADF4}"/>
+              </a:ext>
+            </a:extLst>
+          </p:cNvPr>
+          <p:cNvGrpSpPr/>
+          <p:nvPr/>
+        </p:nvGrpSpPr>
+        <p:grpSpPr>
+          <a:xfrm>
+            <a:off x="6492704" y="1578597"/>
+            <a:ext cx="1483707" cy="1558106"/>
+            <a:chOff x="6124371" y="2489136"/>
+            <a:chExt cx="1483707" cy="1558106"/>
+          </a:xfrm>
+        </p:grpSpPr>
+        <p:sp>
+          <p:nvSpPr>
+            <p:cNvPr id="17" name="Textfeld 16"/>
+            <p:cNvSpPr txBox="1"/>
+            <p:nvPr/>
+          </p:nvSpPr>
+          <p:spPr>
+            <a:xfrm>
+              <a:off x="6397218" y="3677910"/>
+              <a:ext cx="938014" cy="369332"/>
+            </a:xfrm>
+            <a:prstGeom prst="rect">
+              <a:avLst/>
+            </a:prstGeom>
+            <a:noFill/>
+          </p:spPr>
+          <p:txBody>
+            <a:bodyPr wrap="none" rtlCol="0">
+              <a:spAutoFit/>
+            </a:bodyPr>
+            <a:lstStyle/>
+            <a:p>
+              <a:pPr algn="ctr"/>
+              <a:r>
+                <a:rPr lang="de-DE" dirty="0"/>
+                <a:t>Intranet</a:t>
+              </a:r>
+            </a:p>
+          </p:txBody>
+        </p:sp>
+        <p:pic>
+          <p:nvPicPr>
+            <p:cNvPr id="27" name="Graphic 26">
+              <a:extLst>
+                <a:ext uri="{FF2B5EF4-FFF2-40B4-BE49-F238E27FC236}">
+                  <a16:creationId xmlns:a16="http://schemas.microsoft.com/office/drawing/2014/main" id="{D8B57DB2-9DA1-A942-A764-674314EF6BA8}"/>
+                </a:ext>
+              </a:extLst>
+            </p:cNvPr>
+            <p:cNvPicPr>
+              <a:picLocks noChangeAspect="1"/>
+            </p:cNvPicPr>
+            <p:nvPr/>
+          </p:nvPicPr>
+          <p:blipFill>
+            <a:blip r:embed="rId9">
+              <a:extLst>
+                <a:ext uri="{28A0092B-C50C-407E-A947-70E740481C1C}">
+                  <a14:useLocalDpi xmlns:a14="http://schemas.microsoft.com/office/drawing/2010/main" val="0"/>
+                </a:ext>
+                <a:ext uri="{96DAC541-7B7A-43D3-8B79-37D633B846F1}">
+                  <asvg:svgBlip xmlns:asvg="http://schemas.microsoft.com/office/drawing/2016/SVG/main" r:embed="rId10"/>
+                </a:ext>
+              </a:extLst>
+            </a:blip>
+            <a:stretch>
+              <a:fillRect/>
+            </a:stretch>
+          </p:blipFill>
+          <p:spPr>
+            <a:xfrm>
+              <a:off x="6124371" y="2489136"/>
+              <a:ext cx="1483707" cy="1483707"/>
+            </a:xfrm>
+            <a:prstGeom prst="rect">
+              <a:avLst/>
+            </a:prstGeom>
+          </p:spPr>
+        </p:pic>
+      </p:grpSp>
+      <p:grpSp>
+        <p:nvGrpSpPr>
+          <p:cNvPr id="37" name="Group 36">
+            <a:extLst>
+              <a:ext uri="{FF2B5EF4-FFF2-40B4-BE49-F238E27FC236}">
+                <a16:creationId xmlns:a16="http://schemas.microsoft.com/office/drawing/2014/main" id="{2A30FFCB-0FD3-814A-94C5-ED8B5DCEFB24}"/>
+              </a:ext>
+            </a:extLst>
+          </p:cNvPr>
+          <p:cNvGrpSpPr/>
+          <p:nvPr/>
+        </p:nvGrpSpPr>
+        <p:grpSpPr>
+          <a:xfrm>
+            <a:off x="834721" y="1770319"/>
+            <a:ext cx="1082025" cy="1320294"/>
+            <a:chOff x="837627" y="1471241"/>
+            <a:chExt cx="1082025" cy="1320294"/>
+          </a:xfrm>
+        </p:grpSpPr>
+        <p:pic>
+          <p:nvPicPr>
+            <p:cNvPr id="12" name="Graphic 11">
+              <a:extLst>
+                <a:ext uri="{FF2B5EF4-FFF2-40B4-BE49-F238E27FC236}">
+                  <a16:creationId xmlns:a16="http://schemas.microsoft.com/office/drawing/2014/main" id="{8501DE74-5A9D-7444-92DB-F9210AC77D48}"/>
+                </a:ext>
+              </a:extLst>
+            </p:cNvPr>
+            <p:cNvPicPr>
+              <a:picLocks noChangeAspect="1"/>
+            </p:cNvPicPr>
+            <p:nvPr/>
+          </p:nvPicPr>
+          <p:blipFill>
+            <a:blip r:embed="rId11">
+              <a:extLst>
+                <a:ext uri="{28A0092B-C50C-407E-A947-70E740481C1C}">
+                  <a14:useLocalDpi xmlns:a14="http://schemas.microsoft.com/office/drawing/2010/main" val="0"/>
+                </a:ext>
+                <a:ext uri="{96DAC541-7B7A-43D3-8B79-37D633B846F1}">
+                  <asvg:svgBlip xmlns:asvg="http://schemas.microsoft.com/office/drawing/2016/SVG/main" r:embed="rId12"/>
+                </a:ext>
+              </a:extLst>
+            </a:blip>
+            <a:stretch>
+              <a:fillRect/>
+            </a:stretch>
+          </p:blipFill>
+          <p:spPr>
+            <a:xfrm>
+              <a:off x="837627" y="1471241"/>
+              <a:ext cx="1082025" cy="1082025"/>
+            </a:xfrm>
+            <a:prstGeom prst="rect">
+              <a:avLst/>
+            </a:prstGeom>
+          </p:spPr>
+        </p:pic>
+        <p:sp>
+          <p:nvSpPr>
+            <p:cNvPr id="31" name="Textfeld 10">
+              <a:extLst>
+                <a:ext uri="{FF2B5EF4-FFF2-40B4-BE49-F238E27FC236}">
+                  <a16:creationId xmlns:a16="http://schemas.microsoft.com/office/drawing/2014/main" id="{40BCF9EC-95F1-D043-921C-6FBF18F6823F}"/>
+                </a:ext>
+              </a:extLst>
+            </p:cNvPr>
+            <p:cNvSpPr txBox="1"/>
+            <p:nvPr/>
+          </p:nvSpPr>
+          <p:spPr>
+            <a:xfrm>
+              <a:off x="864908" y="2422203"/>
+              <a:ext cx="1027461" cy="369332"/>
+            </a:xfrm>
+            <a:prstGeom prst="rect">
+              <a:avLst/>
+            </a:prstGeom>
+            <a:noFill/>
+          </p:spPr>
+          <p:txBody>
+            <a:bodyPr wrap="none" rtlCol="0">
+              <a:spAutoFit/>
+            </a:bodyPr>
+            <a:lstStyle/>
+            <a:p>
+              <a:r>
+                <a:rPr lang="de-DE" dirty="0"/>
+                <a:t>Benutzer</a:t>
+              </a:r>
+            </a:p>
+          </p:txBody>
+        </p:sp>
+      </p:grpSp>
+      <p:grpSp>
+        <p:nvGrpSpPr>
+          <p:cNvPr id="43" name="Group 42">
+            <a:extLst>
+              <a:ext uri="{FF2B5EF4-FFF2-40B4-BE49-F238E27FC236}">
+                <a16:creationId xmlns:a16="http://schemas.microsoft.com/office/drawing/2014/main" id="{894837FE-DC2F-E941-9344-FE3D740CA51D}"/>
+              </a:ext>
+            </a:extLst>
+          </p:cNvPr>
+          <p:cNvGrpSpPr/>
+          <p:nvPr/>
+        </p:nvGrpSpPr>
+        <p:grpSpPr>
+          <a:xfrm>
+            <a:off x="6478951" y="4147176"/>
+            <a:ext cx="1491868" cy="1444326"/>
+            <a:chOff x="5521675" y="4645752"/>
+            <a:chExt cx="1491868" cy="1444326"/>
+          </a:xfrm>
+        </p:grpSpPr>
+        <p:sp>
+          <p:nvSpPr>
+            <p:cNvPr id="18" name="Textfeld 17"/>
+            <p:cNvSpPr txBox="1"/>
+            <p:nvPr/>
+          </p:nvSpPr>
+          <p:spPr>
+            <a:xfrm>
+              <a:off x="5521675" y="5720746"/>
+              <a:ext cx="1491868" cy="369332"/>
+            </a:xfrm>
+            <a:prstGeom prst="rect">
+              <a:avLst/>
+            </a:prstGeom>
+            <a:noFill/>
+          </p:spPr>
+          <p:txBody>
+            <a:bodyPr wrap="square" rtlCol="0">
+              <a:spAutoFit/>
+            </a:bodyPr>
+            <a:lstStyle/>
+            <a:p>
+              <a:pPr algn="ctr"/>
+              <a:r>
+                <a:rPr lang="de-DE" dirty="0"/>
+                <a:t>QES</a:t>
+              </a:r>
+            </a:p>
+          </p:txBody>
+        </p:sp>
+        <p:pic>
+          <p:nvPicPr>
+            <p:cNvPr id="29" name="Graphic 28">
+              <a:extLst>
+                <a:ext uri="{FF2B5EF4-FFF2-40B4-BE49-F238E27FC236}">
+                  <a16:creationId xmlns:a16="http://schemas.microsoft.com/office/drawing/2014/main" id="{FBB22B3A-9237-004B-A8DD-C1F225CEF939}"/>
+                </a:ext>
+              </a:extLst>
+            </p:cNvPr>
+            <p:cNvPicPr>
+              <a:picLocks noChangeAspect="1"/>
+            </p:cNvPicPr>
+            <p:nvPr/>
+          </p:nvPicPr>
+          <p:blipFill>
+            <a:blip r:embed="rId13">
+              <a:extLst>
+                <a:ext uri="{28A0092B-C50C-407E-A947-70E740481C1C}">
+                  <a14:useLocalDpi xmlns:a14="http://schemas.microsoft.com/office/drawing/2010/main" val="0"/>
+                </a:ext>
+                <a:ext uri="{96DAC541-7B7A-43D3-8B79-37D633B846F1}">
+                  <asvg:svgBlip xmlns:asvg="http://schemas.microsoft.com/office/drawing/2016/SVG/main" r:embed="rId14"/>
+                </a:ext>
+              </a:extLst>
+            </a:blip>
+            <a:stretch>
+              <a:fillRect/>
+            </a:stretch>
+          </p:blipFill>
+          <p:spPr>
+            <a:xfrm>
+              <a:off x="5668994" y="4645752"/>
+              <a:ext cx="1197231" cy="1197231"/>
+            </a:xfrm>
+            <a:prstGeom prst="rect">
+              <a:avLst/>
+            </a:prstGeom>
+          </p:spPr>
+        </p:pic>
+      </p:grpSp>
+    </p:spTree>
+    <p:extLst>
+      <p:ext uri="{BB962C8B-B14F-4D97-AF65-F5344CB8AC3E}">
+        <p14:creationId xmlns:p14="http://schemas.microsoft.com/office/powerpoint/2010/main" val="2296489676"/>
+      </p:ext>
+    </p:extLst>
+  </p:cSld>
+  <p:clrMapOvr>
+    <a:masterClrMapping/>
+  </p:clrMapOvr>
+</p:sld>
+</file>
+
+<file path=ppt/slides/slide11.xml><?xml version="1.0" encoding="utf-8"?>
+<p:sld xmlns:a="http://schemas.openxmlformats.org/drawingml/2006/main" xmlns:r="http://schemas.openxmlformats.org/officeDocument/2006/relationships" xmlns:p="http://schemas.openxmlformats.org/presentationml/2006/main">
+  <p:cSld>
+    <p:spTree>
+      <p:nvGrpSpPr>
+        <p:cNvPr id="1" name=""/>
+        <p:cNvGrpSpPr/>
+        <p:nvPr/>
+      </p:nvGrpSpPr>
+      <p:grpSpPr>
+        <a:xfrm>
+          <a:off x="0" y="0"/>
+          <a:ext cx="0" cy="0"/>
+          <a:chOff x="0" y="0"/>
+          <a:chExt cx="0" cy="0"/>
+        </a:xfrm>
+      </p:grpSpPr>
+      <p:sp>
+        <p:nvSpPr>
           <p:cNvPr id="2" name="Title 1">
             <a:extLst>
               <a:ext uri="{FF2B5EF4-FFF2-40B4-BE49-F238E27FC236}">
@@ -6528,7 +7519,7 @@
             <a:fld id="{506DEF79-D5F3-42ED-9335-D73AD216BB54}" type="slidenum">
               <a:rPr lang="de-DE" smtClean="0"/>
               <a:pPr/>
-              <a:t>10</a:t>
+              <a:t>11</a:t>
             </a:fld>
             <a:r>
               <a:rPr lang="de-DE"/>
@@ -6581,7 +7572,7 @@
 </p:sld>
 </file>
 
-<file path=ppt/slides/slide11.xml><?xml version="1.0" encoding="utf-8"?>
+<file path=ppt/slides/slide12.xml><?xml version="1.0" encoding="utf-8"?>
 <p:sld xmlns:a="http://schemas.openxmlformats.org/drawingml/2006/main" xmlns:r="http://schemas.openxmlformats.org/officeDocument/2006/relationships" xmlns:p="http://schemas.openxmlformats.org/presentationml/2006/main">
   <p:cSld>
     <p:spTree>
@@ -6687,7 +7678,7 @@
           <a:p>
             <a:fld id="{506DEF79-D5F3-42ED-9335-D73AD216BB54}" type="slidenum">
               <a:rPr lang="de-DE" smtClean="0"/>
-              <a:t>11</a:t>
+              <a:t>12</a:t>
             </a:fld>
             <a:r>
               <a:rPr lang="de-DE" dirty="0"/>
@@ -7048,7 +8039,7 @@
 </p:sld>
 </file>
 
-<file path=ppt/slides/slide12.xml><?xml version="1.0" encoding="utf-8"?>
+<file path=ppt/slides/slide13.xml><?xml version="1.0" encoding="utf-8"?>
 <p:sld xmlns:a="http://schemas.openxmlformats.org/drawingml/2006/main" xmlns:r="http://schemas.openxmlformats.org/officeDocument/2006/relationships" xmlns:p="http://schemas.openxmlformats.org/presentationml/2006/main">
   <p:cSld>
     <p:spTree>
@@ -7342,7 +8333,7 @@
             <a:fld id="{506DEF79-D5F3-42ED-9335-D73AD216BB54}" type="slidenum">
               <a:rPr lang="de-DE" smtClean="0"/>
               <a:pPr/>
-              <a:t>12</a:t>
+              <a:t>13</a:t>
             </a:fld>
             <a:r>
               <a:rPr lang="de-DE"/>
@@ -7364,7 +8355,7 @@
 </p:sld>
 </file>
 
-<file path=ppt/slides/slide13.xml><?xml version="1.0" encoding="utf-8"?>
+<file path=ppt/slides/slide14.xml><?xml version="1.0" encoding="utf-8"?>
 <p:sld xmlns:a="http://schemas.openxmlformats.org/drawingml/2006/main" xmlns:r="http://schemas.openxmlformats.org/officeDocument/2006/relationships" xmlns:p="http://schemas.openxmlformats.org/presentationml/2006/main">
   <p:cSld>
     <p:spTree>
@@ -8092,7 +9083,7 @@
             <a:fld id="{506DEF79-D5F3-42ED-9335-D73AD216BB54}" type="slidenum">
               <a:rPr lang="de-DE" smtClean="0"/>
               <a:pPr/>
-              <a:t>13</a:t>
+              <a:t>14</a:t>
             </a:fld>
             <a:r>
               <a:rPr lang="de-DE"/>
@@ -8316,7 +9307,7 @@
 </p:sld>
 </file>
 
-<file path=ppt/slides/slide14.xml><?xml version="1.0" encoding="utf-8"?>
+<file path=ppt/slides/slide15.xml><?xml version="1.0" encoding="utf-8"?>
 <p:sld xmlns:a="http://schemas.openxmlformats.org/drawingml/2006/main" xmlns:r="http://schemas.openxmlformats.org/officeDocument/2006/relationships" xmlns:p="http://schemas.openxmlformats.org/presentationml/2006/main">
   <p:cSld>
     <p:spTree>
@@ -8372,7 +9363,7 @@
           <a:p>
             <a:fld id="{AC76F9B2-121F-446C-A37F-B7F54BF3DCAC}" type="slidenum">
               <a:rPr lang="de-DE" smtClean="0"/>
-              <a:t>14</a:t>
+              <a:t>15</a:t>
             </a:fld>
             <a:endParaRPr lang="de-DE"/>
           </a:p>
@@ -9162,7 +10153,7 @@
 </p:sld>
 </file>
 
-<file path=ppt/slides/slide15.xml><?xml version="1.0" encoding="utf-8"?>
+<file path=ppt/slides/slide16.xml><?xml version="1.0" encoding="utf-8"?>
 <p:sld xmlns:a="http://schemas.openxmlformats.org/drawingml/2006/main" xmlns:r="http://schemas.openxmlformats.org/officeDocument/2006/relationships" xmlns:p="http://schemas.openxmlformats.org/presentationml/2006/main">
   <p:cSld>
     <p:spTree>
@@ -9218,7 +10209,7 @@
           <a:p>
             <a:fld id="{AC76F9B2-121F-446C-A37F-B7F54BF3DCAC}" type="slidenum">
               <a:rPr lang="de-DE" smtClean="0"/>
-              <a:t>15</a:t>
+              <a:t>16</a:t>
             </a:fld>
             <a:endParaRPr lang="de-DE"/>
           </a:p>
@@ -10188,7 +11179,7 @@
 </p:sld>
 </file>
 
-<file path=ppt/slides/slide16.xml><?xml version="1.0" encoding="utf-8"?>
+<file path=ppt/slides/slide17.xml><?xml version="1.0" encoding="utf-8"?>
 <p:sld xmlns:a="http://schemas.openxmlformats.org/drawingml/2006/main" xmlns:r="http://schemas.openxmlformats.org/officeDocument/2006/relationships" xmlns:p="http://schemas.openxmlformats.org/presentationml/2006/main">
   <p:cSld>
     <p:spTree>
@@ -10338,7 +11329,7 @@
             <a:fld id="{506DEF79-D5F3-42ED-9335-D73AD216BB54}" type="slidenum">
               <a:rPr lang="de-DE" smtClean="0"/>
               <a:pPr/>
-              <a:t>16</a:t>
+              <a:t>17</a:t>
             </a:fld>
             <a:r>
               <a:rPr lang="de-DE"/>
@@ -10558,7 +11549,7 @@
 </p:sld>
 </file>
 
-<file path=ppt/slides/slide17.xml><?xml version="1.0" encoding="utf-8"?>
+<file path=ppt/slides/slide18.xml><?xml version="1.0" encoding="utf-8"?>
 <p:sld xmlns:a="http://schemas.openxmlformats.org/drawingml/2006/main" xmlns:r="http://schemas.openxmlformats.org/officeDocument/2006/relationships" xmlns:p="http://schemas.openxmlformats.org/presentationml/2006/main">
   <p:cSld>
     <p:spTree>
@@ -10694,7 +11685,7 @@
             <a:fld id="{506DEF79-D5F3-42ED-9335-D73AD216BB54}" type="slidenum">
               <a:rPr lang="de-DE" smtClean="0"/>
               <a:pPr/>
-              <a:t>17</a:t>
+              <a:t>18</a:t>
             </a:fld>
             <a:r>
               <a:rPr lang="de-DE"/>
@@ -11380,7 +12371,7 @@
 </p:sld>
 </file>
 
-<file path=ppt/slides/slide18.xml><?xml version="1.0" encoding="utf-8"?>
+<file path=ppt/slides/slide19.xml><?xml version="1.0" encoding="utf-8"?>
 <p:sld xmlns:a="http://schemas.openxmlformats.org/drawingml/2006/main" xmlns:r="http://schemas.openxmlformats.org/officeDocument/2006/relationships" xmlns:p="http://schemas.openxmlformats.org/presentationml/2006/main">
   <p:cSld>
     <p:spTree>
@@ -11517,7 +12508,7 @@
             <a:fld id="{506DEF79-D5F3-42ED-9335-D73AD216BB54}" type="slidenum">
               <a:rPr lang="de-DE" smtClean="0"/>
               <a:pPr/>
-              <a:t>18</a:t>
+              <a:t>19</a:t>
             </a:fld>
             <a:r>
               <a:rPr lang="de-DE"/>
@@ -11530,161 +12521,6 @@
     <p:extLst>
       <p:ext uri="{BB962C8B-B14F-4D97-AF65-F5344CB8AC3E}">
         <p14:creationId xmlns:p14="http://schemas.microsoft.com/office/powerpoint/2010/main" val="2621459993"/>
-      </p:ext>
-    </p:extLst>
-  </p:cSld>
-  <p:clrMapOvr>
-    <a:masterClrMapping/>
-  </p:clrMapOvr>
-</p:sld>
-</file>
-
-<file path=ppt/slides/slide19.xml><?xml version="1.0" encoding="utf-8"?>
-<p:sld xmlns:a="http://schemas.openxmlformats.org/drawingml/2006/main" xmlns:r="http://schemas.openxmlformats.org/officeDocument/2006/relationships" xmlns:p="http://schemas.openxmlformats.org/presentationml/2006/main">
-  <p:cSld>
-    <p:spTree>
-      <p:nvGrpSpPr>
-        <p:cNvPr id="1" name=""/>
-        <p:cNvGrpSpPr/>
-        <p:nvPr/>
-      </p:nvGrpSpPr>
-      <p:grpSpPr>
-        <a:xfrm>
-          <a:off x="0" y="0"/>
-          <a:ext cx="0" cy="0"/>
-          <a:chOff x="0" y="0"/>
-          <a:chExt cx="0" cy="0"/>
-        </a:xfrm>
-      </p:grpSpPr>
-      <p:sp>
-        <p:nvSpPr>
-          <p:cNvPr id="2" name="Title 1">
-            <a:extLst>
-              <a:ext uri="{FF2B5EF4-FFF2-40B4-BE49-F238E27FC236}">
-                <a16:creationId xmlns:a16="http://schemas.microsoft.com/office/drawing/2014/main" id="{098424BE-FF49-F740-A7D4-E1D3EA8B5AE3}"/>
-              </a:ext>
-            </a:extLst>
-          </p:cNvPr>
-          <p:cNvSpPr>
-            <a:spLocks noGrp="1"/>
-          </p:cNvSpPr>
-          <p:nvPr>
-            <p:ph type="title"/>
-          </p:nvPr>
-        </p:nvSpPr>
-        <p:spPr/>
-        <p:txBody>
-          <a:bodyPr/>
-          <a:lstStyle/>
-          <a:p>
-            <a:r>
-              <a:rPr lang="de-DE" dirty="0"/>
-              <a:t>Qualitätssicherung Testfall</a:t>
-            </a:r>
-          </a:p>
-        </p:txBody>
-      </p:sp>
-      <p:pic>
-        <p:nvPicPr>
-          <p:cNvPr id="7" name="Content Placeholder 6" descr="Test-Case Source code&#10;">
-            <a:extLst>
-              <a:ext uri="{FF2B5EF4-FFF2-40B4-BE49-F238E27FC236}">
-                <a16:creationId xmlns:a16="http://schemas.microsoft.com/office/drawing/2014/main" id="{B659A070-BC46-524C-B700-8835A1F80F7C}"/>
-              </a:ext>
-            </a:extLst>
-          </p:cNvPr>
-          <p:cNvPicPr>
-            <a:picLocks noGrp="1" noChangeAspect="1"/>
-          </p:cNvPicPr>
-          <p:nvPr>
-            <p:ph idx="1"/>
-          </p:nvPr>
-        </p:nvPicPr>
-        <p:blipFill>
-          <a:blip r:embed="rId2">
-            <a:extLst>
-              <a:ext uri="{28A0092B-C50C-407E-A947-70E740481C1C}">
-                <a14:useLocalDpi xmlns:a14="http://schemas.microsoft.com/office/drawing/2010/main" val="0"/>
-              </a:ext>
-            </a:extLst>
-          </a:blip>
-          <a:stretch>
-            <a:fillRect/>
-          </a:stretch>
-        </p:blipFill>
-        <p:spPr>
-          <a:xfrm>
-            <a:off x="1115616" y="1391742"/>
-            <a:ext cx="5900144" cy="4887604"/>
-          </a:xfrm>
-        </p:spPr>
-      </p:pic>
-      <p:sp>
-        <p:nvSpPr>
-          <p:cNvPr id="4" name="Footer Placeholder 3">
-            <a:extLst>
-              <a:ext uri="{FF2B5EF4-FFF2-40B4-BE49-F238E27FC236}">
-                <a16:creationId xmlns:a16="http://schemas.microsoft.com/office/drawing/2014/main" id="{066CEE00-AE9D-C64F-AD6F-C74565AA5BBF}"/>
-              </a:ext>
-            </a:extLst>
-          </p:cNvPr>
-          <p:cNvSpPr>
-            <a:spLocks noGrp="1"/>
-          </p:cNvSpPr>
-          <p:nvPr>
-            <p:ph type="ftr" sz="quarter" idx="11"/>
-          </p:nvPr>
-        </p:nvSpPr>
-        <p:spPr/>
-        <p:txBody>
-          <a:bodyPr/>
-          <a:lstStyle/>
-          <a:p>
-            <a:r>
-              <a:rPr lang="de-DE"/>
-              <a:t>Extreme Programming</a:t>
-            </a:r>
-            <a:endParaRPr lang="de-DE" dirty="0"/>
-          </a:p>
-        </p:txBody>
-      </p:sp>
-      <p:sp>
-        <p:nvSpPr>
-          <p:cNvPr id="5" name="Slide Number Placeholder 4">
-            <a:extLst>
-              <a:ext uri="{FF2B5EF4-FFF2-40B4-BE49-F238E27FC236}">
-                <a16:creationId xmlns:a16="http://schemas.microsoft.com/office/drawing/2014/main" id="{B98B3B2E-D20C-434A-8004-9C149E269B34}"/>
-              </a:ext>
-            </a:extLst>
-          </p:cNvPr>
-          <p:cNvSpPr>
-            <a:spLocks noGrp="1"/>
-          </p:cNvSpPr>
-          <p:nvPr>
-            <p:ph type="sldNum" sz="quarter" idx="12"/>
-          </p:nvPr>
-        </p:nvSpPr>
-        <p:spPr/>
-        <p:txBody>
-          <a:bodyPr/>
-          <a:lstStyle/>
-          <a:p>
-            <a:fld id="{506DEF79-D5F3-42ED-9335-D73AD216BB54}" type="slidenum">
-              <a:rPr lang="de-DE" smtClean="0"/>
-              <a:pPr/>
-              <a:t>19</a:t>
-            </a:fld>
-            <a:r>
-              <a:rPr lang="de-DE"/>
-              <a:t> von 16</a:t>
-            </a:r>
-          </a:p>
-        </p:txBody>
-      </p:sp>
-    </p:spTree>
-    <p:extLst>
-      <p:ext uri="{BB962C8B-B14F-4D97-AF65-F5344CB8AC3E}">
-        <p14:creationId xmlns:p14="http://schemas.microsoft.com/office/powerpoint/2010/main" val="127480081"/>
       </p:ext>
     </p:extLst>
   </p:cSld>
@@ -11910,6 +12746,161 @@
           <p:cNvPr id="2" name="Title 1">
             <a:extLst>
               <a:ext uri="{FF2B5EF4-FFF2-40B4-BE49-F238E27FC236}">
+                <a16:creationId xmlns:a16="http://schemas.microsoft.com/office/drawing/2014/main" id="{098424BE-FF49-F740-A7D4-E1D3EA8B5AE3}"/>
+              </a:ext>
+            </a:extLst>
+          </p:cNvPr>
+          <p:cNvSpPr>
+            <a:spLocks noGrp="1"/>
+          </p:cNvSpPr>
+          <p:nvPr>
+            <p:ph type="title"/>
+          </p:nvPr>
+        </p:nvSpPr>
+        <p:spPr/>
+        <p:txBody>
+          <a:bodyPr/>
+          <a:lstStyle/>
+          <a:p>
+            <a:r>
+              <a:rPr lang="de-DE" dirty="0"/>
+              <a:t>Qualitätssicherung Testfall</a:t>
+            </a:r>
+          </a:p>
+        </p:txBody>
+      </p:sp>
+      <p:pic>
+        <p:nvPicPr>
+          <p:cNvPr id="7" name="Content Placeholder 6" descr="Test-Case Source code&#10;">
+            <a:extLst>
+              <a:ext uri="{FF2B5EF4-FFF2-40B4-BE49-F238E27FC236}">
+                <a16:creationId xmlns:a16="http://schemas.microsoft.com/office/drawing/2014/main" id="{B659A070-BC46-524C-B700-8835A1F80F7C}"/>
+              </a:ext>
+            </a:extLst>
+          </p:cNvPr>
+          <p:cNvPicPr>
+            <a:picLocks noGrp="1" noChangeAspect="1"/>
+          </p:cNvPicPr>
+          <p:nvPr>
+            <p:ph idx="1"/>
+          </p:nvPr>
+        </p:nvPicPr>
+        <p:blipFill>
+          <a:blip r:embed="rId2" cstate="print">
+            <a:extLst>
+              <a:ext uri="{28A0092B-C50C-407E-A947-70E740481C1C}">
+                <a14:useLocalDpi xmlns:a14="http://schemas.microsoft.com/office/drawing/2010/main" val="0"/>
+              </a:ext>
+            </a:extLst>
+          </a:blip>
+          <a:stretch>
+            <a:fillRect/>
+          </a:stretch>
+        </p:blipFill>
+        <p:spPr>
+          <a:xfrm>
+            <a:off x="1115616" y="1391742"/>
+            <a:ext cx="5900144" cy="4887604"/>
+          </a:xfrm>
+        </p:spPr>
+      </p:pic>
+      <p:sp>
+        <p:nvSpPr>
+          <p:cNvPr id="4" name="Footer Placeholder 3">
+            <a:extLst>
+              <a:ext uri="{FF2B5EF4-FFF2-40B4-BE49-F238E27FC236}">
+                <a16:creationId xmlns:a16="http://schemas.microsoft.com/office/drawing/2014/main" id="{066CEE00-AE9D-C64F-AD6F-C74565AA5BBF}"/>
+              </a:ext>
+            </a:extLst>
+          </p:cNvPr>
+          <p:cNvSpPr>
+            <a:spLocks noGrp="1"/>
+          </p:cNvSpPr>
+          <p:nvPr>
+            <p:ph type="ftr" sz="quarter" idx="11"/>
+          </p:nvPr>
+        </p:nvSpPr>
+        <p:spPr/>
+        <p:txBody>
+          <a:bodyPr/>
+          <a:lstStyle/>
+          <a:p>
+            <a:r>
+              <a:rPr lang="de-DE"/>
+              <a:t>Extreme Programming</a:t>
+            </a:r>
+            <a:endParaRPr lang="de-DE" dirty="0"/>
+          </a:p>
+        </p:txBody>
+      </p:sp>
+      <p:sp>
+        <p:nvSpPr>
+          <p:cNvPr id="5" name="Slide Number Placeholder 4">
+            <a:extLst>
+              <a:ext uri="{FF2B5EF4-FFF2-40B4-BE49-F238E27FC236}">
+                <a16:creationId xmlns:a16="http://schemas.microsoft.com/office/drawing/2014/main" id="{B98B3B2E-D20C-434A-8004-9C149E269B34}"/>
+              </a:ext>
+            </a:extLst>
+          </p:cNvPr>
+          <p:cNvSpPr>
+            <a:spLocks noGrp="1"/>
+          </p:cNvSpPr>
+          <p:nvPr>
+            <p:ph type="sldNum" sz="quarter" idx="12"/>
+          </p:nvPr>
+        </p:nvSpPr>
+        <p:spPr/>
+        <p:txBody>
+          <a:bodyPr/>
+          <a:lstStyle/>
+          <a:p>
+            <a:fld id="{506DEF79-D5F3-42ED-9335-D73AD216BB54}" type="slidenum">
+              <a:rPr lang="de-DE" smtClean="0"/>
+              <a:pPr/>
+              <a:t>20</a:t>
+            </a:fld>
+            <a:r>
+              <a:rPr lang="de-DE"/>
+              <a:t> von 16</a:t>
+            </a:r>
+          </a:p>
+        </p:txBody>
+      </p:sp>
+    </p:spTree>
+    <p:extLst>
+      <p:ext uri="{BB962C8B-B14F-4D97-AF65-F5344CB8AC3E}">
+        <p14:creationId xmlns:p14="http://schemas.microsoft.com/office/powerpoint/2010/main" val="127480081"/>
+      </p:ext>
+    </p:extLst>
+  </p:cSld>
+  <p:clrMapOvr>
+    <a:masterClrMapping/>
+  </p:clrMapOvr>
+</p:sld>
+</file>
+
+<file path=ppt/slides/slide21.xml><?xml version="1.0" encoding="utf-8"?>
+<p:sld xmlns:a="http://schemas.openxmlformats.org/drawingml/2006/main" xmlns:r="http://schemas.openxmlformats.org/officeDocument/2006/relationships" xmlns:p="http://schemas.openxmlformats.org/presentationml/2006/main">
+  <p:cSld>
+    <p:spTree>
+      <p:nvGrpSpPr>
+        <p:cNvPr id="1" name=""/>
+        <p:cNvGrpSpPr/>
+        <p:nvPr/>
+      </p:nvGrpSpPr>
+      <p:grpSpPr>
+        <a:xfrm>
+          <a:off x="0" y="0"/>
+          <a:ext cx="0" cy="0"/>
+          <a:chOff x="0" y="0"/>
+          <a:chExt cx="0" cy="0"/>
+        </a:xfrm>
+      </p:grpSpPr>
+      <p:sp>
+        <p:nvSpPr>
+          <p:cNvPr id="2" name="Title 1">
+            <a:extLst>
+              <a:ext uri="{FF2B5EF4-FFF2-40B4-BE49-F238E27FC236}">
                 <a16:creationId xmlns:a16="http://schemas.microsoft.com/office/drawing/2014/main" id="{4E08A0F3-7CDC-FE42-921F-3AFEF9AB6929}"/>
               </a:ext>
             </a:extLst>
@@ -12020,7 +13011,7 @@
             <a:fld id="{506DEF79-D5F3-42ED-9335-D73AD216BB54}" type="slidenum">
               <a:rPr lang="de-DE" smtClean="0"/>
               <a:pPr/>
-              <a:t>20</a:t>
+              <a:t>21</a:t>
             </a:fld>
             <a:r>
               <a:rPr lang="de-DE"/>
@@ -12043,7 +13034,7 @@
 </p:sld>
 </file>
 
-<file path=ppt/slides/slide21.xml><?xml version="1.0" encoding="utf-8"?>
+<file path=ppt/slides/slide22.xml><?xml version="1.0" encoding="utf-8"?>
 <p:sld xmlns:a="http://schemas.openxmlformats.org/drawingml/2006/main" xmlns:r="http://schemas.openxmlformats.org/officeDocument/2006/relationships" xmlns:p="http://schemas.openxmlformats.org/presentationml/2006/main">
   <p:cSld>
     <p:spTree>
@@ -12175,7 +13166,7 @@
             <a:fld id="{506DEF79-D5F3-42ED-9335-D73AD216BB54}" type="slidenum">
               <a:rPr lang="de-DE" smtClean="0"/>
               <a:pPr/>
-              <a:t>21</a:t>
+              <a:t>22</a:t>
             </a:fld>
             <a:r>
               <a:rPr lang="de-DE"/>
@@ -12198,7 +13189,7 @@
 </p:sld>
 </file>
 
-<file path=ppt/slides/slide22.xml><?xml version="1.0" encoding="utf-8"?>
+<file path=ppt/slides/slide23.xml><?xml version="1.0" encoding="utf-8"?>
 <p:sld xmlns:a="http://schemas.openxmlformats.org/drawingml/2006/main" xmlns:r="http://schemas.openxmlformats.org/officeDocument/2006/relationships" xmlns:p="http://schemas.openxmlformats.org/presentationml/2006/main">
   <p:cSld>
     <p:spTree>
@@ -12336,7 +13327,7 @@
             <a:fld id="{506DEF79-D5F3-42ED-9335-D73AD216BB54}" type="slidenum">
               <a:rPr lang="de-DE" smtClean="0"/>
               <a:pPr/>
-              <a:t>22</a:t>
+              <a:t>23</a:t>
             </a:fld>
             <a:r>
               <a:rPr lang="de-DE"/>
@@ -12359,7 +13350,7 @@
 </p:sld>
 </file>
 
-<file path=ppt/slides/slide23.xml><?xml version="1.0" encoding="utf-8"?>
+<file path=ppt/slides/slide24.xml><?xml version="1.0" encoding="utf-8"?>
 <p:sld xmlns:a="http://schemas.openxmlformats.org/drawingml/2006/main" xmlns:r="http://schemas.openxmlformats.org/officeDocument/2006/relationships" xmlns:p="http://schemas.openxmlformats.org/presentationml/2006/main">
   <p:cSld>
     <p:spTree>
@@ -15625,11 +16616,11 @@
   <p:clrMapOvr>
     <a:masterClrMapping/>
   </p:clrMapOvr>
-  <mc:AlternateContent xmlns:mc="http://schemas.openxmlformats.org/markup-compatibility/2006">
-    <mc:Choice xmlns:p14="http://schemas.microsoft.com/office/powerpoint/2010/main" Requires="p14">
+  <mc:AlternateContent xmlns:mc="http://schemas.openxmlformats.org/markup-compatibility/2006" xmlns:p14="http://schemas.microsoft.com/office/powerpoint/2010/main">
+    <mc:Choice Requires="p14">
       <p:transition p14:dur="10"/>
     </mc:Choice>
-    <mc:Fallback>
+    <mc:Fallback xmlns="">
       <p:transition/>
     </mc:Fallback>
   </mc:AlternateContent>
@@ -16426,72 +17417,339 @@
       </p:grpSpPr>
       <p:sp>
         <p:nvSpPr>
-          <p:cNvPr id="2" name="Titel 1"/>
-          <p:cNvSpPr>
-            <a:spLocks noGrp="1"/>
-          </p:cNvSpPr>
-          <p:nvPr>
-            <p:ph type="title"/>
-          </p:nvPr>
-        </p:nvSpPr>
-        <p:spPr/>
-        <p:txBody>
-          <a:bodyPr>
-            <a:normAutofit fontScale="90000"/>
-          </a:bodyPr>
-          <a:lstStyle/>
-          <a:p>
-            <a:r>
-              <a:rPr lang="de-DE" dirty="0"/>
-              <a:t>Projektumfeld - Das Institut</a:t>
-            </a:r>
-          </a:p>
-        </p:txBody>
-      </p:sp>
-      <p:sp>
-        <p:nvSpPr>
-          <p:cNvPr id="6" name="Rechteck 5"/>
+          <p:cNvPr id="22" name="Rechteck 21"/>
           <p:cNvSpPr/>
           <p:nvPr/>
         </p:nvSpPr>
         <p:spPr>
           <a:xfrm>
-            <a:off x="323528" y="6237312"/>
-            <a:ext cx="1440160" cy="620688"/>
+            <a:off x="128588" y="1052736"/>
+            <a:ext cx="2081212" cy="328613"/>
           </a:xfrm>
           <a:prstGeom prst="rect">
             <a:avLst/>
           </a:prstGeom>
-          <a:ln>
-            <a:noFill/>
-          </a:ln>
         </p:spPr>
         <p:style>
           <a:lnRef idx="2">
-            <a:schemeClr val="dk1"/>
+            <a:schemeClr val="accent1"/>
           </a:lnRef>
           <a:fillRef idx="1">
             <a:schemeClr val="lt1"/>
           </a:fillRef>
           <a:effectRef idx="0">
-            <a:schemeClr val="dk1"/>
+            <a:schemeClr val="accent1"/>
           </a:effectRef>
           <a:fontRef idx="minor">
             <a:schemeClr val="dk1"/>
           </a:fontRef>
         </p:style>
         <p:txBody>
-          <a:bodyPr rtlCol="0" anchor="ctr"/>
+          <a:bodyPr anchor="ctr"/>
           <a:lstStyle/>
           <a:p>
-            <a:pPr algn="ctr"/>
-            <a:endParaRPr lang="de-DE"/>
+            <a:pPr algn="ctr">
+              <a:defRPr/>
+            </a:pPr>
+            <a:r>
+              <a:rPr lang="de-DE" sz="1600" b="1" dirty="0">
+                <a:latin typeface="Rotis SemiSans Pro" pitchFamily="50" charset="0"/>
+              </a:rPr>
+              <a:t>Reflektion</a:t>
+            </a:r>
+            <a:endParaRPr lang="de-DE" sz="2000" b="1" dirty="0">
+              <a:latin typeface="Rotis SemiSans Pro" pitchFamily="50" charset="0"/>
+            </a:endParaRPr>
+          </a:p>
+        </p:txBody>
+      </p:sp>
+      <p:cxnSp>
+        <p:nvCxnSpPr>
+          <p:cNvPr id="23" name="Gerade Verbindung 22"/>
+          <p:cNvCxnSpPr/>
+          <p:nvPr/>
+        </p:nvCxnSpPr>
+        <p:spPr>
+          <a:xfrm>
+            <a:off x="2392363" y="980728"/>
+            <a:ext cx="0" cy="5256584"/>
+          </a:xfrm>
+          <a:prstGeom prst="line">
+            <a:avLst/>
+          </a:prstGeom>
+          <a:ln/>
+        </p:spPr>
+        <p:style>
+          <a:lnRef idx="1">
+            <a:schemeClr val="dk1"/>
+          </a:lnRef>
+          <a:fillRef idx="0">
+            <a:schemeClr val="dk1"/>
+          </a:fillRef>
+          <a:effectRef idx="0">
+            <a:schemeClr val="dk1"/>
+          </a:effectRef>
+          <a:fontRef idx="minor">
+            <a:schemeClr val="tx1"/>
+          </a:fontRef>
+        </p:style>
+      </p:cxnSp>
+      <p:cxnSp>
+        <p:nvCxnSpPr>
+          <p:cNvPr id="24" name="Gerade Verbindung 23"/>
+          <p:cNvCxnSpPr/>
+          <p:nvPr/>
+        </p:nvCxnSpPr>
+        <p:spPr>
+          <a:xfrm>
+            <a:off x="128588" y="6309320"/>
+            <a:ext cx="8885237" cy="0"/>
+          </a:xfrm>
+          <a:prstGeom prst="line">
+            <a:avLst/>
+          </a:prstGeom>
+        </p:spPr>
+        <p:style>
+          <a:lnRef idx="1">
+            <a:schemeClr val="dk1"/>
+          </a:lnRef>
+          <a:fillRef idx="0">
+            <a:schemeClr val="dk1"/>
+          </a:fillRef>
+          <a:effectRef idx="0">
+            <a:schemeClr val="dk1"/>
+          </a:effectRef>
+          <a:fontRef idx="minor">
+            <a:schemeClr val="tx1"/>
+          </a:fontRef>
+        </p:style>
+      </p:cxnSp>
+      <p:cxnSp>
+        <p:nvCxnSpPr>
+          <p:cNvPr id="26" name="Gerade Verbindung 25"/>
+          <p:cNvCxnSpPr/>
+          <p:nvPr/>
+        </p:nvCxnSpPr>
+        <p:spPr>
+          <a:xfrm>
+            <a:off x="128587" y="908720"/>
+            <a:ext cx="8885237" cy="0"/>
+          </a:xfrm>
+          <a:prstGeom prst="line">
+            <a:avLst/>
+          </a:prstGeom>
+        </p:spPr>
+        <p:style>
+          <a:lnRef idx="1">
+            <a:schemeClr val="dk1"/>
+          </a:lnRef>
+          <a:fillRef idx="0">
+            <a:schemeClr val="dk1"/>
+          </a:fillRef>
+          <a:effectRef idx="0">
+            <a:schemeClr val="dk1"/>
+          </a:effectRef>
+          <a:fontRef idx="minor">
+            <a:schemeClr val="tx1"/>
+          </a:fontRef>
+        </p:style>
+      </p:cxnSp>
+      <p:sp>
+        <p:nvSpPr>
+          <p:cNvPr id="27" name="Titel 1"/>
+          <p:cNvSpPr txBox="1">
+            <a:spLocks/>
+          </p:cNvSpPr>
+          <p:nvPr/>
+        </p:nvSpPr>
+        <p:spPr bwMode="auto">
+          <a:xfrm>
+            <a:off x="3779912" y="349920"/>
+            <a:ext cx="5299075" cy="558800"/>
+          </a:xfrm>
+          <a:prstGeom prst="rect">
+            <a:avLst/>
+          </a:prstGeom>
+          <a:noFill/>
+          <a:ln>
+            <a:noFill/>
+          </a:ln>
+          <a:extLst>
+            <a:ext uri="{909E8E84-426E-40DD-AFC4-6F175D3DCCD1}">
+              <a14:hiddenFill xmlns:a14="http://schemas.microsoft.com/office/drawing/2010/main">
+                <a:solidFill>
+                  <a:srgbClr val="FFFFFF"/>
+                </a:solidFill>
+              </a14:hiddenFill>
+            </a:ext>
+            <a:ext uri="{91240B29-F687-4F45-9708-019B960494DF}">
+              <a14:hiddenLine xmlns:a14="http://schemas.microsoft.com/office/drawing/2010/main" w="9525">
+                <a:solidFill>
+                  <a:srgbClr val="000000"/>
+                </a:solidFill>
+                <a:miter lim="800000"/>
+                <a:headEnd/>
+                <a:tailEnd/>
+              </a14:hiddenLine>
+            </a:ext>
+          </a:extLst>
+        </p:spPr>
+        <p:txBody>
+          <a:bodyPr anchor="ctr"/>
+          <a:lstStyle>
+            <a:lvl1pPr eaLnBrk="0" hangingPunct="0">
+              <a:spcBef>
+                <a:spcPct val="20000"/>
+              </a:spcBef>
+              <a:buFont typeface="Arial" charset="0"/>
+              <a:buChar char="•"/>
+              <a:defRPr sz="3200">
+                <a:solidFill>
+                  <a:schemeClr val="tx1"/>
+                </a:solidFill>
+                <a:latin typeface="Arial" charset="0"/>
+              </a:defRPr>
+            </a:lvl1pPr>
+            <a:lvl2pPr marL="742950" indent="-285750" eaLnBrk="0" hangingPunct="0">
+              <a:spcBef>
+                <a:spcPct val="20000"/>
+              </a:spcBef>
+              <a:buFont typeface="Arial" charset="0"/>
+              <a:buChar char="–"/>
+              <a:defRPr sz="2800">
+                <a:solidFill>
+                  <a:schemeClr val="tx1"/>
+                </a:solidFill>
+                <a:latin typeface="Arial" charset="0"/>
+              </a:defRPr>
+            </a:lvl2pPr>
+            <a:lvl3pPr marL="1143000" indent="-228600" eaLnBrk="0" hangingPunct="0">
+              <a:spcBef>
+                <a:spcPct val="20000"/>
+              </a:spcBef>
+              <a:buFont typeface="Arial" charset="0"/>
+              <a:buChar char="•"/>
+              <a:defRPr sz="2400">
+                <a:solidFill>
+                  <a:schemeClr val="tx1"/>
+                </a:solidFill>
+                <a:latin typeface="Arial" charset="0"/>
+              </a:defRPr>
+            </a:lvl3pPr>
+            <a:lvl4pPr marL="1600200" indent="-228600" eaLnBrk="0" hangingPunct="0">
+              <a:spcBef>
+                <a:spcPct val="20000"/>
+              </a:spcBef>
+              <a:buFont typeface="Arial" charset="0"/>
+              <a:buChar char="–"/>
+              <a:defRPr sz="2000">
+                <a:solidFill>
+                  <a:schemeClr val="tx1"/>
+                </a:solidFill>
+                <a:latin typeface="Arial" charset="0"/>
+              </a:defRPr>
+            </a:lvl4pPr>
+            <a:lvl5pPr marL="2057400" indent="-228600" eaLnBrk="0" hangingPunct="0">
+              <a:spcBef>
+                <a:spcPct val="20000"/>
+              </a:spcBef>
+              <a:buFont typeface="Arial" charset="0"/>
+              <a:buChar char="»"/>
+              <a:defRPr sz="2000">
+                <a:solidFill>
+                  <a:schemeClr val="tx1"/>
+                </a:solidFill>
+                <a:latin typeface="Arial" charset="0"/>
+              </a:defRPr>
+            </a:lvl5pPr>
+            <a:lvl6pPr marL="2514600" indent="-228600" eaLnBrk="0" fontAlgn="base" hangingPunct="0">
+              <a:spcBef>
+                <a:spcPct val="20000"/>
+              </a:spcBef>
+              <a:spcAft>
+                <a:spcPct val="0"/>
+              </a:spcAft>
+              <a:buFont typeface="Arial" charset="0"/>
+              <a:buChar char="»"/>
+              <a:defRPr sz="2000">
+                <a:solidFill>
+                  <a:schemeClr val="tx1"/>
+                </a:solidFill>
+                <a:latin typeface="Arial" charset="0"/>
+              </a:defRPr>
+            </a:lvl6pPr>
+            <a:lvl7pPr marL="2971800" indent="-228600" eaLnBrk="0" fontAlgn="base" hangingPunct="0">
+              <a:spcBef>
+                <a:spcPct val="20000"/>
+              </a:spcBef>
+              <a:spcAft>
+                <a:spcPct val="0"/>
+              </a:spcAft>
+              <a:buFont typeface="Arial" charset="0"/>
+              <a:buChar char="»"/>
+              <a:defRPr sz="2000">
+                <a:solidFill>
+                  <a:schemeClr val="tx1"/>
+                </a:solidFill>
+                <a:latin typeface="Arial" charset="0"/>
+              </a:defRPr>
+            </a:lvl7pPr>
+            <a:lvl8pPr marL="3429000" indent="-228600" eaLnBrk="0" fontAlgn="base" hangingPunct="0">
+              <a:spcBef>
+                <a:spcPct val="20000"/>
+              </a:spcBef>
+              <a:spcAft>
+                <a:spcPct val="0"/>
+              </a:spcAft>
+              <a:buFont typeface="Arial" charset="0"/>
+              <a:buChar char="»"/>
+              <a:defRPr sz="2000">
+                <a:solidFill>
+                  <a:schemeClr val="tx1"/>
+                </a:solidFill>
+                <a:latin typeface="Arial" charset="0"/>
+              </a:defRPr>
+            </a:lvl8pPr>
+            <a:lvl9pPr marL="3886200" indent="-228600" eaLnBrk="0" fontAlgn="base" hangingPunct="0">
+              <a:spcBef>
+                <a:spcPct val="20000"/>
+              </a:spcBef>
+              <a:spcAft>
+                <a:spcPct val="0"/>
+              </a:spcAft>
+              <a:buFont typeface="Arial" charset="0"/>
+              <a:buChar char="»"/>
+              <a:defRPr sz="2000">
+                <a:solidFill>
+                  <a:schemeClr val="tx1"/>
+                </a:solidFill>
+                <a:latin typeface="Arial" charset="0"/>
+              </a:defRPr>
+            </a:lvl9pPr>
+          </a:lstStyle>
+          <a:p>
+            <a:pPr>
+              <a:spcBef>
+                <a:spcPct val="0"/>
+              </a:spcBef>
+              <a:buFontTx/>
+              <a:buNone/>
+            </a:pPr>
+            <a:r>
+              <a:rPr lang="de-DE" altLang="de-DE" sz="1400" b="1" dirty="0">
+                <a:latin typeface="Rotis SemiSans Pro" pitchFamily="50" charset="0"/>
+              </a:rPr>
+              <a:t>Erweiterung QES Export</a:t>
+            </a:r>
+            <a:endParaRPr lang="de-DE" altLang="de-DE" sz="3600" dirty="0">
+              <a:latin typeface="Rotis SemiSans Pro" pitchFamily="50" charset="0"/>
+            </a:endParaRPr>
           </a:p>
         </p:txBody>
       </p:sp>
       <p:sp>
         <p:nvSpPr>
-          <p:cNvPr id="7" name="Foliennummernplatzhalter 6"/>
+          <p:cNvPr id="30" name="Foliennummernplatzhalter 29"/>
           <p:cNvSpPr>
             <a:spLocks noGrp="1"/>
           </p:cNvSpPr>
@@ -16504,48 +17762,885 @@
           <a:bodyPr/>
           <a:lstStyle/>
           <a:p>
-            <a:fld id="{AC76F9B2-121F-446C-A37F-B7F54BF3DCAC}" type="slidenum">
+            <a:fld id="{506DEF79-D5F3-42ED-9335-D73AD216BB54}" type="slidenum">
               <a:rPr lang="de-DE" smtClean="0"/>
+              <a:pPr/>
               <a:t>8</a:t>
             </a:fld>
             <a:endParaRPr lang="de-DE" dirty="0"/>
           </a:p>
         </p:txBody>
       </p:sp>
-      <p:pic>
-        <p:nvPicPr>
-          <p:cNvPr id="3" name="Picture 2">
-            <a:extLst>
-              <a:ext uri="{FF2B5EF4-FFF2-40B4-BE49-F238E27FC236}">
-                <a16:creationId xmlns:a16="http://schemas.microsoft.com/office/drawing/2014/main" id="{59164D2C-E2DF-EA48-8243-D028C4461300}"/>
-              </a:ext>
-            </a:extLst>
-          </p:cNvPr>
-          <p:cNvPicPr>
-            <a:picLocks noChangeAspect="1"/>
-          </p:cNvPicPr>
+      <p:sp>
+        <p:nvSpPr>
+          <p:cNvPr id="31" name="Rechteck 4104"/>
+          <p:cNvSpPr>
+            <a:spLocks noChangeArrowheads="1"/>
+          </p:cNvSpPr>
           <p:nvPr/>
-        </p:nvPicPr>
-        <p:blipFill>
-          <a:blip r:embed="rId3"/>
-          <a:stretch>
-            <a:fillRect/>
-          </a:stretch>
-        </p:blipFill>
-        <p:spPr>
+        </p:nvSpPr>
+        <p:spPr bwMode="auto">
           <a:xfrm>
-            <a:off x="1034412" y="1412197"/>
-            <a:ext cx="7075176" cy="5009917"/>
+            <a:off x="2555776" y="980728"/>
+            <a:ext cx="6523037" cy="400050"/>
           </a:xfrm>
           <a:prstGeom prst="rect">
             <a:avLst/>
           </a:prstGeom>
+          <a:noFill/>
+          <a:ln>
+            <a:noFill/>
+          </a:ln>
+          <a:extLst>
+            <a:ext uri="{909E8E84-426E-40DD-AFC4-6F175D3DCCD1}">
+              <a14:hiddenFill xmlns:a14="http://schemas.microsoft.com/office/drawing/2010/main">
+                <a:solidFill>
+                  <a:srgbClr val="FFFFFF"/>
+                </a:solidFill>
+              </a14:hiddenFill>
+            </a:ext>
+            <a:ext uri="{91240B29-F687-4F45-9708-019B960494DF}">
+              <a14:hiddenLine xmlns:a14="http://schemas.microsoft.com/office/drawing/2010/main" w="9525">
+                <a:solidFill>
+                  <a:srgbClr val="000000"/>
+                </a:solidFill>
+                <a:miter lim="800000"/>
+                <a:headEnd/>
+                <a:tailEnd/>
+              </a14:hiddenLine>
+            </a:ext>
+          </a:extLst>
         </p:spPr>
-      </p:pic>
+        <p:txBody>
+          <a:bodyPr>
+            <a:spAutoFit/>
+          </a:bodyPr>
+          <a:lstStyle>
+            <a:lvl1pPr eaLnBrk="0" hangingPunct="0">
+              <a:spcBef>
+                <a:spcPct val="20000"/>
+              </a:spcBef>
+              <a:buFont typeface="Arial" charset="0"/>
+              <a:buChar char="•"/>
+              <a:defRPr sz="3200">
+                <a:solidFill>
+                  <a:schemeClr val="tx1"/>
+                </a:solidFill>
+                <a:latin typeface="Arial" charset="0"/>
+              </a:defRPr>
+            </a:lvl1pPr>
+            <a:lvl2pPr marL="742950" indent="-285750" eaLnBrk="0" hangingPunct="0">
+              <a:spcBef>
+                <a:spcPct val="20000"/>
+              </a:spcBef>
+              <a:buFont typeface="Arial" charset="0"/>
+              <a:buChar char="–"/>
+              <a:defRPr sz="2800">
+                <a:solidFill>
+                  <a:schemeClr val="tx1"/>
+                </a:solidFill>
+                <a:latin typeface="Arial" charset="0"/>
+              </a:defRPr>
+            </a:lvl2pPr>
+            <a:lvl3pPr marL="1143000" indent="-228600" eaLnBrk="0" hangingPunct="0">
+              <a:spcBef>
+                <a:spcPct val="20000"/>
+              </a:spcBef>
+              <a:buFont typeface="Arial" charset="0"/>
+              <a:buChar char="•"/>
+              <a:defRPr sz="2400">
+                <a:solidFill>
+                  <a:schemeClr val="tx1"/>
+                </a:solidFill>
+                <a:latin typeface="Arial" charset="0"/>
+              </a:defRPr>
+            </a:lvl3pPr>
+            <a:lvl4pPr marL="1600200" indent="-228600" eaLnBrk="0" hangingPunct="0">
+              <a:spcBef>
+                <a:spcPct val="20000"/>
+              </a:spcBef>
+              <a:buFont typeface="Arial" charset="0"/>
+              <a:buChar char="–"/>
+              <a:defRPr sz="2000">
+                <a:solidFill>
+                  <a:schemeClr val="tx1"/>
+                </a:solidFill>
+                <a:latin typeface="Arial" charset="0"/>
+              </a:defRPr>
+            </a:lvl4pPr>
+            <a:lvl5pPr marL="2057400" indent="-228600" eaLnBrk="0" hangingPunct="0">
+              <a:spcBef>
+                <a:spcPct val="20000"/>
+              </a:spcBef>
+              <a:buFont typeface="Arial" charset="0"/>
+              <a:buChar char="»"/>
+              <a:defRPr sz="2000">
+                <a:solidFill>
+                  <a:schemeClr val="tx1"/>
+                </a:solidFill>
+                <a:latin typeface="Arial" charset="0"/>
+              </a:defRPr>
+            </a:lvl5pPr>
+            <a:lvl6pPr marL="2514600" indent="-228600" eaLnBrk="0" fontAlgn="base" hangingPunct="0">
+              <a:spcBef>
+                <a:spcPct val="20000"/>
+              </a:spcBef>
+              <a:spcAft>
+                <a:spcPct val="0"/>
+              </a:spcAft>
+              <a:buFont typeface="Arial" charset="0"/>
+              <a:buChar char="»"/>
+              <a:defRPr sz="2000">
+                <a:solidFill>
+                  <a:schemeClr val="tx1"/>
+                </a:solidFill>
+                <a:latin typeface="Arial" charset="0"/>
+              </a:defRPr>
+            </a:lvl6pPr>
+            <a:lvl7pPr marL="2971800" indent="-228600" eaLnBrk="0" fontAlgn="base" hangingPunct="0">
+              <a:spcBef>
+                <a:spcPct val="20000"/>
+              </a:spcBef>
+              <a:spcAft>
+                <a:spcPct val="0"/>
+              </a:spcAft>
+              <a:buFont typeface="Arial" charset="0"/>
+              <a:buChar char="»"/>
+              <a:defRPr sz="2000">
+                <a:solidFill>
+                  <a:schemeClr val="tx1"/>
+                </a:solidFill>
+                <a:latin typeface="Arial" charset="0"/>
+              </a:defRPr>
+            </a:lvl7pPr>
+            <a:lvl8pPr marL="3429000" indent="-228600" eaLnBrk="0" fontAlgn="base" hangingPunct="0">
+              <a:spcBef>
+                <a:spcPct val="20000"/>
+              </a:spcBef>
+              <a:spcAft>
+                <a:spcPct val="0"/>
+              </a:spcAft>
+              <a:buFont typeface="Arial" charset="0"/>
+              <a:buChar char="»"/>
+              <a:defRPr sz="2000">
+                <a:solidFill>
+                  <a:schemeClr val="tx1"/>
+                </a:solidFill>
+                <a:latin typeface="Arial" charset="0"/>
+              </a:defRPr>
+            </a:lvl8pPr>
+            <a:lvl9pPr marL="3886200" indent="-228600" eaLnBrk="0" fontAlgn="base" hangingPunct="0">
+              <a:spcBef>
+                <a:spcPct val="20000"/>
+              </a:spcBef>
+              <a:spcAft>
+                <a:spcPct val="0"/>
+              </a:spcAft>
+              <a:buFont typeface="Arial" charset="0"/>
+              <a:buChar char="»"/>
+              <a:defRPr sz="2000">
+                <a:solidFill>
+                  <a:schemeClr val="tx1"/>
+                </a:solidFill>
+                <a:latin typeface="Arial" charset="0"/>
+              </a:defRPr>
+            </a:lvl9pPr>
+          </a:lstStyle>
+          <a:p>
+            <a:pPr eaLnBrk="1" hangingPunct="1">
+              <a:spcBef>
+                <a:spcPct val="0"/>
+              </a:spcBef>
+              <a:buNone/>
+            </a:pPr>
+            <a:r>
+              <a:rPr lang="de-DE" altLang="de-DE" sz="2000" b="1" dirty="0">
+                <a:latin typeface="Rotis SemiSans Pro" pitchFamily="50" charset="0"/>
+              </a:rPr>
+              <a:t>Organisation - Organigramm</a:t>
+            </a:r>
+          </a:p>
+        </p:txBody>
+      </p:sp>
+      <p:sp>
+        <p:nvSpPr>
+          <p:cNvPr id="15" name="Rechteck 14"/>
+          <p:cNvSpPr/>
+          <p:nvPr/>
+        </p:nvSpPr>
+        <p:spPr>
+          <a:xfrm>
+            <a:off x="128588" y="2348880"/>
+            <a:ext cx="2081212" cy="328613"/>
+          </a:xfrm>
+          <a:prstGeom prst="rect">
+            <a:avLst/>
+          </a:prstGeom>
+          <a:ln>
+            <a:solidFill>
+              <a:schemeClr val="bg2">
+                <a:lumMod val="90000"/>
+              </a:schemeClr>
+            </a:solidFill>
+          </a:ln>
+        </p:spPr>
+        <p:style>
+          <a:lnRef idx="2">
+            <a:schemeClr val="accent3"/>
+          </a:lnRef>
+          <a:fillRef idx="1">
+            <a:schemeClr val="lt1"/>
+          </a:fillRef>
+          <a:effectRef idx="0">
+            <a:schemeClr val="accent3"/>
+          </a:effectRef>
+          <a:fontRef idx="minor">
+            <a:schemeClr val="dk1"/>
+          </a:fontRef>
+        </p:style>
+        <p:txBody>
+          <a:bodyPr anchor="ctr"/>
+          <a:lstStyle/>
+          <a:p>
+            <a:pPr algn="ctr">
+              <a:defRPr/>
+            </a:pPr>
+            <a:r>
+              <a:rPr lang="de-DE" sz="1200" dirty="0">
+                <a:latin typeface="Rotis SemiSans Pro" pitchFamily="50" charset="0"/>
+              </a:rPr>
+              <a:t>Akzeptanz</a:t>
+            </a:r>
+            <a:endParaRPr lang="de-DE" sz="1100" dirty="0">
+              <a:latin typeface="Rotis SemiSans Pro" pitchFamily="50" charset="0"/>
+            </a:endParaRPr>
+          </a:p>
+        </p:txBody>
+      </p:sp>
+      <p:sp>
+        <p:nvSpPr>
+          <p:cNvPr id="17" name="Rechteck 16"/>
+          <p:cNvSpPr/>
+          <p:nvPr/>
+        </p:nvSpPr>
+        <p:spPr>
+          <a:xfrm>
+            <a:off x="128588" y="1916832"/>
+            <a:ext cx="2081212" cy="327025"/>
+          </a:xfrm>
+          <a:prstGeom prst="rect">
+            <a:avLst/>
+          </a:prstGeom>
+          <a:ln>
+            <a:solidFill>
+              <a:schemeClr val="bg2">
+                <a:lumMod val="90000"/>
+              </a:schemeClr>
+            </a:solidFill>
+          </a:ln>
+        </p:spPr>
+        <p:style>
+          <a:lnRef idx="2">
+            <a:schemeClr val="accent3"/>
+          </a:lnRef>
+          <a:fillRef idx="1">
+            <a:schemeClr val="lt1"/>
+          </a:fillRef>
+          <a:effectRef idx="0">
+            <a:schemeClr val="accent3"/>
+          </a:effectRef>
+          <a:fontRef idx="minor">
+            <a:schemeClr val="dk1"/>
+          </a:fontRef>
+        </p:style>
+        <p:txBody>
+          <a:bodyPr anchor="ctr"/>
+          <a:lstStyle/>
+          <a:p>
+            <a:pPr algn="ctr">
+              <a:buFont typeface="Arial" charset="0"/>
+              <a:buNone/>
+              <a:defRPr/>
+            </a:pPr>
+            <a:r>
+              <a:rPr lang="de-DE" altLang="de-DE" sz="1200" dirty="0">
+                <a:latin typeface="Rotis SemiSans Pro" pitchFamily="50" charset="0"/>
+              </a:rPr>
+              <a:t>Lösung</a:t>
+            </a:r>
+          </a:p>
+        </p:txBody>
+      </p:sp>
+      <p:sp>
+        <p:nvSpPr>
+          <p:cNvPr id="18" name="Rechteck 17"/>
+          <p:cNvSpPr/>
+          <p:nvPr/>
+        </p:nvSpPr>
+        <p:spPr>
+          <a:xfrm>
+            <a:off x="128588" y="1484784"/>
+            <a:ext cx="2081212" cy="328613"/>
+          </a:xfrm>
+          <a:prstGeom prst="rect">
+            <a:avLst/>
+          </a:prstGeom>
+          <a:ln>
+            <a:solidFill>
+              <a:schemeClr val="accent3"/>
+            </a:solidFill>
+          </a:ln>
+        </p:spPr>
+        <p:style>
+          <a:lnRef idx="2">
+            <a:schemeClr val="accent3"/>
+          </a:lnRef>
+          <a:fillRef idx="1">
+            <a:schemeClr val="lt1"/>
+          </a:fillRef>
+          <a:effectRef idx="0">
+            <a:schemeClr val="accent3"/>
+          </a:effectRef>
+          <a:fontRef idx="minor">
+            <a:schemeClr val="dk1"/>
+          </a:fontRef>
+        </p:style>
+        <p:txBody>
+          <a:bodyPr anchor="ctr"/>
+          <a:lstStyle/>
+          <a:p>
+            <a:pPr algn="ctr">
+              <a:buFont typeface="Arial" charset="0"/>
+              <a:buNone/>
+              <a:defRPr/>
+            </a:pPr>
+            <a:r>
+              <a:rPr lang="de-DE" altLang="de-DE" sz="1200" b="1" dirty="0">
+                <a:latin typeface="Rotis SemiSans Pro" pitchFamily="50" charset="0"/>
+              </a:rPr>
+              <a:t>Nutzwertanalyse</a:t>
+            </a:r>
+          </a:p>
+        </p:txBody>
+      </p:sp>
+      <p:graphicFrame>
+        <p:nvGraphicFramePr>
+          <p:cNvPr id="2" name="Table 1">
+            <a:extLst>
+              <a:ext uri="{FF2B5EF4-FFF2-40B4-BE49-F238E27FC236}">
+                <a16:creationId xmlns:a16="http://schemas.microsoft.com/office/drawing/2014/main" id="{2ACD2FC1-81D7-40D7-96C4-83747545C575}"/>
+              </a:ext>
+            </a:extLst>
+          </p:cNvPr>
+          <p:cNvGraphicFramePr>
+            <a:graphicFrameLocks noGrp="1"/>
+          </p:cNvGraphicFramePr>
+          <p:nvPr>
+            <p:extLst>
+              <p:ext uri="{D42A27DB-BD31-4B8C-83A1-F6EECF244321}">
+                <p14:modId xmlns:p14="http://schemas.microsoft.com/office/powerpoint/2010/main" val="836299909"/>
+              </p:ext>
+            </p:extLst>
+          </p:nvPr>
+        </p:nvGraphicFramePr>
+        <p:xfrm>
+          <a:off x="2483774" y="1447994"/>
+          <a:ext cx="6530050" cy="2494280"/>
+        </p:xfrm>
+        <a:graphic>
+          <a:graphicData uri="http://schemas.openxmlformats.org/drawingml/2006/table">
+            <a:tbl>
+              <a:tblPr firstRow="1" bandRow="1">
+                <a:tableStyleId>{7DF18680-E054-41AD-8BC1-D1AEF772440D}</a:tableStyleId>
+              </a:tblPr>
+              <a:tblGrid>
+                <a:gridCol w="1781500">
+                  <a:extLst>
+                    <a:ext uri="{9D8B030D-6E8A-4147-A177-3AD203B41FA5}">
+                      <a16:colId xmlns:a16="http://schemas.microsoft.com/office/drawing/2014/main" val="3374511798"/>
+                    </a:ext>
+                  </a:extLst>
+                </a:gridCol>
+                <a:gridCol w="817336">
+                  <a:extLst>
+                    <a:ext uri="{9D8B030D-6E8A-4147-A177-3AD203B41FA5}">
+                      <a16:colId xmlns:a16="http://schemas.microsoft.com/office/drawing/2014/main" val="2007650479"/>
+                    </a:ext>
+                  </a:extLst>
+                </a:gridCol>
+                <a:gridCol w="1663876">
+                  <a:extLst>
+                    <a:ext uri="{9D8B030D-6E8A-4147-A177-3AD203B41FA5}">
+                      <a16:colId xmlns:a16="http://schemas.microsoft.com/office/drawing/2014/main" val="1443922345"/>
+                    </a:ext>
+                  </a:extLst>
+                </a:gridCol>
+                <a:gridCol w="584389">
+                  <a:extLst>
+                    <a:ext uri="{9D8B030D-6E8A-4147-A177-3AD203B41FA5}">
+                      <a16:colId xmlns:a16="http://schemas.microsoft.com/office/drawing/2014/main" val="941689489"/>
+                    </a:ext>
+                  </a:extLst>
+                </a:gridCol>
+                <a:gridCol w="1682949">
+                  <a:extLst>
+                    <a:ext uri="{9D8B030D-6E8A-4147-A177-3AD203B41FA5}">
+                      <a16:colId xmlns:a16="http://schemas.microsoft.com/office/drawing/2014/main" val="1015195530"/>
+                    </a:ext>
+                  </a:extLst>
+                </a:gridCol>
+              </a:tblGrid>
+              <a:tr h="370840">
+                <a:tc>
+                  <a:txBody>
+                    <a:bodyPr/>
+                    <a:lstStyle/>
+                    <a:p>
+                      <a:r>
+                        <a:rPr lang="de-DE" dirty="0"/>
+                        <a:t>Kriterium</a:t>
+                      </a:r>
+                    </a:p>
+                  </a:txBody>
+                  <a:tcPr/>
+                </a:tc>
+                <a:tc>
+                  <a:txBody>
+                    <a:bodyPr/>
+                    <a:lstStyle/>
+                    <a:p>
+                      <a:r>
+                        <a:rPr lang="de-DE" dirty="0"/>
+                        <a:t>Faktor</a:t>
+                      </a:r>
+                    </a:p>
+                  </a:txBody>
+                  <a:tcPr/>
+                </a:tc>
+                <a:tc>
+                  <a:txBody>
+                    <a:bodyPr/>
+                    <a:lstStyle/>
+                    <a:p>
+                      <a:r>
+                        <a:rPr lang="de-DE" dirty="0"/>
+                        <a:t>Altes Verfahren</a:t>
+                      </a:r>
+                    </a:p>
+                  </a:txBody>
+                  <a:tcPr/>
+                </a:tc>
+                <a:tc>
+                  <a:txBody>
+                    <a:bodyPr/>
+                    <a:lstStyle/>
+                    <a:p>
+                      <a:r>
+                        <a:rPr lang="de-DE" dirty="0"/>
+                        <a:t>Qes</a:t>
+                      </a:r>
+                    </a:p>
+                  </a:txBody>
+                  <a:tcPr/>
+                </a:tc>
+                <a:tc>
+                  <a:txBody>
+                    <a:bodyPr/>
+                    <a:lstStyle/>
+                    <a:p>
+                      <a:r>
+                        <a:rPr lang="de-DE" dirty="0"/>
+                        <a:t>Qes mit Export</a:t>
+                      </a:r>
+                    </a:p>
+                  </a:txBody>
+                  <a:tcPr/>
+                </a:tc>
+                <a:extLst>
+                  <a:ext uri="{0D108BD9-81ED-4DB2-BD59-A6C34878D82A}">
+                    <a16:rowId xmlns:a16="http://schemas.microsoft.com/office/drawing/2014/main" val="3308381985"/>
+                  </a:ext>
+                </a:extLst>
+              </a:tr>
+              <a:tr h="370840">
+                <a:tc>
+                  <a:txBody>
+                    <a:bodyPr/>
+                    <a:lstStyle/>
+                    <a:p>
+                      <a:r>
+                        <a:rPr lang="de-DE" dirty="0"/>
+                        <a:t>Ergonomie</a:t>
+                      </a:r>
+                    </a:p>
+                  </a:txBody>
+                  <a:tcPr/>
+                </a:tc>
+                <a:tc>
+                  <a:txBody>
+                    <a:bodyPr/>
+                    <a:lstStyle/>
+                    <a:p>
+                      <a:r>
+                        <a:rPr lang="de-DE" dirty="0"/>
+                        <a:t>2</a:t>
+                      </a:r>
+                    </a:p>
+                  </a:txBody>
+                  <a:tcPr/>
+                </a:tc>
+                <a:tc>
+                  <a:txBody>
+                    <a:bodyPr/>
+                    <a:lstStyle/>
+                    <a:p>
+                      <a:r>
+                        <a:rPr lang="de-DE" dirty="0"/>
+                        <a:t>2</a:t>
+                      </a:r>
+                    </a:p>
+                  </a:txBody>
+                  <a:tcPr/>
+                </a:tc>
+                <a:tc>
+                  <a:txBody>
+                    <a:bodyPr/>
+                    <a:lstStyle/>
+                    <a:p>
+                      <a:r>
+                        <a:rPr lang="de-DE" dirty="0"/>
+                        <a:t>7</a:t>
+                      </a:r>
+                    </a:p>
+                  </a:txBody>
+                  <a:tcPr/>
+                </a:tc>
+                <a:tc>
+                  <a:txBody>
+                    <a:bodyPr/>
+                    <a:lstStyle/>
+                    <a:p>
+                      <a:r>
+                        <a:rPr lang="de-DE" dirty="0"/>
+                        <a:t>9</a:t>
+                      </a:r>
+                    </a:p>
+                  </a:txBody>
+                  <a:tcPr/>
+                </a:tc>
+                <a:extLst>
+                  <a:ext uri="{0D108BD9-81ED-4DB2-BD59-A6C34878D82A}">
+                    <a16:rowId xmlns:a16="http://schemas.microsoft.com/office/drawing/2014/main" val="2332832005"/>
+                  </a:ext>
+                </a:extLst>
+              </a:tr>
+              <a:tr h="370840">
+                <a:tc>
+                  <a:txBody>
+                    <a:bodyPr/>
+                    <a:lstStyle/>
+                    <a:p>
+                      <a:r>
+                        <a:rPr lang="de-DE" dirty="0"/>
+                        <a:t>Fehleranfälligkeit</a:t>
+                      </a:r>
+                    </a:p>
+                  </a:txBody>
+                  <a:tcPr/>
+                </a:tc>
+                <a:tc>
+                  <a:txBody>
+                    <a:bodyPr/>
+                    <a:lstStyle/>
+                    <a:p>
+                      <a:r>
+                        <a:rPr lang="de-DE" dirty="0"/>
+                        <a:t>3</a:t>
+                      </a:r>
+                    </a:p>
+                  </a:txBody>
+                  <a:tcPr/>
+                </a:tc>
+                <a:tc>
+                  <a:txBody>
+                    <a:bodyPr/>
+                    <a:lstStyle/>
+                    <a:p>
+                      <a:r>
+                        <a:rPr lang="de-DE" dirty="0"/>
+                        <a:t>2</a:t>
+                      </a:r>
+                    </a:p>
+                  </a:txBody>
+                  <a:tcPr/>
+                </a:tc>
+                <a:tc>
+                  <a:txBody>
+                    <a:bodyPr/>
+                    <a:lstStyle/>
+                    <a:p>
+                      <a:r>
+                        <a:rPr lang="de-DE" dirty="0"/>
+                        <a:t>9</a:t>
+                      </a:r>
+                    </a:p>
+                  </a:txBody>
+                  <a:tcPr/>
+                </a:tc>
+                <a:tc>
+                  <a:txBody>
+                    <a:bodyPr/>
+                    <a:lstStyle/>
+                    <a:p>
+                      <a:r>
+                        <a:rPr lang="de-DE" dirty="0"/>
+                        <a:t>10</a:t>
+                      </a:r>
+                    </a:p>
+                  </a:txBody>
+                  <a:tcPr/>
+                </a:tc>
+                <a:extLst>
+                  <a:ext uri="{0D108BD9-81ED-4DB2-BD59-A6C34878D82A}">
+                    <a16:rowId xmlns:a16="http://schemas.microsoft.com/office/drawing/2014/main" val="812576843"/>
+                  </a:ext>
+                </a:extLst>
+              </a:tr>
+              <a:tr h="370840">
+                <a:tc>
+                  <a:txBody>
+                    <a:bodyPr/>
+                    <a:lstStyle/>
+                    <a:p>
+                      <a:r>
+                        <a:rPr lang="de-DE" dirty="0"/>
+                        <a:t>Kosten</a:t>
+                      </a:r>
+                    </a:p>
+                  </a:txBody>
+                  <a:tcPr/>
+                </a:tc>
+                <a:tc>
+                  <a:txBody>
+                    <a:bodyPr/>
+                    <a:lstStyle/>
+                    <a:p>
+                      <a:r>
+                        <a:rPr lang="de-DE" dirty="0"/>
+                        <a:t>1</a:t>
+                      </a:r>
+                    </a:p>
+                  </a:txBody>
+                  <a:tcPr/>
+                </a:tc>
+                <a:tc>
+                  <a:txBody>
+                    <a:bodyPr/>
+                    <a:lstStyle/>
+                    <a:p>
+                      <a:r>
+                        <a:rPr lang="de-DE" dirty="0"/>
+                        <a:t>8</a:t>
+                      </a:r>
+                    </a:p>
+                  </a:txBody>
+                  <a:tcPr/>
+                </a:tc>
+                <a:tc>
+                  <a:txBody>
+                    <a:bodyPr/>
+                    <a:lstStyle/>
+                    <a:p>
+                      <a:r>
+                        <a:rPr lang="de-DE" dirty="0"/>
+                        <a:t>5</a:t>
+                      </a:r>
+                    </a:p>
+                  </a:txBody>
+                  <a:tcPr/>
+                </a:tc>
+                <a:tc>
+                  <a:txBody>
+                    <a:bodyPr/>
+                    <a:lstStyle/>
+                    <a:p>
+                      <a:r>
+                        <a:rPr lang="de-DE" dirty="0"/>
+                        <a:t>4</a:t>
+                      </a:r>
+                    </a:p>
+                  </a:txBody>
+                  <a:tcPr/>
+                </a:tc>
+                <a:extLst>
+                  <a:ext uri="{0D108BD9-81ED-4DB2-BD59-A6C34878D82A}">
+                    <a16:rowId xmlns:a16="http://schemas.microsoft.com/office/drawing/2014/main" val="1961179902"/>
+                  </a:ext>
+                </a:extLst>
+              </a:tr>
+              <a:tr h="370840">
+                <a:tc>
+                  <a:txBody>
+                    <a:bodyPr/>
+                    <a:lstStyle/>
+                    <a:p>
+                      <a:r>
+                        <a:rPr lang="de-DE" dirty="0"/>
+                        <a:t>Zeitaufwand</a:t>
+                      </a:r>
+                    </a:p>
+                  </a:txBody>
+                  <a:tcPr/>
+                </a:tc>
+                <a:tc>
+                  <a:txBody>
+                    <a:bodyPr/>
+                    <a:lstStyle/>
+                    <a:p>
+                      <a:r>
+                        <a:rPr lang="de-DE" dirty="0"/>
+                        <a:t>5</a:t>
+                      </a:r>
+                    </a:p>
+                  </a:txBody>
+                  <a:tcPr/>
+                </a:tc>
+                <a:tc>
+                  <a:txBody>
+                    <a:bodyPr/>
+                    <a:lstStyle/>
+                    <a:p>
+                      <a:r>
+                        <a:rPr lang="de-DE" dirty="0"/>
+                        <a:t>1</a:t>
+                      </a:r>
+                    </a:p>
+                  </a:txBody>
+                  <a:tcPr/>
+                </a:tc>
+                <a:tc>
+                  <a:txBody>
+                    <a:bodyPr/>
+                    <a:lstStyle/>
+                    <a:p>
+                      <a:r>
+                        <a:rPr lang="de-DE" dirty="0"/>
+                        <a:t>7</a:t>
+                      </a:r>
+                    </a:p>
+                  </a:txBody>
+                  <a:tcPr/>
+                </a:tc>
+                <a:tc>
+                  <a:txBody>
+                    <a:bodyPr/>
+                    <a:lstStyle/>
+                    <a:p>
+                      <a:r>
+                        <a:rPr lang="de-DE" dirty="0"/>
+                        <a:t>9</a:t>
+                      </a:r>
+                    </a:p>
+                  </a:txBody>
+                  <a:tcPr/>
+                </a:tc>
+                <a:extLst>
+                  <a:ext uri="{0D108BD9-81ED-4DB2-BD59-A6C34878D82A}">
+                    <a16:rowId xmlns:a16="http://schemas.microsoft.com/office/drawing/2014/main" val="4094347200"/>
+                  </a:ext>
+                </a:extLst>
+              </a:tr>
+              <a:tr h="370840">
+                <a:tc>
+                  <a:txBody>
+                    <a:bodyPr/>
+                    <a:lstStyle/>
+                    <a:p>
+                      <a:r>
+                        <a:rPr lang="de-DE" dirty="0"/>
+                        <a:t>Summe</a:t>
+                      </a:r>
+                    </a:p>
+                  </a:txBody>
+                  <a:tcPr/>
+                </a:tc>
+                <a:tc>
+                  <a:txBody>
+                    <a:bodyPr/>
+                    <a:lstStyle/>
+                    <a:p>
+                      <a:endParaRPr lang="de-DE" dirty="0"/>
+                    </a:p>
+                  </a:txBody>
+                  <a:tcPr/>
+                </a:tc>
+                <a:tc>
+                  <a:txBody>
+                    <a:bodyPr/>
+                    <a:lstStyle/>
+                    <a:p>
+                      <a:pPr marL="0" marR="0" lvl="0" indent="0" algn="l" defTabSz="914400" rtl="0" eaLnBrk="1" fontAlgn="auto" latinLnBrk="0" hangingPunct="1">
+                        <a:lnSpc>
+                          <a:spcPct val="100000"/>
+                        </a:lnSpc>
+                        <a:spcBef>
+                          <a:spcPts val="0"/>
+                        </a:spcBef>
+                        <a:spcAft>
+                          <a:spcPts val="0"/>
+                        </a:spcAft>
+                        <a:buClrTx/>
+                        <a:buSzTx/>
+                        <a:buFontTx/>
+                        <a:buNone/>
+                        <a:tabLst/>
+                        <a:defRPr/>
+                      </a:pPr>
+                      <a:r>
+                        <a:rPr lang="de-DE"/>
+                        <a:t>=b2*c2</a:t>
+                      </a:r>
+                    </a:p>
+                    <a:p>
+                      <a:endParaRPr lang="de-DE" dirty="0"/>
+                    </a:p>
+                  </a:txBody>
+                  <a:tcPr/>
+                </a:tc>
+                <a:tc>
+                  <a:txBody>
+                    <a:bodyPr/>
+                    <a:lstStyle/>
+                    <a:p>
+                      <a:endParaRPr lang="de-DE"/>
+                    </a:p>
+                  </a:txBody>
+                  <a:tcPr/>
+                </a:tc>
+                <a:tc>
+                  <a:txBody>
+                    <a:bodyPr/>
+                    <a:lstStyle/>
+                    <a:p>
+                      <a:endParaRPr lang="de-DE" dirty="0"/>
+                    </a:p>
+                  </a:txBody>
+                  <a:tcPr/>
+                </a:tc>
+                <a:extLst>
+                  <a:ext uri="{0D108BD9-81ED-4DB2-BD59-A6C34878D82A}">
+                    <a16:rowId xmlns:a16="http://schemas.microsoft.com/office/drawing/2014/main" val="72276465"/>
+                  </a:ext>
+                </a:extLst>
+              </a:tr>
+            </a:tbl>
+          </a:graphicData>
+        </a:graphic>
+      </p:graphicFrame>
     </p:spTree>
     <p:extLst>
       <p:ext uri="{BB962C8B-B14F-4D97-AF65-F5344CB8AC3E}">
-        <p14:creationId xmlns:p14="http://schemas.microsoft.com/office/powerpoint/2010/main" val="1457638166"/>
+        <p14:creationId xmlns:p14="http://schemas.microsoft.com/office/powerpoint/2010/main" val="2572452816"/>
       </p:ext>
     </p:extLst>
   </p:cSld>
@@ -16584,19 +18679,62 @@
         </p:nvSpPr>
         <p:spPr/>
         <p:txBody>
-          <a:bodyPr/>
+          <a:bodyPr>
+            <a:normAutofit fontScale="90000"/>
+          </a:bodyPr>
           <a:lstStyle/>
           <a:p>
             <a:r>
               <a:rPr lang="de-DE" dirty="0"/>
-              <a:t>Projektumfeld- QES (Basis)</a:t>
+              <a:t>Projektumfeld - Das Institut</a:t>
             </a:r>
           </a:p>
         </p:txBody>
       </p:sp>
       <p:sp>
         <p:nvSpPr>
-          <p:cNvPr id="4" name="Foliennummernplatzhalter 3"/>
+          <p:cNvPr id="6" name="Rechteck 5"/>
+          <p:cNvSpPr/>
+          <p:nvPr/>
+        </p:nvSpPr>
+        <p:spPr>
+          <a:xfrm>
+            <a:off x="323528" y="6237312"/>
+            <a:ext cx="1440160" cy="620688"/>
+          </a:xfrm>
+          <a:prstGeom prst="rect">
+            <a:avLst/>
+          </a:prstGeom>
+          <a:ln>
+            <a:noFill/>
+          </a:ln>
+        </p:spPr>
+        <p:style>
+          <a:lnRef idx="2">
+            <a:schemeClr val="dk1"/>
+          </a:lnRef>
+          <a:fillRef idx="1">
+            <a:schemeClr val="lt1"/>
+          </a:fillRef>
+          <a:effectRef idx="0">
+            <a:schemeClr val="dk1"/>
+          </a:effectRef>
+          <a:fontRef idx="minor">
+            <a:schemeClr val="dk1"/>
+          </a:fontRef>
+        </p:style>
+        <p:txBody>
+          <a:bodyPr rtlCol="0" anchor="ctr"/>
+          <a:lstStyle/>
+          <a:p>
+            <a:pPr algn="ctr"/>
+            <a:endParaRPr lang="de-DE"/>
+          </a:p>
+        </p:txBody>
+      </p:sp>
+      <p:sp>
+        <p:nvSpPr>
+          <p:cNvPr id="7" name="Foliennummernplatzhalter 6"/>
           <p:cNvSpPr>
             <a:spLocks noGrp="1"/>
           </p:cNvSpPr>
@@ -16613,785 +18751,44 @@
               <a:rPr lang="de-DE" smtClean="0"/>
               <a:t>9</a:t>
             </a:fld>
-            <a:endParaRPr lang="de-DE"/>
+            <a:endParaRPr lang="de-DE" dirty="0"/>
           </a:p>
         </p:txBody>
       </p:sp>
-      <p:cxnSp>
-        <p:nvCxnSpPr>
-          <p:cNvPr id="6" name="Gerade Verbindung mit Pfeil 5"/>
-          <p:cNvCxnSpPr>
-            <a:cxnSpLocks/>
-            <a:stCxn id="29" idx="0"/>
-            <a:endCxn id="17" idx="2"/>
-          </p:cNvCxnSpPr>
-          <p:nvPr/>
-        </p:nvCxnSpPr>
-        <p:spPr>
-          <a:xfrm flipV="1">
-            <a:off x="7224886" y="3136703"/>
-            <a:ext cx="9672" cy="1010473"/>
-          </a:xfrm>
-          <a:prstGeom prst="straightConnector1">
-            <a:avLst/>
-          </a:prstGeom>
-          <a:ln w="38100">
-            <a:solidFill>
-              <a:schemeClr val="tx1"/>
-            </a:solidFill>
-            <a:headEnd type="arrow"/>
-            <a:tailEnd type="arrow"/>
-          </a:ln>
-        </p:spPr>
-        <p:style>
-          <a:lnRef idx="1">
-            <a:schemeClr val="dk1"/>
-          </a:lnRef>
-          <a:fillRef idx="0">
-            <a:schemeClr val="dk1"/>
-          </a:fillRef>
-          <a:effectRef idx="0">
-            <a:schemeClr val="dk1"/>
-          </a:effectRef>
-          <a:fontRef idx="minor">
-            <a:schemeClr val="tx1"/>
-          </a:fontRef>
-        </p:style>
-      </p:cxnSp>
-      <p:cxnSp>
-        <p:nvCxnSpPr>
-          <p:cNvPr id="13" name="Gerade Verbindung mit Pfeil 12"/>
-          <p:cNvCxnSpPr>
-            <a:cxnSpLocks/>
-            <a:stCxn id="5" idx="3"/>
-            <a:endCxn id="27" idx="1"/>
-          </p:cNvCxnSpPr>
-          <p:nvPr/>
-        </p:nvCxnSpPr>
-        <p:spPr>
-          <a:xfrm flipV="1">
-            <a:off x="4938768" y="2320451"/>
-            <a:ext cx="1553936" cy="14817"/>
-          </a:xfrm>
-          <a:prstGeom prst="straightConnector1">
-            <a:avLst/>
-          </a:prstGeom>
-          <a:ln w="38100">
-            <a:solidFill>
-              <a:schemeClr val="tx1"/>
-            </a:solidFill>
-            <a:headEnd type="arrow"/>
-            <a:tailEnd type="arrow"/>
-          </a:ln>
-        </p:spPr>
-        <p:style>
-          <a:lnRef idx="1">
-            <a:schemeClr val="dk1"/>
-          </a:lnRef>
-          <a:fillRef idx="0">
-            <a:schemeClr val="dk1"/>
-          </a:fillRef>
-          <a:effectRef idx="0">
-            <a:schemeClr val="dk1"/>
-          </a:effectRef>
-          <a:fontRef idx="minor">
-            <a:schemeClr val="tx1"/>
-          </a:fontRef>
-        </p:style>
-      </p:cxnSp>
-      <p:cxnSp>
-        <p:nvCxnSpPr>
-          <p:cNvPr id="14" name="Gerade Verbindung mit Pfeil 13"/>
-          <p:cNvCxnSpPr>
-            <a:cxnSpLocks/>
-            <a:stCxn id="12" idx="3"/>
-            <a:endCxn id="5" idx="1"/>
-          </p:cNvCxnSpPr>
-          <p:nvPr/>
-        </p:nvCxnSpPr>
-        <p:spPr>
-          <a:xfrm>
-            <a:off x="1916746" y="2311332"/>
-            <a:ext cx="1581219" cy="23936"/>
-          </a:xfrm>
-          <a:prstGeom prst="straightConnector1">
-            <a:avLst/>
-          </a:prstGeom>
-          <a:ln w="38100">
-            <a:solidFill>
-              <a:schemeClr val="tx1"/>
-            </a:solidFill>
-            <a:headEnd type="arrow"/>
-            <a:tailEnd type="arrow"/>
-          </a:ln>
-        </p:spPr>
-        <p:style>
-          <a:lnRef idx="1">
-            <a:schemeClr val="dk1"/>
-          </a:lnRef>
-          <a:fillRef idx="0">
-            <a:schemeClr val="dk1"/>
-          </a:fillRef>
-          <a:effectRef idx="0">
-            <a:schemeClr val="dk1"/>
-          </a:effectRef>
-          <a:fontRef idx="minor">
-            <a:schemeClr val="tx1"/>
-          </a:fontRef>
-        </p:style>
-      </p:cxnSp>
-      <p:grpSp>
-        <p:nvGrpSpPr>
-          <p:cNvPr id="40" name="Group 39">
+      <p:pic>
+        <p:nvPicPr>
+          <p:cNvPr id="3" name="Picture 2">
             <a:extLst>
               <a:ext uri="{FF2B5EF4-FFF2-40B4-BE49-F238E27FC236}">
-                <a16:creationId xmlns:a16="http://schemas.microsoft.com/office/drawing/2014/main" id="{4C3B3433-24DB-8C46-AEAF-055D75614C2D}"/>
+                <a16:creationId xmlns:a16="http://schemas.microsoft.com/office/drawing/2014/main" id="{59164D2C-E2DF-EA48-8243-D028C4461300}"/>
               </a:ext>
             </a:extLst>
           </p:cNvPr>
-          <p:cNvGrpSpPr/>
+          <p:cNvPicPr>
+            <a:picLocks noChangeAspect="1"/>
+          </p:cNvPicPr>
           <p:nvPr/>
-        </p:nvGrpSpPr>
-        <p:grpSpPr>
+        </p:nvPicPr>
+        <p:blipFill>
+          <a:blip r:embed="rId3"/>
+          <a:stretch>
+            <a:fillRect/>
+          </a:stretch>
+        </p:blipFill>
+        <p:spPr>
           <a:xfrm>
-            <a:off x="3497965" y="1614866"/>
-            <a:ext cx="1440803" cy="1564471"/>
-            <a:chOff x="3491558" y="1886467"/>
-            <a:chExt cx="1440803" cy="1564471"/>
+            <a:off x="1034412" y="1412197"/>
+            <a:ext cx="7075176" cy="5009917"/>
           </a:xfrm>
-        </p:grpSpPr>
-        <p:sp>
-          <p:nvSpPr>
-            <p:cNvPr id="11" name="Textfeld 10"/>
-            <p:cNvSpPr txBox="1"/>
-            <p:nvPr/>
-          </p:nvSpPr>
-          <p:spPr>
-            <a:xfrm>
-              <a:off x="3734233" y="3081606"/>
-              <a:ext cx="955454" cy="369332"/>
-            </a:xfrm>
-            <a:prstGeom prst="rect">
-              <a:avLst/>
-            </a:prstGeom>
-            <a:noFill/>
-          </p:spPr>
-          <p:txBody>
-            <a:bodyPr wrap="none" rtlCol="0">
-              <a:spAutoFit/>
-            </a:bodyPr>
-            <a:lstStyle/>
-            <a:p>
-              <a:r>
-                <a:rPr lang="de-DE" dirty="0"/>
-                <a:t>Browser</a:t>
-              </a:r>
-            </a:p>
-          </p:txBody>
-        </p:sp>
-        <p:pic>
-          <p:nvPicPr>
-            <p:cNvPr id="5" name="Graphic 4">
-              <a:extLst>
-                <a:ext uri="{FF2B5EF4-FFF2-40B4-BE49-F238E27FC236}">
-                  <a16:creationId xmlns:a16="http://schemas.microsoft.com/office/drawing/2014/main" id="{A715925D-668B-4D41-8FBA-53E2E17BDADB}"/>
-                </a:ext>
-              </a:extLst>
-            </p:cNvPr>
-            <p:cNvPicPr>
-              <a:picLocks noChangeAspect="1"/>
-            </p:cNvPicPr>
-            <p:nvPr/>
-          </p:nvPicPr>
-          <p:blipFill>
-            <a:blip r:embed="rId3">
-              <a:extLst>
-                <a:ext uri="{28A0092B-C50C-407E-A947-70E740481C1C}">
-                  <a14:useLocalDpi xmlns:a14="http://schemas.microsoft.com/office/drawing/2010/main" val="0"/>
-                </a:ext>
-                <a:ext uri="{96DAC541-7B7A-43D3-8B79-37D633B846F1}">
-                  <asvg:svgBlip xmlns:asvg="http://schemas.microsoft.com/office/drawing/2016/SVG/main" r:embed="rId4"/>
-                </a:ext>
-              </a:extLst>
-            </a:blip>
-            <a:stretch>
-              <a:fillRect/>
-            </a:stretch>
-          </p:blipFill>
-          <p:spPr>
-            <a:xfrm>
-              <a:off x="3491558" y="1886467"/>
-              <a:ext cx="1440803" cy="1440803"/>
-            </a:xfrm>
-            <a:prstGeom prst="rect">
-              <a:avLst/>
-            </a:prstGeom>
-          </p:spPr>
-        </p:pic>
-      </p:grpSp>
-      <p:cxnSp>
-        <p:nvCxnSpPr>
-          <p:cNvPr id="21" name="Gerade Verbindung mit Pfeil 12">
-            <a:extLst>
-              <a:ext uri="{FF2B5EF4-FFF2-40B4-BE49-F238E27FC236}">
-                <a16:creationId xmlns:a16="http://schemas.microsoft.com/office/drawing/2014/main" id="{A9A9FDCD-CE15-6446-8723-6730AF2FDD59}"/>
-              </a:ext>
-            </a:extLst>
-          </p:cNvPr>
-          <p:cNvCxnSpPr>
-            <a:cxnSpLocks/>
-            <a:stCxn id="25" idx="3"/>
-            <a:endCxn id="29" idx="1"/>
-          </p:cNvCxnSpPr>
-          <p:nvPr/>
-        </p:nvCxnSpPr>
-        <p:spPr>
-          <a:xfrm flipV="1">
-            <a:off x="4895354" y="4745792"/>
-            <a:ext cx="1730916" cy="17796"/>
-          </a:xfrm>
-          <a:prstGeom prst="straightConnector1">
+          <a:prstGeom prst="rect">
             <a:avLst/>
           </a:prstGeom>
-          <a:ln w="38100">
-            <a:solidFill>
-              <a:schemeClr val="tx1"/>
-            </a:solidFill>
-            <a:headEnd type="arrow"/>
-            <a:tailEnd type="arrow"/>
-          </a:ln>
         </p:spPr>
-        <p:style>
-          <a:lnRef idx="1">
-            <a:schemeClr val="dk1"/>
-          </a:lnRef>
-          <a:fillRef idx="0">
-            <a:schemeClr val="dk1"/>
-          </a:fillRef>
-          <a:effectRef idx="0">
-            <a:schemeClr val="dk1"/>
-          </a:effectRef>
-          <a:fontRef idx="minor">
-            <a:schemeClr val="tx1"/>
-          </a:fontRef>
-        </p:style>
-      </p:cxnSp>
-      <p:cxnSp>
-        <p:nvCxnSpPr>
-          <p:cNvPr id="23" name="Gerade Verbindung mit Pfeil 12">
-            <a:extLst>
-              <a:ext uri="{FF2B5EF4-FFF2-40B4-BE49-F238E27FC236}">
-                <a16:creationId xmlns:a16="http://schemas.microsoft.com/office/drawing/2014/main" id="{66448FA6-7AE0-DE4C-A657-5CD98EB06E4D}"/>
-              </a:ext>
-            </a:extLst>
-          </p:cNvPr>
-          <p:cNvCxnSpPr>
-            <a:cxnSpLocks/>
-            <a:stCxn id="19" idx="3"/>
-            <a:endCxn id="25" idx="1"/>
-          </p:cNvCxnSpPr>
-          <p:nvPr/>
-        </p:nvCxnSpPr>
-        <p:spPr>
-          <a:xfrm flipV="1">
-            <a:off x="1937284" y="4763588"/>
-            <a:ext cx="1701260" cy="1"/>
-          </a:xfrm>
-          <a:prstGeom prst="straightConnector1">
-            <a:avLst/>
-          </a:prstGeom>
-          <a:ln w="38100">
-            <a:solidFill>
-              <a:schemeClr val="tx1"/>
-            </a:solidFill>
-            <a:headEnd type="arrow"/>
-            <a:tailEnd type="arrow"/>
-          </a:ln>
-        </p:spPr>
-        <p:style>
-          <a:lnRef idx="1">
-            <a:schemeClr val="dk1"/>
-          </a:lnRef>
-          <a:fillRef idx="0">
-            <a:schemeClr val="dk1"/>
-          </a:fillRef>
-          <a:effectRef idx="0">
-            <a:schemeClr val="dk1"/>
-          </a:effectRef>
-          <a:fontRef idx="minor">
-            <a:schemeClr val="tx1"/>
-          </a:fontRef>
-        </p:style>
-      </p:cxnSp>
-      <p:grpSp>
-        <p:nvGrpSpPr>
-          <p:cNvPr id="52" name="Group 51">
-            <a:extLst>
-              <a:ext uri="{FF2B5EF4-FFF2-40B4-BE49-F238E27FC236}">
-                <a16:creationId xmlns:a16="http://schemas.microsoft.com/office/drawing/2014/main" id="{7AB13358-1417-BB4A-86A4-17A08ACF4E3B}"/>
-              </a:ext>
-            </a:extLst>
-          </p:cNvPr>
-          <p:cNvGrpSpPr/>
-          <p:nvPr/>
-        </p:nvGrpSpPr>
-        <p:grpSpPr>
-          <a:xfrm>
-            <a:off x="680473" y="4135183"/>
-            <a:ext cx="1256811" cy="1340533"/>
-            <a:chOff x="750235" y="3500947"/>
-            <a:chExt cx="1256811" cy="1340533"/>
-          </a:xfrm>
-        </p:grpSpPr>
-        <p:sp>
-          <p:nvSpPr>
-            <p:cNvPr id="24" name="Textfeld 10">
-              <a:extLst>
-                <a:ext uri="{FF2B5EF4-FFF2-40B4-BE49-F238E27FC236}">
-                  <a16:creationId xmlns:a16="http://schemas.microsoft.com/office/drawing/2014/main" id="{21B6944C-3A14-4940-B297-BF3CBE7FC2DF}"/>
-                </a:ext>
-              </a:extLst>
-            </p:cNvPr>
-            <p:cNvSpPr txBox="1"/>
-            <p:nvPr/>
-          </p:nvSpPr>
-          <p:spPr>
-            <a:xfrm>
-              <a:off x="781181" y="4472148"/>
-              <a:ext cx="1205971" cy="369332"/>
-            </a:xfrm>
-            <a:prstGeom prst="rect">
-              <a:avLst/>
-            </a:prstGeom>
-            <a:noFill/>
-          </p:spPr>
-          <p:txBody>
-            <a:bodyPr wrap="none" rtlCol="0">
-              <a:spAutoFit/>
-            </a:bodyPr>
-            <a:lstStyle/>
-            <a:p>
-              <a:r>
-                <a:rPr lang="de-DE" dirty="0"/>
-                <a:t>Datenbank</a:t>
-              </a:r>
-            </a:p>
-          </p:txBody>
-        </p:sp>
-        <p:pic>
-          <p:nvPicPr>
-            <p:cNvPr id="19" name="Graphic 18">
-              <a:extLst>
-                <a:ext uri="{FF2B5EF4-FFF2-40B4-BE49-F238E27FC236}">
-                  <a16:creationId xmlns:a16="http://schemas.microsoft.com/office/drawing/2014/main" id="{6E9AF135-A710-E243-85CB-49DBE38EC6C9}"/>
-                </a:ext>
-              </a:extLst>
-            </p:cNvPr>
-            <p:cNvPicPr>
-              <a:picLocks noChangeAspect="1"/>
-            </p:cNvPicPr>
-            <p:nvPr/>
-          </p:nvPicPr>
-          <p:blipFill>
-            <a:blip r:embed="rId5">
-              <a:extLst>
-                <a:ext uri="{28A0092B-C50C-407E-A947-70E740481C1C}">
-                  <a14:useLocalDpi xmlns:a14="http://schemas.microsoft.com/office/drawing/2010/main" val="0"/>
-                </a:ext>
-                <a:ext uri="{96DAC541-7B7A-43D3-8B79-37D633B846F1}">
-                  <asvg:svgBlip xmlns:asvg="http://schemas.microsoft.com/office/drawing/2016/SVG/main" r:embed="rId6"/>
-                </a:ext>
-              </a:extLst>
-            </a:blip>
-            <a:stretch>
-              <a:fillRect/>
-            </a:stretch>
-          </p:blipFill>
-          <p:spPr>
-            <a:xfrm>
-              <a:off x="750235" y="3500947"/>
-              <a:ext cx="1256811" cy="1256811"/>
-            </a:xfrm>
-            <a:prstGeom prst="rect">
-              <a:avLst/>
-            </a:prstGeom>
-          </p:spPr>
-        </p:pic>
-      </p:grpSp>
-      <p:grpSp>
-        <p:nvGrpSpPr>
-          <p:cNvPr id="49" name="Group 48">
-            <a:extLst>
-              <a:ext uri="{FF2B5EF4-FFF2-40B4-BE49-F238E27FC236}">
-                <a16:creationId xmlns:a16="http://schemas.microsoft.com/office/drawing/2014/main" id="{EDE08DF3-5A87-7B43-BB3A-5CFD33BF8EBD}"/>
-              </a:ext>
-            </a:extLst>
-          </p:cNvPr>
-          <p:cNvGrpSpPr/>
-          <p:nvPr/>
-        </p:nvGrpSpPr>
-        <p:grpSpPr>
-          <a:xfrm>
-            <a:off x="3571694" y="4135183"/>
-            <a:ext cx="1390509" cy="1451356"/>
-            <a:chOff x="3611456" y="4147176"/>
-            <a:chExt cx="1390509" cy="1451356"/>
-          </a:xfrm>
-        </p:grpSpPr>
-        <p:sp>
-          <p:nvSpPr>
-            <p:cNvPr id="22" name="Textfeld 10">
-              <a:extLst>
-                <a:ext uri="{FF2B5EF4-FFF2-40B4-BE49-F238E27FC236}">
-                  <a16:creationId xmlns:a16="http://schemas.microsoft.com/office/drawing/2014/main" id="{E63A6598-469D-A441-8B46-4332B9D10959}"/>
-                </a:ext>
-              </a:extLst>
-            </p:cNvPr>
-            <p:cNvSpPr txBox="1"/>
-            <p:nvPr/>
-          </p:nvSpPr>
-          <p:spPr>
-            <a:xfrm>
-              <a:off x="3611456" y="5229200"/>
-              <a:ext cx="1390509" cy="369332"/>
-            </a:xfrm>
-            <a:prstGeom prst="rect">
-              <a:avLst/>
-            </a:prstGeom>
-            <a:noFill/>
-          </p:spPr>
-          <p:txBody>
-            <a:bodyPr wrap="none" rtlCol="0">
-              <a:spAutoFit/>
-            </a:bodyPr>
-            <a:lstStyle/>
-            <a:p>
-              <a:r>
-                <a:rPr lang="de-DE" dirty="0"/>
-                <a:t>Laravel-ORM</a:t>
-              </a:r>
-            </a:p>
-          </p:txBody>
-        </p:sp>
-        <p:pic>
-          <p:nvPicPr>
-            <p:cNvPr id="25" name="Graphic 24">
-              <a:extLst>
-                <a:ext uri="{FF2B5EF4-FFF2-40B4-BE49-F238E27FC236}">
-                  <a16:creationId xmlns:a16="http://schemas.microsoft.com/office/drawing/2014/main" id="{EC8249C3-DDAE-B943-9426-7F3CC54784AB}"/>
-                </a:ext>
-              </a:extLst>
-            </p:cNvPr>
-            <p:cNvPicPr>
-              <a:picLocks noChangeAspect="1"/>
-            </p:cNvPicPr>
-            <p:nvPr/>
-          </p:nvPicPr>
-          <p:blipFill>
-            <a:blip r:embed="rId7">
-              <a:extLst>
-                <a:ext uri="{28A0092B-C50C-407E-A947-70E740481C1C}">
-                  <a14:useLocalDpi xmlns:a14="http://schemas.microsoft.com/office/drawing/2010/main" val="0"/>
-                </a:ext>
-                <a:ext uri="{96DAC541-7B7A-43D3-8B79-37D633B846F1}">
-                  <asvg:svgBlip xmlns:asvg="http://schemas.microsoft.com/office/drawing/2016/SVG/main" r:embed="rId8"/>
-                </a:ext>
-              </a:extLst>
-            </a:blip>
-            <a:stretch>
-              <a:fillRect/>
-            </a:stretch>
-          </p:blipFill>
-          <p:spPr>
-            <a:xfrm>
-              <a:off x="3678306" y="4147176"/>
-              <a:ext cx="1256810" cy="1256810"/>
-            </a:xfrm>
-            <a:prstGeom prst="rect">
-              <a:avLst/>
-            </a:prstGeom>
-          </p:spPr>
-        </p:pic>
-      </p:grpSp>
-      <p:grpSp>
-        <p:nvGrpSpPr>
-          <p:cNvPr id="41" name="Group 40">
-            <a:extLst>
-              <a:ext uri="{FF2B5EF4-FFF2-40B4-BE49-F238E27FC236}">
-                <a16:creationId xmlns:a16="http://schemas.microsoft.com/office/drawing/2014/main" id="{150CD71F-51E0-2F4A-B685-C6A66A30ADF4}"/>
-              </a:ext>
-            </a:extLst>
-          </p:cNvPr>
-          <p:cNvGrpSpPr/>
-          <p:nvPr/>
-        </p:nvGrpSpPr>
-        <p:grpSpPr>
-          <a:xfrm>
-            <a:off x="6492704" y="1578597"/>
-            <a:ext cx="1483707" cy="1558106"/>
-            <a:chOff x="6124371" y="2489136"/>
-            <a:chExt cx="1483707" cy="1558106"/>
-          </a:xfrm>
-        </p:grpSpPr>
-        <p:sp>
-          <p:nvSpPr>
-            <p:cNvPr id="17" name="Textfeld 16"/>
-            <p:cNvSpPr txBox="1"/>
-            <p:nvPr/>
-          </p:nvSpPr>
-          <p:spPr>
-            <a:xfrm>
-              <a:off x="6397218" y="3677910"/>
-              <a:ext cx="938014" cy="369332"/>
-            </a:xfrm>
-            <a:prstGeom prst="rect">
-              <a:avLst/>
-            </a:prstGeom>
-            <a:noFill/>
-          </p:spPr>
-          <p:txBody>
-            <a:bodyPr wrap="none" rtlCol="0">
-              <a:spAutoFit/>
-            </a:bodyPr>
-            <a:lstStyle/>
-            <a:p>
-              <a:pPr algn="ctr"/>
-              <a:r>
-                <a:rPr lang="de-DE" dirty="0"/>
-                <a:t>Intranet</a:t>
-              </a:r>
-            </a:p>
-          </p:txBody>
-        </p:sp>
-        <p:pic>
-          <p:nvPicPr>
-            <p:cNvPr id="27" name="Graphic 26">
-              <a:extLst>
-                <a:ext uri="{FF2B5EF4-FFF2-40B4-BE49-F238E27FC236}">
-                  <a16:creationId xmlns:a16="http://schemas.microsoft.com/office/drawing/2014/main" id="{D8B57DB2-9DA1-A942-A764-674314EF6BA8}"/>
-                </a:ext>
-              </a:extLst>
-            </p:cNvPr>
-            <p:cNvPicPr>
-              <a:picLocks noChangeAspect="1"/>
-            </p:cNvPicPr>
-            <p:nvPr/>
-          </p:nvPicPr>
-          <p:blipFill>
-            <a:blip r:embed="rId9">
-              <a:extLst>
-                <a:ext uri="{28A0092B-C50C-407E-A947-70E740481C1C}">
-                  <a14:useLocalDpi xmlns:a14="http://schemas.microsoft.com/office/drawing/2010/main" val="0"/>
-                </a:ext>
-                <a:ext uri="{96DAC541-7B7A-43D3-8B79-37D633B846F1}">
-                  <asvg:svgBlip xmlns:asvg="http://schemas.microsoft.com/office/drawing/2016/SVG/main" r:embed="rId10"/>
-                </a:ext>
-              </a:extLst>
-            </a:blip>
-            <a:stretch>
-              <a:fillRect/>
-            </a:stretch>
-          </p:blipFill>
-          <p:spPr>
-            <a:xfrm>
-              <a:off x="6124371" y="2489136"/>
-              <a:ext cx="1483707" cy="1483707"/>
-            </a:xfrm>
-            <a:prstGeom prst="rect">
-              <a:avLst/>
-            </a:prstGeom>
-          </p:spPr>
-        </p:pic>
-      </p:grpSp>
-      <p:grpSp>
-        <p:nvGrpSpPr>
-          <p:cNvPr id="37" name="Group 36">
-            <a:extLst>
-              <a:ext uri="{FF2B5EF4-FFF2-40B4-BE49-F238E27FC236}">
-                <a16:creationId xmlns:a16="http://schemas.microsoft.com/office/drawing/2014/main" id="{2A30FFCB-0FD3-814A-94C5-ED8B5DCEFB24}"/>
-              </a:ext>
-            </a:extLst>
-          </p:cNvPr>
-          <p:cNvGrpSpPr/>
-          <p:nvPr/>
-        </p:nvGrpSpPr>
-        <p:grpSpPr>
-          <a:xfrm>
-            <a:off x="834721" y="1770319"/>
-            <a:ext cx="1082025" cy="1320294"/>
-            <a:chOff x="837627" y="1471241"/>
-            <a:chExt cx="1082025" cy="1320294"/>
-          </a:xfrm>
-        </p:grpSpPr>
-        <p:pic>
-          <p:nvPicPr>
-            <p:cNvPr id="12" name="Graphic 11">
-              <a:extLst>
-                <a:ext uri="{FF2B5EF4-FFF2-40B4-BE49-F238E27FC236}">
-                  <a16:creationId xmlns:a16="http://schemas.microsoft.com/office/drawing/2014/main" id="{8501DE74-5A9D-7444-92DB-F9210AC77D48}"/>
-                </a:ext>
-              </a:extLst>
-            </p:cNvPr>
-            <p:cNvPicPr>
-              <a:picLocks noChangeAspect="1"/>
-            </p:cNvPicPr>
-            <p:nvPr/>
-          </p:nvPicPr>
-          <p:blipFill>
-            <a:blip r:embed="rId11">
-              <a:extLst>
-                <a:ext uri="{28A0092B-C50C-407E-A947-70E740481C1C}">
-                  <a14:useLocalDpi xmlns:a14="http://schemas.microsoft.com/office/drawing/2010/main" val="0"/>
-                </a:ext>
-                <a:ext uri="{96DAC541-7B7A-43D3-8B79-37D633B846F1}">
-                  <asvg:svgBlip xmlns:asvg="http://schemas.microsoft.com/office/drawing/2016/SVG/main" r:embed="rId12"/>
-                </a:ext>
-              </a:extLst>
-            </a:blip>
-            <a:stretch>
-              <a:fillRect/>
-            </a:stretch>
-          </p:blipFill>
-          <p:spPr>
-            <a:xfrm>
-              <a:off x="837627" y="1471241"/>
-              <a:ext cx="1082025" cy="1082025"/>
-            </a:xfrm>
-            <a:prstGeom prst="rect">
-              <a:avLst/>
-            </a:prstGeom>
-          </p:spPr>
-        </p:pic>
-        <p:sp>
-          <p:nvSpPr>
-            <p:cNvPr id="31" name="Textfeld 10">
-              <a:extLst>
-                <a:ext uri="{FF2B5EF4-FFF2-40B4-BE49-F238E27FC236}">
-                  <a16:creationId xmlns:a16="http://schemas.microsoft.com/office/drawing/2014/main" id="{40BCF9EC-95F1-D043-921C-6FBF18F6823F}"/>
-                </a:ext>
-              </a:extLst>
-            </p:cNvPr>
-            <p:cNvSpPr txBox="1"/>
-            <p:nvPr/>
-          </p:nvSpPr>
-          <p:spPr>
-            <a:xfrm>
-              <a:off x="864908" y="2422203"/>
-              <a:ext cx="1027461" cy="369332"/>
-            </a:xfrm>
-            <a:prstGeom prst="rect">
-              <a:avLst/>
-            </a:prstGeom>
-            <a:noFill/>
-          </p:spPr>
-          <p:txBody>
-            <a:bodyPr wrap="none" rtlCol="0">
-              <a:spAutoFit/>
-            </a:bodyPr>
-            <a:lstStyle/>
-            <a:p>
-              <a:r>
-                <a:rPr lang="de-DE" dirty="0"/>
-                <a:t>Benutzer</a:t>
-              </a:r>
-            </a:p>
-          </p:txBody>
-        </p:sp>
-      </p:grpSp>
-      <p:grpSp>
-        <p:nvGrpSpPr>
-          <p:cNvPr id="43" name="Group 42">
-            <a:extLst>
-              <a:ext uri="{FF2B5EF4-FFF2-40B4-BE49-F238E27FC236}">
-                <a16:creationId xmlns:a16="http://schemas.microsoft.com/office/drawing/2014/main" id="{894837FE-DC2F-E941-9344-FE3D740CA51D}"/>
-              </a:ext>
-            </a:extLst>
-          </p:cNvPr>
-          <p:cNvGrpSpPr/>
-          <p:nvPr/>
-        </p:nvGrpSpPr>
-        <p:grpSpPr>
-          <a:xfrm>
-            <a:off x="6478951" y="4147176"/>
-            <a:ext cx="1491868" cy="1444326"/>
-            <a:chOff x="5521675" y="4645752"/>
-            <a:chExt cx="1491868" cy="1444326"/>
-          </a:xfrm>
-        </p:grpSpPr>
-        <p:sp>
-          <p:nvSpPr>
-            <p:cNvPr id="18" name="Textfeld 17"/>
-            <p:cNvSpPr txBox="1"/>
-            <p:nvPr/>
-          </p:nvSpPr>
-          <p:spPr>
-            <a:xfrm>
-              <a:off x="5521675" y="5720746"/>
-              <a:ext cx="1491868" cy="369332"/>
-            </a:xfrm>
-            <a:prstGeom prst="rect">
-              <a:avLst/>
-            </a:prstGeom>
-            <a:noFill/>
-          </p:spPr>
-          <p:txBody>
-            <a:bodyPr wrap="square" rtlCol="0">
-              <a:spAutoFit/>
-            </a:bodyPr>
-            <a:lstStyle/>
-            <a:p>
-              <a:pPr algn="ctr"/>
-              <a:r>
-                <a:rPr lang="de-DE" dirty="0"/>
-                <a:t>QES</a:t>
-              </a:r>
-            </a:p>
-          </p:txBody>
-        </p:sp>
-        <p:pic>
-          <p:nvPicPr>
-            <p:cNvPr id="29" name="Graphic 28">
-              <a:extLst>
-                <a:ext uri="{FF2B5EF4-FFF2-40B4-BE49-F238E27FC236}">
-                  <a16:creationId xmlns:a16="http://schemas.microsoft.com/office/drawing/2014/main" id="{FBB22B3A-9237-004B-A8DD-C1F225CEF939}"/>
-                </a:ext>
-              </a:extLst>
-            </p:cNvPr>
-            <p:cNvPicPr>
-              <a:picLocks noChangeAspect="1"/>
-            </p:cNvPicPr>
-            <p:nvPr/>
-          </p:nvPicPr>
-          <p:blipFill>
-            <a:blip r:embed="rId13">
-              <a:extLst>
-                <a:ext uri="{28A0092B-C50C-407E-A947-70E740481C1C}">
-                  <a14:useLocalDpi xmlns:a14="http://schemas.microsoft.com/office/drawing/2010/main" val="0"/>
-                </a:ext>
-                <a:ext uri="{96DAC541-7B7A-43D3-8B79-37D633B846F1}">
-                  <asvg:svgBlip xmlns:asvg="http://schemas.microsoft.com/office/drawing/2016/SVG/main" r:embed="rId14"/>
-                </a:ext>
-              </a:extLst>
-            </a:blip>
-            <a:stretch>
-              <a:fillRect/>
-            </a:stretch>
-          </p:blipFill>
-          <p:spPr>
-            <a:xfrm>
-              <a:off x="5668994" y="4645752"/>
-              <a:ext cx="1197231" cy="1197231"/>
-            </a:xfrm>
-            <a:prstGeom prst="rect">
-              <a:avLst/>
-            </a:prstGeom>
-          </p:spPr>
-        </p:pic>
-      </p:grpSp>
+      </p:pic>
     </p:spTree>
     <p:extLst>
       <p:ext uri="{BB962C8B-B14F-4D97-AF65-F5344CB8AC3E}">
-        <p14:creationId xmlns:p14="http://schemas.microsoft.com/office/powerpoint/2010/main" val="2296489676"/>
+        <p14:creationId xmlns:p14="http://schemas.microsoft.com/office/powerpoint/2010/main" val="1457638166"/>
       </p:ext>
     </p:extLst>
   </p:cSld>
@@ -18209,6 +19606,19 @@
 </file>
 
 <file path=customXml/item1.xml><?xml version="1.0" encoding="utf-8"?>
+<p:properties xmlns:p="http://schemas.microsoft.com/office/2006/metadata/properties" xmlns:xsi="http://www.w3.org/2001/XMLSchema-instance" xmlns:pc="http://schemas.microsoft.com/office/infopath/2007/PartnerControls">
+  <documentManagement>
+    <Gremium_x0020_intern xmlns="8ec5f598-09a5-4f4d-8ba3-f8504e05b148" xsi:nil="true"/>
+    <_dlc_DocId xmlns="8ec5f598-09a5-4f4d-8ba3-f8504e05b148">GESISDOC-552-21</_dlc_DocId>
+    <_dlc_DocIdUrl xmlns="8ec5f598-09a5-4f4d-8ba3-f8504e05b148">
+      <Url>http://intranet.gesis.intra/pr/Vorlagen/_layouts/15/DocIdRedir.aspx?ID=GESISDOC-552-21</Url>
+      <Description>GESISDOC-552-21</Description>
+    </_dlc_DocIdUrl>
+  </documentManagement>
+</p:properties>
+</file>
+
+<file path=customXml/item2.xml><?xml version="1.0" encoding="utf-8"?>
 <?mso-contentType ?>
 <spe:Receivers xmlns:spe="http://schemas.microsoft.com/sharepoint/events">
   <Receiver>
@@ -18258,29 +19668,7 @@
 </spe:Receivers>
 </file>
 
-<file path=customXml/item2.xml><?xml version="1.0" encoding="utf-8"?>
-<p:properties xmlns:p="http://schemas.microsoft.com/office/2006/metadata/properties" xmlns:xsi="http://www.w3.org/2001/XMLSchema-instance" xmlns:pc="http://schemas.microsoft.com/office/infopath/2007/PartnerControls">
-  <documentManagement>
-    <Gremium_x0020_intern xmlns="8ec5f598-09a5-4f4d-8ba3-f8504e05b148" xsi:nil="true"/>
-    <_dlc_DocId xmlns="8ec5f598-09a5-4f4d-8ba3-f8504e05b148">GESISDOC-552-21</_dlc_DocId>
-    <_dlc_DocIdUrl xmlns="8ec5f598-09a5-4f4d-8ba3-f8504e05b148">
-      <Url>http://intranet.gesis.intra/pr/Vorlagen/_layouts/15/DocIdRedir.aspx?ID=GESISDOC-552-21</Url>
-      <Description>GESISDOC-552-21</Description>
-    </_dlc_DocIdUrl>
-  </documentManagement>
-</p:properties>
-</file>
-
 <file path=customXml/item3.xml><?xml version="1.0" encoding="utf-8"?>
-<?mso-contentType ?>
-<FormTemplates xmlns="http://schemas.microsoft.com/sharepoint/v3/contenttype/forms">
-  <Display>DocumentLibraryForm</Display>
-  <Edit>DocumentLibraryForm</Edit>
-  <New>DocumentLibraryForm</New>
-</FormTemplates>
-</file>
-
-<file path=customXml/item4.xml><?xml version="1.0" encoding="utf-8"?>
 <ct:contentTypeSchema xmlns:ct="http://schemas.microsoft.com/office/2006/metadata/contentType" xmlns:ma="http://schemas.microsoft.com/office/2006/metadata/properties/metaAttributes" ct:_="" ma:_="" ma:contentTypeName="Dokument" ma:contentTypeID="0x010100204F40B82AE1344C92AA2539F9DA2FDA" ma:contentTypeVersion="16" ma:contentTypeDescription="Ein neues Dokument erstellen." ma:contentTypeScope="" ma:versionID="104d8f1f86d5ac4fb0bbf732d0fe5cb2">
   <xsd:schema xmlns:xsd="http://www.w3.org/2001/XMLSchema" xmlns:xs="http://www.w3.org/2001/XMLSchema" xmlns:p="http://schemas.microsoft.com/office/2006/metadata/properties" xmlns:ns2="8ec5f598-09a5-4f4d-8ba3-f8504e05b148" targetNamespace="http://schemas.microsoft.com/office/2006/metadata/properties" ma:root="true" ma:fieldsID="6746b2ef738051857e6d4e1367825187" ns2:_="">
     <xsd:import namespace="8ec5f598-09a5-4f4d-8ba3-f8504e05b148"/>
@@ -18434,15 +19822,16 @@
 </ct:contentTypeSchema>
 </file>
 
-<file path=customXml/itemProps1.xml><?xml version="1.0" encoding="utf-8"?>
-<ds:datastoreItem xmlns:ds="http://schemas.openxmlformats.org/officeDocument/2006/customXml" ds:itemID="{226F3FF9-422F-45E0-A6AB-77F6EE6152F9}">
-  <ds:schemaRefs>
-    <ds:schemaRef ds:uri="http://schemas.microsoft.com/sharepoint/events"/>
-  </ds:schemaRefs>
-</ds:datastoreItem>
+<file path=customXml/item4.xml><?xml version="1.0" encoding="utf-8"?>
+<?mso-contentType ?>
+<FormTemplates xmlns="http://schemas.microsoft.com/sharepoint/v3/contenttype/forms">
+  <Display>DocumentLibraryForm</Display>
+  <Edit>DocumentLibraryForm</Edit>
+  <New>DocumentLibraryForm</New>
+</FormTemplates>
 </file>
 
-<file path=customXml/itemProps2.xml><?xml version="1.0" encoding="utf-8"?>
+<file path=customXml/itemProps1.xml><?xml version="1.0" encoding="utf-8"?>
 <ds:datastoreItem xmlns:ds="http://schemas.openxmlformats.org/officeDocument/2006/customXml" ds:itemID="{86D38C2E-02CC-42D3-9E17-44C09712BF5F}">
   <ds:schemaRefs>
     <ds:schemaRef ds:uri="http://purl.org/dc/dcmitype/"/>
@@ -18458,15 +19847,15 @@
 </ds:datastoreItem>
 </file>
 
-<file path=customXml/itemProps3.xml><?xml version="1.0" encoding="utf-8"?>
-<ds:datastoreItem xmlns:ds="http://schemas.openxmlformats.org/officeDocument/2006/customXml" ds:itemID="{B662B3C9-84D1-44B4-980A-A658A0349369}">
+<file path=customXml/itemProps2.xml><?xml version="1.0" encoding="utf-8"?>
+<ds:datastoreItem xmlns:ds="http://schemas.openxmlformats.org/officeDocument/2006/customXml" ds:itemID="{226F3FF9-422F-45E0-A6AB-77F6EE6152F9}">
   <ds:schemaRefs>
-    <ds:schemaRef ds:uri="http://schemas.microsoft.com/sharepoint/v3/contenttype/forms"/>
+    <ds:schemaRef ds:uri="http://schemas.microsoft.com/sharepoint/events"/>
   </ds:schemaRefs>
 </ds:datastoreItem>
 </file>
 
-<file path=customXml/itemProps4.xml><?xml version="1.0" encoding="utf-8"?>
+<file path=customXml/itemProps3.xml><?xml version="1.0" encoding="utf-8"?>
 <ds:datastoreItem xmlns:ds="http://schemas.openxmlformats.org/officeDocument/2006/customXml" ds:itemID="{730C16CC-765D-45A1-A48A-7EE955B6CBC3}">
   <ds:schemaRefs>
     <ds:schemaRef ds:uri="http://schemas.microsoft.com/office/2006/metadata/contentType"/>
@@ -18482,4 +19871,12 @@
     <ds:schemaRef ds:uri="http://schemas.microsoft.com/internal/obd"/>
   </ds:schemaRefs>
 </ds:datastoreItem>
+</file>
+
+<file path=customXml/itemProps4.xml><?xml version="1.0" encoding="utf-8"?>
+<ds:datastoreItem xmlns:ds="http://schemas.openxmlformats.org/officeDocument/2006/customXml" ds:itemID="{B662B3C9-84D1-44B4-980A-A658A0349369}">
+  <ds:schemaRefs>
+    <ds:schemaRef ds:uri="http://schemas.microsoft.com/sharepoint/v3/contenttype/forms"/>
+  </ds:schemaRefs>
+</ds:datastoreItem>
 </file>
--- a/DOC/Fachgespraech.pptx
+++ b/DOC/Fachgespraech.pptx
@@ -5,10 +5,10 @@
     <p:sldMasterId id="2147483648" r:id="rId5"/>
   </p:sldMasterIdLst>
   <p:notesMasterIdLst>
-    <p:notesMasterId r:id="rId30"/>
+    <p:notesMasterId r:id="rId31"/>
   </p:notesMasterIdLst>
   <p:handoutMasterIdLst>
-    <p:handoutMasterId r:id="rId31"/>
+    <p:handoutMasterId r:id="rId32"/>
   </p:handoutMasterIdLst>
   <p:sldIdLst>
     <p:sldId id="329" r:id="rId6"/>
@@ -19,22 +19,23 @@
     <p:sldId id="476" r:id="rId11"/>
     <p:sldId id="475" r:id="rId12"/>
     <p:sldId id="477" r:id="rId13"/>
-    <p:sldId id="259" r:id="rId14"/>
-    <p:sldId id="261" r:id="rId15"/>
-    <p:sldId id="369" r:id="rId16"/>
-    <p:sldId id="356" r:id="rId17"/>
-    <p:sldId id="367" r:id="rId18"/>
-    <p:sldId id="370" r:id="rId19"/>
-    <p:sldId id="372" r:id="rId20"/>
-    <p:sldId id="373" r:id="rId21"/>
-    <p:sldId id="375" r:id="rId22"/>
-    <p:sldId id="374" r:id="rId23"/>
-    <p:sldId id="365" r:id="rId24"/>
-    <p:sldId id="366" r:id="rId25"/>
-    <p:sldId id="376" r:id="rId26"/>
-    <p:sldId id="378" r:id="rId27"/>
-    <p:sldId id="377" r:id="rId28"/>
-    <p:sldId id="348" r:id="rId29"/>
+    <p:sldId id="478" r:id="rId14"/>
+    <p:sldId id="259" r:id="rId15"/>
+    <p:sldId id="261" r:id="rId16"/>
+    <p:sldId id="369" r:id="rId17"/>
+    <p:sldId id="356" r:id="rId18"/>
+    <p:sldId id="367" r:id="rId19"/>
+    <p:sldId id="370" r:id="rId20"/>
+    <p:sldId id="372" r:id="rId21"/>
+    <p:sldId id="373" r:id="rId22"/>
+    <p:sldId id="375" r:id="rId23"/>
+    <p:sldId id="374" r:id="rId24"/>
+    <p:sldId id="365" r:id="rId25"/>
+    <p:sldId id="366" r:id="rId26"/>
+    <p:sldId id="376" r:id="rId27"/>
+    <p:sldId id="378" r:id="rId28"/>
+    <p:sldId id="377" r:id="rId29"/>
+    <p:sldId id="348" r:id="rId30"/>
   </p:sldIdLst>
   <p:sldSz cx="9144000" cy="6858000" type="screen4x3"/>
   <p:notesSz cx="7099300" cy="10234613"/>
@@ -163,7 +164,7 @@
 <file path=ppt/charts/chart1.xml><?xml version="1.0" encoding="utf-8"?>
 <c:chartSpace xmlns:c="http://schemas.openxmlformats.org/drawingml/2006/chart" xmlns:a="http://schemas.openxmlformats.org/drawingml/2006/main" xmlns:r="http://schemas.openxmlformats.org/officeDocument/2006/relationships" xmlns:c16r2="http://schemas.microsoft.com/office/drawing/2015/06/chart">
   <c:date1904 val="0"/>
-  <c:lang val="en-US"/>
+  <c:lang val="en-GB"/>
   <c:roundedCorners val="0"/>
   <mc:AlternateContent xmlns:mc="http://schemas.openxmlformats.org/markup-compatibility/2006">
     <mc:Choice xmlns:c14="http://schemas.microsoft.com/office/drawing/2007/8/2/chart" Requires="c14">
@@ -2132,7 +2133,7 @@
       </p:grpSpPr>
       <p:sp>
         <p:nvSpPr>
-          <p:cNvPr id="2" name="Slide Image Placeholder 1"/>
+          <p:cNvPr id="2" name="Folienbildplatzhalter 1"/>
           <p:cNvSpPr>
             <a:spLocks noGrp="1" noRot="1" noChangeAspect="1"/>
           </p:cNvSpPr>
@@ -2144,7 +2145,7 @@
       </p:sp>
       <p:sp>
         <p:nvSpPr>
-          <p:cNvPr id="3" name="Notes Placeholder 2"/>
+          <p:cNvPr id="3" name="Notizenplatzhalter 2"/>
           <p:cNvSpPr>
             <a:spLocks noGrp="1"/>
           </p:cNvSpPr>
@@ -2157,18 +2158,131 @@
           <a:bodyPr/>
           <a:lstStyle/>
           <a:p>
+            <a:r>
+              <a:rPr lang="de-DE" dirty="0"/>
+              <a:t>Um das zu erreichen, sollten bisher ungenutzte Features unserer WLAN-Appliance, der sog. IAC-BOX, aktiviert werden.</a:t>
+            </a:r>
+          </a:p>
+          <a:p>
+            <a:r>
+              <a:rPr lang="de-DE" dirty="0"/>
+              <a:t> </a:t>
+            </a:r>
+          </a:p>
+          <a:p>
+            <a:r>
+              <a:rPr lang="de-DE" dirty="0"/>
+              <a:t>Was genau ist die IAC-BOX? Die </a:t>
+            </a:r>
+            <a:r>
+              <a:rPr lang="de-DE" baseline="0" dirty="0"/>
+              <a:t>IAC-BOX implementiert ein Ticketsystem wie es auch z.B. Hotels verwenden. Die IAC-BOX wird auch an Hotels verkauft.</a:t>
+            </a:r>
             <a:endParaRPr lang="de-DE" dirty="0"/>
+          </a:p>
+          <a:p>
+            <a:endParaRPr lang="de-DE" dirty="0"/>
+          </a:p>
+          <a:p>
+            <a:r>
+              <a:rPr lang="de-DE" dirty="0"/>
+              <a:t>Sie hat die Aufgabe, den Zugang zum GESIS-Gästenetz zu verwalten.</a:t>
+            </a:r>
+          </a:p>
+          <a:p>
+            <a:endParaRPr lang="de-DE" dirty="0"/>
+          </a:p>
+          <a:p>
+            <a:r>
+              <a:rPr lang="de-DE" dirty="0"/>
+              <a:t>Dazu ist die IAC-BOX mit dem WLAN-Controller gekoppelt.</a:t>
+            </a:r>
+          </a:p>
+          <a:p>
+            <a:r>
+              <a:rPr lang="de-DE" dirty="0"/>
+              <a:t> </a:t>
+            </a:r>
+          </a:p>
+          <a:p>
+            <a:r>
+              <a:rPr lang="de-DE" dirty="0"/>
+              <a:t>Nur mit einem gültigen Ticket gestattet</a:t>
+            </a:r>
+            <a:r>
+              <a:rPr lang="de-DE" baseline="0" dirty="0"/>
+              <a:t> </a:t>
+            </a:r>
+            <a:r>
+              <a:rPr lang="de-DE" dirty="0"/>
+              <a:t>die IAC-BOX einem Gästegerät den Zugang zum Gästenetz.</a:t>
+            </a:r>
+          </a:p>
+          <a:p>
+            <a:r>
+              <a:rPr lang="de-DE" dirty="0"/>
+              <a:t> </a:t>
+            </a:r>
+          </a:p>
+          <a:p>
+            <a:r>
+              <a:rPr lang="de-DE" dirty="0"/>
+              <a:t>Diese</a:t>
+            </a:r>
+            <a:r>
+              <a:rPr lang="de-DE" baseline="0" dirty="0"/>
+              <a:t> </a:t>
+            </a:r>
+            <a:r>
+              <a:rPr lang="de-DE" dirty="0"/>
+              <a:t>Tickets wurden bisher</a:t>
+            </a:r>
+            <a:r>
+              <a:rPr lang="de-DE" baseline="0" dirty="0"/>
+              <a:t> </a:t>
+            </a:r>
+            <a:r>
+              <a:rPr lang="de-DE" dirty="0"/>
+              <a:t>von der IT erstellt.</a:t>
+            </a:r>
+          </a:p>
+          <a:p>
+            <a:r>
+              <a:rPr lang="de-DE" dirty="0"/>
+              <a:t> </a:t>
+            </a:r>
+          </a:p>
+          <a:p>
+            <a:r>
+              <a:rPr lang="de-DE" dirty="0"/>
+              <a:t>Um die IT von dieser Aufgabe zu befreien, sollte ich 5 bislang ungenutzte Module der IAC-BOX urbar machen.</a:t>
+            </a:r>
+          </a:p>
+          <a:p>
+            <a:endParaRPr lang="de-DE" dirty="0"/>
+          </a:p>
+          <a:p>
+            <a:r>
+              <a:rPr lang="de-DE" dirty="0"/>
+              <a:t> </a:t>
+            </a:r>
+          </a:p>
+          <a:p>
+            <a:r>
+              <a:rPr lang="de-DE" dirty="0"/>
+              <a:t>Ich werde im Folgenden diese Module genauer beschreiben.</a:t>
+            </a:r>
           </a:p>
         </p:txBody>
       </p:sp>
       <p:sp>
         <p:nvSpPr>
-          <p:cNvPr id="4" name="Date Placeholder 3"/>
+          <p:cNvPr id="4" name="Foliennummernplatzhalter 3"/>
           <p:cNvSpPr>
             <a:spLocks noGrp="1"/>
           </p:cNvSpPr>
           <p:nvPr>
-            <p:ph type="dt" idx="1"/>
+            <p:ph type="sldNum" sz="quarter" idx="10"/>
           </p:nvPr>
         </p:nvSpPr>
         <p:spPr/>
@@ -2176,28 +2290,8 @@
           <a:bodyPr/>
           <a:lstStyle/>
           <a:p>
-            <a:endParaRPr lang="de-DE"/>
-          </a:p>
-        </p:txBody>
-      </p:sp>
-      <p:sp>
-        <p:nvSpPr>
-          <p:cNvPr id="5" name="Slide Number Placeholder 4"/>
-          <p:cNvSpPr>
-            <a:spLocks noGrp="1"/>
-          </p:cNvSpPr>
-          <p:nvPr>
-            <p:ph type="sldNum" sz="quarter" idx="5"/>
-          </p:nvPr>
-        </p:nvSpPr>
-        <p:spPr/>
-        <p:txBody>
-          <a:bodyPr/>
-          <a:lstStyle/>
-          <a:p>
-            <a:fld id="{BF63E930-8F88-4EE0-A623-E2193C3967E3}" type="slidenum">
+            <a:fld id="{1928C91E-B408-4609-AD83-03ADF00550DE}" type="slidenum">
               <a:rPr lang="de-DE" smtClean="0"/>
-              <a:pPr/>
               <a:t>11</a:t>
             </a:fld>
             <a:endParaRPr lang="de-DE"/>
@@ -2207,7 +2301,7 @@
     </p:spTree>
     <p:extLst>
       <p:ext uri="{BB962C8B-B14F-4D97-AF65-F5344CB8AC3E}">
-        <p14:creationId xmlns:p14="http://schemas.microsoft.com/office/powerpoint/2010/main" val="2774700447"/>
+        <p14:creationId xmlns:p14="http://schemas.microsoft.com/office/powerpoint/2010/main" val="2252166543"/>
       </p:ext>
     </p:extLst>
   </p:cSld>
@@ -2261,12 +2355,6 @@
           <a:bodyPr/>
           <a:lstStyle/>
           <a:p>
-            <a:r>
-              <a:rPr lang="de-DE" dirty="0"/>
-              <a:t>REFACTORING nicht im BILD</a:t>
-            </a:r>
-          </a:p>
-          <a:p>
             <a:endParaRPr lang="de-DE" dirty="0"/>
           </a:p>
         </p:txBody>
@@ -2286,7 +2374,7 @@
           <a:bodyPr/>
           <a:lstStyle/>
           <a:p>
-            <a:endParaRPr lang="de-DE" dirty="0"/>
+            <a:endParaRPr lang="de-DE"/>
           </a:p>
         </p:txBody>
       </p:sp>
@@ -2310,14 +2398,14 @@
               <a:pPr/>
               <a:t>12</a:t>
             </a:fld>
-            <a:endParaRPr lang="de-DE" dirty="0"/>
+            <a:endParaRPr lang="de-DE"/>
           </a:p>
         </p:txBody>
       </p:sp>
     </p:spTree>
     <p:extLst>
       <p:ext uri="{BB962C8B-B14F-4D97-AF65-F5344CB8AC3E}">
-        <p14:creationId xmlns:p14="http://schemas.microsoft.com/office/powerpoint/2010/main" val="1087693115"/>
+        <p14:creationId xmlns:p14="http://schemas.microsoft.com/office/powerpoint/2010/main" val="2774700447"/>
       </p:ext>
     </p:extLst>
   </p:cSld>
@@ -2346,7 +2434,7 @@
       </p:grpSpPr>
       <p:sp>
         <p:nvSpPr>
-          <p:cNvPr id="2" name="Folienbildplatzhalter 1"/>
+          <p:cNvPr id="2" name="Slide Image Placeholder 1"/>
           <p:cNvSpPr>
             <a:spLocks noGrp="1" noRot="1" noChangeAspect="1"/>
           </p:cNvSpPr>
@@ -2358,7 +2446,7 @@
       </p:sp>
       <p:sp>
         <p:nvSpPr>
-          <p:cNvPr id="3" name="Notizenplatzhalter 2"/>
+          <p:cNvPr id="3" name="Notes Placeholder 2"/>
           <p:cNvSpPr>
             <a:spLocks noGrp="1"/>
           </p:cNvSpPr>
@@ -2373,129 +2461,22 @@
           <a:p>
             <a:r>
               <a:rPr lang="de-DE" dirty="0"/>
-              <a:t>Um das zu erreichen, sollten bisher ungenutzte Features unserer WLAN-Appliance, der sog. IAC-BOX, aktiviert werden.</a:t>
-            </a:r>
-          </a:p>
-          <a:p>
-            <a:r>
-              <a:rPr lang="de-DE" dirty="0"/>
-              <a:t> </a:t>
-            </a:r>
-          </a:p>
-          <a:p>
-            <a:r>
-              <a:rPr lang="de-DE" dirty="0"/>
-              <a:t>Was genau ist die IAC-BOX? Die </a:t>
-            </a:r>
-            <a:r>
-              <a:rPr lang="de-DE" baseline="0" dirty="0"/>
-              <a:t>IAC-BOX implementiert ein Ticketsystem wie es auch z.B. Hotels verwenden. Die IAC-BOX wird auch an Hotels verkauft.</a:t>
-            </a:r>
+              <a:t>REFACTORING nicht im BILD</a:t>
+            </a:r>
+          </a:p>
+          <a:p>
             <a:endParaRPr lang="de-DE" dirty="0"/>
-          </a:p>
-          <a:p>
-            <a:endParaRPr lang="de-DE" dirty="0"/>
-          </a:p>
-          <a:p>
-            <a:r>
-              <a:rPr lang="de-DE" dirty="0"/>
-              <a:t>Sie hat die Aufgabe, den Zugang zum GESIS-Gästenetz zu verwalten.</a:t>
-            </a:r>
-          </a:p>
-          <a:p>
-            <a:endParaRPr lang="de-DE" dirty="0"/>
-          </a:p>
-          <a:p>
-            <a:r>
-              <a:rPr lang="de-DE" dirty="0"/>
-              <a:t>Dazu ist die IAC-BOX mit dem WLAN-Controller gekoppelt.</a:t>
-            </a:r>
-          </a:p>
-          <a:p>
-            <a:r>
-              <a:rPr lang="de-DE" dirty="0"/>
-              <a:t> </a:t>
-            </a:r>
-          </a:p>
-          <a:p>
-            <a:r>
-              <a:rPr lang="de-DE" dirty="0"/>
-              <a:t>Nur mit einem gültigen Ticket gestattet</a:t>
-            </a:r>
-            <a:r>
-              <a:rPr lang="de-DE" baseline="0" dirty="0"/>
-              <a:t> </a:t>
-            </a:r>
-            <a:r>
-              <a:rPr lang="de-DE" dirty="0"/>
-              <a:t>die IAC-BOX einem Gästegerät den Zugang zum Gästenetz.</a:t>
-            </a:r>
-          </a:p>
-          <a:p>
-            <a:r>
-              <a:rPr lang="de-DE" dirty="0"/>
-              <a:t> </a:t>
-            </a:r>
-          </a:p>
-          <a:p>
-            <a:r>
-              <a:rPr lang="de-DE" dirty="0"/>
-              <a:t>Diese</a:t>
-            </a:r>
-            <a:r>
-              <a:rPr lang="de-DE" baseline="0" dirty="0"/>
-              <a:t> </a:t>
-            </a:r>
-            <a:r>
-              <a:rPr lang="de-DE" dirty="0"/>
-              <a:t>Tickets wurden bisher</a:t>
-            </a:r>
-            <a:r>
-              <a:rPr lang="de-DE" baseline="0" dirty="0"/>
-              <a:t> </a:t>
-            </a:r>
-            <a:r>
-              <a:rPr lang="de-DE" dirty="0"/>
-              <a:t>von der IT erstellt.</a:t>
-            </a:r>
-          </a:p>
-          <a:p>
-            <a:r>
-              <a:rPr lang="de-DE" dirty="0"/>
-              <a:t> </a:t>
-            </a:r>
-          </a:p>
-          <a:p>
-            <a:r>
-              <a:rPr lang="de-DE" dirty="0"/>
-              <a:t>Um die IT von dieser Aufgabe zu befreien, sollte ich 5 bislang ungenutzte Module der IAC-BOX urbar machen.</a:t>
-            </a:r>
-          </a:p>
-          <a:p>
-            <a:endParaRPr lang="de-DE" dirty="0"/>
-          </a:p>
-          <a:p>
-            <a:r>
-              <a:rPr lang="de-DE" dirty="0"/>
-              <a:t> </a:t>
-            </a:r>
-          </a:p>
-          <a:p>
-            <a:r>
-              <a:rPr lang="de-DE" dirty="0"/>
-              <a:t>Ich werde im Folgenden diese Module genauer beschreiben.</a:t>
-            </a:r>
           </a:p>
         </p:txBody>
       </p:sp>
       <p:sp>
         <p:nvSpPr>
-          <p:cNvPr id="4" name="Foliennummernplatzhalter 3"/>
+          <p:cNvPr id="4" name="Date Placeholder 3"/>
           <p:cNvSpPr>
             <a:spLocks noGrp="1"/>
           </p:cNvSpPr>
           <p:nvPr>
-            <p:ph type="sldNum" sz="quarter" idx="10"/>
+            <p:ph type="dt" idx="1"/>
           </p:nvPr>
         </p:nvSpPr>
         <p:spPr/>
@@ -2503,18 +2484,38 @@
           <a:bodyPr/>
           <a:lstStyle/>
           <a:p>
-            <a:fld id="{1928C91E-B408-4609-AD83-03ADF00550DE}" type="slidenum">
+            <a:endParaRPr lang="de-DE" dirty="0"/>
+          </a:p>
+        </p:txBody>
+      </p:sp>
+      <p:sp>
+        <p:nvSpPr>
+          <p:cNvPr id="5" name="Slide Number Placeholder 4"/>
+          <p:cNvSpPr>
+            <a:spLocks noGrp="1"/>
+          </p:cNvSpPr>
+          <p:nvPr>
+            <p:ph type="sldNum" sz="quarter" idx="5"/>
+          </p:nvPr>
+        </p:nvSpPr>
+        <p:spPr/>
+        <p:txBody>
+          <a:bodyPr/>
+          <a:lstStyle/>
+          <a:p>
+            <a:fld id="{BF63E930-8F88-4EE0-A623-E2193C3967E3}" type="slidenum">
               <a:rPr lang="de-DE" smtClean="0"/>
-              <a:t>15</a:t>
+              <a:pPr/>
+              <a:t>13</a:t>
             </a:fld>
-            <a:endParaRPr lang="de-DE"/>
+            <a:endParaRPr lang="de-DE" dirty="0"/>
           </a:p>
         </p:txBody>
       </p:sp>
     </p:spTree>
     <p:extLst>
       <p:ext uri="{BB962C8B-B14F-4D97-AF65-F5344CB8AC3E}">
-        <p14:creationId xmlns:p14="http://schemas.microsoft.com/office/powerpoint/2010/main" val="4259533064"/>
+        <p14:creationId xmlns:p14="http://schemas.microsoft.com/office/powerpoint/2010/main" val="1087693115"/>
       </p:ext>
     </p:extLst>
   </p:cSld>
@@ -2711,7 +2712,7 @@
     </p:spTree>
     <p:extLst>
       <p:ext uri="{BB962C8B-B14F-4D97-AF65-F5344CB8AC3E}">
-        <p14:creationId xmlns:p14="http://schemas.microsoft.com/office/powerpoint/2010/main" val="2088475689"/>
+        <p14:creationId xmlns:p14="http://schemas.microsoft.com/office/powerpoint/2010/main" val="4259533064"/>
       </p:ext>
     </p:extLst>
   </p:cSld>
@@ -2740,7 +2741,7 @@
       </p:grpSpPr>
       <p:sp>
         <p:nvSpPr>
-          <p:cNvPr id="2" name="Slide Image Placeholder 1"/>
+          <p:cNvPr id="2" name="Folienbildplatzhalter 1"/>
           <p:cNvSpPr>
             <a:spLocks noGrp="1" noRot="1" noChangeAspect="1"/>
           </p:cNvSpPr>
@@ -2752,7 +2753,7 @@
       </p:sp>
       <p:sp>
         <p:nvSpPr>
-          <p:cNvPr id="3" name="Notes Placeholder 2"/>
+          <p:cNvPr id="3" name="Notizenplatzhalter 2"/>
           <p:cNvSpPr>
             <a:spLocks noGrp="1"/>
           </p:cNvSpPr>
@@ -2765,18 +2766,131 @@
           <a:bodyPr/>
           <a:lstStyle/>
           <a:p>
+            <a:r>
+              <a:rPr lang="de-DE" dirty="0"/>
+              <a:t>Um das zu erreichen, sollten bisher ungenutzte Features unserer WLAN-Appliance, der sog. IAC-BOX, aktiviert werden.</a:t>
+            </a:r>
+          </a:p>
+          <a:p>
+            <a:r>
+              <a:rPr lang="de-DE" dirty="0"/>
+              <a:t> </a:t>
+            </a:r>
+          </a:p>
+          <a:p>
+            <a:r>
+              <a:rPr lang="de-DE" dirty="0"/>
+              <a:t>Was genau ist die IAC-BOX? Die </a:t>
+            </a:r>
+            <a:r>
+              <a:rPr lang="de-DE" baseline="0" dirty="0"/>
+              <a:t>IAC-BOX implementiert ein Ticketsystem wie es auch z.B. Hotels verwenden. Die IAC-BOX wird auch an Hotels verkauft.</a:t>
+            </a:r>
             <a:endParaRPr lang="de-DE" dirty="0"/>
+          </a:p>
+          <a:p>
+            <a:endParaRPr lang="de-DE" dirty="0"/>
+          </a:p>
+          <a:p>
+            <a:r>
+              <a:rPr lang="de-DE" dirty="0"/>
+              <a:t>Sie hat die Aufgabe, den Zugang zum GESIS-Gästenetz zu verwalten.</a:t>
+            </a:r>
+          </a:p>
+          <a:p>
+            <a:endParaRPr lang="de-DE" dirty="0"/>
+          </a:p>
+          <a:p>
+            <a:r>
+              <a:rPr lang="de-DE" dirty="0"/>
+              <a:t>Dazu ist die IAC-BOX mit dem WLAN-Controller gekoppelt.</a:t>
+            </a:r>
+          </a:p>
+          <a:p>
+            <a:r>
+              <a:rPr lang="de-DE" dirty="0"/>
+              <a:t> </a:t>
+            </a:r>
+          </a:p>
+          <a:p>
+            <a:r>
+              <a:rPr lang="de-DE" dirty="0"/>
+              <a:t>Nur mit einem gültigen Ticket gestattet</a:t>
+            </a:r>
+            <a:r>
+              <a:rPr lang="de-DE" baseline="0" dirty="0"/>
+              <a:t> </a:t>
+            </a:r>
+            <a:r>
+              <a:rPr lang="de-DE" dirty="0"/>
+              <a:t>die IAC-BOX einem Gästegerät den Zugang zum Gästenetz.</a:t>
+            </a:r>
+          </a:p>
+          <a:p>
+            <a:r>
+              <a:rPr lang="de-DE" dirty="0"/>
+              <a:t> </a:t>
+            </a:r>
+          </a:p>
+          <a:p>
+            <a:r>
+              <a:rPr lang="de-DE" dirty="0"/>
+              <a:t>Diese</a:t>
+            </a:r>
+            <a:r>
+              <a:rPr lang="de-DE" baseline="0" dirty="0"/>
+              <a:t> </a:t>
+            </a:r>
+            <a:r>
+              <a:rPr lang="de-DE" dirty="0"/>
+              <a:t>Tickets wurden bisher</a:t>
+            </a:r>
+            <a:r>
+              <a:rPr lang="de-DE" baseline="0" dirty="0"/>
+              <a:t> </a:t>
+            </a:r>
+            <a:r>
+              <a:rPr lang="de-DE" dirty="0"/>
+              <a:t>von der IT erstellt.</a:t>
+            </a:r>
+          </a:p>
+          <a:p>
+            <a:r>
+              <a:rPr lang="de-DE" dirty="0"/>
+              <a:t> </a:t>
+            </a:r>
+          </a:p>
+          <a:p>
+            <a:r>
+              <a:rPr lang="de-DE" dirty="0"/>
+              <a:t>Um die IT von dieser Aufgabe zu befreien, sollte ich 5 bislang ungenutzte Module der IAC-BOX urbar machen.</a:t>
+            </a:r>
+          </a:p>
+          <a:p>
+            <a:endParaRPr lang="de-DE" dirty="0"/>
+          </a:p>
+          <a:p>
+            <a:r>
+              <a:rPr lang="de-DE" dirty="0"/>
+              <a:t> </a:t>
+            </a:r>
+          </a:p>
+          <a:p>
+            <a:r>
+              <a:rPr lang="de-DE" dirty="0"/>
+              <a:t>Ich werde im Folgenden diese Module genauer beschreiben.</a:t>
+            </a:r>
           </a:p>
         </p:txBody>
       </p:sp>
       <p:sp>
         <p:nvSpPr>
-          <p:cNvPr id="4" name="Date Placeholder 3"/>
+          <p:cNvPr id="4" name="Foliennummernplatzhalter 3"/>
           <p:cNvSpPr>
             <a:spLocks noGrp="1"/>
           </p:cNvSpPr>
           <p:nvPr>
-            <p:ph type="dt" idx="1"/>
+            <p:ph type="sldNum" sz="quarter" idx="10"/>
           </p:nvPr>
         </p:nvSpPr>
         <p:spPr/>
@@ -2784,29 +2898,9 @@
           <a:bodyPr/>
           <a:lstStyle/>
           <a:p>
-            <a:endParaRPr lang="de-DE"/>
-          </a:p>
-        </p:txBody>
-      </p:sp>
-      <p:sp>
-        <p:nvSpPr>
-          <p:cNvPr id="5" name="Slide Number Placeholder 4"/>
-          <p:cNvSpPr>
-            <a:spLocks noGrp="1"/>
-          </p:cNvSpPr>
-          <p:nvPr>
-            <p:ph type="sldNum" sz="quarter" idx="5"/>
-          </p:nvPr>
-        </p:nvSpPr>
-        <p:spPr/>
-        <p:txBody>
-          <a:bodyPr/>
-          <a:lstStyle/>
-          <a:p>
-            <a:fld id="{BF63E930-8F88-4EE0-A623-E2193C3967E3}" type="slidenum">
+            <a:fld id="{1928C91E-B408-4609-AD83-03ADF00550DE}" type="slidenum">
               <a:rPr lang="de-DE" smtClean="0"/>
-              <a:pPr/>
-              <a:t>19</a:t>
+              <a:t>17</a:t>
             </a:fld>
             <a:endParaRPr lang="de-DE"/>
           </a:p>
@@ -2815,7 +2909,7 @@
     </p:spTree>
     <p:extLst>
       <p:ext uri="{BB962C8B-B14F-4D97-AF65-F5344CB8AC3E}">
-        <p14:creationId xmlns:p14="http://schemas.microsoft.com/office/powerpoint/2010/main" val="1284332552"/>
+        <p14:creationId xmlns:p14="http://schemas.microsoft.com/office/powerpoint/2010/main" val="2088475689"/>
       </p:ext>
     </p:extLst>
   </p:cSld>
@@ -2869,10 +2963,7 @@
           <a:bodyPr/>
           <a:lstStyle/>
           <a:p>
-            <a:r>
-              <a:rPr lang="de-DE"/>
-              <a:t>ENTWICKLERDOKUMENTATION HAT ZEITLICH NICHT GEPASST UND WURDE VOM KUNDEN IM ABNAHMEPROTOKOLL NICHT ERWÄHNT.</a:t>
-            </a:r>
+            <a:endParaRPr lang="de-DE" dirty="0"/>
           </a:p>
         </p:txBody>
       </p:sp>
@@ -2913,7 +3004,114 @@
             <a:fld id="{BF63E930-8F88-4EE0-A623-E2193C3967E3}" type="slidenum">
               <a:rPr lang="de-DE" smtClean="0"/>
               <a:pPr/>
-              <a:t>22</a:t>
+              <a:t>20</a:t>
+            </a:fld>
+            <a:endParaRPr lang="de-DE"/>
+          </a:p>
+        </p:txBody>
+      </p:sp>
+    </p:spTree>
+    <p:extLst>
+      <p:ext uri="{BB962C8B-B14F-4D97-AF65-F5344CB8AC3E}">
+        <p14:creationId xmlns:p14="http://schemas.microsoft.com/office/powerpoint/2010/main" val="1284332552"/>
+      </p:ext>
+    </p:extLst>
+  </p:cSld>
+  <p:clrMapOvr>
+    <a:masterClrMapping/>
+  </p:clrMapOvr>
+</p:notes>
+</file>
+
+<file path=ppt/notesSlides/notesSlide16.xml><?xml version="1.0" encoding="utf-8"?>
+<p:notes xmlns:a="http://schemas.openxmlformats.org/drawingml/2006/main" xmlns:r="http://schemas.openxmlformats.org/officeDocument/2006/relationships" xmlns:p="http://schemas.openxmlformats.org/presentationml/2006/main">
+  <p:cSld>
+    <p:spTree>
+      <p:nvGrpSpPr>
+        <p:cNvPr id="1" name=""/>
+        <p:cNvGrpSpPr/>
+        <p:nvPr/>
+      </p:nvGrpSpPr>
+      <p:grpSpPr>
+        <a:xfrm>
+          <a:off x="0" y="0"/>
+          <a:ext cx="0" cy="0"/>
+          <a:chOff x="0" y="0"/>
+          <a:chExt cx="0" cy="0"/>
+        </a:xfrm>
+      </p:grpSpPr>
+      <p:sp>
+        <p:nvSpPr>
+          <p:cNvPr id="2" name="Slide Image Placeholder 1"/>
+          <p:cNvSpPr>
+            <a:spLocks noGrp="1" noRot="1" noChangeAspect="1"/>
+          </p:cNvSpPr>
+          <p:nvPr>
+            <p:ph type="sldImg"/>
+          </p:nvPr>
+        </p:nvSpPr>
+        <p:spPr/>
+      </p:sp>
+      <p:sp>
+        <p:nvSpPr>
+          <p:cNvPr id="3" name="Notes Placeholder 2"/>
+          <p:cNvSpPr>
+            <a:spLocks noGrp="1"/>
+          </p:cNvSpPr>
+          <p:nvPr>
+            <p:ph type="body" idx="1"/>
+          </p:nvPr>
+        </p:nvSpPr>
+        <p:spPr/>
+        <p:txBody>
+          <a:bodyPr/>
+          <a:lstStyle/>
+          <a:p>
+            <a:r>
+              <a:rPr lang="de-DE"/>
+              <a:t>ENTWICKLERDOKUMENTATION HAT ZEITLICH NICHT GEPASST UND WURDE VOM KUNDEN IM ABNAHMEPROTOKOLL NICHT ERWÄHNT.</a:t>
+            </a:r>
+          </a:p>
+        </p:txBody>
+      </p:sp>
+      <p:sp>
+        <p:nvSpPr>
+          <p:cNvPr id="4" name="Date Placeholder 3"/>
+          <p:cNvSpPr>
+            <a:spLocks noGrp="1"/>
+          </p:cNvSpPr>
+          <p:nvPr>
+            <p:ph type="dt" idx="1"/>
+          </p:nvPr>
+        </p:nvSpPr>
+        <p:spPr/>
+        <p:txBody>
+          <a:bodyPr/>
+          <a:lstStyle/>
+          <a:p>
+            <a:endParaRPr lang="de-DE"/>
+          </a:p>
+        </p:txBody>
+      </p:sp>
+      <p:sp>
+        <p:nvSpPr>
+          <p:cNvPr id="5" name="Slide Number Placeholder 4"/>
+          <p:cNvSpPr>
+            <a:spLocks noGrp="1"/>
+          </p:cNvSpPr>
+          <p:nvPr>
+            <p:ph type="sldNum" sz="quarter" idx="5"/>
+          </p:nvPr>
+        </p:nvSpPr>
+        <p:spPr/>
+        <p:txBody>
+          <a:bodyPr/>
+          <a:lstStyle/>
+          <a:p>
+            <a:fld id="{BF63E930-8F88-4EE0-A623-E2193C3967E3}" type="slidenum">
+              <a:rPr lang="de-DE" smtClean="0"/>
+              <a:pPr/>
+              <a:t>23</a:t>
             </a:fld>
             <a:endParaRPr lang="de-DE"/>
           </a:p>
@@ -3832,19 +4030,38 @@
       </p:grpSpPr>
       <p:sp>
         <p:nvSpPr>
-          <p:cNvPr id="2" name="Folienbildplatzhalter 1"/>
+          <p:cNvPr id="71682" name="Folienbildplatzhalter 1"/>
           <p:cNvSpPr>
-            <a:spLocks noGrp="1" noRot="1" noChangeAspect="1"/>
+            <a:spLocks noGrp="1" noRot="1" noChangeAspect="1" noTextEdit="1"/>
           </p:cNvSpPr>
           <p:nvPr>
             <p:ph type="sldImg"/>
           </p:nvPr>
         </p:nvSpPr>
-        <p:spPr/>
+        <p:spPr bwMode="auto">
+          <a:noFill/>
+          <a:ln>
+            <a:solidFill>
+              <a:srgbClr val="000000"/>
+            </a:solidFill>
+            <a:miter lim="800000"/>
+            <a:headEnd/>
+            <a:tailEnd/>
+          </a:ln>
+          <a:extLst>
+            <a:ext uri="{909E8E84-426E-40DD-AFC4-6F175D3DCCD1}">
+              <a14:hiddenFill xmlns:a14="http://schemas.microsoft.com/office/drawing/2010/main">
+                <a:solidFill>
+                  <a:srgbClr val="FFFFFF"/>
+                </a:solidFill>
+              </a14:hiddenFill>
+            </a:ext>
+          </a:extLst>
+        </p:spPr>
       </p:sp>
       <p:sp>
         <p:nvSpPr>
-          <p:cNvPr id="3" name="Notizenplatzhalter 2"/>
+          <p:cNvPr id="71683" name="Notizenplatzhalter 2"/>
           <p:cNvSpPr>
             <a:spLocks noGrp="1"/>
           </p:cNvSpPr>
@@ -3852,77 +4069,58 @@
             <p:ph type="body" idx="1"/>
           </p:nvPr>
         </p:nvSpPr>
-        <p:spPr/>
+        <p:spPr bwMode="auto">
+          <a:noFill/>
+          <a:extLst>
+            <a:ext uri="{909E8E84-426E-40DD-AFC4-6F175D3DCCD1}">
+              <a14:hiddenFill xmlns:a14="http://schemas.microsoft.com/office/drawing/2010/main">
+                <a:solidFill>
+                  <a:srgbClr val="FFFFFF"/>
+                </a:solidFill>
+              </a14:hiddenFill>
+            </a:ext>
+            <a:ext uri="{91240B29-F687-4F45-9708-019B960494DF}">
+              <a14:hiddenLine xmlns:a14="http://schemas.microsoft.com/office/drawing/2010/main" w="9525">
+                <a:solidFill>
+                  <a:srgbClr val="000000"/>
+                </a:solidFill>
+                <a:miter lim="800000"/>
+                <a:headEnd/>
+                <a:tailEnd/>
+              </a14:hiddenLine>
+            </a:ext>
+          </a:extLst>
+        </p:spPr>
         <p:txBody>
-          <a:bodyPr/>
+          <a:bodyPr wrap="square" numCol="1" anchor="t" anchorCtr="0" compatLnSpc="1">
+            <a:prstTxWarp prst="textNoShape">
+              <a:avLst/>
+            </a:prstTxWarp>
+          </a:bodyPr>
           <a:lstStyle/>
           <a:p>
             <a:r>
-              <a:rPr lang="de-DE" dirty="0"/>
-              <a:t>GESIS ist ein eingetragener Verein.</a:t>
-            </a:r>
-          </a:p>
-          <a:p>
-            <a:r>
-              <a:rPr lang="de-DE" dirty="0"/>
-              <a:t> </a:t>
-            </a:r>
-          </a:p>
-          <a:p>
-            <a:r>
-              <a:rPr lang="de-DE" dirty="0"/>
-              <a:t>Wir haben den Satzungszweck der Förderung der sozialwissenschaftlichen Forschung.</a:t>
-            </a:r>
-          </a:p>
-          <a:p>
-            <a:r>
-              <a:rPr lang="de-DE" dirty="0"/>
-              <a:t> </a:t>
-            </a:r>
-          </a:p>
-          <a:p>
-            <a:r>
-              <a:rPr lang="de-DE" dirty="0"/>
-              <a:t>Unser Ziel ist grundlegende, überregional und international bedeutsame forschungsbasierte Dienstleistungen für die Sozialwissenschaften zu erbringen. </a:t>
-            </a:r>
-          </a:p>
-          <a:p>
-            <a:r>
-              <a:rPr lang="de-DE" dirty="0"/>
-              <a:t> </a:t>
-            </a:r>
-          </a:p>
-          <a:p>
-            <a:r>
-              <a:rPr lang="de-DE" dirty="0"/>
-              <a:t>Wir haben zwei Standorte: Mannheim und Köln. Am Standort Köln arbeiten rund 300 Kolleginnen und Kollegen.</a:t>
-            </a:r>
-          </a:p>
-          <a:p>
-            <a:r>
-              <a:rPr lang="de-DE" dirty="0"/>
-              <a:t> </a:t>
-            </a:r>
-          </a:p>
-          <a:p>
-            <a:r>
-              <a:rPr lang="de-DE" dirty="0"/>
-              <a:t>Unter anderem richtet GESIS Schulungen, Seminare und Konferenzen aus. An Spitzentagen mit bis zu 250 Teilnehmern.</a:t>
-            </a:r>
-          </a:p>
-          <a:p>
-            <a:endParaRPr lang="de-DE" dirty="0"/>
+              <a:rPr lang="de-DE" altLang="de-DE" baseline="0" dirty="0" err="1"/>
+              <a:t>Gesis</a:t>
+            </a:r>
+            <a:r>
+              <a:rPr lang="de-DE" altLang="de-DE" baseline="0" dirty="0"/>
+              <a:t> Eingetragener Verein</a:t>
+            </a:r>
+          </a:p>
+          <a:p>
+            <a:endParaRPr lang="de-DE" altLang="de-DE" dirty="0"/>
           </a:p>
         </p:txBody>
       </p:sp>
       <p:sp>
         <p:nvSpPr>
-          <p:cNvPr id="4" name="Foliennummernplatzhalter 3"/>
+          <p:cNvPr id="5" name="Foliennummernplatzhalter 4"/>
           <p:cNvSpPr>
             <a:spLocks noGrp="1"/>
           </p:cNvSpPr>
           <p:nvPr>
-            <p:ph type="sldNum" sz="quarter" idx="10"/>
+            <p:ph type="sldNum" sz="quarter" idx="5"/>
           </p:nvPr>
         </p:nvSpPr>
         <p:spPr/>
@@ -3930,8 +4128,14 @@
           <a:bodyPr/>
           <a:lstStyle/>
           <a:p>
-            <a:fld id="{1928C91E-B408-4609-AD83-03ADF00550DE}" type="slidenum">
+            <a:pPr>
+              <a:defRPr/>
+            </a:pPr>
+            <a:fld id="{41850068-0579-4E26-98B5-C63652FAF565}" type="slidenum">
               <a:rPr lang="de-DE" smtClean="0"/>
+              <a:pPr>
+                <a:defRPr/>
+              </a:pPr>
               <a:t>9</a:t>
             </a:fld>
             <a:endParaRPr lang="de-DE"/>
@@ -3941,7 +4145,7 @@
     </p:spTree>
     <p:extLst>
       <p:ext uri="{BB962C8B-B14F-4D97-AF65-F5344CB8AC3E}">
-        <p14:creationId xmlns:p14="http://schemas.microsoft.com/office/powerpoint/2010/main" val="2003502434"/>
+        <p14:creationId xmlns:p14="http://schemas.microsoft.com/office/powerpoint/2010/main" val="3625378166"/>
       </p:ext>
     </p:extLst>
   </p:cSld>
@@ -3997,7 +4201,7 @@
           <a:p>
             <a:r>
               <a:rPr lang="de-DE" dirty="0"/>
-              <a:t>Um das zu erreichen, sollten bisher ungenutzte Features unserer WLAN-Appliance, der sog. IAC-BOX, aktiviert werden.</a:t>
+              <a:t>GESIS ist ein eingetragener Verein.</a:t>
             </a:r>
           </a:p>
           <a:p>
@@ -4009,30 +4213,7 @@
           <a:p>
             <a:r>
               <a:rPr lang="de-DE" dirty="0"/>
-              <a:t>Was genau ist die IAC-BOX? Die </a:t>
-            </a:r>
-            <a:r>
-              <a:rPr lang="de-DE" baseline="0" dirty="0"/>
-              <a:t>IAC-BOX implementiert ein Ticketsystem wie es auch z.B. Hotels verwenden. Die IAC-BOX wird auch an Hotels verkauft.</a:t>
-            </a:r>
-            <a:endParaRPr lang="de-DE" dirty="0"/>
-          </a:p>
-          <a:p>
-            <a:endParaRPr lang="de-DE" dirty="0"/>
-          </a:p>
-          <a:p>
-            <a:r>
-              <a:rPr lang="de-DE" dirty="0"/>
-              <a:t>Sie hat die Aufgabe, den Zugang zum GESIS-Gästenetz zu verwalten.</a:t>
-            </a:r>
-          </a:p>
-          <a:p>
-            <a:endParaRPr lang="de-DE" dirty="0"/>
-          </a:p>
-          <a:p>
-            <a:r>
-              <a:rPr lang="de-DE" dirty="0"/>
-              <a:t>Dazu ist die IAC-BOX mit dem WLAN-Controller gekoppelt.</a:t>
+              <a:t>Wir haben den Satzungszweck der Förderung der sozialwissenschaftlichen Forschung.</a:t>
             </a:r>
           </a:p>
           <a:p>
@@ -4044,15 +4225,7 @@
           <a:p>
             <a:r>
               <a:rPr lang="de-DE" dirty="0"/>
-              <a:t>Nur mit einem gültigen Ticket gestattet</a:t>
-            </a:r>
-            <a:r>
-              <a:rPr lang="de-DE" baseline="0" dirty="0"/>
-              <a:t> </a:t>
-            </a:r>
-            <a:r>
-              <a:rPr lang="de-DE" dirty="0"/>
-              <a:t>die IAC-BOX einem Gästegerät den Zugang zum Gästenetz.</a:t>
+              <a:t>Unser Ziel ist grundlegende, überregional und international bedeutsame forschungsbasierte Dienstleistungen für die Sozialwissenschaften zu erbringen. </a:t>
             </a:r>
           </a:p>
           <a:p>
@@ -4064,23 +4237,7 @@
           <a:p>
             <a:r>
               <a:rPr lang="de-DE" dirty="0"/>
-              <a:t>Diese</a:t>
-            </a:r>
-            <a:r>
-              <a:rPr lang="de-DE" baseline="0" dirty="0"/>
-              <a:t> </a:t>
-            </a:r>
-            <a:r>
-              <a:rPr lang="de-DE" dirty="0"/>
-              <a:t>Tickets wurden bisher</a:t>
-            </a:r>
-            <a:r>
-              <a:rPr lang="de-DE" baseline="0" dirty="0"/>
-              <a:t> </a:t>
-            </a:r>
-            <a:r>
-              <a:rPr lang="de-DE" dirty="0"/>
-              <a:t>von der IT erstellt.</a:t>
+              <a:t>Wir haben zwei Standorte: Mannheim und Köln. Am Standort Köln arbeiten rund 300 Kolleginnen und Kollegen.</a:t>
             </a:r>
           </a:p>
           <a:p>
@@ -4092,23 +4249,11 @@
           <a:p>
             <a:r>
               <a:rPr lang="de-DE" dirty="0"/>
-              <a:t>Um die IT von dieser Aufgabe zu befreien, sollte ich 5 bislang ungenutzte Module der IAC-BOX urbar machen.</a:t>
+              <a:t>Unter anderem richtet GESIS Schulungen, Seminare und Konferenzen aus. An Spitzentagen mit bis zu 250 Teilnehmern.</a:t>
             </a:r>
           </a:p>
           <a:p>
             <a:endParaRPr lang="de-DE" dirty="0"/>
-          </a:p>
-          <a:p>
-            <a:r>
-              <a:rPr lang="de-DE" dirty="0"/>
-              <a:t> </a:t>
-            </a:r>
-          </a:p>
-          <a:p>
-            <a:r>
-              <a:rPr lang="de-DE" dirty="0"/>
-              <a:t>Ich werde im Folgenden diese Module genauer beschreiben.</a:t>
-            </a:r>
           </a:p>
         </p:txBody>
       </p:sp>
@@ -4138,7 +4283,7 @@
     </p:spTree>
     <p:extLst>
       <p:ext uri="{BB962C8B-B14F-4D97-AF65-F5344CB8AC3E}">
-        <p14:creationId xmlns:p14="http://schemas.microsoft.com/office/powerpoint/2010/main" val="2252166543"/>
+        <p14:creationId xmlns:p14="http://schemas.microsoft.com/office/powerpoint/2010/main" val="2003502434"/>
       </p:ext>
     </p:extLst>
   </p:cSld>
@@ -6604,6 +6749,154 @@
         </p:nvSpPr>
         <p:spPr/>
         <p:txBody>
+          <a:bodyPr>
+            <a:normAutofit fontScale="90000"/>
+          </a:bodyPr>
+          <a:lstStyle/>
+          <a:p>
+            <a:r>
+              <a:rPr lang="de-DE" dirty="0"/>
+              <a:t>Projektumfeld - Das Institut</a:t>
+            </a:r>
+          </a:p>
+        </p:txBody>
+      </p:sp>
+      <p:sp>
+        <p:nvSpPr>
+          <p:cNvPr id="6" name="Rechteck 5"/>
+          <p:cNvSpPr/>
+          <p:nvPr/>
+        </p:nvSpPr>
+        <p:spPr>
+          <a:xfrm>
+            <a:off x="323528" y="6237312"/>
+            <a:ext cx="1440160" cy="620688"/>
+          </a:xfrm>
+          <a:prstGeom prst="rect">
+            <a:avLst/>
+          </a:prstGeom>
+          <a:ln>
+            <a:noFill/>
+          </a:ln>
+        </p:spPr>
+        <p:style>
+          <a:lnRef idx="2">
+            <a:schemeClr val="dk1"/>
+          </a:lnRef>
+          <a:fillRef idx="1">
+            <a:schemeClr val="lt1"/>
+          </a:fillRef>
+          <a:effectRef idx="0">
+            <a:schemeClr val="dk1"/>
+          </a:effectRef>
+          <a:fontRef idx="minor">
+            <a:schemeClr val="dk1"/>
+          </a:fontRef>
+        </p:style>
+        <p:txBody>
+          <a:bodyPr rtlCol="0" anchor="ctr"/>
+          <a:lstStyle/>
+          <a:p>
+            <a:pPr algn="ctr"/>
+            <a:endParaRPr lang="de-DE"/>
+          </a:p>
+        </p:txBody>
+      </p:sp>
+      <p:sp>
+        <p:nvSpPr>
+          <p:cNvPr id="7" name="Foliennummernplatzhalter 6"/>
+          <p:cNvSpPr>
+            <a:spLocks noGrp="1"/>
+          </p:cNvSpPr>
+          <p:nvPr>
+            <p:ph type="sldNum" sz="quarter" idx="12"/>
+          </p:nvPr>
+        </p:nvSpPr>
+        <p:spPr/>
+        <p:txBody>
+          <a:bodyPr/>
+          <a:lstStyle/>
+          <a:p>
+            <a:fld id="{AC76F9B2-121F-446C-A37F-B7F54BF3DCAC}" type="slidenum">
+              <a:rPr lang="de-DE" smtClean="0"/>
+              <a:t>10</a:t>
+            </a:fld>
+            <a:endParaRPr lang="de-DE" dirty="0"/>
+          </a:p>
+        </p:txBody>
+      </p:sp>
+      <p:pic>
+        <p:nvPicPr>
+          <p:cNvPr id="3" name="Picture 2">
+            <a:extLst>
+              <a:ext uri="{FF2B5EF4-FFF2-40B4-BE49-F238E27FC236}">
+                <a16:creationId xmlns:a16="http://schemas.microsoft.com/office/drawing/2014/main" id="{59164D2C-E2DF-EA48-8243-D028C4461300}"/>
+              </a:ext>
+            </a:extLst>
+          </p:cNvPr>
+          <p:cNvPicPr>
+            <a:picLocks noChangeAspect="1"/>
+          </p:cNvPicPr>
+          <p:nvPr/>
+        </p:nvPicPr>
+        <p:blipFill>
+          <a:blip r:embed="rId3"/>
+          <a:stretch>
+            <a:fillRect/>
+          </a:stretch>
+        </p:blipFill>
+        <p:spPr>
+          <a:xfrm>
+            <a:off x="1034412" y="1412197"/>
+            <a:ext cx="7075176" cy="5009917"/>
+          </a:xfrm>
+          <a:prstGeom prst="rect">
+            <a:avLst/>
+          </a:prstGeom>
+        </p:spPr>
+      </p:pic>
+    </p:spTree>
+    <p:extLst>
+      <p:ext uri="{BB962C8B-B14F-4D97-AF65-F5344CB8AC3E}">
+        <p14:creationId xmlns:p14="http://schemas.microsoft.com/office/powerpoint/2010/main" val="1457638166"/>
+      </p:ext>
+    </p:extLst>
+  </p:cSld>
+  <p:clrMapOvr>
+    <a:masterClrMapping/>
+  </p:clrMapOvr>
+</p:sld>
+</file>
+
+<file path=ppt/slides/slide11.xml><?xml version="1.0" encoding="utf-8"?>
+<p:sld xmlns:a="http://schemas.openxmlformats.org/drawingml/2006/main" xmlns:r="http://schemas.openxmlformats.org/officeDocument/2006/relationships" xmlns:p="http://schemas.openxmlformats.org/presentationml/2006/main">
+  <p:cSld>
+    <p:spTree>
+      <p:nvGrpSpPr>
+        <p:cNvPr id="1" name=""/>
+        <p:cNvGrpSpPr/>
+        <p:nvPr/>
+      </p:nvGrpSpPr>
+      <p:grpSpPr>
+        <a:xfrm>
+          <a:off x="0" y="0"/>
+          <a:ext cx="0" cy="0"/>
+          <a:chOff x="0" y="0"/>
+          <a:chExt cx="0" cy="0"/>
+        </a:xfrm>
+      </p:grpSpPr>
+      <p:sp>
+        <p:nvSpPr>
+          <p:cNvPr id="2" name="Titel 1"/>
+          <p:cNvSpPr>
+            <a:spLocks noGrp="1"/>
+          </p:cNvSpPr>
+          <p:nvPr>
+            <p:ph type="title"/>
+          </p:nvPr>
+        </p:nvSpPr>
+        <p:spPr/>
+        <p:txBody>
           <a:bodyPr/>
           <a:lstStyle/>
           <a:p>
@@ -6631,7 +6924,7 @@
           <a:p>
             <a:fld id="{AC76F9B2-121F-446C-A37F-B7F54BF3DCAC}" type="slidenum">
               <a:rPr lang="de-DE" smtClean="0"/>
-              <a:t>10</a:t>
+              <a:t>11</a:t>
             </a:fld>
             <a:endParaRPr lang="de-DE"/>
           </a:p>
@@ -7421,7 +7714,7 @@
 </p:sld>
 </file>
 
-<file path=ppt/slides/slide11.xml><?xml version="1.0" encoding="utf-8"?>
+<file path=ppt/slides/slide12.xml><?xml version="1.0" encoding="utf-8"?>
 <p:sld xmlns:a="http://schemas.openxmlformats.org/drawingml/2006/main" xmlns:r="http://schemas.openxmlformats.org/officeDocument/2006/relationships" xmlns:p="http://schemas.openxmlformats.org/presentationml/2006/main">
   <p:cSld>
     <p:spTree>
@@ -7519,7 +7812,7 @@
             <a:fld id="{506DEF79-D5F3-42ED-9335-D73AD216BB54}" type="slidenum">
               <a:rPr lang="de-DE" smtClean="0"/>
               <a:pPr/>
-              <a:t>11</a:t>
+              <a:t>12</a:t>
             </a:fld>
             <a:r>
               <a:rPr lang="de-DE"/>
@@ -7572,7 +7865,7 @@
 </p:sld>
 </file>
 
-<file path=ppt/slides/slide12.xml><?xml version="1.0" encoding="utf-8"?>
+<file path=ppt/slides/slide13.xml><?xml version="1.0" encoding="utf-8"?>
 <p:sld xmlns:a="http://schemas.openxmlformats.org/drawingml/2006/main" xmlns:r="http://schemas.openxmlformats.org/officeDocument/2006/relationships" xmlns:p="http://schemas.openxmlformats.org/presentationml/2006/main">
   <p:cSld>
     <p:spTree>
@@ -7678,7 +7971,7 @@
           <a:p>
             <a:fld id="{506DEF79-D5F3-42ED-9335-D73AD216BB54}" type="slidenum">
               <a:rPr lang="de-DE" smtClean="0"/>
-              <a:t>12</a:t>
+              <a:t>13</a:t>
             </a:fld>
             <a:r>
               <a:rPr lang="de-DE" dirty="0"/>
@@ -8039,7 +8332,7 @@
 </p:sld>
 </file>
 
-<file path=ppt/slides/slide13.xml><?xml version="1.0" encoding="utf-8"?>
+<file path=ppt/slides/slide14.xml><?xml version="1.0" encoding="utf-8"?>
 <p:sld xmlns:a="http://schemas.openxmlformats.org/drawingml/2006/main" xmlns:r="http://schemas.openxmlformats.org/officeDocument/2006/relationships" xmlns:p="http://schemas.openxmlformats.org/presentationml/2006/main">
   <p:cSld>
     <p:spTree>
@@ -8333,7 +8626,7 @@
             <a:fld id="{506DEF79-D5F3-42ED-9335-D73AD216BB54}" type="slidenum">
               <a:rPr lang="de-DE" smtClean="0"/>
               <a:pPr/>
-              <a:t>13</a:t>
+              <a:t>14</a:t>
             </a:fld>
             <a:r>
               <a:rPr lang="de-DE"/>
@@ -8355,7 +8648,7 @@
 </p:sld>
 </file>
 
-<file path=ppt/slides/slide14.xml><?xml version="1.0" encoding="utf-8"?>
+<file path=ppt/slides/slide15.xml><?xml version="1.0" encoding="utf-8"?>
 <p:sld xmlns:a="http://schemas.openxmlformats.org/drawingml/2006/main" xmlns:r="http://schemas.openxmlformats.org/officeDocument/2006/relationships" xmlns:p="http://schemas.openxmlformats.org/presentationml/2006/main">
   <p:cSld>
     <p:spTree>
@@ -9083,7 +9376,7 @@
             <a:fld id="{506DEF79-D5F3-42ED-9335-D73AD216BB54}" type="slidenum">
               <a:rPr lang="de-DE" smtClean="0"/>
               <a:pPr/>
-              <a:t>14</a:t>
+              <a:t>15</a:t>
             </a:fld>
             <a:r>
               <a:rPr lang="de-DE"/>
@@ -9307,7 +9600,7 @@
 </p:sld>
 </file>
 
-<file path=ppt/slides/slide15.xml><?xml version="1.0" encoding="utf-8"?>
+<file path=ppt/slides/slide16.xml><?xml version="1.0" encoding="utf-8"?>
 <p:sld xmlns:a="http://schemas.openxmlformats.org/drawingml/2006/main" xmlns:r="http://schemas.openxmlformats.org/officeDocument/2006/relationships" xmlns:p="http://schemas.openxmlformats.org/presentationml/2006/main">
   <p:cSld>
     <p:spTree>
@@ -9363,7 +9656,7 @@
           <a:p>
             <a:fld id="{AC76F9B2-121F-446C-A37F-B7F54BF3DCAC}" type="slidenum">
               <a:rPr lang="de-DE" smtClean="0"/>
-              <a:t>15</a:t>
+              <a:t>16</a:t>
             </a:fld>
             <a:endParaRPr lang="de-DE"/>
           </a:p>
@@ -10153,7 +10446,7 @@
 </p:sld>
 </file>
 
-<file path=ppt/slides/slide16.xml><?xml version="1.0" encoding="utf-8"?>
+<file path=ppt/slides/slide17.xml><?xml version="1.0" encoding="utf-8"?>
 <p:sld xmlns:a="http://schemas.openxmlformats.org/drawingml/2006/main" xmlns:r="http://schemas.openxmlformats.org/officeDocument/2006/relationships" xmlns:p="http://schemas.openxmlformats.org/presentationml/2006/main">
   <p:cSld>
     <p:spTree>
@@ -10209,7 +10502,7 @@
           <a:p>
             <a:fld id="{AC76F9B2-121F-446C-A37F-B7F54BF3DCAC}" type="slidenum">
               <a:rPr lang="de-DE" smtClean="0"/>
-              <a:t>16</a:t>
+              <a:t>17</a:t>
             </a:fld>
             <a:endParaRPr lang="de-DE"/>
           </a:p>
@@ -11179,7 +11472,7 @@
 </p:sld>
 </file>
 
-<file path=ppt/slides/slide17.xml><?xml version="1.0" encoding="utf-8"?>
+<file path=ppt/slides/slide18.xml><?xml version="1.0" encoding="utf-8"?>
 <p:sld xmlns:a="http://schemas.openxmlformats.org/drawingml/2006/main" xmlns:r="http://schemas.openxmlformats.org/officeDocument/2006/relationships" xmlns:p="http://schemas.openxmlformats.org/presentationml/2006/main">
   <p:cSld>
     <p:spTree>
@@ -11329,7 +11622,7 @@
             <a:fld id="{506DEF79-D5F3-42ED-9335-D73AD216BB54}" type="slidenum">
               <a:rPr lang="de-DE" smtClean="0"/>
               <a:pPr/>
-              <a:t>17</a:t>
+              <a:t>18</a:t>
             </a:fld>
             <a:r>
               <a:rPr lang="de-DE"/>
@@ -11549,7 +11842,7 @@
 </p:sld>
 </file>
 
-<file path=ppt/slides/slide18.xml><?xml version="1.0" encoding="utf-8"?>
+<file path=ppt/slides/slide19.xml><?xml version="1.0" encoding="utf-8"?>
 <p:sld xmlns:a="http://schemas.openxmlformats.org/drawingml/2006/main" xmlns:r="http://schemas.openxmlformats.org/officeDocument/2006/relationships" xmlns:p="http://schemas.openxmlformats.org/presentationml/2006/main">
   <p:cSld>
     <p:spTree>
@@ -11685,7 +11978,7 @@
             <a:fld id="{506DEF79-D5F3-42ED-9335-D73AD216BB54}" type="slidenum">
               <a:rPr lang="de-DE" smtClean="0"/>
               <a:pPr/>
-              <a:t>18</a:t>
+              <a:t>19</a:t>
             </a:fld>
             <a:r>
               <a:rPr lang="de-DE"/>
@@ -12371,7 +12664,201 @@
 </p:sld>
 </file>
 
-<file path=ppt/slides/slide19.xml><?xml version="1.0" encoding="utf-8"?>
+<file path=ppt/slides/slide2.xml><?xml version="1.0" encoding="utf-8"?>
+<p:sld xmlns:a="http://schemas.openxmlformats.org/drawingml/2006/main" xmlns:r="http://schemas.openxmlformats.org/officeDocument/2006/relationships" xmlns:p="http://schemas.openxmlformats.org/presentationml/2006/main">
+  <p:cSld>
+    <p:spTree>
+      <p:nvGrpSpPr>
+        <p:cNvPr id="1" name=""/>
+        <p:cNvGrpSpPr/>
+        <p:nvPr/>
+      </p:nvGrpSpPr>
+      <p:grpSpPr>
+        <a:xfrm>
+          <a:off x="0" y="0"/>
+          <a:ext cx="0" cy="0"/>
+          <a:chOff x="0" y="0"/>
+          <a:chExt cx="0" cy="0"/>
+        </a:xfrm>
+      </p:grpSpPr>
+      <p:sp>
+        <p:nvSpPr>
+          <p:cNvPr id="2" name="Title 1">
+            <a:extLst>
+              <a:ext uri="{FF2B5EF4-FFF2-40B4-BE49-F238E27FC236}">
+                <a16:creationId xmlns:a16="http://schemas.microsoft.com/office/drawing/2014/main" id="{F39A06CE-1991-C14C-8322-A489B36D6290}"/>
+              </a:ext>
+            </a:extLst>
+          </p:cNvPr>
+          <p:cNvSpPr>
+            <a:spLocks noGrp="1"/>
+          </p:cNvSpPr>
+          <p:nvPr>
+            <p:ph type="title"/>
+          </p:nvPr>
+        </p:nvSpPr>
+        <p:spPr/>
+        <p:txBody>
+          <a:bodyPr/>
+          <a:lstStyle/>
+          <a:p>
+            <a:r>
+              <a:rPr lang="de-DE" dirty="0"/>
+              <a:t>Agenda</a:t>
+            </a:r>
+          </a:p>
+        </p:txBody>
+      </p:sp>
+      <p:sp>
+        <p:nvSpPr>
+          <p:cNvPr id="3" name="Content Placeholder 2">
+            <a:extLst>
+              <a:ext uri="{FF2B5EF4-FFF2-40B4-BE49-F238E27FC236}">
+                <a16:creationId xmlns:a16="http://schemas.microsoft.com/office/drawing/2014/main" id="{9F0998FD-4570-294F-A998-33A0D82CBCD9}"/>
+              </a:ext>
+            </a:extLst>
+          </p:cNvPr>
+          <p:cNvSpPr>
+            <a:spLocks noGrp="1"/>
+          </p:cNvSpPr>
+          <p:nvPr>
+            <p:ph idx="1"/>
+          </p:nvPr>
+        </p:nvSpPr>
+        <p:spPr/>
+        <p:txBody>
+          <a:bodyPr/>
+          <a:lstStyle/>
+          <a:p>
+            <a:r>
+              <a:rPr lang="de-DE" dirty="0"/>
+              <a:t>Projektumfeld</a:t>
+            </a:r>
+          </a:p>
+          <a:p>
+            <a:r>
+              <a:rPr lang="de-DE" dirty="0"/>
+              <a:t>Projektbasis QES</a:t>
+            </a:r>
+          </a:p>
+          <a:p>
+            <a:r>
+              <a:rPr lang="de-DE" dirty="0"/>
+              <a:t>Planung</a:t>
+            </a:r>
+          </a:p>
+          <a:p>
+            <a:r>
+              <a:rPr lang="de-DE" dirty="0"/>
+              <a:t>Durchführung</a:t>
+            </a:r>
+          </a:p>
+          <a:p>
+            <a:r>
+              <a:rPr lang="de-DE" dirty="0"/>
+              <a:t>Qualitätssicherung</a:t>
+            </a:r>
+          </a:p>
+          <a:p>
+            <a:r>
+              <a:rPr lang="de-DE" dirty="0"/>
+              <a:t>Abnahme</a:t>
+            </a:r>
+          </a:p>
+          <a:p>
+            <a:r>
+              <a:rPr lang="de-DE" dirty="0"/>
+              <a:t>Fazit</a:t>
+            </a:r>
+          </a:p>
+          <a:p>
+            <a:r>
+              <a:rPr lang="de-DE" dirty="0"/>
+              <a:t>Ausblick</a:t>
+            </a:r>
+          </a:p>
+          <a:p>
+            <a:pPr marL="0" indent="0">
+              <a:buNone/>
+            </a:pPr>
+            <a:endParaRPr lang="de-DE" dirty="0"/>
+          </a:p>
+        </p:txBody>
+      </p:sp>
+      <p:sp>
+        <p:nvSpPr>
+          <p:cNvPr id="4" name="Footer Placeholder 3">
+            <a:extLst>
+              <a:ext uri="{FF2B5EF4-FFF2-40B4-BE49-F238E27FC236}">
+                <a16:creationId xmlns:a16="http://schemas.microsoft.com/office/drawing/2014/main" id="{E60A9312-8259-7049-AC8A-2207947A4FA2}"/>
+              </a:ext>
+            </a:extLst>
+          </p:cNvPr>
+          <p:cNvSpPr>
+            <a:spLocks noGrp="1"/>
+          </p:cNvSpPr>
+          <p:nvPr>
+            <p:ph type="ftr" sz="quarter" idx="11"/>
+          </p:nvPr>
+        </p:nvSpPr>
+        <p:spPr/>
+        <p:txBody>
+          <a:bodyPr/>
+          <a:lstStyle/>
+          <a:p>
+            <a:r>
+              <a:rPr lang="de-DE" dirty="0"/>
+              <a:t>Extreme Programming</a:t>
+            </a:r>
+          </a:p>
+        </p:txBody>
+      </p:sp>
+      <p:sp>
+        <p:nvSpPr>
+          <p:cNvPr id="5" name="Slide Number Placeholder 4">
+            <a:extLst>
+              <a:ext uri="{FF2B5EF4-FFF2-40B4-BE49-F238E27FC236}">
+                <a16:creationId xmlns:a16="http://schemas.microsoft.com/office/drawing/2014/main" id="{0BB0BD8B-109A-5C4A-8BD0-6F530B8711D4}"/>
+              </a:ext>
+            </a:extLst>
+          </p:cNvPr>
+          <p:cNvSpPr>
+            <a:spLocks noGrp="1"/>
+          </p:cNvSpPr>
+          <p:nvPr>
+            <p:ph type="sldNum" sz="quarter" idx="12"/>
+          </p:nvPr>
+        </p:nvSpPr>
+        <p:spPr/>
+        <p:txBody>
+          <a:bodyPr/>
+          <a:lstStyle/>
+          <a:p>
+            <a:fld id="{506DEF79-D5F3-42ED-9335-D73AD216BB54}" type="slidenum">
+              <a:rPr lang="de-DE" smtClean="0"/>
+              <a:t>2</a:t>
+            </a:fld>
+            <a:r>
+              <a:rPr lang="de-DE" dirty="0"/>
+              <a:t> von 16</a:t>
+            </a:r>
+          </a:p>
+        </p:txBody>
+      </p:sp>
+    </p:spTree>
+    <p:extLst>
+      <p:ext uri="{BB962C8B-B14F-4D97-AF65-F5344CB8AC3E}">
+        <p14:creationId xmlns:p14="http://schemas.microsoft.com/office/powerpoint/2010/main" val="3562765367"/>
+      </p:ext>
+    </p:extLst>
+  </p:cSld>
+  <p:clrMapOvr>
+    <a:masterClrMapping/>
+  </p:clrMapOvr>
+</p:sld>
+</file>
+
+<file path=ppt/slides/slide20.xml><?xml version="1.0" encoding="utf-8"?>
 <p:sld xmlns:a="http://schemas.openxmlformats.org/drawingml/2006/main" xmlns:r="http://schemas.openxmlformats.org/officeDocument/2006/relationships" xmlns:p="http://schemas.openxmlformats.org/presentationml/2006/main">
   <p:cSld>
     <p:spTree>
@@ -12508,7 +12995,7 @@
             <a:fld id="{506DEF79-D5F3-42ED-9335-D73AD216BB54}" type="slidenum">
               <a:rPr lang="de-DE" smtClean="0"/>
               <a:pPr/>
-              <a:t>19</a:t>
+              <a:t>20</a:t>
             </a:fld>
             <a:r>
               <a:rPr lang="de-DE"/>
@@ -12530,201 +13017,7 @@
 </p:sld>
 </file>
 
-<file path=ppt/slides/slide2.xml><?xml version="1.0" encoding="utf-8"?>
-<p:sld xmlns:a="http://schemas.openxmlformats.org/drawingml/2006/main" xmlns:r="http://schemas.openxmlformats.org/officeDocument/2006/relationships" xmlns:p="http://schemas.openxmlformats.org/presentationml/2006/main">
-  <p:cSld>
-    <p:spTree>
-      <p:nvGrpSpPr>
-        <p:cNvPr id="1" name=""/>
-        <p:cNvGrpSpPr/>
-        <p:nvPr/>
-      </p:nvGrpSpPr>
-      <p:grpSpPr>
-        <a:xfrm>
-          <a:off x="0" y="0"/>
-          <a:ext cx="0" cy="0"/>
-          <a:chOff x="0" y="0"/>
-          <a:chExt cx="0" cy="0"/>
-        </a:xfrm>
-      </p:grpSpPr>
-      <p:sp>
-        <p:nvSpPr>
-          <p:cNvPr id="2" name="Title 1">
-            <a:extLst>
-              <a:ext uri="{FF2B5EF4-FFF2-40B4-BE49-F238E27FC236}">
-                <a16:creationId xmlns:a16="http://schemas.microsoft.com/office/drawing/2014/main" id="{F39A06CE-1991-C14C-8322-A489B36D6290}"/>
-              </a:ext>
-            </a:extLst>
-          </p:cNvPr>
-          <p:cNvSpPr>
-            <a:spLocks noGrp="1"/>
-          </p:cNvSpPr>
-          <p:nvPr>
-            <p:ph type="title"/>
-          </p:nvPr>
-        </p:nvSpPr>
-        <p:spPr/>
-        <p:txBody>
-          <a:bodyPr/>
-          <a:lstStyle/>
-          <a:p>
-            <a:r>
-              <a:rPr lang="de-DE" dirty="0"/>
-              <a:t>Agenda</a:t>
-            </a:r>
-          </a:p>
-        </p:txBody>
-      </p:sp>
-      <p:sp>
-        <p:nvSpPr>
-          <p:cNvPr id="3" name="Content Placeholder 2">
-            <a:extLst>
-              <a:ext uri="{FF2B5EF4-FFF2-40B4-BE49-F238E27FC236}">
-                <a16:creationId xmlns:a16="http://schemas.microsoft.com/office/drawing/2014/main" id="{9F0998FD-4570-294F-A998-33A0D82CBCD9}"/>
-              </a:ext>
-            </a:extLst>
-          </p:cNvPr>
-          <p:cNvSpPr>
-            <a:spLocks noGrp="1"/>
-          </p:cNvSpPr>
-          <p:nvPr>
-            <p:ph idx="1"/>
-          </p:nvPr>
-        </p:nvSpPr>
-        <p:spPr/>
-        <p:txBody>
-          <a:bodyPr/>
-          <a:lstStyle/>
-          <a:p>
-            <a:r>
-              <a:rPr lang="de-DE" dirty="0"/>
-              <a:t>Projektumfeld</a:t>
-            </a:r>
-          </a:p>
-          <a:p>
-            <a:r>
-              <a:rPr lang="de-DE" dirty="0"/>
-              <a:t>Projektbasis QES</a:t>
-            </a:r>
-          </a:p>
-          <a:p>
-            <a:r>
-              <a:rPr lang="de-DE" dirty="0"/>
-              <a:t>Planung</a:t>
-            </a:r>
-          </a:p>
-          <a:p>
-            <a:r>
-              <a:rPr lang="de-DE" dirty="0"/>
-              <a:t>Durchführung</a:t>
-            </a:r>
-          </a:p>
-          <a:p>
-            <a:r>
-              <a:rPr lang="de-DE" dirty="0"/>
-              <a:t>Qualitätssicherung</a:t>
-            </a:r>
-          </a:p>
-          <a:p>
-            <a:r>
-              <a:rPr lang="de-DE" dirty="0"/>
-              <a:t>Abnahme</a:t>
-            </a:r>
-          </a:p>
-          <a:p>
-            <a:r>
-              <a:rPr lang="de-DE" dirty="0"/>
-              <a:t>Fazit</a:t>
-            </a:r>
-          </a:p>
-          <a:p>
-            <a:r>
-              <a:rPr lang="de-DE" dirty="0"/>
-              <a:t>Ausblick</a:t>
-            </a:r>
-          </a:p>
-          <a:p>
-            <a:pPr marL="0" indent="0">
-              <a:buNone/>
-            </a:pPr>
-            <a:endParaRPr lang="de-DE" dirty="0"/>
-          </a:p>
-        </p:txBody>
-      </p:sp>
-      <p:sp>
-        <p:nvSpPr>
-          <p:cNvPr id="4" name="Footer Placeholder 3">
-            <a:extLst>
-              <a:ext uri="{FF2B5EF4-FFF2-40B4-BE49-F238E27FC236}">
-                <a16:creationId xmlns:a16="http://schemas.microsoft.com/office/drawing/2014/main" id="{E60A9312-8259-7049-AC8A-2207947A4FA2}"/>
-              </a:ext>
-            </a:extLst>
-          </p:cNvPr>
-          <p:cNvSpPr>
-            <a:spLocks noGrp="1"/>
-          </p:cNvSpPr>
-          <p:nvPr>
-            <p:ph type="ftr" sz="quarter" idx="11"/>
-          </p:nvPr>
-        </p:nvSpPr>
-        <p:spPr/>
-        <p:txBody>
-          <a:bodyPr/>
-          <a:lstStyle/>
-          <a:p>
-            <a:r>
-              <a:rPr lang="de-DE" dirty="0"/>
-              <a:t>Extreme Programming</a:t>
-            </a:r>
-          </a:p>
-        </p:txBody>
-      </p:sp>
-      <p:sp>
-        <p:nvSpPr>
-          <p:cNvPr id="5" name="Slide Number Placeholder 4">
-            <a:extLst>
-              <a:ext uri="{FF2B5EF4-FFF2-40B4-BE49-F238E27FC236}">
-                <a16:creationId xmlns:a16="http://schemas.microsoft.com/office/drawing/2014/main" id="{0BB0BD8B-109A-5C4A-8BD0-6F530B8711D4}"/>
-              </a:ext>
-            </a:extLst>
-          </p:cNvPr>
-          <p:cNvSpPr>
-            <a:spLocks noGrp="1"/>
-          </p:cNvSpPr>
-          <p:nvPr>
-            <p:ph type="sldNum" sz="quarter" idx="12"/>
-          </p:nvPr>
-        </p:nvSpPr>
-        <p:spPr/>
-        <p:txBody>
-          <a:bodyPr/>
-          <a:lstStyle/>
-          <a:p>
-            <a:fld id="{506DEF79-D5F3-42ED-9335-D73AD216BB54}" type="slidenum">
-              <a:rPr lang="de-DE" smtClean="0"/>
-              <a:t>2</a:t>
-            </a:fld>
-            <a:r>
-              <a:rPr lang="de-DE" dirty="0"/>
-              <a:t> von 16</a:t>
-            </a:r>
-          </a:p>
-        </p:txBody>
-      </p:sp>
-    </p:spTree>
-    <p:extLst>
-      <p:ext uri="{BB962C8B-B14F-4D97-AF65-F5344CB8AC3E}">
-        <p14:creationId xmlns:p14="http://schemas.microsoft.com/office/powerpoint/2010/main" val="3562765367"/>
-      </p:ext>
-    </p:extLst>
-  </p:cSld>
-  <p:clrMapOvr>
-    <a:masterClrMapping/>
-  </p:clrMapOvr>
-</p:sld>
-</file>
-
-<file path=ppt/slides/slide20.xml><?xml version="1.0" encoding="utf-8"?>
+<file path=ppt/slides/slide21.xml><?xml version="1.0" encoding="utf-8"?>
 <p:sld xmlns:a="http://schemas.openxmlformats.org/drawingml/2006/main" xmlns:r="http://schemas.openxmlformats.org/officeDocument/2006/relationships" xmlns:p="http://schemas.openxmlformats.org/presentationml/2006/main">
   <p:cSld>
     <p:spTree>
@@ -12857,7 +13150,7 @@
             <a:fld id="{506DEF79-D5F3-42ED-9335-D73AD216BB54}" type="slidenum">
               <a:rPr lang="de-DE" smtClean="0"/>
               <a:pPr/>
-              <a:t>20</a:t>
+              <a:t>21</a:t>
             </a:fld>
             <a:r>
               <a:rPr lang="de-DE"/>
@@ -12879,7 +13172,7 @@
 </p:sld>
 </file>
 
-<file path=ppt/slides/slide21.xml><?xml version="1.0" encoding="utf-8"?>
+<file path=ppt/slides/slide22.xml><?xml version="1.0" encoding="utf-8"?>
 <p:sld xmlns:a="http://schemas.openxmlformats.org/drawingml/2006/main" xmlns:r="http://schemas.openxmlformats.org/officeDocument/2006/relationships" xmlns:p="http://schemas.openxmlformats.org/presentationml/2006/main">
   <p:cSld>
     <p:spTree>
@@ -13011,7 +13304,7 @@
             <a:fld id="{506DEF79-D5F3-42ED-9335-D73AD216BB54}" type="slidenum">
               <a:rPr lang="de-DE" smtClean="0"/>
               <a:pPr/>
-              <a:t>21</a:t>
+              <a:t>22</a:t>
             </a:fld>
             <a:r>
               <a:rPr lang="de-DE"/>
@@ -13034,7 +13327,7 @@
 </p:sld>
 </file>
 
-<file path=ppt/slides/slide22.xml><?xml version="1.0" encoding="utf-8"?>
+<file path=ppt/slides/slide23.xml><?xml version="1.0" encoding="utf-8"?>
 <p:sld xmlns:a="http://schemas.openxmlformats.org/drawingml/2006/main" xmlns:r="http://schemas.openxmlformats.org/officeDocument/2006/relationships" xmlns:p="http://schemas.openxmlformats.org/presentationml/2006/main">
   <p:cSld>
     <p:spTree>
@@ -13166,7 +13459,7 @@
             <a:fld id="{506DEF79-D5F3-42ED-9335-D73AD216BB54}" type="slidenum">
               <a:rPr lang="de-DE" smtClean="0"/>
               <a:pPr/>
-              <a:t>22</a:t>
+              <a:t>23</a:t>
             </a:fld>
             <a:r>
               <a:rPr lang="de-DE"/>
@@ -13189,7 +13482,7 @@
 </p:sld>
 </file>
 
-<file path=ppt/slides/slide23.xml><?xml version="1.0" encoding="utf-8"?>
+<file path=ppt/slides/slide24.xml><?xml version="1.0" encoding="utf-8"?>
 <p:sld xmlns:a="http://schemas.openxmlformats.org/drawingml/2006/main" xmlns:r="http://schemas.openxmlformats.org/officeDocument/2006/relationships" xmlns:p="http://schemas.openxmlformats.org/presentationml/2006/main">
   <p:cSld>
     <p:spTree>
@@ -13327,7 +13620,7 @@
             <a:fld id="{506DEF79-D5F3-42ED-9335-D73AD216BB54}" type="slidenum">
               <a:rPr lang="de-DE" smtClean="0"/>
               <a:pPr/>
-              <a:t>23</a:t>
+              <a:t>24</a:t>
             </a:fld>
             <a:r>
               <a:rPr lang="de-DE"/>
@@ -13350,7 +13643,7 @@
 </p:sld>
 </file>
 
-<file path=ppt/slides/slide24.xml><?xml version="1.0" encoding="utf-8"?>
+<file path=ppt/slides/slide25.xml><?xml version="1.0" encoding="utf-8"?>
 <p:sld xmlns:a="http://schemas.openxmlformats.org/drawingml/2006/main" xmlns:r="http://schemas.openxmlformats.org/officeDocument/2006/relationships" xmlns:p="http://schemas.openxmlformats.org/presentationml/2006/main">
   <p:cSld>
     <p:spTree>
@@ -18066,7 +18359,7 @@
               <a:rPr lang="de-DE" altLang="de-DE" sz="1200" dirty="0">
                 <a:latin typeface="Rotis SemiSans Pro" pitchFamily="50" charset="0"/>
               </a:rPr>
-              <a:t>Lösung</a:t>
+              <a:t>Dokumentation</a:t>
             </a:r>
           </a:p>
         </p:txBody>
@@ -18138,14 +18431,14 @@
           <p:nvPr>
             <p:extLst>
               <p:ext uri="{D42A27DB-BD31-4B8C-83A1-F6EECF244321}">
-                <p14:modId xmlns:p14="http://schemas.microsoft.com/office/powerpoint/2010/main" val="836299909"/>
+                <p14:modId xmlns:p14="http://schemas.microsoft.com/office/powerpoint/2010/main" val="3705082961"/>
               </p:ext>
             </p:extLst>
           </p:nvPr>
         </p:nvGraphicFramePr>
         <p:xfrm>
           <a:off x="2483774" y="1447994"/>
-          <a:ext cx="6530050" cy="2494280"/>
+          <a:ext cx="6530050" cy="2225040"/>
         </p:xfrm>
         <a:graphic>
           <a:graphicData uri="http://schemas.openxmlformats.org/drawingml/2006/table">
@@ -18196,65 +18489,100 @@
                     <a:bodyPr/>
                     <a:lstStyle/>
                     <a:p>
+                      <a:pPr algn="l" rtl="0" fontAlgn="ctr"/>
                       <a:r>
-                        <a:rPr lang="de-DE" dirty="0"/>
+                        <a:rPr lang="de-DE" sz="1800" b="1" i="0" u="none" strike="noStrike">
+                          <a:solidFill>
+                            <a:srgbClr val="FFFFFF"/>
+                          </a:solidFill>
+                          <a:effectLst/>
+                          <a:latin typeface="Calibri" panose="020F0502020204030204" pitchFamily="34" charset="0"/>
+                        </a:rPr>
                         <a:t>Kriterium</a:t>
                       </a:r>
                     </a:p>
                   </a:txBody>
-                  <a:tcPr/>
+                  <a:tcPr marL="9525" marR="9525" marT="9525" marB="0" anchor="ctr"/>
                 </a:tc>
                 <a:tc>
                   <a:txBody>
                     <a:bodyPr/>
                     <a:lstStyle/>
                     <a:p>
+                      <a:pPr algn="l" rtl="0" fontAlgn="ctr"/>
                       <a:r>
-                        <a:rPr lang="de-DE" dirty="0"/>
+                        <a:rPr lang="de-DE" sz="1800" b="1" i="0" u="none" strike="noStrike">
+                          <a:solidFill>
+                            <a:srgbClr val="FFFFFF"/>
+                          </a:solidFill>
+                          <a:effectLst/>
+                          <a:latin typeface="Calibri" panose="020F0502020204030204" pitchFamily="34" charset="0"/>
+                        </a:rPr>
                         <a:t>Faktor</a:t>
                       </a:r>
                     </a:p>
                   </a:txBody>
-                  <a:tcPr/>
+                  <a:tcPr marL="9525" marR="9525" marT="9525" marB="0" anchor="ctr"/>
                 </a:tc>
                 <a:tc>
                   <a:txBody>
                     <a:bodyPr/>
                     <a:lstStyle/>
                     <a:p>
+                      <a:pPr algn="l" rtl="0" fontAlgn="ctr"/>
                       <a:r>
-                        <a:rPr lang="de-DE" dirty="0"/>
+                        <a:rPr lang="de-DE" sz="1800" b="1" i="0" u="none" strike="noStrike">
+                          <a:solidFill>
+                            <a:srgbClr val="FFFFFF"/>
+                          </a:solidFill>
+                          <a:effectLst/>
+                          <a:latin typeface="Calibri" panose="020F0502020204030204" pitchFamily="34" charset="0"/>
+                        </a:rPr>
                         <a:t>Altes Verfahren</a:t>
                       </a:r>
                     </a:p>
                   </a:txBody>
-                  <a:tcPr/>
+                  <a:tcPr marL="9525" marR="9525" marT="9525" marB="0" anchor="ctr"/>
                 </a:tc>
                 <a:tc>
                   <a:txBody>
                     <a:bodyPr/>
                     <a:lstStyle/>
                     <a:p>
+                      <a:pPr algn="l" rtl="0" fontAlgn="ctr"/>
                       <a:r>
-                        <a:rPr lang="de-DE" dirty="0"/>
+                        <a:rPr lang="de-DE" sz="1800" b="1" i="0" u="none" strike="noStrike">
+                          <a:solidFill>
+                            <a:srgbClr val="FFFFFF"/>
+                          </a:solidFill>
+                          <a:effectLst/>
+                          <a:latin typeface="Calibri" panose="020F0502020204030204" pitchFamily="34" charset="0"/>
+                        </a:rPr>
                         <a:t>Qes</a:t>
                       </a:r>
                     </a:p>
                   </a:txBody>
-                  <a:tcPr/>
+                  <a:tcPr marL="9525" marR="9525" marT="9525" marB="0" anchor="ctr"/>
                 </a:tc>
                 <a:tc>
                   <a:txBody>
                     <a:bodyPr/>
                     <a:lstStyle/>
                     <a:p>
+                      <a:pPr algn="l" rtl="0" fontAlgn="ctr"/>
                       <a:r>
-                        <a:rPr lang="de-DE" dirty="0"/>
+                        <a:rPr lang="de-DE" sz="1800" b="1" i="0" u="none" strike="noStrike">
+                          <a:solidFill>
+                            <a:srgbClr val="FFFFFF"/>
+                          </a:solidFill>
+                          <a:effectLst/>
+                          <a:latin typeface="Calibri" panose="020F0502020204030204" pitchFamily="34" charset="0"/>
+                        </a:rPr>
                         <a:t>Qes mit Export</a:t>
                       </a:r>
                     </a:p>
                   </a:txBody>
-                  <a:tcPr/>
+                  <a:tcPr marL="9525" marR="9525" marT="9525" marB="0" anchor="ctr"/>
                 </a:tc>
                 <a:extLst>
                   <a:ext uri="{0D108BD9-81ED-4DB2-BD59-A6C34878D82A}">
@@ -18268,65 +18596,100 @@
                     <a:bodyPr/>
                     <a:lstStyle/>
                     <a:p>
+                      <a:pPr algn="l" rtl="0" fontAlgn="ctr"/>
                       <a:r>
-                        <a:rPr lang="de-DE" dirty="0"/>
+                        <a:rPr lang="de-DE" sz="1800" b="0" i="0" u="none" strike="noStrike">
+                          <a:solidFill>
+                            <a:srgbClr val="000000"/>
+                          </a:solidFill>
+                          <a:effectLst/>
+                          <a:latin typeface="Calibri" panose="020F0502020204030204" pitchFamily="34" charset="0"/>
+                        </a:rPr>
                         <a:t>Ergonomie</a:t>
                       </a:r>
                     </a:p>
                   </a:txBody>
-                  <a:tcPr/>
+                  <a:tcPr marL="9525" marR="9525" marT="9525" marB="0" anchor="ctr"/>
                 </a:tc>
                 <a:tc>
                   <a:txBody>
                     <a:bodyPr/>
                     <a:lstStyle/>
                     <a:p>
+                      <a:pPr algn="l" rtl="0" fontAlgn="ctr"/>
                       <a:r>
-                        <a:rPr lang="de-DE" dirty="0"/>
+                        <a:rPr lang="de-DE" sz="1800" b="0" i="0" u="none" strike="noStrike">
+                          <a:solidFill>
+                            <a:srgbClr val="000000"/>
+                          </a:solidFill>
+                          <a:effectLst/>
+                          <a:latin typeface="Calibri" panose="020F0502020204030204" pitchFamily="34" charset="0"/>
+                        </a:rPr>
                         <a:t>2</a:t>
                       </a:r>
                     </a:p>
                   </a:txBody>
-                  <a:tcPr/>
+                  <a:tcPr marL="9525" marR="9525" marT="9525" marB="0" anchor="ctr"/>
                 </a:tc>
                 <a:tc>
                   <a:txBody>
                     <a:bodyPr/>
                     <a:lstStyle/>
                     <a:p>
+                      <a:pPr algn="l" rtl="0" fontAlgn="ctr"/>
                       <a:r>
-                        <a:rPr lang="de-DE" dirty="0"/>
+                        <a:rPr lang="de-DE" sz="1800" b="0" i="0" u="none" strike="noStrike">
+                          <a:solidFill>
+                            <a:srgbClr val="000000"/>
+                          </a:solidFill>
+                          <a:effectLst/>
+                          <a:latin typeface="Calibri" panose="020F0502020204030204" pitchFamily="34" charset="0"/>
+                        </a:rPr>
                         <a:t>2</a:t>
                       </a:r>
                     </a:p>
                   </a:txBody>
-                  <a:tcPr/>
+                  <a:tcPr marL="9525" marR="9525" marT="9525" marB="0" anchor="ctr"/>
                 </a:tc>
                 <a:tc>
                   <a:txBody>
                     <a:bodyPr/>
                     <a:lstStyle/>
                     <a:p>
+                      <a:pPr algn="l" rtl="0" fontAlgn="ctr"/>
                       <a:r>
-                        <a:rPr lang="de-DE" dirty="0"/>
+                        <a:rPr lang="de-DE" sz="1800" b="0" i="0" u="none" strike="noStrike">
+                          <a:solidFill>
+                            <a:srgbClr val="000000"/>
+                          </a:solidFill>
+                          <a:effectLst/>
+                          <a:latin typeface="Calibri" panose="020F0502020204030204" pitchFamily="34" charset="0"/>
+                        </a:rPr>
                         <a:t>7</a:t>
                       </a:r>
                     </a:p>
                   </a:txBody>
-                  <a:tcPr/>
+                  <a:tcPr marL="9525" marR="9525" marT="9525" marB="0" anchor="ctr"/>
                 </a:tc>
                 <a:tc>
                   <a:txBody>
                     <a:bodyPr/>
                     <a:lstStyle/>
                     <a:p>
+                      <a:pPr algn="l" rtl="0" fontAlgn="ctr"/>
                       <a:r>
-                        <a:rPr lang="de-DE" dirty="0"/>
+                        <a:rPr lang="de-DE" sz="1800" b="0" i="0" u="none" strike="noStrike">
+                          <a:solidFill>
+                            <a:srgbClr val="000000"/>
+                          </a:solidFill>
+                          <a:effectLst/>
+                          <a:latin typeface="Calibri" panose="020F0502020204030204" pitchFamily="34" charset="0"/>
+                        </a:rPr>
                         <a:t>9</a:t>
                       </a:r>
                     </a:p>
                   </a:txBody>
-                  <a:tcPr/>
+                  <a:tcPr marL="9525" marR="9525" marT="9525" marB="0" anchor="ctr"/>
                 </a:tc>
                 <a:extLst>
                   <a:ext uri="{0D108BD9-81ED-4DB2-BD59-A6C34878D82A}">
@@ -18340,65 +18703,100 @@
                     <a:bodyPr/>
                     <a:lstStyle/>
                     <a:p>
+                      <a:pPr algn="l" rtl="0" fontAlgn="ctr"/>
                       <a:r>
-                        <a:rPr lang="de-DE" dirty="0"/>
+                        <a:rPr lang="de-DE" sz="1800" b="0" i="0" u="none" strike="noStrike">
+                          <a:solidFill>
+                            <a:srgbClr val="000000"/>
+                          </a:solidFill>
+                          <a:effectLst/>
+                          <a:latin typeface="Calibri" panose="020F0502020204030204" pitchFamily="34" charset="0"/>
+                        </a:rPr>
                         <a:t>Fehleranfälligkeit</a:t>
                       </a:r>
                     </a:p>
                   </a:txBody>
-                  <a:tcPr/>
+                  <a:tcPr marL="9525" marR="9525" marT="9525" marB="0" anchor="ctr"/>
                 </a:tc>
                 <a:tc>
                   <a:txBody>
                     <a:bodyPr/>
                     <a:lstStyle/>
                     <a:p>
+                      <a:pPr algn="l" rtl="0" fontAlgn="ctr"/>
                       <a:r>
-                        <a:rPr lang="de-DE" dirty="0"/>
+                        <a:rPr lang="de-DE" sz="1800" b="0" i="0" u="none" strike="noStrike">
+                          <a:solidFill>
+                            <a:srgbClr val="000000"/>
+                          </a:solidFill>
+                          <a:effectLst/>
+                          <a:latin typeface="Calibri" panose="020F0502020204030204" pitchFamily="34" charset="0"/>
+                        </a:rPr>
                         <a:t>3</a:t>
                       </a:r>
                     </a:p>
                   </a:txBody>
-                  <a:tcPr/>
+                  <a:tcPr marL="9525" marR="9525" marT="9525" marB="0" anchor="ctr"/>
                 </a:tc>
                 <a:tc>
                   <a:txBody>
                     <a:bodyPr/>
                     <a:lstStyle/>
                     <a:p>
+                      <a:pPr algn="l" rtl="0" fontAlgn="ctr"/>
                       <a:r>
-                        <a:rPr lang="de-DE" dirty="0"/>
+                        <a:rPr lang="de-DE" sz="1800" b="0" i="0" u="none" strike="noStrike">
+                          <a:solidFill>
+                            <a:srgbClr val="000000"/>
+                          </a:solidFill>
+                          <a:effectLst/>
+                          <a:latin typeface="Calibri" panose="020F0502020204030204" pitchFamily="34" charset="0"/>
+                        </a:rPr>
                         <a:t>2</a:t>
                       </a:r>
                     </a:p>
                   </a:txBody>
-                  <a:tcPr/>
+                  <a:tcPr marL="9525" marR="9525" marT="9525" marB="0" anchor="ctr"/>
                 </a:tc>
                 <a:tc>
                   <a:txBody>
                     <a:bodyPr/>
                     <a:lstStyle/>
                     <a:p>
+                      <a:pPr algn="l" rtl="0" fontAlgn="ctr"/>
                       <a:r>
-                        <a:rPr lang="de-DE" dirty="0"/>
+                        <a:rPr lang="de-DE" sz="1800" b="0" i="0" u="none" strike="noStrike">
+                          <a:solidFill>
+                            <a:srgbClr val="000000"/>
+                          </a:solidFill>
+                          <a:effectLst/>
+                          <a:latin typeface="Calibri" panose="020F0502020204030204" pitchFamily="34" charset="0"/>
+                        </a:rPr>
                         <a:t>9</a:t>
                       </a:r>
                     </a:p>
                   </a:txBody>
-                  <a:tcPr/>
+                  <a:tcPr marL="9525" marR="9525" marT="9525" marB="0" anchor="ctr"/>
                 </a:tc>
                 <a:tc>
                   <a:txBody>
                     <a:bodyPr/>
                     <a:lstStyle/>
                     <a:p>
+                      <a:pPr algn="l" rtl="0" fontAlgn="ctr"/>
                       <a:r>
-                        <a:rPr lang="de-DE" dirty="0"/>
+                        <a:rPr lang="de-DE" sz="1800" b="0" i="0" u="none" strike="noStrike">
+                          <a:solidFill>
+                            <a:srgbClr val="000000"/>
+                          </a:solidFill>
+                          <a:effectLst/>
+                          <a:latin typeface="Calibri" panose="020F0502020204030204" pitchFamily="34" charset="0"/>
+                        </a:rPr>
                         <a:t>10</a:t>
                       </a:r>
                     </a:p>
                   </a:txBody>
-                  <a:tcPr/>
+                  <a:tcPr marL="9525" marR="9525" marT="9525" marB="0" anchor="ctr"/>
                 </a:tc>
                 <a:extLst>
                   <a:ext uri="{0D108BD9-81ED-4DB2-BD59-A6C34878D82A}">
@@ -18412,65 +18810,100 @@
                     <a:bodyPr/>
                     <a:lstStyle/>
                     <a:p>
+                      <a:pPr algn="l" rtl="0" fontAlgn="ctr"/>
                       <a:r>
-                        <a:rPr lang="de-DE" dirty="0"/>
+                        <a:rPr lang="de-DE" sz="1800" b="0" i="0" u="none" strike="noStrike">
+                          <a:solidFill>
+                            <a:srgbClr val="000000"/>
+                          </a:solidFill>
+                          <a:effectLst/>
+                          <a:latin typeface="Calibri" panose="020F0502020204030204" pitchFamily="34" charset="0"/>
+                        </a:rPr>
                         <a:t>Kosten</a:t>
                       </a:r>
                     </a:p>
                   </a:txBody>
-                  <a:tcPr/>
+                  <a:tcPr marL="9525" marR="9525" marT="9525" marB="0" anchor="ctr"/>
                 </a:tc>
                 <a:tc>
                   <a:txBody>
                     <a:bodyPr/>
                     <a:lstStyle/>
                     <a:p>
+                      <a:pPr algn="l" rtl="0" fontAlgn="ctr"/>
                       <a:r>
-                        <a:rPr lang="de-DE" dirty="0"/>
+                        <a:rPr lang="de-DE" sz="1800" b="0" i="0" u="none" strike="noStrike">
+                          <a:solidFill>
+                            <a:srgbClr val="000000"/>
+                          </a:solidFill>
+                          <a:effectLst/>
+                          <a:latin typeface="Calibri" panose="020F0502020204030204" pitchFamily="34" charset="0"/>
+                        </a:rPr>
                         <a:t>1</a:t>
                       </a:r>
                     </a:p>
                   </a:txBody>
-                  <a:tcPr/>
+                  <a:tcPr marL="9525" marR="9525" marT="9525" marB="0" anchor="ctr"/>
                 </a:tc>
                 <a:tc>
                   <a:txBody>
                     <a:bodyPr/>
                     <a:lstStyle/>
                     <a:p>
+                      <a:pPr algn="l" rtl="0" fontAlgn="ctr"/>
                       <a:r>
-                        <a:rPr lang="de-DE" dirty="0"/>
+                        <a:rPr lang="de-DE" sz="1800" b="0" i="0" u="none" strike="noStrike">
+                          <a:solidFill>
+                            <a:srgbClr val="000000"/>
+                          </a:solidFill>
+                          <a:effectLst/>
+                          <a:latin typeface="Calibri" panose="020F0502020204030204" pitchFamily="34" charset="0"/>
+                        </a:rPr>
                         <a:t>8</a:t>
                       </a:r>
                     </a:p>
                   </a:txBody>
-                  <a:tcPr/>
+                  <a:tcPr marL="9525" marR="9525" marT="9525" marB="0" anchor="ctr"/>
                 </a:tc>
                 <a:tc>
                   <a:txBody>
                     <a:bodyPr/>
                     <a:lstStyle/>
                     <a:p>
+                      <a:pPr algn="l" rtl="0" fontAlgn="ctr"/>
                       <a:r>
-                        <a:rPr lang="de-DE" dirty="0"/>
+                        <a:rPr lang="de-DE" sz="1800" b="0" i="0" u="none" strike="noStrike">
+                          <a:solidFill>
+                            <a:srgbClr val="000000"/>
+                          </a:solidFill>
+                          <a:effectLst/>
+                          <a:latin typeface="Calibri" panose="020F0502020204030204" pitchFamily="34" charset="0"/>
+                        </a:rPr>
                         <a:t>5</a:t>
                       </a:r>
                     </a:p>
                   </a:txBody>
-                  <a:tcPr/>
+                  <a:tcPr marL="9525" marR="9525" marT="9525" marB="0" anchor="ctr"/>
                 </a:tc>
                 <a:tc>
                   <a:txBody>
                     <a:bodyPr/>
                     <a:lstStyle/>
                     <a:p>
+                      <a:pPr algn="l" rtl="0" fontAlgn="ctr"/>
                       <a:r>
-                        <a:rPr lang="de-DE" dirty="0"/>
+                        <a:rPr lang="de-DE" sz="1800" b="0" i="0" u="none" strike="noStrike">
+                          <a:solidFill>
+                            <a:srgbClr val="000000"/>
+                          </a:solidFill>
+                          <a:effectLst/>
+                          <a:latin typeface="Calibri" panose="020F0502020204030204" pitchFamily="34" charset="0"/>
+                        </a:rPr>
                         <a:t>4</a:t>
                       </a:r>
                     </a:p>
                   </a:txBody>
-                  <a:tcPr/>
+                  <a:tcPr marL="9525" marR="9525" marT="9525" marB="0" anchor="ctr"/>
                 </a:tc>
                 <a:extLst>
                   <a:ext uri="{0D108BD9-81ED-4DB2-BD59-A6C34878D82A}">
@@ -18484,65 +18917,100 @@
                     <a:bodyPr/>
                     <a:lstStyle/>
                     <a:p>
+                      <a:pPr algn="l" rtl="0" fontAlgn="ctr"/>
                       <a:r>
-                        <a:rPr lang="de-DE" dirty="0"/>
+                        <a:rPr lang="de-DE" sz="1800" b="0" i="0" u="none" strike="noStrike">
+                          <a:solidFill>
+                            <a:srgbClr val="000000"/>
+                          </a:solidFill>
+                          <a:effectLst/>
+                          <a:latin typeface="Calibri" panose="020F0502020204030204" pitchFamily="34" charset="0"/>
+                        </a:rPr>
                         <a:t>Zeitaufwand</a:t>
                       </a:r>
                     </a:p>
                   </a:txBody>
-                  <a:tcPr/>
+                  <a:tcPr marL="9525" marR="9525" marT="9525" marB="0" anchor="ctr"/>
                 </a:tc>
                 <a:tc>
                   <a:txBody>
                     <a:bodyPr/>
                     <a:lstStyle/>
                     <a:p>
+                      <a:pPr algn="l" rtl="0" fontAlgn="ctr"/>
                       <a:r>
-                        <a:rPr lang="de-DE" dirty="0"/>
+                        <a:rPr lang="de-DE" sz="1800" b="0" i="0" u="none" strike="noStrike">
+                          <a:solidFill>
+                            <a:srgbClr val="000000"/>
+                          </a:solidFill>
+                          <a:effectLst/>
+                          <a:latin typeface="Calibri" panose="020F0502020204030204" pitchFamily="34" charset="0"/>
+                        </a:rPr>
                         <a:t>5</a:t>
                       </a:r>
                     </a:p>
                   </a:txBody>
-                  <a:tcPr/>
+                  <a:tcPr marL="9525" marR="9525" marT="9525" marB="0" anchor="ctr"/>
                 </a:tc>
                 <a:tc>
                   <a:txBody>
                     <a:bodyPr/>
                     <a:lstStyle/>
                     <a:p>
+                      <a:pPr algn="l" rtl="0" fontAlgn="ctr"/>
                       <a:r>
-                        <a:rPr lang="de-DE" dirty="0"/>
+                        <a:rPr lang="de-DE" sz="1800" b="0" i="0" u="none" strike="noStrike">
+                          <a:solidFill>
+                            <a:srgbClr val="000000"/>
+                          </a:solidFill>
+                          <a:effectLst/>
+                          <a:latin typeface="Calibri" panose="020F0502020204030204" pitchFamily="34" charset="0"/>
+                        </a:rPr>
                         <a:t>1</a:t>
                       </a:r>
                     </a:p>
                   </a:txBody>
-                  <a:tcPr/>
+                  <a:tcPr marL="9525" marR="9525" marT="9525" marB="0" anchor="ctr"/>
                 </a:tc>
                 <a:tc>
                   <a:txBody>
                     <a:bodyPr/>
                     <a:lstStyle/>
                     <a:p>
+                      <a:pPr algn="l" rtl="0" fontAlgn="ctr"/>
                       <a:r>
-                        <a:rPr lang="de-DE" dirty="0"/>
+                        <a:rPr lang="de-DE" sz="1800" b="0" i="0" u="none" strike="noStrike">
+                          <a:solidFill>
+                            <a:srgbClr val="000000"/>
+                          </a:solidFill>
+                          <a:effectLst/>
+                          <a:latin typeface="Calibri" panose="020F0502020204030204" pitchFamily="34" charset="0"/>
+                        </a:rPr>
                         <a:t>7</a:t>
                       </a:r>
                     </a:p>
                   </a:txBody>
-                  <a:tcPr/>
+                  <a:tcPr marL="9525" marR="9525" marT="9525" marB="0" anchor="ctr"/>
                 </a:tc>
                 <a:tc>
                   <a:txBody>
                     <a:bodyPr/>
                     <a:lstStyle/>
                     <a:p>
+                      <a:pPr algn="l" rtl="0" fontAlgn="ctr"/>
                       <a:r>
-                        <a:rPr lang="de-DE" dirty="0"/>
+                        <a:rPr lang="de-DE" sz="1800" b="0" i="0" u="none" strike="noStrike">
+                          <a:solidFill>
+                            <a:srgbClr val="000000"/>
+                          </a:solidFill>
+                          <a:effectLst/>
+                          <a:latin typeface="Calibri" panose="020F0502020204030204" pitchFamily="34" charset="0"/>
+                        </a:rPr>
                         <a:t>9</a:t>
                       </a:r>
                     </a:p>
                   </a:txBody>
-                  <a:tcPr/>
+                  <a:tcPr marL="9525" marR="9525" marT="9525" marB="0" anchor="ctr"/>
                 </a:tc>
                 <a:extLst>
                   <a:ext uri="{0D108BD9-81ED-4DB2-BD59-A6C34878D82A}">
@@ -18556,76 +19024,100 @@
                     <a:bodyPr/>
                     <a:lstStyle/>
                     <a:p>
+                      <a:pPr algn="l" rtl="0" fontAlgn="ctr"/>
                       <a:r>
-                        <a:rPr lang="de-DE" dirty="0"/>
+                        <a:rPr lang="de-DE" sz="1800" b="0" i="0" u="none" strike="noStrike">
+                          <a:solidFill>
+                            <a:srgbClr val="000000"/>
+                          </a:solidFill>
+                          <a:effectLst/>
+                          <a:latin typeface="Calibri" panose="020F0502020204030204" pitchFamily="34" charset="0"/>
+                        </a:rPr>
                         <a:t>Summe</a:t>
                       </a:r>
                     </a:p>
                   </a:txBody>
-                  <a:tcPr/>
+                  <a:tcPr marL="9525" marR="9525" marT="9525" marB="0" anchor="ctr"/>
                 </a:tc>
                 <a:tc>
                   <a:txBody>
                     <a:bodyPr/>
                     <a:lstStyle/>
                     <a:p>
-                      <a:endParaRPr lang="de-DE" dirty="0"/>
+                      <a:pPr algn="l" fontAlgn="t"/>
+                      <a:r>
+                        <a:rPr lang="de-DE" sz="1800" b="0" i="0" u="none" strike="noStrike">
+                          <a:solidFill>
+                            <a:srgbClr val="000000"/>
+                          </a:solidFill>
+                          <a:effectLst/>
+                          <a:latin typeface="Arial" panose="020B0604020202020204" pitchFamily="34" charset="0"/>
+                        </a:rPr>
+                        <a:t> </a:t>
+                      </a:r>
                     </a:p>
                   </a:txBody>
-                  <a:tcPr/>
+                  <a:tcPr marL="9525" marR="9525" marT="9525" marB="0"/>
                 </a:tc>
                 <a:tc>
                   <a:txBody>
                     <a:bodyPr/>
                     <a:lstStyle/>
                     <a:p>
-                      <a:pPr marL="0" marR="0" lvl="0" indent="0" algn="l" defTabSz="914400" rtl="0" eaLnBrk="1" fontAlgn="auto" latinLnBrk="0" hangingPunct="1">
-                        <a:lnSpc>
-                          <a:spcPct val="100000"/>
-                        </a:lnSpc>
-                        <a:spcBef>
-                          <a:spcPts val="0"/>
-                        </a:spcBef>
-                        <a:spcAft>
-                          <a:spcPts val="0"/>
-                        </a:spcAft>
-                        <a:buClrTx/>
-                        <a:buSzTx/>
-                        <a:buFontTx/>
-                        <a:buNone/>
-                        <a:tabLst/>
-                        <a:defRPr/>
-                      </a:pPr>
+                      <a:pPr algn="l" rtl="0" fontAlgn="ctr"/>
                       <a:r>
-                        <a:rPr lang="de-DE"/>
-                        <a:t>=b2*c2</a:t>
+                        <a:rPr lang="de-DE" sz="1800" b="0" i="0" u="none" strike="noStrike">
+                          <a:solidFill>
+                            <a:srgbClr val="000000"/>
+                          </a:solidFill>
+                          <a:effectLst/>
+                          <a:latin typeface="Calibri" panose="020F0502020204030204" pitchFamily="34" charset="0"/>
+                        </a:rPr>
+                        <a:t>23</a:t>
                       </a:r>
                     </a:p>
-                    <a:p>
-                      <a:endParaRPr lang="de-DE" dirty="0"/>
-                    </a:p>
                   </a:txBody>
-                  <a:tcPr/>
+                  <a:tcPr marL="9525" marR="9525" marT="9525" marB="0" anchor="ctr"/>
                 </a:tc>
                 <a:tc>
                   <a:txBody>
                     <a:bodyPr/>
                     <a:lstStyle/>
                     <a:p>
-                      <a:endParaRPr lang="de-DE"/>
+                      <a:pPr algn="l" rtl="0" fontAlgn="ctr"/>
+                      <a:r>
+                        <a:rPr lang="de-DE" sz="1800" b="0" i="0" u="none" strike="noStrike">
+                          <a:solidFill>
+                            <a:srgbClr val="000000"/>
+                          </a:solidFill>
+                          <a:effectLst/>
+                          <a:latin typeface="Calibri" panose="020F0502020204030204" pitchFamily="34" charset="0"/>
+                        </a:rPr>
+                        <a:t>81</a:t>
+                      </a:r>
                     </a:p>
                   </a:txBody>
-                  <a:tcPr/>
+                  <a:tcPr marL="9525" marR="9525" marT="9525" marB="0" anchor="ctr"/>
                 </a:tc>
                 <a:tc>
                   <a:txBody>
                     <a:bodyPr/>
                     <a:lstStyle/>
                     <a:p>
-                      <a:endParaRPr lang="de-DE" dirty="0"/>
+                      <a:pPr algn="l" rtl="0" fontAlgn="ctr"/>
+                      <a:r>
+                        <a:rPr lang="de-DE" sz="1800" b="0" i="0" u="none" strike="noStrike" dirty="0">
+                          <a:solidFill>
+                            <a:srgbClr val="000000"/>
+                          </a:solidFill>
+                          <a:effectLst/>
+                          <a:latin typeface="Calibri" panose="020F0502020204030204" pitchFamily="34" charset="0"/>
+                        </a:rPr>
+                        <a:t>97</a:t>
+                      </a:r>
                     </a:p>
                   </a:txBody>
-                  <a:tcPr/>
+                  <a:tcPr marL="9525" marR="9525" marT="9525" marB="0" anchor="ctr"/>
                 </a:tc>
                 <a:extLst>
                   <a:ext uri="{0D108BD9-81ED-4DB2-BD59-A6C34878D82A}">
@@ -18669,72 +19161,339 @@
       </p:grpSpPr>
       <p:sp>
         <p:nvSpPr>
-          <p:cNvPr id="2" name="Titel 1"/>
-          <p:cNvSpPr>
-            <a:spLocks noGrp="1"/>
-          </p:cNvSpPr>
-          <p:nvPr>
-            <p:ph type="title"/>
-          </p:nvPr>
-        </p:nvSpPr>
-        <p:spPr/>
-        <p:txBody>
-          <a:bodyPr>
-            <a:normAutofit fontScale="90000"/>
-          </a:bodyPr>
-          <a:lstStyle/>
-          <a:p>
-            <a:r>
-              <a:rPr lang="de-DE" dirty="0"/>
-              <a:t>Projektumfeld - Das Institut</a:t>
-            </a:r>
-          </a:p>
-        </p:txBody>
-      </p:sp>
-      <p:sp>
-        <p:nvSpPr>
-          <p:cNvPr id="6" name="Rechteck 5"/>
+          <p:cNvPr id="22" name="Rechteck 21"/>
           <p:cNvSpPr/>
           <p:nvPr/>
         </p:nvSpPr>
         <p:spPr>
           <a:xfrm>
-            <a:off x="323528" y="6237312"/>
-            <a:ext cx="1440160" cy="620688"/>
+            <a:off x="128588" y="1052736"/>
+            <a:ext cx="2081212" cy="328613"/>
           </a:xfrm>
           <a:prstGeom prst="rect">
             <a:avLst/>
           </a:prstGeom>
-          <a:ln>
-            <a:noFill/>
-          </a:ln>
         </p:spPr>
         <p:style>
           <a:lnRef idx="2">
-            <a:schemeClr val="dk1"/>
+            <a:schemeClr val="accent1"/>
           </a:lnRef>
           <a:fillRef idx="1">
             <a:schemeClr val="lt1"/>
           </a:fillRef>
           <a:effectRef idx="0">
-            <a:schemeClr val="dk1"/>
+            <a:schemeClr val="accent1"/>
           </a:effectRef>
           <a:fontRef idx="minor">
             <a:schemeClr val="dk1"/>
           </a:fontRef>
         </p:style>
         <p:txBody>
-          <a:bodyPr rtlCol="0" anchor="ctr"/>
+          <a:bodyPr anchor="ctr"/>
           <a:lstStyle/>
           <a:p>
-            <a:pPr algn="ctr"/>
-            <a:endParaRPr lang="de-DE"/>
+            <a:pPr algn="ctr">
+              <a:defRPr/>
+            </a:pPr>
+            <a:r>
+              <a:rPr lang="de-DE" sz="1600" b="1" dirty="0">
+                <a:latin typeface="Rotis SemiSans Pro" pitchFamily="50" charset="0"/>
+              </a:rPr>
+              <a:t>Reflektion</a:t>
+            </a:r>
+            <a:endParaRPr lang="de-DE" sz="2000" b="1" dirty="0">
+              <a:latin typeface="Rotis SemiSans Pro" pitchFamily="50" charset="0"/>
+            </a:endParaRPr>
+          </a:p>
+        </p:txBody>
+      </p:sp>
+      <p:cxnSp>
+        <p:nvCxnSpPr>
+          <p:cNvPr id="23" name="Gerade Verbindung 22"/>
+          <p:cNvCxnSpPr/>
+          <p:nvPr/>
+        </p:nvCxnSpPr>
+        <p:spPr>
+          <a:xfrm>
+            <a:off x="2392363" y="980728"/>
+            <a:ext cx="0" cy="5256584"/>
+          </a:xfrm>
+          <a:prstGeom prst="line">
+            <a:avLst/>
+          </a:prstGeom>
+          <a:ln/>
+        </p:spPr>
+        <p:style>
+          <a:lnRef idx="1">
+            <a:schemeClr val="dk1"/>
+          </a:lnRef>
+          <a:fillRef idx="0">
+            <a:schemeClr val="dk1"/>
+          </a:fillRef>
+          <a:effectRef idx="0">
+            <a:schemeClr val="dk1"/>
+          </a:effectRef>
+          <a:fontRef idx="minor">
+            <a:schemeClr val="tx1"/>
+          </a:fontRef>
+        </p:style>
+      </p:cxnSp>
+      <p:cxnSp>
+        <p:nvCxnSpPr>
+          <p:cNvPr id="24" name="Gerade Verbindung 23"/>
+          <p:cNvCxnSpPr/>
+          <p:nvPr/>
+        </p:nvCxnSpPr>
+        <p:spPr>
+          <a:xfrm>
+            <a:off x="128588" y="6309320"/>
+            <a:ext cx="8885237" cy="0"/>
+          </a:xfrm>
+          <a:prstGeom prst="line">
+            <a:avLst/>
+          </a:prstGeom>
+        </p:spPr>
+        <p:style>
+          <a:lnRef idx="1">
+            <a:schemeClr val="dk1"/>
+          </a:lnRef>
+          <a:fillRef idx="0">
+            <a:schemeClr val="dk1"/>
+          </a:fillRef>
+          <a:effectRef idx="0">
+            <a:schemeClr val="dk1"/>
+          </a:effectRef>
+          <a:fontRef idx="minor">
+            <a:schemeClr val="tx1"/>
+          </a:fontRef>
+        </p:style>
+      </p:cxnSp>
+      <p:cxnSp>
+        <p:nvCxnSpPr>
+          <p:cNvPr id="26" name="Gerade Verbindung 25"/>
+          <p:cNvCxnSpPr/>
+          <p:nvPr/>
+        </p:nvCxnSpPr>
+        <p:spPr>
+          <a:xfrm>
+            <a:off x="128587" y="908720"/>
+            <a:ext cx="8885237" cy="0"/>
+          </a:xfrm>
+          <a:prstGeom prst="line">
+            <a:avLst/>
+          </a:prstGeom>
+        </p:spPr>
+        <p:style>
+          <a:lnRef idx="1">
+            <a:schemeClr val="dk1"/>
+          </a:lnRef>
+          <a:fillRef idx="0">
+            <a:schemeClr val="dk1"/>
+          </a:fillRef>
+          <a:effectRef idx="0">
+            <a:schemeClr val="dk1"/>
+          </a:effectRef>
+          <a:fontRef idx="minor">
+            <a:schemeClr val="tx1"/>
+          </a:fontRef>
+        </p:style>
+      </p:cxnSp>
+      <p:sp>
+        <p:nvSpPr>
+          <p:cNvPr id="27" name="Titel 1"/>
+          <p:cNvSpPr txBox="1">
+            <a:spLocks/>
+          </p:cNvSpPr>
+          <p:nvPr/>
+        </p:nvSpPr>
+        <p:spPr bwMode="auto">
+          <a:xfrm>
+            <a:off x="3779912" y="349920"/>
+            <a:ext cx="5299075" cy="558800"/>
+          </a:xfrm>
+          <a:prstGeom prst="rect">
+            <a:avLst/>
+          </a:prstGeom>
+          <a:noFill/>
+          <a:ln>
+            <a:noFill/>
+          </a:ln>
+          <a:extLst>
+            <a:ext uri="{909E8E84-426E-40DD-AFC4-6F175D3DCCD1}">
+              <a14:hiddenFill xmlns:a14="http://schemas.microsoft.com/office/drawing/2010/main">
+                <a:solidFill>
+                  <a:srgbClr val="FFFFFF"/>
+                </a:solidFill>
+              </a14:hiddenFill>
+            </a:ext>
+            <a:ext uri="{91240B29-F687-4F45-9708-019B960494DF}">
+              <a14:hiddenLine xmlns:a14="http://schemas.microsoft.com/office/drawing/2010/main" w="9525">
+                <a:solidFill>
+                  <a:srgbClr val="000000"/>
+                </a:solidFill>
+                <a:miter lim="800000"/>
+                <a:headEnd/>
+                <a:tailEnd/>
+              </a14:hiddenLine>
+            </a:ext>
+          </a:extLst>
+        </p:spPr>
+        <p:txBody>
+          <a:bodyPr anchor="ctr"/>
+          <a:lstStyle>
+            <a:lvl1pPr eaLnBrk="0" hangingPunct="0">
+              <a:spcBef>
+                <a:spcPct val="20000"/>
+              </a:spcBef>
+              <a:buFont typeface="Arial" charset="0"/>
+              <a:buChar char="•"/>
+              <a:defRPr sz="3200">
+                <a:solidFill>
+                  <a:schemeClr val="tx1"/>
+                </a:solidFill>
+                <a:latin typeface="Arial" charset="0"/>
+              </a:defRPr>
+            </a:lvl1pPr>
+            <a:lvl2pPr marL="742950" indent="-285750" eaLnBrk="0" hangingPunct="0">
+              <a:spcBef>
+                <a:spcPct val="20000"/>
+              </a:spcBef>
+              <a:buFont typeface="Arial" charset="0"/>
+              <a:buChar char="–"/>
+              <a:defRPr sz="2800">
+                <a:solidFill>
+                  <a:schemeClr val="tx1"/>
+                </a:solidFill>
+                <a:latin typeface="Arial" charset="0"/>
+              </a:defRPr>
+            </a:lvl2pPr>
+            <a:lvl3pPr marL="1143000" indent="-228600" eaLnBrk="0" hangingPunct="0">
+              <a:spcBef>
+                <a:spcPct val="20000"/>
+              </a:spcBef>
+              <a:buFont typeface="Arial" charset="0"/>
+              <a:buChar char="•"/>
+              <a:defRPr sz="2400">
+                <a:solidFill>
+                  <a:schemeClr val="tx1"/>
+                </a:solidFill>
+                <a:latin typeface="Arial" charset="0"/>
+              </a:defRPr>
+            </a:lvl3pPr>
+            <a:lvl4pPr marL="1600200" indent="-228600" eaLnBrk="0" hangingPunct="0">
+              <a:spcBef>
+                <a:spcPct val="20000"/>
+              </a:spcBef>
+              <a:buFont typeface="Arial" charset="0"/>
+              <a:buChar char="–"/>
+              <a:defRPr sz="2000">
+                <a:solidFill>
+                  <a:schemeClr val="tx1"/>
+                </a:solidFill>
+                <a:latin typeface="Arial" charset="0"/>
+              </a:defRPr>
+            </a:lvl4pPr>
+            <a:lvl5pPr marL="2057400" indent="-228600" eaLnBrk="0" hangingPunct="0">
+              <a:spcBef>
+                <a:spcPct val="20000"/>
+              </a:spcBef>
+              <a:buFont typeface="Arial" charset="0"/>
+              <a:buChar char="»"/>
+              <a:defRPr sz="2000">
+                <a:solidFill>
+                  <a:schemeClr val="tx1"/>
+                </a:solidFill>
+                <a:latin typeface="Arial" charset="0"/>
+              </a:defRPr>
+            </a:lvl5pPr>
+            <a:lvl6pPr marL="2514600" indent="-228600" eaLnBrk="0" fontAlgn="base" hangingPunct="0">
+              <a:spcBef>
+                <a:spcPct val="20000"/>
+              </a:spcBef>
+              <a:spcAft>
+                <a:spcPct val="0"/>
+              </a:spcAft>
+              <a:buFont typeface="Arial" charset="0"/>
+              <a:buChar char="»"/>
+              <a:defRPr sz="2000">
+                <a:solidFill>
+                  <a:schemeClr val="tx1"/>
+                </a:solidFill>
+                <a:latin typeface="Arial" charset="0"/>
+              </a:defRPr>
+            </a:lvl6pPr>
+            <a:lvl7pPr marL="2971800" indent="-228600" eaLnBrk="0" fontAlgn="base" hangingPunct="0">
+              <a:spcBef>
+                <a:spcPct val="20000"/>
+              </a:spcBef>
+              <a:spcAft>
+                <a:spcPct val="0"/>
+              </a:spcAft>
+              <a:buFont typeface="Arial" charset="0"/>
+              <a:buChar char="»"/>
+              <a:defRPr sz="2000">
+                <a:solidFill>
+                  <a:schemeClr val="tx1"/>
+                </a:solidFill>
+                <a:latin typeface="Arial" charset="0"/>
+              </a:defRPr>
+            </a:lvl7pPr>
+            <a:lvl8pPr marL="3429000" indent="-228600" eaLnBrk="0" fontAlgn="base" hangingPunct="0">
+              <a:spcBef>
+                <a:spcPct val="20000"/>
+              </a:spcBef>
+              <a:spcAft>
+                <a:spcPct val="0"/>
+              </a:spcAft>
+              <a:buFont typeface="Arial" charset="0"/>
+              <a:buChar char="»"/>
+              <a:defRPr sz="2000">
+                <a:solidFill>
+                  <a:schemeClr val="tx1"/>
+                </a:solidFill>
+                <a:latin typeface="Arial" charset="0"/>
+              </a:defRPr>
+            </a:lvl8pPr>
+            <a:lvl9pPr marL="3886200" indent="-228600" eaLnBrk="0" fontAlgn="base" hangingPunct="0">
+              <a:spcBef>
+                <a:spcPct val="20000"/>
+              </a:spcBef>
+              <a:spcAft>
+                <a:spcPct val="0"/>
+              </a:spcAft>
+              <a:buFont typeface="Arial" charset="0"/>
+              <a:buChar char="»"/>
+              <a:defRPr sz="2000">
+                <a:solidFill>
+                  <a:schemeClr val="tx1"/>
+                </a:solidFill>
+                <a:latin typeface="Arial" charset="0"/>
+              </a:defRPr>
+            </a:lvl9pPr>
+          </a:lstStyle>
+          <a:p>
+            <a:pPr>
+              <a:spcBef>
+                <a:spcPct val="0"/>
+              </a:spcBef>
+              <a:buFontTx/>
+              <a:buNone/>
+            </a:pPr>
+            <a:r>
+              <a:rPr lang="de-DE" altLang="de-DE" sz="1400" b="1" dirty="0">
+                <a:latin typeface="Rotis SemiSans Pro" pitchFamily="50" charset="0"/>
+              </a:rPr>
+              <a:t>Erweiterung QES Export</a:t>
+            </a:r>
+            <a:endParaRPr lang="de-DE" altLang="de-DE" sz="3600" dirty="0">
+              <a:latin typeface="Rotis SemiSans Pro" pitchFamily="50" charset="0"/>
+            </a:endParaRPr>
           </a:p>
         </p:txBody>
       </p:sp>
       <p:sp>
         <p:nvSpPr>
-          <p:cNvPr id="7" name="Foliennummernplatzhalter 6"/>
+          <p:cNvPr id="30" name="Foliennummernplatzhalter 29"/>
           <p:cNvSpPr>
             <a:spLocks noGrp="1"/>
           </p:cNvSpPr>
@@ -18747,48 +19506,967 @@
           <a:bodyPr/>
           <a:lstStyle/>
           <a:p>
-            <a:fld id="{AC76F9B2-121F-446C-A37F-B7F54BF3DCAC}" type="slidenum">
+            <a:fld id="{506DEF79-D5F3-42ED-9335-D73AD216BB54}" type="slidenum">
               <a:rPr lang="de-DE" smtClean="0"/>
+              <a:pPr/>
               <a:t>9</a:t>
             </a:fld>
             <a:endParaRPr lang="de-DE" dirty="0"/>
           </a:p>
         </p:txBody>
       </p:sp>
-      <p:pic>
-        <p:nvPicPr>
-          <p:cNvPr id="3" name="Picture 2">
-            <a:extLst>
-              <a:ext uri="{FF2B5EF4-FFF2-40B4-BE49-F238E27FC236}">
-                <a16:creationId xmlns:a16="http://schemas.microsoft.com/office/drawing/2014/main" id="{59164D2C-E2DF-EA48-8243-D028C4461300}"/>
-              </a:ext>
-            </a:extLst>
-          </p:cNvPr>
-          <p:cNvPicPr>
-            <a:picLocks noChangeAspect="1"/>
-          </p:cNvPicPr>
+      <p:sp>
+        <p:nvSpPr>
+          <p:cNvPr id="31" name="Rechteck 4104"/>
+          <p:cNvSpPr>
+            <a:spLocks noChangeArrowheads="1"/>
+          </p:cNvSpPr>
           <p:nvPr/>
-        </p:nvPicPr>
-        <p:blipFill>
-          <a:blip r:embed="rId3"/>
-          <a:stretch>
-            <a:fillRect/>
-          </a:stretch>
-        </p:blipFill>
-        <p:spPr>
+        </p:nvSpPr>
+        <p:spPr bwMode="auto">
           <a:xfrm>
-            <a:off x="1034412" y="1412197"/>
-            <a:ext cx="7075176" cy="5009917"/>
+            <a:off x="2555776" y="980728"/>
+            <a:ext cx="6523037" cy="400050"/>
           </a:xfrm>
           <a:prstGeom prst="rect">
             <a:avLst/>
           </a:prstGeom>
+          <a:noFill/>
+          <a:ln>
+            <a:noFill/>
+          </a:ln>
+          <a:extLst>
+            <a:ext uri="{909E8E84-426E-40DD-AFC4-6F175D3DCCD1}">
+              <a14:hiddenFill xmlns:a14="http://schemas.microsoft.com/office/drawing/2010/main">
+                <a:solidFill>
+                  <a:srgbClr val="FFFFFF"/>
+                </a:solidFill>
+              </a14:hiddenFill>
+            </a:ext>
+            <a:ext uri="{91240B29-F687-4F45-9708-019B960494DF}">
+              <a14:hiddenLine xmlns:a14="http://schemas.microsoft.com/office/drawing/2010/main" w="9525">
+                <a:solidFill>
+                  <a:srgbClr val="000000"/>
+                </a:solidFill>
+                <a:miter lim="800000"/>
+                <a:headEnd/>
+                <a:tailEnd/>
+              </a14:hiddenLine>
+            </a:ext>
+          </a:extLst>
         </p:spPr>
-      </p:pic>
+        <p:txBody>
+          <a:bodyPr>
+            <a:spAutoFit/>
+          </a:bodyPr>
+          <a:lstStyle>
+            <a:lvl1pPr eaLnBrk="0" hangingPunct="0">
+              <a:spcBef>
+                <a:spcPct val="20000"/>
+              </a:spcBef>
+              <a:buFont typeface="Arial" charset="0"/>
+              <a:buChar char="•"/>
+              <a:defRPr sz="3200">
+                <a:solidFill>
+                  <a:schemeClr val="tx1"/>
+                </a:solidFill>
+                <a:latin typeface="Arial" charset="0"/>
+              </a:defRPr>
+            </a:lvl1pPr>
+            <a:lvl2pPr marL="742950" indent="-285750" eaLnBrk="0" hangingPunct="0">
+              <a:spcBef>
+                <a:spcPct val="20000"/>
+              </a:spcBef>
+              <a:buFont typeface="Arial" charset="0"/>
+              <a:buChar char="–"/>
+              <a:defRPr sz="2800">
+                <a:solidFill>
+                  <a:schemeClr val="tx1"/>
+                </a:solidFill>
+                <a:latin typeface="Arial" charset="0"/>
+              </a:defRPr>
+            </a:lvl2pPr>
+            <a:lvl3pPr marL="1143000" indent="-228600" eaLnBrk="0" hangingPunct="0">
+              <a:spcBef>
+                <a:spcPct val="20000"/>
+              </a:spcBef>
+              <a:buFont typeface="Arial" charset="0"/>
+              <a:buChar char="•"/>
+              <a:defRPr sz="2400">
+                <a:solidFill>
+                  <a:schemeClr val="tx1"/>
+                </a:solidFill>
+                <a:latin typeface="Arial" charset="0"/>
+              </a:defRPr>
+            </a:lvl3pPr>
+            <a:lvl4pPr marL="1600200" indent="-228600" eaLnBrk="0" hangingPunct="0">
+              <a:spcBef>
+                <a:spcPct val="20000"/>
+              </a:spcBef>
+              <a:buFont typeface="Arial" charset="0"/>
+              <a:buChar char="–"/>
+              <a:defRPr sz="2000">
+                <a:solidFill>
+                  <a:schemeClr val="tx1"/>
+                </a:solidFill>
+                <a:latin typeface="Arial" charset="0"/>
+              </a:defRPr>
+            </a:lvl4pPr>
+            <a:lvl5pPr marL="2057400" indent="-228600" eaLnBrk="0" hangingPunct="0">
+              <a:spcBef>
+                <a:spcPct val="20000"/>
+              </a:spcBef>
+              <a:buFont typeface="Arial" charset="0"/>
+              <a:buChar char="»"/>
+              <a:defRPr sz="2000">
+                <a:solidFill>
+                  <a:schemeClr val="tx1"/>
+                </a:solidFill>
+                <a:latin typeface="Arial" charset="0"/>
+              </a:defRPr>
+            </a:lvl5pPr>
+            <a:lvl6pPr marL="2514600" indent="-228600" eaLnBrk="0" fontAlgn="base" hangingPunct="0">
+              <a:spcBef>
+                <a:spcPct val="20000"/>
+              </a:spcBef>
+              <a:spcAft>
+                <a:spcPct val="0"/>
+              </a:spcAft>
+              <a:buFont typeface="Arial" charset="0"/>
+              <a:buChar char="»"/>
+              <a:defRPr sz="2000">
+                <a:solidFill>
+                  <a:schemeClr val="tx1"/>
+                </a:solidFill>
+                <a:latin typeface="Arial" charset="0"/>
+              </a:defRPr>
+            </a:lvl6pPr>
+            <a:lvl7pPr marL="2971800" indent="-228600" eaLnBrk="0" fontAlgn="base" hangingPunct="0">
+              <a:spcBef>
+                <a:spcPct val="20000"/>
+              </a:spcBef>
+              <a:spcAft>
+                <a:spcPct val="0"/>
+              </a:spcAft>
+              <a:buFont typeface="Arial" charset="0"/>
+              <a:buChar char="»"/>
+              <a:defRPr sz="2000">
+                <a:solidFill>
+                  <a:schemeClr val="tx1"/>
+                </a:solidFill>
+                <a:latin typeface="Arial" charset="0"/>
+              </a:defRPr>
+            </a:lvl7pPr>
+            <a:lvl8pPr marL="3429000" indent="-228600" eaLnBrk="0" fontAlgn="base" hangingPunct="0">
+              <a:spcBef>
+                <a:spcPct val="20000"/>
+              </a:spcBef>
+              <a:spcAft>
+                <a:spcPct val="0"/>
+              </a:spcAft>
+              <a:buFont typeface="Arial" charset="0"/>
+              <a:buChar char="»"/>
+              <a:defRPr sz="2000">
+                <a:solidFill>
+                  <a:schemeClr val="tx1"/>
+                </a:solidFill>
+                <a:latin typeface="Arial" charset="0"/>
+              </a:defRPr>
+            </a:lvl8pPr>
+            <a:lvl9pPr marL="3886200" indent="-228600" eaLnBrk="0" fontAlgn="base" hangingPunct="0">
+              <a:spcBef>
+                <a:spcPct val="20000"/>
+              </a:spcBef>
+              <a:spcAft>
+                <a:spcPct val="0"/>
+              </a:spcAft>
+              <a:buFont typeface="Arial" charset="0"/>
+              <a:buChar char="»"/>
+              <a:defRPr sz="2000">
+                <a:solidFill>
+                  <a:schemeClr val="tx1"/>
+                </a:solidFill>
+                <a:latin typeface="Arial" charset="0"/>
+              </a:defRPr>
+            </a:lvl9pPr>
+          </a:lstStyle>
+          <a:p>
+            <a:pPr eaLnBrk="1" hangingPunct="1">
+              <a:spcBef>
+                <a:spcPct val="0"/>
+              </a:spcBef>
+              <a:buNone/>
+            </a:pPr>
+            <a:r>
+              <a:rPr lang="de-DE" altLang="de-DE" sz="2000" b="1" dirty="0">
+                <a:latin typeface="Rotis SemiSans Pro" pitchFamily="50" charset="0"/>
+              </a:rPr>
+              <a:t>Organisation - Organigramm</a:t>
+            </a:r>
+          </a:p>
+        </p:txBody>
+      </p:sp>
+      <p:sp>
+        <p:nvSpPr>
+          <p:cNvPr id="15" name="Rechteck 14"/>
+          <p:cNvSpPr/>
+          <p:nvPr/>
+        </p:nvSpPr>
+        <p:spPr>
+          <a:xfrm>
+            <a:off x="128588" y="2348880"/>
+            <a:ext cx="2081212" cy="328613"/>
+          </a:xfrm>
+          <a:prstGeom prst="rect">
+            <a:avLst/>
+          </a:prstGeom>
+          <a:ln>
+            <a:solidFill>
+              <a:schemeClr val="bg2">
+                <a:lumMod val="90000"/>
+              </a:schemeClr>
+            </a:solidFill>
+          </a:ln>
+        </p:spPr>
+        <p:style>
+          <a:lnRef idx="2">
+            <a:schemeClr val="accent3"/>
+          </a:lnRef>
+          <a:fillRef idx="1">
+            <a:schemeClr val="lt1"/>
+          </a:fillRef>
+          <a:effectRef idx="0">
+            <a:schemeClr val="accent3"/>
+          </a:effectRef>
+          <a:fontRef idx="minor">
+            <a:schemeClr val="dk1"/>
+          </a:fontRef>
+        </p:style>
+        <p:txBody>
+          <a:bodyPr anchor="ctr"/>
+          <a:lstStyle/>
+          <a:p>
+            <a:pPr algn="ctr">
+              <a:defRPr/>
+            </a:pPr>
+            <a:r>
+              <a:rPr lang="de-DE" sz="1200" dirty="0">
+                <a:latin typeface="Rotis SemiSans Pro" pitchFamily="50" charset="0"/>
+              </a:rPr>
+              <a:t>Akzeptanz</a:t>
+            </a:r>
+            <a:endParaRPr lang="de-DE" sz="1100" dirty="0">
+              <a:latin typeface="Rotis SemiSans Pro" pitchFamily="50" charset="0"/>
+            </a:endParaRPr>
+          </a:p>
+        </p:txBody>
+      </p:sp>
+      <p:sp>
+        <p:nvSpPr>
+          <p:cNvPr id="17" name="Rechteck 16"/>
+          <p:cNvSpPr/>
+          <p:nvPr/>
+        </p:nvSpPr>
+        <p:spPr>
+          <a:xfrm>
+            <a:off x="128588" y="1916832"/>
+            <a:ext cx="2081212" cy="327025"/>
+          </a:xfrm>
+          <a:prstGeom prst="rect">
+            <a:avLst/>
+          </a:prstGeom>
+          <a:ln>
+            <a:solidFill>
+              <a:schemeClr val="accent3"/>
+            </a:solidFill>
+          </a:ln>
+        </p:spPr>
+        <p:style>
+          <a:lnRef idx="2">
+            <a:schemeClr val="accent3"/>
+          </a:lnRef>
+          <a:fillRef idx="1">
+            <a:schemeClr val="lt1"/>
+          </a:fillRef>
+          <a:effectRef idx="0">
+            <a:schemeClr val="accent3"/>
+          </a:effectRef>
+          <a:fontRef idx="minor">
+            <a:schemeClr val="dk1"/>
+          </a:fontRef>
+        </p:style>
+        <p:txBody>
+          <a:bodyPr anchor="ctr"/>
+          <a:lstStyle/>
+          <a:p>
+            <a:pPr algn="ctr">
+              <a:buFont typeface="Arial" charset="0"/>
+              <a:buNone/>
+              <a:defRPr/>
+            </a:pPr>
+            <a:r>
+              <a:rPr lang="de-DE" altLang="de-DE" sz="1200" b="1" dirty="0">
+                <a:latin typeface="Rotis SemiSans Pro" pitchFamily="50" charset="0"/>
+              </a:rPr>
+              <a:t>Dokumentation</a:t>
+            </a:r>
+          </a:p>
+        </p:txBody>
+      </p:sp>
+      <p:sp>
+        <p:nvSpPr>
+          <p:cNvPr id="18" name="Rechteck 17"/>
+          <p:cNvSpPr/>
+          <p:nvPr/>
+        </p:nvSpPr>
+        <p:spPr>
+          <a:xfrm>
+            <a:off x="128588" y="1484784"/>
+            <a:ext cx="2081212" cy="328613"/>
+          </a:xfrm>
+          <a:prstGeom prst="rect">
+            <a:avLst/>
+          </a:prstGeom>
+          <a:ln>
+            <a:solidFill>
+              <a:schemeClr val="bg2">
+                <a:lumMod val="90000"/>
+              </a:schemeClr>
+            </a:solidFill>
+          </a:ln>
+        </p:spPr>
+        <p:style>
+          <a:lnRef idx="2">
+            <a:schemeClr val="accent3"/>
+          </a:lnRef>
+          <a:fillRef idx="1">
+            <a:schemeClr val="lt1"/>
+          </a:fillRef>
+          <a:effectRef idx="0">
+            <a:schemeClr val="accent3"/>
+          </a:effectRef>
+          <a:fontRef idx="minor">
+            <a:schemeClr val="dk1"/>
+          </a:fontRef>
+        </p:style>
+        <p:txBody>
+          <a:bodyPr anchor="ctr"/>
+          <a:lstStyle/>
+          <a:p>
+            <a:pPr algn="ctr">
+              <a:buFont typeface="Arial" charset="0"/>
+              <a:buNone/>
+              <a:defRPr/>
+            </a:pPr>
+            <a:r>
+              <a:rPr lang="de-DE" altLang="de-DE" sz="1200" dirty="0">
+                <a:latin typeface="Rotis SemiSans Pro" pitchFamily="50" charset="0"/>
+              </a:rPr>
+              <a:t>Nutzwertanalyse</a:t>
+            </a:r>
+          </a:p>
+        </p:txBody>
+      </p:sp>
+      <p:graphicFrame>
+        <p:nvGraphicFramePr>
+          <p:cNvPr id="2" name="Table 1">
+            <a:extLst>
+              <a:ext uri="{FF2B5EF4-FFF2-40B4-BE49-F238E27FC236}">
+                <a16:creationId xmlns:a16="http://schemas.microsoft.com/office/drawing/2014/main" id="{2ACD2FC1-81D7-40D7-96C4-83747545C575}"/>
+              </a:ext>
+            </a:extLst>
+          </p:cNvPr>
+          <p:cNvGraphicFramePr>
+            <a:graphicFrameLocks noGrp="1"/>
+          </p:cNvGraphicFramePr>
+          <p:nvPr>
+            <p:extLst>
+              <p:ext uri="{D42A27DB-BD31-4B8C-83A1-F6EECF244321}">
+                <p14:modId xmlns:p14="http://schemas.microsoft.com/office/powerpoint/2010/main" val="2367409240"/>
+              </p:ext>
+            </p:extLst>
+          </p:nvPr>
+        </p:nvGraphicFramePr>
+        <p:xfrm>
+          <a:off x="2483774" y="1447994"/>
+          <a:ext cx="6179980" cy="2225040"/>
+        </p:xfrm>
+        <a:graphic>
+          <a:graphicData uri="http://schemas.openxmlformats.org/drawingml/2006/table">
+            <a:tbl>
+              <a:tblPr firstRow="1" bandRow="1">
+                <a:tableStyleId>{7DF18680-E054-41AD-8BC1-D1AEF772440D}</a:tableStyleId>
+              </a:tblPr>
+              <a:tblGrid>
+                <a:gridCol w="1978406">
+                  <a:extLst>
+                    <a:ext uri="{9D8B030D-6E8A-4147-A177-3AD203B41FA5}">
+                      <a16:colId xmlns:a16="http://schemas.microsoft.com/office/drawing/2014/main" val="3374511798"/>
+                    </a:ext>
+                  </a:extLst>
+                </a:gridCol>
+                <a:gridCol w="671449">
+                  <a:extLst>
+                    <a:ext uri="{9D8B030D-6E8A-4147-A177-3AD203B41FA5}">
+                      <a16:colId xmlns:a16="http://schemas.microsoft.com/office/drawing/2014/main" val="2007650479"/>
+                    </a:ext>
+                  </a:extLst>
+                </a:gridCol>
+                <a:gridCol w="1536573">
+                  <a:extLst>
+                    <a:ext uri="{9D8B030D-6E8A-4147-A177-3AD203B41FA5}">
+                      <a16:colId xmlns:a16="http://schemas.microsoft.com/office/drawing/2014/main" val="1443922345"/>
+                    </a:ext>
+                  </a:extLst>
+                </a:gridCol>
+                <a:gridCol w="1993552">
+                  <a:extLst>
+                    <a:ext uri="{9D8B030D-6E8A-4147-A177-3AD203B41FA5}">
+                      <a16:colId xmlns:a16="http://schemas.microsoft.com/office/drawing/2014/main" val="1015195530"/>
+                    </a:ext>
+                  </a:extLst>
+                </a:gridCol>
+              </a:tblGrid>
+              <a:tr h="370840">
+                <a:tc>
+                  <a:txBody>
+                    <a:bodyPr/>
+                    <a:lstStyle/>
+                    <a:p>
+                      <a:pPr algn="l" rtl="0" fontAlgn="ctr"/>
+                      <a:r>
+                        <a:rPr lang="de-DE" sz="1800" b="1" i="0" u="none" strike="noStrike" dirty="0">
+                          <a:solidFill>
+                            <a:srgbClr val="FFFFFF"/>
+                          </a:solidFill>
+                          <a:effectLst/>
+                          <a:latin typeface="Calibri" panose="020F0502020204030204" pitchFamily="34" charset="0"/>
+                        </a:rPr>
+                        <a:t>Aspekt</a:t>
+                      </a:r>
+                    </a:p>
+                  </a:txBody>
+                  <a:tcPr marL="9525" marR="9525" marT="9525" marB="0" anchor="ctr"/>
+                </a:tc>
+                <a:tc>
+                  <a:txBody>
+                    <a:bodyPr/>
+                    <a:lstStyle/>
+                    <a:p>
+                      <a:pPr algn="l" rtl="0" fontAlgn="ctr"/>
+                      <a:r>
+                        <a:rPr lang="de-DE" sz="1800" b="1" i="0" u="none" strike="noStrike">
+                          <a:solidFill>
+                            <a:srgbClr val="FFFFFF"/>
+                          </a:solidFill>
+                          <a:effectLst/>
+                          <a:latin typeface="Calibri" panose="020F0502020204030204" pitchFamily="34" charset="0"/>
+                        </a:rPr>
+                        <a:t>Faktor</a:t>
+                      </a:r>
+                    </a:p>
+                  </a:txBody>
+                  <a:tcPr marL="9525" marR="9525" marT="9525" marB="0" anchor="ctr"/>
+                </a:tc>
+                <a:tc>
+                  <a:txBody>
+                    <a:bodyPr/>
+                    <a:lstStyle/>
+                    <a:p>
+                      <a:pPr algn="l" rtl="0" fontAlgn="ctr"/>
+                      <a:r>
+                        <a:rPr lang="de-DE" sz="1800" b="1" i="0" u="none" strike="noStrike">
+                          <a:solidFill>
+                            <a:srgbClr val="FFFFFF"/>
+                          </a:solidFill>
+                          <a:effectLst/>
+                          <a:latin typeface="Calibri" panose="020F0502020204030204" pitchFamily="34" charset="0"/>
+                        </a:rPr>
+                        <a:t>Altes Verfahren</a:t>
+                      </a:r>
+                    </a:p>
+                  </a:txBody>
+                  <a:tcPr marL="9525" marR="9525" marT="9525" marB="0" anchor="ctr"/>
+                </a:tc>
+                <a:tc>
+                  <a:txBody>
+                    <a:bodyPr/>
+                    <a:lstStyle/>
+                    <a:p>
+                      <a:pPr algn="l" rtl="0" fontAlgn="ctr"/>
+                      <a:r>
+                        <a:rPr lang="de-DE" sz="1800" b="1" i="0" u="none" strike="noStrike" dirty="0" err="1">
+                          <a:solidFill>
+                            <a:srgbClr val="FFFFFF"/>
+                          </a:solidFill>
+                          <a:effectLst/>
+                          <a:latin typeface="Calibri" panose="020F0502020204030204" pitchFamily="34" charset="0"/>
+                        </a:rPr>
+                        <a:t>Qes</a:t>
+                      </a:r>
+                      <a:r>
+                        <a:rPr lang="de-DE" sz="1800" b="1" i="0" u="none" strike="noStrike" dirty="0">
+                          <a:solidFill>
+                            <a:srgbClr val="FFFFFF"/>
+                          </a:solidFill>
+                          <a:effectLst/>
+                          <a:latin typeface="Calibri" panose="020F0502020204030204" pitchFamily="34" charset="0"/>
+                        </a:rPr>
+                        <a:t> Export</a:t>
+                      </a:r>
+                    </a:p>
+                  </a:txBody>
+                  <a:tcPr marL="9525" marR="9525" marT="9525" marB="0" anchor="ctr"/>
+                </a:tc>
+                <a:extLst>
+                  <a:ext uri="{0D108BD9-81ED-4DB2-BD59-A6C34878D82A}">
+                    <a16:rowId xmlns:a16="http://schemas.microsoft.com/office/drawing/2014/main" val="3308381985"/>
+                  </a:ext>
+                </a:extLst>
+              </a:tr>
+              <a:tr h="370840">
+                <a:tc>
+                  <a:txBody>
+                    <a:bodyPr/>
+                    <a:lstStyle/>
+                    <a:p>
+                      <a:pPr algn="l" rtl="0" fontAlgn="ctr"/>
+                      <a:r>
+                        <a:rPr lang="de-DE" sz="1800" b="0" i="0" u="none" strike="noStrike" dirty="0">
+                          <a:solidFill>
+                            <a:srgbClr val="000000"/>
+                          </a:solidFill>
+                          <a:effectLst/>
+                          <a:latin typeface="Calibri" panose="020F0502020204030204" pitchFamily="34" charset="0"/>
+                        </a:rPr>
+                        <a:t>Transparenz</a:t>
+                      </a:r>
+                    </a:p>
+                  </a:txBody>
+                  <a:tcPr marL="9525" marR="9525" marT="9525" marB="0" anchor="ctr"/>
+                </a:tc>
+                <a:tc>
+                  <a:txBody>
+                    <a:bodyPr/>
+                    <a:lstStyle/>
+                    <a:p>
+                      <a:pPr algn="l" rtl="0" fontAlgn="ctr"/>
+                      <a:r>
+                        <a:rPr lang="de-DE" sz="1800" b="0" i="0" u="none" strike="noStrike" dirty="0">
+                          <a:solidFill>
+                            <a:srgbClr val="000000"/>
+                          </a:solidFill>
+                          <a:effectLst/>
+                          <a:latin typeface="Calibri" panose="020F0502020204030204" pitchFamily="34" charset="0"/>
+                        </a:rPr>
+                        <a:t>3</a:t>
+                      </a:r>
+                    </a:p>
+                  </a:txBody>
+                  <a:tcPr marL="9525" marR="9525" marT="9525" marB="0" anchor="ctr"/>
+                </a:tc>
+                <a:tc>
+                  <a:txBody>
+                    <a:bodyPr/>
+                    <a:lstStyle/>
+                    <a:p>
+                      <a:pPr algn="l" rtl="0" fontAlgn="ctr"/>
+                      <a:r>
+                        <a:rPr lang="de-DE" sz="1800" b="0" i="0" u="none" strike="noStrike">
+                          <a:solidFill>
+                            <a:srgbClr val="000000"/>
+                          </a:solidFill>
+                          <a:effectLst/>
+                          <a:latin typeface="Calibri" panose="020F0502020204030204" pitchFamily="34" charset="0"/>
+                        </a:rPr>
+                        <a:t>2</a:t>
+                      </a:r>
+                    </a:p>
+                  </a:txBody>
+                  <a:tcPr marL="9525" marR="9525" marT="9525" marB="0" anchor="ctr"/>
+                </a:tc>
+                <a:tc>
+                  <a:txBody>
+                    <a:bodyPr/>
+                    <a:lstStyle/>
+                    <a:p>
+                      <a:pPr algn="l" rtl="0" fontAlgn="ctr"/>
+                      <a:r>
+                        <a:rPr lang="de-DE" sz="1800" b="0" i="0" u="none" strike="noStrike" dirty="0">
+                          <a:solidFill>
+                            <a:srgbClr val="000000"/>
+                          </a:solidFill>
+                          <a:effectLst/>
+                          <a:latin typeface="Calibri" panose="020F0502020204030204" pitchFamily="34" charset="0"/>
+                        </a:rPr>
+                        <a:t>9</a:t>
+                      </a:r>
+                    </a:p>
+                  </a:txBody>
+                  <a:tcPr marL="9525" marR="9525" marT="9525" marB="0" anchor="ctr"/>
+                </a:tc>
+                <a:extLst>
+                  <a:ext uri="{0D108BD9-81ED-4DB2-BD59-A6C34878D82A}">
+                    <a16:rowId xmlns:a16="http://schemas.microsoft.com/office/drawing/2014/main" val="2332832005"/>
+                  </a:ext>
+                </a:extLst>
+              </a:tr>
+              <a:tr h="370840">
+                <a:tc>
+                  <a:txBody>
+                    <a:bodyPr/>
+                    <a:lstStyle/>
+                    <a:p>
+                      <a:pPr algn="l" rtl="0" fontAlgn="ctr"/>
+                      <a:r>
+                        <a:rPr lang="de-DE" sz="1800" b="0" i="0" u="none" strike="noStrike" dirty="0">
+                          <a:solidFill>
+                            <a:srgbClr val="000000"/>
+                          </a:solidFill>
+                          <a:effectLst/>
+                          <a:latin typeface="Calibri" panose="020F0502020204030204" pitchFamily="34" charset="0"/>
+                        </a:rPr>
+                        <a:t>Nutzbarkeit</a:t>
+                      </a:r>
+                    </a:p>
+                  </a:txBody>
+                  <a:tcPr marL="9525" marR="9525" marT="9525" marB="0" anchor="ctr"/>
+                </a:tc>
+                <a:tc>
+                  <a:txBody>
+                    <a:bodyPr/>
+                    <a:lstStyle/>
+                    <a:p>
+                      <a:pPr algn="l" rtl="0" fontAlgn="ctr"/>
+                      <a:r>
+                        <a:rPr lang="de-DE" sz="1800" b="0" i="0" u="none" strike="noStrike">
+                          <a:solidFill>
+                            <a:srgbClr val="000000"/>
+                          </a:solidFill>
+                          <a:effectLst/>
+                          <a:latin typeface="Calibri" panose="020F0502020204030204" pitchFamily="34" charset="0"/>
+                        </a:rPr>
+                        <a:t>3</a:t>
+                      </a:r>
+                    </a:p>
+                  </a:txBody>
+                  <a:tcPr marL="9525" marR="9525" marT="9525" marB="0" anchor="ctr"/>
+                </a:tc>
+                <a:tc>
+                  <a:txBody>
+                    <a:bodyPr/>
+                    <a:lstStyle/>
+                    <a:p>
+                      <a:pPr algn="l" rtl="0" fontAlgn="ctr"/>
+                      <a:r>
+                        <a:rPr lang="de-DE" sz="1800" b="0" i="0" u="none" strike="noStrike">
+                          <a:solidFill>
+                            <a:srgbClr val="000000"/>
+                          </a:solidFill>
+                          <a:effectLst/>
+                          <a:latin typeface="Calibri" panose="020F0502020204030204" pitchFamily="34" charset="0"/>
+                        </a:rPr>
+                        <a:t>2</a:t>
+                      </a:r>
+                    </a:p>
+                  </a:txBody>
+                  <a:tcPr marL="9525" marR="9525" marT="9525" marB="0" anchor="ctr"/>
+                </a:tc>
+                <a:tc>
+                  <a:txBody>
+                    <a:bodyPr/>
+                    <a:lstStyle/>
+                    <a:p>
+                      <a:pPr algn="l" rtl="0" fontAlgn="ctr"/>
+                      <a:r>
+                        <a:rPr lang="de-DE" sz="1800" b="0" i="0" u="none" strike="noStrike" dirty="0">
+                          <a:solidFill>
+                            <a:srgbClr val="000000"/>
+                          </a:solidFill>
+                          <a:effectLst/>
+                          <a:latin typeface="Calibri" panose="020F0502020204030204" pitchFamily="34" charset="0"/>
+                        </a:rPr>
+                        <a:t>10</a:t>
+                      </a:r>
+                    </a:p>
+                  </a:txBody>
+                  <a:tcPr marL="9525" marR="9525" marT="9525" marB="0" anchor="ctr"/>
+                </a:tc>
+                <a:extLst>
+                  <a:ext uri="{0D108BD9-81ED-4DB2-BD59-A6C34878D82A}">
+                    <a16:rowId xmlns:a16="http://schemas.microsoft.com/office/drawing/2014/main" val="812576843"/>
+                  </a:ext>
+                </a:extLst>
+              </a:tr>
+              <a:tr h="370840">
+                <a:tc>
+                  <a:txBody>
+                    <a:bodyPr/>
+                    <a:lstStyle/>
+                    <a:p>
+                      <a:pPr algn="l" rtl="0" fontAlgn="ctr"/>
+                      <a:r>
+                        <a:rPr lang="de-DE" sz="1800" b="0" i="0" u="none" strike="noStrike" dirty="0">
+                          <a:solidFill>
+                            <a:srgbClr val="000000"/>
+                          </a:solidFill>
+                          <a:effectLst/>
+                          <a:latin typeface="Calibri" panose="020F0502020204030204" pitchFamily="34" charset="0"/>
+                        </a:rPr>
+                        <a:t>Nutzerfreundlichkeit</a:t>
+                      </a:r>
+                    </a:p>
+                  </a:txBody>
+                  <a:tcPr marL="9525" marR="9525" marT="9525" marB="0" anchor="ctr"/>
+                </a:tc>
+                <a:tc>
+                  <a:txBody>
+                    <a:bodyPr/>
+                    <a:lstStyle/>
+                    <a:p>
+                      <a:pPr algn="l" rtl="0" fontAlgn="ctr"/>
+                      <a:r>
+                        <a:rPr lang="de-DE" sz="1800" b="0" i="0" u="none" strike="noStrike" dirty="0">
+                          <a:solidFill>
+                            <a:srgbClr val="000000"/>
+                          </a:solidFill>
+                          <a:effectLst/>
+                          <a:latin typeface="Calibri" panose="020F0502020204030204" pitchFamily="34" charset="0"/>
+                        </a:rPr>
+                        <a:t>2</a:t>
+                      </a:r>
+                    </a:p>
+                  </a:txBody>
+                  <a:tcPr marL="9525" marR="9525" marT="9525" marB="0" anchor="ctr"/>
+                </a:tc>
+                <a:tc>
+                  <a:txBody>
+                    <a:bodyPr/>
+                    <a:lstStyle/>
+                    <a:p>
+                      <a:pPr algn="l" rtl="0" fontAlgn="ctr"/>
+                      <a:r>
+                        <a:rPr lang="de-DE" sz="1800" b="0" i="0" u="none" strike="noStrike" dirty="0">
+                          <a:solidFill>
+                            <a:srgbClr val="000000"/>
+                          </a:solidFill>
+                          <a:effectLst/>
+                          <a:latin typeface="Calibri" panose="020F0502020204030204" pitchFamily="34" charset="0"/>
+                        </a:rPr>
+                        <a:t>5</a:t>
+                      </a:r>
+                    </a:p>
+                  </a:txBody>
+                  <a:tcPr marL="9525" marR="9525" marT="9525" marB="0" anchor="ctr"/>
+                </a:tc>
+                <a:tc>
+                  <a:txBody>
+                    <a:bodyPr/>
+                    <a:lstStyle/>
+                    <a:p>
+                      <a:pPr algn="l" rtl="0" fontAlgn="ctr"/>
+                      <a:r>
+                        <a:rPr lang="de-DE" sz="1800" b="0" i="0" u="none" strike="noStrike" dirty="0">
+                          <a:solidFill>
+                            <a:srgbClr val="000000"/>
+                          </a:solidFill>
+                          <a:effectLst/>
+                          <a:latin typeface="Calibri" panose="020F0502020204030204" pitchFamily="34" charset="0"/>
+                        </a:rPr>
+                        <a:t>4</a:t>
+                      </a:r>
+                    </a:p>
+                  </a:txBody>
+                  <a:tcPr marL="9525" marR="9525" marT="9525" marB="0" anchor="ctr"/>
+                </a:tc>
+                <a:extLst>
+                  <a:ext uri="{0D108BD9-81ED-4DB2-BD59-A6C34878D82A}">
+                    <a16:rowId xmlns:a16="http://schemas.microsoft.com/office/drawing/2014/main" val="1961179902"/>
+                  </a:ext>
+                </a:extLst>
+              </a:tr>
+              <a:tr h="370840">
+                <a:tc>
+                  <a:txBody>
+                    <a:bodyPr/>
+                    <a:lstStyle/>
+                    <a:p>
+                      <a:pPr algn="l" rtl="0" fontAlgn="ctr"/>
+                      <a:r>
+                        <a:rPr lang="de-DE" sz="1800" b="0" i="0" u="none" strike="noStrike" dirty="0">
+                          <a:solidFill>
+                            <a:srgbClr val="000000"/>
+                          </a:solidFill>
+                          <a:effectLst/>
+                          <a:latin typeface="Calibri" panose="020F0502020204030204" pitchFamily="34" charset="0"/>
+                        </a:rPr>
+                        <a:t>Verfügbarkeit</a:t>
+                      </a:r>
+                    </a:p>
+                  </a:txBody>
+                  <a:tcPr marL="9525" marR="9525" marT="9525" marB="0" anchor="ctr"/>
+                </a:tc>
+                <a:tc>
+                  <a:txBody>
+                    <a:bodyPr/>
+                    <a:lstStyle/>
+                    <a:p>
+                      <a:pPr algn="l" rtl="0" fontAlgn="ctr"/>
+                      <a:r>
+                        <a:rPr lang="de-DE" sz="1800" b="0" i="0" u="none" strike="noStrike" dirty="0">
+                          <a:solidFill>
+                            <a:srgbClr val="000000"/>
+                          </a:solidFill>
+                          <a:effectLst/>
+                          <a:latin typeface="Calibri" panose="020F0502020204030204" pitchFamily="34" charset="0"/>
+                        </a:rPr>
+                        <a:t>5</a:t>
+                      </a:r>
+                    </a:p>
+                  </a:txBody>
+                  <a:tcPr marL="9525" marR="9525" marT="9525" marB="0" anchor="ctr"/>
+                </a:tc>
+                <a:tc>
+                  <a:txBody>
+                    <a:bodyPr/>
+                    <a:lstStyle/>
+                    <a:p>
+                      <a:pPr algn="l" rtl="0" fontAlgn="ctr"/>
+                      <a:r>
+                        <a:rPr lang="de-DE" sz="1800" b="0" i="0" u="none" strike="noStrike" dirty="0">
+                          <a:solidFill>
+                            <a:srgbClr val="000000"/>
+                          </a:solidFill>
+                          <a:effectLst/>
+                          <a:latin typeface="Calibri" panose="020F0502020204030204" pitchFamily="34" charset="0"/>
+                        </a:rPr>
+                        <a:t>1</a:t>
+                      </a:r>
+                    </a:p>
+                  </a:txBody>
+                  <a:tcPr marL="9525" marR="9525" marT="9525" marB="0" anchor="ctr"/>
+                </a:tc>
+                <a:tc>
+                  <a:txBody>
+                    <a:bodyPr/>
+                    <a:lstStyle/>
+                    <a:p>
+                      <a:pPr algn="l" rtl="0" fontAlgn="ctr"/>
+                      <a:r>
+                        <a:rPr lang="de-DE" sz="1800" b="0" i="0" u="none" strike="noStrike" dirty="0">
+                          <a:solidFill>
+                            <a:srgbClr val="000000"/>
+                          </a:solidFill>
+                          <a:effectLst/>
+                          <a:latin typeface="Calibri" panose="020F0502020204030204" pitchFamily="34" charset="0"/>
+                        </a:rPr>
+                        <a:t>9</a:t>
+                      </a:r>
+                    </a:p>
+                  </a:txBody>
+                  <a:tcPr marL="9525" marR="9525" marT="9525" marB="0" anchor="ctr"/>
+                </a:tc>
+                <a:extLst>
+                  <a:ext uri="{0D108BD9-81ED-4DB2-BD59-A6C34878D82A}">
+                    <a16:rowId xmlns:a16="http://schemas.microsoft.com/office/drawing/2014/main" val="4094347200"/>
+                  </a:ext>
+                </a:extLst>
+              </a:tr>
+              <a:tr h="370840">
+                <a:tc>
+                  <a:txBody>
+                    <a:bodyPr/>
+                    <a:lstStyle/>
+                    <a:p>
+                      <a:pPr algn="l" rtl="0" fontAlgn="ctr"/>
+                      <a:r>
+                        <a:rPr lang="de-DE" sz="1800" b="0" i="0" u="none" strike="noStrike">
+                          <a:solidFill>
+                            <a:srgbClr val="000000"/>
+                          </a:solidFill>
+                          <a:effectLst/>
+                          <a:latin typeface="Calibri" panose="020F0502020204030204" pitchFamily="34" charset="0"/>
+                        </a:rPr>
+                        <a:t>Summe</a:t>
+                      </a:r>
+                    </a:p>
+                  </a:txBody>
+                  <a:tcPr marL="9525" marR="9525" marT="9525" marB="0" anchor="ctr"/>
+                </a:tc>
+                <a:tc>
+                  <a:txBody>
+                    <a:bodyPr/>
+                    <a:lstStyle/>
+                    <a:p>
+                      <a:pPr algn="l" fontAlgn="t"/>
+                      <a:r>
+                        <a:rPr lang="de-DE" sz="1800" b="0" i="0" u="none" strike="noStrike">
+                          <a:solidFill>
+                            <a:srgbClr val="000000"/>
+                          </a:solidFill>
+                          <a:effectLst/>
+                          <a:latin typeface="Arial" panose="020B0604020202020204" pitchFamily="34" charset="0"/>
+                        </a:rPr>
+                        <a:t> </a:t>
+                      </a:r>
+                    </a:p>
+                  </a:txBody>
+                  <a:tcPr marL="9525" marR="9525" marT="9525" marB="0"/>
+                </a:tc>
+                <a:tc>
+                  <a:txBody>
+                    <a:bodyPr/>
+                    <a:lstStyle/>
+                    <a:p>
+                      <a:pPr algn="l" rtl="0" fontAlgn="ctr"/>
+                      <a:r>
+                        <a:rPr lang="de-DE" sz="1800" b="0" i="0" u="none" strike="noStrike">
+                          <a:solidFill>
+                            <a:srgbClr val="000000"/>
+                          </a:solidFill>
+                          <a:effectLst/>
+                          <a:latin typeface="Calibri" panose="020F0502020204030204" pitchFamily="34" charset="0"/>
+                        </a:rPr>
+                        <a:t>23</a:t>
+                      </a:r>
+                    </a:p>
+                  </a:txBody>
+                  <a:tcPr marL="9525" marR="9525" marT="9525" marB="0" anchor="ctr"/>
+                </a:tc>
+                <a:tc>
+                  <a:txBody>
+                    <a:bodyPr/>
+                    <a:lstStyle/>
+                    <a:p>
+                      <a:pPr algn="l" rtl="0" fontAlgn="ctr"/>
+                      <a:r>
+                        <a:rPr lang="de-DE" sz="1800" b="0" i="0" u="none" strike="noStrike" dirty="0">
+                          <a:solidFill>
+                            <a:srgbClr val="000000"/>
+                          </a:solidFill>
+                          <a:effectLst/>
+                          <a:latin typeface="Calibri" panose="020F0502020204030204" pitchFamily="34" charset="0"/>
+                        </a:rPr>
+                        <a:t>97</a:t>
+                      </a:r>
+                    </a:p>
+                  </a:txBody>
+                  <a:tcPr marL="9525" marR="9525" marT="9525" marB="0" anchor="ctr"/>
+                </a:tc>
+                <a:extLst>
+                  <a:ext uri="{0D108BD9-81ED-4DB2-BD59-A6C34878D82A}">
+                    <a16:rowId xmlns:a16="http://schemas.microsoft.com/office/drawing/2014/main" val="72276465"/>
+                  </a:ext>
+                </a:extLst>
+              </a:tr>
+            </a:tbl>
+          </a:graphicData>
+        </a:graphic>
+      </p:graphicFrame>
     </p:spTree>
     <p:extLst>
       <p:ext uri="{BB962C8B-B14F-4D97-AF65-F5344CB8AC3E}">
-        <p14:creationId xmlns:p14="http://schemas.microsoft.com/office/powerpoint/2010/main" val="1457638166"/>
+        <p14:creationId xmlns:p14="http://schemas.microsoft.com/office/powerpoint/2010/main" val="541094551"/>
       </p:ext>
     </p:extLst>
   </p:cSld>
@@ -19606,19 +21284,6 @@
 </file>
 
 <file path=customXml/item1.xml><?xml version="1.0" encoding="utf-8"?>
-<p:properties xmlns:p="http://schemas.microsoft.com/office/2006/metadata/properties" xmlns:xsi="http://www.w3.org/2001/XMLSchema-instance" xmlns:pc="http://schemas.microsoft.com/office/infopath/2007/PartnerControls">
-  <documentManagement>
-    <Gremium_x0020_intern xmlns="8ec5f598-09a5-4f4d-8ba3-f8504e05b148" xsi:nil="true"/>
-    <_dlc_DocId xmlns="8ec5f598-09a5-4f4d-8ba3-f8504e05b148">GESISDOC-552-21</_dlc_DocId>
-    <_dlc_DocIdUrl xmlns="8ec5f598-09a5-4f4d-8ba3-f8504e05b148">
-      <Url>http://intranet.gesis.intra/pr/Vorlagen/_layouts/15/DocIdRedir.aspx?ID=GESISDOC-552-21</Url>
-      <Description>GESISDOC-552-21</Description>
-    </_dlc_DocIdUrl>
-  </documentManagement>
-</p:properties>
-</file>
-
-<file path=customXml/item2.xml><?xml version="1.0" encoding="utf-8"?>
 <?mso-contentType ?>
 <spe:Receivers xmlns:spe="http://schemas.microsoft.com/sharepoint/events">
   <Receiver>
@@ -19668,7 +21333,29 @@
 </spe:Receivers>
 </file>
 
+<file path=customXml/item2.xml><?xml version="1.0" encoding="utf-8"?>
+<p:properties xmlns:p="http://schemas.microsoft.com/office/2006/metadata/properties" xmlns:xsi="http://www.w3.org/2001/XMLSchema-instance" xmlns:pc="http://schemas.microsoft.com/office/infopath/2007/PartnerControls">
+  <documentManagement>
+    <Gremium_x0020_intern xmlns="8ec5f598-09a5-4f4d-8ba3-f8504e05b148" xsi:nil="true"/>
+    <_dlc_DocId xmlns="8ec5f598-09a5-4f4d-8ba3-f8504e05b148">GESISDOC-552-21</_dlc_DocId>
+    <_dlc_DocIdUrl xmlns="8ec5f598-09a5-4f4d-8ba3-f8504e05b148">
+      <Url>http://intranet.gesis.intra/pr/Vorlagen/_layouts/15/DocIdRedir.aspx?ID=GESISDOC-552-21</Url>
+      <Description>GESISDOC-552-21</Description>
+    </_dlc_DocIdUrl>
+  </documentManagement>
+</p:properties>
+</file>
+
 <file path=customXml/item3.xml><?xml version="1.0" encoding="utf-8"?>
+<?mso-contentType ?>
+<FormTemplates xmlns="http://schemas.microsoft.com/sharepoint/v3/contenttype/forms">
+  <Display>DocumentLibraryForm</Display>
+  <Edit>DocumentLibraryForm</Edit>
+  <New>DocumentLibraryForm</New>
+</FormTemplates>
+</file>
+
+<file path=customXml/item4.xml><?xml version="1.0" encoding="utf-8"?>
 <ct:contentTypeSchema xmlns:ct="http://schemas.microsoft.com/office/2006/metadata/contentType" xmlns:ma="http://schemas.microsoft.com/office/2006/metadata/properties/metaAttributes" ct:_="" ma:_="" ma:contentTypeName="Dokument" ma:contentTypeID="0x010100204F40B82AE1344C92AA2539F9DA2FDA" ma:contentTypeVersion="16" ma:contentTypeDescription="Ein neues Dokument erstellen." ma:contentTypeScope="" ma:versionID="104d8f1f86d5ac4fb0bbf732d0fe5cb2">
   <xsd:schema xmlns:xsd="http://www.w3.org/2001/XMLSchema" xmlns:xs="http://www.w3.org/2001/XMLSchema" xmlns:p="http://schemas.microsoft.com/office/2006/metadata/properties" xmlns:ns2="8ec5f598-09a5-4f4d-8ba3-f8504e05b148" targetNamespace="http://schemas.microsoft.com/office/2006/metadata/properties" ma:root="true" ma:fieldsID="6746b2ef738051857e6d4e1367825187" ns2:_="">
     <xsd:import namespace="8ec5f598-09a5-4f4d-8ba3-f8504e05b148"/>
@@ -19822,16 +21509,15 @@
 </ct:contentTypeSchema>
 </file>
 
-<file path=customXml/item4.xml><?xml version="1.0" encoding="utf-8"?>
-<?mso-contentType ?>
-<FormTemplates xmlns="http://schemas.microsoft.com/sharepoint/v3/contenttype/forms">
-  <Display>DocumentLibraryForm</Display>
-  <Edit>DocumentLibraryForm</Edit>
-  <New>DocumentLibraryForm</New>
-</FormTemplates>
+<file path=customXml/itemProps1.xml><?xml version="1.0" encoding="utf-8"?>
+<ds:datastoreItem xmlns:ds="http://schemas.openxmlformats.org/officeDocument/2006/customXml" ds:itemID="{226F3FF9-422F-45E0-A6AB-77F6EE6152F9}">
+  <ds:schemaRefs>
+    <ds:schemaRef ds:uri="http://schemas.microsoft.com/sharepoint/events"/>
+  </ds:schemaRefs>
+</ds:datastoreItem>
 </file>
 
-<file path=customXml/itemProps1.xml><?xml version="1.0" encoding="utf-8"?>
+<file path=customXml/itemProps2.xml><?xml version="1.0" encoding="utf-8"?>
 <ds:datastoreItem xmlns:ds="http://schemas.openxmlformats.org/officeDocument/2006/customXml" ds:itemID="{86D38C2E-02CC-42D3-9E17-44C09712BF5F}">
   <ds:schemaRefs>
     <ds:schemaRef ds:uri="http://purl.org/dc/dcmitype/"/>
@@ -19847,15 +21533,15 @@
 </ds:datastoreItem>
 </file>
 
-<file path=customXml/itemProps2.xml><?xml version="1.0" encoding="utf-8"?>
-<ds:datastoreItem xmlns:ds="http://schemas.openxmlformats.org/officeDocument/2006/customXml" ds:itemID="{226F3FF9-422F-45E0-A6AB-77F6EE6152F9}">
+<file path=customXml/itemProps3.xml><?xml version="1.0" encoding="utf-8"?>
+<ds:datastoreItem xmlns:ds="http://schemas.openxmlformats.org/officeDocument/2006/customXml" ds:itemID="{B662B3C9-84D1-44B4-980A-A658A0349369}">
   <ds:schemaRefs>
-    <ds:schemaRef ds:uri="http://schemas.microsoft.com/sharepoint/events"/>
+    <ds:schemaRef ds:uri="http://schemas.microsoft.com/sharepoint/v3/contenttype/forms"/>
   </ds:schemaRefs>
 </ds:datastoreItem>
 </file>
 
-<file path=customXml/itemProps3.xml><?xml version="1.0" encoding="utf-8"?>
+<file path=customXml/itemProps4.xml><?xml version="1.0" encoding="utf-8"?>
 <ds:datastoreItem xmlns:ds="http://schemas.openxmlformats.org/officeDocument/2006/customXml" ds:itemID="{730C16CC-765D-45A1-A48A-7EE955B6CBC3}">
   <ds:schemaRefs>
     <ds:schemaRef ds:uri="http://schemas.microsoft.com/office/2006/metadata/contentType"/>
@@ -19871,12 +21557,4 @@
     <ds:schemaRef ds:uri="http://schemas.microsoft.com/internal/obd"/>
   </ds:schemaRefs>
 </ds:datastoreItem>
-</file>
-
-<file path=customXml/itemProps4.xml><?xml version="1.0" encoding="utf-8"?>
-<ds:datastoreItem xmlns:ds="http://schemas.openxmlformats.org/officeDocument/2006/customXml" ds:itemID="{B662B3C9-84D1-44B4-980A-A658A0349369}">
-  <ds:schemaRefs>
-    <ds:schemaRef ds:uri="http://schemas.microsoft.com/sharepoint/v3/contenttype/forms"/>
-  </ds:schemaRefs>
-</ds:datastoreItem>
 </file>
--- a/DOC/Fachgespraech.pptx
+++ b/DOC/Fachgespraech.pptx
@@ -17479,7 +17479,7 @@
               <a:rPr lang="de-DE" altLang="de-DE" sz="2000" b="1" dirty="0">
                 <a:latin typeface="Rotis SemiSans Pro" pitchFamily="50" charset="0"/>
               </a:rPr>
-              <a:t>Problemstellung - Personalplanung</a:t>
+              <a:t>QES - Architektur</a:t>
             </a:r>
           </a:p>
         </p:txBody>
@@ -17494,6 +17494,59 @@
           <a:xfrm>
             <a:off x="128588" y="2348880"/>
             <a:ext cx="2081212" cy="328613"/>
+          </a:xfrm>
+          <a:prstGeom prst="rect">
+            <a:avLst/>
+          </a:prstGeom>
+          <a:ln>
+            <a:solidFill>
+              <a:schemeClr val="accent3"/>
+            </a:solidFill>
+          </a:ln>
+        </p:spPr>
+        <p:style>
+          <a:lnRef idx="2">
+            <a:schemeClr val="accent3"/>
+          </a:lnRef>
+          <a:fillRef idx="1">
+            <a:schemeClr val="lt1"/>
+          </a:fillRef>
+          <a:effectRef idx="0">
+            <a:schemeClr val="accent3"/>
+          </a:effectRef>
+          <a:fontRef idx="minor">
+            <a:schemeClr val="dk1"/>
+          </a:fontRef>
+        </p:style>
+        <p:txBody>
+          <a:bodyPr anchor="ctr"/>
+          <a:lstStyle/>
+          <a:p>
+            <a:pPr algn="ctr">
+              <a:defRPr/>
+            </a:pPr>
+            <a:r>
+              <a:rPr lang="de-DE" sz="1200" b="1" dirty="0">
+                <a:latin typeface="Rotis SemiSans Pro" pitchFamily="50" charset="0"/>
+              </a:rPr>
+              <a:t>QES</a:t>
+            </a:r>
+            <a:endParaRPr lang="de-DE" sz="1100" b="1" dirty="0">
+              <a:latin typeface="Rotis SemiSans Pro" pitchFamily="50" charset="0"/>
+            </a:endParaRPr>
+          </a:p>
+        </p:txBody>
+      </p:sp>
+      <p:sp>
+        <p:nvSpPr>
+          <p:cNvPr id="17" name="Rechteck 16"/>
+          <p:cNvSpPr/>
+          <p:nvPr/>
+        </p:nvSpPr>
+        <p:spPr>
+          <a:xfrm>
+            <a:off x="128588" y="1916832"/>
+            <a:ext cx="2081212" cy="327025"/>
           </a:xfrm>
           <a:prstGeom prst="rect">
             <a:avLst/>
@@ -17525,65 +17578,12 @@
           <a:lstStyle/>
           <a:p>
             <a:pPr algn="ctr">
-              <a:defRPr/>
-            </a:pPr>
-            <a:r>
-              <a:rPr lang="de-DE" sz="1200" dirty="0">
-                <a:latin typeface="Rotis SemiSans Pro" pitchFamily="50" charset="0"/>
-              </a:rPr>
-              <a:t>QES</a:t>
-            </a:r>
-            <a:endParaRPr lang="de-DE" sz="1100" dirty="0">
-              <a:latin typeface="Rotis SemiSans Pro" pitchFamily="50" charset="0"/>
-            </a:endParaRPr>
-          </a:p>
-        </p:txBody>
-      </p:sp>
-      <p:sp>
-        <p:nvSpPr>
-          <p:cNvPr id="17" name="Rechteck 16"/>
-          <p:cNvSpPr/>
-          <p:nvPr/>
-        </p:nvSpPr>
-        <p:spPr>
-          <a:xfrm>
-            <a:off x="128588" y="1916832"/>
-            <a:ext cx="2081212" cy="327025"/>
-          </a:xfrm>
-          <a:prstGeom prst="rect">
-            <a:avLst/>
-          </a:prstGeom>
-          <a:ln>
-            <a:solidFill>
-              <a:schemeClr val="accent3"/>
-            </a:solidFill>
-          </a:ln>
-        </p:spPr>
-        <p:style>
-          <a:lnRef idx="2">
-            <a:schemeClr val="accent3"/>
-          </a:lnRef>
-          <a:fillRef idx="1">
-            <a:schemeClr val="lt1"/>
-          </a:fillRef>
-          <a:effectRef idx="0">
-            <a:schemeClr val="accent3"/>
-          </a:effectRef>
-          <a:fontRef idx="minor">
-            <a:schemeClr val="dk1"/>
-          </a:fontRef>
-        </p:style>
-        <p:txBody>
-          <a:bodyPr anchor="ctr"/>
-          <a:lstStyle/>
-          <a:p>
-            <a:pPr algn="ctr">
               <a:buFont typeface="Arial" charset="0"/>
               <a:buNone/>
               <a:defRPr/>
             </a:pPr>
             <a:r>
-              <a:rPr lang="de-DE" altLang="de-DE" sz="1200" b="1" dirty="0">
+              <a:rPr lang="de-DE" altLang="de-DE" sz="1200" dirty="0">
                 <a:latin typeface="Rotis SemiSans Pro" pitchFamily="50" charset="0"/>
               </a:rPr>
               <a:t>Problemstellung</a:t>
@@ -17648,36 +17648,840 @@
           </a:p>
         </p:txBody>
       </p:sp>
-      <p:pic>
-        <p:nvPicPr>
-          <p:cNvPr id="16" name="Picture 15">
+      <p:sp>
+        <p:nvSpPr>
+          <p:cNvPr id="13" name="Rechteck 21">
             <a:extLst>
               <a:ext uri="{FF2B5EF4-FFF2-40B4-BE49-F238E27FC236}">
-                <a16:creationId xmlns:a16="http://schemas.microsoft.com/office/drawing/2014/main" id="{B6D7CA0A-E201-9E4F-A818-73C9FC4C7AE6}"/>
+                <a16:creationId xmlns:a16="http://schemas.microsoft.com/office/drawing/2014/main" id="{0943C716-672F-1449-AF61-64239A03538E}"/>
               </a:ext>
             </a:extLst>
           </p:cNvPr>
-          <p:cNvPicPr>
-            <a:picLocks noChangeAspect="1"/>
-          </p:cNvPicPr>
+          <p:cNvSpPr/>
           <p:nvPr/>
-        </p:nvPicPr>
-        <p:blipFill>
-          <a:blip r:embed="rId3"/>
-          <a:stretch>
-            <a:fillRect/>
-          </a:stretch>
-        </p:blipFill>
+        </p:nvSpPr>
         <p:spPr>
           <a:xfrm>
-            <a:off x="2555776" y="1380779"/>
-            <a:ext cx="6458040" cy="4572924"/>
+            <a:off x="2600670" y="1452376"/>
+            <a:ext cx="2081212" cy="328613"/>
           </a:xfrm>
           <a:prstGeom prst="rect">
             <a:avLst/>
           </a:prstGeom>
+          <a:ln>
+            <a:solidFill>
+              <a:schemeClr val="accent3"/>
+            </a:solidFill>
+          </a:ln>
         </p:spPr>
-      </p:pic>
+        <p:style>
+          <a:lnRef idx="2">
+            <a:schemeClr val="accent1"/>
+          </a:lnRef>
+          <a:fillRef idx="1">
+            <a:schemeClr val="lt1"/>
+          </a:fillRef>
+          <a:effectRef idx="0">
+            <a:schemeClr val="accent1"/>
+          </a:effectRef>
+          <a:fontRef idx="minor">
+            <a:schemeClr val="dk1"/>
+          </a:fontRef>
+        </p:style>
+        <p:txBody>
+          <a:bodyPr anchor="ctr"/>
+          <a:lstStyle/>
+          <a:p>
+            <a:pPr algn="ctr">
+              <a:defRPr/>
+            </a:pPr>
+            <a:r>
+              <a:rPr lang="de-DE" sz="1600" b="1" dirty="0">
+                <a:latin typeface="Rotis SemiSans Pro" pitchFamily="50" charset="0"/>
+              </a:rPr>
+              <a:t>QES</a:t>
+            </a:r>
+            <a:endParaRPr lang="de-DE" sz="2000" b="1" dirty="0">
+              <a:latin typeface="Rotis SemiSans Pro" pitchFamily="50" charset="0"/>
+            </a:endParaRPr>
+          </a:p>
+        </p:txBody>
+      </p:sp>
+      <p:sp>
+        <p:nvSpPr>
+          <p:cNvPr id="14" name="Rechteck 14">
+            <a:extLst>
+              <a:ext uri="{FF2B5EF4-FFF2-40B4-BE49-F238E27FC236}">
+                <a16:creationId xmlns:a16="http://schemas.microsoft.com/office/drawing/2014/main" id="{D65AF4F0-1728-6E4D-A23D-358679F018BD}"/>
+              </a:ext>
+            </a:extLst>
+          </p:cNvPr>
+          <p:cNvSpPr/>
+          <p:nvPr/>
+        </p:nvSpPr>
+        <p:spPr>
+          <a:xfrm>
+            <a:off x="2600670" y="2748520"/>
+            <a:ext cx="2081212" cy="328613"/>
+          </a:xfrm>
+          <a:prstGeom prst="rect">
+            <a:avLst/>
+          </a:prstGeom>
+          <a:ln>
+            <a:solidFill>
+              <a:schemeClr val="bg2">
+                <a:lumMod val="90000"/>
+              </a:schemeClr>
+            </a:solidFill>
+          </a:ln>
+        </p:spPr>
+        <p:style>
+          <a:lnRef idx="2">
+            <a:schemeClr val="accent3"/>
+          </a:lnRef>
+          <a:fillRef idx="1">
+            <a:schemeClr val="lt1"/>
+          </a:fillRef>
+          <a:effectRef idx="0">
+            <a:schemeClr val="accent3"/>
+          </a:effectRef>
+          <a:fontRef idx="minor">
+            <a:schemeClr val="dk1"/>
+          </a:fontRef>
+        </p:style>
+        <p:txBody>
+          <a:bodyPr anchor="ctr"/>
+          <a:lstStyle/>
+          <a:p>
+            <a:pPr algn="ctr">
+              <a:defRPr/>
+            </a:pPr>
+            <a:r>
+              <a:rPr lang="de-DE" sz="1200" dirty="0">
+                <a:latin typeface="Rotis SemiSans Pro" pitchFamily="50" charset="0"/>
+              </a:rPr>
+              <a:t>Ubuntu</a:t>
+            </a:r>
+            <a:endParaRPr lang="de-DE" sz="1100" dirty="0">
+              <a:latin typeface="Rotis SemiSans Pro" pitchFamily="50" charset="0"/>
+            </a:endParaRPr>
+          </a:p>
+        </p:txBody>
+      </p:sp>
+      <p:sp>
+        <p:nvSpPr>
+          <p:cNvPr id="19" name="Rechteck 16">
+            <a:extLst>
+              <a:ext uri="{FF2B5EF4-FFF2-40B4-BE49-F238E27FC236}">
+                <a16:creationId xmlns:a16="http://schemas.microsoft.com/office/drawing/2014/main" id="{7F0802F7-918E-3141-BB71-69A65F1BD4A0}"/>
+              </a:ext>
+            </a:extLst>
+          </p:cNvPr>
+          <p:cNvSpPr/>
+          <p:nvPr/>
+        </p:nvSpPr>
+        <p:spPr>
+          <a:xfrm>
+            <a:off x="2600670" y="2316472"/>
+            <a:ext cx="2081212" cy="327025"/>
+          </a:xfrm>
+          <a:prstGeom prst="rect">
+            <a:avLst/>
+          </a:prstGeom>
+          <a:ln>
+            <a:solidFill>
+              <a:schemeClr val="bg2">
+                <a:lumMod val="90000"/>
+              </a:schemeClr>
+            </a:solidFill>
+          </a:ln>
+        </p:spPr>
+        <p:style>
+          <a:lnRef idx="2">
+            <a:schemeClr val="accent3"/>
+          </a:lnRef>
+          <a:fillRef idx="1">
+            <a:schemeClr val="lt1"/>
+          </a:fillRef>
+          <a:effectRef idx="0">
+            <a:schemeClr val="accent3"/>
+          </a:effectRef>
+          <a:fontRef idx="minor">
+            <a:schemeClr val="dk1"/>
+          </a:fontRef>
+        </p:style>
+        <p:txBody>
+          <a:bodyPr anchor="ctr"/>
+          <a:lstStyle/>
+          <a:p>
+            <a:pPr algn="ctr">
+              <a:buFont typeface="Arial" charset="0"/>
+              <a:buNone/>
+              <a:defRPr/>
+            </a:pPr>
+            <a:r>
+              <a:rPr lang="de-DE" altLang="de-DE" sz="1200" dirty="0">
+                <a:latin typeface="Rotis SemiSans Pro" pitchFamily="50" charset="0"/>
+              </a:rPr>
+              <a:t>Apache2</a:t>
+            </a:r>
+          </a:p>
+        </p:txBody>
+      </p:sp>
+      <p:sp>
+        <p:nvSpPr>
+          <p:cNvPr id="20" name="Rechteck 17">
+            <a:extLst>
+              <a:ext uri="{FF2B5EF4-FFF2-40B4-BE49-F238E27FC236}">
+                <a16:creationId xmlns:a16="http://schemas.microsoft.com/office/drawing/2014/main" id="{FE9276FB-0D0F-BC46-B90F-E1015226E535}"/>
+              </a:ext>
+            </a:extLst>
+          </p:cNvPr>
+          <p:cNvSpPr/>
+          <p:nvPr/>
+        </p:nvSpPr>
+        <p:spPr>
+          <a:xfrm>
+            <a:off x="2600670" y="1884424"/>
+            <a:ext cx="2081212" cy="328613"/>
+          </a:xfrm>
+          <a:prstGeom prst="rect">
+            <a:avLst/>
+          </a:prstGeom>
+          <a:ln>
+            <a:solidFill>
+              <a:schemeClr val="bg2">
+                <a:lumMod val="90000"/>
+              </a:schemeClr>
+            </a:solidFill>
+          </a:ln>
+        </p:spPr>
+        <p:style>
+          <a:lnRef idx="2">
+            <a:schemeClr val="accent3"/>
+          </a:lnRef>
+          <a:fillRef idx="1">
+            <a:schemeClr val="lt1"/>
+          </a:fillRef>
+          <a:effectRef idx="0">
+            <a:schemeClr val="accent3"/>
+          </a:effectRef>
+          <a:fontRef idx="minor">
+            <a:schemeClr val="dk1"/>
+          </a:fontRef>
+        </p:style>
+        <p:txBody>
+          <a:bodyPr anchor="ctr"/>
+          <a:lstStyle/>
+          <a:p>
+            <a:pPr algn="ctr">
+              <a:buFont typeface="Arial" charset="0"/>
+              <a:buNone/>
+              <a:defRPr/>
+            </a:pPr>
+            <a:r>
+              <a:rPr lang="de-DE" sz="1200" dirty="0">
+                <a:latin typeface="Rotis SemiSans Pro" pitchFamily="50" charset="0"/>
+              </a:rPr>
+              <a:t>Laravel</a:t>
+            </a:r>
+            <a:endParaRPr lang="de-DE" altLang="de-DE" sz="1200" dirty="0">
+              <a:latin typeface="Rotis SemiSans Pro" pitchFamily="50" charset="0"/>
+            </a:endParaRPr>
+          </a:p>
+        </p:txBody>
+      </p:sp>
+      <p:sp>
+        <p:nvSpPr>
+          <p:cNvPr id="21" name="Rechteck 21">
+            <a:extLst>
+              <a:ext uri="{FF2B5EF4-FFF2-40B4-BE49-F238E27FC236}">
+                <a16:creationId xmlns:a16="http://schemas.microsoft.com/office/drawing/2014/main" id="{FE9A22F2-E08B-0D49-ADE6-DDD3EA17E896}"/>
+              </a:ext>
+            </a:extLst>
+          </p:cNvPr>
+          <p:cNvSpPr/>
+          <p:nvPr/>
+        </p:nvSpPr>
+        <p:spPr>
+          <a:xfrm>
+            <a:off x="5480990" y="1452376"/>
+            <a:ext cx="2081212" cy="328613"/>
+          </a:xfrm>
+          <a:prstGeom prst="rect">
+            <a:avLst/>
+          </a:prstGeom>
+          <a:ln>
+            <a:solidFill>
+              <a:schemeClr val="accent3"/>
+            </a:solidFill>
+          </a:ln>
+        </p:spPr>
+        <p:style>
+          <a:lnRef idx="2">
+            <a:schemeClr val="accent1"/>
+          </a:lnRef>
+          <a:fillRef idx="1">
+            <a:schemeClr val="lt1"/>
+          </a:fillRef>
+          <a:effectRef idx="0">
+            <a:schemeClr val="accent1"/>
+          </a:effectRef>
+          <a:fontRef idx="minor">
+            <a:schemeClr val="dk1"/>
+          </a:fontRef>
+        </p:style>
+        <p:txBody>
+          <a:bodyPr anchor="ctr"/>
+          <a:lstStyle/>
+          <a:p>
+            <a:pPr algn="ctr">
+              <a:defRPr/>
+            </a:pPr>
+            <a:r>
+              <a:rPr lang="de-DE" sz="1600" b="1" dirty="0">
+                <a:latin typeface="Rotis SemiSans Pro" pitchFamily="50" charset="0"/>
+              </a:rPr>
+              <a:t>Anwendung</a:t>
+            </a:r>
+            <a:endParaRPr lang="de-DE" sz="2000" b="1" dirty="0">
+              <a:latin typeface="Rotis SemiSans Pro" pitchFamily="50" charset="0"/>
+            </a:endParaRPr>
+          </a:p>
+        </p:txBody>
+      </p:sp>
+      <p:sp>
+        <p:nvSpPr>
+          <p:cNvPr id="25" name="Rechteck 14">
+            <a:extLst>
+              <a:ext uri="{FF2B5EF4-FFF2-40B4-BE49-F238E27FC236}">
+                <a16:creationId xmlns:a16="http://schemas.microsoft.com/office/drawing/2014/main" id="{F5565407-A520-C647-8C33-4CBB07C6C5F2}"/>
+              </a:ext>
+            </a:extLst>
+          </p:cNvPr>
+          <p:cNvSpPr/>
+          <p:nvPr/>
+        </p:nvSpPr>
+        <p:spPr>
+          <a:xfrm>
+            <a:off x="5480990" y="2748520"/>
+            <a:ext cx="2081212" cy="328613"/>
+          </a:xfrm>
+          <a:prstGeom prst="rect">
+            <a:avLst/>
+          </a:prstGeom>
+          <a:ln>
+            <a:solidFill>
+              <a:schemeClr val="bg2">
+                <a:lumMod val="90000"/>
+              </a:schemeClr>
+            </a:solidFill>
+          </a:ln>
+        </p:spPr>
+        <p:style>
+          <a:lnRef idx="2">
+            <a:schemeClr val="accent3"/>
+          </a:lnRef>
+          <a:fillRef idx="1">
+            <a:schemeClr val="lt1"/>
+          </a:fillRef>
+          <a:effectRef idx="0">
+            <a:schemeClr val="accent3"/>
+          </a:effectRef>
+          <a:fontRef idx="minor">
+            <a:schemeClr val="dk1"/>
+          </a:fontRef>
+        </p:style>
+        <p:txBody>
+          <a:bodyPr anchor="ctr"/>
+          <a:lstStyle/>
+          <a:p>
+            <a:pPr algn="ctr">
+              <a:defRPr/>
+            </a:pPr>
+            <a:r>
+              <a:rPr lang="de-DE" sz="1200" dirty="0">
+                <a:latin typeface="Rotis SemiSans Pro" pitchFamily="50" charset="0"/>
+              </a:rPr>
+              <a:t>Betriebssystem</a:t>
+            </a:r>
+            <a:endParaRPr lang="de-DE" sz="1100" dirty="0">
+              <a:latin typeface="Rotis SemiSans Pro" pitchFamily="50" charset="0"/>
+            </a:endParaRPr>
+          </a:p>
+        </p:txBody>
+      </p:sp>
+      <p:sp>
+        <p:nvSpPr>
+          <p:cNvPr id="28" name="Rechteck 16">
+            <a:extLst>
+              <a:ext uri="{FF2B5EF4-FFF2-40B4-BE49-F238E27FC236}">
+                <a16:creationId xmlns:a16="http://schemas.microsoft.com/office/drawing/2014/main" id="{37505099-0ED0-6C48-9BAE-FEE36CF04300}"/>
+              </a:ext>
+            </a:extLst>
+          </p:cNvPr>
+          <p:cNvSpPr/>
+          <p:nvPr/>
+        </p:nvSpPr>
+        <p:spPr>
+          <a:xfrm>
+            <a:off x="5480990" y="2316472"/>
+            <a:ext cx="2081212" cy="327025"/>
+          </a:xfrm>
+          <a:prstGeom prst="rect">
+            <a:avLst/>
+          </a:prstGeom>
+          <a:ln>
+            <a:solidFill>
+              <a:schemeClr val="bg2">
+                <a:lumMod val="90000"/>
+              </a:schemeClr>
+            </a:solidFill>
+          </a:ln>
+        </p:spPr>
+        <p:style>
+          <a:lnRef idx="2">
+            <a:schemeClr val="accent3"/>
+          </a:lnRef>
+          <a:fillRef idx="1">
+            <a:schemeClr val="lt1"/>
+          </a:fillRef>
+          <a:effectRef idx="0">
+            <a:schemeClr val="accent3"/>
+          </a:effectRef>
+          <a:fontRef idx="minor">
+            <a:schemeClr val="dk1"/>
+          </a:fontRef>
+        </p:style>
+        <p:txBody>
+          <a:bodyPr anchor="ctr"/>
+          <a:lstStyle/>
+          <a:p>
+            <a:pPr algn="ctr">
+              <a:buFont typeface="Arial" charset="0"/>
+              <a:buNone/>
+              <a:defRPr/>
+            </a:pPr>
+            <a:r>
+              <a:rPr lang="de-DE" altLang="de-DE" sz="1200" dirty="0">
+                <a:latin typeface="Rotis SemiSans Pro" pitchFamily="50" charset="0"/>
+              </a:rPr>
+              <a:t>Webserver</a:t>
+            </a:r>
+          </a:p>
+        </p:txBody>
+      </p:sp>
+      <p:sp>
+        <p:nvSpPr>
+          <p:cNvPr id="29" name="Rechteck 17">
+            <a:extLst>
+              <a:ext uri="{FF2B5EF4-FFF2-40B4-BE49-F238E27FC236}">
+                <a16:creationId xmlns:a16="http://schemas.microsoft.com/office/drawing/2014/main" id="{3716A67E-BBB1-0141-B80B-3F5D5F0E0401}"/>
+              </a:ext>
+            </a:extLst>
+          </p:cNvPr>
+          <p:cNvSpPr/>
+          <p:nvPr/>
+        </p:nvSpPr>
+        <p:spPr>
+          <a:xfrm>
+            <a:off x="5480990" y="1884424"/>
+            <a:ext cx="2081212" cy="328613"/>
+          </a:xfrm>
+          <a:prstGeom prst="rect">
+            <a:avLst/>
+          </a:prstGeom>
+          <a:ln>
+            <a:solidFill>
+              <a:schemeClr val="bg2">
+                <a:lumMod val="90000"/>
+              </a:schemeClr>
+            </a:solidFill>
+          </a:ln>
+        </p:spPr>
+        <p:style>
+          <a:lnRef idx="2">
+            <a:schemeClr val="accent3"/>
+          </a:lnRef>
+          <a:fillRef idx="1">
+            <a:schemeClr val="lt1"/>
+          </a:fillRef>
+          <a:effectRef idx="0">
+            <a:schemeClr val="accent3"/>
+          </a:effectRef>
+          <a:fontRef idx="minor">
+            <a:schemeClr val="dk1"/>
+          </a:fontRef>
+        </p:style>
+        <p:txBody>
+          <a:bodyPr anchor="ctr"/>
+          <a:lstStyle/>
+          <a:p>
+            <a:pPr algn="ctr">
+              <a:buFont typeface="Arial" charset="0"/>
+              <a:buNone/>
+              <a:defRPr/>
+            </a:pPr>
+            <a:r>
+              <a:rPr lang="de-DE" sz="1200" dirty="0">
+                <a:latin typeface="Rotis SemiSans Pro" pitchFamily="50" charset="0"/>
+              </a:rPr>
+              <a:t>Framework</a:t>
+            </a:r>
+            <a:endParaRPr lang="de-DE" altLang="de-DE" sz="1200" dirty="0">
+              <a:latin typeface="Rotis SemiSans Pro" pitchFamily="50" charset="0"/>
+            </a:endParaRPr>
+          </a:p>
+        </p:txBody>
+      </p:sp>
+      <p:cxnSp>
+        <p:nvCxnSpPr>
+          <p:cNvPr id="3" name="Straight Arrow Connector 2">
+            <a:extLst>
+              <a:ext uri="{FF2B5EF4-FFF2-40B4-BE49-F238E27FC236}">
+                <a16:creationId xmlns:a16="http://schemas.microsoft.com/office/drawing/2014/main" id="{CF3B8A8E-1D0D-D34C-9241-AA2D7471304A}"/>
+              </a:ext>
+            </a:extLst>
+          </p:cNvPr>
+          <p:cNvCxnSpPr>
+            <a:stCxn id="13" idx="3"/>
+            <a:endCxn id="21" idx="1"/>
+          </p:cNvCxnSpPr>
+          <p:nvPr/>
+        </p:nvCxnSpPr>
+        <p:spPr>
+          <a:xfrm>
+            <a:off x="4681882" y="1616683"/>
+            <a:ext cx="799108" cy="0"/>
+          </a:xfrm>
+          <a:prstGeom prst="straightConnector1">
+            <a:avLst/>
+          </a:prstGeom>
+          <a:ln>
+            <a:tailEnd type="triangle"/>
+          </a:ln>
+        </p:spPr>
+        <p:style>
+          <a:lnRef idx="1">
+            <a:schemeClr val="accent1"/>
+          </a:lnRef>
+          <a:fillRef idx="0">
+            <a:schemeClr val="accent1"/>
+          </a:fillRef>
+          <a:effectRef idx="0">
+            <a:schemeClr val="accent1"/>
+          </a:effectRef>
+          <a:fontRef idx="minor">
+            <a:schemeClr val="tx1"/>
+          </a:fontRef>
+        </p:style>
+      </p:cxnSp>
+      <p:cxnSp>
+        <p:nvCxnSpPr>
+          <p:cNvPr id="32" name="Straight Arrow Connector 31">
+            <a:extLst>
+              <a:ext uri="{FF2B5EF4-FFF2-40B4-BE49-F238E27FC236}">
+                <a16:creationId xmlns:a16="http://schemas.microsoft.com/office/drawing/2014/main" id="{7BE42202-1778-5F4D-AED6-AA45ABDC7AC0}"/>
+              </a:ext>
+            </a:extLst>
+          </p:cNvPr>
+          <p:cNvCxnSpPr>
+            <a:cxnSpLocks/>
+            <a:stCxn id="20" idx="3"/>
+            <a:endCxn id="29" idx="1"/>
+          </p:cNvCxnSpPr>
+          <p:nvPr/>
+        </p:nvCxnSpPr>
+        <p:spPr>
+          <a:xfrm>
+            <a:off x="4681882" y="2048731"/>
+            <a:ext cx="799108" cy="0"/>
+          </a:xfrm>
+          <a:prstGeom prst="straightConnector1">
+            <a:avLst/>
+          </a:prstGeom>
+          <a:ln>
+            <a:tailEnd type="triangle"/>
+          </a:ln>
+        </p:spPr>
+        <p:style>
+          <a:lnRef idx="1">
+            <a:schemeClr val="accent1"/>
+          </a:lnRef>
+          <a:fillRef idx="0">
+            <a:schemeClr val="accent1"/>
+          </a:fillRef>
+          <a:effectRef idx="0">
+            <a:schemeClr val="accent1"/>
+          </a:effectRef>
+          <a:fontRef idx="minor">
+            <a:schemeClr val="tx1"/>
+          </a:fontRef>
+        </p:style>
+      </p:cxnSp>
+      <p:cxnSp>
+        <p:nvCxnSpPr>
+          <p:cNvPr id="33" name="Straight Arrow Connector 32">
+            <a:extLst>
+              <a:ext uri="{FF2B5EF4-FFF2-40B4-BE49-F238E27FC236}">
+                <a16:creationId xmlns:a16="http://schemas.microsoft.com/office/drawing/2014/main" id="{24206528-FD51-9940-9818-E737D95F9BA5}"/>
+              </a:ext>
+            </a:extLst>
+          </p:cNvPr>
+          <p:cNvCxnSpPr>
+            <a:cxnSpLocks/>
+            <a:stCxn id="19" idx="3"/>
+            <a:endCxn id="28" idx="1"/>
+          </p:cNvCxnSpPr>
+          <p:nvPr/>
+        </p:nvCxnSpPr>
+        <p:spPr>
+          <a:xfrm>
+            <a:off x="4681882" y="2479985"/>
+            <a:ext cx="799108" cy="0"/>
+          </a:xfrm>
+          <a:prstGeom prst="straightConnector1">
+            <a:avLst/>
+          </a:prstGeom>
+          <a:ln>
+            <a:tailEnd type="triangle"/>
+          </a:ln>
+        </p:spPr>
+        <p:style>
+          <a:lnRef idx="1">
+            <a:schemeClr val="accent1"/>
+          </a:lnRef>
+          <a:fillRef idx="0">
+            <a:schemeClr val="accent1"/>
+          </a:fillRef>
+          <a:effectRef idx="0">
+            <a:schemeClr val="accent1"/>
+          </a:effectRef>
+          <a:fontRef idx="minor">
+            <a:schemeClr val="tx1"/>
+          </a:fontRef>
+        </p:style>
+      </p:cxnSp>
+      <p:cxnSp>
+        <p:nvCxnSpPr>
+          <p:cNvPr id="34" name="Straight Arrow Connector 33">
+            <a:extLst>
+              <a:ext uri="{FF2B5EF4-FFF2-40B4-BE49-F238E27FC236}">
+                <a16:creationId xmlns:a16="http://schemas.microsoft.com/office/drawing/2014/main" id="{FCF4683B-B3B9-C24F-BF44-8924CD9D1635}"/>
+              </a:ext>
+            </a:extLst>
+          </p:cNvPr>
+          <p:cNvCxnSpPr>
+            <a:cxnSpLocks/>
+            <a:stCxn id="14" idx="3"/>
+            <a:endCxn id="25" idx="1"/>
+          </p:cNvCxnSpPr>
+          <p:nvPr/>
+        </p:nvCxnSpPr>
+        <p:spPr>
+          <a:xfrm>
+            <a:off x="4681882" y="2912827"/>
+            <a:ext cx="799108" cy="0"/>
+          </a:xfrm>
+          <a:prstGeom prst="straightConnector1">
+            <a:avLst/>
+          </a:prstGeom>
+          <a:ln>
+            <a:tailEnd type="triangle"/>
+          </a:ln>
+        </p:spPr>
+        <p:style>
+          <a:lnRef idx="1">
+            <a:schemeClr val="accent1"/>
+          </a:lnRef>
+          <a:fillRef idx="0">
+            <a:schemeClr val="accent1"/>
+          </a:fillRef>
+          <a:effectRef idx="0">
+            <a:schemeClr val="accent1"/>
+          </a:effectRef>
+          <a:fontRef idx="minor">
+            <a:schemeClr val="tx1"/>
+          </a:fontRef>
+        </p:style>
+      </p:cxnSp>
+      <p:sp>
+        <p:nvSpPr>
+          <p:cNvPr id="35" name="Rechteck 14">
+            <a:extLst>
+              <a:ext uri="{FF2B5EF4-FFF2-40B4-BE49-F238E27FC236}">
+                <a16:creationId xmlns:a16="http://schemas.microsoft.com/office/drawing/2014/main" id="{808F3D57-DF25-9947-98A3-2760892A4EFC}"/>
+              </a:ext>
+            </a:extLst>
+          </p:cNvPr>
+          <p:cNvSpPr/>
+          <p:nvPr/>
+        </p:nvSpPr>
+        <p:spPr>
+          <a:xfrm>
+            <a:off x="2600670" y="3183535"/>
+            <a:ext cx="2081212" cy="328613"/>
+          </a:xfrm>
+          <a:prstGeom prst="rect">
+            <a:avLst/>
+          </a:prstGeom>
+          <a:ln>
+            <a:solidFill>
+              <a:schemeClr val="bg2">
+                <a:lumMod val="90000"/>
+              </a:schemeClr>
+            </a:solidFill>
+          </a:ln>
+        </p:spPr>
+        <p:style>
+          <a:lnRef idx="2">
+            <a:schemeClr val="accent3"/>
+          </a:lnRef>
+          <a:fillRef idx="1">
+            <a:schemeClr val="lt1"/>
+          </a:fillRef>
+          <a:effectRef idx="0">
+            <a:schemeClr val="accent3"/>
+          </a:effectRef>
+          <a:fontRef idx="minor">
+            <a:schemeClr val="dk1"/>
+          </a:fontRef>
+        </p:style>
+        <p:txBody>
+          <a:bodyPr anchor="ctr"/>
+          <a:lstStyle/>
+          <a:p>
+            <a:pPr algn="ctr">
+              <a:defRPr/>
+            </a:pPr>
+            <a:r>
+              <a:rPr lang="de-DE" sz="1200" b="1" dirty="0" err="1">
+                <a:latin typeface="Rotis SemiSans Pro" pitchFamily="50" charset="0"/>
+              </a:rPr>
+              <a:t>Vsphere</a:t>
+            </a:r>
+            <a:r>
+              <a:rPr lang="de-DE" sz="1200" b="1" dirty="0">
+                <a:latin typeface="Rotis SemiSans Pro" pitchFamily="50" charset="0"/>
+              </a:rPr>
+              <a:t> </a:t>
+            </a:r>
+            <a:r>
+              <a:rPr lang="de-DE" sz="1200" dirty="0">
+                <a:latin typeface="Rotis SemiSans Pro" pitchFamily="50" charset="0"/>
+              </a:rPr>
+              <a:t>VM</a:t>
+            </a:r>
+            <a:endParaRPr lang="de-DE" sz="1100" dirty="0">
+              <a:latin typeface="Rotis SemiSans Pro" pitchFamily="50" charset="0"/>
+            </a:endParaRPr>
+          </a:p>
+        </p:txBody>
+      </p:sp>
+      <p:sp>
+        <p:nvSpPr>
+          <p:cNvPr id="36" name="Rechteck 14">
+            <a:extLst>
+              <a:ext uri="{FF2B5EF4-FFF2-40B4-BE49-F238E27FC236}">
+                <a16:creationId xmlns:a16="http://schemas.microsoft.com/office/drawing/2014/main" id="{0A4C6CA8-ECA4-5E49-BA2F-753F83B6F5C8}"/>
+              </a:ext>
+            </a:extLst>
+          </p:cNvPr>
+          <p:cNvSpPr/>
+          <p:nvPr/>
+        </p:nvSpPr>
+        <p:spPr>
+          <a:xfrm>
+            <a:off x="5480990" y="3183535"/>
+            <a:ext cx="2081212" cy="328613"/>
+          </a:xfrm>
+          <a:prstGeom prst="rect">
+            <a:avLst/>
+          </a:prstGeom>
+          <a:ln>
+            <a:solidFill>
+              <a:schemeClr val="bg2">
+                <a:lumMod val="90000"/>
+              </a:schemeClr>
+            </a:solidFill>
+          </a:ln>
+        </p:spPr>
+        <p:style>
+          <a:lnRef idx="2">
+            <a:schemeClr val="accent3"/>
+          </a:lnRef>
+          <a:fillRef idx="1">
+            <a:schemeClr val="lt1"/>
+          </a:fillRef>
+          <a:effectRef idx="0">
+            <a:schemeClr val="accent3"/>
+          </a:effectRef>
+          <a:fontRef idx="minor">
+            <a:schemeClr val="dk1"/>
+          </a:fontRef>
+        </p:style>
+        <p:txBody>
+          <a:bodyPr anchor="ctr"/>
+          <a:lstStyle/>
+          <a:p>
+            <a:pPr algn="ctr">
+              <a:defRPr/>
+            </a:pPr>
+            <a:r>
+              <a:rPr lang="de-DE" sz="1200" dirty="0">
+                <a:latin typeface="Rotis SemiSans Pro" pitchFamily="50" charset="0"/>
+              </a:rPr>
+              <a:t>Hardware</a:t>
+            </a:r>
+            <a:endParaRPr lang="de-DE" sz="1100" dirty="0">
+              <a:latin typeface="Rotis SemiSans Pro" pitchFamily="50" charset="0"/>
+            </a:endParaRPr>
+          </a:p>
+        </p:txBody>
+      </p:sp>
+      <p:cxnSp>
+        <p:nvCxnSpPr>
+          <p:cNvPr id="37" name="Straight Arrow Connector 36">
+            <a:extLst>
+              <a:ext uri="{FF2B5EF4-FFF2-40B4-BE49-F238E27FC236}">
+                <a16:creationId xmlns:a16="http://schemas.microsoft.com/office/drawing/2014/main" id="{6390F09A-3559-6B47-A7E1-37DE36DBEE9D}"/>
+              </a:ext>
+            </a:extLst>
+          </p:cNvPr>
+          <p:cNvCxnSpPr>
+            <a:cxnSpLocks/>
+            <a:stCxn id="35" idx="3"/>
+            <a:endCxn id="36" idx="1"/>
+          </p:cNvCxnSpPr>
+          <p:nvPr/>
+        </p:nvCxnSpPr>
+        <p:spPr>
+          <a:xfrm>
+            <a:off x="4681882" y="3347842"/>
+            <a:ext cx="799108" cy="0"/>
+          </a:xfrm>
+          <a:prstGeom prst="straightConnector1">
+            <a:avLst/>
+          </a:prstGeom>
+          <a:ln>
+            <a:tailEnd type="triangle"/>
+          </a:ln>
+        </p:spPr>
+        <p:style>
+          <a:lnRef idx="1">
+            <a:schemeClr val="accent1"/>
+          </a:lnRef>
+          <a:fillRef idx="0">
+            <a:schemeClr val="accent1"/>
+          </a:fillRef>
+          <a:effectRef idx="0">
+            <a:schemeClr val="accent1"/>
+          </a:effectRef>
+          <a:fontRef idx="minor">
+            <a:schemeClr val="tx1"/>
+          </a:fontRef>
+        </p:style>
+      </p:cxnSp>
     </p:spTree>
     <p:extLst>
       <p:ext uri="{BB962C8B-B14F-4D97-AF65-F5344CB8AC3E}">

--- a/DOC/Fachgespraech.pptx
+++ b/DOC/Fachgespraech.pptx
@@ -7852,6 +7852,236 @@
           </a:graphicData>
         </a:graphic>
       </p:graphicFrame>
+      <p:sp>
+        <p:nvSpPr>
+          <p:cNvPr id="3" name="TextBox 2">
+            <a:extLst>
+              <a:ext uri="{FF2B5EF4-FFF2-40B4-BE49-F238E27FC236}">
+                <a16:creationId xmlns:a16="http://schemas.microsoft.com/office/drawing/2014/main" id="{90FCB360-0119-ED4D-BC72-7A8B4D062290}"/>
+              </a:ext>
+            </a:extLst>
+          </p:cNvPr>
+          <p:cNvSpPr txBox="1"/>
+          <p:nvPr/>
+        </p:nvSpPr>
+        <p:spPr>
+          <a:xfrm>
+            <a:off x="467544" y="2132856"/>
+            <a:ext cx="1927707" cy="369332"/>
+          </a:xfrm>
+          <a:prstGeom prst="rect">
+            <a:avLst/>
+          </a:prstGeom>
+          <a:noFill/>
+        </p:spPr>
+        <p:txBody>
+          <a:bodyPr wrap="none" rtlCol="0">
+            <a:spAutoFit/>
+          </a:bodyPr>
+          <a:lstStyle/>
+          <a:p>
+            <a:r>
+              <a:rPr lang="de-DE" dirty="0"/>
+              <a:t>Risiken und kosten</a:t>
+            </a:r>
+          </a:p>
+        </p:txBody>
+      </p:sp>
+      <p:cxnSp>
+        <p:nvCxnSpPr>
+          <p:cNvPr id="8" name="Straight Arrow Connector 7">
+            <a:extLst>
+              <a:ext uri="{FF2B5EF4-FFF2-40B4-BE49-F238E27FC236}">
+                <a16:creationId xmlns:a16="http://schemas.microsoft.com/office/drawing/2014/main" id="{EF0F0D08-6BE3-F84D-B09F-B15FCD06C420}"/>
+              </a:ext>
+            </a:extLst>
+          </p:cNvPr>
+          <p:cNvCxnSpPr>
+            <a:cxnSpLocks/>
+            <a:stCxn id="3" idx="1"/>
+          </p:cNvCxnSpPr>
+          <p:nvPr/>
+        </p:nvCxnSpPr>
+        <p:spPr>
+          <a:xfrm>
+            <a:off x="467544" y="2317522"/>
+            <a:ext cx="504056" cy="1975574"/>
+          </a:xfrm>
+          <a:prstGeom prst="straightConnector1">
+            <a:avLst/>
+          </a:prstGeom>
+          <a:ln>
+            <a:tailEnd type="triangle"/>
+          </a:ln>
+        </p:spPr>
+        <p:style>
+          <a:lnRef idx="1">
+            <a:schemeClr val="accent1"/>
+          </a:lnRef>
+          <a:fillRef idx="0">
+            <a:schemeClr val="accent1"/>
+          </a:fillRef>
+          <a:effectRef idx="0">
+            <a:schemeClr val="accent1"/>
+          </a:effectRef>
+          <a:fontRef idx="minor">
+            <a:schemeClr val="tx1"/>
+          </a:fontRef>
+        </p:style>
+      </p:cxnSp>
+      <p:sp>
+        <p:nvSpPr>
+          <p:cNvPr id="13" name="TextBox 12">
+            <a:extLst>
+              <a:ext uri="{FF2B5EF4-FFF2-40B4-BE49-F238E27FC236}">
+                <a16:creationId xmlns:a16="http://schemas.microsoft.com/office/drawing/2014/main" id="{C6D46ACE-1852-AA44-B69B-04F79645F8A7}"/>
+              </a:ext>
+            </a:extLst>
+          </p:cNvPr>
+          <p:cNvSpPr txBox="1"/>
+          <p:nvPr/>
+        </p:nvSpPr>
+        <p:spPr>
+          <a:xfrm>
+            <a:off x="827584" y="2502188"/>
+            <a:ext cx="2645340" cy="369332"/>
+          </a:xfrm>
+          <a:prstGeom prst="rect">
+            <a:avLst/>
+          </a:prstGeom>
+          <a:noFill/>
+        </p:spPr>
+        <p:txBody>
+          <a:bodyPr wrap="none" rtlCol="0">
+            <a:spAutoFit/>
+          </a:bodyPr>
+          <a:lstStyle/>
+          <a:p>
+            <a:r>
+              <a:rPr lang="de-DE" dirty="0"/>
+              <a:t>Funktionalitäten ermitteln</a:t>
+            </a:r>
+          </a:p>
+        </p:txBody>
+      </p:sp>
+      <p:cxnSp>
+        <p:nvCxnSpPr>
+          <p:cNvPr id="15" name="Straight Arrow Connector 14">
+            <a:extLst>
+              <a:ext uri="{FF2B5EF4-FFF2-40B4-BE49-F238E27FC236}">
+                <a16:creationId xmlns:a16="http://schemas.microsoft.com/office/drawing/2014/main" id="{9892D1C0-04AA-BF4C-8E5D-6C2978A0DE7A}"/>
+              </a:ext>
+            </a:extLst>
+          </p:cNvPr>
+          <p:cNvCxnSpPr>
+            <a:cxnSpLocks/>
+          </p:cNvCxnSpPr>
+          <p:nvPr/>
+        </p:nvCxnSpPr>
+        <p:spPr>
+          <a:xfrm>
+            <a:off x="827584" y="2686854"/>
+            <a:ext cx="504056" cy="1859830"/>
+          </a:xfrm>
+          <a:prstGeom prst="straightConnector1">
+            <a:avLst/>
+          </a:prstGeom>
+          <a:ln>
+            <a:tailEnd type="triangle"/>
+          </a:ln>
+        </p:spPr>
+        <p:style>
+          <a:lnRef idx="1">
+            <a:schemeClr val="accent1"/>
+          </a:lnRef>
+          <a:fillRef idx="0">
+            <a:schemeClr val="accent1"/>
+          </a:fillRef>
+          <a:effectRef idx="0">
+            <a:schemeClr val="accent1"/>
+          </a:effectRef>
+          <a:fontRef idx="minor">
+            <a:schemeClr val="tx1"/>
+          </a:fontRef>
+        </p:style>
+      </p:cxnSp>
+      <p:cxnSp>
+        <p:nvCxnSpPr>
+          <p:cNvPr id="18" name="Straight Arrow Connector 17">
+            <a:extLst>
+              <a:ext uri="{FF2B5EF4-FFF2-40B4-BE49-F238E27FC236}">
+                <a16:creationId xmlns:a16="http://schemas.microsoft.com/office/drawing/2014/main" id="{80F4C2D4-E6DC-0342-A1A9-E3CA1DE6A880}"/>
+              </a:ext>
+            </a:extLst>
+          </p:cNvPr>
+          <p:cNvCxnSpPr>
+            <a:cxnSpLocks/>
+            <a:stCxn id="19" idx="1"/>
+          </p:cNvCxnSpPr>
+          <p:nvPr/>
+        </p:nvCxnSpPr>
+        <p:spPr>
+          <a:xfrm flipH="1">
+            <a:off x="2395251" y="3186954"/>
+            <a:ext cx="160525" cy="242046"/>
+          </a:xfrm>
+          <a:prstGeom prst="straightConnector1">
+            <a:avLst/>
+          </a:prstGeom>
+          <a:ln>
+            <a:tailEnd type="triangle"/>
+          </a:ln>
+        </p:spPr>
+        <p:style>
+          <a:lnRef idx="1">
+            <a:schemeClr val="accent1"/>
+          </a:lnRef>
+          <a:fillRef idx="0">
+            <a:schemeClr val="accent1"/>
+          </a:fillRef>
+          <a:effectRef idx="0">
+            <a:schemeClr val="accent1"/>
+          </a:effectRef>
+          <a:fontRef idx="minor">
+            <a:schemeClr val="tx1"/>
+          </a:fontRef>
+        </p:style>
+      </p:cxnSp>
+      <p:sp>
+        <p:nvSpPr>
+          <p:cNvPr id="19" name="TextBox 18">
+            <a:extLst>
+              <a:ext uri="{FF2B5EF4-FFF2-40B4-BE49-F238E27FC236}">
+                <a16:creationId xmlns:a16="http://schemas.microsoft.com/office/drawing/2014/main" id="{89E2C332-CA01-F940-A581-972F3660CC5B}"/>
+              </a:ext>
+            </a:extLst>
+          </p:cNvPr>
+          <p:cNvSpPr txBox="1"/>
+          <p:nvPr/>
+        </p:nvSpPr>
+        <p:spPr>
+          <a:xfrm>
+            <a:off x="2555776" y="3002288"/>
+            <a:ext cx="1560042" cy="369332"/>
+          </a:xfrm>
+          <a:prstGeom prst="rect">
+            <a:avLst/>
+          </a:prstGeom>
+          <a:noFill/>
+        </p:spPr>
+        <p:txBody>
+          <a:bodyPr wrap="none" rtlCol="0">
+            <a:spAutoFit/>
+          </a:bodyPr>
+          <a:lstStyle/>
+          <a:p>
+            <a:r>
+              <a:rPr lang="de-DE" dirty="0"/>
+              <a:t>Phasen planen</a:t>
+            </a:r>
+          </a:p>
+        </p:txBody>
+      </p:sp>
     </p:spTree>
     <p:extLst>
       <p:ext uri="{BB962C8B-B14F-4D97-AF65-F5344CB8AC3E}">
